--- a/module-1/01-01 What is a Web API/01-01 What is a Web API.pptx
+++ b/module-1/01-01 What is a Web API/01-01 What is a Web API.pptx
@@ -2,11 +2,16 @@
 <file path=ppt/presentation.xml><?xml version="1.0" encoding="utf-8"?>
 <p:presentation xmlns:a="http://schemas.openxmlformats.org/drawingml/2006/main" xmlns:r="http://schemas.openxmlformats.org/officeDocument/2006/relationships" xmlns:p="http://schemas.openxmlformats.org/presentationml/2006/main" saveSubsetFonts="1">
   <p:sldMasterIdLst>
-    <p:sldMasterId id="2147483684" r:id="rId1"/>
+    <p:sldMasterId id="2147483696" r:id="rId1"/>
+    <p:sldMasterId id="2147483708" r:id="rId2"/>
   </p:sldMasterIdLst>
+  <p:notesMasterIdLst>
+    <p:notesMasterId r:id="rId6"/>
+  </p:notesMasterIdLst>
   <p:sldIdLst>
-    <p:sldId id="256" r:id="rId2"/>
-    <p:sldId id="257" r:id="rId3"/>
+    <p:sldId id="256" r:id="rId3"/>
+    <p:sldId id="259" r:id="rId4"/>
+    <p:sldId id="257" r:id="rId5"/>
   </p:sldIdLst>
   <p:sldSz cx="12192000" cy="6858000"/>
   <p:notesSz cx="6858000" cy="9144000"/>
@@ -105,7 +110,510 @@
       </a:defRPr>
     </a:lvl9pPr>
   </p:defaultTextStyle>
+  <p:extLst>
+    <p:ext uri="{EFAFB233-063F-42B5-8137-9DF3F51BA10A}">
+      <p15:sldGuideLst xmlns:p15="http://schemas.microsoft.com/office/powerpoint/2012/main"/>
+    </p:ext>
+  </p:extLst>
 </p:presentation>
+</file>
+
+<file path=ppt/notesMasters/notesMaster1.xml><?xml version="1.0" encoding="utf-8"?>
+<p:notesMaster xmlns:a="http://schemas.openxmlformats.org/drawingml/2006/main" xmlns:r="http://schemas.openxmlformats.org/officeDocument/2006/relationships" xmlns:p="http://schemas.openxmlformats.org/presentationml/2006/main">
+  <p:cSld>
+    <p:bg>
+      <p:bgRef idx="1001">
+        <a:schemeClr val="bg1"/>
+      </p:bgRef>
+    </p:bg>
+    <p:spTree>
+      <p:nvGrpSpPr>
+        <p:cNvPr id="1" name=""/>
+        <p:cNvGrpSpPr/>
+        <p:nvPr/>
+      </p:nvGrpSpPr>
+      <p:grpSpPr>
+        <a:xfrm>
+          <a:off x="0" y="0"/>
+          <a:ext cx="0" cy="0"/>
+          <a:chOff x="0" y="0"/>
+          <a:chExt cx="0" cy="0"/>
+        </a:xfrm>
+      </p:grpSpPr>
+      <p:sp>
+        <p:nvSpPr>
+          <p:cNvPr id="2" name="Header Placeholder 1"/>
+          <p:cNvSpPr>
+            <a:spLocks noGrp="1"/>
+          </p:cNvSpPr>
+          <p:nvPr>
+            <p:ph type="hdr" sz="quarter"/>
+          </p:nvPr>
+        </p:nvSpPr>
+        <p:spPr>
+          <a:xfrm>
+            <a:off x="0" y="0"/>
+            <a:ext cx="2971800" cy="458788"/>
+          </a:xfrm>
+          <a:prstGeom prst="rect">
+            <a:avLst/>
+          </a:prstGeom>
+        </p:spPr>
+        <p:txBody>
+          <a:bodyPr vert="horz" lIns="91440" tIns="45720" rIns="91440" bIns="45720" rtlCol="0"/>
+          <a:lstStyle>
+            <a:lvl1pPr algn="l">
+              <a:defRPr sz="1200"/>
+            </a:lvl1pPr>
+          </a:lstStyle>
+          <a:p>
+            <a:endParaRPr lang="en-US"/>
+          </a:p>
+        </p:txBody>
+      </p:sp>
+      <p:sp>
+        <p:nvSpPr>
+          <p:cNvPr id="3" name="Date Placeholder 2"/>
+          <p:cNvSpPr>
+            <a:spLocks noGrp="1"/>
+          </p:cNvSpPr>
+          <p:nvPr>
+            <p:ph type="dt" idx="1"/>
+          </p:nvPr>
+        </p:nvSpPr>
+        <p:spPr>
+          <a:xfrm>
+            <a:off x="3884613" y="0"/>
+            <a:ext cx="2971800" cy="458788"/>
+          </a:xfrm>
+          <a:prstGeom prst="rect">
+            <a:avLst/>
+          </a:prstGeom>
+        </p:spPr>
+        <p:txBody>
+          <a:bodyPr vert="horz" lIns="91440" tIns="45720" rIns="91440" bIns="45720" rtlCol="0"/>
+          <a:lstStyle>
+            <a:lvl1pPr algn="r">
+              <a:defRPr sz="1200"/>
+            </a:lvl1pPr>
+          </a:lstStyle>
+          <a:p>
+            <a:fld id="{80461A19-0AC6-45CE-9936-8ED2930E5154}" type="datetimeFigureOut">
+              <a:rPr lang="en-US" smtClean="0"/>
+              <a:t>9/14/2021</a:t>
+            </a:fld>
+            <a:endParaRPr lang="en-US"/>
+          </a:p>
+        </p:txBody>
+      </p:sp>
+      <p:sp>
+        <p:nvSpPr>
+          <p:cNvPr id="4" name="Slide Image Placeholder 3"/>
+          <p:cNvSpPr>
+            <a:spLocks noGrp="1" noRot="1" noChangeAspect="1"/>
+          </p:cNvSpPr>
+          <p:nvPr>
+            <p:ph type="sldImg" idx="2"/>
+          </p:nvPr>
+        </p:nvSpPr>
+        <p:spPr>
+          <a:xfrm>
+            <a:off x="685800" y="1143000"/>
+            <a:ext cx="5486400" cy="3086100"/>
+          </a:xfrm>
+          <a:prstGeom prst="rect">
+            <a:avLst/>
+          </a:prstGeom>
+          <a:noFill/>
+          <a:ln w="12700">
+            <a:solidFill>
+              <a:prstClr val="black"/>
+            </a:solidFill>
+          </a:ln>
+        </p:spPr>
+        <p:txBody>
+          <a:bodyPr vert="horz" lIns="91440" tIns="45720" rIns="91440" bIns="45720" rtlCol="0" anchor="ctr"/>
+          <a:lstStyle/>
+          <a:p>
+            <a:endParaRPr lang="en-US"/>
+          </a:p>
+        </p:txBody>
+      </p:sp>
+      <p:sp>
+        <p:nvSpPr>
+          <p:cNvPr id="5" name="Notes Placeholder 4"/>
+          <p:cNvSpPr>
+            <a:spLocks noGrp="1"/>
+          </p:cNvSpPr>
+          <p:nvPr>
+            <p:ph type="body" sz="quarter" idx="3"/>
+          </p:nvPr>
+        </p:nvSpPr>
+        <p:spPr>
+          <a:xfrm>
+            <a:off x="685800" y="4400550"/>
+            <a:ext cx="5486400" cy="3600450"/>
+          </a:xfrm>
+          <a:prstGeom prst="rect">
+            <a:avLst/>
+          </a:prstGeom>
+        </p:spPr>
+        <p:txBody>
+          <a:bodyPr vert="horz" lIns="91440" tIns="45720" rIns="91440" bIns="45720" rtlCol="0"/>
+          <a:lstStyle/>
+          <a:p>
+            <a:pPr lvl="0"/>
+            <a:r>
+              <a:rPr lang="en-US"/>
+              <a:t>Click to edit Master text styles</a:t>
+            </a:r>
+          </a:p>
+          <a:p>
+            <a:pPr lvl="1"/>
+            <a:r>
+              <a:rPr lang="en-US"/>
+              <a:t>Second level</a:t>
+            </a:r>
+          </a:p>
+          <a:p>
+            <a:pPr lvl="2"/>
+            <a:r>
+              <a:rPr lang="en-US"/>
+              <a:t>Third level</a:t>
+            </a:r>
+          </a:p>
+          <a:p>
+            <a:pPr lvl="3"/>
+            <a:r>
+              <a:rPr lang="en-US"/>
+              <a:t>Fourth level</a:t>
+            </a:r>
+          </a:p>
+          <a:p>
+            <a:pPr lvl="4"/>
+            <a:r>
+              <a:rPr lang="en-US"/>
+              <a:t>Fifth level</a:t>
+            </a:r>
+          </a:p>
+        </p:txBody>
+      </p:sp>
+      <p:sp>
+        <p:nvSpPr>
+          <p:cNvPr id="6" name="Footer Placeholder 5"/>
+          <p:cNvSpPr>
+            <a:spLocks noGrp="1"/>
+          </p:cNvSpPr>
+          <p:nvPr>
+            <p:ph type="ftr" sz="quarter" idx="4"/>
+          </p:nvPr>
+        </p:nvSpPr>
+        <p:spPr>
+          <a:xfrm>
+            <a:off x="0" y="8685213"/>
+            <a:ext cx="2971800" cy="458787"/>
+          </a:xfrm>
+          <a:prstGeom prst="rect">
+            <a:avLst/>
+          </a:prstGeom>
+        </p:spPr>
+        <p:txBody>
+          <a:bodyPr vert="horz" lIns="91440" tIns="45720" rIns="91440" bIns="45720" rtlCol="0" anchor="b"/>
+          <a:lstStyle>
+            <a:lvl1pPr algn="l">
+              <a:defRPr sz="1200"/>
+            </a:lvl1pPr>
+          </a:lstStyle>
+          <a:p>
+            <a:endParaRPr lang="en-US"/>
+          </a:p>
+        </p:txBody>
+      </p:sp>
+      <p:sp>
+        <p:nvSpPr>
+          <p:cNvPr id="7" name="Slide Number Placeholder 6"/>
+          <p:cNvSpPr>
+            <a:spLocks noGrp="1"/>
+          </p:cNvSpPr>
+          <p:nvPr>
+            <p:ph type="sldNum" sz="quarter" idx="5"/>
+          </p:nvPr>
+        </p:nvSpPr>
+        <p:spPr>
+          <a:xfrm>
+            <a:off x="3884613" y="8685213"/>
+            <a:ext cx="2971800" cy="458787"/>
+          </a:xfrm>
+          <a:prstGeom prst="rect">
+            <a:avLst/>
+          </a:prstGeom>
+        </p:spPr>
+        <p:txBody>
+          <a:bodyPr vert="horz" lIns="91440" tIns="45720" rIns="91440" bIns="45720" rtlCol="0" anchor="b"/>
+          <a:lstStyle>
+            <a:lvl1pPr algn="r">
+              <a:defRPr sz="1200"/>
+            </a:lvl1pPr>
+          </a:lstStyle>
+          <a:p>
+            <a:fld id="{46499CFE-F427-4201-B82E-465C6C82E6C9}" type="slidenum">
+              <a:rPr lang="en-US" smtClean="0"/>
+              <a:t>‹#›</a:t>
+            </a:fld>
+            <a:endParaRPr lang="en-US"/>
+          </a:p>
+        </p:txBody>
+      </p:sp>
+    </p:spTree>
+    <p:extLst>
+      <p:ext uri="{BB962C8B-B14F-4D97-AF65-F5344CB8AC3E}">
+        <p14:creationId xmlns:p14="http://schemas.microsoft.com/office/powerpoint/2010/main" val="1832326421"/>
+      </p:ext>
+    </p:extLst>
+  </p:cSld>
+  <p:clrMap bg1="lt1" tx1="dk1" bg2="lt2" tx2="dk2" accent1="accent1" accent2="accent2" accent3="accent3" accent4="accent4" accent5="accent5" accent6="accent6" hlink="hlink" folHlink="folHlink"/>
+  <p:notesStyle>
+    <a:lvl1pPr marL="0" algn="l" defTabSz="914400" rtl="0" eaLnBrk="1" latinLnBrk="0" hangingPunct="1">
+      <a:defRPr sz="1200" kern="1200">
+        <a:solidFill>
+          <a:schemeClr val="tx1"/>
+        </a:solidFill>
+        <a:latin typeface="+mn-lt"/>
+        <a:ea typeface="+mn-ea"/>
+        <a:cs typeface="+mn-cs"/>
+      </a:defRPr>
+    </a:lvl1pPr>
+    <a:lvl2pPr marL="457200" algn="l" defTabSz="914400" rtl="0" eaLnBrk="1" latinLnBrk="0" hangingPunct="1">
+      <a:defRPr sz="1200" kern="1200">
+        <a:solidFill>
+          <a:schemeClr val="tx1"/>
+        </a:solidFill>
+        <a:latin typeface="+mn-lt"/>
+        <a:ea typeface="+mn-ea"/>
+        <a:cs typeface="+mn-cs"/>
+      </a:defRPr>
+    </a:lvl2pPr>
+    <a:lvl3pPr marL="914400" algn="l" defTabSz="914400" rtl="0" eaLnBrk="1" latinLnBrk="0" hangingPunct="1">
+      <a:defRPr sz="1200" kern="1200">
+        <a:solidFill>
+          <a:schemeClr val="tx1"/>
+        </a:solidFill>
+        <a:latin typeface="+mn-lt"/>
+        <a:ea typeface="+mn-ea"/>
+        <a:cs typeface="+mn-cs"/>
+      </a:defRPr>
+    </a:lvl3pPr>
+    <a:lvl4pPr marL="1371600" algn="l" defTabSz="914400" rtl="0" eaLnBrk="1" latinLnBrk="0" hangingPunct="1">
+      <a:defRPr sz="1200" kern="1200">
+        <a:solidFill>
+          <a:schemeClr val="tx1"/>
+        </a:solidFill>
+        <a:latin typeface="+mn-lt"/>
+        <a:ea typeface="+mn-ea"/>
+        <a:cs typeface="+mn-cs"/>
+      </a:defRPr>
+    </a:lvl4pPr>
+    <a:lvl5pPr marL="1828800" algn="l" defTabSz="914400" rtl="0" eaLnBrk="1" latinLnBrk="0" hangingPunct="1">
+      <a:defRPr sz="1200" kern="1200">
+        <a:solidFill>
+          <a:schemeClr val="tx1"/>
+        </a:solidFill>
+        <a:latin typeface="+mn-lt"/>
+        <a:ea typeface="+mn-ea"/>
+        <a:cs typeface="+mn-cs"/>
+      </a:defRPr>
+    </a:lvl5pPr>
+    <a:lvl6pPr marL="2286000" algn="l" defTabSz="914400" rtl="0" eaLnBrk="1" latinLnBrk="0" hangingPunct="1">
+      <a:defRPr sz="1200" kern="1200">
+        <a:solidFill>
+          <a:schemeClr val="tx1"/>
+        </a:solidFill>
+        <a:latin typeface="+mn-lt"/>
+        <a:ea typeface="+mn-ea"/>
+        <a:cs typeface="+mn-cs"/>
+      </a:defRPr>
+    </a:lvl6pPr>
+    <a:lvl7pPr marL="2743200" algn="l" defTabSz="914400" rtl="0" eaLnBrk="1" latinLnBrk="0" hangingPunct="1">
+      <a:defRPr sz="1200" kern="1200">
+        <a:solidFill>
+          <a:schemeClr val="tx1"/>
+        </a:solidFill>
+        <a:latin typeface="+mn-lt"/>
+        <a:ea typeface="+mn-ea"/>
+        <a:cs typeface="+mn-cs"/>
+      </a:defRPr>
+    </a:lvl7pPr>
+    <a:lvl8pPr marL="3200400" algn="l" defTabSz="914400" rtl="0" eaLnBrk="1" latinLnBrk="0" hangingPunct="1">
+      <a:defRPr sz="1200" kern="1200">
+        <a:solidFill>
+          <a:schemeClr val="tx1"/>
+        </a:solidFill>
+        <a:latin typeface="+mn-lt"/>
+        <a:ea typeface="+mn-ea"/>
+        <a:cs typeface="+mn-cs"/>
+      </a:defRPr>
+    </a:lvl8pPr>
+    <a:lvl9pPr marL="3657600" algn="l" defTabSz="914400" rtl="0" eaLnBrk="1" latinLnBrk="0" hangingPunct="1">
+      <a:defRPr sz="1200" kern="1200">
+        <a:solidFill>
+          <a:schemeClr val="tx1"/>
+        </a:solidFill>
+        <a:latin typeface="+mn-lt"/>
+        <a:ea typeface="+mn-ea"/>
+        <a:cs typeface="+mn-cs"/>
+      </a:defRPr>
+    </a:lvl9pPr>
+  </p:notesStyle>
+</p:notesMaster>
+</file>
+
+<file path=ppt/notesSlides/notesSlide1.xml><?xml version="1.0" encoding="utf-8"?>
+<p:notes xmlns:a="http://schemas.openxmlformats.org/drawingml/2006/main" xmlns:r="http://schemas.openxmlformats.org/officeDocument/2006/relationships" xmlns:p="http://schemas.openxmlformats.org/presentationml/2006/main">
+  <p:cSld>
+    <p:spTree>
+      <p:nvGrpSpPr>
+        <p:cNvPr id="1" name=""/>
+        <p:cNvGrpSpPr/>
+        <p:nvPr/>
+      </p:nvGrpSpPr>
+      <p:grpSpPr>
+        <a:xfrm>
+          <a:off x="0" y="0"/>
+          <a:ext cx="0" cy="0"/>
+          <a:chOff x="0" y="0"/>
+          <a:chExt cx="0" cy="0"/>
+        </a:xfrm>
+      </p:grpSpPr>
+      <p:sp>
+        <p:nvSpPr>
+          <p:cNvPr id="2" name="Slide Image Placeholder 1"/>
+          <p:cNvSpPr>
+            <a:spLocks noGrp="1" noRot="1" noChangeAspect="1"/>
+          </p:cNvSpPr>
+          <p:nvPr>
+            <p:ph type="sldImg"/>
+          </p:nvPr>
+        </p:nvSpPr>
+        <p:spPr>
+          <a:xfrm>
+            <a:off x="685800" y="1143000"/>
+            <a:ext cx="5486400" cy="3086100"/>
+          </a:xfrm>
+        </p:spPr>
+      </p:sp>
+      <p:sp>
+        <p:nvSpPr>
+          <p:cNvPr id="3" name="Notes Placeholder 2"/>
+          <p:cNvSpPr>
+            <a:spLocks noGrp="1"/>
+          </p:cNvSpPr>
+          <p:nvPr>
+            <p:ph type="body" idx="1"/>
+          </p:nvPr>
+        </p:nvSpPr>
+        <p:spPr/>
+        <p:txBody>
+          <a:bodyPr/>
+          <a:lstStyle/>
+          <a:p>
+            <a:endParaRPr lang="en-US" dirty="0"/>
+          </a:p>
+        </p:txBody>
+      </p:sp>
+      <p:sp>
+        <p:nvSpPr>
+          <p:cNvPr id="4" name="Slide Number Placeholder 3"/>
+          <p:cNvSpPr>
+            <a:spLocks noGrp="1"/>
+          </p:cNvSpPr>
+          <p:nvPr>
+            <p:ph type="sldNum" sz="quarter" idx="10"/>
+          </p:nvPr>
+        </p:nvSpPr>
+        <p:spPr/>
+        <p:txBody>
+          <a:bodyPr/>
+          <a:lstStyle/>
+          <a:p>
+            <a:pPr marL="0" marR="0" lvl="0" indent="0" algn="r" defTabSz="548640" rtl="0" eaLnBrk="1" fontAlgn="auto" latinLnBrk="0" hangingPunct="1">
+              <a:lnSpc>
+                <a:spcPct val="100000"/>
+              </a:lnSpc>
+              <a:spcBef>
+                <a:spcPts val="0"/>
+              </a:spcBef>
+              <a:spcAft>
+                <a:spcPts val="0"/>
+              </a:spcAft>
+              <a:buClrTx/>
+              <a:buSzTx/>
+              <a:buFontTx/>
+              <a:buNone/>
+              <a:tabLst/>
+              <a:defRPr/>
+            </a:pPr>
+            <a:fld id="{2BD1BC4C-DBBA-1A46-BD21-33C27A89343E}" type="slidenum">
+              <a:rPr kumimoji="0" lang="en-US" sz="1200" b="0" i="0" u="none" strike="noStrike" kern="1200" cap="none" spc="0" normalizeH="0" baseline="0" noProof="0" smtClean="0">
+                <a:ln>
+                  <a:noFill/>
+                </a:ln>
+                <a:solidFill>
+                  <a:prstClr val="black"/>
+                </a:solidFill>
+                <a:effectLst/>
+                <a:uLnTx/>
+                <a:uFillTx/>
+                <a:latin typeface="Calibri" panose="020F0502020204030204"/>
+                <a:ea typeface="+mn-ea"/>
+                <a:cs typeface="+mn-cs"/>
+              </a:rPr>
+              <a:pPr marL="0" marR="0" lvl="0" indent="0" algn="r" defTabSz="548640" rtl="0" eaLnBrk="1" fontAlgn="auto" latinLnBrk="0" hangingPunct="1">
+                <a:lnSpc>
+                  <a:spcPct val="100000"/>
+                </a:lnSpc>
+                <a:spcBef>
+                  <a:spcPts val="0"/>
+                </a:spcBef>
+                <a:spcAft>
+                  <a:spcPts val="0"/>
+                </a:spcAft>
+                <a:buClrTx/>
+                <a:buSzTx/>
+                <a:buFontTx/>
+                <a:buNone/>
+                <a:tabLst/>
+                <a:defRPr/>
+              </a:pPr>
+              <a:t>2</a:t>
+            </a:fld>
+            <a:endParaRPr kumimoji="0" lang="en-US" sz="1200" b="0" i="0" u="none" strike="noStrike" kern="1200" cap="none" spc="0" normalizeH="0" baseline="0" noProof="0">
+              <a:ln>
+                <a:noFill/>
+              </a:ln>
+              <a:solidFill>
+                <a:prstClr val="black"/>
+              </a:solidFill>
+              <a:effectLst/>
+              <a:uLnTx/>
+              <a:uFillTx/>
+              <a:latin typeface="Calibri" panose="020F0502020204030204"/>
+              <a:ea typeface="+mn-ea"/>
+              <a:cs typeface="+mn-cs"/>
+            </a:endParaRPr>
+          </a:p>
+        </p:txBody>
+      </p:sp>
+    </p:spTree>
+    <p:extLst>
+      <p:ext uri="{BB962C8B-B14F-4D97-AF65-F5344CB8AC3E}">
+        <p14:creationId xmlns:p14="http://schemas.microsoft.com/office/powerpoint/2010/main" val="1615773938"/>
+      </p:ext>
+    </p:extLst>
+  </p:cSld>
+  <p:clrMapOvr>
+    <a:masterClrMapping/>
+  </p:clrMapOvr>
+</p:notes>
 </file>
 
 <file path=ppt/slideLayouts/slideLayout1.xml><?xml version="1.0" encoding="utf-8"?>
@@ -140,7 +648,9 @@
             <a:avLst/>
           </a:prstGeom>
           <a:solidFill>
-            <a:schemeClr val="accent2"/>
+            <a:schemeClr val="accent1">
+              <a:lumMod val="75000"/>
+            </a:schemeClr>
           </a:solidFill>
           <a:ln>
             <a:noFill/>
@@ -334,7 +844,7 @@
           <a:p>
             <a:fld id="{C70E03BD-25A7-4674-8CC2-6C56BFB98E22}" type="datetimeFigureOut">
               <a:rPr lang="en-US" smtClean="0"/>
-              <a:t>8/30/2021</a:t>
+              <a:t>9/14/2021</a:t>
             </a:fld>
             <a:endParaRPr lang="en-US"/>
           </a:p>
@@ -423,7 +933,7 @@
     </p:spTree>
     <p:extLst>
       <p:ext uri="{BB962C8B-B14F-4D97-AF65-F5344CB8AC3E}">
-        <p14:creationId xmlns:p14="http://schemas.microsoft.com/office/powerpoint/2010/main" val="3080865359"/>
+        <p14:creationId xmlns:p14="http://schemas.microsoft.com/office/powerpoint/2010/main" val="1825439281"/>
       </p:ext>
     </p:extLst>
   </p:cSld>
@@ -542,7 +1052,7 @@
           <a:p>
             <a:fld id="{C70E03BD-25A7-4674-8CC2-6C56BFB98E22}" type="datetimeFigureOut">
               <a:rPr lang="en-US" smtClean="0"/>
-              <a:t>8/30/2021</a:t>
+              <a:t>9/14/2021</a:t>
             </a:fld>
             <a:endParaRPr lang="en-US"/>
           </a:p>
@@ -593,7 +1103,7 @@
     </p:spTree>
     <p:extLst>
       <p:ext uri="{BB962C8B-B14F-4D97-AF65-F5344CB8AC3E}">
-        <p14:creationId xmlns:p14="http://schemas.microsoft.com/office/powerpoint/2010/main" val="1142137568"/>
+        <p14:creationId xmlns:p14="http://schemas.microsoft.com/office/powerpoint/2010/main" val="2938028560"/>
       </p:ext>
     </p:extLst>
   </p:cSld>
@@ -635,7 +1145,9 @@
             <a:avLst/>
           </a:prstGeom>
           <a:solidFill>
-            <a:schemeClr val="accent2"/>
+            <a:schemeClr val="accent1">
+              <a:lumMod val="75000"/>
+            </a:schemeClr>
           </a:solidFill>
           <a:ln>
             <a:noFill/>
@@ -798,7 +1310,7 @@
           <a:p>
             <a:fld id="{C70E03BD-25A7-4674-8CC2-6C56BFB98E22}" type="datetimeFigureOut">
               <a:rPr lang="en-US" smtClean="0"/>
-              <a:t>8/30/2021</a:t>
+              <a:t>9/14/2021</a:t>
             </a:fld>
             <a:endParaRPr lang="en-US"/>
           </a:p>
@@ -849,7 +1361,1851 @@
     </p:spTree>
     <p:extLst>
       <p:ext uri="{BB962C8B-B14F-4D97-AF65-F5344CB8AC3E}">
-        <p14:creationId xmlns:p14="http://schemas.microsoft.com/office/powerpoint/2010/main" val="2088475820"/>
+        <p14:creationId xmlns:p14="http://schemas.microsoft.com/office/powerpoint/2010/main" val="1678777857"/>
+      </p:ext>
+    </p:extLst>
+  </p:cSld>
+  <p:clrMapOvr>
+    <a:masterClrMapping/>
+  </p:clrMapOvr>
+</p:sldLayout>
+</file>
+
+<file path=ppt/slideLayouts/slideLayout12.xml><?xml version="1.0" encoding="utf-8"?>
+<p:sldLayout xmlns:a="http://schemas.openxmlformats.org/drawingml/2006/main" xmlns:r="http://schemas.openxmlformats.org/officeDocument/2006/relationships" xmlns:p="http://schemas.openxmlformats.org/presentationml/2006/main" type="title" preserve="1">
+  <p:cSld name="Title Slide">
+    <p:spTree>
+      <p:nvGrpSpPr>
+        <p:cNvPr id="1" name=""/>
+        <p:cNvGrpSpPr/>
+        <p:nvPr/>
+      </p:nvGrpSpPr>
+      <p:grpSpPr>
+        <a:xfrm>
+          <a:off x="0" y="0"/>
+          <a:ext cx="0" cy="0"/>
+          <a:chOff x="0" y="0"/>
+          <a:chExt cx="0" cy="0"/>
+        </a:xfrm>
+      </p:grpSpPr>
+      <p:sp>
+        <p:nvSpPr>
+          <p:cNvPr id="2" name="Title 1"/>
+          <p:cNvSpPr>
+            <a:spLocks noGrp="1"/>
+          </p:cNvSpPr>
+          <p:nvPr>
+            <p:ph type="ctrTitle"/>
+          </p:nvPr>
+        </p:nvSpPr>
+        <p:spPr>
+          <a:xfrm>
+            <a:off x="914400" y="2130427"/>
+            <a:ext cx="10363200" cy="1470025"/>
+          </a:xfrm>
+        </p:spPr>
+        <p:txBody>
+          <a:bodyPr/>
+          <a:lstStyle/>
+          <a:p>
+            <a:r>
+              <a:rPr lang="en-US"/>
+              <a:t>Click to edit Master title style</a:t>
+            </a:r>
+          </a:p>
+        </p:txBody>
+      </p:sp>
+      <p:sp>
+        <p:nvSpPr>
+          <p:cNvPr id="3" name="Subtitle 2"/>
+          <p:cNvSpPr>
+            <a:spLocks noGrp="1"/>
+          </p:cNvSpPr>
+          <p:nvPr>
+            <p:ph type="subTitle" idx="1"/>
+          </p:nvPr>
+        </p:nvSpPr>
+        <p:spPr>
+          <a:xfrm>
+            <a:off x="1828800" y="3886200"/>
+            <a:ext cx="8534400" cy="1752600"/>
+          </a:xfrm>
+        </p:spPr>
+        <p:txBody>
+          <a:bodyPr/>
+          <a:lstStyle>
+            <a:lvl1pPr marL="0" indent="0" algn="ctr">
+              <a:buNone/>
+              <a:defRPr>
+                <a:solidFill>
+                  <a:schemeClr val="tx1">
+                    <a:tint val="75000"/>
+                  </a:schemeClr>
+                </a:solidFill>
+              </a:defRPr>
+            </a:lvl1pPr>
+            <a:lvl2pPr marL="457182" indent="0" algn="ctr">
+              <a:buNone/>
+              <a:defRPr>
+                <a:solidFill>
+                  <a:schemeClr val="tx1">
+                    <a:tint val="75000"/>
+                  </a:schemeClr>
+                </a:solidFill>
+              </a:defRPr>
+            </a:lvl2pPr>
+            <a:lvl3pPr marL="914363" indent="0" algn="ctr">
+              <a:buNone/>
+              <a:defRPr>
+                <a:solidFill>
+                  <a:schemeClr val="tx1">
+                    <a:tint val="75000"/>
+                  </a:schemeClr>
+                </a:solidFill>
+              </a:defRPr>
+            </a:lvl3pPr>
+            <a:lvl4pPr marL="1371545" indent="0" algn="ctr">
+              <a:buNone/>
+              <a:defRPr>
+                <a:solidFill>
+                  <a:schemeClr val="tx1">
+                    <a:tint val="75000"/>
+                  </a:schemeClr>
+                </a:solidFill>
+              </a:defRPr>
+            </a:lvl4pPr>
+            <a:lvl5pPr marL="1828727" indent="0" algn="ctr">
+              <a:buNone/>
+              <a:defRPr>
+                <a:solidFill>
+                  <a:schemeClr val="tx1">
+                    <a:tint val="75000"/>
+                  </a:schemeClr>
+                </a:solidFill>
+              </a:defRPr>
+            </a:lvl5pPr>
+            <a:lvl6pPr marL="2285909" indent="0" algn="ctr">
+              <a:buNone/>
+              <a:defRPr>
+                <a:solidFill>
+                  <a:schemeClr val="tx1">
+                    <a:tint val="75000"/>
+                  </a:schemeClr>
+                </a:solidFill>
+              </a:defRPr>
+            </a:lvl6pPr>
+            <a:lvl7pPr marL="2743090" indent="0" algn="ctr">
+              <a:buNone/>
+              <a:defRPr>
+                <a:solidFill>
+                  <a:schemeClr val="tx1">
+                    <a:tint val="75000"/>
+                  </a:schemeClr>
+                </a:solidFill>
+              </a:defRPr>
+            </a:lvl7pPr>
+            <a:lvl8pPr marL="3200272" indent="0" algn="ctr">
+              <a:buNone/>
+              <a:defRPr>
+                <a:solidFill>
+                  <a:schemeClr val="tx1">
+                    <a:tint val="75000"/>
+                  </a:schemeClr>
+                </a:solidFill>
+              </a:defRPr>
+            </a:lvl8pPr>
+            <a:lvl9pPr marL="3657454" indent="0" algn="ctr">
+              <a:buNone/>
+              <a:defRPr>
+                <a:solidFill>
+                  <a:schemeClr val="tx1">
+                    <a:tint val="75000"/>
+                  </a:schemeClr>
+                </a:solidFill>
+              </a:defRPr>
+            </a:lvl9pPr>
+          </a:lstStyle>
+          <a:p>
+            <a:r>
+              <a:rPr lang="en-US"/>
+              <a:t>Click to edit Master subtitle style</a:t>
+            </a:r>
+          </a:p>
+        </p:txBody>
+      </p:sp>
+      <p:sp>
+        <p:nvSpPr>
+          <p:cNvPr id="4" name="Date Placeholder 3"/>
+          <p:cNvSpPr>
+            <a:spLocks noGrp="1"/>
+          </p:cNvSpPr>
+          <p:nvPr>
+            <p:ph type="dt" sz="half" idx="10"/>
+          </p:nvPr>
+        </p:nvSpPr>
+        <p:spPr/>
+        <p:txBody>
+          <a:bodyPr/>
+          <a:lstStyle/>
+          <a:p>
+            <a:fld id="{173C66E3-29A9-874C-B80D-C4D9C846BBB6}" type="datetimeFigureOut">
+              <a:rPr lang="en-US" smtClean="0"/>
+              <a:t>9/14/2021</a:t>
+            </a:fld>
+            <a:endParaRPr lang="en-US"/>
+          </a:p>
+        </p:txBody>
+      </p:sp>
+      <p:sp>
+        <p:nvSpPr>
+          <p:cNvPr id="5" name="Footer Placeholder 4"/>
+          <p:cNvSpPr>
+            <a:spLocks noGrp="1"/>
+          </p:cNvSpPr>
+          <p:nvPr>
+            <p:ph type="ftr" sz="quarter" idx="11"/>
+          </p:nvPr>
+        </p:nvSpPr>
+        <p:spPr/>
+        <p:txBody>
+          <a:bodyPr/>
+          <a:lstStyle/>
+          <a:p>
+            <a:endParaRPr lang="en-US"/>
+          </a:p>
+        </p:txBody>
+      </p:sp>
+      <p:sp>
+        <p:nvSpPr>
+          <p:cNvPr id="6" name="Slide Number Placeholder 5"/>
+          <p:cNvSpPr>
+            <a:spLocks noGrp="1"/>
+          </p:cNvSpPr>
+          <p:nvPr>
+            <p:ph type="sldNum" sz="quarter" idx="12"/>
+          </p:nvPr>
+        </p:nvSpPr>
+        <p:spPr/>
+        <p:txBody>
+          <a:bodyPr/>
+          <a:lstStyle/>
+          <a:p>
+            <a:fld id="{1EFED167-E928-A943-AC2D-CDCABD0DB418}" type="slidenum">
+              <a:rPr lang="en-US" smtClean="0"/>
+              <a:t>‹#›</a:t>
+            </a:fld>
+            <a:endParaRPr lang="en-US"/>
+          </a:p>
+        </p:txBody>
+      </p:sp>
+    </p:spTree>
+    <p:extLst>
+      <p:ext uri="{BB962C8B-B14F-4D97-AF65-F5344CB8AC3E}">
+        <p14:creationId xmlns:p14="http://schemas.microsoft.com/office/powerpoint/2010/main" val="265942853"/>
+      </p:ext>
+    </p:extLst>
+  </p:cSld>
+  <p:clrMapOvr>
+    <a:masterClrMapping/>
+  </p:clrMapOvr>
+</p:sldLayout>
+</file>
+
+<file path=ppt/slideLayouts/slideLayout13.xml><?xml version="1.0" encoding="utf-8"?>
+<p:sldLayout xmlns:a="http://schemas.openxmlformats.org/drawingml/2006/main" xmlns:r="http://schemas.openxmlformats.org/officeDocument/2006/relationships" xmlns:p="http://schemas.openxmlformats.org/presentationml/2006/main" type="obj" preserve="1">
+  <p:cSld name="Title and Content">
+    <p:spTree>
+      <p:nvGrpSpPr>
+        <p:cNvPr id="1" name=""/>
+        <p:cNvGrpSpPr/>
+        <p:nvPr/>
+      </p:nvGrpSpPr>
+      <p:grpSpPr>
+        <a:xfrm>
+          <a:off x="0" y="0"/>
+          <a:ext cx="0" cy="0"/>
+          <a:chOff x="0" y="0"/>
+          <a:chExt cx="0" cy="0"/>
+        </a:xfrm>
+      </p:grpSpPr>
+      <p:sp>
+        <p:nvSpPr>
+          <p:cNvPr id="2" name="Title 1"/>
+          <p:cNvSpPr>
+            <a:spLocks noGrp="1"/>
+          </p:cNvSpPr>
+          <p:nvPr>
+            <p:ph type="title"/>
+          </p:nvPr>
+        </p:nvSpPr>
+        <p:spPr/>
+        <p:txBody>
+          <a:bodyPr/>
+          <a:lstStyle/>
+          <a:p>
+            <a:r>
+              <a:rPr lang="en-US"/>
+              <a:t>Click to edit Master title style</a:t>
+            </a:r>
+          </a:p>
+        </p:txBody>
+      </p:sp>
+      <p:sp>
+        <p:nvSpPr>
+          <p:cNvPr id="3" name="Content Placeholder 2"/>
+          <p:cNvSpPr>
+            <a:spLocks noGrp="1"/>
+          </p:cNvSpPr>
+          <p:nvPr>
+            <p:ph idx="1"/>
+          </p:nvPr>
+        </p:nvSpPr>
+        <p:spPr/>
+        <p:txBody>
+          <a:bodyPr/>
+          <a:lstStyle/>
+          <a:p>
+            <a:pPr lvl="0"/>
+            <a:r>
+              <a:rPr lang="en-US"/>
+              <a:t>Click to edit Master text styles</a:t>
+            </a:r>
+          </a:p>
+          <a:p>
+            <a:pPr lvl="1"/>
+            <a:r>
+              <a:rPr lang="en-US"/>
+              <a:t>Second level</a:t>
+            </a:r>
+          </a:p>
+          <a:p>
+            <a:pPr lvl="2"/>
+            <a:r>
+              <a:rPr lang="en-US"/>
+              <a:t>Third level</a:t>
+            </a:r>
+          </a:p>
+          <a:p>
+            <a:pPr lvl="3"/>
+            <a:r>
+              <a:rPr lang="en-US"/>
+              <a:t>Fourth level</a:t>
+            </a:r>
+          </a:p>
+          <a:p>
+            <a:pPr lvl="4"/>
+            <a:r>
+              <a:rPr lang="en-US"/>
+              <a:t>Fifth level</a:t>
+            </a:r>
+          </a:p>
+        </p:txBody>
+      </p:sp>
+      <p:sp>
+        <p:nvSpPr>
+          <p:cNvPr id="4" name="Date Placeholder 3"/>
+          <p:cNvSpPr>
+            <a:spLocks noGrp="1"/>
+          </p:cNvSpPr>
+          <p:nvPr>
+            <p:ph type="dt" sz="half" idx="10"/>
+          </p:nvPr>
+        </p:nvSpPr>
+        <p:spPr/>
+        <p:txBody>
+          <a:bodyPr/>
+          <a:lstStyle/>
+          <a:p>
+            <a:fld id="{173C66E3-29A9-874C-B80D-C4D9C846BBB6}" type="datetimeFigureOut">
+              <a:rPr lang="en-US" smtClean="0"/>
+              <a:t>9/14/2021</a:t>
+            </a:fld>
+            <a:endParaRPr lang="en-US"/>
+          </a:p>
+        </p:txBody>
+      </p:sp>
+      <p:sp>
+        <p:nvSpPr>
+          <p:cNvPr id="5" name="Footer Placeholder 4"/>
+          <p:cNvSpPr>
+            <a:spLocks noGrp="1"/>
+          </p:cNvSpPr>
+          <p:nvPr>
+            <p:ph type="ftr" sz="quarter" idx="11"/>
+          </p:nvPr>
+        </p:nvSpPr>
+        <p:spPr/>
+        <p:txBody>
+          <a:bodyPr/>
+          <a:lstStyle/>
+          <a:p>
+            <a:endParaRPr lang="en-US"/>
+          </a:p>
+        </p:txBody>
+      </p:sp>
+      <p:sp>
+        <p:nvSpPr>
+          <p:cNvPr id="6" name="Slide Number Placeholder 5"/>
+          <p:cNvSpPr>
+            <a:spLocks noGrp="1"/>
+          </p:cNvSpPr>
+          <p:nvPr>
+            <p:ph type="sldNum" sz="quarter" idx="12"/>
+          </p:nvPr>
+        </p:nvSpPr>
+        <p:spPr/>
+        <p:txBody>
+          <a:bodyPr/>
+          <a:lstStyle/>
+          <a:p>
+            <a:fld id="{1EFED167-E928-A943-AC2D-CDCABD0DB418}" type="slidenum">
+              <a:rPr lang="en-US" smtClean="0"/>
+              <a:t>‹#›</a:t>
+            </a:fld>
+            <a:endParaRPr lang="en-US"/>
+          </a:p>
+        </p:txBody>
+      </p:sp>
+    </p:spTree>
+    <p:extLst>
+      <p:ext uri="{BB962C8B-B14F-4D97-AF65-F5344CB8AC3E}">
+        <p14:creationId xmlns:p14="http://schemas.microsoft.com/office/powerpoint/2010/main" val="3785246433"/>
+      </p:ext>
+    </p:extLst>
+  </p:cSld>
+  <p:clrMapOvr>
+    <a:masterClrMapping/>
+  </p:clrMapOvr>
+</p:sldLayout>
+</file>
+
+<file path=ppt/slideLayouts/slideLayout14.xml><?xml version="1.0" encoding="utf-8"?>
+<p:sldLayout xmlns:a="http://schemas.openxmlformats.org/drawingml/2006/main" xmlns:r="http://schemas.openxmlformats.org/officeDocument/2006/relationships" xmlns:p="http://schemas.openxmlformats.org/presentationml/2006/main" type="secHead" preserve="1">
+  <p:cSld name="Section Header">
+    <p:spTree>
+      <p:nvGrpSpPr>
+        <p:cNvPr id="1" name=""/>
+        <p:cNvGrpSpPr/>
+        <p:nvPr/>
+      </p:nvGrpSpPr>
+      <p:grpSpPr>
+        <a:xfrm>
+          <a:off x="0" y="0"/>
+          <a:ext cx="0" cy="0"/>
+          <a:chOff x="0" y="0"/>
+          <a:chExt cx="0" cy="0"/>
+        </a:xfrm>
+      </p:grpSpPr>
+      <p:sp>
+        <p:nvSpPr>
+          <p:cNvPr id="2" name="Title 1"/>
+          <p:cNvSpPr>
+            <a:spLocks noGrp="1"/>
+          </p:cNvSpPr>
+          <p:nvPr>
+            <p:ph type="title"/>
+          </p:nvPr>
+        </p:nvSpPr>
+        <p:spPr>
+          <a:xfrm>
+            <a:off x="963084" y="4406902"/>
+            <a:ext cx="10363200" cy="1362075"/>
+          </a:xfrm>
+        </p:spPr>
+        <p:txBody>
+          <a:bodyPr anchor="t"/>
+          <a:lstStyle>
+            <a:lvl1pPr algn="l">
+              <a:defRPr sz="4000" b="1" cap="all"/>
+            </a:lvl1pPr>
+          </a:lstStyle>
+          <a:p>
+            <a:r>
+              <a:rPr lang="en-US"/>
+              <a:t>Click to edit Master title style</a:t>
+            </a:r>
+          </a:p>
+        </p:txBody>
+      </p:sp>
+      <p:sp>
+        <p:nvSpPr>
+          <p:cNvPr id="3" name="Text Placeholder 2"/>
+          <p:cNvSpPr>
+            <a:spLocks noGrp="1"/>
+          </p:cNvSpPr>
+          <p:nvPr>
+            <p:ph type="body" idx="1"/>
+          </p:nvPr>
+        </p:nvSpPr>
+        <p:spPr>
+          <a:xfrm>
+            <a:off x="963084" y="2906713"/>
+            <a:ext cx="10363200" cy="1500187"/>
+          </a:xfrm>
+        </p:spPr>
+        <p:txBody>
+          <a:bodyPr anchor="b"/>
+          <a:lstStyle>
+            <a:lvl1pPr marL="0" indent="0">
+              <a:buNone/>
+              <a:defRPr sz="2000">
+                <a:solidFill>
+                  <a:schemeClr val="tx1">
+                    <a:tint val="75000"/>
+                  </a:schemeClr>
+                </a:solidFill>
+              </a:defRPr>
+            </a:lvl1pPr>
+            <a:lvl2pPr marL="457182" indent="0">
+              <a:buNone/>
+              <a:defRPr sz="1800">
+                <a:solidFill>
+                  <a:schemeClr val="tx1">
+                    <a:tint val="75000"/>
+                  </a:schemeClr>
+                </a:solidFill>
+              </a:defRPr>
+            </a:lvl2pPr>
+            <a:lvl3pPr marL="914363" indent="0">
+              <a:buNone/>
+              <a:defRPr sz="1600">
+                <a:solidFill>
+                  <a:schemeClr val="tx1">
+                    <a:tint val="75000"/>
+                  </a:schemeClr>
+                </a:solidFill>
+              </a:defRPr>
+            </a:lvl3pPr>
+            <a:lvl4pPr marL="1371545" indent="0">
+              <a:buNone/>
+              <a:defRPr sz="1400">
+                <a:solidFill>
+                  <a:schemeClr val="tx1">
+                    <a:tint val="75000"/>
+                  </a:schemeClr>
+                </a:solidFill>
+              </a:defRPr>
+            </a:lvl4pPr>
+            <a:lvl5pPr marL="1828727" indent="0">
+              <a:buNone/>
+              <a:defRPr sz="1400">
+                <a:solidFill>
+                  <a:schemeClr val="tx1">
+                    <a:tint val="75000"/>
+                  </a:schemeClr>
+                </a:solidFill>
+              </a:defRPr>
+            </a:lvl5pPr>
+            <a:lvl6pPr marL="2285909" indent="0">
+              <a:buNone/>
+              <a:defRPr sz="1400">
+                <a:solidFill>
+                  <a:schemeClr val="tx1">
+                    <a:tint val="75000"/>
+                  </a:schemeClr>
+                </a:solidFill>
+              </a:defRPr>
+            </a:lvl6pPr>
+            <a:lvl7pPr marL="2743090" indent="0">
+              <a:buNone/>
+              <a:defRPr sz="1400">
+                <a:solidFill>
+                  <a:schemeClr val="tx1">
+                    <a:tint val="75000"/>
+                  </a:schemeClr>
+                </a:solidFill>
+              </a:defRPr>
+            </a:lvl7pPr>
+            <a:lvl8pPr marL="3200272" indent="0">
+              <a:buNone/>
+              <a:defRPr sz="1400">
+                <a:solidFill>
+                  <a:schemeClr val="tx1">
+                    <a:tint val="75000"/>
+                  </a:schemeClr>
+                </a:solidFill>
+              </a:defRPr>
+            </a:lvl8pPr>
+            <a:lvl9pPr marL="3657454" indent="0">
+              <a:buNone/>
+              <a:defRPr sz="1400">
+                <a:solidFill>
+                  <a:schemeClr val="tx1">
+                    <a:tint val="75000"/>
+                  </a:schemeClr>
+                </a:solidFill>
+              </a:defRPr>
+            </a:lvl9pPr>
+          </a:lstStyle>
+          <a:p>
+            <a:pPr lvl="0"/>
+            <a:r>
+              <a:rPr lang="en-US"/>
+              <a:t>Click to edit Master text styles</a:t>
+            </a:r>
+          </a:p>
+        </p:txBody>
+      </p:sp>
+      <p:sp>
+        <p:nvSpPr>
+          <p:cNvPr id="4" name="Date Placeholder 3"/>
+          <p:cNvSpPr>
+            <a:spLocks noGrp="1"/>
+          </p:cNvSpPr>
+          <p:nvPr>
+            <p:ph type="dt" sz="half" idx="10"/>
+          </p:nvPr>
+        </p:nvSpPr>
+        <p:spPr/>
+        <p:txBody>
+          <a:bodyPr/>
+          <a:lstStyle/>
+          <a:p>
+            <a:fld id="{173C66E3-29A9-874C-B80D-C4D9C846BBB6}" type="datetimeFigureOut">
+              <a:rPr lang="en-US" smtClean="0"/>
+              <a:t>9/14/2021</a:t>
+            </a:fld>
+            <a:endParaRPr lang="en-US"/>
+          </a:p>
+        </p:txBody>
+      </p:sp>
+      <p:sp>
+        <p:nvSpPr>
+          <p:cNvPr id="5" name="Footer Placeholder 4"/>
+          <p:cNvSpPr>
+            <a:spLocks noGrp="1"/>
+          </p:cNvSpPr>
+          <p:nvPr>
+            <p:ph type="ftr" sz="quarter" idx="11"/>
+          </p:nvPr>
+        </p:nvSpPr>
+        <p:spPr/>
+        <p:txBody>
+          <a:bodyPr/>
+          <a:lstStyle/>
+          <a:p>
+            <a:endParaRPr lang="en-US"/>
+          </a:p>
+        </p:txBody>
+      </p:sp>
+      <p:sp>
+        <p:nvSpPr>
+          <p:cNvPr id="6" name="Slide Number Placeholder 5"/>
+          <p:cNvSpPr>
+            <a:spLocks noGrp="1"/>
+          </p:cNvSpPr>
+          <p:nvPr>
+            <p:ph type="sldNum" sz="quarter" idx="12"/>
+          </p:nvPr>
+        </p:nvSpPr>
+        <p:spPr/>
+        <p:txBody>
+          <a:bodyPr/>
+          <a:lstStyle/>
+          <a:p>
+            <a:fld id="{1EFED167-E928-A943-AC2D-CDCABD0DB418}" type="slidenum">
+              <a:rPr lang="en-US" smtClean="0"/>
+              <a:t>‹#›</a:t>
+            </a:fld>
+            <a:endParaRPr lang="en-US"/>
+          </a:p>
+        </p:txBody>
+      </p:sp>
+    </p:spTree>
+    <p:extLst>
+      <p:ext uri="{BB962C8B-B14F-4D97-AF65-F5344CB8AC3E}">
+        <p14:creationId xmlns:p14="http://schemas.microsoft.com/office/powerpoint/2010/main" val="3149710478"/>
+      </p:ext>
+    </p:extLst>
+  </p:cSld>
+  <p:clrMapOvr>
+    <a:masterClrMapping/>
+  </p:clrMapOvr>
+</p:sldLayout>
+</file>
+
+<file path=ppt/slideLayouts/slideLayout15.xml><?xml version="1.0" encoding="utf-8"?>
+<p:sldLayout xmlns:a="http://schemas.openxmlformats.org/drawingml/2006/main" xmlns:r="http://schemas.openxmlformats.org/officeDocument/2006/relationships" xmlns:p="http://schemas.openxmlformats.org/presentationml/2006/main" type="twoObj" preserve="1">
+  <p:cSld name="Two Content">
+    <p:spTree>
+      <p:nvGrpSpPr>
+        <p:cNvPr id="1" name=""/>
+        <p:cNvGrpSpPr/>
+        <p:nvPr/>
+      </p:nvGrpSpPr>
+      <p:grpSpPr>
+        <a:xfrm>
+          <a:off x="0" y="0"/>
+          <a:ext cx="0" cy="0"/>
+          <a:chOff x="0" y="0"/>
+          <a:chExt cx="0" cy="0"/>
+        </a:xfrm>
+      </p:grpSpPr>
+      <p:sp>
+        <p:nvSpPr>
+          <p:cNvPr id="2" name="Title 1"/>
+          <p:cNvSpPr>
+            <a:spLocks noGrp="1"/>
+          </p:cNvSpPr>
+          <p:nvPr>
+            <p:ph type="title"/>
+          </p:nvPr>
+        </p:nvSpPr>
+        <p:spPr/>
+        <p:txBody>
+          <a:bodyPr/>
+          <a:lstStyle/>
+          <a:p>
+            <a:r>
+              <a:rPr lang="en-US"/>
+              <a:t>Click to edit Master title style</a:t>
+            </a:r>
+          </a:p>
+        </p:txBody>
+      </p:sp>
+      <p:sp>
+        <p:nvSpPr>
+          <p:cNvPr id="3" name="Content Placeholder 2"/>
+          <p:cNvSpPr>
+            <a:spLocks noGrp="1"/>
+          </p:cNvSpPr>
+          <p:nvPr>
+            <p:ph sz="half" idx="1"/>
+          </p:nvPr>
+        </p:nvSpPr>
+        <p:spPr>
+          <a:xfrm>
+            <a:off x="609600" y="1600202"/>
+            <a:ext cx="5384800" cy="4525963"/>
+          </a:xfrm>
+        </p:spPr>
+        <p:txBody>
+          <a:bodyPr/>
+          <a:lstStyle>
+            <a:lvl1pPr>
+              <a:defRPr sz="2800"/>
+            </a:lvl1pPr>
+            <a:lvl2pPr>
+              <a:defRPr sz="2400"/>
+            </a:lvl2pPr>
+            <a:lvl3pPr>
+              <a:defRPr sz="2000"/>
+            </a:lvl3pPr>
+            <a:lvl4pPr>
+              <a:defRPr sz="1800"/>
+            </a:lvl4pPr>
+            <a:lvl5pPr>
+              <a:defRPr sz="1800"/>
+            </a:lvl5pPr>
+            <a:lvl6pPr>
+              <a:defRPr sz="1800"/>
+            </a:lvl6pPr>
+            <a:lvl7pPr>
+              <a:defRPr sz="1800"/>
+            </a:lvl7pPr>
+            <a:lvl8pPr>
+              <a:defRPr sz="1800"/>
+            </a:lvl8pPr>
+            <a:lvl9pPr>
+              <a:defRPr sz="1800"/>
+            </a:lvl9pPr>
+          </a:lstStyle>
+          <a:p>
+            <a:pPr lvl="0"/>
+            <a:r>
+              <a:rPr lang="en-US"/>
+              <a:t>Click to edit Master text styles</a:t>
+            </a:r>
+          </a:p>
+          <a:p>
+            <a:pPr lvl="1"/>
+            <a:r>
+              <a:rPr lang="en-US"/>
+              <a:t>Second level</a:t>
+            </a:r>
+          </a:p>
+          <a:p>
+            <a:pPr lvl="2"/>
+            <a:r>
+              <a:rPr lang="en-US"/>
+              <a:t>Third level</a:t>
+            </a:r>
+          </a:p>
+          <a:p>
+            <a:pPr lvl="3"/>
+            <a:r>
+              <a:rPr lang="en-US"/>
+              <a:t>Fourth level</a:t>
+            </a:r>
+          </a:p>
+          <a:p>
+            <a:pPr lvl="4"/>
+            <a:r>
+              <a:rPr lang="en-US"/>
+              <a:t>Fifth level</a:t>
+            </a:r>
+          </a:p>
+        </p:txBody>
+      </p:sp>
+      <p:sp>
+        <p:nvSpPr>
+          <p:cNvPr id="4" name="Content Placeholder 3"/>
+          <p:cNvSpPr>
+            <a:spLocks noGrp="1"/>
+          </p:cNvSpPr>
+          <p:nvPr>
+            <p:ph sz="half" idx="2"/>
+          </p:nvPr>
+        </p:nvSpPr>
+        <p:spPr>
+          <a:xfrm>
+            <a:off x="6197600" y="1600202"/>
+            <a:ext cx="5384800" cy="4525963"/>
+          </a:xfrm>
+        </p:spPr>
+        <p:txBody>
+          <a:bodyPr/>
+          <a:lstStyle>
+            <a:lvl1pPr>
+              <a:defRPr sz="2800"/>
+            </a:lvl1pPr>
+            <a:lvl2pPr>
+              <a:defRPr sz="2400"/>
+            </a:lvl2pPr>
+            <a:lvl3pPr>
+              <a:defRPr sz="2000"/>
+            </a:lvl3pPr>
+            <a:lvl4pPr>
+              <a:defRPr sz="1800"/>
+            </a:lvl4pPr>
+            <a:lvl5pPr>
+              <a:defRPr sz="1800"/>
+            </a:lvl5pPr>
+            <a:lvl6pPr>
+              <a:defRPr sz="1800"/>
+            </a:lvl6pPr>
+            <a:lvl7pPr>
+              <a:defRPr sz="1800"/>
+            </a:lvl7pPr>
+            <a:lvl8pPr>
+              <a:defRPr sz="1800"/>
+            </a:lvl8pPr>
+            <a:lvl9pPr>
+              <a:defRPr sz="1800"/>
+            </a:lvl9pPr>
+          </a:lstStyle>
+          <a:p>
+            <a:pPr lvl="0"/>
+            <a:r>
+              <a:rPr lang="en-US"/>
+              <a:t>Click to edit Master text styles</a:t>
+            </a:r>
+          </a:p>
+          <a:p>
+            <a:pPr lvl="1"/>
+            <a:r>
+              <a:rPr lang="en-US"/>
+              <a:t>Second level</a:t>
+            </a:r>
+          </a:p>
+          <a:p>
+            <a:pPr lvl="2"/>
+            <a:r>
+              <a:rPr lang="en-US"/>
+              <a:t>Third level</a:t>
+            </a:r>
+          </a:p>
+          <a:p>
+            <a:pPr lvl="3"/>
+            <a:r>
+              <a:rPr lang="en-US"/>
+              <a:t>Fourth level</a:t>
+            </a:r>
+          </a:p>
+          <a:p>
+            <a:pPr lvl="4"/>
+            <a:r>
+              <a:rPr lang="en-US"/>
+              <a:t>Fifth level</a:t>
+            </a:r>
+          </a:p>
+        </p:txBody>
+      </p:sp>
+      <p:sp>
+        <p:nvSpPr>
+          <p:cNvPr id="5" name="Date Placeholder 4"/>
+          <p:cNvSpPr>
+            <a:spLocks noGrp="1"/>
+          </p:cNvSpPr>
+          <p:nvPr>
+            <p:ph type="dt" sz="half" idx="10"/>
+          </p:nvPr>
+        </p:nvSpPr>
+        <p:spPr/>
+        <p:txBody>
+          <a:bodyPr/>
+          <a:lstStyle/>
+          <a:p>
+            <a:fld id="{173C66E3-29A9-874C-B80D-C4D9C846BBB6}" type="datetimeFigureOut">
+              <a:rPr lang="en-US" smtClean="0"/>
+              <a:t>9/14/2021</a:t>
+            </a:fld>
+            <a:endParaRPr lang="en-US"/>
+          </a:p>
+        </p:txBody>
+      </p:sp>
+      <p:sp>
+        <p:nvSpPr>
+          <p:cNvPr id="6" name="Footer Placeholder 5"/>
+          <p:cNvSpPr>
+            <a:spLocks noGrp="1"/>
+          </p:cNvSpPr>
+          <p:nvPr>
+            <p:ph type="ftr" sz="quarter" idx="11"/>
+          </p:nvPr>
+        </p:nvSpPr>
+        <p:spPr/>
+        <p:txBody>
+          <a:bodyPr/>
+          <a:lstStyle/>
+          <a:p>
+            <a:endParaRPr lang="en-US"/>
+          </a:p>
+        </p:txBody>
+      </p:sp>
+      <p:sp>
+        <p:nvSpPr>
+          <p:cNvPr id="7" name="Slide Number Placeholder 6"/>
+          <p:cNvSpPr>
+            <a:spLocks noGrp="1"/>
+          </p:cNvSpPr>
+          <p:nvPr>
+            <p:ph type="sldNum" sz="quarter" idx="12"/>
+          </p:nvPr>
+        </p:nvSpPr>
+        <p:spPr/>
+        <p:txBody>
+          <a:bodyPr/>
+          <a:lstStyle/>
+          <a:p>
+            <a:fld id="{1EFED167-E928-A943-AC2D-CDCABD0DB418}" type="slidenum">
+              <a:rPr lang="en-US" smtClean="0"/>
+              <a:t>‹#›</a:t>
+            </a:fld>
+            <a:endParaRPr lang="en-US"/>
+          </a:p>
+        </p:txBody>
+      </p:sp>
+    </p:spTree>
+    <p:extLst>
+      <p:ext uri="{BB962C8B-B14F-4D97-AF65-F5344CB8AC3E}">
+        <p14:creationId xmlns:p14="http://schemas.microsoft.com/office/powerpoint/2010/main" val="999934257"/>
+      </p:ext>
+    </p:extLst>
+  </p:cSld>
+  <p:clrMapOvr>
+    <a:masterClrMapping/>
+  </p:clrMapOvr>
+</p:sldLayout>
+</file>
+
+<file path=ppt/slideLayouts/slideLayout16.xml><?xml version="1.0" encoding="utf-8"?>
+<p:sldLayout xmlns:a="http://schemas.openxmlformats.org/drawingml/2006/main" xmlns:r="http://schemas.openxmlformats.org/officeDocument/2006/relationships" xmlns:p="http://schemas.openxmlformats.org/presentationml/2006/main" type="twoTxTwoObj" preserve="1">
+  <p:cSld name="Comparison">
+    <p:spTree>
+      <p:nvGrpSpPr>
+        <p:cNvPr id="1" name=""/>
+        <p:cNvGrpSpPr/>
+        <p:nvPr/>
+      </p:nvGrpSpPr>
+      <p:grpSpPr>
+        <a:xfrm>
+          <a:off x="0" y="0"/>
+          <a:ext cx="0" cy="0"/>
+          <a:chOff x="0" y="0"/>
+          <a:chExt cx="0" cy="0"/>
+        </a:xfrm>
+      </p:grpSpPr>
+      <p:sp>
+        <p:nvSpPr>
+          <p:cNvPr id="2" name="Title 1"/>
+          <p:cNvSpPr>
+            <a:spLocks noGrp="1"/>
+          </p:cNvSpPr>
+          <p:nvPr>
+            <p:ph type="title"/>
+          </p:nvPr>
+        </p:nvSpPr>
+        <p:spPr/>
+        <p:txBody>
+          <a:bodyPr/>
+          <a:lstStyle>
+            <a:lvl1pPr>
+              <a:defRPr/>
+            </a:lvl1pPr>
+          </a:lstStyle>
+          <a:p>
+            <a:r>
+              <a:rPr lang="en-US"/>
+              <a:t>Click to edit Master title style</a:t>
+            </a:r>
+          </a:p>
+        </p:txBody>
+      </p:sp>
+      <p:sp>
+        <p:nvSpPr>
+          <p:cNvPr id="3" name="Text Placeholder 2"/>
+          <p:cNvSpPr>
+            <a:spLocks noGrp="1"/>
+          </p:cNvSpPr>
+          <p:nvPr>
+            <p:ph type="body" idx="1"/>
+          </p:nvPr>
+        </p:nvSpPr>
+        <p:spPr>
+          <a:xfrm>
+            <a:off x="609601" y="1535113"/>
+            <a:ext cx="5386917" cy="639762"/>
+          </a:xfrm>
+        </p:spPr>
+        <p:txBody>
+          <a:bodyPr anchor="b"/>
+          <a:lstStyle>
+            <a:lvl1pPr marL="0" indent="0">
+              <a:buNone/>
+              <a:defRPr sz="2400" b="1"/>
+            </a:lvl1pPr>
+            <a:lvl2pPr marL="457182" indent="0">
+              <a:buNone/>
+              <a:defRPr sz="2000" b="1"/>
+            </a:lvl2pPr>
+            <a:lvl3pPr marL="914363" indent="0">
+              <a:buNone/>
+              <a:defRPr sz="1800" b="1"/>
+            </a:lvl3pPr>
+            <a:lvl4pPr marL="1371545" indent="0">
+              <a:buNone/>
+              <a:defRPr sz="1600" b="1"/>
+            </a:lvl4pPr>
+            <a:lvl5pPr marL="1828727" indent="0">
+              <a:buNone/>
+              <a:defRPr sz="1600" b="1"/>
+            </a:lvl5pPr>
+            <a:lvl6pPr marL="2285909" indent="0">
+              <a:buNone/>
+              <a:defRPr sz="1600" b="1"/>
+            </a:lvl6pPr>
+            <a:lvl7pPr marL="2743090" indent="0">
+              <a:buNone/>
+              <a:defRPr sz="1600" b="1"/>
+            </a:lvl7pPr>
+            <a:lvl8pPr marL="3200272" indent="0">
+              <a:buNone/>
+              <a:defRPr sz="1600" b="1"/>
+            </a:lvl8pPr>
+            <a:lvl9pPr marL="3657454" indent="0">
+              <a:buNone/>
+              <a:defRPr sz="1600" b="1"/>
+            </a:lvl9pPr>
+          </a:lstStyle>
+          <a:p>
+            <a:pPr lvl="0"/>
+            <a:r>
+              <a:rPr lang="en-US"/>
+              <a:t>Click to edit Master text styles</a:t>
+            </a:r>
+          </a:p>
+        </p:txBody>
+      </p:sp>
+      <p:sp>
+        <p:nvSpPr>
+          <p:cNvPr id="4" name="Content Placeholder 3"/>
+          <p:cNvSpPr>
+            <a:spLocks noGrp="1"/>
+          </p:cNvSpPr>
+          <p:nvPr>
+            <p:ph sz="half" idx="2"/>
+          </p:nvPr>
+        </p:nvSpPr>
+        <p:spPr>
+          <a:xfrm>
+            <a:off x="609601" y="2174875"/>
+            <a:ext cx="5386917" cy="3951288"/>
+          </a:xfrm>
+        </p:spPr>
+        <p:txBody>
+          <a:bodyPr/>
+          <a:lstStyle>
+            <a:lvl1pPr>
+              <a:defRPr sz="2400"/>
+            </a:lvl1pPr>
+            <a:lvl2pPr>
+              <a:defRPr sz="2000"/>
+            </a:lvl2pPr>
+            <a:lvl3pPr>
+              <a:defRPr sz="1800"/>
+            </a:lvl3pPr>
+            <a:lvl4pPr>
+              <a:defRPr sz="1600"/>
+            </a:lvl4pPr>
+            <a:lvl5pPr>
+              <a:defRPr sz="1600"/>
+            </a:lvl5pPr>
+            <a:lvl6pPr>
+              <a:defRPr sz="1600"/>
+            </a:lvl6pPr>
+            <a:lvl7pPr>
+              <a:defRPr sz="1600"/>
+            </a:lvl7pPr>
+            <a:lvl8pPr>
+              <a:defRPr sz="1600"/>
+            </a:lvl8pPr>
+            <a:lvl9pPr>
+              <a:defRPr sz="1600"/>
+            </a:lvl9pPr>
+          </a:lstStyle>
+          <a:p>
+            <a:pPr lvl="0"/>
+            <a:r>
+              <a:rPr lang="en-US"/>
+              <a:t>Click to edit Master text styles</a:t>
+            </a:r>
+          </a:p>
+          <a:p>
+            <a:pPr lvl="1"/>
+            <a:r>
+              <a:rPr lang="en-US"/>
+              <a:t>Second level</a:t>
+            </a:r>
+          </a:p>
+          <a:p>
+            <a:pPr lvl="2"/>
+            <a:r>
+              <a:rPr lang="en-US"/>
+              <a:t>Third level</a:t>
+            </a:r>
+          </a:p>
+          <a:p>
+            <a:pPr lvl="3"/>
+            <a:r>
+              <a:rPr lang="en-US"/>
+              <a:t>Fourth level</a:t>
+            </a:r>
+          </a:p>
+          <a:p>
+            <a:pPr lvl="4"/>
+            <a:r>
+              <a:rPr lang="en-US"/>
+              <a:t>Fifth level</a:t>
+            </a:r>
+          </a:p>
+        </p:txBody>
+      </p:sp>
+      <p:sp>
+        <p:nvSpPr>
+          <p:cNvPr id="5" name="Text Placeholder 4"/>
+          <p:cNvSpPr>
+            <a:spLocks noGrp="1"/>
+          </p:cNvSpPr>
+          <p:nvPr>
+            <p:ph type="body" sz="quarter" idx="3"/>
+          </p:nvPr>
+        </p:nvSpPr>
+        <p:spPr>
+          <a:xfrm>
+            <a:off x="6193369" y="1535113"/>
+            <a:ext cx="5389033" cy="639762"/>
+          </a:xfrm>
+        </p:spPr>
+        <p:txBody>
+          <a:bodyPr anchor="b"/>
+          <a:lstStyle>
+            <a:lvl1pPr marL="0" indent="0">
+              <a:buNone/>
+              <a:defRPr sz="2400" b="1"/>
+            </a:lvl1pPr>
+            <a:lvl2pPr marL="457182" indent="0">
+              <a:buNone/>
+              <a:defRPr sz="2000" b="1"/>
+            </a:lvl2pPr>
+            <a:lvl3pPr marL="914363" indent="0">
+              <a:buNone/>
+              <a:defRPr sz="1800" b="1"/>
+            </a:lvl3pPr>
+            <a:lvl4pPr marL="1371545" indent="0">
+              <a:buNone/>
+              <a:defRPr sz="1600" b="1"/>
+            </a:lvl4pPr>
+            <a:lvl5pPr marL="1828727" indent="0">
+              <a:buNone/>
+              <a:defRPr sz="1600" b="1"/>
+            </a:lvl5pPr>
+            <a:lvl6pPr marL="2285909" indent="0">
+              <a:buNone/>
+              <a:defRPr sz="1600" b="1"/>
+            </a:lvl6pPr>
+            <a:lvl7pPr marL="2743090" indent="0">
+              <a:buNone/>
+              <a:defRPr sz="1600" b="1"/>
+            </a:lvl7pPr>
+            <a:lvl8pPr marL="3200272" indent="0">
+              <a:buNone/>
+              <a:defRPr sz="1600" b="1"/>
+            </a:lvl8pPr>
+            <a:lvl9pPr marL="3657454" indent="0">
+              <a:buNone/>
+              <a:defRPr sz="1600" b="1"/>
+            </a:lvl9pPr>
+          </a:lstStyle>
+          <a:p>
+            <a:pPr lvl="0"/>
+            <a:r>
+              <a:rPr lang="en-US"/>
+              <a:t>Click to edit Master text styles</a:t>
+            </a:r>
+          </a:p>
+        </p:txBody>
+      </p:sp>
+      <p:sp>
+        <p:nvSpPr>
+          <p:cNvPr id="6" name="Content Placeholder 5"/>
+          <p:cNvSpPr>
+            <a:spLocks noGrp="1"/>
+          </p:cNvSpPr>
+          <p:nvPr>
+            <p:ph sz="quarter" idx="4"/>
+          </p:nvPr>
+        </p:nvSpPr>
+        <p:spPr>
+          <a:xfrm>
+            <a:off x="6193369" y="2174875"/>
+            <a:ext cx="5389033" cy="3951288"/>
+          </a:xfrm>
+        </p:spPr>
+        <p:txBody>
+          <a:bodyPr/>
+          <a:lstStyle>
+            <a:lvl1pPr>
+              <a:defRPr sz="2400"/>
+            </a:lvl1pPr>
+            <a:lvl2pPr>
+              <a:defRPr sz="2000"/>
+            </a:lvl2pPr>
+            <a:lvl3pPr>
+              <a:defRPr sz="1800"/>
+            </a:lvl3pPr>
+            <a:lvl4pPr>
+              <a:defRPr sz="1600"/>
+            </a:lvl4pPr>
+            <a:lvl5pPr>
+              <a:defRPr sz="1600"/>
+            </a:lvl5pPr>
+            <a:lvl6pPr>
+              <a:defRPr sz="1600"/>
+            </a:lvl6pPr>
+            <a:lvl7pPr>
+              <a:defRPr sz="1600"/>
+            </a:lvl7pPr>
+            <a:lvl8pPr>
+              <a:defRPr sz="1600"/>
+            </a:lvl8pPr>
+            <a:lvl9pPr>
+              <a:defRPr sz="1600"/>
+            </a:lvl9pPr>
+          </a:lstStyle>
+          <a:p>
+            <a:pPr lvl="0"/>
+            <a:r>
+              <a:rPr lang="en-US"/>
+              <a:t>Click to edit Master text styles</a:t>
+            </a:r>
+          </a:p>
+          <a:p>
+            <a:pPr lvl="1"/>
+            <a:r>
+              <a:rPr lang="en-US"/>
+              <a:t>Second level</a:t>
+            </a:r>
+          </a:p>
+          <a:p>
+            <a:pPr lvl="2"/>
+            <a:r>
+              <a:rPr lang="en-US"/>
+              <a:t>Third level</a:t>
+            </a:r>
+          </a:p>
+          <a:p>
+            <a:pPr lvl="3"/>
+            <a:r>
+              <a:rPr lang="en-US"/>
+              <a:t>Fourth level</a:t>
+            </a:r>
+          </a:p>
+          <a:p>
+            <a:pPr lvl="4"/>
+            <a:r>
+              <a:rPr lang="en-US"/>
+              <a:t>Fifth level</a:t>
+            </a:r>
+          </a:p>
+        </p:txBody>
+      </p:sp>
+      <p:sp>
+        <p:nvSpPr>
+          <p:cNvPr id="7" name="Date Placeholder 6"/>
+          <p:cNvSpPr>
+            <a:spLocks noGrp="1"/>
+          </p:cNvSpPr>
+          <p:nvPr>
+            <p:ph type="dt" sz="half" idx="10"/>
+          </p:nvPr>
+        </p:nvSpPr>
+        <p:spPr/>
+        <p:txBody>
+          <a:bodyPr/>
+          <a:lstStyle/>
+          <a:p>
+            <a:fld id="{173C66E3-29A9-874C-B80D-C4D9C846BBB6}" type="datetimeFigureOut">
+              <a:rPr lang="en-US" smtClean="0"/>
+              <a:t>9/14/2021</a:t>
+            </a:fld>
+            <a:endParaRPr lang="en-US"/>
+          </a:p>
+        </p:txBody>
+      </p:sp>
+      <p:sp>
+        <p:nvSpPr>
+          <p:cNvPr id="8" name="Footer Placeholder 7"/>
+          <p:cNvSpPr>
+            <a:spLocks noGrp="1"/>
+          </p:cNvSpPr>
+          <p:nvPr>
+            <p:ph type="ftr" sz="quarter" idx="11"/>
+          </p:nvPr>
+        </p:nvSpPr>
+        <p:spPr/>
+        <p:txBody>
+          <a:bodyPr/>
+          <a:lstStyle/>
+          <a:p>
+            <a:endParaRPr lang="en-US"/>
+          </a:p>
+        </p:txBody>
+      </p:sp>
+      <p:sp>
+        <p:nvSpPr>
+          <p:cNvPr id="9" name="Slide Number Placeholder 8"/>
+          <p:cNvSpPr>
+            <a:spLocks noGrp="1"/>
+          </p:cNvSpPr>
+          <p:nvPr>
+            <p:ph type="sldNum" sz="quarter" idx="12"/>
+          </p:nvPr>
+        </p:nvSpPr>
+        <p:spPr/>
+        <p:txBody>
+          <a:bodyPr/>
+          <a:lstStyle/>
+          <a:p>
+            <a:fld id="{1EFED167-E928-A943-AC2D-CDCABD0DB418}" type="slidenum">
+              <a:rPr lang="en-US" smtClean="0"/>
+              <a:t>‹#›</a:t>
+            </a:fld>
+            <a:endParaRPr lang="en-US"/>
+          </a:p>
+        </p:txBody>
+      </p:sp>
+    </p:spTree>
+    <p:extLst>
+      <p:ext uri="{BB962C8B-B14F-4D97-AF65-F5344CB8AC3E}">
+        <p14:creationId xmlns:p14="http://schemas.microsoft.com/office/powerpoint/2010/main" val="1906698068"/>
+      </p:ext>
+    </p:extLst>
+  </p:cSld>
+  <p:clrMapOvr>
+    <a:masterClrMapping/>
+  </p:clrMapOvr>
+</p:sldLayout>
+</file>
+
+<file path=ppt/slideLayouts/slideLayout17.xml><?xml version="1.0" encoding="utf-8"?>
+<p:sldLayout xmlns:a="http://schemas.openxmlformats.org/drawingml/2006/main" xmlns:r="http://schemas.openxmlformats.org/officeDocument/2006/relationships" xmlns:p="http://schemas.openxmlformats.org/presentationml/2006/main" type="titleOnly" preserve="1">
+  <p:cSld name="Title Only">
+    <p:spTree>
+      <p:nvGrpSpPr>
+        <p:cNvPr id="1" name=""/>
+        <p:cNvGrpSpPr/>
+        <p:nvPr/>
+      </p:nvGrpSpPr>
+      <p:grpSpPr>
+        <a:xfrm>
+          <a:off x="0" y="0"/>
+          <a:ext cx="0" cy="0"/>
+          <a:chOff x="0" y="0"/>
+          <a:chExt cx="0" cy="0"/>
+        </a:xfrm>
+      </p:grpSpPr>
+      <p:sp>
+        <p:nvSpPr>
+          <p:cNvPr id="2" name="Title 1"/>
+          <p:cNvSpPr>
+            <a:spLocks noGrp="1"/>
+          </p:cNvSpPr>
+          <p:nvPr>
+            <p:ph type="title"/>
+          </p:nvPr>
+        </p:nvSpPr>
+        <p:spPr/>
+        <p:txBody>
+          <a:bodyPr/>
+          <a:lstStyle/>
+          <a:p>
+            <a:r>
+              <a:rPr lang="en-US"/>
+              <a:t>Click to edit Master title style</a:t>
+            </a:r>
+          </a:p>
+        </p:txBody>
+      </p:sp>
+      <p:sp>
+        <p:nvSpPr>
+          <p:cNvPr id="3" name="Date Placeholder 2"/>
+          <p:cNvSpPr>
+            <a:spLocks noGrp="1"/>
+          </p:cNvSpPr>
+          <p:nvPr>
+            <p:ph type="dt" sz="half" idx="10"/>
+          </p:nvPr>
+        </p:nvSpPr>
+        <p:spPr/>
+        <p:txBody>
+          <a:bodyPr/>
+          <a:lstStyle/>
+          <a:p>
+            <a:fld id="{173C66E3-29A9-874C-B80D-C4D9C846BBB6}" type="datetimeFigureOut">
+              <a:rPr lang="en-US" smtClean="0"/>
+              <a:t>9/14/2021</a:t>
+            </a:fld>
+            <a:endParaRPr lang="en-US"/>
+          </a:p>
+        </p:txBody>
+      </p:sp>
+      <p:sp>
+        <p:nvSpPr>
+          <p:cNvPr id="4" name="Footer Placeholder 3"/>
+          <p:cNvSpPr>
+            <a:spLocks noGrp="1"/>
+          </p:cNvSpPr>
+          <p:nvPr>
+            <p:ph type="ftr" sz="quarter" idx="11"/>
+          </p:nvPr>
+        </p:nvSpPr>
+        <p:spPr/>
+        <p:txBody>
+          <a:bodyPr/>
+          <a:lstStyle/>
+          <a:p>
+            <a:endParaRPr lang="en-US"/>
+          </a:p>
+        </p:txBody>
+      </p:sp>
+      <p:sp>
+        <p:nvSpPr>
+          <p:cNvPr id="5" name="Slide Number Placeholder 4"/>
+          <p:cNvSpPr>
+            <a:spLocks noGrp="1"/>
+          </p:cNvSpPr>
+          <p:nvPr>
+            <p:ph type="sldNum" sz="quarter" idx="12"/>
+          </p:nvPr>
+        </p:nvSpPr>
+        <p:spPr/>
+        <p:txBody>
+          <a:bodyPr/>
+          <a:lstStyle/>
+          <a:p>
+            <a:fld id="{1EFED167-E928-A943-AC2D-CDCABD0DB418}" type="slidenum">
+              <a:rPr lang="en-US" smtClean="0"/>
+              <a:t>‹#›</a:t>
+            </a:fld>
+            <a:endParaRPr lang="en-US"/>
+          </a:p>
+        </p:txBody>
+      </p:sp>
+    </p:spTree>
+    <p:extLst>
+      <p:ext uri="{BB962C8B-B14F-4D97-AF65-F5344CB8AC3E}">
+        <p14:creationId xmlns:p14="http://schemas.microsoft.com/office/powerpoint/2010/main" val="2158109354"/>
+      </p:ext>
+    </p:extLst>
+  </p:cSld>
+  <p:clrMapOvr>
+    <a:masterClrMapping/>
+  </p:clrMapOvr>
+</p:sldLayout>
+</file>
+
+<file path=ppt/slideLayouts/slideLayout18.xml><?xml version="1.0" encoding="utf-8"?>
+<p:sldLayout xmlns:a="http://schemas.openxmlformats.org/drawingml/2006/main" xmlns:r="http://schemas.openxmlformats.org/officeDocument/2006/relationships" xmlns:p="http://schemas.openxmlformats.org/presentationml/2006/main" type="blank" preserve="1">
+  <p:cSld name="Blank">
+    <p:spTree>
+      <p:nvGrpSpPr>
+        <p:cNvPr id="1" name=""/>
+        <p:cNvGrpSpPr/>
+        <p:nvPr/>
+      </p:nvGrpSpPr>
+      <p:grpSpPr>
+        <a:xfrm>
+          <a:off x="0" y="0"/>
+          <a:ext cx="0" cy="0"/>
+          <a:chOff x="0" y="0"/>
+          <a:chExt cx="0" cy="0"/>
+        </a:xfrm>
+      </p:grpSpPr>
+      <p:sp>
+        <p:nvSpPr>
+          <p:cNvPr id="2" name="Date Placeholder 1"/>
+          <p:cNvSpPr>
+            <a:spLocks noGrp="1"/>
+          </p:cNvSpPr>
+          <p:nvPr>
+            <p:ph type="dt" sz="half" idx="10"/>
+          </p:nvPr>
+        </p:nvSpPr>
+        <p:spPr/>
+        <p:txBody>
+          <a:bodyPr/>
+          <a:lstStyle/>
+          <a:p>
+            <a:fld id="{173C66E3-29A9-874C-B80D-C4D9C846BBB6}" type="datetimeFigureOut">
+              <a:rPr lang="en-US" smtClean="0"/>
+              <a:t>9/14/2021</a:t>
+            </a:fld>
+            <a:endParaRPr lang="en-US"/>
+          </a:p>
+        </p:txBody>
+      </p:sp>
+      <p:sp>
+        <p:nvSpPr>
+          <p:cNvPr id="3" name="Footer Placeholder 2"/>
+          <p:cNvSpPr>
+            <a:spLocks noGrp="1"/>
+          </p:cNvSpPr>
+          <p:nvPr>
+            <p:ph type="ftr" sz="quarter" idx="11"/>
+          </p:nvPr>
+        </p:nvSpPr>
+        <p:spPr/>
+        <p:txBody>
+          <a:bodyPr/>
+          <a:lstStyle/>
+          <a:p>
+            <a:endParaRPr lang="en-US"/>
+          </a:p>
+        </p:txBody>
+      </p:sp>
+      <p:sp>
+        <p:nvSpPr>
+          <p:cNvPr id="4" name="Slide Number Placeholder 3"/>
+          <p:cNvSpPr>
+            <a:spLocks noGrp="1"/>
+          </p:cNvSpPr>
+          <p:nvPr>
+            <p:ph type="sldNum" sz="quarter" idx="12"/>
+          </p:nvPr>
+        </p:nvSpPr>
+        <p:spPr/>
+        <p:txBody>
+          <a:bodyPr/>
+          <a:lstStyle/>
+          <a:p>
+            <a:fld id="{1EFED167-E928-A943-AC2D-CDCABD0DB418}" type="slidenum">
+              <a:rPr lang="en-US" smtClean="0"/>
+              <a:t>‹#›</a:t>
+            </a:fld>
+            <a:endParaRPr lang="en-US"/>
+          </a:p>
+        </p:txBody>
+      </p:sp>
+    </p:spTree>
+    <p:extLst>
+      <p:ext uri="{BB962C8B-B14F-4D97-AF65-F5344CB8AC3E}">
+        <p14:creationId xmlns:p14="http://schemas.microsoft.com/office/powerpoint/2010/main" val="2515757351"/>
+      </p:ext>
+    </p:extLst>
+  </p:cSld>
+  <p:clrMapOvr>
+    <a:masterClrMapping/>
+  </p:clrMapOvr>
+</p:sldLayout>
+</file>
+
+<file path=ppt/slideLayouts/slideLayout19.xml><?xml version="1.0" encoding="utf-8"?>
+<p:sldLayout xmlns:a="http://schemas.openxmlformats.org/drawingml/2006/main" xmlns:r="http://schemas.openxmlformats.org/officeDocument/2006/relationships" xmlns:p="http://schemas.openxmlformats.org/presentationml/2006/main" type="objTx" preserve="1">
+  <p:cSld name="Content with Caption">
+    <p:spTree>
+      <p:nvGrpSpPr>
+        <p:cNvPr id="1" name=""/>
+        <p:cNvGrpSpPr/>
+        <p:nvPr/>
+      </p:nvGrpSpPr>
+      <p:grpSpPr>
+        <a:xfrm>
+          <a:off x="0" y="0"/>
+          <a:ext cx="0" cy="0"/>
+          <a:chOff x="0" y="0"/>
+          <a:chExt cx="0" cy="0"/>
+        </a:xfrm>
+      </p:grpSpPr>
+      <p:sp>
+        <p:nvSpPr>
+          <p:cNvPr id="2" name="Title 1"/>
+          <p:cNvSpPr>
+            <a:spLocks noGrp="1"/>
+          </p:cNvSpPr>
+          <p:nvPr>
+            <p:ph type="title"/>
+          </p:nvPr>
+        </p:nvSpPr>
+        <p:spPr>
+          <a:xfrm>
+            <a:off x="609601" y="273050"/>
+            <a:ext cx="4011084" cy="1162050"/>
+          </a:xfrm>
+        </p:spPr>
+        <p:txBody>
+          <a:bodyPr anchor="b"/>
+          <a:lstStyle>
+            <a:lvl1pPr algn="l">
+              <a:defRPr sz="2000" b="1"/>
+            </a:lvl1pPr>
+          </a:lstStyle>
+          <a:p>
+            <a:r>
+              <a:rPr lang="en-US"/>
+              <a:t>Click to edit Master title style</a:t>
+            </a:r>
+          </a:p>
+        </p:txBody>
+      </p:sp>
+      <p:sp>
+        <p:nvSpPr>
+          <p:cNvPr id="3" name="Content Placeholder 2"/>
+          <p:cNvSpPr>
+            <a:spLocks noGrp="1"/>
+          </p:cNvSpPr>
+          <p:nvPr>
+            <p:ph idx="1"/>
+          </p:nvPr>
+        </p:nvSpPr>
+        <p:spPr>
+          <a:xfrm>
+            <a:off x="4766733" y="273052"/>
+            <a:ext cx="6815667" cy="5853113"/>
+          </a:xfrm>
+        </p:spPr>
+        <p:txBody>
+          <a:bodyPr/>
+          <a:lstStyle>
+            <a:lvl1pPr>
+              <a:defRPr sz="3200"/>
+            </a:lvl1pPr>
+            <a:lvl2pPr>
+              <a:defRPr sz="2800"/>
+            </a:lvl2pPr>
+            <a:lvl3pPr>
+              <a:defRPr sz="2400"/>
+            </a:lvl3pPr>
+            <a:lvl4pPr>
+              <a:defRPr sz="2000"/>
+            </a:lvl4pPr>
+            <a:lvl5pPr>
+              <a:defRPr sz="2000"/>
+            </a:lvl5pPr>
+            <a:lvl6pPr>
+              <a:defRPr sz="2000"/>
+            </a:lvl6pPr>
+            <a:lvl7pPr>
+              <a:defRPr sz="2000"/>
+            </a:lvl7pPr>
+            <a:lvl8pPr>
+              <a:defRPr sz="2000"/>
+            </a:lvl8pPr>
+            <a:lvl9pPr>
+              <a:defRPr sz="2000"/>
+            </a:lvl9pPr>
+          </a:lstStyle>
+          <a:p>
+            <a:pPr lvl="0"/>
+            <a:r>
+              <a:rPr lang="en-US"/>
+              <a:t>Click to edit Master text styles</a:t>
+            </a:r>
+          </a:p>
+          <a:p>
+            <a:pPr lvl="1"/>
+            <a:r>
+              <a:rPr lang="en-US"/>
+              <a:t>Second level</a:t>
+            </a:r>
+          </a:p>
+          <a:p>
+            <a:pPr lvl="2"/>
+            <a:r>
+              <a:rPr lang="en-US"/>
+              <a:t>Third level</a:t>
+            </a:r>
+          </a:p>
+          <a:p>
+            <a:pPr lvl="3"/>
+            <a:r>
+              <a:rPr lang="en-US"/>
+              <a:t>Fourth level</a:t>
+            </a:r>
+          </a:p>
+          <a:p>
+            <a:pPr lvl="4"/>
+            <a:r>
+              <a:rPr lang="en-US"/>
+              <a:t>Fifth level</a:t>
+            </a:r>
+          </a:p>
+        </p:txBody>
+      </p:sp>
+      <p:sp>
+        <p:nvSpPr>
+          <p:cNvPr id="4" name="Text Placeholder 3"/>
+          <p:cNvSpPr>
+            <a:spLocks noGrp="1"/>
+          </p:cNvSpPr>
+          <p:nvPr>
+            <p:ph type="body" sz="half" idx="2"/>
+          </p:nvPr>
+        </p:nvSpPr>
+        <p:spPr>
+          <a:xfrm>
+            <a:off x="609601" y="1435102"/>
+            <a:ext cx="4011084" cy="4691063"/>
+          </a:xfrm>
+        </p:spPr>
+        <p:txBody>
+          <a:bodyPr/>
+          <a:lstStyle>
+            <a:lvl1pPr marL="0" indent="0">
+              <a:buNone/>
+              <a:defRPr sz="1400"/>
+            </a:lvl1pPr>
+            <a:lvl2pPr marL="457182" indent="0">
+              <a:buNone/>
+              <a:defRPr sz="1200"/>
+            </a:lvl2pPr>
+            <a:lvl3pPr marL="914363" indent="0">
+              <a:buNone/>
+              <a:defRPr sz="1000"/>
+            </a:lvl3pPr>
+            <a:lvl4pPr marL="1371545" indent="0">
+              <a:buNone/>
+              <a:defRPr sz="900"/>
+            </a:lvl4pPr>
+            <a:lvl5pPr marL="1828727" indent="0">
+              <a:buNone/>
+              <a:defRPr sz="900"/>
+            </a:lvl5pPr>
+            <a:lvl6pPr marL="2285909" indent="0">
+              <a:buNone/>
+              <a:defRPr sz="900"/>
+            </a:lvl6pPr>
+            <a:lvl7pPr marL="2743090" indent="0">
+              <a:buNone/>
+              <a:defRPr sz="900"/>
+            </a:lvl7pPr>
+            <a:lvl8pPr marL="3200272" indent="0">
+              <a:buNone/>
+              <a:defRPr sz="900"/>
+            </a:lvl8pPr>
+            <a:lvl9pPr marL="3657454" indent="0">
+              <a:buNone/>
+              <a:defRPr sz="900"/>
+            </a:lvl9pPr>
+          </a:lstStyle>
+          <a:p>
+            <a:pPr lvl="0"/>
+            <a:r>
+              <a:rPr lang="en-US"/>
+              <a:t>Click to edit Master text styles</a:t>
+            </a:r>
+          </a:p>
+        </p:txBody>
+      </p:sp>
+      <p:sp>
+        <p:nvSpPr>
+          <p:cNvPr id="5" name="Date Placeholder 4"/>
+          <p:cNvSpPr>
+            <a:spLocks noGrp="1"/>
+          </p:cNvSpPr>
+          <p:nvPr>
+            <p:ph type="dt" sz="half" idx="10"/>
+          </p:nvPr>
+        </p:nvSpPr>
+        <p:spPr/>
+        <p:txBody>
+          <a:bodyPr/>
+          <a:lstStyle/>
+          <a:p>
+            <a:fld id="{173C66E3-29A9-874C-B80D-C4D9C846BBB6}" type="datetimeFigureOut">
+              <a:rPr lang="en-US" smtClean="0"/>
+              <a:t>9/14/2021</a:t>
+            </a:fld>
+            <a:endParaRPr lang="en-US"/>
+          </a:p>
+        </p:txBody>
+      </p:sp>
+      <p:sp>
+        <p:nvSpPr>
+          <p:cNvPr id="6" name="Footer Placeholder 5"/>
+          <p:cNvSpPr>
+            <a:spLocks noGrp="1"/>
+          </p:cNvSpPr>
+          <p:nvPr>
+            <p:ph type="ftr" sz="quarter" idx="11"/>
+          </p:nvPr>
+        </p:nvSpPr>
+        <p:spPr/>
+        <p:txBody>
+          <a:bodyPr/>
+          <a:lstStyle/>
+          <a:p>
+            <a:endParaRPr lang="en-US"/>
+          </a:p>
+        </p:txBody>
+      </p:sp>
+      <p:sp>
+        <p:nvSpPr>
+          <p:cNvPr id="7" name="Slide Number Placeholder 6"/>
+          <p:cNvSpPr>
+            <a:spLocks noGrp="1"/>
+          </p:cNvSpPr>
+          <p:nvPr>
+            <p:ph type="sldNum" sz="quarter" idx="12"/>
+          </p:nvPr>
+        </p:nvSpPr>
+        <p:spPr/>
+        <p:txBody>
+          <a:bodyPr/>
+          <a:lstStyle/>
+          <a:p>
+            <a:fld id="{1EFED167-E928-A943-AC2D-CDCABD0DB418}" type="slidenum">
+              <a:rPr lang="en-US" smtClean="0"/>
+              <a:t>‹#›</a:t>
+            </a:fld>
+            <a:endParaRPr lang="en-US"/>
+          </a:p>
+        </p:txBody>
+      </p:sp>
+    </p:spTree>
+    <p:extLst>
+      <p:ext uri="{BB962C8B-B14F-4D97-AF65-F5344CB8AC3E}">
+        <p14:creationId xmlns:p14="http://schemas.microsoft.com/office/powerpoint/2010/main" val="3834318590"/>
       </p:ext>
     </p:extLst>
   </p:cSld>
@@ -968,7 +3324,7 @@
           <a:p>
             <a:fld id="{C70E03BD-25A7-4674-8CC2-6C56BFB98E22}" type="datetimeFigureOut">
               <a:rPr lang="en-US" smtClean="0"/>
-              <a:t>8/30/2021</a:t>
+              <a:t>9/14/2021</a:t>
             </a:fld>
             <a:endParaRPr lang="en-US"/>
           </a:p>
@@ -1019,7 +3375,7 @@
     </p:spTree>
     <p:extLst>
       <p:ext uri="{BB962C8B-B14F-4D97-AF65-F5344CB8AC3E}">
-        <p14:creationId xmlns:p14="http://schemas.microsoft.com/office/powerpoint/2010/main" val="4276671457"/>
+        <p14:creationId xmlns:p14="http://schemas.microsoft.com/office/powerpoint/2010/main" val="1110535285"/>
       </p:ext>
     </p:extLst>
   </p:cSld>
@@ -1029,17 +3385,9 @@
 </p:sldLayout>
 </file>
 
-<file path=ppt/slideLayouts/slideLayout3.xml><?xml version="1.0" encoding="utf-8"?>
-<p:sldLayout xmlns:a="http://schemas.openxmlformats.org/drawingml/2006/main" xmlns:r="http://schemas.openxmlformats.org/officeDocument/2006/relationships" xmlns:p="http://schemas.openxmlformats.org/presentationml/2006/main" showMasterSp="0" type="secHead" preserve="1">
-  <p:cSld name="Section Header">
-    <p:bg>
-      <p:bgPr>
-        <a:solidFill>
-          <a:schemeClr val="bg1"/>
-        </a:solidFill>
-        <a:effectLst/>
-      </p:bgPr>
-    </p:bg>
+<file path=ppt/slideLayouts/slideLayout20.xml><?xml version="1.0" encoding="utf-8"?>
+<p:sldLayout xmlns:a="http://schemas.openxmlformats.org/drawingml/2006/main" xmlns:r="http://schemas.openxmlformats.org/officeDocument/2006/relationships" xmlns:p="http://schemas.openxmlformats.org/presentationml/2006/main" type="picTx" preserve="1">
+  <p:cSld name="Picture with Caption">
     <p:spTree>
       <p:nvGrpSpPr>
         <p:cNvPr id="1" name=""/>
@@ -1056,6 +3404,604 @@
       </p:grpSpPr>
       <p:sp>
         <p:nvSpPr>
+          <p:cNvPr id="2" name="Title 1"/>
+          <p:cNvSpPr>
+            <a:spLocks noGrp="1"/>
+          </p:cNvSpPr>
+          <p:nvPr>
+            <p:ph type="title"/>
+          </p:nvPr>
+        </p:nvSpPr>
+        <p:spPr>
+          <a:xfrm>
+            <a:off x="2389717" y="4800600"/>
+            <a:ext cx="7315200" cy="566738"/>
+          </a:xfrm>
+        </p:spPr>
+        <p:txBody>
+          <a:bodyPr anchor="b"/>
+          <a:lstStyle>
+            <a:lvl1pPr algn="l">
+              <a:defRPr sz="2000" b="1"/>
+            </a:lvl1pPr>
+          </a:lstStyle>
+          <a:p>
+            <a:r>
+              <a:rPr lang="en-US"/>
+              <a:t>Click to edit Master title style</a:t>
+            </a:r>
+          </a:p>
+        </p:txBody>
+      </p:sp>
+      <p:sp>
+        <p:nvSpPr>
+          <p:cNvPr id="3" name="Picture Placeholder 2"/>
+          <p:cNvSpPr>
+            <a:spLocks noGrp="1"/>
+          </p:cNvSpPr>
+          <p:nvPr>
+            <p:ph type="pic" idx="1"/>
+          </p:nvPr>
+        </p:nvSpPr>
+        <p:spPr>
+          <a:xfrm>
+            <a:off x="2389717" y="612775"/>
+            <a:ext cx="7315200" cy="4114800"/>
+          </a:xfrm>
+        </p:spPr>
+        <p:txBody>
+          <a:bodyPr/>
+          <a:lstStyle>
+            <a:lvl1pPr marL="0" indent="0">
+              <a:buNone/>
+              <a:defRPr sz="3200"/>
+            </a:lvl1pPr>
+            <a:lvl2pPr marL="457182" indent="0">
+              <a:buNone/>
+              <a:defRPr sz="2800"/>
+            </a:lvl2pPr>
+            <a:lvl3pPr marL="914363" indent="0">
+              <a:buNone/>
+              <a:defRPr sz="2400"/>
+            </a:lvl3pPr>
+            <a:lvl4pPr marL="1371545" indent="0">
+              <a:buNone/>
+              <a:defRPr sz="2000"/>
+            </a:lvl4pPr>
+            <a:lvl5pPr marL="1828727" indent="0">
+              <a:buNone/>
+              <a:defRPr sz="2000"/>
+            </a:lvl5pPr>
+            <a:lvl6pPr marL="2285909" indent="0">
+              <a:buNone/>
+              <a:defRPr sz="2000"/>
+            </a:lvl6pPr>
+            <a:lvl7pPr marL="2743090" indent="0">
+              <a:buNone/>
+              <a:defRPr sz="2000"/>
+            </a:lvl7pPr>
+            <a:lvl8pPr marL="3200272" indent="0">
+              <a:buNone/>
+              <a:defRPr sz="2000"/>
+            </a:lvl8pPr>
+            <a:lvl9pPr marL="3657454" indent="0">
+              <a:buNone/>
+              <a:defRPr sz="2000"/>
+            </a:lvl9pPr>
+          </a:lstStyle>
+          <a:p>
+            <a:endParaRPr lang="en-US"/>
+          </a:p>
+        </p:txBody>
+      </p:sp>
+      <p:sp>
+        <p:nvSpPr>
+          <p:cNvPr id="4" name="Text Placeholder 3"/>
+          <p:cNvSpPr>
+            <a:spLocks noGrp="1"/>
+          </p:cNvSpPr>
+          <p:nvPr>
+            <p:ph type="body" sz="half" idx="2"/>
+          </p:nvPr>
+        </p:nvSpPr>
+        <p:spPr>
+          <a:xfrm>
+            <a:off x="2389717" y="5367338"/>
+            <a:ext cx="7315200" cy="804862"/>
+          </a:xfrm>
+        </p:spPr>
+        <p:txBody>
+          <a:bodyPr/>
+          <a:lstStyle>
+            <a:lvl1pPr marL="0" indent="0">
+              <a:buNone/>
+              <a:defRPr sz="1400"/>
+            </a:lvl1pPr>
+            <a:lvl2pPr marL="457182" indent="0">
+              <a:buNone/>
+              <a:defRPr sz="1200"/>
+            </a:lvl2pPr>
+            <a:lvl3pPr marL="914363" indent="0">
+              <a:buNone/>
+              <a:defRPr sz="1000"/>
+            </a:lvl3pPr>
+            <a:lvl4pPr marL="1371545" indent="0">
+              <a:buNone/>
+              <a:defRPr sz="900"/>
+            </a:lvl4pPr>
+            <a:lvl5pPr marL="1828727" indent="0">
+              <a:buNone/>
+              <a:defRPr sz="900"/>
+            </a:lvl5pPr>
+            <a:lvl6pPr marL="2285909" indent="0">
+              <a:buNone/>
+              <a:defRPr sz="900"/>
+            </a:lvl6pPr>
+            <a:lvl7pPr marL="2743090" indent="0">
+              <a:buNone/>
+              <a:defRPr sz="900"/>
+            </a:lvl7pPr>
+            <a:lvl8pPr marL="3200272" indent="0">
+              <a:buNone/>
+              <a:defRPr sz="900"/>
+            </a:lvl8pPr>
+            <a:lvl9pPr marL="3657454" indent="0">
+              <a:buNone/>
+              <a:defRPr sz="900"/>
+            </a:lvl9pPr>
+          </a:lstStyle>
+          <a:p>
+            <a:pPr lvl="0"/>
+            <a:r>
+              <a:rPr lang="en-US"/>
+              <a:t>Click to edit Master text styles</a:t>
+            </a:r>
+          </a:p>
+        </p:txBody>
+      </p:sp>
+      <p:sp>
+        <p:nvSpPr>
+          <p:cNvPr id="5" name="Date Placeholder 4"/>
+          <p:cNvSpPr>
+            <a:spLocks noGrp="1"/>
+          </p:cNvSpPr>
+          <p:nvPr>
+            <p:ph type="dt" sz="half" idx="10"/>
+          </p:nvPr>
+        </p:nvSpPr>
+        <p:spPr/>
+        <p:txBody>
+          <a:bodyPr/>
+          <a:lstStyle/>
+          <a:p>
+            <a:fld id="{173C66E3-29A9-874C-B80D-C4D9C846BBB6}" type="datetimeFigureOut">
+              <a:rPr lang="en-US" smtClean="0"/>
+              <a:t>9/14/2021</a:t>
+            </a:fld>
+            <a:endParaRPr lang="en-US"/>
+          </a:p>
+        </p:txBody>
+      </p:sp>
+      <p:sp>
+        <p:nvSpPr>
+          <p:cNvPr id="6" name="Footer Placeholder 5"/>
+          <p:cNvSpPr>
+            <a:spLocks noGrp="1"/>
+          </p:cNvSpPr>
+          <p:nvPr>
+            <p:ph type="ftr" sz="quarter" idx="11"/>
+          </p:nvPr>
+        </p:nvSpPr>
+        <p:spPr/>
+        <p:txBody>
+          <a:bodyPr/>
+          <a:lstStyle/>
+          <a:p>
+            <a:endParaRPr lang="en-US"/>
+          </a:p>
+        </p:txBody>
+      </p:sp>
+      <p:sp>
+        <p:nvSpPr>
+          <p:cNvPr id="7" name="Slide Number Placeholder 6"/>
+          <p:cNvSpPr>
+            <a:spLocks noGrp="1"/>
+          </p:cNvSpPr>
+          <p:nvPr>
+            <p:ph type="sldNum" sz="quarter" idx="12"/>
+          </p:nvPr>
+        </p:nvSpPr>
+        <p:spPr/>
+        <p:txBody>
+          <a:bodyPr/>
+          <a:lstStyle/>
+          <a:p>
+            <a:fld id="{1EFED167-E928-A943-AC2D-CDCABD0DB418}" type="slidenum">
+              <a:rPr lang="en-US" smtClean="0"/>
+              <a:t>‹#›</a:t>
+            </a:fld>
+            <a:endParaRPr lang="en-US"/>
+          </a:p>
+        </p:txBody>
+      </p:sp>
+    </p:spTree>
+    <p:extLst>
+      <p:ext uri="{BB962C8B-B14F-4D97-AF65-F5344CB8AC3E}">
+        <p14:creationId xmlns:p14="http://schemas.microsoft.com/office/powerpoint/2010/main" val="1239326943"/>
+      </p:ext>
+    </p:extLst>
+  </p:cSld>
+  <p:clrMapOvr>
+    <a:masterClrMapping/>
+  </p:clrMapOvr>
+</p:sldLayout>
+</file>
+
+<file path=ppt/slideLayouts/slideLayout21.xml><?xml version="1.0" encoding="utf-8"?>
+<p:sldLayout xmlns:a="http://schemas.openxmlformats.org/drawingml/2006/main" xmlns:r="http://schemas.openxmlformats.org/officeDocument/2006/relationships" xmlns:p="http://schemas.openxmlformats.org/presentationml/2006/main" type="vertTx" preserve="1">
+  <p:cSld name="Title and Vertical Text">
+    <p:spTree>
+      <p:nvGrpSpPr>
+        <p:cNvPr id="1" name=""/>
+        <p:cNvGrpSpPr/>
+        <p:nvPr/>
+      </p:nvGrpSpPr>
+      <p:grpSpPr>
+        <a:xfrm>
+          <a:off x="0" y="0"/>
+          <a:ext cx="0" cy="0"/>
+          <a:chOff x="0" y="0"/>
+          <a:chExt cx="0" cy="0"/>
+        </a:xfrm>
+      </p:grpSpPr>
+      <p:sp>
+        <p:nvSpPr>
+          <p:cNvPr id="2" name="Title 1"/>
+          <p:cNvSpPr>
+            <a:spLocks noGrp="1"/>
+          </p:cNvSpPr>
+          <p:nvPr>
+            <p:ph type="title"/>
+          </p:nvPr>
+        </p:nvSpPr>
+        <p:spPr/>
+        <p:txBody>
+          <a:bodyPr/>
+          <a:lstStyle/>
+          <a:p>
+            <a:r>
+              <a:rPr lang="en-US"/>
+              <a:t>Click to edit Master title style</a:t>
+            </a:r>
+          </a:p>
+        </p:txBody>
+      </p:sp>
+      <p:sp>
+        <p:nvSpPr>
+          <p:cNvPr id="3" name="Vertical Text Placeholder 2"/>
+          <p:cNvSpPr>
+            <a:spLocks noGrp="1"/>
+          </p:cNvSpPr>
+          <p:nvPr>
+            <p:ph type="body" orient="vert" idx="1"/>
+          </p:nvPr>
+        </p:nvSpPr>
+        <p:spPr/>
+        <p:txBody>
+          <a:bodyPr vert="eaVert"/>
+          <a:lstStyle/>
+          <a:p>
+            <a:pPr lvl="0"/>
+            <a:r>
+              <a:rPr lang="en-US"/>
+              <a:t>Click to edit Master text styles</a:t>
+            </a:r>
+          </a:p>
+          <a:p>
+            <a:pPr lvl="1"/>
+            <a:r>
+              <a:rPr lang="en-US"/>
+              <a:t>Second level</a:t>
+            </a:r>
+          </a:p>
+          <a:p>
+            <a:pPr lvl="2"/>
+            <a:r>
+              <a:rPr lang="en-US"/>
+              <a:t>Third level</a:t>
+            </a:r>
+          </a:p>
+          <a:p>
+            <a:pPr lvl="3"/>
+            <a:r>
+              <a:rPr lang="en-US"/>
+              <a:t>Fourth level</a:t>
+            </a:r>
+          </a:p>
+          <a:p>
+            <a:pPr lvl="4"/>
+            <a:r>
+              <a:rPr lang="en-US"/>
+              <a:t>Fifth level</a:t>
+            </a:r>
+          </a:p>
+        </p:txBody>
+      </p:sp>
+      <p:sp>
+        <p:nvSpPr>
+          <p:cNvPr id="4" name="Date Placeholder 3"/>
+          <p:cNvSpPr>
+            <a:spLocks noGrp="1"/>
+          </p:cNvSpPr>
+          <p:nvPr>
+            <p:ph type="dt" sz="half" idx="10"/>
+          </p:nvPr>
+        </p:nvSpPr>
+        <p:spPr/>
+        <p:txBody>
+          <a:bodyPr/>
+          <a:lstStyle/>
+          <a:p>
+            <a:fld id="{173C66E3-29A9-874C-B80D-C4D9C846BBB6}" type="datetimeFigureOut">
+              <a:rPr lang="en-US" smtClean="0"/>
+              <a:t>9/14/2021</a:t>
+            </a:fld>
+            <a:endParaRPr lang="en-US"/>
+          </a:p>
+        </p:txBody>
+      </p:sp>
+      <p:sp>
+        <p:nvSpPr>
+          <p:cNvPr id="5" name="Footer Placeholder 4"/>
+          <p:cNvSpPr>
+            <a:spLocks noGrp="1"/>
+          </p:cNvSpPr>
+          <p:nvPr>
+            <p:ph type="ftr" sz="quarter" idx="11"/>
+          </p:nvPr>
+        </p:nvSpPr>
+        <p:spPr/>
+        <p:txBody>
+          <a:bodyPr/>
+          <a:lstStyle/>
+          <a:p>
+            <a:endParaRPr lang="en-US"/>
+          </a:p>
+        </p:txBody>
+      </p:sp>
+      <p:sp>
+        <p:nvSpPr>
+          <p:cNvPr id="6" name="Slide Number Placeholder 5"/>
+          <p:cNvSpPr>
+            <a:spLocks noGrp="1"/>
+          </p:cNvSpPr>
+          <p:nvPr>
+            <p:ph type="sldNum" sz="quarter" idx="12"/>
+          </p:nvPr>
+        </p:nvSpPr>
+        <p:spPr/>
+        <p:txBody>
+          <a:bodyPr/>
+          <a:lstStyle/>
+          <a:p>
+            <a:fld id="{1EFED167-E928-A943-AC2D-CDCABD0DB418}" type="slidenum">
+              <a:rPr lang="en-US" smtClean="0"/>
+              <a:t>‹#›</a:t>
+            </a:fld>
+            <a:endParaRPr lang="en-US"/>
+          </a:p>
+        </p:txBody>
+      </p:sp>
+    </p:spTree>
+    <p:extLst>
+      <p:ext uri="{BB962C8B-B14F-4D97-AF65-F5344CB8AC3E}">
+        <p14:creationId xmlns:p14="http://schemas.microsoft.com/office/powerpoint/2010/main" val="1827232667"/>
+      </p:ext>
+    </p:extLst>
+  </p:cSld>
+  <p:clrMapOvr>
+    <a:masterClrMapping/>
+  </p:clrMapOvr>
+</p:sldLayout>
+</file>
+
+<file path=ppt/slideLayouts/slideLayout22.xml><?xml version="1.0" encoding="utf-8"?>
+<p:sldLayout xmlns:a="http://schemas.openxmlformats.org/drawingml/2006/main" xmlns:r="http://schemas.openxmlformats.org/officeDocument/2006/relationships" xmlns:p="http://schemas.openxmlformats.org/presentationml/2006/main" type="vertTitleAndTx" preserve="1">
+  <p:cSld name="Vertical Title and Text">
+    <p:spTree>
+      <p:nvGrpSpPr>
+        <p:cNvPr id="1" name=""/>
+        <p:cNvGrpSpPr/>
+        <p:nvPr/>
+      </p:nvGrpSpPr>
+      <p:grpSpPr>
+        <a:xfrm>
+          <a:off x="0" y="0"/>
+          <a:ext cx="0" cy="0"/>
+          <a:chOff x="0" y="0"/>
+          <a:chExt cx="0" cy="0"/>
+        </a:xfrm>
+      </p:grpSpPr>
+      <p:sp>
+        <p:nvSpPr>
+          <p:cNvPr id="2" name="Vertical Title 1"/>
+          <p:cNvSpPr>
+            <a:spLocks noGrp="1"/>
+          </p:cNvSpPr>
+          <p:nvPr>
+            <p:ph type="title" orient="vert"/>
+          </p:nvPr>
+        </p:nvSpPr>
+        <p:spPr>
+          <a:xfrm>
+            <a:off x="8839200" y="274639"/>
+            <a:ext cx="2743200" cy="5851525"/>
+          </a:xfrm>
+        </p:spPr>
+        <p:txBody>
+          <a:bodyPr vert="eaVert"/>
+          <a:lstStyle/>
+          <a:p>
+            <a:r>
+              <a:rPr lang="en-US"/>
+              <a:t>Click to edit Master title style</a:t>
+            </a:r>
+          </a:p>
+        </p:txBody>
+      </p:sp>
+      <p:sp>
+        <p:nvSpPr>
+          <p:cNvPr id="3" name="Vertical Text Placeholder 2"/>
+          <p:cNvSpPr>
+            <a:spLocks noGrp="1"/>
+          </p:cNvSpPr>
+          <p:nvPr>
+            <p:ph type="body" orient="vert" idx="1"/>
+          </p:nvPr>
+        </p:nvSpPr>
+        <p:spPr>
+          <a:xfrm>
+            <a:off x="609600" y="274639"/>
+            <a:ext cx="8026400" cy="5851525"/>
+          </a:xfrm>
+        </p:spPr>
+        <p:txBody>
+          <a:bodyPr vert="eaVert"/>
+          <a:lstStyle/>
+          <a:p>
+            <a:pPr lvl="0"/>
+            <a:r>
+              <a:rPr lang="en-US"/>
+              <a:t>Click to edit Master text styles</a:t>
+            </a:r>
+          </a:p>
+          <a:p>
+            <a:pPr lvl="1"/>
+            <a:r>
+              <a:rPr lang="en-US"/>
+              <a:t>Second level</a:t>
+            </a:r>
+          </a:p>
+          <a:p>
+            <a:pPr lvl="2"/>
+            <a:r>
+              <a:rPr lang="en-US"/>
+              <a:t>Third level</a:t>
+            </a:r>
+          </a:p>
+          <a:p>
+            <a:pPr lvl="3"/>
+            <a:r>
+              <a:rPr lang="en-US"/>
+              <a:t>Fourth level</a:t>
+            </a:r>
+          </a:p>
+          <a:p>
+            <a:pPr lvl="4"/>
+            <a:r>
+              <a:rPr lang="en-US"/>
+              <a:t>Fifth level</a:t>
+            </a:r>
+          </a:p>
+        </p:txBody>
+      </p:sp>
+      <p:sp>
+        <p:nvSpPr>
+          <p:cNvPr id="4" name="Date Placeholder 3"/>
+          <p:cNvSpPr>
+            <a:spLocks noGrp="1"/>
+          </p:cNvSpPr>
+          <p:nvPr>
+            <p:ph type="dt" sz="half" idx="10"/>
+          </p:nvPr>
+        </p:nvSpPr>
+        <p:spPr/>
+        <p:txBody>
+          <a:bodyPr/>
+          <a:lstStyle/>
+          <a:p>
+            <a:fld id="{173C66E3-29A9-874C-B80D-C4D9C846BBB6}" type="datetimeFigureOut">
+              <a:rPr lang="en-US" smtClean="0"/>
+              <a:t>9/14/2021</a:t>
+            </a:fld>
+            <a:endParaRPr lang="en-US"/>
+          </a:p>
+        </p:txBody>
+      </p:sp>
+      <p:sp>
+        <p:nvSpPr>
+          <p:cNvPr id="5" name="Footer Placeholder 4"/>
+          <p:cNvSpPr>
+            <a:spLocks noGrp="1"/>
+          </p:cNvSpPr>
+          <p:nvPr>
+            <p:ph type="ftr" sz="quarter" idx="11"/>
+          </p:nvPr>
+        </p:nvSpPr>
+        <p:spPr/>
+        <p:txBody>
+          <a:bodyPr/>
+          <a:lstStyle/>
+          <a:p>
+            <a:endParaRPr lang="en-US"/>
+          </a:p>
+        </p:txBody>
+      </p:sp>
+      <p:sp>
+        <p:nvSpPr>
+          <p:cNvPr id="6" name="Slide Number Placeholder 5"/>
+          <p:cNvSpPr>
+            <a:spLocks noGrp="1"/>
+          </p:cNvSpPr>
+          <p:nvPr>
+            <p:ph type="sldNum" sz="quarter" idx="12"/>
+          </p:nvPr>
+        </p:nvSpPr>
+        <p:spPr/>
+        <p:txBody>
+          <a:bodyPr/>
+          <a:lstStyle/>
+          <a:p>
+            <a:fld id="{1EFED167-E928-A943-AC2D-CDCABD0DB418}" type="slidenum">
+              <a:rPr lang="en-US" smtClean="0"/>
+              <a:t>‹#›</a:t>
+            </a:fld>
+            <a:endParaRPr lang="en-US"/>
+          </a:p>
+        </p:txBody>
+      </p:sp>
+    </p:spTree>
+    <p:extLst>
+      <p:ext uri="{BB962C8B-B14F-4D97-AF65-F5344CB8AC3E}">
+        <p14:creationId xmlns:p14="http://schemas.microsoft.com/office/powerpoint/2010/main" val="2567774054"/>
+      </p:ext>
+    </p:extLst>
+  </p:cSld>
+  <p:clrMapOvr>
+    <a:masterClrMapping/>
+  </p:clrMapOvr>
+</p:sldLayout>
+</file>
+
+<file path=ppt/slideLayouts/slideLayout3.xml><?xml version="1.0" encoding="utf-8"?>
+<p:sldLayout xmlns:a="http://schemas.openxmlformats.org/drawingml/2006/main" xmlns:r="http://schemas.openxmlformats.org/officeDocument/2006/relationships" xmlns:p="http://schemas.openxmlformats.org/presentationml/2006/main" showMasterSp="0" type="secHead" preserve="1">
+  <p:cSld name="Section Header">
+    <p:spTree>
+      <p:nvGrpSpPr>
+        <p:cNvPr id="1" name=""/>
+        <p:cNvGrpSpPr/>
+        <p:nvPr/>
+      </p:nvGrpSpPr>
+      <p:grpSpPr>
+        <a:xfrm>
+          <a:off x="0" y="0"/>
+          <a:ext cx="0" cy="0"/>
+          <a:chOff x="0" y="0"/>
+          <a:chExt cx="0" cy="0"/>
+        </a:xfrm>
+      </p:grpSpPr>
+      <p:sp>
+        <p:nvSpPr>
           <p:cNvPr id="7" name="Rectangle 6"/>
           <p:cNvSpPr/>
           <p:nvPr/>
@@ -1069,7 +4015,9 @@
             <a:avLst/>
           </a:prstGeom>
           <a:solidFill>
-            <a:schemeClr val="accent2"/>
+            <a:schemeClr val="accent1">
+              <a:lumMod val="75000"/>
+            </a:schemeClr>
           </a:solidFill>
           <a:ln>
             <a:noFill/>
@@ -1311,7 +4259,7 @@
           <a:p>
             <a:fld id="{C70E03BD-25A7-4674-8CC2-6C56BFB98E22}" type="datetimeFigureOut">
               <a:rPr lang="en-US" smtClean="0"/>
-              <a:t>8/30/2021</a:t>
+              <a:t>9/14/2021</a:t>
             </a:fld>
             <a:endParaRPr lang="en-US"/>
           </a:p>
@@ -1400,7 +4348,7 @@
     </p:spTree>
     <p:extLst>
       <p:ext uri="{BB962C8B-B14F-4D97-AF65-F5344CB8AC3E}">
-        <p14:creationId xmlns:p14="http://schemas.microsoft.com/office/powerpoint/2010/main" val="953584133"/>
+        <p14:creationId xmlns:p14="http://schemas.microsoft.com/office/powerpoint/2010/main" val="2075751964"/>
       </p:ext>
     </p:extLst>
   </p:cSld>
@@ -1468,7 +4416,7 @@
         <p:spPr>
           <a:xfrm>
             <a:off x="1097278" y="1845734"/>
-            <a:ext cx="4937760" cy="4023360"/>
+            <a:ext cx="4937760" cy="4023359"/>
           </a:xfrm>
         </p:spPr>
         <p:txBody>
@@ -1586,7 +4534,7 @@
           <a:p>
             <a:fld id="{C70E03BD-25A7-4674-8CC2-6C56BFB98E22}" type="datetimeFigureOut">
               <a:rPr lang="en-US" smtClean="0"/>
-              <a:t>8/30/2021</a:t>
+              <a:t>9/14/2021</a:t>
             </a:fld>
             <a:endParaRPr lang="en-US"/>
           </a:p>
@@ -1637,7 +4585,7 @@
     </p:spTree>
     <p:extLst>
       <p:ext uri="{BB962C8B-B14F-4D97-AF65-F5344CB8AC3E}">
-        <p14:creationId xmlns:p14="http://schemas.microsoft.com/office/powerpoint/2010/main" val="3756026149"/>
+        <p14:creationId xmlns:p14="http://schemas.microsoft.com/office/powerpoint/2010/main" val="4061042827"/>
       </p:ext>
     </p:extLst>
   </p:cSld>
@@ -1717,7 +4665,9 @@
               <a:buNone/>
               <a:defRPr sz="2000" b="0" cap="all" baseline="0">
                 <a:solidFill>
-                  <a:schemeClr val="tx2"/>
+                  <a:schemeClr val="tx2">
+                    <a:lumMod val="90000"/>
+                  </a:schemeClr>
                 </a:solidFill>
               </a:defRPr>
             </a:lvl1pPr>
@@ -1845,7 +4795,9 @@
               <a:buNone/>
               <a:defRPr sz="2000" b="0" cap="all" baseline="0">
                 <a:solidFill>
-                  <a:schemeClr val="tx2"/>
+                  <a:schemeClr val="tx2">
+                    <a:lumMod val="90000"/>
+                  </a:schemeClr>
                 </a:solidFill>
               </a:defRPr>
             </a:lvl1pPr>
@@ -1965,7 +4917,7 @@
           <a:p>
             <a:fld id="{C70E03BD-25A7-4674-8CC2-6C56BFB98E22}" type="datetimeFigureOut">
               <a:rPr lang="en-US" smtClean="0"/>
-              <a:t>8/30/2021</a:t>
+              <a:t>9/14/2021</a:t>
             </a:fld>
             <a:endParaRPr lang="en-US"/>
           </a:p>
@@ -2016,7 +4968,7 @@
     </p:spTree>
     <p:extLst>
       <p:ext uri="{BB962C8B-B14F-4D97-AF65-F5344CB8AC3E}">
-        <p14:creationId xmlns:p14="http://schemas.microsoft.com/office/powerpoint/2010/main" val="1496555824"/>
+        <p14:creationId xmlns:p14="http://schemas.microsoft.com/office/powerpoint/2010/main" val="99688757"/>
       </p:ext>
     </p:extLst>
   </p:cSld>
@@ -2083,7 +5035,7 @@
           <a:p>
             <a:fld id="{C70E03BD-25A7-4674-8CC2-6C56BFB98E22}" type="datetimeFigureOut">
               <a:rPr lang="en-US" smtClean="0"/>
-              <a:t>8/30/2021</a:t>
+              <a:t>9/14/2021</a:t>
             </a:fld>
             <a:endParaRPr lang="en-US"/>
           </a:p>
@@ -2134,7 +5086,7 @@
     </p:spTree>
     <p:extLst>
       <p:ext uri="{BB962C8B-B14F-4D97-AF65-F5344CB8AC3E}">
-        <p14:creationId xmlns:p14="http://schemas.microsoft.com/office/powerpoint/2010/main" val="1438330826"/>
+        <p14:creationId xmlns:p14="http://schemas.microsoft.com/office/powerpoint/2010/main" val="2530469169"/>
       </p:ext>
     </p:extLst>
   </p:cSld>
@@ -2176,7 +5128,9 @@
             <a:avLst/>
           </a:prstGeom>
           <a:solidFill>
-            <a:schemeClr val="accent2"/>
+            <a:schemeClr val="accent1">
+              <a:lumMod val="75000"/>
+            </a:schemeClr>
           </a:solidFill>
           <a:ln>
             <a:noFill/>
@@ -2254,7 +5208,7 @@
           <a:p>
             <a:fld id="{C70E03BD-25A7-4674-8CC2-6C56BFB98E22}" type="datetimeFigureOut">
               <a:rPr lang="en-US" smtClean="0"/>
-              <a:t>8/30/2021</a:t>
+              <a:t>9/14/2021</a:t>
             </a:fld>
             <a:endParaRPr lang="en-US"/>
           </a:p>
@@ -2313,7 +5267,7 @@
     </p:spTree>
     <p:extLst>
       <p:ext uri="{BB962C8B-B14F-4D97-AF65-F5344CB8AC3E}">
-        <p14:creationId xmlns:p14="http://schemas.microsoft.com/office/powerpoint/2010/main" val="2846775285"/>
+        <p14:creationId xmlns:p14="http://schemas.microsoft.com/office/powerpoint/2010/main" val="3909642303"/>
       </p:ext>
     </p:extLst>
   </p:cSld>
@@ -2348,14 +5302,16 @@
         </p:nvSpPr>
         <p:spPr>
           <a:xfrm>
-            <a:off x="16" y="0"/>
+            <a:off x="0" y="0"/>
             <a:ext cx="4050791" cy="6858000"/>
           </a:xfrm>
           <a:prstGeom prst="rect">
             <a:avLst/>
           </a:prstGeom>
           <a:solidFill>
-            <a:schemeClr val="accent2"/>
+            <a:schemeClr val="accent1">
+              <a:lumMod val="75000"/>
+            </a:schemeClr>
           </a:solidFill>
           <a:ln>
             <a:noFill/>
@@ -2608,7 +5564,7 @@
           <a:p>
             <a:fld id="{C70E03BD-25A7-4674-8CC2-6C56BFB98E22}" type="datetimeFigureOut">
               <a:rPr lang="en-US" smtClean="0"/>
-              <a:t>8/30/2021</a:t>
+              <a:t>9/14/2021</a:t>
             </a:fld>
             <a:endParaRPr lang="en-US"/>
           </a:p>
@@ -2680,7 +5636,7 @@
     </p:spTree>
     <p:extLst>
       <p:ext uri="{BB962C8B-B14F-4D97-AF65-F5344CB8AC3E}">
-        <p14:creationId xmlns:p14="http://schemas.microsoft.com/office/powerpoint/2010/main" val="2701049809"/>
+        <p14:creationId xmlns:p14="http://schemas.microsoft.com/office/powerpoint/2010/main" val="3348142844"/>
       </p:ext>
     </p:extLst>
   </p:cSld>
@@ -2709,20 +5665,20 @@
       </p:grpSpPr>
       <p:sp>
         <p:nvSpPr>
-          <p:cNvPr id="8" name="Rectangle 7"/>
+          <p:cNvPr id="9" name="Rectangle 8"/>
           <p:cNvSpPr/>
           <p:nvPr/>
         </p:nvSpPr>
         <p:spPr>
           <a:xfrm>
-            <a:off x="0" y="4953000"/>
-            <a:ext cx="12188825" cy="1905000"/>
+            <a:off x="15" y="4915076"/>
+            <a:ext cx="12188825" cy="64008"/>
           </a:xfrm>
           <a:prstGeom prst="rect">
             <a:avLst/>
           </a:prstGeom>
           <a:solidFill>
-            <a:schemeClr val="accent2"/>
+            <a:schemeClr val="accent1"/>
           </a:solidFill>
           <a:ln>
             <a:noFill/>
@@ -2747,20 +5703,338 @@
       </p:sp>
       <p:sp>
         <p:nvSpPr>
-          <p:cNvPr id="9" name="Rectangle 8"/>
+          <p:cNvPr id="2" name="Title 1"/>
+          <p:cNvSpPr>
+            <a:spLocks noGrp="1"/>
+          </p:cNvSpPr>
+          <p:nvPr>
+            <p:ph type="title"/>
+          </p:nvPr>
+        </p:nvSpPr>
+        <p:spPr>
+          <a:xfrm>
+            <a:off x="1097280" y="5074920"/>
+            <a:ext cx="10113645" cy="822960"/>
+          </a:xfrm>
+        </p:spPr>
+        <p:txBody>
+          <a:bodyPr tIns="0" bIns="0" anchor="b">
+            <a:noAutofit/>
+          </a:bodyPr>
+          <a:lstStyle>
+            <a:lvl1pPr>
+              <a:defRPr sz="3600" b="0">
+                <a:solidFill>
+                  <a:schemeClr val="tx1"/>
+                </a:solidFill>
+              </a:defRPr>
+            </a:lvl1pPr>
+          </a:lstStyle>
+          <a:p>
+            <a:r>
+              <a:rPr lang="en-US"/>
+              <a:t>Click to edit Master title style</a:t>
+            </a:r>
+            <a:endParaRPr lang="en-US" dirty="0"/>
+          </a:p>
+        </p:txBody>
+      </p:sp>
+      <p:sp>
+        <p:nvSpPr>
+          <p:cNvPr id="3" name="Picture Placeholder 2"/>
+          <p:cNvSpPr>
+            <a:spLocks noGrp="1" noChangeAspect="1"/>
+          </p:cNvSpPr>
+          <p:nvPr>
+            <p:ph type="pic" idx="1"/>
+          </p:nvPr>
+        </p:nvSpPr>
+        <p:spPr>
+          <a:xfrm>
+            <a:off x="15" y="0"/>
+            <a:ext cx="12191985" cy="4915076"/>
+          </a:xfrm>
+          <a:solidFill>
+            <a:schemeClr val="bg1">
+              <a:lumMod val="50000"/>
+              <a:lumOff val="50000"/>
+            </a:schemeClr>
+          </a:solidFill>
+        </p:spPr>
+        <p:txBody>
+          <a:bodyPr lIns="457200" tIns="457200" anchor="t"/>
+          <a:lstStyle>
+            <a:lvl1pPr marL="0" indent="0">
+              <a:buNone/>
+              <a:defRPr sz="3200"/>
+            </a:lvl1pPr>
+            <a:lvl2pPr marL="457200" indent="0">
+              <a:buNone/>
+              <a:defRPr sz="2800"/>
+            </a:lvl2pPr>
+            <a:lvl3pPr marL="914400" indent="0">
+              <a:buNone/>
+              <a:defRPr sz="2400"/>
+            </a:lvl3pPr>
+            <a:lvl4pPr marL="1371600" indent="0">
+              <a:buNone/>
+              <a:defRPr sz="2000"/>
+            </a:lvl4pPr>
+            <a:lvl5pPr marL="1828800" indent="0">
+              <a:buNone/>
+              <a:defRPr sz="2000"/>
+            </a:lvl5pPr>
+            <a:lvl6pPr marL="2286000" indent="0">
+              <a:buNone/>
+              <a:defRPr sz="2000"/>
+            </a:lvl6pPr>
+            <a:lvl7pPr marL="2743200" indent="0">
+              <a:buNone/>
+              <a:defRPr sz="2000"/>
+            </a:lvl7pPr>
+            <a:lvl8pPr marL="3200400" indent="0">
+              <a:buNone/>
+              <a:defRPr sz="2000"/>
+            </a:lvl8pPr>
+            <a:lvl9pPr marL="3657600" indent="0">
+              <a:buNone/>
+              <a:defRPr sz="2000"/>
+            </a:lvl9pPr>
+          </a:lstStyle>
+          <a:p>
+            <a:r>
+              <a:rPr lang="en-US"/>
+              <a:t>Click icon to add picture</a:t>
+            </a:r>
+            <a:endParaRPr lang="en-US" dirty="0"/>
+          </a:p>
+        </p:txBody>
+      </p:sp>
+      <p:sp>
+        <p:nvSpPr>
+          <p:cNvPr id="4" name="Text Placeholder 3"/>
+          <p:cNvSpPr>
+            <a:spLocks noGrp="1"/>
+          </p:cNvSpPr>
+          <p:nvPr>
+            <p:ph type="body" sz="half" idx="2"/>
+          </p:nvPr>
+        </p:nvSpPr>
+        <p:spPr>
+          <a:xfrm>
+            <a:off x="1097280" y="5907024"/>
+            <a:ext cx="10113264" cy="594360"/>
+          </a:xfrm>
+        </p:spPr>
+        <p:txBody>
+          <a:bodyPr lIns="91440" tIns="0" rIns="91440" bIns="0">
+            <a:normAutofit/>
+          </a:bodyPr>
+          <a:lstStyle>
+            <a:lvl1pPr marL="0" indent="0">
+              <a:spcBef>
+                <a:spcPts val="0"/>
+              </a:spcBef>
+              <a:spcAft>
+                <a:spcPts val="600"/>
+              </a:spcAft>
+              <a:buNone/>
+              <a:defRPr sz="1500">
+                <a:solidFill>
+                  <a:schemeClr val="tx1"/>
+                </a:solidFill>
+              </a:defRPr>
+            </a:lvl1pPr>
+            <a:lvl2pPr marL="457200" indent="0">
+              <a:buNone/>
+              <a:defRPr sz="1200"/>
+            </a:lvl2pPr>
+            <a:lvl3pPr marL="914400" indent="0">
+              <a:buNone/>
+              <a:defRPr sz="1000"/>
+            </a:lvl3pPr>
+            <a:lvl4pPr marL="1371600" indent="0">
+              <a:buNone/>
+              <a:defRPr sz="900"/>
+            </a:lvl4pPr>
+            <a:lvl5pPr marL="1828800" indent="0">
+              <a:buNone/>
+              <a:defRPr sz="900"/>
+            </a:lvl5pPr>
+            <a:lvl6pPr marL="2286000" indent="0">
+              <a:buNone/>
+              <a:defRPr sz="900"/>
+            </a:lvl6pPr>
+            <a:lvl7pPr marL="2743200" indent="0">
+              <a:buNone/>
+              <a:defRPr sz="900"/>
+            </a:lvl7pPr>
+            <a:lvl8pPr marL="3200400" indent="0">
+              <a:buNone/>
+              <a:defRPr sz="900"/>
+            </a:lvl8pPr>
+            <a:lvl9pPr marL="3657600" indent="0">
+              <a:buNone/>
+              <a:defRPr sz="900"/>
+            </a:lvl9pPr>
+          </a:lstStyle>
+          <a:p>
+            <a:pPr lvl="0"/>
+            <a:r>
+              <a:rPr lang="en-US"/>
+              <a:t>Click to edit Master text styles</a:t>
+            </a:r>
+          </a:p>
+        </p:txBody>
+      </p:sp>
+      <p:sp>
+        <p:nvSpPr>
+          <p:cNvPr id="5" name="Date Placeholder 4"/>
+          <p:cNvSpPr>
+            <a:spLocks noGrp="1"/>
+          </p:cNvSpPr>
+          <p:nvPr>
+            <p:ph type="dt" sz="half" idx="10"/>
+          </p:nvPr>
+        </p:nvSpPr>
+        <p:spPr/>
+        <p:txBody>
+          <a:bodyPr/>
+          <a:lstStyle>
+            <a:lvl1pPr>
+              <a:defRPr>
+                <a:solidFill>
+                  <a:schemeClr val="tx2"/>
+                </a:solidFill>
+              </a:defRPr>
+            </a:lvl1pPr>
+          </a:lstStyle>
+          <a:p>
+            <a:fld id="{C70E03BD-25A7-4674-8CC2-6C56BFB98E22}" type="datetimeFigureOut">
+              <a:rPr lang="en-US" smtClean="0"/>
+              <a:t>9/14/2021</a:t>
+            </a:fld>
+            <a:endParaRPr lang="en-US"/>
+          </a:p>
+        </p:txBody>
+      </p:sp>
+      <p:sp>
+        <p:nvSpPr>
+          <p:cNvPr id="6" name="Footer Placeholder 5"/>
+          <p:cNvSpPr>
+            <a:spLocks noGrp="1"/>
+          </p:cNvSpPr>
+          <p:nvPr>
+            <p:ph type="ftr" sz="quarter" idx="11"/>
+          </p:nvPr>
+        </p:nvSpPr>
+        <p:spPr/>
+        <p:txBody>
+          <a:bodyPr/>
+          <a:lstStyle>
+            <a:lvl1pPr>
+              <a:defRPr>
+                <a:solidFill>
+                  <a:schemeClr val="tx2"/>
+                </a:solidFill>
+              </a:defRPr>
+            </a:lvl1pPr>
+          </a:lstStyle>
+          <a:p>
+            <a:endParaRPr lang="en-US"/>
+          </a:p>
+        </p:txBody>
+      </p:sp>
+      <p:sp>
+        <p:nvSpPr>
+          <p:cNvPr id="7" name="Slide Number Placeholder 6"/>
+          <p:cNvSpPr>
+            <a:spLocks noGrp="1"/>
+          </p:cNvSpPr>
+          <p:nvPr>
+            <p:ph type="sldNum" sz="quarter" idx="12"/>
+          </p:nvPr>
+        </p:nvSpPr>
+        <p:spPr/>
+        <p:txBody>
+          <a:bodyPr/>
+          <a:lstStyle>
+            <a:lvl1pPr>
+              <a:defRPr>
+                <a:solidFill>
+                  <a:schemeClr val="tx2"/>
+                </a:solidFill>
+              </a:defRPr>
+            </a:lvl1pPr>
+          </a:lstStyle>
+          <a:p>
+            <a:fld id="{5C3096E5-0F95-4331-B3D8-AE6CC6EF3167}" type="slidenum">
+              <a:rPr lang="en-US" smtClean="0"/>
+              <a:t>‹#›</a:t>
+            </a:fld>
+            <a:endParaRPr lang="en-US"/>
+          </a:p>
+        </p:txBody>
+      </p:sp>
+    </p:spTree>
+    <p:extLst>
+      <p:ext uri="{BB962C8B-B14F-4D97-AF65-F5344CB8AC3E}">
+        <p14:creationId xmlns:p14="http://schemas.microsoft.com/office/powerpoint/2010/main" val="2336780853"/>
+      </p:ext>
+    </p:extLst>
+  </p:cSld>
+  <p:clrMapOvr>
+    <a:masterClrMapping/>
+  </p:clrMapOvr>
+</p:sldLayout>
+</file>
+
+<file path=ppt/slideMasters/slideMaster1.xml><?xml version="1.0" encoding="utf-8"?>
+<p:sldMaster xmlns:a="http://schemas.openxmlformats.org/drawingml/2006/main" xmlns:r="http://schemas.openxmlformats.org/officeDocument/2006/relationships" xmlns:p="http://schemas.openxmlformats.org/presentationml/2006/main">
+  <p:cSld>
+    <p:bg>
+      <p:bgPr>
+        <a:solidFill>
+          <a:schemeClr val="bg1">
+            <a:lumMod val="75000"/>
+            <a:lumOff val="25000"/>
+          </a:schemeClr>
+        </a:solidFill>
+        <a:effectLst/>
+      </p:bgPr>
+    </p:bg>
+    <p:spTree>
+      <p:nvGrpSpPr>
+        <p:cNvPr id="1" name=""/>
+        <p:cNvGrpSpPr/>
+        <p:nvPr/>
+      </p:nvGrpSpPr>
+      <p:grpSpPr>
+        <a:xfrm>
+          <a:off x="0" y="0"/>
+          <a:ext cx="0" cy="0"/>
+          <a:chOff x="0" y="0"/>
+          <a:chExt cx="0" cy="0"/>
+        </a:xfrm>
+      </p:grpSpPr>
+      <p:sp>
+        <p:nvSpPr>
+          <p:cNvPr id="7" name="Rectangle 6"/>
           <p:cNvSpPr/>
           <p:nvPr/>
         </p:nvSpPr>
         <p:spPr>
           <a:xfrm>
-            <a:off x="15" y="4915076"/>
-            <a:ext cx="12188825" cy="64008"/>
+            <a:off x="1" y="6400800"/>
+            <a:ext cx="12192000" cy="457200"/>
           </a:xfrm>
           <a:prstGeom prst="rect">
             <a:avLst/>
           </a:prstGeom>
           <a:solidFill>
-            <a:schemeClr val="accent1"/>
+            <a:schemeClr val="accent1">
+              <a:lumMod val="75000"/>
+            </a:schemeClr>
           </a:solidFill>
           <a:ln>
             <a:noFill/>
@@ -2785,305 +6059,20 @@
       </p:sp>
       <p:sp>
         <p:nvSpPr>
-          <p:cNvPr id="2" name="Title 1"/>
-          <p:cNvSpPr>
-            <a:spLocks noGrp="1"/>
-          </p:cNvSpPr>
-          <p:nvPr>
-            <p:ph type="title"/>
-          </p:nvPr>
-        </p:nvSpPr>
-        <p:spPr>
-          <a:xfrm>
-            <a:off x="1097280" y="5074920"/>
-            <a:ext cx="10113645" cy="822960"/>
-          </a:xfrm>
-        </p:spPr>
-        <p:txBody>
-          <a:bodyPr lIns="91440" tIns="0" rIns="91440" bIns="0" anchor="b">
-            <a:noAutofit/>
-          </a:bodyPr>
-          <a:lstStyle>
-            <a:lvl1pPr>
-              <a:defRPr sz="3600" b="0">
-                <a:solidFill>
-                  <a:srgbClr val="FFFFFF"/>
-                </a:solidFill>
-              </a:defRPr>
-            </a:lvl1pPr>
-          </a:lstStyle>
-          <a:p>
-            <a:r>
-              <a:rPr lang="en-US"/>
-              <a:t>Click to edit Master title style</a:t>
-            </a:r>
-            <a:endParaRPr lang="en-US" dirty="0"/>
-          </a:p>
-        </p:txBody>
-      </p:sp>
-      <p:sp>
-        <p:nvSpPr>
-          <p:cNvPr id="3" name="Picture Placeholder 2"/>
-          <p:cNvSpPr>
-            <a:spLocks noGrp="1" noChangeAspect="1"/>
-          </p:cNvSpPr>
-          <p:nvPr>
-            <p:ph type="pic" idx="1"/>
-          </p:nvPr>
-        </p:nvSpPr>
-        <p:spPr>
-          <a:xfrm>
-            <a:off x="15" y="0"/>
-            <a:ext cx="12191985" cy="4915076"/>
-          </a:xfrm>
-          <a:solidFill>
-            <a:schemeClr val="bg2">
-              <a:lumMod val="90000"/>
-            </a:schemeClr>
-          </a:solidFill>
-        </p:spPr>
-        <p:txBody>
-          <a:bodyPr lIns="457200" tIns="457200" anchor="t"/>
-          <a:lstStyle>
-            <a:lvl1pPr marL="0" indent="0">
-              <a:buNone/>
-              <a:defRPr sz="3200"/>
-            </a:lvl1pPr>
-            <a:lvl2pPr marL="457200" indent="0">
-              <a:buNone/>
-              <a:defRPr sz="2800"/>
-            </a:lvl2pPr>
-            <a:lvl3pPr marL="914400" indent="0">
-              <a:buNone/>
-              <a:defRPr sz="2400"/>
-            </a:lvl3pPr>
-            <a:lvl4pPr marL="1371600" indent="0">
-              <a:buNone/>
-              <a:defRPr sz="2000"/>
-            </a:lvl4pPr>
-            <a:lvl5pPr marL="1828800" indent="0">
-              <a:buNone/>
-              <a:defRPr sz="2000"/>
-            </a:lvl5pPr>
-            <a:lvl6pPr marL="2286000" indent="0">
-              <a:buNone/>
-              <a:defRPr sz="2000"/>
-            </a:lvl6pPr>
-            <a:lvl7pPr marL="2743200" indent="0">
-              <a:buNone/>
-              <a:defRPr sz="2000"/>
-            </a:lvl7pPr>
-            <a:lvl8pPr marL="3200400" indent="0">
-              <a:buNone/>
-              <a:defRPr sz="2000"/>
-            </a:lvl8pPr>
-            <a:lvl9pPr marL="3657600" indent="0">
-              <a:buNone/>
-              <a:defRPr sz="2000"/>
-            </a:lvl9pPr>
-          </a:lstStyle>
-          <a:p>
-            <a:r>
-              <a:rPr lang="en-US"/>
-              <a:t>Click icon to add picture</a:t>
-            </a:r>
-            <a:endParaRPr lang="en-US" dirty="0"/>
-          </a:p>
-        </p:txBody>
-      </p:sp>
-      <p:sp>
-        <p:nvSpPr>
-          <p:cNvPr id="4" name="Text Placeholder 3"/>
-          <p:cNvSpPr>
-            <a:spLocks noGrp="1"/>
-          </p:cNvSpPr>
-          <p:nvPr>
-            <p:ph type="body" sz="half" idx="2"/>
-          </p:nvPr>
-        </p:nvSpPr>
-        <p:spPr>
-          <a:xfrm>
-            <a:off x="1097280" y="5907024"/>
-            <a:ext cx="10113264" cy="594360"/>
-          </a:xfrm>
-        </p:spPr>
-        <p:txBody>
-          <a:bodyPr lIns="91440" tIns="0" rIns="91440" bIns="0">
-            <a:normAutofit/>
-          </a:bodyPr>
-          <a:lstStyle>
-            <a:lvl1pPr marL="0" indent="0">
-              <a:spcBef>
-                <a:spcPts val="0"/>
-              </a:spcBef>
-              <a:spcAft>
-                <a:spcPts val="600"/>
-              </a:spcAft>
-              <a:buNone/>
-              <a:defRPr sz="1500">
-                <a:solidFill>
-                  <a:srgbClr val="FFFFFF"/>
-                </a:solidFill>
-              </a:defRPr>
-            </a:lvl1pPr>
-            <a:lvl2pPr marL="457200" indent="0">
-              <a:buNone/>
-              <a:defRPr sz="1200"/>
-            </a:lvl2pPr>
-            <a:lvl3pPr marL="914400" indent="0">
-              <a:buNone/>
-              <a:defRPr sz="1000"/>
-            </a:lvl3pPr>
-            <a:lvl4pPr marL="1371600" indent="0">
-              <a:buNone/>
-              <a:defRPr sz="900"/>
-            </a:lvl4pPr>
-            <a:lvl5pPr marL="1828800" indent="0">
-              <a:buNone/>
-              <a:defRPr sz="900"/>
-            </a:lvl5pPr>
-            <a:lvl6pPr marL="2286000" indent="0">
-              <a:buNone/>
-              <a:defRPr sz="900"/>
-            </a:lvl6pPr>
-            <a:lvl7pPr marL="2743200" indent="0">
-              <a:buNone/>
-              <a:defRPr sz="900"/>
-            </a:lvl7pPr>
-            <a:lvl8pPr marL="3200400" indent="0">
-              <a:buNone/>
-              <a:defRPr sz="900"/>
-            </a:lvl8pPr>
-            <a:lvl9pPr marL="3657600" indent="0">
-              <a:buNone/>
-              <a:defRPr sz="900"/>
-            </a:lvl9pPr>
-          </a:lstStyle>
-          <a:p>
-            <a:pPr lvl="0"/>
-            <a:r>
-              <a:rPr lang="en-US"/>
-              <a:t>Click to edit Master text styles</a:t>
-            </a:r>
-          </a:p>
-        </p:txBody>
-      </p:sp>
-      <p:sp>
-        <p:nvSpPr>
-          <p:cNvPr id="5" name="Date Placeholder 4"/>
-          <p:cNvSpPr>
-            <a:spLocks noGrp="1"/>
-          </p:cNvSpPr>
-          <p:nvPr>
-            <p:ph type="dt" sz="half" idx="10"/>
-          </p:nvPr>
-        </p:nvSpPr>
-        <p:spPr/>
-        <p:txBody>
-          <a:bodyPr/>
-          <a:lstStyle/>
-          <a:p>
-            <a:fld id="{C70E03BD-25A7-4674-8CC2-6C56BFB98E22}" type="datetimeFigureOut">
-              <a:rPr lang="en-US" smtClean="0"/>
-              <a:t>8/30/2021</a:t>
-            </a:fld>
-            <a:endParaRPr lang="en-US"/>
-          </a:p>
-        </p:txBody>
-      </p:sp>
-      <p:sp>
-        <p:nvSpPr>
-          <p:cNvPr id="6" name="Footer Placeholder 5"/>
-          <p:cNvSpPr>
-            <a:spLocks noGrp="1"/>
-          </p:cNvSpPr>
-          <p:nvPr>
-            <p:ph type="ftr" sz="quarter" idx="11"/>
-          </p:nvPr>
-        </p:nvSpPr>
-        <p:spPr/>
-        <p:txBody>
-          <a:bodyPr/>
-          <a:lstStyle/>
-          <a:p>
-            <a:endParaRPr lang="en-US"/>
-          </a:p>
-        </p:txBody>
-      </p:sp>
-      <p:sp>
-        <p:nvSpPr>
-          <p:cNvPr id="7" name="Slide Number Placeholder 6"/>
-          <p:cNvSpPr>
-            <a:spLocks noGrp="1"/>
-          </p:cNvSpPr>
-          <p:nvPr>
-            <p:ph type="sldNum" sz="quarter" idx="12"/>
-          </p:nvPr>
-        </p:nvSpPr>
-        <p:spPr/>
-        <p:txBody>
-          <a:bodyPr/>
-          <a:lstStyle/>
-          <a:p>
-            <a:fld id="{5C3096E5-0F95-4331-B3D8-AE6CC6EF3167}" type="slidenum">
-              <a:rPr lang="en-US" smtClean="0"/>
-              <a:t>‹#›</a:t>
-            </a:fld>
-            <a:endParaRPr lang="en-US"/>
-          </a:p>
-        </p:txBody>
-      </p:sp>
-    </p:spTree>
-    <p:extLst>
-      <p:ext uri="{BB962C8B-B14F-4D97-AF65-F5344CB8AC3E}">
-        <p14:creationId xmlns:p14="http://schemas.microsoft.com/office/powerpoint/2010/main" val="215824697"/>
-      </p:ext>
-    </p:extLst>
-  </p:cSld>
-  <p:clrMapOvr>
-    <a:masterClrMapping/>
-  </p:clrMapOvr>
-</p:sldLayout>
-</file>
-
-<file path=ppt/slideMasters/slideMaster1.xml><?xml version="1.0" encoding="utf-8"?>
-<p:sldMaster xmlns:a="http://schemas.openxmlformats.org/drawingml/2006/main" xmlns:r="http://schemas.openxmlformats.org/officeDocument/2006/relationships" xmlns:p="http://schemas.openxmlformats.org/presentationml/2006/main">
-  <p:cSld>
-    <p:bg>
-      <p:bgRef idx="1001">
-        <a:schemeClr val="bg1"/>
-      </p:bgRef>
-    </p:bg>
-    <p:spTree>
-      <p:nvGrpSpPr>
-        <p:cNvPr id="1" name=""/>
-        <p:cNvGrpSpPr/>
-        <p:nvPr/>
-      </p:nvGrpSpPr>
-      <p:grpSpPr>
-        <a:xfrm>
-          <a:off x="0" y="0"/>
-          <a:ext cx="0" cy="0"/>
-          <a:chOff x="0" y="0"/>
-          <a:chExt cx="0" cy="0"/>
-        </a:xfrm>
-      </p:grpSpPr>
-      <p:sp>
-        <p:nvSpPr>
-          <p:cNvPr id="7" name="Rectangle 6"/>
+          <p:cNvPr id="9" name="Rectangle 8"/>
           <p:cNvSpPr/>
           <p:nvPr/>
         </p:nvSpPr>
         <p:spPr>
           <a:xfrm>
-            <a:off x="1" y="6400800"/>
-            <a:ext cx="12192000" cy="457200"/>
+            <a:off x="1" y="6334316"/>
+            <a:ext cx="12192000" cy="66484"/>
           </a:xfrm>
           <a:prstGeom prst="rect">
             <a:avLst/>
           </a:prstGeom>
           <a:solidFill>
-            <a:schemeClr val="accent2"/>
+            <a:schemeClr val="accent1"/>
           </a:solidFill>
           <a:ln>
             <a:noFill/>
@@ -3108,44 +6097,6 @@
       </p:sp>
       <p:sp>
         <p:nvSpPr>
-          <p:cNvPr id="9" name="Rectangle 8"/>
-          <p:cNvSpPr/>
-          <p:nvPr/>
-        </p:nvSpPr>
-        <p:spPr>
-          <a:xfrm>
-            <a:off x="15" y="6334316"/>
-            <a:ext cx="12191985" cy="66484"/>
-          </a:xfrm>
-          <a:prstGeom prst="rect">
-            <a:avLst/>
-          </a:prstGeom>
-          <a:solidFill>
-            <a:schemeClr val="accent1"/>
-          </a:solidFill>
-          <a:ln>
-            <a:noFill/>
-          </a:ln>
-        </p:spPr>
-        <p:style>
-          <a:lnRef idx="2">
-            <a:schemeClr val="accent1">
-              <a:shade val="50000"/>
-            </a:schemeClr>
-          </a:lnRef>
-          <a:fillRef idx="1">
-            <a:schemeClr val="accent1"/>
-          </a:fillRef>
-          <a:effectRef idx="0">
-            <a:schemeClr val="accent1"/>
-          </a:effectRef>
-          <a:fontRef idx="minor">
-            <a:schemeClr val="lt1"/>
-          </a:fontRef>
-        </p:style>
-      </p:sp>
-      <p:sp>
-        <p:nvSpPr>
           <p:cNvPr id="2" name="Title Placeholder 1"/>
           <p:cNvSpPr>
             <a:spLocks noGrp="1"/>
@@ -3272,7 +6223,7 @@
           <a:p>
             <a:fld id="{C70E03BD-25A7-4674-8CC2-6C56BFB98E22}" type="datetimeFigureOut">
               <a:rPr lang="en-US" smtClean="0"/>
-              <a:t>8/30/2021</a:t>
+              <a:t>9/14/2021</a:t>
             </a:fld>
             <a:endParaRPr lang="en-US"/>
           </a:p>
@@ -3393,23 +6344,23 @@
     </p:spTree>
     <p:extLst>
       <p:ext uri="{BB962C8B-B14F-4D97-AF65-F5344CB8AC3E}">
-        <p14:creationId xmlns:p14="http://schemas.microsoft.com/office/powerpoint/2010/main" val="4158642771"/>
+        <p14:creationId xmlns:p14="http://schemas.microsoft.com/office/powerpoint/2010/main" val="3583743756"/>
       </p:ext>
     </p:extLst>
   </p:cSld>
-  <p:clrMap bg1="lt1" tx1="dk1" bg2="lt2" tx2="dk2" accent1="accent1" accent2="accent2" accent3="accent3" accent4="accent4" accent5="accent5" accent6="accent6" hlink="hlink" folHlink="folHlink"/>
+  <p:clrMap bg1="dk1" tx1="lt1" bg2="dk2" tx2="lt2" accent1="accent1" accent2="accent2" accent3="accent3" accent4="accent4" accent5="accent5" accent6="accent6" hlink="hlink" folHlink="folHlink"/>
   <p:sldLayoutIdLst>
-    <p:sldLayoutId id="2147483685" r:id="rId1"/>
-    <p:sldLayoutId id="2147483686" r:id="rId2"/>
-    <p:sldLayoutId id="2147483687" r:id="rId3"/>
-    <p:sldLayoutId id="2147483688" r:id="rId4"/>
-    <p:sldLayoutId id="2147483689" r:id="rId5"/>
-    <p:sldLayoutId id="2147483690" r:id="rId6"/>
-    <p:sldLayoutId id="2147483691" r:id="rId7"/>
-    <p:sldLayoutId id="2147483692" r:id="rId8"/>
-    <p:sldLayoutId id="2147483693" r:id="rId9"/>
-    <p:sldLayoutId id="2147483694" r:id="rId10"/>
-    <p:sldLayoutId id="2147483695" r:id="rId11"/>
+    <p:sldLayoutId id="2147483697" r:id="rId1"/>
+    <p:sldLayoutId id="2147483698" r:id="rId2"/>
+    <p:sldLayoutId id="2147483699" r:id="rId3"/>
+    <p:sldLayoutId id="2147483700" r:id="rId4"/>
+    <p:sldLayoutId id="2147483701" r:id="rId5"/>
+    <p:sldLayoutId id="2147483702" r:id="rId6"/>
+    <p:sldLayoutId id="2147483703" r:id="rId7"/>
+    <p:sldLayoutId id="2147483704" r:id="rId8"/>
+    <p:sldLayoutId id="2147483705" r:id="rId9"/>
+    <p:sldLayoutId id="2147483706" r:id="rId10"/>
+    <p:sldLayoutId id="2147483707" r:id="rId11"/>
   </p:sldLayoutIdLst>
   <p:txStyles>
     <p:titleStyle>
@@ -3446,7 +6397,7 @@
           <a:spcPts val="200"/>
         </a:spcAft>
         <a:buClr>
-          <a:schemeClr val="accent1"/>
+          <a:schemeClr val="accent3"/>
         </a:buClr>
         <a:buSzPct val="100000"/>
         <a:buFont typeface="Calibri" panose="020F0502020204030204" pitchFamily="34" charset="0"/>
@@ -3474,7 +6425,7 @@
           <a:spcPts val="400"/>
         </a:spcAft>
         <a:buClr>
-          <a:schemeClr val="accent1"/>
+          <a:schemeClr val="accent3"/>
         </a:buClr>
         <a:buFont typeface="Calibri" pitchFamily="34" charset="0"/>
         <a:buChar char="◦"/>
@@ -3501,7 +6452,7 @@
           <a:spcPts val="400"/>
         </a:spcAft>
         <a:buClr>
-          <a:schemeClr val="accent1"/>
+          <a:schemeClr val="accent3"/>
         </a:buClr>
         <a:buFont typeface="Calibri" pitchFamily="34" charset="0"/>
         <a:buChar char="◦"/>
@@ -3528,7 +6479,7 @@
           <a:spcPts val="400"/>
         </a:spcAft>
         <a:buClr>
-          <a:schemeClr val="accent1"/>
+          <a:schemeClr val="accent3"/>
         </a:buClr>
         <a:buFont typeface="Calibri" pitchFamily="34" charset="0"/>
         <a:buChar char="◦"/>
@@ -3555,7 +6506,7 @@
           <a:spcPts val="400"/>
         </a:spcAft>
         <a:buClr>
-          <a:schemeClr val="accent1"/>
+          <a:schemeClr val="accent3"/>
         </a:buClr>
         <a:buFont typeface="Calibri" pitchFamily="34" charset="0"/>
         <a:buChar char="◦"/>
@@ -3582,7 +6533,7 @@
           <a:spcPts val="400"/>
         </a:spcAft>
         <a:buClr>
-          <a:schemeClr val="accent1"/>
+          <a:schemeClr val="accent3"/>
         </a:buClr>
         <a:buFont typeface="Calibri" pitchFamily="34" charset="0"/>
         <a:buChar char="◦"/>
@@ -3609,7 +6560,7 @@
           <a:spcPts val="400"/>
         </a:spcAft>
         <a:buClr>
-          <a:schemeClr val="accent1"/>
+          <a:schemeClr val="accent3"/>
         </a:buClr>
         <a:buFont typeface="Calibri" pitchFamily="34" charset="0"/>
         <a:buChar char="◦"/>
@@ -3636,7 +6587,7 @@
           <a:spcPts val="400"/>
         </a:spcAft>
         <a:buClr>
-          <a:schemeClr val="accent1"/>
+          <a:schemeClr val="accent3"/>
         </a:buClr>
         <a:buFont typeface="Calibri" pitchFamily="34" charset="0"/>
         <a:buChar char="◦"/>
@@ -3663,7 +6614,7 @@
           <a:spcPts val="400"/>
         </a:spcAft>
         <a:buClr>
-          <a:schemeClr val="accent1"/>
+          <a:schemeClr val="accent3"/>
         </a:buClr>
         <a:buFont typeface="Calibri" pitchFamily="34" charset="0"/>
         <a:buChar char="◦"/>
@@ -3779,6 +6730,514 @@
 </p:sldMaster>
 </file>
 
+<file path=ppt/slideMasters/slideMaster2.xml><?xml version="1.0" encoding="utf-8"?>
+<p:sldMaster xmlns:a="http://schemas.openxmlformats.org/drawingml/2006/main" xmlns:r="http://schemas.openxmlformats.org/officeDocument/2006/relationships" xmlns:p="http://schemas.openxmlformats.org/presentationml/2006/main">
+  <p:cSld>
+    <p:bg>
+      <p:bgRef idx="1001">
+        <a:schemeClr val="bg1"/>
+      </p:bgRef>
+    </p:bg>
+    <p:spTree>
+      <p:nvGrpSpPr>
+        <p:cNvPr id="1" name=""/>
+        <p:cNvGrpSpPr/>
+        <p:nvPr/>
+      </p:nvGrpSpPr>
+      <p:grpSpPr>
+        <a:xfrm>
+          <a:off x="0" y="0"/>
+          <a:ext cx="0" cy="0"/>
+          <a:chOff x="0" y="0"/>
+          <a:chExt cx="0" cy="0"/>
+        </a:xfrm>
+      </p:grpSpPr>
+      <p:sp>
+        <p:nvSpPr>
+          <p:cNvPr id="2" name="Title Placeholder 1"/>
+          <p:cNvSpPr>
+            <a:spLocks noGrp="1"/>
+          </p:cNvSpPr>
+          <p:nvPr>
+            <p:ph type="title"/>
+          </p:nvPr>
+        </p:nvSpPr>
+        <p:spPr>
+          <a:xfrm>
+            <a:off x="609600" y="274638"/>
+            <a:ext cx="10972800" cy="1143000"/>
+          </a:xfrm>
+          <a:prstGeom prst="rect">
+            <a:avLst/>
+          </a:prstGeom>
+        </p:spPr>
+        <p:txBody>
+          <a:bodyPr vert="horz" lIns="91440" tIns="45720" rIns="91440" bIns="45720" rtlCol="0" anchor="ctr">
+            <a:normAutofit/>
+          </a:bodyPr>
+          <a:lstStyle/>
+          <a:p>
+            <a:r>
+              <a:rPr lang="en-US"/>
+              <a:t>Click to edit Master title style</a:t>
+            </a:r>
+          </a:p>
+        </p:txBody>
+      </p:sp>
+      <p:sp>
+        <p:nvSpPr>
+          <p:cNvPr id="3" name="Text Placeholder 2"/>
+          <p:cNvSpPr>
+            <a:spLocks noGrp="1"/>
+          </p:cNvSpPr>
+          <p:nvPr>
+            <p:ph type="body" idx="1"/>
+          </p:nvPr>
+        </p:nvSpPr>
+        <p:spPr>
+          <a:xfrm>
+            <a:off x="609600" y="1600202"/>
+            <a:ext cx="10972800" cy="4525963"/>
+          </a:xfrm>
+          <a:prstGeom prst="rect">
+            <a:avLst/>
+          </a:prstGeom>
+        </p:spPr>
+        <p:txBody>
+          <a:bodyPr vert="horz" lIns="91440" tIns="45720" rIns="91440" bIns="45720" rtlCol="0">
+            <a:normAutofit/>
+          </a:bodyPr>
+          <a:lstStyle/>
+          <a:p>
+            <a:pPr lvl="0"/>
+            <a:r>
+              <a:rPr lang="en-US"/>
+              <a:t>Click to edit Master text styles</a:t>
+            </a:r>
+          </a:p>
+          <a:p>
+            <a:pPr lvl="1"/>
+            <a:r>
+              <a:rPr lang="en-US"/>
+              <a:t>Second level</a:t>
+            </a:r>
+          </a:p>
+          <a:p>
+            <a:pPr lvl="2"/>
+            <a:r>
+              <a:rPr lang="en-US"/>
+              <a:t>Third level</a:t>
+            </a:r>
+          </a:p>
+          <a:p>
+            <a:pPr lvl="3"/>
+            <a:r>
+              <a:rPr lang="en-US"/>
+              <a:t>Fourth level</a:t>
+            </a:r>
+          </a:p>
+          <a:p>
+            <a:pPr lvl="4"/>
+            <a:r>
+              <a:rPr lang="en-US"/>
+              <a:t>Fifth level</a:t>
+            </a:r>
+          </a:p>
+        </p:txBody>
+      </p:sp>
+      <p:sp>
+        <p:nvSpPr>
+          <p:cNvPr id="4" name="Date Placeholder 3"/>
+          <p:cNvSpPr>
+            <a:spLocks noGrp="1"/>
+          </p:cNvSpPr>
+          <p:nvPr>
+            <p:ph type="dt" sz="half" idx="2"/>
+          </p:nvPr>
+        </p:nvSpPr>
+        <p:spPr>
+          <a:xfrm>
+            <a:off x="609600" y="6356352"/>
+            <a:ext cx="2844800" cy="365125"/>
+          </a:xfrm>
+          <a:prstGeom prst="rect">
+            <a:avLst/>
+          </a:prstGeom>
+        </p:spPr>
+        <p:txBody>
+          <a:bodyPr vert="horz" lIns="91440" tIns="45720" rIns="91440" bIns="45720" rtlCol="0" anchor="ctr"/>
+          <a:lstStyle>
+            <a:lvl1pPr algn="l">
+              <a:defRPr sz="1200">
+                <a:solidFill>
+                  <a:schemeClr val="tx1">
+                    <a:tint val="75000"/>
+                  </a:schemeClr>
+                </a:solidFill>
+              </a:defRPr>
+            </a:lvl1pPr>
+          </a:lstStyle>
+          <a:p>
+            <a:fld id="{173C66E3-29A9-874C-B80D-C4D9C846BBB6}" type="datetimeFigureOut">
+              <a:rPr lang="en-US" smtClean="0"/>
+              <a:t>9/14/2021</a:t>
+            </a:fld>
+            <a:endParaRPr lang="en-US"/>
+          </a:p>
+        </p:txBody>
+      </p:sp>
+      <p:sp>
+        <p:nvSpPr>
+          <p:cNvPr id="5" name="Footer Placeholder 4"/>
+          <p:cNvSpPr>
+            <a:spLocks noGrp="1"/>
+          </p:cNvSpPr>
+          <p:nvPr>
+            <p:ph type="ftr" sz="quarter" idx="3"/>
+          </p:nvPr>
+        </p:nvSpPr>
+        <p:spPr>
+          <a:xfrm>
+            <a:off x="4165600" y="6356352"/>
+            <a:ext cx="3860800" cy="365125"/>
+          </a:xfrm>
+          <a:prstGeom prst="rect">
+            <a:avLst/>
+          </a:prstGeom>
+        </p:spPr>
+        <p:txBody>
+          <a:bodyPr vert="horz" lIns="91440" tIns="45720" rIns="91440" bIns="45720" rtlCol="0" anchor="ctr"/>
+          <a:lstStyle>
+            <a:lvl1pPr algn="ctr">
+              <a:defRPr sz="1200">
+                <a:solidFill>
+                  <a:schemeClr val="tx1">
+                    <a:tint val="75000"/>
+                  </a:schemeClr>
+                </a:solidFill>
+              </a:defRPr>
+            </a:lvl1pPr>
+          </a:lstStyle>
+          <a:p>
+            <a:endParaRPr lang="en-US"/>
+          </a:p>
+        </p:txBody>
+      </p:sp>
+      <p:sp>
+        <p:nvSpPr>
+          <p:cNvPr id="6" name="Slide Number Placeholder 5"/>
+          <p:cNvSpPr>
+            <a:spLocks noGrp="1"/>
+          </p:cNvSpPr>
+          <p:nvPr>
+            <p:ph type="sldNum" sz="quarter" idx="4"/>
+          </p:nvPr>
+        </p:nvSpPr>
+        <p:spPr>
+          <a:xfrm>
+            <a:off x="8737600" y="6356352"/>
+            <a:ext cx="2844800" cy="365125"/>
+          </a:xfrm>
+          <a:prstGeom prst="rect">
+            <a:avLst/>
+          </a:prstGeom>
+        </p:spPr>
+        <p:txBody>
+          <a:bodyPr vert="horz" lIns="91440" tIns="45720" rIns="91440" bIns="45720" rtlCol="0" anchor="ctr"/>
+          <a:lstStyle>
+            <a:lvl1pPr algn="r">
+              <a:defRPr sz="1200">
+                <a:solidFill>
+                  <a:schemeClr val="tx1">
+                    <a:tint val="75000"/>
+                  </a:schemeClr>
+                </a:solidFill>
+              </a:defRPr>
+            </a:lvl1pPr>
+          </a:lstStyle>
+          <a:p>
+            <a:fld id="{1EFED167-E928-A943-AC2D-CDCABD0DB418}" type="slidenum">
+              <a:rPr lang="en-US" smtClean="0"/>
+              <a:t>‹#›</a:t>
+            </a:fld>
+            <a:endParaRPr lang="en-US"/>
+          </a:p>
+        </p:txBody>
+      </p:sp>
+    </p:spTree>
+    <p:extLst>
+      <p:ext uri="{BB962C8B-B14F-4D97-AF65-F5344CB8AC3E}">
+        <p14:creationId xmlns:p14="http://schemas.microsoft.com/office/powerpoint/2010/main" val="4209597300"/>
+      </p:ext>
+    </p:extLst>
+  </p:cSld>
+  <p:clrMap bg1="lt1" tx1="dk1" bg2="lt2" tx2="dk2" accent1="accent1" accent2="accent2" accent3="accent3" accent4="accent4" accent5="accent5" accent6="accent6" hlink="hlink" folHlink="folHlink"/>
+  <p:sldLayoutIdLst>
+    <p:sldLayoutId id="2147483709" r:id="rId1"/>
+    <p:sldLayoutId id="2147483710" r:id="rId2"/>
+    <p:sldLayoutId id="2147483711" r:id="rId3"/>
+    <p:sldLayoutId id="2147483712" r:id="rId4"/>
+    <p:sldLayoutId id="2147483713" r:id="rId5"/>
+    <p:sldLayoutId id="2147483714" r:id="rId6"/>
+    <p:sldLayoutId id="2147483715" r:id="rId7"/>
+    <p:sldLayoutId id="2147483716" r:id="rId8"/>
+    <p:sldLayoutId id="2147483717" r:id="rId9"/>
+    <p:sldLayoutId id="2147483718" r:id="rId10"/>
+    <p:sldLayoutId id="2147483719" r:id="rId11"/>
+  </p:sldLayoutIdLst>
+  <p:txStyles>
+    <p:titleStyle>
+      <a:lvl1pPr algn="ctr" defTabSz="457182" rtl="0" eaLnBrk="1" latinLnBrk="0" hangingPunct="1">
+        <a:spcBef>
+          <a:spcPct val="0"/>
+        </a:spcBef>
+        <a:buNone/>
+        <a:defRPr sz="4400" kern="1200">
+          <a:solidFill>
+            <a:schemeClr val="tx1"/>
+          </a:solidFill>
+          <a:latin typeface="+mj-lt"/>
+          <a:ea typeface="+mj-ea"/>
+          <a:cs typeface="+mj-cs"/>
+        </a:defRPr>
+      </a:lvl1pPr>
+    </p:titleStyle>
+    <p:bodyStyle>
+      <a:lvl1pPr marL="342886" indent="-342886" algn="l" defTabSz="457182" rtl="0" eaLnBrk="1" latinLnBrk="0" hangingPunct="1">
+        <a:spcBef>
+          <a:spcPct val="20000"/>
+        </a:spcBef>
+        <a:buFont typeface="Arial"/>
+        <a:buChar char="•"/>
+        <a:defRPr sz="3200" kern="1200">
+          <a:solidFill>
+            <a:schemeClr val="tx1"/>
+          </a:solidFill>
+          <a:latin typeface="+mn-lt"/>
+          <a:ea typeface="+mn-ea"/>
+          <a:cs typeface="+mn-cs"/>
+        </a:defRPr>
+      </a:lvl1pPr>
+      <a:lvl2pPr marL="742920" indent="-285739" algn="l" defTabSz="457182" rtl="0" eaLnBrk="1" latinLnBrk="0" hangingPunct="1">
+        <a:spcBef>
+          <a:spcPct val="20000"/>
+        </a:spcBef>
+        <a:buFont typeface="Arial"/>
+        <a:buChar char="–"/>
+        <a:defRPr sz="2800" kern="1200">
+          <a:solidFill>
+            <a:schemeClr val="tx1"/>
+          </a:solidFill>
+          <a:latin typeface="+mn-lt"/>
+          <a:ea typeface="+mn-ea"/>
+          <a:cs typeface="+mn-cs"/>
+        </a:defRPr>
+      </a:lvl2pPr>
+      <a:lvl3pPr marL="1142954" indent="-228591" algn="l" defTabSz="457182" rtl="0" eaLnBrk="1" latinLnBrk="0" hangingPunct="1">
+        <a:spcBef>
+          <a:spcPct val="20000"/>
+        </a:spcBef>
+        <a:buFont typeface="Arial"/>
+        <a:buChar char="•"/>
+        <a:defRPr sz="2400" kern="1200">
+          <a:solidFill>
+            <a:schemeClr val="tx1"/>
+          </a:solidFill>
+          <a:latin typeface="+mn-lt"/>
+          <a:ea typeface="+mn-ea"/>
+          <a:cs typeface="+mn-cs"/>
+        </a:defRPr>
+      </a:lvl3pPr>
+      <a:lvl4pPr marL="1600136" indent="-228591" algn="l" defTabSz="457182" rtl="0" eaLnBrk="1" latinLnBrk="0" hangingPunct="1">
+        <a:spcBef>
+          <a:spcPct val="20000"/>
+        </a:spcBef>
+        <a:buFont typeface="Arial"/>
+        <a:buChar char="–"/>
+        <a:defRPr sz="2000" kern="1200">
+          <a:solidFill>
+            <a:schemeClr val="tx1"/>
+          </a:solidFill>
+          <a:latin typeface="+mn-lt"/>
+          <a:ea typeface="+mn-ea"/>
+          <a:cs typeface="+mn-cs"/>
+        </a:defRPr>
+      </a:lvl4pPr>
+      <a:lvl5pPr marL="2057318" indent="-228591" algn="l" defTabSz="457182" rtl="0" eaLnBrk="1" latinLnBrk="0" hangingPunct="1">
+        <a:spcBef>
+          <a:spcPct val="20000"/>
+        </a:spcBef>
+        <a:buFont typeface="Arial"/>
+        <a:buChar char="»"/>
+        <a:defRPr sz="2000" kern="1200">
+          <a:solidFill>
+            <a:schemeClr val="tx1"/>
+          </a:solidFill>
+          <a:latin typeface="+mn-lt"/>
+          <a:ea typeface="+mn-ea"/>
+          <a:cs typeface="+mn-cs"/>
+        </a:defRPr>
+      </a:lvl5pPr>
+      <a:lvl6pPr marL="2514499" indent="-228591" algn="l" defTabSz="457182" rtl="0" eaLnBrk="1" latinLnBrk="0" hangingPunct="1">
+        <a:spcBef>
+          <a:spcPct val="20000"/>
+        </a:spcBef>
+        <a:buFont typeface="Arial"/>
+        <a:buChar char="•"/>
+        <a:defRPr sz="2000" kern="1200">
+          <a:solidFill>
+            <a:schemeClr val="tx1"/>
+          </a:solidFill>
+          <a:latin typeface="+mn-lt"/>
+          <a:ea typeface="+mn-ea"/>
+          <a:cs typeface="+mn-cs"/>
+        </a:defRPr>
+      </a:lvl6pPr>
+      <a:lvl7pPr marL="2971681" indent="-228591" algn="l" defTabSz="457182" rtl="0" eaLnBrk="1" latinLnBrk="0" hangingPunct="1">
+        <a:spcBef>
+          <a:spcPct val="20000"/>
+        </a:spcBef>
+        <a:buFont typeface="Arial"/>
+        <a:buChar char="•"/>
+        <a:defRPr sz="2000" kern="1200">
+          <a:solidFill>
+            <a:schemeClr val="tx1"/>
+          </a:solidFill>
+          <a:latin typeface="+mn-lt"/>
+          <a:ea typeface="+mn-ea"/>
+          <a:cs typeface="+mn-cs"/>
+        </a:defRPr>
+      </a:lvl7pPr>
+      <a:lvl8pPr marL="3428863" indent="-228591" algn="l" defTabSz="457182" rtl="0" eaLnBrk="1" latinLnBrk="0" hangingPunct="1">
+        <a:spcBef>
+          <a:spcPct val="20000"/>
+        </a:spcBef>
+        <a:buFont typeface="Arial"/>
+        <a:buChar char="•"/>
+        <a:defRPr sz="2000" kern="1200">
+          <a:solidFill>
+            <a:schemeClr val="tx1"/>
+          </a:solidFill>
+          <a:latin typeface="+mn-lt"/>
+          <a:ea typeface="+mn-ea"/>
+          <a:cs typeface="+mn-cs"/>
+        </a:defRPr>
+      </a:lvl8pPr>
+      <a:lvl9pPr marL="3886045" indent="-228591" algn="l" defTabSz="457182" rtl="0" eaLnBrk="1" latinLnBrk="0" hangingPunct="1">
+        <a:spcBef>
+          <a:spcPct val="20000"/>
+        </a:spcBef>
+        <a:buFont typeface="Arial"/>
+        <a:buChar char="•"/>
+        <a:defRPr sz="2000" kern="1200">
+          <a:solidFill>
+            <a:schemeClr val="tx1"/>
+          </a:solidFill>
+          <a:latin typeface="+mn-lt"/>
+          <a:ea typeface="+mn-ea"/>
+          <a:cs typeface="+mn-cs"/>
+        </a:defRPr>
+      </a:lvl9pPr>
+    </p:bodyStyle>
+    <p:otherStyle>
+      <a:defPPr>
+        <a:defRPr lang="en-US"/>
+      </a:defPPr>
+      <a:lvl1pPr marL="0" algn="l" defTabSz="457182" rtl="0" eaLnBrk="1" latinLnBrk="0" hangingPunct="1">
+        <a:defRPr sz="1800" kern="1200">
+          <a:solidFill>
+            <a:schemeClr val="tx1"/>
+          </a:solidFill>
+          <a:latin typeface="+mn-lt"/>
+          <a:ea typeface="+mn-ea"/>
+          <a:cs typeface="+mn-cs"/>
+        </a:defRPr>
+      </a:lvl1pPr>
+      <a:lvl2pPr marL="457182" algn="l" defTabSz="457182" rtl="0" eaLnBrk="1" latinLnBrk="0" hangingPunct="1">
+        <a:defRPr sz="1800" kern="1200">
+          <a:solidFill>
+            <a:schemeClr val="tx1"/>
+          </a:solidFill>
+          <a:latin typeface="+mn-lt"/>
+          <a:ea typeface="+mn-ea"/>
+          <a:cs typeface="+mn-cs"/>
+        </a:defRPr>
+      </a:lvl2pPr>
+      <a:lvl3pPr marL="914363" algn="l" defTabSz="457182" rtl="0" eaLnBrk="1" latinLnBrk="0" hangingPunct="1">
+        <a:defRPr sz="1800" kern="1200">
+          <a:solidFill>
+            <a:schemeClr val="tx1"/>
+          </a:solidFill>
+          <a:latin typeface="+mn-lt"/>
+          <a:ea typeface="+mn-ea"/>
+          <a:cs typeface="+mn-cs"/>
+        </a:defRPr>
+      </a:lvl3pPr>
+      <a:lvl4pPr marL="1371545" algn="l" defTabSz="457182" rtl="0" eaLnBrk="1" latinLnBrk="0" hangingPunct="1">
+        <a:defRPr sz="1800" kern="1200">
+          <a:solidFill>
+            <a:schemeClr val="tx1"/>
+          </a:solidFill>
+          <a:latin typeface="+mn-lt"/>
+          <a:ea typeface="+mn-ea"/>
+          <a:cs typeface="+mn-cs"/>
+        </a:defRPr>
+      </a:lvl4pPr>
+      <a:lvl5pPr marL="1828727" algn="l" defTabSz="457182" rtl="0" eaLnBrk="1" latinLnBrk="0" hangingPunct="1">
+        <a:defRPr sz="1800" kern="1200">
+          <a:solidFill>
+            <a:schemeClr val="tx1"/>
+          </a:solidFill>
+          <a:latin typeface="+mn-lt"/>
+          <a:ea typeface="+mn-ea"/>
+          <a:cs typeface="+mn-cs"/>
+        </a:defRPr>
+      </a:lvl5pPr>
+      <a:lvl6pPr marL="2285909" algn="l" defTabSz="457182" rtl="0" eaLnBrk="1" latinLnBrk="0" hangingPunct="1">
+        <a:defRPr sz="1800" kern="1200">
+          <a:solidFill>
+            <a:schemeClr val="tx1"/>
+          </a:solidFill>
+          <a:latin typeface="+mn-lt"/>
+          <a:ea typeface="+mn-ea"/>
+          <a:cs typeface="+mn-cs"/>
+        </a:defRPr>
+      </a:lvl6pPr>
+      <a:lvl7pPr marL="2743090" algn="l" defTabSz="457182" rtl="0" eaLnBrk="1" latinLnBrk="0" hangingPunct="1">
+        <a:defRPr sz="1800" kern="1200">
+          <a:solidFill>
+            <a:schemeClr val="tx1"/>
+          </a:solidFill>
+          <a:latin typeface="+mn-lt"/>
+          <a:ea typeface="+mn-ea"/>
+          <a:cs typeface="+mn-cs"/>
+        </a:defRPr>
+      </a:lvl7pPr>
+      <a:lvl8pPr marL="3200272" algn="l" defTabSz="457182" rtl="0" eaLnBrk="1" latinLnBrk="0" hangingPunct="1">
+        <a:defRPr sz="1800" kern="1200">
+          <a:solidFill>
+            <a:schemeClr val="tx1"/>
+          </a:solidFill>
+          <a:latin typeface="+mn-lt"/>
+          <a:ea typeface="+mn-ea"/>
+          <a:cs typeface="+mn-cs"/>
+        </a:defRPr>
+      </a:lvl8pPr>
+      <a:lvl9pPr marL="3657454" algn="l" defTabSz="457182" rtl="0" eaLnBrk="1" latinLnBrk="0" hangingPunct="1">
+        <a:defRPr sz="1800" kern="1200">
+          <a:solidFill>
+            <a:schemeClr val="tx1"/>
+          </a:solidFill>
+          <a:latin typeface="+mn-lt"/>
+          <a:ea typeface="+mn-ea"/>
+          <a:cs typeface="+mn-cs"/>
+        </a:defRPr>
+      </a:lvl9pPr>
+    </p:otherStyle>
+  </p:txStyles>
+</p:sldMaster>
+</file>
+
 <file path=ppt/slides/slide1.xml><?xml version="1.0" encoding="utf-8"?>
 <p:sld xmlns:a="http://schemas.openxmlformats.org/drawingml/2006/main" xmlns:r="http://schemas.openxmlformats.org/officeDocument/2006/relationships" xmlns:p="http://schemas.openxmlformats.org/presentationml/2006/main">
   <p:cSld>
@@ -3881,19 +7340,17 @@
             <p:ph type="ctrTitle"/>
           </p:nvPr>
         </p:nvSpPr>
-        <p:spPr>
-          <a:xfrm>
-            <a:off x="1097280" y="758952"/>
-            <a:ext cx="10058400" cy="3566160"/>
-          </a:xfrm>
-        </p:spPr>
+        <p:spPr/>
         <p:txBody>
           <a:bodyPr>
             <a:normAutofit/>
           </a:bodyPr>
           <a:lstStyle/>
           <a:p>
-            <a:endParaRPr lang="en-US"/>
+            <a:r>
+              <a:rPr lang="en-US" dirty="0"/>
+              <a:t>What is a Web API?</a:t>
+            </a:r>
           </a:p>
         </p:txBody>
       </p:sp>
@@ -3913,189 +7370,39 @@
             <p:ph type="subTitle" idx="1"/>
           </p:nvPr>
         </p:nvSpPr>
-        <p:spPr>
-          <a:xfrm>
-            <a:off x="1100051" y="4455621"/>
-            <a:ext cx="10058400" cy="1143000"/>
-          </a:xfrm>
-        </p:spPr>
+        <p:spPr/>
         <p:txBody>
           <a:bodyPr>
             <a:normAutofit/>
           </a:bodyPr>
           <a:lstStyle/>
           <a:p>
-            <a:endParaRPr lang="en-US"/>
-          </a:p>
-        </p:txBody>
-      </p:sp>
-      <p:cxnSp>
-        <p:nvCxnSpPr>
-          <p:cNvPr id="9" name="Straight Connector 8">
-            <a:extLst>
-              <a:ext uri="{FF2B5EF4-FFF2-40B4-BE49-F238E27FC236}">
-                <a16:creationId xmlns:a16="http://schemas.microsoft.com/office/drawing/2014/main" id="{0268177E-1445-4DCF-955D-1CAE9B76FFDC}"/>
-              </a:ext>
-              <a:ext uri="{C183D7F6-B498-43B3-948B-1728B52AA6E4}">
-                <adec:decorative xmlns:adec="http://schemas.microsoft.com/office/drawing/2017/decorative" val="1"/>
-              </a:ext>
-            </a:extLst>
-          </p:cNvPr>
-          <p:cNvCxnSpPr>
-            <a:cxnSpLocks noGrp="1" noRot="1" noChangeAspect="1" noMove="1" noResize="1" noEditPoints="1" noAdjustHandles="1" noChangeArrowheads="1" noChangeShapeType="1"/>
-          </p:cNvCxnSpPr>
-          <p:nvPr>
-            <p:extLst>
-              <p:ext uri="{386F3935-93C4-4BCD-93E2-E3B085C9AB24}">
-                <p16:designElem xmlns:p16="http://schemas.microsoft.com/office/powerpoint/2015/main" val="1"/>
-              </p:ext>
-            </p:extLst>
-          </p:nvPr>
-        </p:nvCxnSpPr>
-        <p:spPr>
-          <a:xfrm>
-            <a:off x="1207658" y="4343400"/>
-            <a:ext cx="9875520" cy="0"/>
-          </a:xfrm>
-          <a:prstGeom prst="line">
-            <a:avLst/>
-          </a:prstGeom>
-          <a:ln w="6350">
-            <a:solidFill>
-              <a:schemeClr val="tx2">
-                <a:alpha val="80000"/>
-              </a:schemeClr>
-            </a:solidFill>
-          </a:ln>
-        </p:spPr>
-        <p:style>
-          <a:lnRef idx="1">
-            <a:schemeClr val="accent1"/>
-          </a:lnRef>
-          <a:fillRef idx="0">
-            <a:schemeClr val="accent1"/>
-          </a:fillRef>
-          <a:effectRef idx="0">
-            <a:schemeClr val="accent1"/>
-          </a:effectRef>
-          <a:fontRef idx="minor">
-            <a:schemeClr val="tx1"/>
-          </a:fontRef>
-        </p:style>
-      </p:cxnSp>
-      <p:sp>
-        <p:nvSpPr>
-          <p:cNvPr id="11" name="Rectangle 10">
-            <a:extLst>
-              <a:ext uri="{FF2B5EF4-FFF2-40B4-BE49-F238E27FC236}">
-                <a16:creationId xmlns:a16="http://schemas.microsoft.com/office/drawing/2014/main" id="{85D52B88-A4AE-4B06-AEFC-8E492B9039CE}"/>
-              </a:ext>
-              <a:ext uri="{C183D7F6-B498-43B3-948B-1728B52AA6E4}">
-                <adec:decorative xmlns:adec="http://schemas.microsoft.com/office/drawing/2017/decorative" val="1"/>
-              </a:ext>
-            </a:extLst>
-          </p:cNvPr>
-          <p:cNvSpPr>
-            <a:spLocks noGrp="1" noRot="1" noChangeAspect="1" noMove="1" noResize="1" noEditPoints="1" noAdjustHandles="1" noChangeArrowheads="1" noChangeShapeType="1" noTextEdit="1"/>
-          </p:cNvSpPr>
-          <p:nvPr>
-            <p:extLst>
-              <p:ext uri="{386F3935-93C4-4BCD-93E2-E3B085C9AB24}">
-                <p16:designElem xmlns:p16="http://schemas.microsoft.com/office/powerpoint/2015/main" val="1"/>
-              </p:ext>
-            </p:extLst>
-          </p:nvPr>
-        </p:nvSpPr>
-        <p:spPr>
-          <a:xfrm>
-            <a:off x="15" y="6334316"/>
-            <a:ext cx="12191985" cy="66484"/>
-          </a:xfrm>
-          <a:prstGeom prst="rect">
-            <a:avLst/>
-          </a:prstGeom>
-          <a:solidFill>
-            <a:schemeClr val="accent1">
-              <a:alpha val="80000"/>
-            </a:schemeClr>
-          </a:solidFill>
-          <a:ln>
-            <a:noFill/>
-          </a:ln>
-        </p:spPr>
-        <p:style>
-          <a:lnRef idx="2">
-            <a:schemeClr val="accent1">
-              <a:shade val="50000"/>
-            </a:schemeClr>
-          </a:lnRef>
-          <a:fillRef idx="1">
-            <a:schemeClr val="accent1"/>
-          </a:fillRef>
-          <a:effectRef idx="0">
-            <a:schemeClr val="accent1"/>
-          </a:effectRef>
-          <a:fontRef idx="minor">
-            <a:schemeClr val="lt1"/>
-          </a:fontRef>
-        </p:style>
-      </p:sp>
-      <p:sp>
-        <p:nvSpPr>
-          <p:cNvPr id="13" name="Rectangle 12">
-            <a:extLst>
-              <a:ext uri="{FF2B5EF4-FFF2-40B4-BE49-F238E27FC236}">
-                <a16:creationId xmlns:a16="http://schemas.microsoft.com/office/drawing/2014/main" id="{CFD6FA94-0FE6-4CC5-BC1A-1F4780CDAEE1}"/>
-              </a:ext>
-              <a:ext uri="{C183D7F6-B498-43B3-948B-1728B52AA6E4}">
-                <adec:decorative xmlns:adec="http://schemas.microsoft.com/office/drawing/2017/decorative" val="1"/>
-              </a:ext>
-            </a:extLst>
-          </p:cNvPr>
-          <p:cNvSpPr>
-            <a:spLocks noGrp="1" noRot="1" noChangeAspect="1" noMove="1" noResize="1" noEditPoints="1" noAdjustHandles="1" noChangeArrowheads="1" noChangeShapeType="1" noTextEdit="1"/>
-          </p:cNvSpPr>
-          <p:nvPr>
-            <p:extLst>
-              <p:ext uri="{386F3935-93C4-4BCD-93E2-E3B085C9AB24}">
-                <p16:designElem xmlns:p16="http://schemas.microsoft.com/office/powerpoint/2015/main" val="1"/>
-              </p:ext>
-            </p:extLst>
-          </p:nvPr>
-        </p:nvSpPr>
-        <p:spPr>
-          <a:xfrm>
-            <a:off x="1" y="6400800"/>
-            <a:ext cx="12192000" cy="457200"/>
-          </a:xfrm>
-          <a:prstGeom prst="rect">
-            <a:avLst/>
-          </a:prstGeom>
-          <a:solidFill>
-            <a:schemeClr val="accent2">
-              <a:alpha val="80000"/>
-            </a:schemeClr>
-          </a:solidFill>
-          <a:ln>
-            <a:noFill/>
-          </a:ln>
-        </p:spPr>
-        <p:style>
-          <a:lnRef idx="2">
-            <a:schemeClr val="accent1">
-              <a:shade val="50000"/>
-            </a:schemeClr>
-          </a:lnRef>
-          <a:fillRef idx="1">
-            <a:schemeClr val="accent1"/>
-          </a:fillRef>
-          <a:effectRef idx="0">
-            <a:schemeClr val="accent1"/>
-          </a:effectRef>
-          <a:fontRef idx="minor">
-            <a:schemeClr val="lt1"/>
-          </a:fontRef>
-        </p:style>
+            <a:r>
+              <a:rPr lang="en-US" b="0" i="0" dirty="0">
+                <a:solidFill>
+                  <a:srgbClr val="FFFFFF"/>
+                </a:solidFill>
+                <a:effectLst/>
+                <a:latin typeface="Roboto" panose="02000000000000000000" pitchFamily="2" charset="0"/>
+              </a:rPr>
+              <a:t>Learn to Produce Effective</a:t>
+            </a:r>
+            <a:br>
+              <a:rPr lang="en-US" dirty="0"/>
+            </a:br>
+            <a:r>
+              <a:rPr lang="en-US" b="0" i="0" dirty="0">
+                <a:solidFill>
+                  <a:srgbClr val="FFFFFF"/>
+                </a:solidFill>
+                <a:effectLst/>
+                <a:latin typeface="Roboto" panose="02000000000000000000" pitchFamily="2" charset="0"/>
+              </a:rPr>
+              <a:t>Web APIs with ASP.NET 5</a:t>
+            </a:r>
+            <a:endParaRPr lang="en-US" dirty="0"/>
+          </a:p>
+        </p:txBody>
       </p:sp>
     </p:spTree>
     <p:extLst>
@@ -4111,6 +7418,1546 @@
 </file>
 
 <file path=ppt/slides/slide2.xml><?xml version="1.0" encoding="utf-8"?>
+<p:sld xmlns:a="http://schemas.openxmlformats.org/drawingml/2006/main" xmlns:r="http://schemas.openxmlformats.org/officeDocument/2006/relationships" xmlns:p="http://schemas.openxmlformats.org/presentationml/2006/main">
+  <p:cSld>
+    <p:bg>
+      <p:bgPr>
+        <a:solidFill>
+          <a:schemeClr val="tx1"/>
+        </a:solidFill>
+        <a:effectLst/>
+      </p:bgPr>
+    </p:bg>
+    <p:spTree>
+      <p:nvGrpSpPr>
+        <p:cNvPr id="1" name=""/>
+        <p:cNvGrpSpPr/>
+        <p:nvPr/>
+      </p:nvGrpSpPr>
+      <p:grpSpPr>
+        <a:xfrm>
+          <a:off x="0" y="0"/>
+          <a:ext cx="0" cy="0"/>
+          <a:chOff x="0" y="0"/>
+          <a:chExt cx="0" cy="0"/>
+        </a:xfrm>
+      </p:grpSpPr>
+      <p:graphicFrame>
+        <p:nvGraphicFramePr>
+          <p:cNvPr id="5" name="Table 4"/>
+          <p:cNvGraphicFramePr>
+            <a:graphicFrameLocks noGrp="1"/>
+          </p:cNvGraphicFramePr>
+          <p:nvPr/>
+        </p:nvGraphicFramePr>
+        <p:xfrm>
+          <a:off x="120316" y="76339"/>
+          <a:ext cx="11971421" cy="1544480"/>
+        </p:xfrm>
+        <a:graphic>
+          <a:graphicData uri="http://schemas.openxmlformats.org/drawingml/2006/table">
+            <a:tbl>
+              <a:tblPr firstRow="1" bandRow="1">
+                <a:tableStyleId>{5C22544A-7EE6-4342-B048-85BDC9FD1C3A}</a:tableStyleId>
+              </a:tblPr>
+              <a:tblGrid>
+                <a:gridCol w="11971421">
+                  <a:extLst>
+                    <a:ext uri="{9D8B030D-6E8A-4147-A177-3AD203B41FA5}">
+                      <a16:colId xmlns:a16="http://schemas.microsoft.com/office/drawing/2014/main" val="20000"/>
+                    </a:ext>
+                  </a:extLst>
+                </a:gridCol>
+              </a:tblGrid>
+              <a:tr h="1544480">
+                <a:tc>
+                  <a:txBody>
+                    <a:bodyPr/>
+                    <a:lstStyle/>
+                    <a:p>
+                      <a:pPr algn="l"/>
+                      <a:r>
+                        <a:rPr lang="en-US" sz="2400" u="sng" baseline="0" dirty="0">
+                          <a:solidFill>
+                            <a:schemeClr val="tx1"/>
+                          </a:solidFill>
+                          <a:uFill>
+                            <a:solidFill>
+                              <a:srgbClr val="9B26B1"/>
+                            </a:solidFill>
+                          </a:uFill>
+                        </a:rPr>
+                        <a:t>Titanium Sponsors</a:t>
+                      </a:r>
+                    </a:p>
+                  </a:txBody>
+                  <a:tcPr>
+                    <a:lnL w="12700" cap="flat" cmpd="sng" algn="ctr">
+                      <a:solidFill>
+                        <a:scrgbClr r="0" g="0" b="0"/>
+                      </a:solidFill>
+                      <a:prstDash val="solid"/>
+                      <a:round/>
+                      <a:headEnd type="none" w="med" len="med"/>
+                      <a:tailEnd type="none" w="med" len="med"/>
+                    </a:lnL>
+                    <a:lnR w="12700" cap="flat" cmpd="sng" algn="ctr">
+                      <a:solidFill>
+                        <a:scrgbClr r="0" g="0" b="0"/>
+                      </a:solidFill>
+                      <a:prstDash val="solid"/>
+                      <a:round/>
+                      <a:headEnd type="none" w="med" len="med"/>
+                      <a:tailEnd type="none" w="med" len="med"/>
+                    </a:lnR>
+                    <a:lnT w="12700" cap="flat" cmpd="sng" algn="ctr">
+                      <a:solidFill>
+                        <a:scrgbClr r="0" g="0" b="0"/>
+                      </a:solidFill>
+                      <a:prstDash val="solid"/>
+                      <a:round/>
+                      <a:headEnd type="none" w="med" len="med"/>
+                      <a:tailEnd type="none" w="med" len="med"/>
+                    </a:lnT>
+                    <a:lnB w="12700" cap="flat" cmpd="sng" algn="ctr">
+                      <a:solidFill>
+                        <a:scrgbClr r="0" g="0" b="0"/>
+                      </a:solidFill>
+                      <a:prstDash val="solid"/>
+                      <a:round/>
+                      <a:headEnd type="none" w="med" len="med"/>
+                      <a:tailEnd type="none" w="med" len="med"/>
+                    </a:lnB>
+                    <a:solidFill>
+                      <a:schemeClr val="bg1"/>
+                    </a:solidFill>
+                  </a:tcPr>
+                </a:tc>
+                <a:extLst>
+                  <a:ext uri="{0D108BD9-81ED-4DB2-BD59-A6C34878D82A}">
+                    <a16:rowId xmlns:a16="http://schemas.microsoft.com/office/drawing/2014/main" val="10000"/>
+                  </a:ext>
+                </a:extLst>
+              </a:tr>
+            </a:tbl>
+          </a:graphicData>
+        </a:graphic>
+      </p:graphicFrame>
+      <p:graphicFrame>
+        <p:nvGraphicFramePr>
+          <p:cNvPr id="10" name="Table 9"/>
+          <p:cNvGraphicFramePr>
+            <a:graphicFrameLocks noGrp="1"/>
+          </p:cNvGraphicFramePr>
+          <p:nvPr/>
+        </p:nvGraphicFramePr>
+        <p:xfrm>
+          <a:off x="120314" y="1652168"/>
+          <a:ext cx="11974293" cy="3730505"/>
+        </p:xfrm>
+        <a:graphic>
+          <a:graphicData uri="http://schemas.openxmlformats.org/drawingml/2006/table">
+            <a:tbl>
+              <a:tblPr firstRow="1" bandRow="1">
+                <a:tableStyleId>{5C22544A-7EE6-4342-B048-85BDC9FD1C3A}</a:tableStyleId>
+              </a:tblPr>
+              <a:tblGrid>
+                <a:gridCol w="11974293">
+                  <a:extLst>
+                    <a:ext uri="{9D8B030D-6E8A-4147-A177-3AD203B41FA5}">
+                      <a16:colId xmlns:a16="http://schemas.microsoft.com/office/drawing/2014/main" val="20000"/>
+                    </a:ext>
+                  </a:extLst>
+                </a:gridCol>
+              </a:tblGrid>
+              <a:tr h="3730505">
+                <a:tc>
+                  <a:txBody>
+                    <a:bodyPr/>
+                    <a:lstStyle/>
+                    <a:p>
+                      <a:r>
+                        <a:rPr lang="en-US" sz="2000" u="sng" dirty="0">
+                          <a:solidFill>
+                            <a:schemeClr val="tx1"/>
+                          </a:solidFill>
+                          <a:uFill>
+                            <a:solidFill>
+                              <a:srgbClr val="9B26B1"/>
+                            </a:solidFill>
+                          </a:uFill>
+                        </a:rPr>
+                        <a:t>Platinum</a:t>
+                      </a:r>
+                      <a:r>
+                        <a:rPr lang="en-US" sz="2000" u="sng" baseline="0" dirty="0">
+                          <a:solidFill>
+                            <a:schemeClr val="tx1"/>
+                          </a:solidFill>
+                          <a:uFill>
+                            <a:solidFill>
+                              <a:srgbClr val="9B26B1"/>
+                            </a:solidFill>
+                          </a:uFill>
+                        </a:rPr>
+                        <a:t> Sponsors</a:t>
+                      </a:r>
+                      <a:endParaRPr lang="en-US" sz="2000" u="sng" dirty="0">
+                        <a:solidFill>
+                          <a:schemeClr val="tx1"/>
+                        </a:solidFill>
+                        <a:uFill>
+                          <a:solidFill>
+                            <a:srgbClr val="9B26B1"/>
+                          </a:solidFill>
+                        </a:uFill>
+                      </a:endParaRPr>
+                    </a:p>
+                  </a:txBody>
+                  <a:tcPr>
+                    <a:lnL w="12700" cap="flat" cmpd="sng" algn="ctr">
+                      <a:solidFill>
+                        <a:scrgbClr r="0" g="0" b="0"/>
+                      </a:solidFill>
+                      <a:prstDash val="solid"/>
+                      <a:round/>
+                      <a:headEnd type="none" w="med" len="med"/>
+                      <a:tailEnd type="none" w="med" len="med"/>
+                    </a:lnL>
+                    <a:lnR w="12700" cap="flat" cmpd="sng" algn="ctr">
+                      <a:solidFill>
+                        <a:scrgbClr r="0" g="0" b="0"/>
+                      </a:solidFill>
+                      <a:prstDash val="solid"/>
+                      <a:round/>
+                      <a:headEnd type="none" w="med" len="med"/>
+                      <a:tailEnd type="none" w="med" len="med"/>
+                    </a:lnR>
+                    <a:lnT w="12700" cap="flat" cmpd="sng" algn="ctr">
+                      <a:solidFill>
+                        <a:scrgbClr r="0" g="0" b="0"/>
+                      </a:solidFill>
+                      <a:prstDash val="solid"/>
+                      <a:round/>
+                      <a:headEnd type="none" w="med" len="med"/>
+                      <a:tailEnd type="none" w="med" len="med"/>
+                    </a:lnT>
+                    <a:lnB w="12700" cap="flat" cmpd="sng" algn="ctr">
+                      <a:solidFill>
+                        <a:scrgbClr r="0" g="0" b="0"/>
+                      </a:solidFill>
+                      <a:prstDash val="solid"/>
+                      <a:round/>
+                      <a:headEnd type="none" w="med" len="med"/>
+                      <a:tailEnd type="none" w="med" len="med"/>
+                    </a:lnB>
+                    <a:solidFill>
+                      <a:srgbClr val="FFFFFF"/>
+                    </a:solidFill>
+                  </a:tcPr>
+                </a:tc>
+                <a:extLst>
+                  <a:ext uri="{0D108BD9-81ED-4DB2-BD59-A6C34878D82A}">
+                    <a16:rowId xmlns:a16="http://schemas.microsoft.com/office/drawing/2014/main" val="10000"/>
+                  </a:ext>
+                </a:extLst>
+              </a:tr>
+            </a:tbl>
+          </a:graphicData>
+        </a:graphic>
+      </p:graphicFrame>
+      <p:graphicFrame>
+        <p:nvGraphicFramePr>
+          <p:cNvPr id="21" name="Table 20"/>
+          <p:cNvGraphicFramePr>
+            <a:graphicFrameLocks noGrp="1"/>
+          </p:cNvGraphicFramePr>
+          <p:nvPr/>
+        </p:nvGraphicFramePr>
+        <p:xfrm>
+          <a:off x="120316" y="5407200"/>
+          <a:ext cx="11971421" cy="1349201"/>
+        </p:xfrm>
+        <a:graphic>
+          <a:graphicData uri="http://schemas.openxmlformats.org/drawingml/2006/table">
+            <a:tbl>
+              <a:tblPr firstRow="1" bandRow="1">
+                <a:tableStyleId>{5C22544A-7EE6-4342-B048-85BDC9FD1C3A}</a:tableStyleId>
+              </a:tblPr>
+              <a:tblGrid>
+                <a:gridCol w="11971421">
+                  <a:extLst>
+                    <a:ext uri="{9D8B030D-6E8A-4147-A177-3AD203B41FA5}">
+                      <a16:colId xmlns:a16="http://schemas.microsoft.com/office/drawing/2014/main" val="20000"/>
+                    </a:ext>
+                  </a:extLst>
+                </a:gridCol>
+              </a:tblGrid>
+              <a:tr h="1349201">
+                <a:tc>
+                  <a:txBody>
+                    <a:bodyPr/>
+                    <a:lstStyle/>
+                    <a:p>
+                      <a:r>
+                        <a:rPr lang="en-US" sz="1800" u="sng" baseline="0" dirty="0">
+                          <a:solidFill>
+                            <a:schemeClr val="tx1"/>
+                          </a:solidFill>
+                          <a:uFill>
+                            <a:solidFill>
+                              <a:srgbClr val="9B26B1"/>
+                            </a:solidFill>
+                          </a:uFill>
+                        </a:rPr>
+                        <a:t>Gold Sponsors</a:t>
+                      </a:r>
+                    </a:p>
+                  </a:txBody>
+                  <a:tcPr>
+                    <a:lnL w="12700" cap="flat" cmpd="sng" algn="ctr">
+                      <a:solidFill>
+                        <a:scrgbClr r="0" g="0" b="0"/>
+                      </a:solidFill>
+                      <a:prstDash val="solid"/>
+                      <a:round/>
+                      <a:headEnd type="none" w="med" len="med"/>
+                      <a:tailEnd type="none" w="med" len="med"/>
+                    </a:lnL>
+                    <a:lnR w="12700" cap="flat" cmpd="sng" algn="ctr">
+                      <a:solidFill>
+                        <a:scrgbClr r="0" g="0" b="0"/>
+                      </a:solidFill>
+                      <a:prstDash val="solid"/>
+                      <a:round/>
+                      <a:headEnd type="none" w="med" len="med"/>
+                      <a:tailEnd type="none" w="med" len="med"/>
+                    </a:lnR>
+                    <a:lnT w="12700" cap="flat" cmpd="sng" algn="ctr">
+                      <a:solidFill>
+                        <a:scrgbClr r="0" g="0" b="0"/>
+                      </a:solidFill>
+                      <a:prstDash val="solid"/>
+                      <a:round/>
+                      <a:headEnd type="none" w="med" len="med"/>
+                      <a:tailEnd type="none" w="med" len="med"/>
+                    </a:lnT>
+                    <a:lnB w="12700" cap="flat" cmpd="sng" algn="ctr">
+                      <a:solidFill>
+                        <a:scrgbClr r="0" g="0" b="0"/>
+                      </a:solidFill>
+                      <a:prstDash val="solid"/>
+                      <a:round/>
+                      <a:headEnd type="none" w="med" len="med"/>
+                      <a:tailEnd type="none" w="med" len="med"/>
+                    </a:lnB>
+                    <a:solidFill>
+                      <a:srgbClr val="FFFFFF"/>
+                    </a:solidFill>
+                  </a:tcPr>
+                </a:tc>
+                <a:extLst>
+                  <a:ext uri="{0D108BD9-81ED-4DB2-BD59-A6C34878D82A}">
+                    <a16:rowId xmlns:a16="http://schemas.microsoft.com/office/drawing/2014/main" val="10000"/>
+                  </a:ext>
+                </a:extLst>
+              </a:tr>
+            </a:tbl>
+          </a:graphicData>
+        </a:graphic>
+      </p:graphicFrame>
+      <p:pic>
+        <p:nvPicPr>
+          <p:cNvPr id="25" name="Picture 24" descr="Cerner.png"/>
+          <p:cNvPicPr>
+            <a:picLocks noChangeAspect="1"/>
+          </p:cNvPicPr>
+          <p:nvPr/>
+        </p:nvPicPr>
+        <p:blipFill>
+          <a:blip r:embed="rId3" cstate="print">
+            <a:extLst>
+              <a:ext uri="{28A0092B-C50C-407E-A947-70E740481C1C}">
+                <a14:useLocalDpi xmlns:a14="http://schemas.microsoft.com/office/drawing/2010/main"/>
+              </a:ext>
+            </a:extLst>
+          </a:blip>
+          <a:stretch>
+            <a:fillRect/>
+          </a:stretch>
+        </p:blipFill>
+        <p:spPr>
+          <a:xfrm>
+            <a:off x="255876" y="6232830"/>
+            <a:ext cx="1068165" cy="289931"/>
+          </a:xfrm>
+          <a:prstGeom prst="rect">
+            <a:avLst/>
+          </a:prstGeom>
+        </p:spPr>
+      </p:pic>
+      <p:pic>
+        <p:nvPicPr>
+          <p:cNvPr id="40" name="Picture 39"/>
+          <p:cNvPicPr>
+            <a:picLocks noChangeAspect="1"/>
+          </p:cNvPicPr>
+          <p:nvPr/>
+        </p:nvPicPr>
+        <p:blipFill>
+          <a:blip r:embed="rId4" cstate="print">
+            <a:extLst>
+              <a:ext uri="{28A0092B-C50C-407E-A947-70E740481C1C}">
+                <a14:useLocalDpi xmlns:a14="http://schemas.microsoft.com/office/drawing/2010/main"/>
+              </a:ext>
+            </a:extLst>
+          </a:blip>
+          <a:stretch>
+            <a:fillRect/>
+          </a:stretch>
+        </p:blipFill>
+        <p:spPr>
+          <a:xfrm>
+            <a:off x="5221154" y="3720774"/>
+            <a:ext cx="2829075" cy="653241"/>
+          </a:xfrm>
+          <a:prstGeom prst="rect">
+            <a:avLst/>
+          </a:prstGeom>
+        </p:spPr>
+      </p:pic>
+      <p:pic>
+        <p:nvPicPr>
+          <p:cNvPr id="22" name="Picture 21"/>
+          <p:cNvPicPr>
+            <a:picLocks noChangeAspect="1"/>
+          </p:cNvPicPr>
+          <p:nvPr/>
+        </p:nvPicPr>
+        <p:blipFill>
+          <a:blip r:embed="rId5" cstate="print">
+            <a:extLst>
+              <a:ext uri="{28A0092B-C50C-407E-A947-70E740481C1C}">
+                <a14:useLocalDpi xmlns:a14="http://schemas.microsoft.com/office/drawing/2010/main"/>
+              </a:ext>
+            </a:extLst>
+          </a:blip>
+          <a:stretch>
+            <a:fillRect/>
+          </a:stretch>
+        </p:blipFill>
+        <p:spPr>
+          <a:xfrm>
+            <a:off x="2942598" y="5512949"/>
+            <a:ext cx="1031103" cy="378433"/>
+          </a:xfrm>
+          <a:prstGeom prst="rect">
+            <a:avLst/>
+          </a:prstGeom>
+        </p:spPr>
+      </p:pic>
+      <p:pic>
+        <p:nvPicPr>
+          <p:cNvPr id="47" name="Picture 46"/>
+          <p:cNvPicPr>
+            <a:picLocks noChangeAspect="1"/>
+          </p:cNvPicPr>
+          <p:nvPr/>
+        </p:nvPicPr>
+        <p:blipFill>
+          <a:blip r:embed="rId6" cstate="print">
+            <a:extLst>
+              <a:ext uri="{28A0092B-C50C-407E-A947-70E740481C1C}">
+                <a14:useLocalDpi xmlns:a14="http://schemas.microsoft.com/office/drawing/2010/main"/>
+              </a:ext>
+            </a:extLst>
+          </a:blip>
+          <a:stretch>
+            <a:fillRect/>
+          </a:stretch>
+        </p:blipFill>
+        <p:spPr>
+          <a:xfrm>
+            <a:off x="493754" y="3651303"/>
+            <a:ext cx="1691279" cy="689797"/>
+          </a:xfrm>
+          <a:prstGeom prst="rect">
+            <a:avLst/>
+          </a:prstGeom>
+        </p:spPr>
+      </p:pic>
+      <p:pic>
+        <p:nvPicPr>
+          <p:cNvPr id="7" name="Picture 6"/>
+          <p:cNvPicPr>
+            <a:picLocks noChangeAspect="1"/>
+          </p:cNvPicPr>
+          <p:nvPr/>
+        </p:nvPicPr>
+        <p:blipFill>
+          <a:blip r:embed="rId7" cstate="print">
+            <a:extLst>
+              <a:ext uri="{28A0092B-C50C-407E-A947-70E740481C1C}">
+                <a14:useLocalDpi xmlns:a14="http://schemas.microsoft.com/office/drawing/2010/main"/>
+              </a:ext>
+            </a:extLst>
+          </a:blip>
+          <a:stretch>
+            <a:fillRect/>
+          </a:stretch>
+        </p:blipFill>
+        <p:spPr>
+          <a:xfrm>
+            <a:off x="10053096" y="3473685"/>
+            <a:ext cx="1870591" cy="1161492"/>
+          </a:xfrm>
+          <a:prstGeom prst="rect">
+            <a:avLst/>
+          </a:prstGeom>
+        </p:spPr>
+      </p:pic>
+      <p:pic>
+        <p:nvPicPr>
+          <p:cNvPr id="35" name="Picture 34">
+            <a:extLst>
+              <a:ext uri="{FF2B5EF4-FFF2-40B4-BE49-F238E27FC236}">
+                <a16:creationId xmlns:a16="http://schemas.microsoft.com/office/drawing/2014/main" id="{69DF7118-042A-0B4F-9E38-1693A3AFFB53}"/>
+              </a:ext>
+            </a:extLst>
+          </p:cNvPr>
+          <p:cNvPicPr>
+            <a:picLocks noChangeAspect="1"/>
+          </p:cNvPicPr>
+          <p:nvPr/>
+        </p:nvPicPr>
+        <p:blipFill>
+          <a:blip r:embed="rId8" cstate="print">
+            <a:extLst>
+              <a:ext uri="{28A0092B-C50C-407E-A947-70E740481C1C}">
+                <a14:useLocalDpi xmlns:a14="http://schemas.microsoft.com/office/drawing/2010/main"/>
+              </a:ext>
+            </a:extLst>
+          </a:blip>
+          <a:stretch>
+            <a:fillRect/>
+          </a:stretch>
+        </p:blipFill>
+        <p:spPr>
+          <a:xfrm>
+            <a:off x="562258" y="2068038"/>
+            <a:ext cx="1105939" cy="697970"/>
+          </a:xfrm>
+          <a:prstGeom prst="rect">
+            <a:avLst/>
+          </a:prstGeom>
+        </p:spPr>
+      </p:pic>
+      <p:pic>
+        <p:nvPicPr>
+          <p:cNvPr id="48" name="Picture 47">
+            <a:extLst>
+              <a:ext uri="{FF2B5EF4-FFF2-40B4-BE49-F238E27FC236}">
+                <a16:creationId xmlns:a16="http://schemas.microsoft.com/office/drawing/2014/main" id="{F38E847A-0E24-7C4A-9A49-72639F0E4EF4}"/>
+              </a:ext>
+            </a:extLst>
+          </p:cNvPr>
+          <p:cNvPicPr>
+            <a:picLocks noChangeAspect="1"/>
+          </p:cNvPicPr>
+          <p:nvPr/>
+        </p:nvPicPr>
+        <p:blipFill>
+          <a:blip r:embed="rId9" cstate="print">
+            <a:extLst>
+              <a:ext uri="{28A0092B-C50C-407E-A947-70E740481C1C}">
+                <a14:useLocalDpi xmlns:a14="http://schemas.microsoft.com/office/drawing/2010/main"/>
+              </a:ext>
+            </a:extLst>
+          </a:blip>
+          <a:stretch>
+            <a:fillRect/>
+          </a:stretch>
+        </p:blipFill>
+        <p:spPr>
+          <a:xfrm>
+            <a:off x="3554520" y="2928997"/>
+            <a:ext cx="3096822" cy="471087"/>
+          </a:xfrm>
+          <a:prstGeom prst="rect">
+            <a:avLst/>
+          </a:prstGeom>
+        </p:spPr>
+      </p:pic>
+      <p:pic>
+        <p:nvPicPr>
+          <p:cNvPr id="53" name="Picture 52"/>
+          <p:cNvPicPr>
+            <a:picLocks noChangeAspect="1"/>
+          </p:cNvPicPr>
+          <p:nvPr/>
+        </p:nvPicPr>
+        <p:blipFill>
+          <a:blip r:embed="rId10">
+            <a:extLst>
+              <a:ext uri="{28A0092B-C50C-407E-A947-70E740481C1C}">
+                <a14:useLocalDpi xmlns:a14="http://schemas.microsoft.com/office/drawing/2010/main"/>
+              </a:ext>
+            </a:extLst>
+          </a:blip>
+          <a:stretch>
+            <a:fillRect/>
+          </a:stretch>
+        </p:blipFill>
+        <p:spPr>
+          <a:xfrm>
+            <a:off x="2508633" y="528041"/>
+            <a:ext cx="2431589" cy="820662"/>
+          </a:xfrm>
+          <a:prstGeom prst="rect">
+            <a:avLst/>
+          </a:prstGeom>
+        </p:spPr>
+      </p:pic>
+      <p:pic>
+        <p:nvPicPr>
+          <p:cNvPr id="8" name="Picture 7">
+            <a:extLst>
+              <a:ext uri="{FF2B5EF4-FFF2-40B4-BE49-F238E27FC236}">
+                <a16:creationId xmlns:a16="http://schemas.microsoft.com/office/drawing/2014/main" id="{C13F089C-BF55-8546-AE23-D3D502ADC73C}"/>
+              </a:ext>
+            </a:extLst>
+          </p:cNvPr>
+          <p:cNvPicPr>
+            <a:picLocks noChangeAspect="1"/>
+          </p:cNvPicPr>
+          <p:nvPr/>
+        </p:nvPicPr>
+        <p:blipFill>
+          <a:blip r:embed="rId11" cstate="print">
+            <a:extLst>
+              <a:ext uri="{28A0092B-C50C-407E-A947-70E740481C1C}">
+                <a14:useLocalDpi xmlns:a14="http://schemas.microsoft.com/office/drawing/2010/main"/>
+              </a:ext>
+            </a:extLst>
+          </a:blip>
+          <a:stretch>
+            <a:fillRect/>
+          </a:stretch>
+        </p:blipFill>
+        <p:spPr>
+          <a:xfrm>
+            <a:off x="5768337" y="433503"/>
+            <a:ext cx="5066295" cy="1172923"/>
+          </a:xfrm>
+          <a:prstGeom prst="rect">
+            <a:avLst/>
+          </a:prstGeom>
+        </p:spPr>
+      </p:pic>
+      <p:pic>
+        <p:nvPicPr>
+          <p:cNvPr id="19" name="Picture 18">
+            <a:extLst>
+              <a:ext uri="{FF2B5EF4-FFF2-40B4-BE49-F238E27FC236}">
+                <a16:creationId xmlns:a16="http://schemas.microsoft.com/office/drawing/2014/main" id="{89399FF4-AE36-4844-8D25-C9BB549444E8}"/>
+              </a:ext>
+            </a:extLst>
+          </p:cNvPr>
+          <p:cNvPicPr>
+            <a:picLocks noChangeAspect="1"/>
+          </p:cNvPicPr>
+          <p:nvPr/>
+        </p:nvPicPr>
+        <p:blipFill>
+          <a:blip r:embed="rId12" cstate="print">
+            <a:extLst>
+              <a:ext uri="{28A0092B-C50C-407E-A947-70E740481C1C}">
+                <a14:useLocalDpi xmlns:a14="http://schemas.microsoft.com/office/drawing/2010/main"/>
+              </a:ext>
+            </a:extLst>
+          </a:blip>
+          <a:stretch>
+            <a:fillRect/>
+          </a:stretch>
+        </p:blipFill>
+        <p:spPr>
+          <a:xfrm>
+            <a:off x="4406946" y="4505694"/>
+            <a:ext cx="2834164" cy="855280"/>
+          </a:xfrm>
+          <a:prstGeom prst="rect">
+            <a:avLst/>
+          </a:prstGeom>
+        </p:spPr>
+      </p:pic>
+      <p:pic>
+        <p:nvPicPr>
+          <p:cNvPr id="59" name="Picture 58">
+            <a:extLst>
+              <a:ext uri="{FF2B5EF4-FFF2-40B4-BE49-F238E27FC236}">
+                <a16:creationId xmlns:a16="http://schemas.microsoft.com/office/drawing/2014/main" id="{A23C553C-F146-854F-91A3-CAEE111AC63E}"/>
+              </a:ext>
+            </a:extLst>
+          </p:cNvPr>
+          <p:cNvPicPr>
+            <a:picLocks noChangeAspect="1"/>
+          </p:cNvPicPr>
+          <p:nvPr/>
+        </p:nvPicPr>
+        <p:blipFill>
+          <a:blip r:embed="rId13" cstate="print">
+            <a:extLst>
+              <a:ext uri="{28A0092B-C50C-407E-A947-70E740481C1C}">
+                <a14:useLocalDpi xmlns:a14="http://schemas.microsoft.com/office/drawing/2010/main"/>
+              </a:ext>
+            </a:extLst>
+          </a:blip>
+          <a:stretch>
+            <a:fillRect/>
+          </a:stretch>
+        </p:blipFill>
+        <p:spPr>
+          <a:xfrm>
+            <a:off x="1972039" y="2103273"/>
+            <a:ext cx="2095528" cy="540566"/>
+          </a:xfrm>
+          <a:prstGeom prst="rect">
+            <a:avLst/>
+          </a:prstGeom>
+        </p:spPr>
+      </p:pic>
+      <p:pic>
+        <p:nvPicPr>
+          <p:cNvPr id="74" name="Picture 73">
+            <a:extLst>
+              <a:ext uri="{FF2B5EF4-FFF2-40B4-BE49-F238E27FC236}">
+                <a16:creationId xmlns:a16="http://schemas.microsoft.com/office/drawing/2014/main" id="{B399AAC7-DFF1-0444-9FED-14AD844CCD05}"/>
+              </a:ext>
+            </a:extLst>
+          </p:cNvPr>
+          <p:cNvPicPr>
+            <a:picLocks noChangeAspect="1"/>
+          </p:cNvPicPr>
+          <p:nvPr/>
+        </p:nvPicPr>
+        <p:blipFill>
+          <a:blip r:embed="rId14" cstate="print">
+            <a:extLst>
+              <a:ext uri="{28A0092B-C50C-407E-A947-70E740481C1C}">
+                <a14:useLocalDpi xmlns:a14="http://schemas.microsoft.com/office/drawing/2010/main"/>
+              </a:ext>
+            </a:extLst>
+          </a:blip>
+          <a:stretch>
+            <a:fillRect/>
+          </a:stretch>
+        </p:blipFill>
+        <p:spPr>
+          <a:xfrm>
+            <a:off x="4230694" y="5353061"/>
+            <a:ext cx="1655437" cy="718397"/>
+          </a:xfrm>
+          <a:prstGeom prst="rect">
+            <a:avLst/>
+          </a:prstGeom>
+        </p:spPr>
+      </p:pic>
+      <p:pic>
+        <p:nvPicPr>
+          <p:cNvPr id="78" name="Picture 77">
+            <a:extLst>
+              <a:ext uri="{FF2B5EF4-FFF2-40B4-BE49-F238E27FC236}">
+                <a16:creationId xmlns:a16="http://schemas.microsoft.com/office/drawing/2014/main" id="{E4817B25-1FAD-5F44-BDCF-5F98686ED15E}"/>
+              </a:ext>
+            </a:extLst>
+          </p:cNvPr>
+          <p:cNvPicPr>
+            <a:picLocks noChangeAspect="1"/>
+          </p:cNvPicPr>
+          <p:nvPr/>
+        </p:nvPicPr>
+        <p:blipFill>
+          <a:blip r:embed="rId15" cstate="print">
+            <a:extLst>
+              <a:ext uri="{28A0092B-C50C-407E-A947-70E740481C1C}">
+                <a14:useLocalDpi xmlns:a14="http://schemas.microsoft.com/office/drawing/2010/main"/>
+              </a:ext>
+            </a:extLst>
+          </a:blip>
+          <a:stretch>
+            <a:fillRect/>
+          </a:stretch>
+        </p:blipFill>
+        <p:spPr>
+          <a:xfrm>
+            <a:off x="7030249" y="5585690"/>
+            <a:ext cx="1621870" cy="301312"/>
+          </a:xfrm>
+          <a:prstGeom prst="rect">
+            <a:avLst/>
+          </a:prstGeom>
+        </p:spPr>
+      </p:pic>
+      <p:pic>
+        <p:nvPicPr>
+          <p:cNvPr id="88" name="Picture 87">
+            <a:extLst>
+              <a:ext uri="{FF2B5EF4-FFF2-40B4-BE49-F238E27FC236}">
+                <a16:creationId xmlns:a16="http://schemas.microsoft.com/office/drawing/2014/main" id="{ABDADE6B-AD2F-894F-AABB-ACA93593B19B}"/>
+              </a:ext>
+            </a:extLst>
+          </p:cNvPr>
+          <p:cNvPicPr>
+            <a:picLocks noChangeAspect="1"/>
+          </p:cNvPicPr>
+          <p:nvPr/>
+        </p:nvPicPr>
+        <p:blipFill>
+          <a:blip r:embed="rId16" cstate="print">
+            <a:extLst>
+              <a:ext uri="{28A0092B-C50C-407E-A947-70E740481C1C}">
+                <a14:useLocalDpi xmlns:a14="http://schemas.microsoft.com/office/drawing/2010/main"/>
+              </a:ext>
+            </a:extLst>
+          </a:blip>
+          <a:stretch>
+            <a:fillRect/>
+          </a:stretch>
+        </p:blipFill>
+        <p:spPr>
+          <a:xfrm>
+            <a:off x="1709977" y="6231465"/>
+            <a:ext cx="950111" cy="229095"/>
+          </a:xfrm>
+          <a:prstGeom prst="rect">
+            <a:avLst/>
+          </a:prstGeom>
+        </p:spPr>
+      </p:pic>
+      <p:pic>
+        <p:nvPicPr>
+          <p:cNvPr id="92" name="Picture 91">
+            <a:extLst>
+              <a:ext uri="{FF2B5EF4-FFF2-40B4-BE49-F238E27FC236}">
+                <a16:creationId xmlns:a16="http://schemas.microsoft.com/office/drawing/2014/main" id="{FB3619F7-C50A-5845-B2A1-846D826B0604}"/>
+              </a:ext>
+            </a:extLst>
+          </p:cNvPr>
+          <p:cNvPicPr>
+            <a:picLocks noChangeAspect="1"/>
+          </p:cNvPicPr>
+          <p:nvPr/>
+        </p:nvPicPr>
+        <p:blipFill>
+          <a:blip r:embed="rId17" cstate="print">
+            <a:extLst>
+              <a:ext uri="{28A0092B-C50C-407E-A947-70E740481C1C}">
+                <a14:useLocalDpi xmlns:a14="http://schemas.microsoft.com/office/drawing/2010/main"/>
+              </a:ext>
+            </a:extLst>
+          </a:blip>
+          <a:stretch>
+            <a:fillRect/>
+          </a:stretch>
+        </p:blipFill>
+        <p:spPr>
+          <a:xfrm>
+            <a:off x="454321" y="2947135"/>
+            <a:ext cx="2488277" cy="414713"/>
+          </a:xfrm>
+          <a:prstGeom prst="rect">
+            <a:avLst/>
+          </a:prstGeom>
+        </p:spPr>
+      </p:pic>
+      <p:pic>
+        <p:nvPicPr>
+          <p:cNvPr id="96" name="Picture 95">
+            <a:extLst>
+              <a:ext uri="{FF2B5EF4-FFF2-40B4-BE49-F238E27FC236}">
+                <a16:creationId xmlns:a16="http://schemas.microsoft.com/office/drawing/2014/main" id="{9068400E-A1C2-AE46-BCFB-1EAEA88DBC57}"/>
+              </a:ext>
+            </a:extLst>
+          </p:cNvPr>
+          <p:cNvPicPr>
+            <a:picLocks noChangeAspect="1"/>
+          </p:cNvPicPr>
+          <p:nvPr/>
+        </p:nvPicPr>
+        <p:blipFill>
+          <a:blip r:embed="rId18" cstate="print">
+            <a:extLst>
+              <a:ext uri="{28A0092B-C50C-407E-A947-70E740481C1C}">
+                <a14:useLocalDpi xmlns:a14="http://schemas.microsoft.com/office/drawing/2010/main"/>
+              </a:ext>
+            </a:extLst>
+          </a:blip>
+          <a:stretch>
+            <a:fillRect/>
+          </a:stretch>
+        </p:blipFill>
+        <p:spPr>
+          <a:xfrm>
+            <a:off x="6272651" y="6123186"/>
+            <a:ext cx="1046660" cy="301312"/>
+          </a:xfrm>
+          <a:prstGeom prst="rect">
+            <a:avLst/>
+          </a:prstGeom>
+        </p:spPr>
+      </p:pic>
+      <p:pic>
+        <p:nvPicPr>
+          <p:cNvPr id="98" name="Picture 97">
+            <a:extLst>
+              <a:ext uri="{FF2B5EF4-FFF2-40B4-BE49-F238E27FC236}">
+                <a16:creationId xmlns:a16="http://schemas.microsoft.com/office/drawing/2014/main" id="{16AAE60B-B902-CD49-9470-0237A7612080}"/>
+              </a:ext>
+            </a:extLst>
+          </p:cNvPr>
+          <p:cNvPicPr>
+            <a:picLocks noChangeAspect="1"/>
+          </p:cNvPicPr>
+          <p:nvPr/>
+        </p:nvPicPr>
+        <p:blipFill>
+          <a:blip r:embed="rId19" cstate="print">
+            <a:extLst>
+              <a:ext uri="{28A0092B-C50C-407E-A947-70E740481C1C}">
+                <a14:useLocalDpi xmlns:a14="http://schemas.microsoft.com/office/drawing/2010/main"/>
+              </a:ext>
+            </a:extLst>
+          </a:blip>
+          <a:stretch>
+            <a:fillRect/>
+          </a:stretch>
+        </p:blipFill>
+        <p:spPr>
+          <a:xfrm>
+            <a:off x="8706505" y="3335802"/>
+            <a:ext cx="1078872" cy="1117013"/>
+          </a:xfrm>
+          <a:prstGeom prst="rect">
+            <a:avLst/>
+          </a:prstGeom>
+        </p:spPr>
+      </p:pic>
+      <p:pic>
+        <p:nvPicPr>
+          <p:cNvPr id="102" name="Picture 101">
+            <a:extLst>
+              <a:ext uri="{FF2B5EF4-FFF2-40B4-BE49-F238E27FC236}">
+                <a16:creationId xmlns:a16="http://schemas.microsoft.com/office/drawing/2014/main" id="{7F2F04C1-1150-F442-84D5-F3C041E3C549}"/>
+              </a:ext>
+            </a:extLst>
+          </p:cNvPr>
+          <p:cNvPicPr>
+            <a:picLocks noChangeAspect="1"/>
+          </p:cNvPicPr>
+          <p:nvPr/>
+        </p:nvPicPr>
+        <p:blipFill rotWithShape="1">
+          <a:blip r:embed="rId20"/>
+          <a:srcRect t="38611" b="38901"/>
+          <a:stretch/>
+        </p:blipFill>
+        <p:spPr>
+          <a:xfrm>
+            <a:off x="9399709" y="2061870"/>
+            <a:ext cx="2391056" cy="537731"/>
+          </a:xfrm>
+          <a:prstGeom prst="rect">
+            <a:avLst/>
+          </a:prstGeom>
+        </p:spPr>
+      </p:pic>
+      <p:pic>
+        <p:nvPicPr>
+          <p:cNvPr id="41" name="Graphic 40">
+            <a:extLst>
+              <a:ext uri="{FF2B5EF4-FFF2-40B4-BE49-F238E27FC236}">
+                <a16:creationId xmlns:a16="http://schemas.microsoft.com/office/drawing/2014/main" id="{D7941B0E-AB56-0049-9C23-0B66F5F8031F}"/>
+              </a:ext>
+            </a:extLst>
+          </p:cNvPr>
+          <p:cNvPicPr>
+            <a:picLocks noChangeAspect="1"/>
+          </p:cNvPicPr>
+          <p:nvPr/>
+        </p:nvPicPr>
+        <p:blipFill>
+          <a:blip r:embed="rId21" cstate="print">
+            <a:extLst>
+              <a:ext uri="{28A0092B-C50C-407E-A947-70E740481C1C}">
+                <a14:useLocalDpi xmlns:a14="http://schemas.microsoft.com/office/drawing/2010/main"/>
+              </a:ext>
+              <a:ext uri="{96DAC541-7B7A-43D3-8B79-37D633B846F1}">
+                <asvg:svgBlip xmlns:asvg="http://schemas.microsoft.com/office/drawing/2016/SVG/main" r:embed="rId22"/>
+              </a:ext>
+            </a:extLst>
+          </a:blip>
+          <a:stretch>
+            <a:fillRect/>
+          </a:stretch>
+        </p:blipFill>
+        <p:spPr>
+          <a:xfrm>
+            <a:off x="7392216" y="4500285"/>
+            <a:ext cx="1462989" cy="728786"/>
+          </a:xfrm>
+          <a:prstGeom prst="rect">
+            <a:avLst/>
+          </a:prstGeom>
+        </p:spPr>
+      </p:pic>
+      <p:pic>
+        <p:nvPicPr>
+          <p:cNvPr id="104" name="Picture 103">
+            <a:extLst>
+              <a:ext uri="{FF2B5EF4-FFF2-40B4-BE49-F238E27FC236}">
+                <a16:creationId xmlns:a16="http://schemas.microsoft.com/office/drawing/2014/main" id="{5B266E19-AD97-EB45-A064-F993B993E1A4}"/>
+              </a:ext>
+            </a:extLst>
+          </p:cNvPr>
+          <p:cNvPicPr>
+            <a:picLocks noChangeAspect="1"/>
+          </p:cNvPicPr>
+          <p:nvPr/>
+        </p:nvPicPr>
+        <p:blipFill>
+          <a:blip r:embed="rId23" cstate="print">
+            <a:extLst>
+              <a:ext uri="{28A0092B-C50C-407E-A947-70E740481C1C}">
+                <a14:useLocalDpi xmlns:a14="http://schemas.microsoft.com/office/drawing/2010/main"/>
+              </a:ext>
+            </a:extLst>
+          </a:blip>
+          <a:stretch>
+            <a:fillRect/>
+          </a:stretch>
+        </p:blipFill>
+        <p:spPr>
+          <a:xfrm>
+            <a:off x="1786299" y="5610917"/>
+            <a:ext cx="957409" cy="277416"/>
+          </a:xfrm>
+          <a:prstGeom prst="rect">
+            <a:avLst/>
+          </a:prstGeom>
+        </p:spPr>
+      </p:pic>
+      <p:pic>
+        <p:nvPicPr>
+          <p:cNvPr id="13" name="Picture 12" descr="Shape&#10;&#10;Description automatically generated with medium confidence">
+            <a:extLst>
+              <a:ext uri="{FF2B5EF4-FFF2-40B4-BE49-F238E27FC236}">
+                <a16:creationId xmlns:a16="http://schemas.microsoft.com/office/drawing/2014/main" id="{7C1FE23F-842D-409D-8C92-03754CB8B920}"/>
+              </a:ext>
+            </a:extLst>
+          </p:cNvPr>
+          <p:cNvPicPr>
+            <a:picLocks noChangeAspect="1"/>
+          </p:cNvPicPr>
+          <p:nvPr/>
+        </p:nvPicPr>
+        <p:blipFill>
+          <a:blip r:embed="rId24"/>
+          <a:stretch>
+            <a:fillRect/>
+          </a:stretch>
+        </p:blipFill>
+        <p:spPr>
+          <a:xfrm>
+            <a:off x="9697859" y="2796686"/>
+            <a:ext cx="1726136" cy="581577"/>
+          </a:xfrm>
+          <a:prstGeom prst="rect">
+            <a:avLst/>
+          </a:prstGeom>
+        </p:spPr>
+      </p:pic>
+      <p:pic>
+        <p:nvPicPr>
+          <p:cNvPr id="18" name="Picture 17" descr="Shape&#10;&#10;Description automatically generated with medium confidence">
+            <a:extLst>
+              <a:ext uri="{FF2B5EF4-FFF2-40B4-BE49-F238E27FC236}">
+                <a16:creationId xmlns:a16="http://schemas.microsoft.com/office/drawing/2014/main" id="{E84CD1F3-2EE8-4B50-84A3-190496082415}"/>
+              </a:ext>
+            </a:extLst>
+          </p:cNvPr>
+          <p:cNvPicPr>
+            <a:picLocks noChangeAspect="1"/>
+          </p:cNvPicPr>
+          <p:nvPr/>
+        </p:nvPicPr>
+        <p:blipFill>
+          <a:blip r:embed="rId25"/>
+          <a:stretch>
+            <a:fillRect/>
+          </a:stretch>
+        </p:blipFill>
+        <p:spPr>
+          <a:xfrm>
+            <a:off x="2510135" y="3800626"/>
+            <a:ext cx="2101666" cy="497131"/>
+          </a:xfrm>
+          <a:prstGeom prst="rect">
+            <a:avLst/>
+          </a:prstGeom>
+        </p:spPr>
+      </p:pic>
+      <p:pic>
+        <p:nvPicPr>
+          <p:cNvPr id="24" name="Picture 23" descr="A picture containing text, clipart&#10;&#10;Description automatically generated">
+            <a:extLst>
+              <a:ext uri="{FF2B5EF4-FFF2-40B4-BE49-F238E27FC236}">
+                <a16:creationId xmlns:a16="http://schemas.microsoft.com/office/drawing/2014/main" id="{7155AD16-220A-4403-9A7A-ED479AC93E3B}"/>
+              </a:ext>
+            </a:extLst>
+          </p:cNvPr>
+          <p:cNvPicPr>
+            <a:picLocks noChangeAspect="1"/>
+          </p:cNvPicPr>
+          <p:nvPr/>
+        </p:nvPicPr>
+        <p:blipFill>
+          <a:blip r:embed="rId26"/>
+          <a:stretch>
+            <a:fillRect/>
+          </a:stretch>
+        </p:blipFill>
+        <p:spPr>
+          <a:xfrm>
+            <a:off x="2592812" y="4694791"/>
+            <a:ext cx="1659713" cy="559324"/>
+          </a:xfrm>
+          <a:prstGeom prst="rect">
+            <a:avLst/>
+          </a:prstGeom>
+        </p:spPr>
+      </p:pic>
+      <p:pic>
+        <p:nvPicPr>
+          <p:cNvPr id="27" name="Picture 26" descr="Logo&#10;&#10;Description automatically generated">
+            <a:extLst>
+              <a:ext uri="{FF2B5EF4-FFF2-40B4-BE49-F238E27FC236}">
+                <a16:creationId xmlns:a16="http://schemas.microsoft.com/office/drawing/2014/main" id="{C885D32D-AD0D-4AC2-BAA2-2F83EE52A29A}"/>
+              </a:ext>
+            </a:extLst>
+          </p:cNvPr>
+          <p:cNvPicPr>
+            <a:picLocks noChangeAspect="1"/>
+          </p:cNvPicPr>
+          <p:nvPr/>
+        </p:nvPicPr>
+        <p:blipFill>
+          <a:blip r:embed="rId27"/>
+          <a:stretch>
+            <a:fillRect/>
+          </a:stretch>
+        </p:blipFill>
+        <p:spPr>
+          <a:xfrm>
+            <a:off x="7050576" y="3147068"/>
+            <a:ext cx="1450129" cy="487153"/>
+          </a:xfrm>
+          <a:prstGeom prst="rect">
+            <a:avLst/>
+          </a:prstGeom>
+        </p:spPr>
+      </p:pic>
+      <p:pic>
+        <p:nvPicPr>
+          <p:cNvPr id="32" name="Picture 31" descr="Logo, company name&#10;&#10;Description automatically generated">
+            <a:extLst>
+              <a:ext uri="{FF2B5EF4-FFF2-40B4-BE49-F238E27FC236}">
+                <a16:creationId xmlns:a16="http://schemas.microsoft.com/office/drawing/2014/main" id="{86D1E4D0-FB65-413F-A552-722C2E9B7E9B}"/>
+              </a:ext>
+            </a:extLst>
+          </p:cNvPr>
+          <p:cNvPicPr>
+            <a:picLocks noChangeAspect="1"/>
+          </p:cNvPicPr>
+          <p:nvPr/>
+        </p:nvPicPr>
+        <p:blipFill>
+          <a:blip r:embed="rId28"/>
+          <a:stretch>
+            <a:fillRect/>
+          </a:stretch>
+        </p:blipFill>
+        <p:spPr>
+          <a:xfrm>
+            <a:off x="4216056" y="1959226"/>
+            <a:ext cx="2494298" cy="839494"/>
+          </a:xfrm>
+          <a:prstGeom prst="rect">
+            <a:avLst/>
+          </a:prstGeom>
+        </p:spPr>
+      </p:pic>
+      <p:pic>
+        <p:nvPicPr>
+          <p:cNvPr id="34" name="Picture 33" descr="A picture containing background pattern&#10;&#10;Description automatically generated">
+            <a:extLst>
+              <a:ext uri="{FF2B5EF4-FFF2-40B4-BE49-F238E27FC236}">
+                <a16:creationId xmlns:a16="http://schemas.microsoft.com/office/drawing/2014/main" id="{DE58A91F-76BD-451C-BC92-5EFC271A0268}"/>
+              </a:ext>
+            </a:extLst>
+          </p:cNvPr>
+          <p:cNvPicPr>
+            <a:picLocks noChangeAspect="1"/>
+          </p:cNvPicPr>
+          <p:nvPr/>
+        </p:nvPicPr>
+        <p:blipFill>
+          <a:blip r:embed="rId29"/>
+          <a:stretch>
+            <a:fillRect/>
+          </a:stretch>
+        </p:blipFill>
+        <p:spPr>
+          <a:xfrm>
+            <a:off x="556152" y="4712784"/>
+            <a:ext cx="1560087" cy="524935"/>
+          </a:xfrm>
+          <a:prstGeom prst="rect">
+            <a:avLst/>
+          </a:prstGeom>
+        </p:spPr>
+      </p:pic>
+      <p:pic>
+        <p:nvPicPr>
+          <p:cNvPr id="37" name="Picture 36" descr="A picture containing logo&#10;&#10;Description automatically generated">
+            <a:extLst>
+              <a:ext uri="{FF2B5EF4-FFF2-40B4-BE49-F238E27FC236}">
+                <a16:creationId xmlns:a16="http://schemas.microsoft.com/office/drawing/2014/main" id="{3106D7AD-0AAC-424E-AFF3-4563F621DDDA}"/>
+              </a:ext>
+            </a:extLst>
+          </p:cNvPr>
+          <p:cNvPicPr>
+            <a:picLocks noChangeAspect="1"/>
+          </p:cNvPicPr>
+          <p:nvPr/>
+        </p:nvPicPr>
+        <p:blipFill>
+          <a:blip r:embed="rId30"/>
+          <a:stretch>
+            <a:fillRect/>
+          </a:stretch>
+        </p:blipFill>
+        <p:spPr>
+          <a:xfrm>
+            <a:off x="7335317" y="2167931"/>
+            <a:ext cx="1655985" cy="557515"/>
+          </a:xfrm>
+          <a:prstGeom prst="rect">
+            <a:avLst/>
+          </a:prstGeom>
+        </p:spPr>
+      </p:pic>
+      <p:pic>
+        <p:nvPicPr>
+          <p:cNvPr id="39" name="Picture 38" descr="Logo&#10;&#10;Description automatically generated">
+            <a:extLst>
+              <a:ext uri="{FF2B5EF4-FFF2-40B4-BE49-F238E27FC236}">
+                <a16:creationId xmlns:a16="http://schemas.microsoft.com/office/drawing/2014/main" id="{B3E266C6-D571-48BD-9B41-48F848ED63E7}"/>
+              </a:ext>
+            </a:extLst>
+          </p:cNvPr>
+          <p:cNvPicPr>
+            <a:picLocks noChangeAspect="1"/>
+          </p:cNvPicPr>
+          <p:nvPr/>
+        </p:nvPicPr>
+        <p:blipFill>
+          <a:blip r:embed="rId31"/>
+          <a:stretch>
+            <a:fillRect/>
+          </a:stretch>
+        </p:blipFill>
+        <p:spPr>
+          <a:xfrm>
+            <a:off x="3230895" y="6071458"/>
+            <a:ext cx="832647" cy="468276"/>
+          </a:xfrm>
+          <a:prstGeom prst="rect">
+            <a:avLst/>
+          </a:prstGeom>
+        </p:spPr>
+      </p:pic>
+      <p:pic>
+        <p:nvPicPr>
+          <p:cNvPr id="44" name="Picture 43" descr="Logo&#10;&#10;Description automatically generated">
+            <a:extLst>
+              <a:ext uri="{FF2B5EF4-FFF2-40B4-BE49-F238E27FC236}">
+                <a16:creationId xmlns:a16="http://schemas.microsoft.com/office/drawing/2014/main" id="{E28187B2-60BB-445D-98BE-CE0A8EA324D6}"/>
+              </a:ext>
+            </a:extLst>
+          </p:cNvPr>
+          <p:cNvPicPr>
+            <a:picLocks noChangeAspect="1"/>
+          </p:cNvPicPr>
+          <p:nvPr/>
+        </p:nvPicPr>
+        <p:blipFill>
+          <a:blip r:embed="rId32"/>
+          <a:stretch>
+            <a:fillRect/>
+          </a:stretch>
+        </p:blipFill>
+        <p:spPr>
+          <a:xfrm>
+            <a:off x="10532487" y="5415185"/>
+            <a:ext cx="1001989" cy="526044"/>
+          </a:xfrm>
+          <a:prstGeom prst="rect">
+            <a:avLst/>
+          </a:prstGeom>
+        </p:spPr>
+      </p:pic>
+      <p:pic>
+        <p:nvPicPr>
+          <p:cNvPr id="50" name="Picture 49" descr="A picture containing text, tableware, plate, dishware&#10;&#10;Description automatically generated">
+            <a:extLst>
+              <a:ext uri="{FF2B5EF4-FFF2-40B4-BE49-F238E27FC236}">
+                <a16:creationId xmlns:a16="http://schemas.microsoft.com/office/drawing/2014/main" id="{FFA8E9F3-D2A7-4199-93D0-84170A9629D5}"/>
+              </a:ext>
+            </a:extLst>
+          </p:cNvPr>
+          <p:cNvPicPr>
+            <a:picLocks noChangeAspect="1"/>
+          </p:cNvPicPr>
+          <p:nvPr/>
+        </p:nvPicPr>
+        <p:blipFill>
+          <a:blip r:embed="rId33"/>
+          <a:stretch>
+            <a:fillRect/>
+          </a:stretch>
+        </p:blipFill>
+        <p:spPr>
+          <a:xfrm>
+            <a:off x="5846460" y="5545051"/>
+            <a:ext cx="938006" cy="316789"/>
+          </a:xfrm>
+          <a:prstGeom prst="rect">
+            <a:avLst/>
+          </a:prstGeom>
+        </p:spPr>
+      </p:pic>
+      <p:pic>
+        <p:nvPicPr>
+          <p:cNvPr id="62" name="Picture 61" descr="Logo, company name&#10;&#10;Description automatically generated">
+            <a:extLst>
+              <a:ext uri="{FF2B5EF4-FFF2-40B4-BE49-F238E27FC236}">
+                <a16:creationId xmlns:a16="http://schemas.microsoft.com/office/drawing/2014/main" id="{B63466D8-D7A7-47D2-AC03-117F50ED44A8}"/>
+              </a:ext>
+            </a:extLst>
+          </p:cNvPr>
+          <p:cNvPicPr>
+            <a:picLocks noChangeAspect="1"/>
+          </p:cNvPicPr>
+          <p:nvPr/>
+        </p:nvPicPr>
+        <p:blipFill>
+          <a:blip r:embed="rId34"/>
+          <a:stretch>
+            <a:fillRect/>
+          </a:stretch>
+        </p:blipFill>
+        <p:spPr>
+          <a:xfrm>
+            <a:off x="7612035" y="6089451"/>
+            <a:ext cx="1094471" cy="368782"/>
+          </a:xfrm>
+          <a:prstGeom prst="rect">
+            <a:avLst/>
+          </a:prstGeom>
+        </p:spPr>
+      </p:pic>
+      <p:pic>
+        <p:nvPicPr>
+          <p:cNvPr id="68" name="Picture 67" descr="Logo, company name&#10;&#10;Description automatically generated">
+            <a:extLst>
+              <a:ext uri="{FF2B5EF4-FFF2-40B4-BE49-F238E27FC236}">
+                <a16:creationId xmlns:a16="http://schemas.microsoft.com/office/drawing/2014/main" id="{E6554B1E-9F64-4DD3-B4D9-8EB8369047EF}"/>
+              </a:ext>
+            </a:extLst>
+          </p:cNvPr>
+          <p:cNvPicPr>
+            <a:picLocks noChangeAspect="1"/>
+          </p:cNvPicPr>
+          <p:nvPr/>
+        </p:nvPicPr>
+        <p:blipFill>
+          <a:blip r:embed="rId35"/>
+          <a:stretch>
+            <a:fillRect/>
+          </a:stretch>
+        </p:blipFill>
+        <p:spPr>
+          <a:xfrm>
+            <a:off x="8897904" y="5505520"/>
+            <a:ext cx="1274393" cy="429608"/>
+          </a:xfrm>
+          <a:prstGeom prst="rect">
+            <a:avLst/>
+          </a:prstGeom>
+        </p:spPr>
+      </p:pic>
+      <p:pic>
+        <p:nvPicPr>
+          <p:cNvPr id="82" name="Picture 81" descr="A picture containing icon&#10;&#10;Description automatically generated">
+            <a:extLst>
+              <a:ext uri="{FF2B5EF4-FFF2-40B4-BE49-F238E27FC236}">
+                <a16:creationId xmlns:a16="http://schemas.microsoft.com/office/drawing/2014/main" id="{5A61A6CD-782C-43D0-9F20-9946AA03D74D}"/>
+              </a:ext>
+            </a:extLst>
+          </p:cNvPr>
+          <p:cNvPicPr>
+            <a:picLocks noChangeAspect="1"/>
+          </p:cNvPicPr>
+          <p:nvPr/>
+        </p:nvPicPr>
+        <p:blipFill>
+          <a:blip r:embed="rId36"/>
+          <a:stretch>
+            <a:fillRect/>
+          </a:stretch>
+        </p:blipFill>
+        <p:spPr>
+          <a:xfrm>
+            <a:off x="9258795" y="4772461"/>
+            <a:ext cx="2547386" cy="419899"/>
+          </a:xfrm>
+          <a:prstGeom prst="rect">
+            <a:avLst/>
+          </a:prstGeom>
+        </p:spPr>
+      </p:pic>
+      <p:pic>
+        <p:nvPicPr>
+          <p:cNvPr id="85" name="Picture 84" descr="Text&#10;&#10;Description automatically generated with low confidence">
+            <a:extLst>
+              <a:ext uri="{FF2B5EF4-FFF2-40B4-BE49-F238E27FC236}">
+                <a16:creationId xmlns:a16="http://schemas.microsoft.com/office/drawing/2014/main" id="{CC738E9F-C329-4BF3-ACB9-B70044E9BE01}"/>
+              </a:ext>
+            </a:extLst>
+          </p:cNvPr>
+          <p:cNvPicPr>
+            <a:picLocks noChangeAspect="1"/>
+          </p:cNvPicPr>
+          <p:nvPr/>
+        </p:nvPicPr>
+        <p:blipFill>
+          <a:blip r:embed="rId37"/>
+          <a:stretch>
+            <a:fillRect/>
+          </a:stretch>
+        </p:blipFill>
+        <p:spPr>
+          <a:xfrm>
+            <a:off x="4435041" y="6024265"/>
+            <a:ext cx="1527592" cy="517511"/>
+          </a:xfrm>
+          <a:prstGeom prst="rect">
+            <a:avLst/>
+          </a:prstGeom>
+        </p:spPr>
+      </p:pic>
+      <p:pic>
+        <p:nvPicPr>
+          <p:cNvPr id="3" name="Picture 2" descr="A picture containing text, outdoor, sign, clipart&#10;&#10;Description automatically generated">
+            <a:extLst>
+              <a:ext uri="{FF2B5EF4-FFF2-40B4-BE49-F238E27FC236}">
+                <a16:creationId xmlns:a16="http://schemas.microsoft.com/office/drawing/2014/main" id="{5B7EDD0C-3AEC-AE46-AC3B-46AC9FF566F6}"/>
+              </a:ext>
+            </a:extLst>
+          </p:cNvPr>
+          <p:cNvPicPr>
+            <a:picLocks noChangeAspect="1"/>
+          </p:cNvPicPr>
+          <p:nvPr/>
+        </p:nvPicPr>
+        <p:blipFill>
+          <a:blip r:embed="rId38"/>
+          <a:stretch>
+            <a:fillRect/>
+          </a:stretch>
+        </p:blipFill>
+        <p:spPr>
+          <a:xfrm>
+            <a:off x="9002459" y="6041953"/>
+            <a:ext cx="1094543" cy="429608"/>
+          </a:xfrm>
+          <a:prstGeom prst="rect">
+            <a:avLst/>
+          </a:prstGeom>
+        </p:spPr>
+      </p:pic>
+      <p:pic>
+        <p:nvPicPr>
+          <p:cNvPr id="1026" name="Picture 2">
+            <a:hlinkClick r:id="rId39"/>
+            <a:extLst>
+              <a:ext uri="{FF2B5EF4-FFF2-40B4-BE49-F238E27FC236}">
+                <a16:creationId xmlns:a16="http://schemas.microsoft.com/office/drawing/2014/main" id="{46F7C074-25E0-0A43-9CB8-DF0FC80C7699}"/>
+              </a:ext>
+            </a:extLst>
+          </p:cNvPr>
+          <p:cNvPicPr>
+            <a:picLocks noChangeAspect="1" noChangeArrowheads="1"/>
+          </p:cNvPicPr>
+          <p:nvPr/>
+        </p:nvPicPr>
+        <p:blipFill>
+          <a:blip r:embed="rId40">
+            <a:extLst>
+              <a:ext uri="{28A0092B-C50C-407E-A947-70E740481C1C}">
+                <a14:useLocalDpi xmlns:a14="http://schemas.microsoft.com/office/drawing/2010/main" val="0"/>
+              </a:ext>
+            </a:extLst>
+          </a:blip>
+          <a:srcRect/>
+          <a:stretch>
+            <a:fillRect/>
+          </a:stretch>
+        </p:blipFill>
+        <p:spPr bwMode="auto">
+          <a:xfrm>
+            <a:off x="10387723" y="6041953"/>
+            <a:ext cx="1447829" cy="526044"/>
+          </a:xfrm>
+          <a:prstGeom prst="rect">
+            <a:avLst/>
+          </a:prstGeom>
+          <a:noFill/>
+          <a:extLst>
+            <a:ext uri="{909E8E84-426E-40DD-AFC4-6F175D3DCCD1}">
+              <a14:hiddenFill xmlns:a14="http://schemas.microsoft.com/office/drawing/2010/main">
+                <a:solidFill>
+                  <a:srgbClr val="FFFFFF"/>
+                </a:solidFill>
+              </a14:hiddenFill>
+            </a:ext>
+          </a:extLst>
+        </p:spPr>
+      </p:pic>
+    </p:spTree>
+    <p:extLst>
+      <p:ext uri="{BB962C8B-B14F-4D97-AF65-F5344CB8AC3E}">
+        <p14:creationId xmlns:p14="http://schemas.microsoft.com/office/powerpoint/2010/main" val="4043054023"/>
+      </p:ext>
+    </p:extLst>
+  </p:cSld>
+  <p:clrMapOvr>
+    <a:masterClrMapping/>
+  </p:clrMapOvr>
+</p:sld>
+</file>
+
+<file path=ppt/slides/slide3.xml><?xml version="1.0" encoding="utf-8"?>
 <p:sld xmlns:a="http://schemas.openxmlformats.org/drawingml/2006/main" xmlns:r="http://schemas.openxmlformats.org/officeDocument/2006/relationships" xmlns:p="http://schemas.openxmlformats.org/presentationml/2006/main">
   <p:cSld>
     <p:spTree>
@@ -4201,34 +9048,34 @@
         <a:sysClr val="window" lastClr="FFFFFF"/>
       </a:lt1>
       <a:dk2>
-        <a:srgbClr val="455F51"/>
+        <a:srgbClr val="564B3C"/>
       </a:dk2>
       <a:lt2>
-        <a:srgbClr val="E2DFCC"/>
+        <a:srgbClr val="ECEDD1"/>
       </a:lt2>
       <a:accent1>
-        <a:srgbClr val="99CB38"/>
+        <a:srgbClr val="93A299"/>
       </a:accent1>
       <a:accent2>
-        <a:srgbClr val="63A537"/>
+        <a:srgbClr val="CF543F"/>
       </a:accent2>
       <a:accent3>
-        <a:srgbClr val="37A76F"/>
+        <a:srgbClr val="B5AE53"/>
       </a:accent3>
       <a:accent4>
-        <a:srgbClr val="44C1A3"/>
+        <a:srgbClr val="848058"/>
       </a:accent4>
       <a:accent5>
-        <a:srgbClr val="4EB3CF"/>
+        <a:srgbClr val="E8B54D"/>
       </a:accent5>
       <a:accent6>
-        <a:srgbClr val="51C3F9"/>
+        <a:srgbClr val="786C71"/>
       </a:accent6>
       <a:hlink>
-        <a:srgbClr val="6B9F25"/>
+        <a:srgbClr val="CCCC00"/>
       </a:hlink>
       <a:folHlink>
-        <a:srgbClr val="B26B02"/>
+        <a:srgbClr val="B2B2B2"/>
       </a:folHlink>
     </a:clrScheme>
     <a:fontScheme name="Retrospect">
@@ -4467,7 +9314,622 @@
   <a:extraClrSchemeLst/>
   <a:extLst>
     <a:ext uri="{05A4C25C-085E-4340-85A3-A5531E510DB2}">
-      <thm15:themeFamily xmlns:thm15="http://schemas.microsoft.com/office/thememl/2012/main" name="Retrospect" id="{5F128B03-DCCA-4EEB-AB3B-CF2899314A46}" vid="{D26EA377-59BD-4C9C-9D94-EE8416EE4C79}"/>
+      <thm15:themeFamily xmlns:thm15="http://schemas.microsoft.com/office/thememl/2012/main" name="Retrospect" id="{5F128B03-DCCA-4EEB-AB3B-CF2899314A46}" vid="{E3DA18C2-75F1-4980-A5F0-165F6F71DE6D}"/>
+    </a:ext>
+  </a:extLst>
+</a:theme>
+</file>
+
+<file path=ppt/theme/theme2.xml><?xml version="1.0" encoding="utf-8"?>
+<a:theme xmlns:a="http://schemas.openxmlformats.org/drawingml/2006/main" name="Office Theme">
+  <a:themeElements>
+    <a:clrScheme name="Office">
+      <a:dk1>
+        <a:sysClr val="windowText" lastClr="000000"/>
+      </a:dk1>
+      <a:lt1>
+        <a:sysClr val="window" lastClr="FFFFFF"/>
+      </a:lt1>
+      <a:dk2>
+        <a:srgbClr val="1F497D"/>
+      </a:dk2>
+      <a:lt2>
+        <a:srgbClr val="EEECE1"/>
+      </a:lt2>
+      <a:accent1>
+        <a:srgbClr val="4F81BD"/>
+      </a:accent1>
+      <a:accent2>
+        <a:srgbClr val="C0504D"/>
+      </a:accent2>
+      <a:accent3>
+        <a:srgbClr val="9BBB59"/>
+      </a:accent3>
+      <a:accent4>
+        <a:srgbClr val="8064A2"/>
+      </a:accent4>
+      <a:accent5>
+        <a:srgbClr val="4BACC6"/>
+      </a:accent5>
+      <a:accent6>
+        <a:srgbClr val="F79646"/>
+      </a:accent6>
+      <a:hlink>
+        <a:srgbClr val="0000FF"/>
+      </a:hlink>
+      <a:folHlink>
+        <a:srgbClr val="800080"/>
+      </a:folHlink>
+    </a:clrScheme>
+    <a:fontScheme name="Office">
+      <a:majorFont>
+        <a:latin typeface="Calibri"/>
+        <a:ea typeface=""/>
+        <a:cs typeface=""/>
+        <a:font script="Jpan" typeface="ＭＳ Ｐゴシック"/>
+        <a:font script="Hang" typeface="맑은 고딕"/>
+        <a:font script="Hans" typeface="宋体"/>
+        <a:font script="Hant" typeface="新細明體"/>
+        <a:font script="Arab" typeface="Times New Roman"/>
+        <a:font script="Hebr" typeface="Times New Roman"/>
+        <a:font script="Thai" typeface="Angsana New"/>
+        <a:font script="Ethi" typeface="Nyala"/>
+        <a:font script="Beng" typeface="Vrinda"/>
+        <a:font script="Gujr" typeface="Shruti"/>
+        <a:font script="Khmr" typeface="MoolBoran"/>
+        <a:font script="Knda" typeface="Tunga"/>
+        <a:font script="Guru" typeface="Raavi"/>
+        <a:font script="Cans" typeface="Euphemia"/>
+        <a:font script="Cher" typeface="Plantagenet Cherokee"/>
+        <a:font script="Yiii" typeface="Microsoft Yi Baiti"/>
+        <a:font script="Tibt" typeface="Microsoft Himalaya"/>
+        <a:font script="Thaa" typeface="MV Boli"/>
+        <a:font script="Deva" typeface="Mangal"/>
+        <a:font script="Telu" typeface="Gautami"/>
+        <a:font script="Taml" typeface="Latha"/>
+        <a:font script="Syrc" typeface="Estrangelo Edessa"/>
+        <a:font script="Orya" typeface="Kalinga"/>
+        <a:font script="Mlym" typeface="Kartika"/>
+        <a:font script="Laoo" typeface="DokChampa"/>
+        <a:font script="Sinh" typeface="Iskoola Pota"/>
+        <a:font script="Mong" typeface="Mongolian Baiti"/>
+        <a:font script="Viet" typeface="Times New Roman"/>
+        <a:font script="Uigh" typeface="Microsoft Uighur"/>
+        <a:font script="Geor" typeface="Sylfaen"/>
+      </a:majorFont>
+      <a:minorFont>
+        <a:latin typeface="Calibri"/>
+        <a:ea typeface=""/>
+        <a:cs typeface=""/>
+        <a:font script="Jpan" typeface="ＭＳ Ｐゴシック"/>
+        <a:font script="Hang" typeface="맑은 고딕"/>
+        <a:font script="Hans" typeface="宋体"/>
+        <a:font script="Hant" typeface="新細明體"/>
+        <a:font script="Arab" typeface="Arial"/>
+        <a:font script="Hebr" typeface="Arial"/>
+        <a:font script="Thai" typeface="Cordia New"/>
+        <a:font script="Ethi" typeface="Nyala"/>
+        <a:font script="Beng" typeface="Vrinda"/>
+        <a:font script="Gujr" typeface="Shruti"/>
+        <a:font script="Khmr" typeface="DaunPenh"/>
+        <a:font script="Knda" typeface="Tunga"/>
+        <a:font script="Guru" typeface="Raavi"/>
+        <a:font script="Cans" typeface="Euphemia"/>
+        <a:font script="Cher" typeface="Plantagenet Cherokee"/>
+        <a:font script="Yiii" typeface="Microsoft Yi Baiti"/>
+        <a:font script="Tibt" typeface="Microsoft Himalaya"/>
+        <a:font script="Thaa" typeface="MV Boli"/>
+        <a:font script="Deva" typeface="Mangal"/>
+        <a:font script="Telu" typeface="Gautami"/>
+        <a:font script="Taml" typeface="Latha"/>
+        <a:font script="Syrc" typeface="Estrangelo Edessa"/>
+        <a:font script="Orya" typeface="Kalinga"/>
+        <a:font script="Mlym" typeface="Kartika"/>
+        <a:font script="Laoo" typeface="DokChampa"/>
+        <a:font script="Sinh" typeface="Iskoola Pota"/>
+        <a:font script="Mong" typeface="Mongolian Baiti"/>
+        <a:font script="Viet" typeface="Arial"/>
+        <a:font script="Uigh" typeface="Microsoft Uighur"/>
+        <a:font script="Geor" typeface="Sylfaen"/>
+      </a:minorFont>
+    </a:fontScheme>
+    <a:fmtScheme name="Office">
+      <a:fillStyleLst>
+        <a:solidFill>
+          <a:schemeClr val="phClr"/>
+        </a:solidFill>
+        <a:gradFill rotWithShape="1">
+          <a:gsLst>
+            <a:gs pos="0">
+              <a:schemeClr val="phClr">
+                <a:tint val="50000"/>
+                <a:satMod val="300000"/>
+              </a:schemeClr>
+            </a:gs>
+            <a:gs pos="35000">
+              <a:schemeClr val="phClr">
+                <a:tint val="37000"/>
+                <a:satMod val="300000"/>
+              </a:schemeClr>
+            </a:gs>
+            <a:gs pos="100000">
+              <a:schemeClr val="phClr">
+                <a:tint val="15000"/>
+                <a:satMod val="350000"/>
+              </a:schemeClr>
+            </a:gs>
+          </a:gsLst>
+          <a:lin ang="16200000" scaled="1"/>
+        </a:gradFill>
+        <a:gradFill rotWithShape="1">
+          <a:gsLst>
+            <a:gs pos="0">
+              <a:schemeClr val="phClr">
+                <a:tint val="100000"/>
+                <a:shade val="100000"/>
+                <a:satMod val="130000"/>
+              </a:schemeClr>
+            </a:gs>
+            <a:gs pos="100000">
+              <a:schemeClr val="phClr">
+                <a:tint val="50000"/>
+                <a:shade val="100000"/>
+                <a:satMod val="350000"/>
+              </a:schemeClr>
+            </a:gs>
+          </a:gsLst>
+          <a:lin ang="16200000" scaled="0"/>
+        </a:gradFill>
+      </a:fillStyleLst>
+      <a:lnStyleLst>
+        <a:ln w="9525" cap="flat" cmpd="sng" algn="ctr">
+          <a:solidFill>
+            <a:schemeClr val="phClr">
+              <a:shade val="95000"/>
+              <a:satMod val="105000"/>
+            </a:schemeClr>
+          </a:solidFill>
+          <a:prstDash val="solid"/>
+        </a:ln>
+        <a:ln w="25400" cap="flat" cmpd="sng" algn="ctr">
+          <a:solidFill>
+            <a:schemeClr val="phClr"/>
+          </a:solidFill>
+          <a:prstDash val="solid"/>
+        </a:ln>
+        <a:ln w="38100" cap="flat" cmpd="sng" algn="ctr">
+          <a:solidFill>
+            <a:schemeClr val="phClr"/>
+          </a:solidFill>
+          <a:prstDash val="solid"/>
+        </a:ln>
+      </a:lnStyleLst>
+      <a:effectStyleLst>
+        <a:effectStyle>
+          <a:effectLst>
+            <a:outerShdw blurRad="40000" dist="20000" dir="5400000" rotWithShape="0">
+              <a:srgbClr val="000000">
+                <a:alpha val="38000"/>
+              </a:srgbClr>
+            </a:outerShdw>
+          </a:effectLst>
+        </a:effectStyle>
+        <a:effectStyle>
+          <a:effectLst>
+            <a:outerShdw blurRad="40000" dist="23000" dir="5400000" rotWithShape="0">
+              <a:srgbClr val="000000">
+                <a:alpha val="35000"/>
+              </a:srgbClr>
+            </a:outerShdw>
+          </a:effectLst>
+        </a:effectStyle>
+        <a:effectStyle>
+          <a:effectLst>
+            <a:outerShdw blurRad="40000" dist="23000" dir="5400000" rotWithShape="0">
+              <a:srgbClr val="000000">
+                <a:alpha val="35000"/>
+              </a:srgbClr>
+            </a:outerShdw>
+          </a:effectLst>
+          <a:scene3d>
+            <a:camera prst="orthographicFront">
+              <a:rot lat="0" lon="0" rev="0"/>
+            </a:camera>
+            <a:lightRig rig="threePt" dir="t">
+              <a:rot lat="0" lon="0" rev="1200000"/>
+            </a:lightRig>
+          </a:scene3d>
+          <a:sp3d>
+            <a:bevelT w="63500" h="25400"/>
+          </a:sp3d>
+        </a:effectStyle>
+      </a:effectStyleLst>
+      <a:bgFillStyleLst>
+        <a:solidFill>
+          <a:schemeClr val="phClr"/>
+        </a:solidFill>
+        <a:gradFill rotWithShape="1">
+          <a:gsLst>
+            <a:gs pos="0">
+              <a:schemeClr val="phClr">
+                <a:tint val="40000"/>
+                <a:satMod val="350000"/>
+              </a:schemeClr>
+            </a:gs>
+            <a:gs pos="40000">
+              <a:schemeClr val="phClr">
+                <a:tint val="45000"/>
+                <a:shade val="99000"/>
+                <a:satMod val="350000"/>
+              </a:schemeClr>
+            </a:gs>
+            <a:gs pos="100000">
+              <a:schemeClr val="phClr">
+                <a:shade val="20000"/>
+                <a:satMod val="255000"/>
+              </a:schemeClr>
+            </a:gs>
+          </a:gsLst>
+          <a:path path="circle">
+            <a:fillToRect l="50000" t="-80000" r="50000" b="180000"/>
+          </a:path>
+        </a:gradFill>
+        <a:gradFill rotWithShape="1">
+          <a:gsLst>
+            <a:gs pos="0">
+              <a:schemeClr val="phClr">
+                <a:tint val="80000"/>
+                <a:satMod val="300000"/>
+              </a:schemeClr>
+            </a:gs>
+            <a:gs pos="100000">
+              <a:schemeClr val="phClr">
+                <a:shade val="30000"/>
+                <a:satMod val="200000"/>
+              </a:schemeClr>
+            </a:gs>
+          </a:gsLst>
+          <a:path path="circle">
+            <a:fillToRect l="50000" t="50000" r="50000" b="50000"/>
+          </a:path>
+        </a:gradFill>
+      </a:bgFillStyleLst>
+    </a:fmtScheme>
+  </a:themeElements>
+  <a:objectDefaults>
+    <a:spDef>
+      <a:spPr/>
+      <a:bodyPr/>
+      <a:lstStyle/>
+      <a:style>
+        <a:lnRef idx="1">
+          <a:schemeClr val="accent1"/>
+        </a:lnRef>
+        <a:fillRef idx="3">
+          <a:schemeClr val="accent1"/>
+        </a:fillRef>
+        <a:effectRef idx="2">
+          <a:schemeClr val="accent1"/>
+        </a:effectRef>
+        <a:fontRef idx="minor">
+          <a:schemeClr val="lt1"/>
+        </a:fontRef>
+      </a:style>
+    </a:spDef>
+    <a:lnDef>
+      <a:spPr/>
+      <a:bodyPr/>
+      <a:lstStyle/>
+      <a:style>
+        <a:lnRef idx="2">
+          <a:schemeClr val="accent1"/>
+        </a:lnRef>
+        <a:fillRef idx="0">
+          <a:schemeClr val="accent1"/>
+        </a:fillRef>
+        <a:effectRef idx="1">
+          <a:schemeClr val="accent1"/>
+        </a:effectRef>
+        <a:fontRef idx="minor">
+          <a:schemeClr val="tx1"/>
+        </a:fontRef>
+      </a:style>
+    </a:lnDef>
+  </a:objectDefaults>
+  <a:extraClrSchemeLst/>
+</a:theme>
+</file>
+
+<file path=ppt/theme/theme3.xml><?xml version="1.0" encoding="utf-8"?>
+<a:theme xmlns:a="http://schemas.openxmlformats.org/drawingml/2006/main" name="Office Theme">
+  <a:themeElements>
+    <a:clrScheme name="Office">
+      <a:dk1>
+        <a:sysClr val="windowText" lastClr="000000"/>
+      </a:dk1>
+      <a:lt1>
+        <a:sysClr val="window" lastClr="FFFFFF"/>
+      </a:lt1>
+      <a:dk2>
+        <a:srgbClr val="44546A"/>
+      </a:dk2>
+      <a:lt2>
+        <a:srgbClr val="E7E6E6"/>
+      </a:lt2>
+      <a:accent1>
+        <a:srgbClr val="4472C4"/>
+      </a:accent1>
+      <a:accent2>
+        <a:srgbClr val="ED7D31"/>
+      </a:accent2>
+      <a:accent3>
+        <a:srgbClr val="A5A5A5"/>
+      </a:accent3>
+      <a:accent4>
+        <a:srgbClr val="FFC000"/>
+      </a:accent4>
+      <a:accent5>
+        <a:srgbClr val="5B9BD5"/>
+      </a:accent5>
+      <a:accent6>
+        <a:srgbClr val="70AD47"/>
+      </a:accent6>
+      <a:hlink>
+        <a:srgbClr val="0563C1"/>
+      </a:hlink>
+      <a:folHlink>
+        <a:srgbClr val="954F72"/>
+      </a:folHlink>
+    </a:clrScheme>
+    <a:fontScheme name="Office">
+      <a:majorFont>
+        <a:latin typeface="Calibri Light" panose="020F0302020204030204"/>
+        <a:ea typeface=""/>
+        <a:cs typeface=""/>
+        <a:font script="Jpan" typeface="游ゴシック Light"/>
+        <a:font script="Hang" typeface="맑은 고딕"/>
+        <a:font script="Hans" typeface="等线 Light"/>
+        <a:font script="Hant" typeface="新細明體"/>
+        <a:font script="Arab" typeface="Times New Roman"/>
+        <a:font script="Hebr" typeface="Times New Roman"/>
+        <a:font script="Thai" typeface="Angsana New"/>
+        <a:font script="Ethi" typeface="Nyala"/>
+        <a:font script="Beng" typeface="Vrinda"/>
+        <a:font script="Gujr" typeface="Shruti"/>
+        <a:font script="Khmr" typeface="MoolBoran"/>
+        <a:font script="Knda" typeface="Tunga"/>
+        <a:font script="Guru" typeface="Raavi"/>
+        <a:font script="Cans" typeface="Euphemia"/>
+        <a:font script="Cher" typeface="Plantagenet Cherokee"/>
+        <a:font script="Yiii" typeface="Microsoft Yi Baiti"/>
+        <a:font script="Tibt" typeface="Microsoft Himalaya"/>
+        <a:font script="Thaa" typeface="MV Boli"/>
+        <a:font script="Deva" typeface="Mangal"/>
+        <a:font script="Telu" typeface="Gautami"/>
+        <a:font script="Taml" typeface="Latha"/>
+        <a:font script="Syrc" typeface="Estrangelo Edessa"/>
+        <a:font script="Orya" typeface="Kalinga"/>
+        <a:font script="Mlym" typeface="Kartika"/>
+        <a:font script="Laoo" typeface="DokChampa"/>
+        <a:font script="Sinh" typeface="Iskoola Pota"/>
+        <a:font script="Mong" typeface="Mongolian Baiti"/>
+        <a:font script="Viet" typeface="Times New Roman"/>
+        <a:font script="Uigh" typeface="Microsoft Uighur"/>
+        <a:font script="Geor" typeface="Sylfaen"/>
+        <a:font script="Armn" typeface="Arial"/>
+        <a:font script="Bugi" typeface="Leelawadee UI"/>
+        <a:font script="Bopo" typeface="Microsoft JhengHei"/>
+        <a:font script="Java" typeface="Javanese Text"/>
+        <a:font script="Lisu" typeface="Segoe UI"/>
+        <a:font script="Mymr" typeface="Myanmar Text"/>
+        <a:font script="Nkoo" typeface="Ebrima"/>
+        <a:font script="Olck" typeface="Nirmala UI"/>
+        <a:font script="Osma" typeface="Ebrima"/>
+        <a:font script="Phag" typeface="Phagspa"/>
+        <a:font script="Syrn" typeface="Estrangelo Edessa"/>
+        <a:font script="Syrj" typeface="Estrangelo Edessa"/>
+        <a:font script="Syre" typeface="Estrangelo Edessa"/>
+        <a:font script="Sora" typeface="Nirmala UI"/>
+        <a:font script="Tale" typeface="Microsoft Tai Le"/>
+        <a:font script="Talu" typeface="Microsoft New Tai Lue"/>
+        <a:font script="Tfng" typeface="Ebrima"/>
+      </a:majorFont>
+      <a:minorFont>
+        <a:latin typeface="Calibri" panose="020F0502020204030204"/>
+        <a:ea typeface=""/>
+        <a:cs typeface=""/>
+        <a:font script="Jpan" typeface="游ゴシック"/>
+        <a:font script="Hang" typeface="맑은 고딕"/>
+        <a:font script="Hans" typeface="等线"/>
+        <a:font script="Hant" typeface="新細明體"/>
+        <a:font script="Arab" typeface="Arial"/>
+        <a:font script="Hebr" typeface="Arial"/>
+        <a:font script="Thai" typeface="Cordia New"/>
+        <a:font script="Ethi" typeface="Nyala"/>
+        <a:font script="Beng" typeface="Vrinda"/>
+        <a:font script="Gujr" typeface="Shruti"/>
+        <a:font script="Khmr" typeface="DaunPenh"/>
+        <a:font script="Knda" typeface="Tunga"/>
+        <a:font script="Guru" typeface="Raavi"/>
+        <a:font script="Cans" typeface="Euphemia"/>
+        <a:font script="Cher" typeface="Plantagenet Cherokee"/>
+        <a:font script="Yiii" typeface="Microsoft Yi Baiti"/>
+        <a:font script="Tibt" typeface="Microsoft Himalaya"/>
+        <a:font script="Thaa" typeface="MV Boli"/>
+        <a:font script="Deva" typeface="Mangal"/>
+        <a:font script="Telu" typeface="Gautami"/>
+        <a:font script="Taml" typeface="Latha"/>
+        <a:font script="Syrc" typeface="Estrangelo Edessa"/>
+        <a:font script="Orya" typeface="Kalinga"/>
+        <a:font script="Mlym" typeface="Kartika"/>
+        <a:font script="Laoo" typeface="DokChampa"/>
+        <a:font script="Sinh" typeface="Iskoola Pota"/>
+        <a:font script="Mong" typeface="Mongolian Baiti"/>
+        <a:font script="Viet" typeface="Arial"/>
+        <a:font script="Uigh" typeface="Microsoft Uighur"/>
+        <a:font script="Geor" typeface="Sylfaen"/>
+        <a:font script="Armn" typeface="Arial"/>
+        <a:font script="Bugi" typeface="Leelawadee UI"/>
+        <a:font script="Bopo" typeface="Microsoft JhengHei"/>
+        <a:font script="Java" typeface="Javanese Text"/>
+        <a:font script="Lisu" typeface="Segoe UI"/>
+        <a:font script="Mymr" typeface="Myanmar Text"/>
+        <a:font script="Nkoo" typeface="Ebrima"/>
+        <a:font script="Olck" typeface="Nirmala UI"/>
+        <a:font script="Osma" typeface="Ebrima"/>
+        <a:font script="Phag" typeface="Phagspa"/>
+        <a:font script="Syrn" typeface="Estrangelo Edessa"/>
+        <a:font script="Syrj" typeface="Estrangelo Edessa"/>
+        <a:font script="Syre" typeface="Estrangelo Edessa"/>
+        <a:font script="Sora" typeface="Nirmala UI"/>
+        <a:font script="Tale" typeface="Microsoft Tai Le"/>
+        <a:font script="Talu" typeface="Microsoft New Tai Lue"/>
+        <a:font script="Tfng" typeface="Ebrima"/>
+      </a:minorFont>
+    </a:fontScheme>
+    <a:fmtScheme name="Office">
+      <a:fillStyleLst>
+        <a:solidFill>
+          <a:schemeClr val="phClr"/>
+        </a:solidFill>
+        <a:gradFill rotWithShape="1">
+          <a:gsLst>
+            <a:gs pos="0">
+              <a:schemeClr val="phClr">
+                <a:lumMod val="110000"/>
+                <a:satMod val="105000"/>
+                <a:tint val="67000"/>
+              </a:schemeClr>
+            </a:gs>
+            <a:gs pos="50000">
+              <a:schemeClr val="phClr">
+                <a:lumMod val="105000"/>
+                <a:satMod val="103000"/>
+                <a:tint val="73000"/>
+              </a:schemeClr>
+            </a:gs>
+            <a:gs pos="100000">
+              <a:schemeClr val="phClr">
+                <a:lumMod val="105000"/>
+                <a:satMod val="109000"/>
+                <a:tint val="81000"/>
+              </a:schemeClr>
+            </a:gs>
+          </a:gsLst>
+          <a:lin ang="5400000" scaled="0"/>
+        </a:gradFill>
+        <a:gradFill rotWithShape="1">
+          <a:gsLst>
+            <a:gs pos="0">
+              <a:schemeClr val="phClr">
+                <a:satMod val="103000"/>
+                <a:lumMod val="102000"/>
+                <a:tint val="94000"/>
+              </a:schemeClr>
+            </a:gs>
+            <a:gs pos="50000">
+              <a:schemeClr val="phClr">
+                <a:satMod val="110000"/>
+                <a:lumMod val="100000"/>
+                <a:shade val="100000"/>
+              </a:schemeClr>
+            </a:gs>
+            <a:gs pos="100000">
+              <a:schemeClr val="phClr">
+                <a:lumMod val="99000"/>
+                <a:satMod val="120000"/>
+                <a:shade val="78000"/>
+              </a:schemeClr>
+            </a:gs>
+          </a:gsLst>
+          <a:lin ang="5400000" scaled="0"/>
+        </a:gradFill>
+      </a:fillStyleLst>
+      <a:lnStyleLst>
+        <a:ln w="6350" cap="flat" cmpd="sng" algn="ctr">
+          <a:solidFill>
+            <a:schemeClr val="phClr"/>
+          </a:solidFill>
+          <a:prstDash val="solid"/>
+          <a:miter lim="800000"/>
+        </a:ln>
+        <a:ln w="12700" cap="flat" cmpd="sng" algn="ctr">
+          <a:solidFill>
+            <a:schemeClr val="phClr"/>
+          </a:solidFill>
+          <a:prstDash val="solid"/>
+          <a:miter lim="800000"/>
+        </a:ln>
+        <a:ln w="19050" cap="flat" cmpd="sng" algn="ctr">
+          <a:solidFill>
+            <a:schemeClr val="phClr"/>
+          </a:solidFill>
+          <a:prstDash val="solid"/>
+          <a:miter lim="800000"/>
+        </a:ln>
+      </a:lnStyleLst>
+      <a:effectStyleLst>
+        <a:effectStyle>
+          <a:effectLst/>
+        </a:effectStyle>
+        <a:effectStyle>
+          <a:effectLst/>
+        </a:effectStyle>
+        <a:effectStyle>
+          <a:effectLst>
+            <a:outerShdw blurRad="57150" dist="19050" dir="5400000" algn="ctr" rotWithShape="0">
+              <a:srgbClr val="000000">
+                <a:alpha val="63000"/>
+              </a:srgbClr>
+            </a:outerShdw>
+          </a:effectLst>
+        </a:effectStyle>
+      </a:effectStyleLst>
+      <a:bgFillStyleLst>
+        <a:solidFill>
+          <a:schemeClr val="phClr"/>
+        </a:solidFill>
+        <a:solidFill>
+          <a:schemeClr val="phClr">
+            <a:tint val="95000"/>
+            <a:satMod val="170000"/>
+          </a:schemeClr>
+        </a:solidFill>
+        <a:gradFill rotWithShape="1">
+          <a:gsLst>
+            <a:gs pos="0">
+              <a:schemeClr val="phClr">
+                <a:tint val="93000"/>
+                <a:satMod val="150000"/>
+                <a:shade val="98000"/>
+                <a:lumMod val="102000"/>
+              </a:schemeClr>
+            </a:gs>
+            <a:gs pos="50000">
+              <a:schemeClr val="phClr">
+                <a:tint val="98000"/>
+                <a:satMod val="130000"/>
+                <a:shade val="90000"/>
+                <a:lumMod val="103000"/>
+              </a:schemeClr>
+            </a:gs>
+            <a:gs pos="100000">
+              <a:schemeClr val="phClr">
+                <a:shade val="63000"/>
+                <a:satMod val="120000"/>
+              </a:schemeClr>
+            </a:gs>
+          </a:gsLst>
+          <a:lin ang="5400000" scaled="0"/>
+        </a:gradFill>
+      </a:bgFillStyleLst>
+    </a:fmtScheme>
+  </a:themeElements>
+  <a:objectDefaults/>
+  <a:extraClrSchemeLst/>
+  <a:extLst>
+    <a:ext uri="{05A4C25C-085E-4340-85A3-A5531E510DB2}">
+      <thm15:themeFamily xmlns:thm15="http://schemas.microsoft.com/office/thememl/2012/main" name="Office Theme" id="{62F939B6-93AF-4DB8-9C6B-D6C7DFDC589F}" vid="{4A3C46E8-61CC-4603-A589-7422A47A8E4A}"/>
     </a:ext>
   </a:extLst>
 </a:theme>

--- a/module-1/01-01 What is a Web API/01-01 What is a Web API.pptx
+++ b/module-1/01-01 What is a Web API/01-01 What is a Web API.pptx
@@ -3,13 +3,15 @@
 <p:presentation xmlns:a="http://schemas.openxmlformats.org/drawingml/2006/main" xmlns:r="http://schemas.openxmlformats.org/officeDocument/2006/relationships" xmlns:p="http://schemas.openxmlformats.org/presentationml/2006/main" saveSubsetFonts="1">
   <p:sldMasterIdLst>
     <p:sldMasterId id="2147483696" r:id="rId1"/>
+    <p:sldMasterId id="2147483708" r:id="rId2"/>
   </p:sldMasterIdLst>
   <p:notesMasterIdLst>
-    <p:notesMasterId r:id="rId4"/>
+    <p:notesMasterId r:id="rId6"/>
   </p:notesMasterIdLst>
   <p:sldIdLst>
-    <p:sldId id="256" r:id="rId2"/>
-    <p:sldId id="257" r:id="rId3"/>
+    <p:sldId id="261" r:id="rId3"/>
+    <p:sldId id="256" r:id="rId4"/>
+    <p:sldId id="257" r:id="rId5"/>
   </p:sldIdLst>
   <p:sldSz cx="12192000" cy="6858000"/>
   <p:notesSz cx="6858000" cy="9144000"/>
@@ -198,7 +200,7 @@
           <a:p>
             <a:fld id="{80461A19-0AC6-45CE-9936-8ED2930E5154}" type="datetimeFigureOut">
               <a:rPr lang="en-US" smtClean="0"/>
-              <a:t>9/15/2021</a:t>
+              <a:t>9/22/2021</a:t>
             </a:fld>
             <a:endParaRPr lang="en-US"/>
           </a:p>
@@ -465,6 +467,158 @@
 </p:notesMaster>
 </file>
 
+<file path=ppt/notesSlides/notesSlide1.xml><?xml version="1.0" encoding="utf-8"?>
+<p:notes xmlns:a="http://schemas.openxmlformats.org/drawingml/2006/main" xmlns:r="http://schemas.openxmlformats.org/officeDocument/2006/relationships" xmlns:p="http://schemas.openxmlformats.org/presentationml/2006/main">
+  <p:cSld>
+    <p:spTree>
+      <p:nvGrpSpPr>
+        <p:cNvPr id="1" name=""/>
+        <p:cNvGrpSpPr/>
+        <p:nvPr/>
+      </p:nvGrpSpPr>
+      <p:grpSpPr>
+        <a:xfrm>
+          <a:off x="0" y="0"/>
+          <a:ext cx="0" cy="0"/>
+          <a:chOff x="0" y="0"/>
+          <a:chExt cx="0" cy="0"/>
+        </a:xfrm>
+      </p:grpSpPr>
+      <p:sp>
+        <p:nvSpPr>
+          <p:cNvPr id="2" name="Slide Image Placeholder 1"/>
+          <p:cNvSpPr>
+            <a:spLocks noGrp="1" noRot="1" noChangeAspect="1"/>
+          </p:cNvSpPr>
+          <p:nvPr>
+            <p:ph type="sldImg"/>
+          </p:nvPr>
+        </p:nvSpPr>
+        <p:spPr/>
+      </p:sp>
+      <p:sp>
+        <p:nvSpPr>
+          <p:cNvPr id="3" name="Notes Placeholder 2"/>
+          <p:cNvSpPr>
+            <a:spLocks noGrp="1"/>
+          </p:cNvSpPr>
+          <p:nvPr>
+            <p:ph type="body" idx="1"/>
+          </p:nvPr>
+        </p:nvSpPr>
+        <p:spPr/>
+        <p:txBody>
+          <a:bodyPr/>
+          <a:lstStyle/>
+          <a:p>
+            <a:endParaRPr lang="en-US" dirty="0"/>
+          </a:p>
+        </p:txBody>
+      </p:sp>
+      <p:sp>
+        <p:nvSpPr>
+          <p:cNvPr id="4" name="Slide Number Placeholder 3"/>
+          <p:cNvSpPr>
+            <a:spLocks noGrp="1"/>
+          </p:cNvSpPr>
+          <p:nvPr>
+            <p:ph type="sldNum" sz="quarter" idx="10"/>
+          </p:nvPr>
+        </p:nvSpPr>
+        <p:spPr>
+          <a:xfrm>
+            <a:off x="3884613" y="8685213"/>
+            <a:ext cx="2971800" cy="457200"/>
+          </a:xfrm>
+          <a:prstGeom prst="rect">
+            <a:avLst/>
+          </a:prstGeom>
+        </p:spPr>
+        <p:txBody>
+          <a:bodyPr/>
+          <a:lstStyle/>
+          <a:p>
+            <a:pPr marL="0" marR="0" lvl="0" indent="0" algn="l" defTabSz="914400" rtl="0" eaLnBrk="1" fontAlgn="auto" latinLnBrk="0" hangingPunct="1">
+              <a:lnSpc>
+                <a:spcPct val="100000"/>
+              </a:lnSpc>
+              <a:spcBef>
+                <a:spcPts val="0"/>
+              </a:spcBef>
+              <a:spcAft>
+                <a:spcPts val="0"/>
+              </a:spcAft>
+              <a:buClrTx/>
+              <a:buSzTx/>
+              <a:buFontTx/>
+              <a:buNone/>
+              <a:tabLst/>
+              <a:defRPr/>
+            </a:pPr>
+            <a:fld id="{DE326DE0-BACA-4EA0-B73F-CC7DC1D7F4A1}" type="slidenum">
+              <a:rPr kumimoji="0" lang="en-US" sz="1800" b="0" i="0" u="none" strike="noStrike" kern="1200" cap="none" spc="0" normalizeH="0" baseline="0" noProof="0" smtClean="0">
+                <a:ln>
+                  <a:noFill/>
+                </a:ln>
+                <a:solidFill>
+                  <a:prstClr val="black"/>
+                </a:solidFill>
+                <a:effectLst/>
+                <a:uLnTx/>
+                <a:uFillTx/>
+                <a:latin typeface="Calibri"/>
+                <a:ea typeface="+mn-ea"/>
+                <a:cs typeface="+mn-cs"/>
+              </a:rPr>
+              <a:pPr marL="0" marR="0" lvl="0" indent="0" algn="l" defTabSz="914400" rtl="0" eaLnBrk="1" fontAlgn="auto" latinLnBrk="0" hangingPunct="1">
+                <a:lnSpc>
+                  <a:spcPct val="100000"/>
+                </a:lnSpc>
+                <a:spcBef>
+                  <a:spcPts val="0"/>
+                </a:spcBef>
+                <a:spcAft>
+                  <a:spcPts val="0"/>
+                </a:spcAft>
+                <a:buClrTx/>
+                <a:buSzTx/>
+                <a:buFontTx/>
+                <a:buNone/>
+                <a:tabLst/>
+                <a:defRPr/>
+              </a:pPr>
+              <a:t>1</a:t>
+            </a:fld>
+            <a:endParaRPr kumimoji="0" lang="en-US" sz="1800" b="0" i="0" u="none" strike="noStrike" kern="1200" cap="none" spc="0" normalizeH="0" baseline="0" noProof="0">
+              <a:ln>
+                <a:noFill/>
+              </a:ln>
+              <a:solidFill>
+                <a:prstClr val="black"/>
+              </a:solidFill>
+              <a:effectLst/>
+              <a:uLnTx/>
+              <a:uFillTx/>
+              <a:latin typeface="Calibri"/>
+              <a:ea typeface="+mn-ea"/>
+              <a:cs typeface="+mn-cs"/>
+            </a:endParaRPr>
+          </a:p>
+        </p:txBody>
+      </p:sp>
+    </p:spTree>
+    <p:extLst>
+      <p:ext uri="{BB962C8B-B14F-4D97-AF65-F5344CB8AC3E}">
+        <p14:creationId xmlns:p14="http://schemas.microsoft.com/office/powerpoint/2010/main" val="4261198586"/>
+      </p:ext>
+    </p:extLst>
+  </p:cSld>
+  <p:clrMapOvr>
+    <a:masterClrMapping/>
+  </p:clrMapOvr>
+</p:notes>
+</file>
+
 <file path=ppt/slideLayouts/slideLayout1.xml><?xml version="1.0" encoding="utf-8"?>
 <p:sldLayout xmlns:a="http://schemas.openxmlformats.org/drawingml/2006/main" xmlns:r="http://schemas.openxmlformats.org/officeDocument/2006/relationships" xmlns:p="http://schemas.openxmlformats.org/presentationml/2006/main" showMasterSp="0" type="title" preserve="1">
   <p:cSld name="Title Slide">
@@ -693,7 +847,7 @@
           <a:p>
             <a:fld id="{C70E03BD-25A7-4674-8CC2-6C56BFB98E22}" type="datetimeFigureOut">
               <a:rPr lang="en-US" smtClean="0"/>
-              <a:t>9/15/2021</a:t>
+              <a:t>9/22/2021</a:t>
             </a:fld>
             <a:endParaRPr lang="en-US"/>
           </a:p>
@@ -901,7 +1055,7 @@
           <a:p>
             <a:fld id="{C70E03BD-25A7-4674-8CC2-6C56BFB98E22}" type="datetimeFigureOut">
               <a:rPr lang="en-US" smtClean="0"/>
-              <a:t>9/15/2021</a:t>
+              <a:t>9/22/2021</a:t>
             </a:fld>
             <a:endParaRPr lang="en-US"/>
           </a:p>
@@ -1159,7 +1313,7 @@
           <a:p>
             <a:fld id="{C70E03BD-25A7-4674-8CC2-6C56BFB98E22}" type="datetimeFigureOut">
               <a:rPr lang="en-US" smtClean="0"/>
-              <a:t>9/15/2021</a:t>
+              <a:t>9/22/2021</a:t>
             </a:fld>
             <a:endParaRPr lang="en-US"/>
           </a:p>
@@ -1211,6 +1365,1850 @@
     <p:extLst>
       <p:ext uri="{BB962C8B-B14F-4D97-AF65-F5344CB8AC3E}">
         <p14:creationId xmlns:p14="http://schemas.microsoft.com/office/powerpoint/2010/main" val="1678777857"/>
+      </p:ext>
+    </p:extLst>
+  </p:cSld>
+  <p:clrMapOvr>
+    <a:masterClrMapping/>
+  </p:clrMapOvr>
+</p:sldLayout>
+</file>
+
+<file path=ppt/slideLayouts/slideLayout12.xml><?xml version="1.0" encoding="utf-8"?>
+<p:sldLayout xmlns:a="http://schemas.openxmlformats.org/drawingml/2006/main" xmlns:r="http://schemas.openxmlformats.org/officeDocument/2006/relationships" xmlns:p="http://schemas.openxmlformats.org/presentationml/2006/main" type="title" preserve="1">
+  <p:cSld name="Title Slide">
+    <p:spTree>
+      <p:nvGrpSpPr>
+        <p:cNvPr id="1" name=""/>
+        <p:cNvGrpSpPr/>
+        <p:nvPr/>
+      </p:nvGrpSpPr>
+      <p:grpSpPr>
+        <a:xfrm>
+          <a:off x="0" y="0"/>
+          <a:ext cx="0" cy="0"/>
+          <a:chOff x="0" y="0"/>
+          <a:chExt cx="0" cy="0"/>
+        </a:xfrm>
+      </p:grpSpPr>
+      <p:sp>
+        <p:nvSpPr>
+          <p:cNvPr id="2" name="Title 1"/>
+          <p:cNvSpPr>
+            <a:spLocks noGrp="1"/>
+          </p:cNvSpPr>
+          <p:nvPr>
+            <p:ph type="ctrTitle"/>
+          </p:nvPr>
+        </p:nvSpPr>
+        <p:spPr>
+          <a:xfrm>
+            <a:off x="914400" y="2131485"/>
+            <a:ext cx="10363200" cy="1468967"/>
+          </a:xfrm>
+        </p:spPr>
+        <p:txBody>
+          <a:bodyPr/>
+          <a:lstStyle/>
+          <a:p>
+            <a:r>
+              <a:rPr lang="en-US"/>
+              <a:t>Click to edit Master title style</a:t>
+            </a:r>
+          </a:p>
+        </p:txBody>
+      </p:sp>
+      <p:sp>
+        <p:nvSpPr>
+          <p:cNvPr id="3" name="Subtitle 2"/>
+          <p:cNvSpPr>
+            <a:spLocks noGrp="1"/>
+          </p:cNvSpPr>
+          <p:nvPr>
+            <p:ph type="subTitle" idx="1"/>
+          </p:nvPr>
+        </p:nvSpPr>
+        <p:spPr>
+          <a:xfrm>
+            <a:off x="1828800" y="3886200"/>
+            <a:ext cx="8534400" cy="1752600"/>
+          </a:xfrm>
+        </p:spPr>
+        <p:txBody>
+          <a:bodyPr/>
+          <a:lstStyle>
+            <a:lvl1pPr marL="0" indent="0" algn="ctr">
+              <a:buNone/>
+              <a:defRPr>
+                <a:solidFill>
+                  <a:schemeClr val="tx1">
+                    <a:tint val="75000"/>
+                  </a:schemeClr>
+                </a:solidFill>
+              </a:defRPr>
+            </a:lvl1pPr>
+            <a:lvl2pPr marL="609585" indent="0" algn="ctr">
+              <a:buNone/>
+              <a:defRPr>
+                <a:solidFill>
+                  <a:schemeClr val="tx1">
+                    <a:tint val="75000"/>
+                  </a:schemeClr>
+                </a:solidFill>
+              </a:defRPr>
+            </a:lvl2pPr>
+            <a:lvl3pPr marL="1219170" indent="0" algn="ctr">
+              <a:buNone/>
+              <a:defRPr>
+                <a:solidFill>
+                  <a:schemeClr val="tx1">
+                    <a:tint val="75000"/>
+                  </a:schemeClr>
+                </a:solidFill>
+              </a:defRPr>
+            </a:lvl3pPr>
+            <a:lvl4pPr marL="1828754" indent="0" algn="ctr">
+              <a:buNone/>
+              <a:defRPr>
+                <a:solidFill>
+                  <a:schemeClr val="tx1">
+                    <a:tint val="75000"/>
+                  </a:schemeClr>
+                </a:solidFill>
+              </a:defRPr>
+            </a:lvl4pPr>
+            <a:lvl5pPr marL="2438339" indent="0" algn="ctr">
+              <a:buNone/>
+              <a:defRPr>
+                <a:solidFill>
+                  <a:schemeClr val="tx1">
+                    <a:tint val="75000"/>
+                  </a:schemeClr>
+                </a:solidFill>
+              </a:defRPr>
+            </a:lvl5pPr>
+            <a:lvl6pPr marL="3047924" indent="0" algn="ctr">
+              <a:buNone/>
+              <a:defRPr>
+                <a:solidFill>
+                  <a:schemeClr val="tx1">
+                    <a:tint val="75000"/>
+                  </a:schemeClr>
+                </a:solidFill>
+              </a:defRPr>
+            </a:lvl6pPr>
+            <a:lvl7pPr marL="3657509" indent="0" algn="ctr">
+              <a:buNone/>
+              <a:defRPr>
+                <a:solidFill>
+                  <a:schemeClr val="tx1">
+                    <a:tint val="75000"/>
+                  </a:schemeClr>
+                </a:solidFill>
+              </a:defRPr>
+            </a:lvl7pPr>
+            <a:lvl8pPr marL="4267093" indent="0" algn="ctr">
+              <a:buNone/>
+              <a:defRPr>
+                <a:solidFill>
+                  <a:schemeClr val="tx1">
+                    <a:tint val="75000"/>
+                  </a:schemeClr>
+                </a:solidFill>
+              </a:defRPr>
+            </a:lvl8pPr>
+            <a:lvl9pPr marL="4876678" indent="0" algn="ctr">
+              <a:buNone/>
+              <a:defRPr>
+                <a:solidFill>
+                  <a:schemeClr val="tx1">
+                    <a:tint val="75000"/>
+                  </a:schemeClr>
+                </a:solidFill>
+              </a:defRPr>
+            </a:lvl9pPr>
+          </a:lstStyle>
+          <a:p>
+            <a:r>
+              <a:rPr lang="en-US"/>
+              <a:t>Click to edit Master subtitle style</a:t>
+            </a:r>
+          </a:p>
+        </p:txBody>
+      </p:sp>
+      <p:sp>
+        <p:nvSpPr>
+          <p:cNvPr id="4" name="Date Placeholder 3"/>
+          <p:cNvSpPr>
+            <a:spLocks noGrp="1"/>
+          </p:cNvSpPr>
+          <p:nvPr>
+            <p:ph type="dt" sz="half" idx="10"/>
+          </p:nvPr>
+        </p:nvSpPr>
+        <p:spPr/>
+        <p:txBody>
+          <a:bodyPr/>
+          <a:lstStyle/>
+          <a:p>
+            <a:fld id="{D088F999-7A4E-6B4F-9FED-EF75B73AD044}" type="datetimeFigureOut">
+              <a:rPr lang="en-US" smtClean="0"/>
+              <a:t>9/22/2021</a:t>
+            </a:fld>
+            <a:endParaRPr lang="en-US"/>
+          </a:p>
+        </p:txBody>
+      </p:sp>
+      <p:sp>
+        <p:nvSpPr>
+          <p:cNvPr id="5" name="Footer Placeholder 4"/>
+          <p:cNvSpPr>
+            <a:spLocks noGrp="1"/>
+          </p:cNvSpPr>
+          <p:nvPr>
+            <p:ph type="ftr" sz="quarter" idx="11"/>
+          </p:nvPr>
+        </p:nvSpPr>
+        <p:spPr/>
+        <p:txBody>
+          <a:bodyPr/>
+          <a:lstStyle/>
+          <a:p>
+            <a:endParaRPr lang="en-US"/>
+          </a:p>
+        </p:txBody>
+      </p:sp>
+      <p:sp>
+        <p:nvSpPr>
+          <p:cNvPr id="6" name="Slide Number Placeholder 5"/>
+          <p:cNvSpPr>
+            <a:spLocks noGrp="1"/>
+          </p:cNvSpPr>
+          <p:nvPr>
+            <p:ph type="sldNum" sz="quarter" idx="12"/>
+          </p:nvPr>
+        </p:nvSpPr>
+        <p:spPr/>
+        <p:txBody>
+          <a:bodyPr/>
+          <a:lstStyle/>
+          <a:p>
+            <a:fld id="{5D024AAD-DF78-DE44-A1F3-EEB19EDC9165}" type="slidenum">
+              <a:rPr lang="en-US" smtClean="0"/>
+              <a:t>‹#›</a:t>
+            </a:fld>
+            <a:endParaRPr lang="en-US"/>
+          </a:p>
+        </p:txBody>
+      </p:sp>
+    </p:spTree>
+    <p:extLst>
+      <p:ext uri="{BB962C8B-B14F-4D97-AF65-F5344CB8AC3E}">
+        <p14:creationId xmlns:p14="http://schemas.microsoft.com/office/powerpoint/2010/main" val="423016879"/>
+      </p:ext>
+    </p:extLst>
+  </p:cSld>
+  <p:clrMapOvr>
+    <a:masterClrMapping/>
+  </p:clrMapOvr>
+</p:sldLayout>
+</file>
+
+<file path=ppt/slideLayouts/slideLayout13.xml><?xml version="1.0" encoding="utf-8"?>
+<p:sldLayout xmlns:a="http://schemas.openxmlformats.org/drawingml/2006/main" xmlns:r="http://schemas.openxmlformats.org/officeDocument/2006/relationships" xmlns:p="http://schemas.openxmlformats.org/presentationml/2006/main" type="obj" preserve="1">
+  <p:cSld name="Title and Content">
+    <p:spTree>
+      <p:nvGrpSpPr>
+        <p:cNvPr id="1" name=""/>
+        <p:cNvGrpSpPr/>
+        <p:nvPr/>
+      </p:nvGrpSpPr>
+      <p:grpSpPr>
+        <a:xfrm>
+          <a:off x="0" y="0"/>
+          <a:ext cx="0" cy="0"/>
+          <a:chOff x="0" y="0"/>
+          <a:chExt cx="0" cy="0"/>
+        </a:xfrm>
+      </p:grpSpPr>
+      <p:sp>
+        <p:nvSpPr>
+          <p:cNvPr id="2" name="Title 1"/>
+          <p:cNvSpPr>
+            <a:spLocks noGrp="1"/>
+          </p:cNvSpPr>
+          <p:nvPr>
+            <p:ph type="title"/>
+          </p:nvPr>
+        </p:nvSpPr>
+        <p:spPr/>
+        <p:txBody>
+          <a:bodyPr/>
+          <a:lstStyle/>
+          <a:p>
+            <a:r>
+              <a:rPr lang="en-US"/>
+              <a:t>Click to edit Master title style</a:t>
+            </a:r>
+          </a:p>
+        </p:txBody>
+      </p:sp>
+      <p:sp>
+        <p:nvSpPr>
+          <p:cNvPr id="3" name="Content Placeholder 2"/>
+          <p:cNvSpPr>
+            <a:spLocks noGrp="1"/>
+          </p:cNvSpPr>
+          <p:nvPr>
+            <p:ph idx="1"/>
+          </p:nvPr>
+        </p:nvSpPr>
+        <p:spPr/>
+        <p:txBody>
+          <a:bodyPr/>
+          <a:lstStyle/>
+          <a:p>
+            <a:pPr lvl="0"/>
+            <a:r>
+              <a:rPr lang="en-US"/>
+              <a:t>Click to edit Master text styles</a:t>
+            </a:r>
+          </a:p>
+          <a:p>
+            <a:pPr lvl="1"/>
+            <a:r>
+              <a:rPr lang="en-US"/>
+              <a:t>Second level</a:t>
+            </a:r>
+          </a:p>
+          <a:p>
+            <a:pPr lvl="2"/>
+            <a:r>
+              <a:rPr lang="en-US"/>
+              <a:t>Third level</a:t>
+            </a:r>
+          </a:p>
+          <a:p>
+            <a:pPr lvl="3"/>
+            <a:r>
+              <a:rPr lang="en-US"/>
+              <a:t>Fourth level</a:t>
+            </a:r>
+          </a:p>
+          <a:p>
+            <a:pPr lvl="4"/>
+            <a:r>
+              <a:rPr lang="en-US"/>
+              <a:t>Fifth level</a:t>
+            </a:r>
+          </a:p>
+        </p:txBody>
+      </p:sp>
+      <p:sp>
+        <p:nvSpPr>
+          <p:cNvPr id="4" name="Date Placeholder 3"/>
+          <p:cNvSpPr>
+            <a:spLocks noGrp="1"/>
+          </p:cNvSpPr>
+          <p:nvPr>
+            <p:ph type="dt" sz="half" idx="10"/>
+          </p:nvPr>
+        </p:nvSpPr>
+        <p:spPr/>
+        <p:txBody>
+          <a:bodyPr/>
+          <a:lstStyle/>
+          <a:p>
+            <a:fld id="{D088F999-7A4E-6B4F-9FED-EF75B73AD044}" type="datetimeFigureOut">
+              <a:rPr lang="en-US" smtClean="0"/>
+              <a:t>9/22/2021</a:t>
+            </a:fld>
+            <a:endParaRPr lang="en-US"/>
+          </a:p>
+        </p:txBody>
+      </p:sp>
+      <p:sp>
+        <p:nvSpPr>
+          <p:cNvPr id="5" name="Footer Placeholder 4"/>
+          <p:cNvSpPr>
+            <a:spLocks noGrp="1"/>
+          </p:cNvSpPr>
+          <p:nvPr>
+            <p:ph type="ftr" sz="quarter" idx="11"/>
+          </p:nvPr>
+        </p:nvSpPr>
+        <p:spPr/>
+        <p:txBody>
+          <a:bodyPr/>
+          <a:lstStyle/>
+          <a:p>
+            <a:endParaRPr lang="en-US"/>
+          </a:p>
+        </p:txBody>
+      </p:sp>
+      <p:sp>
+        <p:nvSpPr>
+          <p:cNvPr id="6" name="Slide Number Placeholder 5"/>
+          <p:cNvSpPr>
+            <a:spLocks noGrp="1"/>
+          </p:cNvSpPr>
+          <p:nvPr>
+            <p:ph type="sldNum" sz="quarter" idx="12"/>
+          </p:nvPr>
+        </p:nvSpPr>
+        <p:spPr/>
+        <p:txBody>
+          <a:bodyPr/>
+          <a:lstStyle/>
+          <a:p>
+            <a:fld id="{5D024AAD-DF78-DE44-A1F3-EEB19EDC9165}" type="slidenum">
+              <a:rPr lang="en-US" smtClean="0"/>
+              <a:t>‹#›</a:t>
+            </a:fld>
+            <a:endParaRPr lang="en-US"/>
+          </a:p>
+        </p:txBody>
+      </p:sp>
+    </p:spTree>
+    <p:extLst>
+      <p:ext uri="{BB962C8B-B14F-4D97-AF65-F5344CB8AC3E}">
+        <p14:creationId xmlns:p14="http://schemas.microsoft.com/office/powerpoint/2010/main" val="1832894454"/>
+      </p:ext>
+    </p:extLst>
+  </p:cSld>
+  <p:clrMapOvr>
+    <a:masterClrMapping/>
+  </p:clrMapOvr>
+</p:sldLayout>
+</file>
+
+<file path=ppt/slideLayouts/slideLayout14.xml><?xml version="1.0" encoding="utf-8"?>
+<p:sldLayout xmlns:a="http://schemas.openxmlformats.org/drawingml/2006/main" xmlns:r="http://schemas.openxmlformats.org/officeDocument/2006/relationships" xmlns:p="http://schemas.openxmlformats.org/presentationml/2006/main" type="secHead" preserve="1">
+  <p:cSld name="Section Header">
+    <p:spTree>
+      <p:nvGrpSpPr>
+        <p:cNvPr id="1" name=""/>
+        <p:cNvGrpSpPr/>
+        <p:nvPr/>
+      </p:nvGrpSpPr>
+      <p:grpSpPr>
+        <a:xfrm>
+          <a:off x="0" y="0"/>
+          <a:ext cx="0" cy="0"/>
+          <a:chOff x="0" y="0"/>
+          <a:chExt cx="0" cy="0"/>
+        </a:xfrm>
+      </p:grpSpPr>
+      <p:sp>
+        <p:nvSpPr>
+          <p:cNvPr id="2" name="Title 1"/>
+          <p:cNvSpPr>
+            <a:spLocks noGrp="1"/>
+          </p:cNvSpPr>
+          <p:nvPr>
+            <p:ph type="title"/>
+          </p:nvPr>
+        </p:nvSpPr>
+        <p:spPr>
+          <a:xfrm>
+            <a:off x="963084" y="4406900"/>
+            <a:ext cx="10363200" cy="1363133"/>
+          </a:xfrm>
+        </p:spPr>
+        <p:txBody>
+          <a:bodyPr anchor="t"/>
+          <a:lstStyle>
+            <a:lvl1pPr algn="l">
+              <a:defRPr sz="5333" b="1" cap="all"/>
+            </a:lvl1pPr>
+          </a:lstStyle>
+          <a:p>
+            <a:r>
+              <a:rPr lang="en-US"/>
+              <a:t>Click to edit Master title style</a:t>
+            </a:r>
+          </a:p>
+        </p:txBody>
+      </p:sp>
+      <p:sp>
+        <p:nvSpPr>
+          <p:cNvPr id="3" name="Text Placeholder 2"/>
+          <p:cNvSpPr>
+            <a:spLocks noGrp="1"/>
+          </p:cNvSpPr>
+          <p:nvPr>
+            <p:ph type="body" idx="1"/>
+          </p:nvPr>
+        </p:nvSpPr>
+        <p:spPr>
+          <a:xfrm>
+            <a:off x="963084" y="2906185"/>
+            <a:ext cx="10363200" cy="1500716"/>
+          </a:xfrm>
+        </p:spPr>
+        <p:txBody>
+          <a:bodyPr anchor="b"/>
+          <a:lstStyle>
+            <a:lvl1pPr marL="0" indent="0">
+              <a:buNone/>
+              <a:defRPr sz="2667">
+                <a:solidFill>
+                  <a:schemeClr val="tx1">
+                    <a:tint val="75000"/>
+                  </a:schemeClr>
+                </a:solidFill>
+              </a:defRPr>
+            </a:lvl1pPr>
+            <a:lvl2pPr marL="609585" indent="0">
+              <a:buNone/>
+              <a:defRPr sz="2400">
+                <a:solidFill>
+                  <a:schemeClr val="tx1">
+                    <a:tint val="75000"/>
+                  </a:schemeClr>
+                </a:solidFill>
+              </a:defRPr>
+            </a:lvl2pPr>
+            <a:lvl3pPr marL="1219170" indent="0">
+              <a:buNone/>
+              <a:defRPr sz="2133">
+                <a:solidFill>
+                  <a:schemeClr val="tx1">
+                    <a:tint val="75000"/>
+                  </a:schemeClr>
+                </a:solidFill>
+              </a:defRPr>
+            </a:lvl3pPr>
+            <a:lvl4pPr marL="1828754" indent="0">
+              <a:buNone/>
+              <a:defRPr sz="1867">
+                <a:solidFill>
+                  <a:schemeClr val="tx1">
+                    <a:tint val="75000"/>
+                  </a:schemeClr>
+                </a:solidFill>
+              </a:defRPr>
+            </a:lvl4pPr>
+            <a:lvl5pPr marL="2438339" indent="0">
+              <a:buNone/>
+              <a:defRPr sz="1867">
+                <a:solidFill>
+                  <a:schemeClr val="tx1">
+                    <a:tint val="75000"/>
+                  </a:schemeClr>
+                </a:solidFill>
+              </a:defRPr>
+            </a:lvl5pPr>
+            <a:lvl6pPr marL="3047924" indent="0">
+              <a:buNone/>
+              <a:defRPr sz="1867">
+                <a:solidFill>
+                  <a:schemeClr val="tx1">
+                    <a:tint val="75000"/>
+                  </a:schemeClr>
+                </a:solidFill>
+              </a:defRPr>
+            </a:lvl6pPr>
+            <a:lvl7pPr marL="3657509" indent="0">
+              <a:buNone/>
+              <a:defRPr sz="1867">
+                <a:solidFill>
+                  <a:schemeClr val="tx1">
+                    <a:tint val="75000"/>
+                  </a:schemeClr>
+                </a:solidFill>
+              </a:defRPr>
+            </a:lvl7pPr>
+            <a:lvl8pPr marL="4267093" indent="0">
+              <a:buNone/>
+              <a:defRPr sz="1867">
+                <a:solidFill>
+                  <a:schemeClr val="tx1">
+                    <a:tint val="75000"/>
+                  </a:schemeClr>
+                </a:solidFill>
+              </a:defRPr>
+            </a:lvl8pPr>
+            <a:lvl9pPr marL="4876678" indent="0">
+              <a:buNone/>
+              <a:defRPr sz="1867">
+                <a:solidFill>
+                  <a:schemeClr val="tx1">
+                    <a:tint val="75000"/>
+                  </a:schemeClr>
+                </a:solidFill>
+              </a:defRPr>
+            </a:lvl9pPr>
+          </a:lstStyle>
+          <a:p>
+            <a:pPr lvl="0"/>
+            <a:r>
+              <a:rPr lang="en-US"/>
+              <a:t>Click to edit Master text styles</a:t>
+            </a:r>
+          </a:p>
+        </p:txBody>
+      </p:sp>
+      <p:sp>
+        <p:nvSpPr>
+          <p:cNvPr id="4" name="Date Placeholder 3"/>
+          <p:cNvSpPr>
+            <a:spLocks noGrp="1"/>
+          </p:cNvSpPr>
+          <p:nvPr>
+            <p:ph type="dt" sz="half" idx="10"/>
+          </p:nvPr>
+        </p:nvSpPr>
+        <p:spPr/>
+        <p:txBody>
+          <a:bodyPr/>
+          <a:lstStyle/>
+          <a:p>
+            <a:fld id="{D088F999-7A4E-6B4F-9FED-EF75B73AD044}" type="datetimeFigureOut">
+              <a:rPr lang="en-US" smtClean="0"/>
+              <a:t>9/22/2021</a:t>
+            </a:fld>
+            <a:endParaRPr lang="en-US"/>
+          </a:p>
+        </p:txBody>
+      </p:sp>
+      <p:sp>
+        <p:nvSpPr>
+          <p:cNvPr id="5" name="Footer Placeholder 4"/>
+          <p:cNvSpPr>
+            <a:spLocks noGrp="1"/>
+          </p:cNvSpPr>
+          <p:nvPr>
+            <p:ph type="ftr" sz="quarter" idx="11"/>
+          </p:nvPr>
+        </p:nvSpPr>
+        <p:spPr/>
+        <p:txBody>
+          <a:bodyPr/>
+          <a:lstStyle/>
+          <a:p>
+            <a:endParaRPr lang="en-US"/>
+          </a:p>
+        </p:txBody>
+      </p:sp>
+      <p:sp>
+        <p:nvSpPr>
+          <p:cNvPr id="6" name="Slide Number Placeholder 5"/>
+          <p:cNvSpPr>
+            <a:spLocks noGrp="1"/>
+          </p:cNvSpPr>
+          <p:nvPr>
+            <p:ph type="sldNum" sz="quarter" idx="12"/>
+          </p:nvPr>
+        </p:nvSpPr>
+        <p:spPr/>
+        <p:txBody>
+          <a:bodyPr/>
+          <a:lstStyle/>
+          <a:p>
+            <a:fld id="{5D024AAD-DF78-DE44-A1F3-EEB19EDC9165}" type="slidenum">
+              <a:rPr lang="en-US" smtClean="0"/>
+              <a:t>‹#›</a:t>
+            </a:fld>
+            <a:endParaRPr lang="en-US"/>
+          </a:p>
+        </p:txBody>
+      </p:sp>
+    </p:spTree>
+    <p:extLst>
+      <p:ext uri="{BB962C8B-B14F-4D97-AF65-F5344CB8AC3E}">
+        <p14:creationId xmlns:p14="http://schemas.microsoft.com/office/powerpoint/2010/main" val="951921620"/>
+      </p:ext>
+    </p:extLst>
+  </p:cSld>
+  <p:clrMapOvr>
+    <a:masterClrMapping/>
+  </p:clrMapOvr>
+</p:sldLayout>
+</file>
+
+<file path=ppt/slideLayouts/slideLayout15.xml><?xml version="1.0" encoding="utf-8"?>
+<p:sldLayout xmlns:a="http://schemas.openxmlformats.org/drawingml/2006/main" xmlns:r="http://schemas.openxmlformats.org/officeDocument/2006/relationships" xmlns:p="http://schemas.openxmlformats.org/presentationml/2006/main" type="twoObj" preserve="1">
+  <p:cSld name="Two Content">
+    <p:spTree>
+      <p:nvGrpSpPr>
+        <p:cNvPr id="1" name=""/>
+        <p:cNvGrpSpPr/>
+        <p:nvPr/>
+      </p:nvGrpSpPr>
+      <p:grpSpPr>
+        <a:xfrm>
+          <a:off x="0" y="0"/>
+          <a:ext cx="0" cy="0"/>
+          <a:chOff x="0" y="0"/>
+          <a:chExt cx="0" cy="0"/>
+        </a:xfrm>
+      </p:grpSpPr>
+      <p:sp>
+        <p:nvSpPr>
+          <p:cNvPr id="2" name="Title 1"/>
+          <p:cNvSpPr>
+            <a:spLocks noGrp="1"/>
+          </p:cNvSpPr>
+          <p:nvPr>
+            <p:ph type="title"/>
+          </p:nvPr>
+        </p:nvSpPr>
+        <p:spPr/>
+        <p:txBody>
+          <a:bodyPr/>
+          <a:lstStyle/>
+          <a:p>
+            <a:r>
+              <a:rPr lang="en-US"/>
+              <a:t>Click to edit Master title style</a:t>
+            </a:r>
+          </a:p>
+        </p:txBody>
+      </p:sp>
+      <p:sp>
+        <p:nvSpPr>
+          <p:cNvPr id="3" name="Content Placeholder 2"/>
+          <p:cNvSpPr>
+            <a:spLocks noGrp="1"/>
+          </p:cNvSpPr>
+          <p:nvPr>
+            <p:ph sz="half" idx="1"/>
+          </p:nvPr>
+        </p:nvSpPr>
+        <p:spPr>
+          <a:xfrm>
+            <a:off x="609600" y="1600201"/>
+            <a:ext cx="5384800" cy="4525433"/>
+          </a:xfrm>
+        </p:spPr>
+        <p:txBody>
+          <a:bodyPr/>
+          <a:lstStyle>
+            <a:lvl1pPr>
+              <a:defRPr sz="3733"/>
+            </a:lvl1pPr>
+            <a:lvl2pPr>
+              <a:defRPr sz="3200"/>
+            </a:lvl2pPr>
+            <a:lvl3pPr>
+              <a:defRPr sz="2667"/>
+            </a:lvl3pPr>
+            <a:lvl4pPr>
+              <a:defRPr sz="2400"/>
+            </a:lvl4pPr>
+            <a:lvl5pPr>
+              <a:defRPr sz="2400"/>
+            </a:lvl5pPr>
+            <a:lvl6pPr>
+              <a:defRPr sz="2400"/>
+            </a:lvl6pPr>
+            <a:lvl7pPr>
+              <a:defRPr sz="2400"/>
+            </a:lvl7pPr>
+            <a:lvl8pPr>
+              <a:defRPr sz="2400"/>
+            </a:lvl8pPr>
+            <a:lvl9pPr>
+              <a:defRPr sz="2400"/>
+            </a:lvl9pPr>
+          </a:lstStyle>
+          <a:p>
+            <a:pPr lvl="0"/>
+            <a:r>
+              <a:rPr lang="en-US"/>
+              <a:t>Click to edit Master text styles</a:t>
+            </a:r>
+          </a:p>
+          <a:p>
+            <a:pPr lvl="1"/>
+            <a:r>
+              <a:rPr lang="en-US"/>
+              <a:t>Second level</a:t>
+            </a:r>
+          </a:p>
+          <a:p>
+            <a:pPr lvl="2"/>
+            <a:r>
+              <a:rPr lang="en-US"/>
+              <a:t>Third level</a:t>
+            </a:r>
+          </a:p>
+          <a:p>
+            <a:pPr lvl="3"/>
+            <a:r>
+              <a:rPr lang="en-US"/>
+              <a:t>Fourth level</a:t>
+            </a:r>
+          </a:p>
+          <a:p>
+            <a:pPr lvl="4"/>
+            <a:r>
+              <a:rPr lang="en-US"/>
+              <a:t>Fifth level</a:t>
+            </a:r>
+          </a:p>
+        </p:txBody>
+      </p:sp>
+      <p:sp>
+        <p:nvSpPr>
+          <p:cNvPr id="4" name="Content Placeholder 3"/>
+          <p:cNvSpPr>
+            <a:spLocks noGrp="1"/>
+          </p:cNvSpPr>
+          <p:nvPr>
+            <p:ph sz="half" idx="2"/>
+          </p:nvPr>
+        </p:nvSpPr>
+        <p:spPr>
+          <a:xfrm>
+            <a:off x="6197600" y="1600201"/>
+            <a:ext cx="5384800" cy="4525433"/>
+          </a:xfrm>
+        </p:spPr>
+        <p:txBody>
+          <a:bodyPr/>
+          <a:lstStyle>
+            <a:lvl1pPr>
+              <a:defRPr sz="3733"/>
+            </a:lvl1pPr>
+            <a:lvl2pPr>
+              <a:defRPr sz="3200"/>
+            </a:lvl2pPr>
+            <a:lvl3pPr>
+              <a:defRPr sz="2667"/>
+            </a:lvl3pPr>
+            <a:lvl4pPr>
+              <a:defRPr sz="2400"/>
+            </a:lvl4pPr>
+            <a:lvl5pPr>
+              <a:defRPr sz="2400"/>
+            </a:lvl5pPr>
+            <a:lvl6pPr>
+              <a:defRPr sz="2400"/>
+            </a:lvl6pPr>
+            <a:lvl7pPr>
+              <a:defRPr sz="2400"/>
+            </a:lvl7pPr>
+            <a:lvl8pPr>
+              <a:defRPr sz="2400"/>
+            </a:lvl8pPr>
+            <a:lvl9pPr>
+              <a:defRPr sz="2400"/>
+            </a:lvl9pPr>
+          </a:lstStyle>
+          <a:p>
+            <a:pPr lvl="0"/>
+            <a:r>
+              <a:rPr lang="en-US"/>
+              <a:t>Click to edit Master text styles</a:t>
+            </a:r>
+          </a:p>
+          <a:p>
+            <a:pPr lvl="1"/>
+            <a:r>
+              <a:rPr lang="en-US"/>
+              <a:t>Second level</a:t>
+            </a:r>
+          </a:p>
+          <a:p>
+            <a:pPr lvl="2"/>
+            <a:r>
+              <a:rPr lang="en-US"/>
+              <a:t>Third level</a:t>
+            </a:r>
+          </a:p>
+          <a:p>
+            <a:pPr lvl="3"/>
+            <a:r>
+              <a:rPr lang="en-US"/>
+              <a:t>Fourth level</a:t>
+            </a:r>
+          </a:p>
+          <a:p>
+            <a:pPr lvl="4"/>
+            <a:r>
+              <a:rPr lang="en-US"/>
+              <a:t>Fifth level</a:t>
+            </a:r>
+          </a:p>
+        </p:txBody>
+      </p:sp>
+      <p:sp>
+        <p:nvSpPr>
+          <p:cNvPr id="5" name="Date Placeholder 4"/>
+          <p:cNvSpPr>
+            <a:spLocks noGrp="1"/>
+          </p:cNvSpPr>
+          <p:nvPr>
+            <p:ph type="dt" sz="half" idx="10"/>
+          </p:nvPr>
+        </p:nvSpPr>
+        <p:spPr/>
+        <p:txBody>
+          <a:bodyPr/>
+          <a:lstStyle/>
+          <a:p>
+            <a:fld id="{D088F999-7A4E-6B4F-9FED-EF75B73AD044}" type="datetimeFigureOut">
+              <a:rPr lang="en-US" smtClean="0"/>
+              <a:t>9/22/2021</a:t>
+            </a:fld>
+            <a:endParaRPr lang="en-US"/>
+          </a:p>
+        </p:txBody>
+      </p:sp>
+      <p:sp>
+        <p:nvSpPr>
+          <p:cNvPr id="6" name="Footer Placeholder 5"/>
+          <p:cNvSpPr>
+            <a:spLocks noGrp="1"/>
+          </p:cNvSpPr>
+          <p:nvPr>
+            <p:ph type="ftr" sz="quarter" idx="11"/>
+          </p:nvPr>
+        </p:nvSpPr>
+        <p:spPr/>
+        <p:txBody>
+          <a:bodyPr/>
+          <a:lstStyle/>
+          <a:p>
+            <a:endParaRPr lang="en-US"/>
+          </a:p>
+        </p:txBody>
+      </p:sp>
+      <p:sp>
+        <p:nvSpPr>
+          <p:cNvPr id="7" name="Slide Number Placeholder 6"/>
+          <p:cNvSpPr>
+            <a:spLocks noGrp="1"/>
+          </p:cNvSpPr>
+          <p:nvPr>
+            <p:ph type="sldNum" sz="quarter" idx="12"/>
+          </p:nvPr>
+        </p:nvSpPr>
+        <p:spPr/>
+        <p:txBody>
+          <a:bodyPr/>
+          <a:lstStyle/>
+          <a:p>
+            <a:fld id="{5D024AAD-DF78-DE44-A1F3-EEB19EDC9165}" type="slidenum">
+              <a:rPr lang="en-US" smtClean="0"/>
+              <a:t>‹#›</a:t>
+            </a:fld>
+            <a:endParaRPr lang="en-US"/>
+          </a:p>
+        </p:txBody>
+      </p:sp>
+    </p:spTree>
+    <p:extLst>
+      <p:ext uri="{BB962C8B-B14F-4D97-AF65-F5344CB8AC3E}">
+        <p14:creationId xmlns:p14="http://schemas.microsoft.com/office/powerpoint/2010/main" val="3231481658"/>
+      </p:ext>
+    </p:extLst>
+  </p:cSld>
+  <p:clrMapOvr>
+    <a:masterClrMapping/>
+  </p:clrMapOvr>
+</p:sldLayout>
+</file>
+
+<file path=ppt/slideLayouts/slideLayout16.xml><?xml version="1.0" encoding="utf-8"?>
+<p:sldLayout xmlns:a="http://schemas.openxmlformats.org/drawingml/2006/main" xmlns:r="http://schemas.openxmlformats.org/officeDocument/2006/relationships" xmlns:p="http://schemas.openxmlformats.org/presentationml/2006/main" type="twoTxTwoObj" preserve="1">
+  <p:cSld name="Comparison">
+    <p:spTree>
+      <p:nvGrpSpPr>
+        <p:cNvPr id="1" name=""/>
+        <p:cNvGrpSpPr/>
+        <p:nvPr/>
+      </p:nvGrpSpPr>
+      <p:grpSpPr>
+        <a:xfrm>
+          <a:off x="0" y="0"/>
+          <a:ext cx="0" cy="0"/>
+          <a:chOff x="0" y="0"/>
+          <a:chExt cx="0" cy="0"/>
+        </a:xfrm>
+      </p:grpSpPr>
+      <p:sp>
+        <p:nvSpPr>
+          <p:cNvPr id="2" name="Title 1"/>
+          <p:cNvSpPr>
+            <a:spLocks noGrp="1"/>
+          </p:cNvSpPr>
+          <p:nvPr>
+            <p:ph type="title"/>
+          </p:nvPr>
+        </p:nvSpPr>
+        <p:spPr/>
+        <p:txBody>
+          <a:bodyPr/>
+          <a:lstStyle>
+            <a:lvl1pPr>
+              <a:defRPr/>
+            </a:lvl1pPr>
+          </a:lstStyle>
+          <a:p>
+            <a:r>
+              <a:rPr lang="en-US"/>
+              <a:t>Click to edit Master title style</a:t>
+            </a:r>
+          </a:p>
+        </p:txBody>
+      </p:sp>
+      <p:sp>
+        <p:nvSpPr>
+          <p:cNvPr id="3" name="Text Placeholder 2"/>
+          <p:cNvSpPr>
+            <a:spLocks noGrp="1"/>
+          </p:cNvSpPr>
+          <p:nvPr>
+            <p:ph type="body" idx="1"/>
+          </p:nvPr>
+        </p:nvSpPr>
+        <p:spPr>
+          <a:xfrm>
+            <a:off x="609600" y="1534584"/>
+            <a:ext cx="5386917" cy="641349"/>
+          </a:xfrm>
+        </p:spPr>
+        <p:txBody>
+          <a:bodyPr anchor="b"/>
+          <a:lstStyle>
+            <a:lvl1pPr marL="0" indent="0">
+              <a:buNone/>
+              <a:defRPr sz="3200" b="1"/>
+            </a:lvl1pPr>
+            <a:lvl2pPr marL="609585" indent="0">
+              <a:buNone/>
+              <a:defRPr sz="2667" b="1"/>
+            </a:lvl2pPr>
+            <a:lvl3pPr marL="1219170" indent="0">
+              <a:buNone/>
+              <a:defRPr sz="2400" b="1"/>
+            </a:lvl3pPr>
+            <a:lvl4pPr marL="1828754" indent="0">
+              <a:buNone/>
+              <a:defRPr sz="2133" b="1"/>
+            </a:lvl4pPr>
+            <a:lvl5pPr marL="2438339" indent="0">
+              <a:buNone/>
+              <a:defRPr sz="2133" b="1"/>
+            </a:lvl5pPr>
+            <a:lvl6pPr marL="3047924" indent="0">
+              <a:buNone/>
+              <a:defRPr sz="2133" b="1"/>
+            </a:lvl6pPr>
+            <a:lvl7pPr marL="3657509" indent="0">
+              <a:buNone/>
+              <a:defRPr sz="2133" b="1"/>
+            </a:lvl7pPr>
+            <a:lvl8pPr marL="4267093" indent="0">
+              <a:buNone/>
+              <a:defRPr sz="2133" b="1"/>
+            </a:lvl8pPr>
+            <a:lvl9pPr marL="4876678" indent="0">
+              <a:buNone/>
+              <a:defRPr sz="2133" b="1"/>
+            </a:lvl9pPr>
+          </a:lstStyle>
+          <a:p>
+            <a:pPr lvl="0"/>
+            <a:r>
+              <a:rPr lang="en-US"/>
+              <a:t>Click to edit Master text styles</a:t>
+            </a:r>
+          </a:p>
+        </p:txBody>
+      </p:sp>
+      <p:sp>
+        <p:nvSpPr>
+          <p:cNvPr id="4" name="Content Placeholder 3"/>
+          <p:cNvSpPr>
+            <a:spLocks noGrp="1"/>
+          </p:cNvSpPr>
+          <p:nvPr>
+            <p:ph sz="half" idx="2"/>
+          </p:nvPr>
+        </p:nvSpPr>
+        <p:spPr>
+          <a:xfrm>
+            <a:off x="609600" y="2175934"/>
+            <a:ext cx="5386917" cy="3949700"/>
+          </a:xfrm>
+        </p:spPr>
+        <p:txBody>
+          <a:bodyPr/>
+          <a:lstStyle>
+            <a:lvl1pPr>
+              <a:defRPr sz="3200"/>
+            </a:lvl1pPr>
+            <a:lvl2pPr>
+              <a:defRPr sz="2667"/>
+            </a:lvl2pPr>
+            <a:lvl3pPr>
+              <a:defRPr sz="2400"/>
+            </a:lvl3pPr>
+            <a:lvl4pPr>
+              <a:defRPr sz="2133"/>
+            </a:lvl4pPr>
+            <a:lvl5pPr>
+              <a:defRPr sz="2133"/>
+            </a:lvl5pPr>
+            <a:lvl6pPr>
+              <a:defRPr sz="2133"/>
+            </a:lvl6pPr>
+            <a:lvl7pPr>
+              <a:defRPr sz="2133"/>
+            </a:lvl7pPr>
+            <a:lvl8pPr>
+              <a:defRPr sz="2133"/>
+            </a:lvl8pPr>
+            <a:lvl9pPr>
+              <a:defRPr sz="2133"/>
+            </a:lvl9pPr>
+          </a:lstStyle>
+          <a:p>
+            <a:pPr lvl="0"/>
+            <a:r>
+              <a:rPr lang="en-US"/>
+              <a:t>Click to edit Master text styles</a:t>
+            </a:r>
+          </a:p>
+          <a:p>
+            <a:pPr lvl="1"/>
+            <a:r>
+              <a:rPr lang="en-US"/>
+              <a:t>Second level</a:t>
+            </a:r>
+          </a:p>
+          <a:p>
+            <a:pPr lvl="2"/>
+            <a:r>
+              <a:rPr lang="en-US"/>
+              <a:t>Third level</a:t>
+            </a:r>
+          </a:p>
+          <a:p>
+            <a:pPr lvl="3"/>
+            <a:r>
+              <a:rPr lang="en-US"/>
+              <a:t>Fourth level</a:t>
+            </a:r>
+          </a:p>
+          <a:p>
+            <a:pPr lvl="4"/>
+            <a:r>
+              <a:rPr lang="en-US"/>
+              <a:t>Fifth level</a:t>
+            </a:r>
+          </a:p>
+        </p:txBody>
+      </p:sp>
+      <p:sp>
+        <p:nvSpPr>
+          <p:cNvPr id="5" name="Text Placeholder 4"/>
+          <p:cNvSpPr>
+            <a:spLocks noGrp="1"/>
+          </p:cNvSpPr>
+          <p:nvPr>
+            <p:ph type="body" sz="quarter" idx="3"/>
+          </p:nvPr>
+        </p:nvSpPr>
+        <p:spPr>
+          <a:xfrm>
+            <a:off x="6193368" y="1534584"/>
+            <a:ext cx="5389033" cy="641349"/>
+          </a:xfrm>
+        </p:spPr>
+        <p:txBody>
+          <a:bodyPr anchor="b"/>
+          <a:lstStyle>
+            <a:lvl1pPr marL="0" indent="0">
+              <a:buNone/>
+              <a:defRPr sz="3200" b="1"/>
+            </a:lvl1pPr>
+            <a:lvl2pPr marL="609585" indent="0">
+              <a:buNone/>
+              <a:defRPr sz="2667" b="1"/>
+            </a:lvl2pPr>
+            <a:lvl3pPr marL="1219170" indent="0">
+              <a:buNone/>
+              <a:defRPr sz="2400" b="1"/>
+            </a:lvl3pPr>
+            <a:lvl4pPr marL="1828754" indent="0">
+              <a:buNone/>
+              <a:defRPr sz="2133" b="1"/>
+            </a:lvl4pPr>
+            <a:lvl5pPr marL="2438339" indent="0">
+              <a:buNone/>
+              <a:defRPr sz="2133" b="1"/>
+            </a:lvl5pPr>
+            <a:lvl6pPr marL="3047924" indent="0">
+              <a:buNone/>
+              <a:defRPr sz="2133" b="1"/>
+            </a:lvl6pPr>
+            <a:lvl7pPr marL="3657509" indent="0">
+              <a:buNone/>
+              <a:defRPr sz="2133" b="1"/>
+            </a:lvl7pPr>
+            <a:lvl8pPr marL="4267093" indent="0">
+              <a:buNone/>
+              <a:defRPr sz="2133" b="1"/>
+            </a:lvl8pPr>
+            <a:lvl9pPr marL="4876678" indent="0">
+              <a:buNone/>
+              <a:defRPr sz="2133" b="1"/>
+            </a:lvl9pPr>
+          </a:lstStyle>
+          <a:p>
+            <a:pPr lvl="0"/>
+            <a:r>
+              <a:rPr lang="en-US"/>
+              <a:t>Click to edit Master text styles</a:t>
+            </a:r>
+          </a:p>
+        </p:txBody>
+      </p:sp>
+      <p:sp>
+        <p:nvSpPr>
+          <p:cNvPr id="6" name="Content Placeholder 5"/>
+          <p:cNvSpPr>
+            <a:spLocks noGrp="1"/>
+          </p:cNvSpPr>
+          <p:nvPr>
+            <p:ph sz="quarter" idx="4"/>
+          </p:nvPr>
+        </p:nvSpPr>
+        <p:spPr>
+          <a:xfrm>
+            <a:off x="6193368" y="2175934"/>
+            <a:ext cx="5389033" cy="3949700"/>
+          </a:xfrm>
+        </p:spPr>
+        <p:txBody>
+          <a:bodyPr/>
+          <a:lstStyle>
+            <a:lvl1pPr>
+              <a:defRPr sz="3200"/>
+            </a:lvl1pPr>
+            <a:lvl2pPr>
+              <a:defRPr sz="2667"/>
+            </a:lvl2pPr>
+            <a:lvl3pPr>
+              <a:defRPr sz="2400"/>
+            </a:lvl3pPr>
+            <a:lvl4pPr>
+              <a:defRPr sz="2133"/>
+            </a:lvl4pPr>
+            <a:lvl5pPr>
+              <a:defRPr sz="2133"/>
+            </a:lvl5pPr>
+            <a:lvl6pPr>
+              <a:defRPr sz="2133"/>
+            </a:lvl6pPr>
+            <a:lvl7pPr>
+              <a:defRPr sz="2133"/>
+            </a:lvl7pPr>
+            <a:lvl8pPr>
+              <a:defRPr sz="2133"/>
+            </a:lvl8pPr>
+            <a:lvl9pPr>
+              <a:defRPr sz="2133"/>
+            </a:lvl9pPr>
+          </a:lstStyle>
+          <a:p>
+            <a:pPr lvl="0"/>
+            <a:r>
+              <a:rPr lang="en-US"/>
+              <a:t>Click to edit Master text styles</a:t>
+            </a:r>
+          </a:p>
+          <a:p>
+            <a:pPr lvl="1"/>
+            <a:r>
+              <a:rPr lang="en-US"/>
+              <a:t>Second level</a:t>
+            </a:r>
+          </a:p>
+          <a:p>
+            <a:pPr lvl="2"/>
+            <a:r>
+              <a:rPr lang="en-US"/>
+              <a:t>Third level</a:t>
+            </a:r>
+          </a:p>
+          <a:p>
+            <a:pPr lvl="3"/>
+            <a:r>
+              <a:rPr lang="en-US"/>
+              <a:t>Fourth level</a:t>
+            </a:r>
+          </a:p>
+          <a:p>
+            <a:pPr lvl="4"/>
+            <a:r>
+              <a:rPr lang="en-US"/>
+              <a:t>Fifth level</a:t>
+            </a:r>
+          </a:p>
+        </p:txBody>
+      </p:sp>
+      <p:sp>
+        <p:nvSpPr>
+          <p:cNvPr id="7" name="Date Placeholder 6"/>
+          <p:cNvSpPr>
+            <a:spLocks noGrp="1"/>
+          </p:cNvSpPr>
+          <p:nvPr>
+            <p:ph type="dt" sz="half" idx="10"/>
+          </p:nvPr>
+        </p:nvSpPr>
+        <p:spPr/>
+        <p:txBody>
+          <a:bodyPr/>
+          <a:lstStyle/>
+          <a:p>
+            <a:fld id="{D088F999-7A4E-6B4F-9FED-EF75B73AD044}" type="datetimeFigureOut">
+              <a:rPr lang="en-US" smtClean="0"/>
+              <a:t>9/22/2021</a:t>
+            </a:fld>
+            <a:endParaRPr lang="en-US"/>
+          </a:p>
+        </p:txBody>
+      </p:sp>
+      <p:sp>
+        <p:nvSpPr>
+          <p:cNvPr id="8" name="Footer Placeholder 7"/>
+          <p:cNvSpPr>
+            <a:spLocks noGrp="1"/>
+          </p:cNvSpPr>
+          <p:nvPr>
+            <p:ph type="ftr" sz="quarter" idx="11"/>
+          </p:nvPr>
+        </p:nvSpPr>
+        <p:spPr/>
+        <p:txBody>
+          <a:bodyPr/>
+          <a:lstStyle/>
+          <a:p>
+            <a:endParaRPr lang="en-US"/>
+          </a:p>
+        </p:txBody>
+      </p:sp>
+      <p:sp>
+        <p:nvSpPr>
+          <p:cNvPr id="9" name="Slide Number Placeholder 8"/>
+          <p:cNvSpPr>
+            <a:spLocks noGrp="1"/>
+          </p:cNvSpPr>
+          <p:nvPr>
+            <p:ph type="sldNum" sz="quarter" idx="12"/>
+          </p:nvPr>
+        </p:nvSpPr>
+        <p:spPr/>
+        <p:txBody>
+          <a:bodyPr/>
+          <a:lstStyle/>
+          <a:p>
+            <a:fld id="{5D024AAD-DF78-DE44-A1F3-EEB19EDC9165}" type="slidenum">
+              <a:rPr lang="en-US" smtClean="0"/>
+              <a:t>‹#›</a:t>
+            </a:fld>
+            <a:endParaRPr lang="en-US"/>
+          </a:p>
+        </p:txBody>
+      </p:sp>
+    </p:spTree>
+    <p:extLst>
+      <p:ext uri="{BB962C8B-B14F-4D97-AF65-F5344CB8AC3E}">
+        <p14:creationId xmlns:p14="http://schemas.microsoft.com/office/powerpoint/2010/main" val="22889407"/>
+      </p:ext>
+    </p:extLst>
+  </p:cSld>
+  <p:clrMapOvr>
+    <a:masterClrMapping/>
+  </p:clrMapOvr>
+</p:sldLayout>
+</file>
+
+<file path=ppt/slideLayouts/slideLayout17.xml><?xml version="1.0" encoding="utf-8"?>
+<p:sldLayout xmlns:a="http://schemas.openxmlformats.org/drawingml/2006/main" xmlns:r="http://schemas.openxmlformats.org/officeDocument/2006/relationships" xmlns:p="http://schemas.openxmlformats.org/presentationml/2006/main" type="titleOnly" preserve="1">
+  <p:cSld name="Title Only">
+    <p:spTree>
+      <p:nvGrpSpPr>
+        <p:cNvPr id="1" name=""/>
+        <p:cNvGrpSpPr/>
+        <p:nvPr/>
+      </p:nvGrpSpPr>
+      <p:grpSpPr>
+        <a:xfrm>
+          <a:off x="0" y="0"/>
+          <a:ext cx="0" cy="0"/>
+          <a:chOff x="0" y="0"/>
+          <a:chExt cx="0" cy="0"/>
+        </a:xfrm>
+      </p:grpSpPr>
+      <p:sp>
+        <p:nvSpPr>
+          <p:cNvPr id="2" name="Title 1"/>
+          <p:cNvSpPr>
+            <a:spLocks noGrp="1"/>
+          </p:cNvSpPr>
+          <p:nvPr>
+            <p:ph type="title"/>
+          </p:nvPr>
+        </p:nvSpPr>
+        <p:spPr/>
+        <p:txBody>
+          <a:bodyPr/>
+          <a:lstStyle/>
+          <a:p>
+            <a:r>
+              <a:rPr lang="en-US"/>
+              <a:t>Click to edit Master title style</a:t>
+            </a:r>
+          </a:p>
+        </p:txBody>
+      </p:sp>
+      <p:sp>
+        <p:nvSpPr>
+          <p:cNvPr id="3" name="Date Placeholder 2"/>
+          <p:cNvSpPr>
+            <a:spLocks noGrp="1"/>
+          </p:cNvSpPr>
+          <p:nvPr>
+            <p:ph type="dt" sz="half" idx="10"/>
+          </p:nvPr>
+        </p:nvSpPr>
+        <p:spPr/>
+        <p:txBody>
+          <a:bodyPr/>
+          <a:lstStyle/>
+          <a:p>
+            <a:fld id="{D088F999-7A4E-6B4F-9FED-EF75B73AD044}" type="datetimeFigureOut">
+              <a:rPr lang="en-US" smtClean="0"/>
+              <a:t>9/22/2021</a:t>
+            </a:fld>
+            <a:endParaRPr lang="en-US"/>
+          </a:p>
+        </p:txBody>
+      </p:sp>
+      <p:sp>
+        <p:nvSpPr>
+          <p:cNvPr id="4" name="Footer Placeholder 3"/>
+          <p:cNvSpPr>
+            <a:spLocks noGrp="1"/>
+          </p:cNvSpPr>
+          <p:nvPr>
+            <p:ph type="ftr" sz="quarter" idx="11"/>
+          </p:nvPr>
+        </p:nvSpPr>
+        <p:spPr/>
+        <p:txBody>
+          <a:bodyPr/>
+          <a:lstStyle/>
+          <a:p>
+            <a:endParaRPr lang="en-US"/>
+          </a:p>
+        </p:txBody>
+      </p:sp>
+      <p:sp>
+        <p:nvSpPr>
+          <p:cNvPr id="5" name="Slide Number Placeholder 4"/>
+          <p:cNvSpPr>
+            <a:spLocks noGrp="1"/>
+          </p:cNvSpPr>
+          <p:nvPr>
+            <p:ph type="sldNum" sz="quarter" idx="12"/>
+          </p:nvPr>
+        </p:nvSpPr>
+        <p:spPr/>
+        <p:txBody>
+          <a:bodyPr/>
+          <a:lstStyle/>
+          <a:p>
+            <a:fld id="{5D024AAD-DF78-DE44-A1F3-EEB19EDC9165}" type="slidenum">
+              <a:rPr lang="en-US" smtClean="0"/>
+              <a:t>‹#›</a:t>
+            </a:fld>
+            <a:endParaRPr lang="en-US"/>
+          </a:p>
+        </p:txBody>
+      </p:sp>
+    </p:spTree>
+    <p:extLst>
+      <p:ext uri="{BB962C8B-B14F-4D97-AF65-F5344CB8AC3E}">
+        <p14:creationId xmlns:p14="http://schemas.microsoft.com/office/powerpoint/2010/main" val="3784980612"/>
+      </p:ext>
+    </p:extLst>
+  </p:cSld>
+  <p:clrMapOvr>
+    <a:masterClrMapping/>
+  </p:clrMapOvr>
+</p:sldLayout>
+</file>
+
+<file path=ppt/slideLayouts/slideLayout18.xml><?xml version="1.0" encoding="utf-8"?>
+<p:sldLayout xmlns:a="http://schemas.openxmlformats.org/drawingml/2006/main" xmlns:r="http://schemas.openxmlformats.org/officeDocument/2006/relationships" xmlns:p="http://schemas.openxmlformats.org/presentationml/2006/main" type="blank" preserve="1">
+  <p:cSld name="Blank">
+    <p:spTree>
+      <p:nvGrpSpPr>
+        <p:cNvPr id="1" name=""/>
+        <p:cNvGrpSpPr/>
+        <p:nvPr/>
+      </p:nvGrpSpPr>
+      <p:grpSpPr>
+        <a:xfrm>
+          <a:off x="0" y="0"/>
+          <a:ext cx="0" cy="0"/>
+          <a:chOff x="0" y="0"/>
+          <a:chExt cx="0" cy="0"/>
+        </a:xfrm>
+      </p:grpSpPr>
+      <p:sp>
+        <p:nvSpPr>
+          <p:cNvPr id="2" name="Date Placeholder 1"/>
+          <p:cNvSpPr>
+            <a:spLocks noGrp="1"/>
+          </p:cNvSpPr>
+          <p:nvPr>
+            <p:ph type="dt" sz="half" idx="10"/>
+          </p:nvPr>
+        </p:nvSpPr>
+        <p:spPr/>
+        <p:txBody>
+          <a:bodyPr/>
+          <a:lstStyle/>
+          <a:p>
+            <a:fld id="{D088F999-7A4E-6B4F-9FED-EF75B73AD044}" type="datetimeFigureOut">
+              <a:rPr lang="en-US" smtClean="0"/>
+              <a:t>9/22/2021</a:t>
+            </a:fld>
+            <a:endParaRPr lang="en-US"/>
+          </a:p>
+        </p:txBody>
+      </p:sp>
+      <p:sp>
+        <p:nvSpPr>
+          <p:cNvPr id="3" name="Footer Placeholder 2"/>
+          <p:cNvSpPr>
+            <a:spLocks noGrp="1"/>
+          </p:cNvSpPr>
+          <p:nvPr>
+            <p:ph type="ftr" sz="quarter" idx="11"/>
+          </p:nvPr>
+        </p:nvSpPr>
+        <p:spPr/>
+        <p:txBody>
+          <a:bodyPr/>
+          <a:lstStyle/>
+          <a:p>
+            <a:endParaRPr lang="en-US"/>
+          </a:p>
+        </p:txBody>
+      </p:sp>
+      <p:sp>
+        <p:nvSpPr>
+          <p:cNvPr id="4" name="Slide Number Placeholder 3"/>
+          <p:cNvSpPr>
+            <a:spLocks noGrp="1"/>
+          </p:cNvSpPr>
+          <p:nvPr>
+            <p:ph type="sldNum" sz="quarter" idx="12"/>
+          </p:nvPr>
+        </p:nvSpPr>
+        <p:spPr/>
+        <p:txBody>
+          <a:bodyPr/>
+          <a:lstStyle/>
+          <a:p>
+            <a:fld id="{5D024AAD-DF78-DE44-A1F3-EEB19EDC9165}" type="slidenum">
+              <a:rPr lang="en-US" smtClean="0"/>
+              <a:t>‹#›</a:t>
+            </a:fld>
+            <a:endParaRPr lang="en-US"/>
+          </a:p>
+        </p:txBody>
+      </p:sp>
+    </p:spTree>
+    <p:extLst>
+      <p:ext uri="{BB962C8B-B14F-4D97-AF65-F5344CB8AC3E}">
+        <p14:creationId xmlns:p14="http://schemas.microsoft.com/office/powerpoint/2010/main" val="1220438467"/>
+      </p:ext>
+    </p:extLst>
+  </p:cSld>
+  <p:clrMapOvr>
+    <a:masterClrMapping/>
+  </p:clrMapOvr>
+</p:sldLayout>
+</file>
+
+<file path=ppt/slideLayouts/slideLayout19.xml><?xml version="1.0" encoding="utf-8"?>
+<p:sldLayout xmlns:a="http://schemas.openxmlformats.org/drawingml/2006/main" xmlns:r="http://schemas.openxmlformats.org/officeDocument/2006/relationships" xmlns:p="http://schemas.openxmlformats.org/presentationml/2006/main" type="objTx" preserve="1">
+  <p:cSld name="Content with Caption">
+    <p:spTree>
+      <p:nvGrpSpPr>
+        <p:cNvPr id="1" name=""/>
+        <p:cNvGrpSpPr/>
+        <p:nvPr/>
+      </p:nvGrpSpPr>
+      <p:grpSpPr>
+        <a:xfrm>
+          <a:off x="0" y="0"/>
+          <a:ext cx="0" cy="0"/>
+          <a:chOff x="0" y="0"/>
+          <a:chExt cx="0" cy="0"/>
+        </a:xfrm>
+      </p:grpSpPr>
+      <p:sp>
+        <p:nvSpPr>
+          <p:cNvPr id="2" name="Title 1"/>
+          <p:cNvSpPr>
+            <a:spLocks noGrp="1"/>
+          </p:cNvSpPr>
+          <p:nvPr>
+            <p:ph type="title"/>
+          </p:nvPr>
+        </p:nvSpPr>
+        <p:spPr>
+          <a:xfrm>
+            <a:off x="609601" y="273052"/>
+            <a:ext cx="4011084" cy="1162049"/>
+          </a:xfrm>
+        </p:spPr>
+        <p:txBody>
+          <a:bodyPr anchor="b"/>
+          <a:lstStyle>
+            <a:lvl1pPr algn="l">
+              <a:defRPr sz="2667" b="1"/>
+            </a:lvl1pPr>
+          </a:lstStyle>
+          <a:p>
+            <a:r>
+              <a:rPr lang="en-US"/>
+              <a:t>Click to edit Master title style</a:t>
+            </a:r>
+          </a:p>
+        </p:txBody>
+      </p:sp>
+      <p:sp>
+        <p:nvSpPr>
+          <p:cNvPr id="3" name="Content Placeholder 2"/>
+          <p:cNvSpPr>
+            <a:spLocks noGrp="1"/>
+          </p:cNvSpPr>
+          <p:nvPr>
+            <p:ph idx="1"/>
+          </p:nvPr>
+        </p:nvSpPr>
+        <p:spPr>
+          <a:xfrm>
+            <a:off x="4766733" y="273051"/>
+            <a:ext cx="6815667" cy="5852583"/>
+          </a:xfrm>
+        </p:spPr>
+        <p:txBody>
+          <a:bodyPr/>
+          <a:lstStyle>
+            <a:lvl1pPr>
+              <a:defRPr sz="4267"/>
+            </a:lvl1pPr>
+            <a:lvl2pPr>
+              <a:defRPr sz="3733"/>
+            </a:lvl2pPr>
+            <a:lvl3pPr>
+              <a:defRPr sz="3200"/>
+            </a:lvl3pPr>
+            <a:lvl4pPr>
+              <a:defRPr sz="2667"/>
+            </a:lvl4pPr>
+            <a:lvl5pPr>
+              <a:defRPr sz="2667"/>
+            </a:lvl5pPr>
+            <a:lvl6pPr>
+              <a:defRPr sz="2667"/>
+            </a:lvl6pPr>
+            <a:lvl7pPr>
+              <a:defRPr sz="2667"/>
+            </a:lvl7pPr>
+            <a:lvl8pPr>
+              <a:defRPr sz="2667"/>
+            </a:lvl8pPr>
+            <a:lvl9pPr>
+              <a:defRPr sz="2667"/>
+            </a:lvl9pPr>
+          </a:lstStyle>
+          <a:p>
+            <a:pPr lvl="0"/>
+            <a:r>
+              <a:rPr lang="en-US"/>
+              <a:t>Click to edit Master text styles</a:t>
+            </a:r>
+          </a:p>
+          <a:p>
+            <a:pPr lvl="1"/>
+            <a:r>
+              <a:rPr lang="en-US"/>
+              <a:t>Second level</a:t>
+            </a:r>
+          </a:p>
+          <a:p>
+            <a:pPr lvl="2"/>
+            <a:r>
+              <a:rPr lang="en-US"/>
+              <a:t>Third level</a:t>
+            </a:r>
+          </a:p>
+          <a:p>
+            <a:pPr lvl="3"/>
+            <a:r>
+              <a:rPr lang="en-US"/>
+              <a:t>Fourth level</a:t>
+            </a:r>
+          </a:p>
+          <a:p>
+            <a:pPr lvl="4"/>
+            <a:r>
+              <a:rPr lang="en-US"/>
+              <a:t>Fifth level</a:t>
+            </a:r>
+          </a:p>
+        </p:txBody>
+      </p:sp>
+      <p:sp>
+        <p:nvSpPr>
+          <p:cNvPr id="4" name="Text Placeholder 3"/>
+          <p:cNvSpPr>
+            <a:spLocks noGrp="1"/>
+          </p:cNvSpPr>
+          <p:nvPr>
+            <p:ph type="body" sz="half" idx="2"/>
+          </p:nvPr>
+        </p:nvSpPr>
+        <p:spPr>
+          <a:xfrm>
+            <a:off x="609601" y="1435100"/>
+            <a:ext cx="4011084" cy="4690533"/>
+          </a:xfrm>
+        </p:spPr>
+        <p:txBody>
+          <a:bodyPr/>
+          <a:lstStyle>
+            <a:lvl1pPr marL="0" indent="0">
+              <a:buNone/>
+              <a:defRPr sz="1867"/>
+            </a:lvl1pPr>
+            <a:lvl2pPr marL="609585" indent="0">
+              <a:buNone/>
+              <a:defRPr sz="1600"/>
+            </a:lvl2pPr>
+            <a:lvl3pPr marL="1219170" indent="0">
+              <a:buNone/>
+              <a:defRPr sz="1333"/>
+            </a:lvl3pPr>
+            <a:lvl4pPr marL="1828754" indent="0">
+              <a:buNone/>
+              <a:defRPr sz="1200"/>
+            </a:lvl4pPr>
+            <a:lvl5pPr marL="2438339" indent="0">
+              <a:buNone/>
+              <a:defRPr sz="1200"/>
+            </a:lvl5pPr>
+            <a:lvl6pPr marL="3047924" indent="0">
+              <a:buNone/>
+              <a:defRPr sz="1200"/>
+            </a:lvl6pPr>
+            <a:lvl7pPr marL="3657509" indent="0">
+              <a:buNone/>
+              <a:defRPr sz="1200"/>
+            </a:lvl7pPr>
+            <a:lvl8pPr marL="4267093" indent="0">
+              <a:buNone/>
+              <a:defRPr sz="1200"/>
+            </a:lvl8pPr>
+            <a:lvl9pPr marL="4876678" indent="0">
+              <a:buNone/>
+              <a:defRPr sz="1200"/>
+            </a:lvl9pPr>
+          </a:lstStyle>
+          <a:p>
+            <a:pPr lvl="0"/>
+            <a:r>
+              <a:rPr lang="en-US"/>
+              <a:t>Click to edit Master text styles</a:t>
+            </a:r>
+          </a:p>
+        </p:txBody>
+      </p:sp>
+      <p:sp>
+        <p:nvSpPr>
+          <p:cNvPr id="5" name="Date Placeholder 4"/>
+          <p:cNvSpPr>
+            <a:spLocks noGrp="1"/>
+          </p:cNvSpPr>
+          <p:nvPr>
+            <p:ph type="dt" sz="half" idx="10"/>
+          </p:nvPr>
+        </p:nvSpPr>
+        <p:spPr/>
+        <p:txBody>
+          <a:bodyPr/>
+          <a:lstStyle/>
+          <a:p>
+            <a:fld id="{D088F999-7A4E-6B4F-9FED-EF75B73AD044}" type="datetimeFigureOut">
+              <a:rPr lang="en-US" smtClean="0"/>
+              <a:t>9/22/2021</a:t>
+            </a:fld>
+            <a:endParaRPr lang="en-US"/>
+          </a:p>
+        </p:txBody>
+      </p:sp>
+      <p:sp>
+        <p:nvSpPr>
+          <p:cNvPr id="6" name="Footer Placeholder 5"/>
+          <p:cNvSpPr>
+            <a:spLocks noGrp="1"/>
+          </p:cNvSpPr>
+          <p:nvPr>
+            <p:ph type="ftr" sz="quarter" idx="11"/>
+          </p:nvPr>
+        </p:nvSpPr>
+        <p:spPr/>
+        <p:txBody>
+          <a:bodyPr/>
+          <a:lstStyle/>
+          <a:p>
+            <a:endParaRPr lang="en-US"/>
+          </a:p>
+        </p:txBody>
+      </p:sp>
+      <p:sp>
+        <p:nvSpPr>
+          <p:cNvPr id="7" name="Slide Number Placeholder 6"/>
+          <p:cNvSpPr>
+            <a:spLocks noGrp="1"/>
+          </p:cNvSpPr>
+          <p:nvPr>
+            <p:ph type="sldNum" sz="quarter" idx="12"/>
+          </p:nvPr>
+        </p:nvSpPr>
+        <p:spPr/>
+        <p:txBody>
+          <a:bodyPr/>
+          <a:lstStyle/>
+          <a:p>
+            <a:fld id="{5D024AAD-DF78-DE44-A1F3-EEB19EDC9165}" type="slidenum">
+              <a:rPr lang="en-US" smtClean="0"/>
+              <a:t>‹#›</a:t>
+            </a:fld>
+            <a:endParaRPr lang="en-US"/>
+          </a:p>
+        </p:txBody>
+      </p:sp>
+    </p:spTree>
+    <p:extLst>
+      <p:ext uri="{BB962C8B-B14F-4D97-AF65-F5344CB8AC3E}">
+        <p14:creationId xmlns:p14="http://schemas.microsoft.com/office/powerpoint/2010/main" val="3023080952"/>
       </p:ext>
     </p:extLst>
   </p:cSld>
@@ -1329,7 +3327,7 @@
           <a:p>
             <a:fld id="{C70E03BD-25A7-4674-8CC2-6C56BFB98E22}" type="datetimeFigureOut">
               <a:rPr lang="en-US" smtClean="0"/>
-              <a:t>9/15/2021</a:t>
+              <a:t>9/22/2021</a:t>
             </a:fld>
             <a:endParaRPr lang="en-US"/>
           </a:p>
@@ -1381,6 +3379,604 @@
     <p:extLst>
       <p:ext uri="{BB962C8B-B14F-4D97-AF65-F5344CB8AC3E}">
         <p14:creationId xmlns:p14="http://schemas.microsoft.com/office/powerpoint/2010/main" val="1110535285"/>
+      </p:ext>
+    </p:extLst>
+  </p:cSld>
+  <p:clrMapOvr>
+    <a:masterClrMapping/>
+  </p:clrMapOvr>
+</p:sldLayout>
+</file>
+
+<file path=ppt/slideLayouts/slideLayout20.xml><?xml version="1.0" encoding="utf-8"?>
+<p:sldLayout xmlns:a="http://schemas.openxmlformats.org/drawingml/2006/main" xmlns:r="http://schemas.openxmlformats.org/officeDocument/2006/relationships" xmlns:p="http://schemas.openxmlformats.org/presentationml/2006/main" type="picTx" preserve="1">
+  <p:cSld name="Picture with Caption">
+    <p:spTree>
+      <p:nvGrpSpPr>
+        <p:cNvPr id="1" name=""/>
+        <p:cNvGrpSpPr/>
+        <p:nvPr/>
+      </p:nvGrpSpPr>
+      <p:grpSpPr>
+        <a:xfrm>
+          <a:off x="0" y="0"/>
+          <a:ext cx="0" cy="0"/>
+          <a:chOff x="0" y="0"/>
+          <a:chExt cx="0" cy="0"/>
+        </a:xfrm>
+      </p:grpSpPr>
+      <p:sp>
+        <p:nvSpPr>
+          <p:cNvPr id="2" name="Title 1"/>
+          <p:cNvSpPr>
+            <a:spLocks noGrp="1"/>
+          </p:cNvSpPr>
+          <p:nvPr>
+            <p:ph type="title"/>
+          </p:nvPr>
+        </p:nvSpPr>
+        <p:spPr>
+          <a:xfrm>
+            <a:off x="2389717" y="4800600"/>
+            <a:ext cx="7315200" cy="567267"/>
+          </a:xfrm>
+        </p:spPr>
+        <p:txBody>
+          <a:bodyPr anchor="b"/>
+          <a:lstStyle>
+            <a:lvl1pPr algn="l">
+              <a:defRPr sz="2667" b="1"/>
+            </a:lvl1pPr>
+          </a:lstStyle>
+          <a:p>
+            <a:r>
+              <a:rPr lang="en-US"/>
+              <a:t>Click to edit Master title style</a:t>
+            </a:r>
+          </a:p>
+        </p:txBody>
+      </p:sp>
+      <p:sp>
+        <p:nvSpPr>
+          <p:cNvPr id="3" name="Picture Placeholder 2"/>
+          <p:cNvSpPr>
+            <a:spLocks noGrp="1"/>
+          </p:cNvSpPr>
+          <p:nvPr>
+            <p:ph type="pic" idx="1"/>
+          </p:nvPr>
+        </p:nvSpPr>
+        <p:spPr>
+          <a:xfrm>
+            <a:off x="2389717" y="613833"/>
+            <a:ext cx="7315200" cy="4114800"/>
+          </a:xfrm>
+        </p:spPr>
+        <p:txBody>
+          <a:bodyPr/>
+          <a:lstStyle>
+            <a:lvl1pPr marL="0" indent="0">
+              <a:buNone/>
+              <a:defRPr sz="4267"/>
+            </a:lvl1pPr>
+            <a:lvl2pPr marL="609585" indent="0">
+              <a:buNone/>
+              <a:defRPr sz="3733"/>
+            </a:lvl2pPr>
+            <a:lvl3pPr marL="1219170" indent="0">
+              <a:buNone/>
+              <a:defRPr sz="3200"/>
+            </a:lvl3pPr>
+            <a:lvl4pPr marL="1828754" indent="0">
+              <a:buNone/>
+              <a:defRPr sz="2667"/>
+            </a:lvl4pPr>
+            <a:lvl5pPr marL="2438339" indent="0">
+              <a:buNone/>
+              <a:defRPr sz="2667"/>
+            </a:lvl5pPr>
+            <a:lvl6pPr marL="3047924" indent="0">
+              <a:buNone/>
+              <a:defRPr sz="2667"/>
+            </a:lvl6pPr>
+            <a:lvl7pPr marL="3657509" indent="0">
+              <a:buNone/>
+              <a:defRPr sz="2667"/>
+            </a:lvl7pPr>
+            <a:lvl8pPr marL="4267093" indent="0">
+              <a:buNone/>
+              <a:defRPr sz="2667"/>
+            </a:lvl8pPr>
+            <a:lvl9pPr marL="4876678" indent="0">
+              <a:buNone/>
+              <a:defRPr sz="2667"/>
+            </a:lvl9pPr>
+          </a:lstStyle>
+          <a:p>
+            <a:endParaRPr lang="en-US"/>
+          </a:p>
+        </p:txBody>
+      </p:sp>
+      <p:sp>
+        <p:nvSpPr>
+          <p:cNvPr id="4" name="Text Placeholder 3"/>
+          <p:cNvSpPr>
+            <a:spLocks noGrp="1"/>
+          </p:cNvSpPr>
+          <p:nvPr>
+            <p:ph type="body" sz="half" idx="2"/>
+          </p:nvPr>
+        </p:nvSpPr>
+        <p:spPr>
+          <a:xfrm>
+            <a:off x="2389717" y="5367867"/>
+            <a:ext cx="7315200" cy="804333"/>
+          </a:xfrm>
+        </p:spPr>
+        <p:txBody>
+          <a:bodyPr/>
+          <a:lstStyle>
+            <a:lvl1pPr marL="0" indent="0">
+              <a:buNone/>
+              <a:defRPr sz="1867"/>
+            </a:lvl1pPr>
+            <a:lvl2pPr marL="609585" indent="0">
+              <a:buNone/>
+              <a:defRPr sz="1600"/>
+            </a:lvl2pPr>
+            <a:lvl3pPr marL="1219170" indent="0">
+              <a:buNone/>
+              <a:defRPr sz="1333"/>
+            </a:lvl3pPr>
+            <a:lvl4pPr marL="1828754" indent="0">
+              <a:buNone/>
+              <a:defRPr sz="1200"/>
+            </a:lvl4pPr>
+            <a:lvl5pPr marL="2438339" indent="0">
+              <a:buNone/>
+              <a:defRPr sz="1200"/>
+            </a:lvl5pPr>
+            <a:lvl6pPr marL="3047924" indent="0">
+              <a:buNone/>
+              <a:defRPr sz="1200"/>
+            </a:lvl6pPr>
+            <a:lvl7pPr marL="3657509" indent="0">
+              <a:buNone/>
+              <a:defRPr sz="1200"/>
+            </a:lvl7pPr>
+            <a:lvl8pPr marL="4267093" indent="0">
+              <a:buNone/>
+              <a:defRPr sz="1200"/>
+            </a:lvl8pPr>
+            <a:lvl9pPr marL="4876678" indent="0">
+              <a:buNone/>
+              <a:defRPr sz="1200"/>
+            </a:lvl9pPr>
+          </a:lstStyle>
+          <a:p>
+            <a:pPr lvl="0"/>
+            <a:r>
+              <a:rPr lang="en-US"/>
+              <a:t>Click to edit Master text styles</a:t>
+            </a:r>
+          </a:p>
+        </p:txBody>
+      </p:sp>
+      <p:sp>
+        <p:nvSpPr>
+          <p:cNvPr id="5" name="Date Placeholder 4"/>
+          <p:cNvSpPr>
+            <a:spLocks noGrp="1"/>
+          </p:cNvSpPr>
+          <p:nvPr>
+            <p:ph type="dt" sz="half" idx="10"/>
+          </p:nvPr>
+        </p:nvSpPr>
+        <p:spPr/>
+        <p:txBody>
+          <a:bodyPr/>
+          <a:lstStyle/>
+          <a:p>
+            <a:fld id="{D088F999-7A4E-6B4F-9FED-EF75B73AD044}" type="datetimeFigureOut">
+              <a:rPr lang="en-US" smtClean="0"/>
+              <a:t>9/22/2021</a:t>
+            </a:fld>
+            <a:endParaRPr lang="en-US"/>
+          </a:p>
+        </p:txBody>
+      </p:sp>
+      <p:sp>
+        <p:nvSpPr>
+          <p:cNvPr id="6" name="Footer Placeholder 5"/>
+          <p:cNvSpPr>
+            <a:spLocks noGrp="1"/>
+          </p:cNvSpPr>
+          <p:nvPr>
+            <p:ph type="ftr" sz="quarter" idx="11"/>
+          </p:nvPr>
+        </p:nvSpPr>
+        <p:spPr/>
+        <p:txBody>
+          <a:bodyPr/>
+          <a:lstStyle/>
+          <a:p>
+            <a:endParaRPr lang="en-US"/>
+          </a:p>
+        </p:txBody>
+      </p:sp>
+      <p:sp>
+        <p:nvSpPr>
+          <p:cNvPr id="7" name="Slide Number Placeholder 6"/>
+          <p:cNvSpPr>
+            <a:spLocks noGrp="1"/>
+          </p:cNvSpPr>
+          <p:nvPr>
+            <p:ph type="sldNum" sz="quarter" idx="12"/>
+          </p:nvPr>
+        </p:nvSpPr>
+        <p:spPr/>
+        <p:txBody>
+          <a:bodyPr/>
+          <a:lstStyle/>
+          <a:p>
+            <a:fld id="{5D024AAD-DF78-DE44-A1F3-EEB19EDC9165}" type="slidenum">
+              <a:rPr lang="en-US" smtClean="0"/>
+              <a:t>‹#›</a:t>
+            </a:fld>
+            <a:endParaRPr lang="en-US"/>
+          </a:p>
+        </p:txBody>
+      </p:sp>
+    </p:spTree>
+    <p:extLst>
+      <p:ext uri="{BB962C8B-B14F-4D97-AF65-F5344CB8AC3E}">
+        <p14:creationId xmlns:p14="http://schemas.microsoft.com/office/powerpoint/2010/main" val="2718890531"/>
+      </p:ext>
+    </p:extLst>
+  </p:cSld>
+  <p:clrMapOvr>
+    <a:masterClrMapping/>
+  </p:clrMapOvr>
+</p:sldLayout>
+</file>
+
+<file path=ppt/slideLayouts/slideLayout21.xml><?xml version="1.0" encoding="utf-8"?>
+<p:sldLayout xmlns:a="http://schemas.openxmlformats.org/drawingml/2006/main" xmlns:r="http://schemas.openxmlformats.org/officeDocument/2006/relationships" xmlns:p="http://schemas.openxmlformats.org/presentationml/2006/main" type="vertTx" preserve="1">
+  <p:cSld name="Title and Vertical Text">
+    <p:spTree>
+      <p:nvGrpSpPr>
+        <p:cNvPr id="1" name=""/>
+        <p:cNvGrpSpPr/>
+        <p:nvPr/>
+      </p:nvGrpSpPr>
+      <p:grpSpPr>
+        <a:xfrm>
+          <a:off x="0" y="0"/>
+          <a:ext cx="0" cy="0"/>
+          <a:chOff x="0" y="0"/>
+          <a:chExt cx="0" cy="0"/>
+        </a:xfrm>
+      </p:grpSpPr>
+      <p:sp>
+        <p:nvSpPr>
+          <p:cNvPr id="2" name="Title 1"/>
+          <p:cNvSpPr>
+            <a:spLocks noGrp="1"/>
+          </p:cNvSpPr>
+          <p:nvPr>
+            <p:ph type="title"/>
+          </p:nvPr>
+        </p:nvSpPr>
+        <p:spPr/>
+        <p:txBody>
+          <a:bodyPr/>
+          <a:lstStyle/>
+          <a:p>
+            <a:r>
+              <a:rPr lang="en-US"/>
+              <a:t>Click to edit Master title style</a:t>
+            </a:r>
+          </a:p>
+        </p:txBody>
+      </p:sp>
+      <p:sp>
+        <p:nvSpPr>
+          <p:cNvPr id="3" name="Vertical Text Placeholder 2"/>
+          <p:cNvSpPr>
+            <a:spLocks noGrp="1"/>
+          </p:cNvSpPr>
+          <p:nvPr>
+            <p:ph type="body" orient="vert" idx="1"/>
+          </p:nvPr>
+        </p:nvSpPr>
+        <p:spPr/>
+        <p:txBody>
+          <a:bodyPr vert="eaVert"/>
+          <a:lstStyle/>
+          <a:p>
+            <a:pPr lvl="0"/>
+            <a:r>
+              <a:rPr lang="en-US"/>
+              <a:t>Click to edit Master text styles</a:t>
+            </a:r>
+          </a:p>
+          <a:p>
+            <a:pPr lvl="1"/>
+            <a:r>
+              <a:rPr lang="en-US"/>
+              <a:t>Second level</a:t>
+            </a:r>
+          </a:p>
+          <a:p>
+            <a:pPr lvl="2"/>
+            <a:r>
+              <a:rPr lang="en-US"/>
+              <a:t>Third level</a:t>
+            </a:r>
+          </a:p>
+          <a:p>
+            <a:pPr lvl="3"/>
+            <a:r>
+              <a:rPr lang="en-US"/>
+              <a:t>Fourth level</a:t>
+            </a:r>
+          </a:p>
+          <a:p>
+            <a:pPr lvl="4"/>
+            <a:r>
+              <a:rPr lang="en-US"/>
+              <a:t>Fifth level</a:t>
+            </a:r>
+          </a:p>
+        </p:txBody>
+      </p:sp>
+      <p:sp>
+        <p:nvSpPr>
+          <p:cNvPr id="4" name="Date Placeholder 3"/>
+          <p:cNvSpPr>
+            <a:spLocks noGrp="1"/>
+          </p:cNvSpPr>
+          <p:nvPr>
+            <p:ph type="dt" sz="half" idx="10"/>
+          </p:nvPr>
+        </p:nvSpPr>
+        <p:spPr/>
+        <p:txBody>
+          <a:bodyPr/>
+          <a:lstStyle/>
+          <a:p>
+            <a:fld id="{D088F999-7A4E-6B4F-9FED-EF75B73AD044}" type="datetimeFigureOut">
+              <a:rPr lang="en-US" smtClean="0"/>
+              <a:t>9/22/2021</a:t>
+            </a:fld>
+            <a:endParaRPr lang="en-US"/>
+          </a:p>
+        </p:txBody>
+      </p:sp>
+      <p:sp>
+        <p:nvSpPr>
+          <p:cNvPr id="5" name="Footer Placeholder 4"/>
+          <p:cNvSpPr>
+            <a:spLocks noGrp="1"/>
+          </p:cNvSpPr>
+          <p:nvPr>
+            <p:ph type="ftr" sz="quarter" idx="11"/>
+          </p:nvPr>
+        </p:nvSpPr>
+        <p:spPr/>
+        <p:txBody>
+          <a:bodyPr/>
+          <a:lstStyle/>
+          <a:p>
+            <a:endParaRPr lang="en-US"/>
+          </a:p>
+        </p:txBody>
+      </p:sp>
+      <p:sp>
+        <p:nvSpPr>
+          <p:cNvPr id="6" name="Slide Number Placeholder 5"/>
+          <p:cNvSpPr>
+            <a:spLocks noGrp="1"/>
+          </p:cNvSpPr>
+          <p:nvPr>
+            <p:ph type="sldNum" sz="quarter" idx="12"/>
+          </p:nvPr>
+        </p:nvSpPr>
+        <p:spPr/>
+        <p:txBody>
+          <a:bodyPr/>
+          <a:lstStyle/>
+          <a:p>
+            <a:fld id="{5D024AAD-DF78-DE44-A1F3-EEB19EDC9165}" type="slidenum">
+              <a:rPr lang="en-US" smtClean="0"/>
+              <a:t>‹#›</a:t>
+            </a:fld>
+            <a:endParaRPr lang="en-US"/>
+          </a:p>
+        </p:txBody>
+      </p:sp>
+    </p:spTree>
+    <p:extLst>
+      <p:ext uri="{BB962C8B-B14F-4D97-AF65-F5344CB8AC3E}">
+        <p14:creationId xmlns:p14="http://schemas.microsoft.com/office/powerpoint/2010/main" val="699948712"/>
+      </p:ext>
+    </p:extLst>
+  </p:cSld>
+  <p:clrMapOvr>
+    <a:masterClrMapping/>
+  </p:clrMapOvr>
+</p:sldLayout>
+</file>
+
+<file path=ppt/slideLayouts/slideLayout22.xml><?xml version="1.0" encoding="utf-8"?>
+<p:sldLayout xmlns:a="http://schemas.openxmlformats.org/drawingml/2006/main" xmlns:r="http://schemas.openxmlformats.org/officeDocument/2006/relationships" xmlns:p="http://schemas.openxmlformats.org/presentationml/2006/main" type="vertTitleAndTx" preserve="1">
+  <p:cSld name="Vertical Title and Text">
+    <p:spTree>
+      <p:nvGrpSpPr>
+        <p:cNvPr id="1" name=""/>
+        <p:cNvGrpSpPr/>
+        <p:nvPr/>
+      </p:nvGrpSpPr>
+      <p:grpSpPr>
+        <a:xfrm>
+          <a:off x="0" y="0"/>
+          <a:ext cx="0" cy="0"/>
+          <a:chOff x="0" y="0"/>
+          <a:chExt cx="0" cy="0"/>
+        </a:xfrm>
+      </p:grpSpPr>
+      <p:sp>
+        <p:nvSpPr>
+          <p:cNvPr id="2" name="Vertical Title 1"/>
+          <p:cNvSpPr>
+            <a:spLocks noGrp="1"/>
+          </p:cNvSpPr>
+          <p:nvPr>
+            <p:ph type="title" orient="vert"/>
+          </p:nvPr>
+        </p:nvSpPr>
+        <p:spPr>
+          <a:xfrm>
+            <a:off x="8839200" y="275167"/>
+            <a:ext cx="2743200" cy="5850467"/>
+          </a:xfrm>
+        </p:spPr>
+        <p:txBody>
+          <a:bodyPr vert="eaVert"/>
+          <a:lstStyle/>
+          <a:p>
+            <a:r>
+              <a:rPr lang="en-US"/>
+              <a:t>Click to edit Master title style</a:t>
+            </a:r>
+          </a:p>
+        </p:txBody>
+      </p:sp>
+      <p:sp>
+        <p:nvSpPr>
+          <p:cNvPr id="3" name="Vertical Text Placeholder 2"/>
+          <p:cNvSpPr>
+            <a:spLocks noGrp="1"/>
+          </p:cNvSpPr>
+          <p:nvPr>
+            <p:ph type="body" orient="vert" idx="1"/>
+          </p:nvPr>
+        </p:nvSpPr>
+        <p:spPr>
+          <a:xfrm>
+            <a:off x="609600" y="275167"/>
+            <a:ext cx="8026400" cy="5850467"/>
+          </a:xfrm>
+        </p:spPr>
+        <p:txBody>
+          <a:bodyPr vert="eaVert"/>
+          <a:lstStyle/>
+          <a:p>
+            <a:pPr lvl="0"/>
+            <a:r>
+              <a:rPr lang="en-US"/>
+              <a:t>Click to edit Master text styles</a:t>
+            </a:r>
+          </a:p>
+          <a:p>
+            <a:pPr lvl="1"/>
+            <a:r>
+              <a:rPr lang="en-US"/>
+              <a:t>Second level</a:t>
+            </a:r>
+          </a:p>
+          <a:p>
+            <a:pPr lvl="2"/>
+            <a:r>
+              <a:rPr lang="en-US"/>
+              <a:t>Third level</a:t>
+            </a:r>
+          </a:p>
+          <a:p>
+            <a:pPr lvl="3"/>
+            <a:r>
+              <a:rPr lang="en-US"/>
+              <a:t>Fourth level</a:t>
+            </a:r>
+          </a:p>
+          <a:p>
+            <a:pPr lvl="4"/>
+            <a:r>
+              <a:rPr lang="en-US"/>
+              <a:t>Fifth level</a:t>
+            </a:r>
+          </a:p>
+        </p:txBody>
+      </p:sp>
+      <p:sp>
+        <p:nvSpPr>
+          <p:cNvPr id="4" name="Date Placeholder 3"/>
+          <p:cNvSpPr>
+            <a:spLocks noGrp="1"/>
+          </p:cNvSpPr>
+          <p:nvPr>
+            <p:ph type="dt" sz="half" idx="10"/>
+          </p:nvPr>
+        </p:nvSpPr>
+        <p:spPr/>
+        <p:txBody>
+          <a:bodyPr/>
+          <a:lstStyle/>
+          <a:p>
+            <a:fld id="{D088F999-7A4E-6B4F-9FED-EF75B73AD044}" type="datetimeFigureOut">
+              <a:rPr lang="en-US" smtClean="0"/>
+              <a:t>9/22/2021</a:t>
+            </a:fld>
+            <a:endParaRPr lang="en-US"/>
+          </a:p>
+        </p:txBody>
+      </p:sp>
+      <p:sp>
+        <p:nvSpPr>
+          <p:cNvPr id="5" name="Footer Placeholder 4"/>
+          <p:cNvSpPr>
+            <a:spLocks noGrp="1"/>
+          </p:cNvSpPr>
+          <p:nvPr>
+            <p:ph type="ftr" sz="quarter" idx="11"/>
+          </p:nvPr>
+        </p:nvSpPr>
+        <p:spPr/>
+        <p:txBody>
+          <a:bodyPr/>
+          <a:lstStyle/>
+          <a:p>
+            <a:endParaRPr lang="en-US"/>
+          </a:p>
+        </p:txBody>
+      </p:sp>
+      <p:sp>
+        <p:nvSpPr>
+          <p:cNvPr id="6" name="Slide Number Placeholder 5"/>
+          <p:cNvSpPr>
+            <a:spLocks noGrp="1"/>
+          </p:cNvSpPr>
+          <p:nvPr>
+            <p:ph type="sldNum" sz="quarter" idx="12"/>
+          </p:nvPr>
+        </p:nvSpPr>
+        <p:spPr/>
+        <p:txBody>
+          <a:bodyPr/>
+          <a:lstStyle/>
+          <a:p>
+            <a:fld id="{5D024AAD-DF78-DE44-A1F3-EEB19EDC9165}" type="slidenum">
+              <a:rPr lang="en-US" smtClean="0"/>
+              <a:t>‹#›</a:t>
+            </a:fld>
+            <a:endParaRPr lang="en-US"/>
+          </a:p>
+        </p:txBody>
+      </p:sp>
+    </p:spTree>
+    <p:extLst>
+      <p:ext uri="{BB962C8B-B14F-4D97-AF65-F5344CB8AC3E}">
+        <p14:creationId xmlns:p14="http://schemas.microsoft.com/office/powerpoint/2010/main" val="3526833263"/>
       </p:ext>
     </p:extLst>
   </p:cSld>
@@ -1666,7 +4262,7 @@
           <a:p>
             <a:fld id="{C70E03BD-25A7-4674-8CC2-6C56BFB98E22}" type="datetimeFigureOut">
               <a:rPr lang="en-US" smtClean="0"/>
-              <a:t>9/15/2021</a:t>
+              <a:t>9/22/2021</a:t>
             </a:fld>
             <a:endParaRPr lang="en-US"/>
           </a:p>
@@ -1941,7 +4537,7 @@
           <a:p>
             <a:fld id="{C70E03BD-25A7-4674-8CC2-6C56BFB98E22}" type="datetimeFigureOut">
               <a:rPr lang="en-US" smtClean="0"/>
-              <a:t>9/15/2021</a:t>
+              <a:t>9/22/2021</a:t>
             </a:fld>
             <a:endParaRPr lang="en-US"/>
           </a:p>
@@ -2324,7 +4920,7 @@
           <a:p>
             <a:fld id="{C70E03BD-25A7-4674-8CC2-6C56BFB98E22}" type="datetimeFigureOut">
               <a:rPr lang="en-US" smtClean="0"/>
-              <a:t>9/15/2021</a:t>
+              <a:t>9/22/2021</a:t>
             </a:fld>
             <a:endParaRPr lang="en-US"/>
           </a:p>
@@ -2442,7 +5038,7 @@
           <a:p>
             <a:fld id="{C70E03BD-25A7-4674-8CC2-6C56BFB98E22}" type="datetimeFigureOut">
               <a:rPr lang="en-US" smtClean="0"/>
-              <a:t>9/15/2021</a:t>
+              <a:t>9/22/2021</a:t>
             </a:fld>
             <a:endParaRPr lang="en-US"/>
           </a:p>
@@ -2615,7 +5211,7 @@
           <a:p>
             <a:fld id="{C70E03BD-25A7-4674-8CC2-6C56BFB98E22}" type="datetimeFigureOut">
               <a:rPr lang="en-US" smtClean="0"/>
-              <a:t>9/15/2021</a:t>
+              <a:t>9/22/2021</a:t>
             </a:fld>
             <a:endParaRPr lang="en-US"/>
           </a:p>
@@ -2971,7 +5567,7 @@
           <a:p>
             <a:fld id="{C70E03BD-25A7-4674-8CC2-6C56BFB98E22}" type="datetimeFigureOut">
               <a:rPr lang="en-US" smtClean="0"/>
-              <a:t>9/15/2021</a:t>
+              <a:t>9/22/2021</a:t>
             </a:fld>
             <a:endParaRPr lang="en-US"/>
           </a:p>
@@ -3319,7 +5915,7 @@
           <a:p>
             <a:fld id="{C70E03BD-25A7-4674-8CC2-6C56BFB98E22}" type="datetimeFigureOut">
               <a:rPr lang="en-US" smtClean="0"/>
-              <a:t>9/15/2021</a:t>
+              <a:t>9/22/2021</a:t>
             </a:fld>
             <a:endParaRPr lang="en-US"/>
           </a:p>
@@ -3630,7 +6226,7 @@
           <a:p>
             <a:fld id="{C70E03BD-25A7-4674-8CC2-6C56BFB98E22}" type="datetimeFigureOut">
               <a:rPr lang="en-US" smtClean="0"/>
-              <a:t>9/15/2021</a:t>
+              <a:t>9/22/2021</a:t>
             </a:fld>
             <a:endParaRPr lang="en-US"/>
           </a:p>
@@ -4137,7 +6733,941 @@
 </p:sldMaster>
 </file>
 
+<file path=ppt/slideMasters/slideMaster2.xml><?xml version="1.0" encoding="utf-8"?>
+<p:sldMaster xmlns:a="http://schemas.openxmlformats.org/drawingml/2006/main" xmlns:r="http://schemas.openxmlformats.org/officeDocument/2006/relationships" xmlns:p="http://schemas.openxmlformats.org/presentationml/2006/main" preserve="1">
+  <p:cSld>
+    <p:bg>
+      <p:bgPr>
+        <a:blipFill dpi="0" rotWithShape="1">
+          <a:blip r:embed="rId13">
+            <a:lum/>
+          </a:blip>
+          <a:srcRect/>
+          <a:stretch>
+            <a:fillRect/>
+          </a:stretch>
+        </a:blipFill>
+        <a:effectLst/>
+      </p:bgPr>
+    </p:bg>
+    <p:spTree>
+      <p:nvGrpSpPr>
+        <p:cNvPr id="1" name=""/>
+        <p:cNvGrpSpPr/>
+        <p:nvPr/>
+      </p:nvGrpSpPr>
+      <p:grpSpPr>
+        <a:xfrm>
+          <a:off x="0" y="0"/>
+          <a:ext cx="0" cy="0"/>
+          <a:chOff x="0" y="0"/>
+          <a:chExt cx="0" cy="0"/>
+        </a:xfrm>
+      </p:grpSpPr>
+      <p:sp>
+        <p:nvSpPr>
+          <p:cNvPr id="2" name="Title Placeholder 1"/>
+          <p:cNvSpPr>
+            <a:spLocks noGrp="1"/>
+          </p:cNvSpPr>
+          <p:nvPr>
+            <p:ph type="title"/>
+          </p:nvPr>
+        </p:nvSpPr>
+        <p:spPr>
+          <a:xfrm>
+            <a:off x="609600" y="275167"/>
+            <a:ext cx="10972800" cy="1143000"/>
+          </a:xfrm>
+          <a:prstGeom prst="rect">
+            <a:avLst/>
+          </a:prstGeom>
+        </p:spPr>
+        <p:txBody>
+          <a:bodyPr vert="horz" lIns="91440" tIns="45720" rIns="91440" bIns="45720" rtlCol="0" anchor="ctr">
+            <a:normAutofit/>
+          </a:bodyPr>
+          <a:lstStyle/>
+          <a:p>
+            <a:r>
+              <a:rPr lang="en-US"/>
+              <a:t>Click to edit Master title style</a:t>
+            </a:r>
+          </a:p>
+        </p:txBody>
+      </p:sp>
+      <p:sp>
+        <p:nvSpPr>
+          <p:cNvPr id="3" name="Text Placeholder 2"/>
+          <p:cNvSpPr>
+            <a:spLocks noGrp="1"/>
+          </p:cNvSpPr>
+          <p:nvPr>
+            <p:ph type="body" idx="1"/>
+          </p:nvPr>
+        </p:nvSpPr>
+        <p:spPr>
+          <a:xfrm>
+            <a:off x="609600" y="1600201"/>
+            <a:ext cx="10972800" cy="4525433"/>
+          </a:xfrm>
+          <a:prstGeom prst="rect">
+            <a:avLst/>
+          </a:prstGeom>
+        </p:spPr>
+        <p:txBody>
+          <a:bodyPr vert="horz" lIns="91440" tIns="45720" rIns="91440" bIns="45720" rtlCol="0">
+            <a:normAutofit/>
+          </a:bodyPr>
+          <a:lstStyle/>
+          <a:p>
+            <a:pPr lvl="0"/>
+            <a:r>
+              <a:rPr lang="en-US"/>
+              <a:t>Click to edit Master text styles</a:t>
+            </a:r>
+          </a:p>
+          <a:p>
+            <a:pPr lvl="1"/>
+            <a:r>
+              <a:rPr lang="en-US"/>
+              <a:t>Second level</a:t>
+            </a:r>
+          </a:p>
+          <a:p>
+            <a:pPr lvl="2"/>
+            <a:r>
+              <a:rPr lang="en-US"/>
+              <a:t>Third level</a:t>
+            </a:r>
+          </a:p>
+          <a:p>
+            <a:pPr lvl="3"/>
+            <a:r>
+              <a:rPr lang="en-US"/>
+              <a:t>Fourth level</a:t>
+            </a:r>
+          </a:p>
+          <a:p>
+            <a:pPr lvl="4"/>
+            <a:r>
+              <a:rPr lang="en-US"/>
+              <a:t>Fifth level</a:t>
+            </a:r>
+          </a:p>
+        </p:txBody>
+      </p:sp>
+      <p:sp>
+        <p:nvSpPr>
+          <p:cNvPr id="4" name="Date Placeholder 3"/>
+          <p:cNvSpPr>
+            <a:spLocks noGrp="1"/>
+          </p:cNvSpPr>
+          <p:nvPr>
+            <p:ph type="dt" sz="half" idx="2"/>
+          </p:nvPr>
+        </p:nvSpPr>
+        <p:spPr>
+          <a:xfrm>
+            <a:off x="609600" y="6356351"/>
+            <a:ext cx="2844800" cy="366183"/>
+          </a:xfrm>
+          <a:prstGeom prst="rect">
+            <a:avLst/>
+          </a:prstGeom>
+        </p:spPr>
+        <p:txBody>
+          <a:bodyPr vert="horz" lIns="91440" tIns="45720" rIns="91440" bIns="45720" rtlCol="0" anchor="ctr"/>
+          <a:lstStyle>
+            <a:lvl1pPr algn="l">
+              <a:defRPr sz="1600">
+                <a:solidFill>
+                  <a:schemeClr val="tx1">
+                    <a:tint val="75000"/>
+                  </a:schemeClr>
+                </a:solidFill>
+              </a:defRPr>
+            </a:lvl1pPr>
+          </a:lstStyle>
+          <a:p>
+            <a:fld id="{D088F999-7A4E-6B4F-9FED-EF75B73AD044}" type="datetimeFigureOut">
+              <a:rPr lang="en-US" smtClean="0"/>
+              <a:t>9/22/2021</a:t>
+            </a:fld>
+            <a:endParaRPr lang="en-US"/>
+          </a:p>
+        </p:txBody>
+      </p:sp>
+      <p:sp>
+        <p:nvSpPr>
+          <p:cNvPr id="5" name="Footer Placeholder 4"/>
+          <p:cNvSpPr>
+            <a:spLocks noGrp="1"/>
+          </p:cNvSpPr>
+          <p:nvPr>
+            <p:ph type="ftr" sz="quarter" idx="3"/>
+          </p:nvPr>
+        </p:nvSpPr>
+        <p:spPr>
+          <a:xfrm>
+            <a:off x="4165600" y="6356351"/>
+            <a:ext cx="3860800" cy="366183"/>
+          </a:xfrm>
+          <a:prstGeom prst="rect">
+            <a:avLst/>
+          </a:prstGeom>
+        </p:spPr>
+        <p:txBody>
+          <a:bodyPr vert="horz" lIns="91440" tIns="45720" rIns="91440" bIns="45720" rtlCol="0" anchor="ctr"/>
+          <a:lstStyle>
+            <a:lvl1pPr algn="ctr">
+              <a:defRPr sz="1600">
+                <a:solidFill>
+                  <a:schemeClr val="tx1">
+                    <a:tint val="75000"/>
+                  </a:schemeClr>
+                </a:solidFill>
+              </a:defRPr>
+            </a:lvl1pPr>
+          </a:lstStyle>
+          <a:p>
+            <a:endParaRPr lang="en-US"/>
+          </a:p>
+        </p:txBody>
+      </p:sp>
+      <p:sp>
+        <p:nvSpPr>
+          <p:cNvPr id="6" name="Slide Number Placeholder 5"/>
+          <p:cNvSpPr>
+            <a:spLocks noGrp="1"/>
+          </p:cNvSpPr>
+          <p:nvPr>
+            <p:ph type="sldNum" sz="quarter" idx="4"/>
+          </p:nvPr>
+        </p:nvSpPr>
+        <p:spPr>
+          <a:xfrm>
+            <a:off x="8737600" y="6356351"/>
+            <a:ext cx="2844800" cy="366183"/>
+          </a:xfrm>
+          <a:prstGeom prst="rect">
+            <a:avLst/>
+          </a:prstGeom>
+        </p:spPr>
+        <p:txBody>
+          <a:bodyPr vert="horz" lIns="91440" tIns="45720" rIns="91440" bIns="45720" rtlCol="0" anchor="ctr"/>
+          <a:lstStyle>
+            <a:lvl1pPr algn="r">
+              <a:defRPr sz="1600">
+                <a:solidFill>
+                  <a:schemeClr val="tx1">
+                    <a:tint val="75000"/>
+                  </a:schemeClr>
+                </a:solidFill>
+              </a:defRPr>
+            </a:lvl1pPr>
+          </a:lstStyle>
+          <a:p>
+            <a:fld id="{5D024AAD-DF78-DE44-A1F3-EEB19EDC9165}" type="slidenum">
+              <a:rPr lang="en-US" smtClean="0"/>
+              <a:t>‹#›</a:t>
+            </a:fld>
+            <a:endParaRPr lang="en-US"/>
+          </a:p>
+        </p:txBody>
+      </p:sp>
+    </p:spTree>
+    <p:extLst>
+      <p:ext uri="{BB962C8B-B14F-4D97-AF65-F5344CB8AC3E}">
+        <p14:creationId xmlns:p14="http://schemas.microsoft.com/office/powerpoint/2010/main" val="597388321"/>
+      </p:ext>
+    </p:extLst>
+  </p:cSld>
+  <p:clrMap bg1="lt1" tx1="dk1" bg2="lt2" tx2="dk2" accent1="accent1" accent2="accent2" accent3="accent3" accent4="accent4" accent5="accent5" accent6="accent6" hlink="hlink" folHlink="folHlink"/>
+  <p:sldLayoutIdLst>
+    <p:sldLayoutId id="2147483709" r:id="rId1"/>
+    <p:sldLayoutId id="2147483710" r:id="rId2"/>
+    <p:sldLayoutId id="2147483711" r:id="rId3"/>
+    <p:sldLayoutId id="2147483712" r:id="rId4"/>
+    <p:sldLayoutId id="2147483713" r:id="rId5"/>
+    <p:sldLayoutId id="2147483714" r:id="rId6"/>
+    <p:sldLayoutId id="2147483715" r:id="rId7"/>
+    <p:sldLayoutId id="2147483716" r:id="rId8"/>
+    <p:sldLayoutId id="2147483717" r:id="rId9"/>
+    <p:sldLayoutId id="2147483718" r:id="rId10"/>
+    <p:sldLayoutId id="2147483719" r:id="rId11"/>
+  </p:sldLayoutIdLst>
+  <p:txStyles>
+    <p:titleStyle>
+      <a:lvl1pPr algn="ctr" defTabSz="609585" rtl="0" eaLnBrk="1" latinLnBrk="0" hangingPunct="1">
+        <a:spcBef>
+          <a:spcPct val="0"/>
+        </a:spcBef>
+        <a:buNone/>
+        <a:defRPr sz="5867" kern="1200">
+          <a:solidFill>
+            <a:schemeClr val="tx1"/>
+          </a:solidFill>
+          <a:latin typeface="+mj-lt"/>
+          <a:ea typeface="+mj-ea"/>
+          <a:cs typeface="+mj-cs"/>
+        </a:defRPr>
+      </a:lvl1pPr>
+    </p:titleStyle>
+    <p:bodyStyle>
+      <a:lvl1pPr marL="457189" indent="-457189" algn="l" defTabSz="609585" rtl="0" eaLnBrk="1" latinLnBrk="0" hangingPunct="1">
+        <a:spcBef>
+          <a:spcPct val="20000"/>
+        </a:spcBef>
+        <a:buFont typeface="Arial"/>
+        <a:buChar char="•"/>
+        <a:defRPr sz="4267" kern="1200">
+          <a:solidFill>
+            <a:schemeClr val="tx1"/>
+          </a:solidFill>
+          <a:latin typeface="+mn-lt"/>
+          <a:ea typeface="+mn-ea"/>
+          <a:cs typeface="+mn-cs"/>
+        </a:defRPr>
+      </a:lvl1pPr>
+      <a:lvl2pPr marL="990575" indent="-380990" algn="l" defTabSz="609585" rtl="0" eaLnBrk="1" latinLnBrk="0" hangingPunct="1">
+        <a:spcBef>
+          <a:spcPct val="20000"/>
+        </a:spcBef>
+        <a:buFont typeface="Arial"/>
+        <a:buChar char="–"/>
+        <a:defRPr sz="3733" kern="1200">
+          <a:solidFill>
+            <a:schemeClr val="tx1"/>
+          </a:solidFill>
+          <a:latin typeface="+mn-lt"/>
+          <a:ea typeface="+mn-ea"/>
+          <a:cs typeface="+mn-cs"/>
+        </a:defRPr>
+      </a:lvl2pPr>
+      <a:lvl3pPr marL="1523962" indent="-304792" algn="l" defTabSz="609585" rtl="0" eaLnBrk="1" latinLnBrk="0" hangingPunct="1">
+        <a:spcBef>
+          <a:spcPct val="20000"/>
+        </a:spcBef>
+        <a:buFont typeface="Arial"/>
+        <a:buChar char="•"/>
+        <a:defRPr sz="3200" kern="1200">
+          <a:solidFill>
+            <a:schemeClr val="tx1"/>
+          </a:solidFill>
+          <a:latin typeface="+mn-lt"/>
+          <a:ea typeface="+mn-ea"/>
+          <a:cs typeface="+mn-cs"/>
+        </a:defRPr>
+      </a:lvl3pPr>
+      <a:lvl4pPr marL="2133547" indent="-304792" algn="l" defTabSz="609585" rtl="0" eaLnBrk="1" latinLnBrk="0" hangingPunct="1">
+        <a:spcBef>
+          <a:spcPct val="20000"/>
+        </a:spcBef>
+        <a:buFont typeface="Arial"/>
+        <a:buChar char="–"/>
+        <a:defRPr sz="2667" kern="1200">
+          <a:solidFill>
+            <a:schemeClr val="tx1"/>
+          </a:solidFill>
+          <a:latin typeface="+mn-lt"/>
+          <a:ea typeface="+mn-ea"/>
+          <a:cs typeface="+mn-cs"/>
+        </a:defRPr>
+      </a:lvl4pPr>
+      <a:lvl5pPr marL="2743131" indent="-304792" algn="l" defTabSz="609585" rtl="0" eaLnBrk="1" latinLnBrk="0" hangingPunct="1">
+        <a:spcBef>
+          <a:spcPct val="20000"/>
+        </a:spcBef>
+        <a:buFont typeface="Arial"/>
+        <a:buChar char="»"/>
+        <a:defRPr sz="2667" kern="1200">
+          <a:solidFill>
+            <a:schemeClr val="tx1"/>
+          </a:solidFill>
+          <a:latin typeface="+mn-lt"/>
+          <a:ea typeface="+mn-ea"/>
+          <a:cs typeface="+mn-cs"/>
+        </a:defRPr>
+      </a:lvl5pPr>
+      <a:lvl6pPr marL="3352716" indent="-304792" algn="l" defTabSz="609585" rtl="0" eaLnBrk="1" latinLnBrk="0" hangingPunct="1">
+        <a:spcBef>
+          <a:spcPct val="20000"/>
+        </a:spcBef>
+        <a:buFont typeface="Arial"/>
+        <a:buChar char="•"/>
+        <a:defRPr sz="2667" kern="1200">
+          <a:solidFill>
+            <a:schemeClr val="tx1"/>
+          </a:solidFill>
+          <a:latin typeface="+mn-lt"/>
+          <a:ea typeface="+mn-ea"/>
+          <a:cs typeface="+mn-cs"/>
+        </a:defRPr>
+      </a:lvl6pPr>
+      <a:lvl7pPr marL="3962301" indent="-304792" algn="l" defTabSz="609585" rtl="0" eaLnBrk="1" latinLnBrk="0" hangingPunct="1">
+        <a:spcBef>
+          <a:spcPct val="20000"/>
+        </a:spcBef>
+        <a:buFont typeface="Arial"/>
+        <a:buChar char="•"/>
+        <a:defRPr sz="2667" kern="1200">
+          <a:solidFill>
+            <a:schemeClr val="tx1"/>
+          </a:solidFill>
+          <a:latin typeface="+mn-lt"/>
+          <a:ea typeface="+mn-ea"/>
+          <a:cs typeface="+mn-cs"/>
+        </a:defRPr>
+      </a:lvl7pPr>
+      <a:lvl8pPr marL="4571886" indent="-304792" algn="l" defTabSz="609585" rtl="0" eaLnBrk="1" latinLnBrk="0" hangingPunct="1">
+        <a:spcBef>
+          <a:spcPct val="20000"/>
+        </a:spcBef>
+        <a:buFont typeface="Arial"/>
+        <a:buChar char="•"/>
+        <a:defRPr sz="2667" kern="1200">
+          <a:solidFill>
+            <a:schemeClr val="tx1"/>
+          </a:solidFill>
+          <a:latin typeface="+mn-lt"/>
+          <a:ea typeface="+mn-ea"/>
+          <a:cs typeface="+mn-cs"/>
+        </a:defRPr>
+      </a:lvl8pPr>
+      <a:lvl9pPr marL="5181470" indent="-304792" algn="l" defTabSz="609585" rtl="0" eaLnBrk="1" latinLnBrk="0" hangingPunct="1">
+        <a:spcBef>
+          <a:spcPct val="20000"/>
+        </a:spcBef>
+        <a:buFont typeface="Arial"/>
+        <a:buChar char="•"/>
+        <a:defRPr sz="2667" kern="1200">
+          <a:solidFill>
+            <a:schemeClr val="tx1"/>
+          </a:solidFill>
+          <a:latin typeface="+mn-lt"/>
+          <a:ea typeface="+mn-ea"/>
+          <a:cs typeface="+mn-cs"/>
+        </a:defRPr>
+      </a:lvl9pPr>
+    </p:bodyStyle>
+    <p:otherStyle>
+      <a:defPPr>
+        <a:defRPr lang="en-US"/>
+      </a:defPPr>
+      <a:lvl1pPr marL="0" algn="l" defTabSz="609585" rtl="0" eaLnBrk="1" latinLnBrk="0" hangingPunct="1">
+        <a:defRPr sz="2400" kern="1200">
+          <a:solidFill>
+            <a:schemeClr val="tx1"/>
+          </a:solidFill>
+          <a:latin typeface="+mn-lt"/>
+          <a:ea typeface="+mn-ea"/>
+          <a:cs typeface="+mn-cs"/>
+        </a:defRPr>
+      </a:lvl1pPr>
+      <a:lvl2pPr marL="609585" algn="l" defTabSz="609585" rtl="0" eaLnBrk="1" latinLnBrk="0" hangingPunct="1">
+        <a:defRPr sz="2400" kern="1200">
+          <a:solidFill>
+            <a:schemeClr val="tx1"/>
+          </a:solidFill>
+          <a:latin typeface="+mn-lt"/>
+          <a:ea typeface="+mn-ea"/>
+          <a:cs typeface="+mn-cs"/>
+        </a:defRPr>
+      </a:lvl2pPr>
+      <a:lvl3pPr marL="1219170" algn="l" defTabSz="609585" rtl="0" eaLnBrk="1" latinLnBrk="0" hangingPunct="1">
+        <a:defRPr sz="2400" kern="1200">
+          <a:solidFill>
+            <a:schemeClr val="tx1"/>
+          </a:solidFill>
+          <a:latin typeface="+mn-lt"/>
+          <a:ea typeface="+mn-ea"/>
+          <a:cs typeface="+mn-cs"/>
+        </a:defRPr>
+      </a:lvl3pPr>
+      <a:lvl4pPr marL="1828754" algn="l" defTabSz="609585" rtl="0" eaLnBrk="1" latinLnBrk="0" hangingPunct="1">
+        <a:defRPr sz="2400" kern="1200">
+          <a:solidFill>
+            <a:schemeClr val="tx1"/>
+          </a:solidFill>
+          <a:latin typeface="+mn-lt"/>
+          <a:ea typeface="+mn-ea"/>
+          <a:cs typeface="+mn-cs"/>
+        </a:defRPr>
+      </a:lvl4pPr>
+      <a:lvl5pPr marL="2438339" algn="l" defTabSz="609585" rtl="0" eaLnBrk="1" latinLnBrk="0" hangingPunct="1">
+        <a:defRPr sz="2400" kern="1200">
+          <a:solidFill>
+            <a:schemeClr val="tx1"/>
+          </a:solidFill>
+          <a:latin typeface="+mn-lt"/>
+          <a:ea typeface="+mn-ea"/>
+          <a:cs typeface="+mn-cs"/>
+        </a:defRPr>
+      </a:lvl5pPr>
+      <a:lvl6pPr marL="3047924" algn="l" defTabSz="609585" rtl="0" eaLnBrk="1" latinLnBrk="0" hangingPunct="1">
+        <a:defRPr sz="2400" kern="1200">
+          <a:solidFill>
+            <a:schemeClr val="tx1"/>
+          </a:solidFill>
+          <a:latin typeface="+mn-lt"/>
+          <a:ea typeface="+mn-ea"/>
+          <a:cs typeface="+mn-cs"/>
+        </a:defRPr>
+      </a:lvl6pPr>
+      <a:lvl7pPr marL="3657509" algn="l" defTabSz="609585" rtl="0" eaLnBrk="1" latinLnBrk="0" hangingPunct="1">
+        <a:defRPr sz="2400" kern="1200">
+          <a:solidFill>
+            <a:schemeClr val="tx1"/>
+          </a:solidFill>
+          <a:latin typeface="+mn-lt"/>
+          <a:ea typeface="+mn-ea"/>
+          <a:cs typeface="+mn-cs"/>
+        </a:defRPr>
+      </a:lvl7pPr>
+      <a:lvl8pPr marL="4267093" algn="l" defTabSz="609585" rtl="0" eaLnBrk="1" latinLnBrk="0" hangingPunct="1">
+        <a:defRPr sz="2400" kern="1200">
+          <a:solidFill>
+            <a:schemeClr val="tx1"/>
+          </a:solidFill>
+          <a:latin typeface="+mn-lt"/>
+          <a:ea typeface="+mn-ea"/>
+          <a:cs typeface="+mn-cs"/>
+        </a:defRPr>
+      </a:lvl8pPr>
+      <a:lvl9pPr marL="4876678" algn="l" defTabSz="609585" rtl="0" eaLnBrk="1" latinLnBrk="0" hangingPunct="1">
+        <a:defRPr sz="2400" kern="1200">
+          <a:solidFill>
+            <a:schemeClr val="tx1"/>
+          </a:solidFill>
+          <a:latin typeface="+mn-lt"/>
+          <a:ea typeface="+mn-ea"/>
+          <a:cs typeface="+mn-cs"/>
+        </a:defRPr>
+      </a:lvl9pPr>
+    </p:otherStyle>
+  </p:txStyles>
+</p:sldMaster>
+</file>
+
 <file path=ppt/slides/slide1.xml><?xml version="1.0" encoding="utf-8"?>
+<p:sld xmlns:a="http://schemas.openxmlformats.org/drawingml/2006/main" xmlns:r="http://schemas.openxmlformats.org/officeDocument/2006/relationships" xmlns:p="http://schemas.openxmlformats.org/presentationml/2006/main">
+  <p:cSld>
+    <p:spTree>
+      <p:nvGrpSpPr>
+        <p:cNvPr id="1" name=""/>
+        <p:cNvGrpSpPr/>
+        <p:nvPr/>
+      </p:nvGrpSpPr>
+      <p:grpSpPr>
+        <a:xfrm>
+          <a:off x="0" y="0"/>
+          <a:ext cx="0" cy="0"/>
+          <a:chOff x="0" y="0"/>
+          <a:chExt cx="0" cy="0"/>
+        </a:xfrm>
+      </p:grpSpPr>
+      <p:sp>
+        <p:nvSpPr>
+          <p:cNvPr id="4" name="Rectangle 3">
+            <a:extLst>
+              <a:ext uri="{FF2B5EF4-FFF2-40B4-BE49-F238E27FC236}">
+                <a16:creationId xmlns:a16="http://schemas.microsoft.com/office/drawing/2014/main" id="{2DB7453A-5DFD-6B43-9EF9-B4DB30288921}"/>
+              </a:ext>
+            </a:extLst>
+          </p:cNvPr>
+          <p:cNvSpPr/>
+          <p:nvPr/>
+        </p:nvSpPr>
+        <p:spPr>
+          <a:xfrm>
+            <a:off x="0" y="4343400"/>
+            <a:ext cx="12192000" cy="2514600"/>
+          </a:xfrm>
+          <a:prstGeom prst="rect">
+            <a:avLst/>
+          </a:prstGeom>
+          <a:solidFill>
+            <a:srgbClr val="403938"/>
+          </a:solidFill>
+          <a:ln>
+            <a:noFill/>
+          </a:ln>
+        </p:spPr>
+        <p:style>
+          <a:lnRef idx="1">
+            <a:schemeClr val="accent1"/>
+          </a:lnRef>
+          <a:fillRef idx="3">
+            <a:schemeClr val="accent1"/>
+          </a:fillRef>
+          <a:effectRef idx="2">
+            <a:schemeClr val="accent1"/>
+          </a:effectRef>
+          <a:fontRef idx="minor">
+            <a:schemeClr val="lt1"/>
+          </a:fontRef>
+        </p:style>
+        <p:txBody>
+          <a:bodyPr rtlCol="0" anchor="ctr"/>
+          <a:lstStyle/>
+          <a:p>
+            <a:pPr algn="ctr" defTabSz="1219170"/>
+            <a:endParaRPr lang="en-US" sz="2400" dirty="0">
+              <a:solidFill>
+                <a:prstClr val="white"/>
+              </a:solidFill>
+              <a:latin typeface="Calibri"/>
+            </a:endParaRPr>
+          </a:p>
+        </p:txBody>
+      </p:sp>
+      <p:sp>
+        <p:nvSpPr>
+          <p:cNvPr id="6" name="Rectangle 5"/>
+          <p:cNvSpPr>
+            <a:spLocks noChangeArrowheads="1"/>
+          </p:cNvSpPr>
+          <p:nvPr/>
+        </p:nvSpPr>
+        <p:spPr bwMode="auto">
+          <a:xfrm>
+            <a:off x="304800" y="4826683"/>
+            <a:ext cx="5317067" cy="1727200"/>
+          </a:xfrm>
+          <a:prstGeom prst="rect">
+            <a:avLst/>
+          </a:prstGeom>
+          <a:noFill/>
+          <a:ln>
+            <a:noFill/>
+          </a:ln>
+          <a:effectLst/>
+          <a:extLst>
+            <a:ext uri="{909E8E84-426E-40DD-AFC4-6F175D3DCCD1}">
+              <a14:hiddenFill xmlns:a14="http://schemas.microsoft.com/office/drawing/2010/main">
+                <a:solidFill>
+                  <a:schemeClr val="accent1"/>
+                </a:solidFill>
+              </a14:hiddenFill>
+            </a:ext>
+            <a:ext uri="{91240B29-F687-4F45-9708-019B960494DF}">
+              <a14:hiddenLine xmlns:a14="http://schemas.microsoft.com/office/drawing/2010/main" w="9525">
+                <a:solidFill>
+                  <a:schemeClr val="tx1"/>
+                </a:solidFill>
+                <a:miter lim="800000"/>
+                <a:headEnd/>
+                <a:tailEnd/>
+              </a14:hiddenLine>
+            </a:ext>
+            <a:ext uri="{AF507438-7753-43E0-B8FC-AC1667EBCBE1}">
+              <a14:hiddenEffects xmlns:a14="http://schemas.microsoft.com/office/drawing/2010/main">
+                <a:effectLst>
+                  <a:outerShdw dist="35921" dir="2700000" algn="ctr" rotWithShape="0">
+                    <a:schemeClr val="bg2"/>
+                  </a:outerShdw>
+                </a:effectLst>
+              </a14:hiddenEffects>
+            </a:ext>
+          </a:extLst>
+        </p:spPr>
+        <p:txBody>
+          <a:bodyPr lIns="114564" tIns="57283" rIns="114564" bIns="57283"/>
+          <a:lstStyle/>
+          <a:p>
+            <a:pPr defTabSz="1219170">
+              <a:defRPr/>
+            </a:pPr>
+            <a:r>
+              <a:rPr lang="en-US" sz="4267" b="1" dirty="0">
+                <a:solidFill>
+                  <a:prstClr val="white"/>
+                </a:solidFill>
+                <a:latin typeface="Arial" charset="0"/>
+              </a:rPr>
+              <a:t>Chris Woodruff</a:t>
+            </a:r>
+            <a:endParaRPr lang="en-US" sz="3733" b="1" dirty="0">
+              <a:solidFill>
+                <a:prstClr val="white"/>
+              </a:solidFill>
+              <a:latin typeface="Arial" charset="0"/>
+            </a:endParaRPr>
+          </a:p>
+          <a:p>
+            <a:pPr defTabSz="1219170">
+              <a:defRPr/>
+            </a:pPr>
+            <a:r>
+              <a:rPr lang="en-US" sz="3200" b="1" dirty="0" err="1">
+                <a:solidFill>
+                  <a:prstClr val="white"/>
+                </a:solidFill>
+                <a:latin typeface="Arial" charset="0"/>
+              </a:rPr>
+              <a:t>LearningAbout.Dev</a:t>
+            </a:r>
+            <a:endParaRPr lang="en-US" sz="3200" b="1" dirty="0">
+              <a:solidFill>
+                <a:prstClr val="white"/>
+              </a:solidFill>
+              <a:latin typeface="Arial" charset="0"/>
+            </a:endParaRPr>
+          </a:p>
+          <a:p>
+            <a:pPr defTabSz="1219170">
+              <a:defRPr/>
+            </a:pPr>
+            <a:endParaRPr lang="en-US" sz="2400" b="1" dirty="0">
+              <a:solidFill>
+                <a:prstClr val="white"/>
+              </a:solidFill>
+              <a:latin typeface="Arial" charset="0"/>
+            </a:endParaRPr>
+          </a:p>
+          <a:p>
+            <a:pPr defTabSz="1219170">
+              <a:defRPr/>
+            </a:pPr>
+            <a:endParaRPr lang="en-US" sz="1867" dirty="0">
+              <a:solidFill>
+                <a:prstClr val="white"/>
+              </a:solidFill>
+              <a:latin typeface="Times New Roman" pitchFamily="28" charset="0"/>
+            </a:endParaRPr>
+          </a:p>
+        </p:txBody>
+      </p:sp>
+      <p:sp>
+        <p:nvSpPr>
+          <p:cNvPr id="7" name="Text Box 7"/>
+          <p:cNvSpPr txBox="1">
+            <a:spLocks noChangeArrowheads="1"/>
+          </p:cNvSpPr>
+          <p:nvPr/>
+        </p:nvSpPr>
+        <p:spPr bwMode="auto">
+          <a:xfrm>
+            <a:off x="7924801" y="4824276"/>
+            <a:ext cx="4889497" cy="830997"/>
+          </a:xfrm>
+          <a:prstGeom prst="rect">
+            <a:avLst/>
+          </a:prstGeom>
+          <a:noFill/>
+          <a:ln>
+            <a:noFill/>
+          </a:ln>
+          <a:effectLst/>
+          <a:extLst>
+            <a:ext uri="{909E8E84-426E-40DD-AFC4-6F175D3DCCD1}">
+              <a14:hiddenFill xmlns:a14="http://schemas.microsoft.com/office/drawing/2010/main">
+                <a:solidFill>
+                  <a:schemeClr val="accent1"/>
+                </a:solidFill>
+              </a14:hiddenFill>
+            </a:ext>
+            <a:ext uri="{91240B29-F687-4F45-9708-019B960494DF}">
+              <a14:hiddenLine xmlns:a14="http://schemas.microsoft.com/office/drawing/2010/main" w="9525" algn="ctr">
+                <a:solidFill>
+                  <a:schemeClr val="tx1"/>
+                </a:solidFill>
+                <a:miter lim="800000"/>
+                <a:headEnd/>
+                <a:tailEnd/>
+              </a14:hiddenLine>
+            </a:ext>
+            <a:ext uri="{AF507438-7753-43E0-B8FC-AC1667EBCBE1}">
+              <a14:hiddenEffects xmlns:a14="http://schemas.microsoft.com/office/drawing/2010/main">
+                <a:effectLst>
+                  <a:outerShdw dist="35921" dir="2700000" algn="ctr" rotWithShape="0">
+                    <a:schemeClr val="bg2"/>
+                  </a:outerShdw>
+                </a:effectLst>
+              </a14:hiddenEffects>
+            </a:ext>
+          </a:extLst>
+        </p:spPr>
+        <p:txBody>
+          <a:bodyPr wrap="square">
+            <a:spAutoFit/>
+          </a:bodyPr>
+          <a:lstStyle>
+            <a:lvl1pPr>
+              <a:defRPr sz="1600">
+                <a:solidFill>
+                  <a:schemeClr val="tx1"/>
+                </a:solidFill>
+                <a:latin typeface="Lucida Console" pitchFamily="49" charset="0"/>
+                <a:cs typeface="Arial" charset="0"/>
+              </a:defRPr>
+            </a:lvl1pPr>
+            <a:lvl2pPr marL="742950" indent="-285750">
+              <a:defRPr sz="1600">
+                <a:solidFill>
+                  <a:schemeClr val="tx1"/>
+                </a:solidFill>
+                <a:latin typeface="Lucida Console" pitchFamily="49" charset="0"/>
+                <a:cs typeface="Arial" charset="0"/>
+              </a:defRPr>
+            </a:lvl2pPr>
+            <a:lvl3pPr marL="1143000" indent="-228600">
+              <a:defRPr sz="1600">
+                <a:solidFill>
+                  <a:schemeClr val="tx1"/>
+                </a:solidFill>
+                <a:latin typeface="Lucida Console" pitchFamily="49" charset="0"/>
+                <a:cs typeface="Arial" charset="0"/>
+              </a:defRPr>
+            </a:lvl3pPr>
+            <a:lvl4pPr marL="1600200" indent="-228600">
+              <a:defRPr sz="1600">
+                <a:solidFill>
+                  <a:schemeClr val="tx1"/>
+                </a:solidFill>
+                <a:latin typeface="Lucida Console" pitchFamily="49" charset="0"/>
+                <a:cs typeface="Arial" charset="0"/>
+              </a:defRPr>
+            </a:lvl4pPr>
+            <a:lvl5pPr marL="2057400" indent="-228600">
+              <a:defRPr sz="1600">
+                <a:solidFill>
+                  <a:schemeClr val="tx1"/>
+                </a:solidFill>
+                <a:latin typeface="Lucida Console" pitchFamily="49" charset="0"/>
+                <a:cs typeface="Arial" charset="0"/>
+              </a:defRPr>
+            </a:lvl5pPr>
+            <a:lvl6pPr marL="2514600" indent="-228600" eaLnBrk="0" fontAlgn="base" hangingPunct="0">
+              <a:spcBef>
+                <a:spcPct val="0"/>
+              </a:spcBef>
+              <a:spcAft>
+                <a:spcPct val="0"/>
+              </a:spcAft>
+              <a:defRPr sz="1600">
+                <a:solidFill>
+                  <a:schemeClr val="tx1"/>
+                </a:solidFill>
+                <a:latin typeface="Lucida Console" pitchFamily="49" charset="0"/>
+                <a:cs typeface="Arial" charset="0"/>
+              </a:defRPr>
+            </a:lvl6pPr>
+            <a:lvl7pPr marL="2971800" indent="-228600" eaLnBrk="0" fontAlgn="base" hangingPunct="0">
+              <a:spcBef>
+                <a:spcPct val="0"/>
+              </a:spcBef>
+              <a:spcAft>
+                <a:spcPct val="0"/>
+              </a:spcAft>
+              <a:defRPr sz="1600">
+                <a:solidFill>
+                  <a:schemeClr val="tx1"/>
+                </a:solidFill>
+                <a:latin typeface="Lucida Console" pitchFamily="49" charset="0"/>
+                <a:cs typeface="Arial" charset="0"/>
+              </a:defRPr>
+            </a:lvl7pPr>
+            <a:lvl8pPr marL="3429000" indent="-228600" eaLnBrk="0" fontAlgn="base" hangingPunct="0">
+              <a:spcBef>
+                <a:spcPct val="0"/>
+              </a:spcBef>
+              <a:spcAft>
+                <a:spcPct val="0"/>
+              </a:spcAft>
+              <a:defRPr sz="1600">
+                <a:solidFill>
+                  <a:schemeClr val="tx1"/>
+                </a:solidFill>
+                <a:latin typeface="Lucida Console" pitchFamily="49" charset="0"/>
+                <a:cs typeface="Arial" charset="0"/>
+              </a:defRPr>
+            </a:lvl8pPr>
+            <a:lvl9pPr marL="3886200" indent="-228600" eaLnBrk="0" fontAlgn="base" hangingPunct="0">
+              <a:spcBef>
+                <a:spcPct val="0"/>
+              </a:spcBef>
+              <a:spcAft>
+                <a:spcPct val="0"/>
+              </a:spcAft>
+              <a:defRPr sz="1600">
+                <a:solidFill>
+                  <a:schemeClr val="tx1"/>
+                </a:solidFill>
+                <a:latin typeface="Lucida Console" pitchFamily="49" charset="0"/>
+                <a:cs typeface="Arial" charset="0"/>
+              </a:defRPr>
+            </a:lvl9pPr>
+          </a:lstStyle>
+          <a:p>
+            <a:pPr defTabSz="1219170"/>
+            <a:r>
+              <a:rPr lang="en-US" sz="2667" dirty="0">
+                <a:solidFill>
+                  <a:prstClr val="white"/>
+                </a:solidFill>
+                <a:latin typeface="Arial" charset="0"/>
+              </a:rPr>
+              <a:t>Level: Intermediate, etc.</a:t>
+            </a:r>
+          </a:p>
+          <a:p>
+            <a:pPr defTabSz="1219170"/>
+            <a:endParaRPr lang="en-US" sz="2133" b="1" dirty="0">
+              <a:solidFill>
+                <a:prstClr val="white"/>
+              </a:solidFill>
+              <a:latin typeface="Arial" charset="0"/>
+            </a:endParaRPr>
+          </a:p>
+        </p:txBody>
+      </p:sp>
+      <p:pic>
+        <p:nvPicPr>
+          <p:cNvPr id="2" name="Picture 1"/>
+          <p:cNvPicPr>
+            <a:picLocks noChangeAspect="1"/>
+          </p:cNvPicPr>
+          <p:nvPr/>
+        </p:nvPicPr>
+        <p:blipFill>
+          <a:blip r:embed="rId3">
+            <a:extLst>
+              <a:ext uri="{28A0092B-C50C-407E-A947-70E740481C1C}">
+                <a14:useLocalDpi xmlns:a14="http://schemas.microsoft.com/office/drawing/2010/main" val="0"/>
+              </a:ext>
+            </a:extLst>
+          </a:blip>
+          <a:stretch>
+            <a:fillRect/>
+          </a:stretch>
+        </p:blipFill>
+        <p:spPr>
+          <a:xfrm>
+            <a:off x="0" y="-17379"/>
+            <a:ext cx="12192000" cy="4665579"/>
+          </a:xfrm>
+          <a:prstGeom prst="rect">
+            <a:avLst/>
+          </a:prstGeom>
+        </p:spPr>
+      </p:pic>
+    </p:spTree>
+    <p:extLst>
+      <p:ext uri="{BB962C8B-B14F-4D97-AF65-F5344CB8AC3E}">
+        <p14:creationId xmlns:p14="http://schemas.microsoft.com/office/powerpoint/2010/main" val="2380285297"/>
+      </p:ext>
+    </p:extLst>
+  </p:cSld>
+  <p:clrMapOvr>
+    <a:masterClrMapping/>
+  </p:clrMapOvr>
+  <p:transition spd="slow"/>
+</p:sld>
+</file>
+
+<file path=ppt/slides/slide2.xml><?xml version="1.0" encoding="utf-8"?>
 <p:sld xmlns:a="http://schemas.openxmlformats.org/drawingml/2006/main" xmlns:r="http://schemas.openxmlformats.org/officeDocument/2006/relationships" xmlns:p="http://schemas.openxmlformats.org/presentationml/2006/main">
   <p:cSld>
     <p:bg>
@@ -4316,7 +7846,7 @@
 </p:sld>
 </file>
 
-<file path=ppt/slides/slide2.xml><?xml version="1.0" encoding="utf-8"?>
+<file path=ppt/slides/slide3.xml><?xml version="1.0" encoding="utf-8"?>
 <p:sld xmlns:a="http://schemas.openxmlformats.org/drawingml/2006/main" xmlns:r="http://schemas.openxmlformats.org/officeDocument/2006/relationships" xmlns:p="http://schemas.openxmlformats.org/presentationml/2006/main">
   <p:cSld>
     <p:spTree>
@@ -4680,6 +8210,326 @@
 </file>
 
 <file path=ppt/theme/theme2.xml><?xml version="1.0" encoding="utf-8"?>
+<a:theme xmlns:a="http://schemas.openxmlformats.org/drawingml/2006/main" name="Custom Design">
+  <a:themeElements>
+    <a:clrScheme name="Office">
+      <a:dk1>
+        <a:sysClr val="windowText" lastClr="000000"/>
+      </a:dk1>
+      <a:lt1>
+        <a:sysClr val="window" lastClr="FFFFFF"/>
+      </a:lt1>
+      <a:dk2>
+        <a:srgbClr val="1F497D"/>
+      </a:dk2>
+      <a:lt2>
+        <a:srgbClr val="EEECE1"/>
+      </a:lt2>
+      <a:accent1>
+        <a:srgbClr val="4F81BD"/>
+      </a:accent1>
+      <a:accent2>
+        <a:srgbClr val="C0504D"/>
+      </a:accent2>
+      <a:accent3>
+        <a:srgbClr val="9BBB59"/>
+      </a:accent3>
+      <a:accent4>
+        <a:srgbClr val="8064A2"/>
+      </a:accent4>
+      <a:accent5>
+        <a:srgbClr val="4BACC6"/>
+      </a:accent5>
+      <a:accent6>
+        <a:srgbClr val="F79646"/>
+      </a:accent6>
+      <a:hlink>
+        <a:srgbClr val="0000FF"/>
+      </a:hlink>
+      <a:folHlink>
+        <a:srgbClr val="800080"/>
+      </a:folHlink>
+    </a:clrScheme>
+    <a:fontScheme name="Office">
+      <a:majorFont>
+        <a:latin typeface="Calibri"/>
+        <a:ea typeface=""/>
+        <a:cs typeface=""/>
+        <a:font script="Jpan" typeface="ＭＳ Ｐゴシック"/>
+        <a:font script="Hang" typeface="맑은 고딕"/>
+        <a:font script="Hans" typeface="宋体"/>
+        <a:font script="Hant" typeface="新細明體"/>
+        <a:font script="Arab" typeface="Times New Roman"/>
+        <a:font script="Hebr" typeface="Times New Roman"/>
+        <a:font script="Thai" typeface="Angsana New"/>
+        <a:font script="Ethi" typeface="Nyala"/>
+        <a:font script="Beng" typeface="Vrinda"/>
+        <a:font script="Gujr" typeface="Shruti"/>
+        <a:font script="Khmr" typeface="MoolBoran"/>
+        <a:font script="Knda" typeface="Tunga"/>
+        <a:font script="Guru" typeface="Raavi"/>
+        <a:font script="Cans" typeface="Euphemia"/>
+        <a:font script="Cher" typeface="Plantagenet Cherokee"/>
+        <a:font script="Yiii" typeface="Microsoft Yi Baiti"/>
+        <a:font script="Tibt" typeface="Microsoft Himalaya"/>
+        <a:font script="Thaa" typeface="MV Boli"/>
+        <a:font script="Deva" typeface="Mangal"/>
+        <a:font script="Telu" typeface="Gautami"/>
+        <a:font script="Taml" typeface="Latha"/>
+        <a:font script="Syrc" typeface="Estrangelo Edessa"/>
+        <a:font script="Orya" typeface="Kalinga"/>
+        <a:font script="Mlym" typeface="Kartika"/>
+        <a:font script="Laoo" typeface="DokChampa"/>
+        <a:font script="Sinh" typeface="Iskoola Pota"/>
+        <a:font script="Mong" typeface="Mongolian Baiti"/>
+        <a:font script="Viet" typeface="Times New Roman"/>
+        <a:font script="Uigh" typeface="Microsoft Uighur"/>
+        <a:font script="Geor" typeface="Sylfaen"/>
+      </a:majorFont>
+      <a:minorFont>
+        <a:latin typeface="Calibri"/>
+        <a:ea typeface=""/>
+        <a:cs typeface=""/>
+        <a:font script="Jpan" typeface="ＭＳ Ｐゴシック"/>
+        <a:font script="Hang" typeface="맑은 고딕"/>
+        <a:font script="Hans" typeface="宋体"/>
+        <a:font script="Hant" typeface="新細明體"/>
+        <a:font script="Arab" typeface="Arial"/>
+        <a:font script="Hebr" typeface="Arial"/>
+        <a:font script="Thai" typeface="Cordia New"/>
+        <a:font script="Ethi" typeface="Nyala"/>
+        <a:font script="Beng" typeface="Vrinda"/>
+        <a:font script="Gujr" typeface="Shruti"/>
+        <a:font script="Khmr" typeface="DaunPenh"/>
+        <a:font script="Knda" typeface="Tunga"/>
+        <a:font script="Guru" typeface="Raavi"/>
+        <a:font script="Cans" typeface="Euphemia"/>
+        <a:font script="Cher" typeface="Plantagenet Cherokee"/>
+        <a:font script="Yiii" typeface="Microsoft Yi Baiti"/>
+        <a:font script="Tibt" typeface="Microsoft Himalaya"/>
+        <a:font script="Thaa" typeface="MV Boli"/>
+        <a:font script="Deva" typeface="Mangal"/>
+        <a:font script="Telu" typeface="Gautami"/>
+        <a:font script="Taml" typeface="Latha"/>
+        <a:font script="Syrc" typeface="Estrangelo Edessa"/>
+        <a:font script="Orya" typeface="Kalinga"/>
+        <a:font script="Mlym" typeface="Kartika"/>
+        <a:font script="Laoo" typeface="DokChampa"/>
+        <a:font script="Sinh" typeface="Iskoola Pota"/>
+        <a:font script="Mong" typeface="Mongolian Baiti"/>
+        <a:font script="Viet" typeface="Arial"/>
+        <a:font script="Uigh" typeface="Microsoft Uighur"/>
+        <a:font script="Geor" typeface="Sylfaen"/>
+      </a:minorFont>
+    </a:fontScheme>
+    <a:fmtScheme name="Office">
+      <a:fillStyleLst>
+        <a:solidFill>
+          <a:schemeClr val="phClr"/>
+        </a:solidFill>
+        <a:gradFill rotWithShape="1">
+          <a:gsLst>
+            <a:gs pos="0">
+              <a:schemeClr val="phClr">
+                <a:tint val="50000"/>
+                <a:satMod val="300000"/>
+              </a:schemeClr>
+            </a:gs>
+            <a:gs pos="35000">
+              <a:schemeClr val="phClr">
+                <a:tint val="37000"/>
+                <a:satMod val="300000"/>
+              </a:schemeClr>
+            </a:gs>
+            <a:gs pos="100000">
+              <a:schemeClr val="phClr">
+                <a:tint val="15000"/>
+                <a:satMod val="350000"/>
+              </a:schemeClr>
+            </a:gs>
+          </a:gsLst>
+          <a:lin ang="16200000" scaled="1"/>
+        </a:gradFill>
+        <a:gradFill rotWithShape="1">
+          <a:gsLst>
+            <a:gs pos="0">
+              <a:schemeClr val="phClr">
+                <a:tint val="100000"/>
+                <a:shade val="100000"/>
+                <a:satMod val="130000"/>
+              </a:schemeClr>
+            </a:gs>
+            <a:gs pos="100000">
+              <a:schemeClr val="phClr">
+                <a:tint val="50000"/>
+                <a:shade val="100000"/>
+                <a:satMod val="350000"/>
+              </a:schemeClr>
+            </a:gs>
+          </a:gsLst>
+          <a:lin ang="16200000" scaled="0"/>
+        </a:gradFill>
+      </a:fillStyleLst>
+      <a:lnStyleLst>
+        <a:ln w="9525" cap="flat" cmpd="sng" algn="ctr">
+          <a:solidFill>
+            <a:schemeClr val="phClr">
+              <a:shade val="95000"/>
+              <a:satMod val="105000"/>
+            </a:schemeClr>
+          </a:solidFill>
+          <a:prstDash val="solid"/>
+        </a:ln>
+        <a:ln w="25400" cap="flat" cmpd="sng" algn="ctr">
+          <a:solidFill>
+            <a:schemeClr val="phClr"/>
+          </a:solidFill>
+          <a:prstDash val="solid"/>
+        </a:ln>
+        <a:ln w="38100" cap="flat" cmpd="sng" algn="ctr">
+          <a:solidFill>
+            <a:schemeClr val="phClr"/>
+          </a:solidFill>
+          <a:prstDash val="solid"/>
+        </a:ln>
+      </a:lnStyleLst>
+      <a:effectStyleLst>
+        <a:effectStyle>
+          <a:effectLst>
+            <a:outerShdw blurRad="40000" dist="20000" dir="5400000" rotWithShape="0">
+              <a:srgbClr val="000000">
+                <a:alpha val="38000"/>
+              </a:srgbClr>
+            </a:outerShdw>
+          </a:effectLst>
+        </a:effectStyle>
+        <a:effectStyle>
+          <a:effectLst>
+            <a:outerShdw blurRad="40000" dist="23000" dir="5400000" rotWithShape="0">
+              <a:srgbClr val="000000">
+                <a:alpha val="35000"/>
+              </a:srgbClr>
+            </a:outerShdw>
+          </a:effectLst>
+        </a:effectStyle>
+        <a:effectStyle>
+          <a:effectLst>
+            <a:outerShdw blurRad="40000" dist="23000" dir="5400000" rotWithShape="0">
+              <a:srgbClr val="000000">
+                <a:alpha val="35000"/>
+              </a:srgbClr>
+            </a:outerShdw>
+          </a:effectLst>
+          <a:scene3d>
+            <a:camera prst="orthographicFront">
+              <a:rot lat="0" lon="0" rev="0"/>
+            </a:camera>
+            <a:lightRig rig="threePt" dir="t">
+              <a:rot lat="0" lon="0" rev="1200000"/>
+            </a:lightRig>
+          </a:scene3d>
+          <a:sp3d>
+            <a:bevelT w="63500" h="25400"/>
+          </a:sp3d>
+        </a:effectStyle>
+      </a:effectStyleLst>
+      <a:bgFillStyleLst>
+        <a:solidFill>
+          <a:schemeClr val="phClr"/>
+        </a:solidFill>
+        <a:gradFill rotWithShape="1">
+          <a:gsLst>
+            <a:gs pos="0">
+              <a:schemeClr val="phClr">
+                <a:tint val="40000"/>
+                <a:satMod val="350000"/>
+              </a:schemeClr>
+            </a:gs>
+            <a:gs pos="40000">
+              <a:schemeClr val="phClr">
+                <a:tint val="45000"/>
+                <a:shade val="99000"/>
+                <a:satMod val="350000"/>
+              </a:schemeClr>
+            </a:gs>
+            <a:gs pos="100000">
+              <a:schemeClr val="phClr">
+                <a:shade val="20000"/>
+                <a:satMod val="255000"/>
+              </a:schemeClr>
+            </a:gs>
+          </a:gsLst>
+          <a:path path="circle">
+            <a:fillToRect l="50000" t="-80000" r="50000" b="180000"/>
+          </a:path>
+        </a:gradFill>
+        <a:gradFill rotWithShape="1">
+          <a:gsLst>
+            <a:gs pos="0">
+              <a:schemeClr val="phClr">
+                <a:tint val="80000"/>
+                <a:satMod val="300000"/>
+              </a:schemeClr>
+            </a:gs>
+            <a:gs pos="100000">
+              <a:schemeClr val="phClr">
+                <a:shade val="30000"/>
+                <a:satMod val="200000"/>
+              </a:schemeClr>
+            </a:gs>
+          </a:gsLst>
+          <a:path path="circle">
+            <a:fillToRect l="50000" t="50000" r="50000" b="50000"/>
+          </a:path>
+        </a:gradFill>
+      </a:bgFillStyleLst>
+    </a:fmtScheme>
+  </a:themeElements>
+  <a:objectDefaults>
+    <a:spDef>
+      <a:spPr/>
+      <a:bodyPr/>
+      <a:lstStyle/>
+      <a:style>
+        <a:lnRef idx="1">
+          <a:schemeClr val="accent1"/>
+        </a:lnRef>
+        <a:fillRef idx="3">
+          <a:schemeClr val="accent1"/>
+        </a:fillRef>
+        <a:effectRef idx="2">
+          <a:schemeClr val="accent1"/>
+        </a:effectRef>
+        <a:fontRef idx="minor">
+          <a:schemeClr val="lt1"/>
+        </a:fontRef>
+      </a:style>
+    </a:spDef>
+    <a:lnDef>
+      <a:spPr/>
+      <a:bodyPr/>
+      <a:lstStyle/>
+      <a:style>
+        <a:lnRef idx="2">
+          <a:schemeClr val="accent1"/>
+        </a:lnRef>
+        <a:fillRef idx="0">
+          <a:schemeClr val="accent1"/>
+        </a:fillRef>
+        <a:effectRef idx="1">
+          <a:schemeClr val="accent1"/>
+        </a:effectRef>
+        <a:fontRef idx="minor">
+          <a:schemeClr val="tx1"/>
+        </a:fontRef>
+      </a:style>
+    </a:lnDef>
+  </a:objectDefaults>
+  <a:extraClrSchemeLst/>
+</a:theme>
+</file>
+
+<file path=ppt/theme/theme3.xml><?xml version="1.0" encoding="utf-8"?>
 <a:theme xmlns:a="http://schemas.openxmlformats.org/drawingml/2006/main" name="Office Theme">
   <a:themeElements>
     <a:clrScheme name="Office">

--- a/module-1/01-01 What is a Web API/01-01 What is a Web API.pptx
+++ b/module-1/01-01 What is a Web API/01-01 What is a Web API.pptx
@@ -4,14 +4,19 @@
   <p:sldMasterIdLst>
     <p:sldMasterId id="2147483696" r:id="rId1"/>
     <p:sldMasterId id="2147483708" r:id="rId2"/>
+    <p:sldMasterId id="2147483720" r:id="rId3"/>
   </p:sldMasterIdLst>
   <p:notesMasterIdLst>
-    <p:notesMasterId r:id="rId6"/>
+    <p:notesMasterId r:id="rId11"/>
   </p:notesMasterIdLst>
   <p:sldIdLst>
-    <p:sldId id="261" r:id="rId3"/>
-    <p:sldId id="256" r:id="rId4"/>
-    <p:sldId id="257" r:id="rId5"/>
+    <p:sldId id="261" r:id="rId4"/>
+    <p:sldId id="256" r:id="rId5"/>
+    <p:sldId id="257" r:id="rId6"/>
+    <p:sldId id="314" r:id="rId7"/>
+    <p:sldId id="313" r:id="rId8"/>
+    <p:sldId id="312" r:id="rId9"/>
+    <p:sldId id="311" r:id="rId10"/>
   </p:sldIdLst>
   <p:sldSz cx="12192000" cy="6858000"/>
   <p:notesSz cx="6858000" cy="9144000"/>
@@ -200,7 +205,7 @@
           <a:p>
             <a:fld id="{80461A19-0AC6-45CE-9936-8ED2930E5154}" type="datetimeFigureOut">
               <a:rPr lang="en-US" smtClean="0"/>
-              <a:t>9/22/2021</a:t>
+              <a:t>9/27/2021</a:t>
             </a:fld>
             <a:endParaRPr lang="en-US"/>
           </a:p>
@@ -847,7 +852,7 @@
           <a:p>
             <a:fld id="{C70E03BD-25A7-4674-8CC2-6C56BFB98E22}" type="datetimeFigureOut">
               <a:rPr lang="en-US" smtClean="0"/>
-              <a:t>9/22/2021</a:t>
+              <a:t>9/27/2021</a:t>
             </a:fld>
             <a:endParaRPr lang="en-US"/>
           </a:p>
@@ -1055,7 +1060,7 @@
           <a:p>
             <a:fld id="{C70E03BD-25A7-4674-8CC2-6C56BFB98E22}" type="datetimeFigureOut">
               <a:rPr lang="en-US" smtClean="0"/>
-              <a:t>9/22/2021</a:t>
+              <a:t>9/27/2021</a:t>
             </a:fld>
             <a:endParaRPr lang="en-US"/>
           </a:p>
@@ -1313,7 +1318,7 @@
           <a:p>
             <a:fld id="{C70E03BD-25A7-4674-8CC2-6C56BFB98E22}" type="datetimeFigureOut">
               <a:rPr lang="en-US" smtClean="0"/>
-              <a:t>9/22/2021</a:t>
+              <a:t>9/27/2021</a:t>
             </a:fld>
             <a:endParaRPr lang="en-US"/>
           </a:p>
@@ -1553,7 +1558,7 @@
           <a:p>
             <a:fld id="{D088F999-7A4E-6B4F-9FED-EF75B73AD044}" type="datetimeFigureOut">
               <a:rPr lang="en-US" smtClean="0"/>
-              <a:t>9/22/2021</a:t>
+              <a:t>9/27/2021</a:t>
             </a:fld>
             <a:endParaRPr lang="en-US"/>
           </a:p>
@@ -1721,7 +1726,7 @@
           <a:p>
             <a:fld id="{D088F999-7A4E-6B4F-9FED-EF75B73AD044}" type="datetimeFigureOut">
               <a:rPr lang="en-US" smtClean="0"/>
-              <a:t>9/22/2021</a:t>
+              <a:t>9/27/2021</a:t>
             </a:fld>
             <a:endParaRPr lang="en-US"/>
           </a:p>
@@ -1966,7 +1971,7 @@
           <a:p>
             <a:fld id="{D088F999-7A4E-6B4F-9FED-EF75B73AD044}" type="datetimeFigureOut">
               <a:rPr lang="en-US" smtClean="0"/>
-              <a:t>9/22/2021</a:t>
+              <a:t>9/27/2021</a:t>
             </a:fld>
             <a:endParaRPr lang="en-US"/>
           </a:p>
@@ -2251,7 +2256,7 @@
           <a:p>
             <a:fld id="{D088F999-7A4E-6B4F-9FED-EF75B73AD044}" type="datetimeFigureOut">
               <a:rPr lang="en-US" smtClean="0"/>
-              <a:t>9/22/2021</a:t>
+              <a:t>9/27/2021</a:t>
             </a:fld>
             <a:endParaRPr lang="en-US"/>
           </a:p>
@@ -2670,7 +2675,7 @@
           <a:p>
             <a:fld id="{D088F999-7A4E-6B4F-9FED-EF75B73AD044}" type="datetimeFigureOut">
               <a:rPr lang="en-US" smtClean="0"/>
-              <a:t>9/22/2021</a:t>
+              <a:t>9/27/2021</a:t>
             </a:fld>
             <a:endParaRPr lang="en-US"/>
           </a:p>
@@ -2787,7 +2792,7 @@
           <a:p>
             <a:fld id="{D088F999-7A4E-6B4F-9FED-EF75B73AD044}" type="datetimeFigureOut">
               <a:rPr lang="en-US" smtClean="0"/>
-              <a:t>9/22/2021</a:t>
+              <a:t>9/27/2021</a:t>
             </a:fld>
             <a:endParaRPr lang="en-US"/>
           </a:p>
@@ -2882,7 +2887,7 @@
           <a:p>
             <a:fld id="{D088F999-7A4E-6B4F-9FED-EF75B73AD044}" type="datetimeFigureOut">
               <a:rPr lang="en-US" smtClean="0"/>
-              <a:t>9/22/2021</a:t>
+              <a:t>9/27/2021</a:t>
             </a:fld>
             <a:endParaRPr lang="en-US"/>
           </a:p>
@@ -3157,7 +3162,7 @@
           <a:p>
             <a:fld id="{D088F999-7A4E-6B4F-9FED-EF75B73AD044}" type="datetimeFigureOut">
               <a:rPr lang="en-US" smtClean="0"/>
-              <a:t>9/22/2021</a:t>
+              <a:t>9/27/2021</a:t>
             </a:fld>
             <a:endParaRPr lang="en-US"/>
           </a:p>
@@ -3327,7 +3332,7 @@
           <a:p>
             <a:fld id="{C70E03BD-25A7-4674-8CC2-6C56BFB98E22}" type="datetimeFigureOut">
               <a:rPr lang="en-US" smtClean="0"/>
-              <a:t>9/22/2021</a:t>
+              <a:t>9/27/2021</a:t>
             </a:fld>
             <a:endParaRPr lang="en-US"/>
           </a:p>
@@ -3579,7 +3584,7 @@
           <a:p>
             <a:fld id="{D088F999-7A4E-6B4F-9FED-EF75B73AD044}" type="datetimeFigureOut">
               <a:rPr lang="en-US" smtClean="0"/>
-              <a:t>9/22/2021</a:t>
+              <a:t>9/27/2021</a:t>
             </a:fld>
             <a:endParaRPr lang="en-US"/>
           </a:p>
@@ -3747,7 +3752,7 @@
           <a:p>
             <a:fld id="{D088F999-7A4E-6B4F-9FED-EF75B73AD044}" type="datetimeFigureOut">
               <a:rPr lang="en-US" smtClean="0"/>
-              <a:t>9/22/2021</a:t>
+              <a:t>9/27/2021</a:t>
             </a:fld>
             <a:endParaRPr lang="en-US"/>
           </a:p>
@@ -3925,7 +3930,7 @@
           <a:p>
             <a:fld id="{D088F999-7A4E-6B4F-9FED-EF75B73AD044}" type="datetimeFigureOut">
               <a:rPr lang="en-US" smtClean="0"/>
-              <a:t>9/22/2021</a:t>
+              <a:t>9/27/2021</a:t>
             </a:fld>
             <a:endParaRPr lang="en-US"/>
           </a:p>
@@ -3977,6 +3982,1693 @@
     <p:extLst>
       <p:ext uri="{BB962C8B-B14F-4D97-AF65-F5344CB8AC3E}">
         <p14:creationId xmlns:p14="http://schemas.microsoft.com/office/powerpoint/2010/main" val="3526833263"/>
+      </p:ext>
+    </p:extLst>
+  </p:cSld>
+  <p:clrMapOvr>
+    <a:masterClrMapping/>
+  </p:clrMapOvr>
+</p:sldLayout>
+</file>
+
+<file path=ppt/slideLayouts/slideLayout23.xml><?xml version="1.0" encoding="utf-8"?>
+<p:sldLayout xmlns:a="http://schemas.openxmlformats.org/drawingml/2006/main" xmlns:r="http://schemas.openxmlformats.org/officeDocument/2006/relationships" xmlns:p="http://schemas.openxmlformats.org/presentationml/2006/main" type="title" preserve="1">
+  <p:cSld name="Title Slide">
+    <p:spTree>
+      <p:nvGrpSpPr>
+        <p:cNvPr id="1" name=""/>
+        <p:cNvGrpSpPr/>
+        <p:nvPr/>
+      </p:nvGrpSpPr>
+      <p:grpSpPr>
+        <a:xfrm>
+          <a:off x="0" y="0"/>
+          <a:ext cx="0" cy="0"/>
+          <a:chOff x="0" y="0"/>
+          <a:chExt cx="0" cy="0"/>
+        </a:xfrm>
+      </p:grpSpPr>
+      <p:sp>
+        <p:nvSpPr>
+          <p:cNvPr id="2" name="Title 1">
+            <a:extLst>
+              <a:ext uri="{FF2B5EF4-FFF2-40B4-BE49-F238E27FC236}">
+                <a16:creationId xmlns:a16="http://schemas.microsoft.com/office/drawing/2014/main" id="{EF2AB3D8-69C7-4A21-9CFE-F00D654F276C}"/>
+              </a:ext>
+            </a:extLst>
+          </p:cNvPr>
+          <p:cNvSpPr>
+            <a:spLocks noGrp="1"/>
+          </p:cNvSpPr>
+          <p:nvPr>
+            <p:ph type="ctrTitle"/>
+          </p:nvPr>
+        </p:nvSpPr>
+        <p:spPr>
+          <a:xfrm>
+            <a:off x="1524000" y="1122363"/>
+            <a:ext cx="9144000" cy="2387600"/>
+          </a:xfrm>
+        </p:spPr>
+        <p:txBody>
+          <a:bodyPr anchor="b"/>
+          <a:lstStyle>
+            <a:lvl1pPr algn="ctr">
+              <a:defRPr sz="6000"/>
+            </a:lvl1pPr>
+          </a:lstStyle>
+          <a:p>
+            <a:r>
+              <a:rPr lang="en-US"/>
+              <a:t>Click to edit Master title style</a:t>
+            </a:r>
+          </a:p>
+        </p:txBody>
+      </p:sp>
+      <p:sp>
+        <p:nvSpPr>
+          <p:cNvPr id="3" name="Subtitle 2">
+            <a:extLst>
+              <a:ext uri="{FF2B5EF4-FFF2-40B4-BE49-F238E27FC236}">
+                <a16:creationId xmlns:a16="http://schemas.microsoft.com/office/drawing/2014/main" id="{D648E030-02D8-4B1A-A517-3CE3D4723E6B}"/>
+              </a:ext>
+            </a:extLst>
+          </p:cNvPr>
+          <p:cNvSpPr>
+            <a:spLocks noGrp="1"/>
+          </p:cNvSpPr>
+          <p:nvPr>
+            <p:ph type="subTitle" idx="1"/>
+          </p:nvPr>
+        </p:nvSpPr>
+        <p:spPr>
+          <a:xfrm>
+            <a:off x="1524000" y="3602038"/>
+            <a:ext cx="9144000" cy="1655762"/>
+          </a:xfrm>
+        </p:spPr>
+        <p:txBody>
+          <a:bodyPr/>
+          <a:lstStyle>
+            <a:lvl1pPr marL="0" indent="0" algn="ctr">
+              <a:buNone/>
+              <a:defRPr sz="2400"/>
+            </a:lvl1pPr>
+            <a:lvl2pPr marL="457200" indent="0" algn="ctr">
+              <a:buNone/>
+              <a:defRPr sz="2000"/>
+            </a:lvl2pPr>
+            <a:lvl3pPr marL="914400" indent="0" algn="ctr">
+              <a:buNone/>
+              <a:defRPr sz="1800"/>
+            </a:lvl3pPr>
+            <a:lvl4pPr marL="1371600" indent="0" algn="ctr">
+              <a:buNone/>
+              <a:defRPr sz="1600"/>
+            </a:lvl4pPr>
+            <a:lvl5pPr marL="1828800" indent="0" algn="ctr">
+              <a:buNone/>
+              <a:defRPr sz="1600"/>
+            </a:lvl5pPr>
+            <a:lvl6pPr marL="2286000" indent="0" algn="ctr">
+              <a:buNone/>
+              <a:defRPr sz="1600"/>
+            </a:lvl6pPr>
+            <a:lvl7pPr marL="2743200" indent="0" algn="ctr">
+              <a:buNone/>
+              <a:defRPr sz="1600"/>
+            </a:lvl7pPr>
+            <a:lvl8pPr marL="3200400" indent="0" algn="ctr">
+              <a:buNone/>
+              <a:defRPr sz="1600"/>
+            </a:lvl8pPr>
+            <a:lvl9pPr marL="3657600" indent="0" algn="ctr">
+              <a:buNone/>
+              <a:defRPr sz="1600"/>
+            </a:lvl9pPr>
+          </a:lstStyle>
+          <a:p>
+            <a:r>
+              <a:rPr lang="en-US"/>
+              <a:t>Click to edit Master subtitle style</a:t>
+            </a:r>
+          </a:p>
+        </p:txBody>
+      </p:sp>
+      <p:sp>
+        <p:nvSpPr>
+          <p:cNvPr id="4" name="Date Placeholder 3">
+            <a:extLst>
+              <a:ext uri="{FF2B5EF4-FFF2-40B4-BE49-F238E27FC236}">
+                <a16:creationId xmlns:a16="http://schemas.microsoft.com/office/drawing/2014/main" id="{CFE85826-E5EC-4789-9E98-6C45156F2215}"/>
+              </a:ext>
+            </a:extLst>
+          </p:cNvPr>
+          <p:cNvSpPr>
+            <a:spLocks noGrp="1"/>
+          </p:cNvSpPr>
+          <p:nvPr>
+            <p:ph type="dt" sz="half" idx="10"/>
+          </p:nvPr>
+        </p:nvSpPr>
+        <p:spPr/>
+        <p:txBody>
+          <a:bodyPr/>
+          <a:lstStyle/>
+          <a:p>
+            <a:pPr>
+              <a:defRPr/>
+            </a:pPr>
+            <a:fld id="{AADEF755-0B60-4A3E-9C6A-4CADF1C89A5E}" type="datetimeFigureOut">
+              <a:rPr lang="en-US" smtClean="0"/>
+              <a:pPr>
+                <a:defRPr/>
+              </a:pPr>
+              <a:t>9/27/2021</a:t>
+            </a:fld>
+            <a:endParaRPr lang="en-US"/>
+          </a:p>
+        </p:txBody>
+      </p:sp>
+      <p:sp>
+        <p:nvSpPr>
+          <p:cNvPr id="5" name="Footer Placeholder 4">
+            <a:extLst>
+              <a:ext uri="{FF2B5EF4-FFF2-40B4-BE49-F238E27FC236}">
+                <a16:creationId xmlns:a16="http://schemas.microsoft.com/office/drawing/2014/main" id="{5AD535B2-053C-47FC-9B16-749BBA1974DB}"/>
+              </a:ext>
+            </a:extLst>
+          </p:cNvPr>
+          <p:cNvSpPr>
+            <a:spLocks noGrp="1"/>
+          </p:cNvSpPr>
+          <p:nvPr>
+            <p:ph type="ftr" sz="quarter" idx="11"/>
+          </p:nvPr>
+        </p:nvSpPr>
+        <p:spPr/>
+        <p:txBody>
+          <a:bodyPr/>
+          <a:lstStyle/>
+          <a:p>
+            <a:pPr>
+              <a:defRPr/>
+            </a:pPr>
+            <a:endParaRPr lang="en-US"/>
+          </a:p>
+        </p:txBody>
+      </p:sp>
+      <p:sp>
+        <p:nvSpPr>
+          <p:cNvPr id="6" name="Slide Number Placeholder 5">
+            <a:extLst>
+              <a:ext uri="{FF2B5EF4-FFF2-40B4-BE49-F238E27FC236}">
+                <a16:creationId xmlns:a16="http://schemas.microsoft.com/office/drawing/2014/main" id="{B0715DB1-CDEB-42EB-B1AC-FE0EA702D032}"/>
+              </a:ext>
+            </a:extLst>
+          </p:cNvPr>
+          <p:cNvSpPr>
+            <a:spLocks noGrp="1"/>
+          </p:cNvSpPr>
+          <p:nvPr>
+            <p:ph type="sldNum" sz="quarter" idx="12"/>
+          </p:nvPr>
+        </p:nvSpPr>
+        <p:spPr/>
+        <p:txBody>
+          <a:bodyPr/>
+          <a:lstStyle/>
+          <a:p>
+            <a:fld id="{B8941645-BEF5-4E76-B170-273229BA17A4}" type="slidenum">
+              <a:rPr lang="en-US" smtClean="0"/>
+              <a:t>‹#›</a:t>
+            </a:fld>
+            <a:endParaRPr lang="en-US"/>
+          </a:p>
+        </p:txBody>
+      </p:sp>
+    </p:spTree>
+    <p:extLst>
+      <p:ext uri="{BB962C8B-B14F-4D97-AF65-F5344CB8AC3E}">
+        <p14:creationId xmlns:p14="http://schemas.microsoft.com/office/powerpoint/2010/main" val="1141369982"/>
+      </p:ext>
+    </p:extLst>
+  </p:cSld>
+  <p:clrMapOvr>
+    <a:masterClrMapping/>
+  </p:clrMapOvr>
+</p:sldLayout>
+</file>
+
+<file path=ppt/slideLayouts/slideLayout24.xml><?xml version="1.0" encoding="utf-8"?>
+<p:sldLayout xmlns:a="http://schemas.openxmlformats.org/drawingml/2006/main" xmlns:r="http://schemas.openxmlformats.org/officeDocument/2006/relationships" xmlns:p="http://schemas.openxmlformats.org/presentationml/2006/main" type="obj" preserve="1">
+  <p:cSld name="Title and Content">
+    <p:spTree>
+      <p:nvGrpSpPr>
+        <p:cNvPr id="1" name=""/>
+        <p:cNvGrpSpPr/>
+        <p:nvPr/>
+      </p:nvGrpSpPr>
+      <p:grpSpPr>
+        <a:xfrm>
+          <a:off x="0" y="0"/>
+          <a:ext cx="0" cy="0"/>
+          <a:chOff x="0" y="0"/>
+          <a:chExt cx="0" cy="0"/>
+        </a:xfrm>
+      </p:grpSpPr>
+      <p:sp>
+        <p:nvSpPr>
+          <p:cNvPr id="2" name="Title 1">
+            <a:extLst>
+              <a:ext uri="{FF2B5EF4-FFF2-40B4-BE49-F238E27FC236}">
+                <a16:creationId xmlns:a16="http://schemas.microsoft.com/office/drawing/2014/main" id="{60D598D8-D955-4DC4-A3F0-36DA8B29CFA1}"/>
+              </a:ext>
+            </a:extLst>
+          </p:cNvPr>
+          <p:cNvSpPr>
+            <a:spLocks noGrp="1"/>
+          </p:cNvSpPr>
+          <p:nvPr>
+            <p:ph type="title"/>
+          </p:nvPr>
+        </p:nvSpPr>
+        <p:spPr/>
+        <p:txBody>
+          <a:bodyPr/>
+          <a:lstStyle/>
+          <a:p>
+            <a:r>
+              <a:rPr lang="en-US"/>
+              <a:t>Click to edit Master title style</a:t>
+            </a:r>
+          </a:p>
+        </p:txBody>
+      </p:sp>
+      <p:sp>
+        <p:nvSpPr>
+          <p:cNvPr id="3" name="Content Placeholder 2">
+            <a:extLst>
+              <a:ext uri="{FF2B5EF4-FFF2-40B4-BE49-F238E27FC236}">
+                <a16:creationId xmlns:a16="http://schemas.microsoft.com/office/drawing/2014/main" id="{F7274478-5380-4D2B-B1BF-42AF877F6756}"/>
+              </a:ext>
+            </a:extLst>
+          </p:cNvPr>
+          <p:cNvSpPr>
+            <a:spLocks noGrp="1"/>
+          </p:cNvSpPr>
+          <p:nvPr>
+            <p:ph idx="1"/>
+          </p:nvPr>
+        </p:nvSpPr>
+        <p:spPr/>
+        <p:txBody>
+          <a:bodyPr/>
+          <a:lstStyle/>
+          <a:p>
+            <a:pPr lvl="0"/>
+            <a:r>
+              <a:rPr lang="en-US"/>
+              <a:t>Click to edit Master text styles</a:t>
+            </a:r>
+          </a:p>
+          <a:p>
+            <a:pPr lvl="1"/>
+            <a:r>
+              <a:rPr lang="en-US"/>
+              <a:t>Second level</a:t>
+            </a:r>
+          </a:p>
+          <a:p>
+            <a:pPr lvl="2"/>
+            <a:r>
+              <a:rPr lang="en-US"/>
+              <a:t>Third level</a:t>
+            </a:r>
+          </a:p>
+          <a:p>
+            <a:pPr lvl="3"/>
+            <a:r>
+              <a:rPr lang="en-US"/>
+              <a:t>Fourth level</a:t>
+            </a:r>
+          </a:p>
+          <a:p>
+            <a:pPr lvl="4"/>
+            <a:r>
+              <a:rPr lang="en-US"/>
+              <a:t>Fifth level</a:t>
+            </a:r>
+          </a:p>
+        </p:txBody>
+      </p:sp>
+      <p:sp>
+        <p:nvSpPr>
+          <p:cNvPr id="4" name="Date Placeholder 3">
+            <a:extLst>
+              <a:ext uri="{FF2B5EF4-FFF2-40B4-BE49-F238E27FC236}">
+                <a16:creationId xmlns:a16="http://schemas.microsoft.com/office/drawing/2014/main" id="{5CE68060-8A32-4BEF-8BF6-AEE48673DB35}"/>
+              </a:ext>
+            </a:extLst>
+          </p:cNvPr>
+          <p:cNvSpPr>
+            <a:spLocks noGrp="1"/>
+          </p:cNvSpPr>
+          <p:nvPr>
+            <p:ph type="dt" sz="half" idx="10"/>
+          </p:nvPr>
+        </p:nvSpPr>
+        <p:spPr/>
+        <p:txBody>
+          <a:bodyPr/>
+          <a:lstStyle/>
+          <a:p>
+            <a:pPr>
+              <a:defRPr/>
+            </a:pPr>
+            <a:fld id="{AADEF755-0B60-4A3E-9C6A-4CADF1C89A5E}" type="datetimeFigureOut">
+              <a:rPr lang="en-US" smtClean="0"/>
+              <a:pPr>
+                <a:defRPr/>
+              </a:pPr>
+              <a:t>9/27/2021</a:t>
+            </a:fld>
+            <a:endParaRPr lang="en-US"/>
+          </a:p>
+        </p:txBody>
+      </p:sp>
+      <p:sp>
+        <p:nvSpPr>
+          <p:cNvPr id="5" name="Footer Placeholder 4">
+            <a:extLst>
+              <a:ext uri="{FF2B5EF4-FFF2-40B4-BE49-F238E27FC236}">
+                <a16:creationId xmlns:a16="http://schemas.microsoft.com/office/drawing/2014/main" id="{185FFDFA-F515-486F-A3D9-28089DC81B3A}"/>
+              </a:ext>
+            </a:extLst>
+          </p:cNvPr>
+          <p:cNvSpPr>
+            <a:spLocks noGrp="1"/>
+          </p:cNvSpPr>
+          <p:nvPr>
+            <p:ph type="ftr" sz="quarter" idx="11"/>
+          </p:nvPr>
+        </p:nvSpPr>
+        <p:spPr/>
+        <p:txBody>
+          <a:bodyPr/>
+          <a:lstStyle/>
+          <a:p>
+            <a:pPr>
+              <a:defRPr/>
+            </a:pPr>
+            <a:endParaRPr lang="en-US"/>
+          </a:p>
+        </p:txBody>
+      </p:sp>
+      <p:sp>
+        <p:nvSpPr>
+          <p:cNvPr id="6" name="Slide Number Placeholder 5">
+            <a:extLst>
+              <a:ext uri="{FF2B5EF4-FFF2-40B4-BE49-F238E27FC236}">
+                <a16:creationId xmlns:a16="http://schemas.microsoft.com/office/drawing/2014/main" id="{5913FB59-A7EE-4506-8400-5F7DB9ADC639}"/>
+              </a:ext>
+            </a:extLst>
+          </p:cNvPr>
+          <p:cNvSpPr>
+            <a:spLocks noGrp="1"/>
+          </p:cNvSpPr>
+          <p:nvPr>
+            <p:ph type="sldNum" sz="quarter" idx="12"/>
+          </p:nvPr>
+        </p:nvSpPr>
+        <p:spPr/>
+        <p:txBody>
+          <a:bodyPr/>
+          <a:lstStyle/>
+          <a:p>
+            <a:fld id="{B8941645-BEF5-4E76-B170-273229BA17A4}" type="slidenum">
+              <a:rPr lang="en-US" smtClean="0"/>
+              <a:t>‹#›</a:t>
+            </a:fld>
+            <a:endParaRPr lang="en-US"/>
+          </a:p>
+        </p:txBody>
+      </p:sp>
+    </p:spTree>
+    <p:extLst>
+      <p:ext uri="{BB962C8B-B14F-4D97-AF65-F5344CB8AC3E}">
+        <p14:creationId xmlns:p14="http://schemas.microsoft.com/office/powerpoint/2010/main" val="1882643087"/>
+      </p:ext>
+    </p:extLst>
+  </p:cSld>
+  <p:clrMapOvr>
+    <a:masterClrMapping/>
+  </p:clrMapOvr>
+</p:sldLayout>
+</file>
+
+<file path=ppt/slideLayouts/slideLayout25.xml><?xml version="1.0" encoding="utf-8"?>
+<p:sldLayout xmlns:a="http://schemas.openxmlformats.org/drawingml/2006/main" xmlns:r="http://schemas.openxmlformats.org/officeDocument/2006/relationships" xmlns:p="http://schemas.openxmlformats.org/presentationml/2006/main" type="secHead" preserve="1">
+  <p:cSld name="Section Header">
+    <p:spTree>
+      <p:nvGrpSpPr>
+        <p:cNvPr id="1" name=""/>
+        <p:cNvGrpSpPr/>
+        <p:nvPr/>
+      </p:nvGrpSpPr>
+      <p:grpSpPr>
+        <a:xfrm>
+          <a:off x="0" y="0"/>
+          <a:ext cx="0" cy="0"/>
+          <a:chOff x="0" y="0"/>
+          <a:chExt cx="0" cy="0"/>
+        </a:xfrm>
+      </p:grpSpPr>
+      <p:sp>
+        <p:nvSpPr>
+          <p:cNvPr id="2" name="Title 1">
+            <a:extLst>
+              <a:ext uri="{FF2B5EF4-FFF2-40B4-BE49-F238E27FC236}">
+                <a16:creationId xmlns:a16="http://schemas.microsoft.com/office/drawing/2014/main" id="{ABA45AE6-B798-4B16-8668-CA740D5CF5A6}"/>
+              </a:ext>
+            </a:extLst>
+          </p:cNvPr>
+          <p:cNvSpPr>
+            <a:spLocks noGrp="1"/>
+          </p:cNvSpPr>
+          <p:nvPr>
+            <p:ph type="title"/>
+          </p:nvPr>
+        </p:nvSpPr>
+        <p:spPr>
+          <a:xfrm>
+            <a:off x="831850" y="1709738"/>
+            <a:ext cx="10515600" cy="2852737"/>
+          </a:xfrm>
+        </p:spPr>
+        <p:txBody>
+          <a:bodyPr anchor="b"/>
+          <a:lstStyle>
+            <a:lvl1pPr>
+              <a:defRPr sz="6000"/>
+            </a:lvl1pPr>
+          </a:lstStyle>
+          <a:p>
+            <a:r>
+              <a:rPr lang="en-US"/>
+              <a:t>Click to edit Master title style</a:t>
+            </a:r>
+          </a:p>
+        </p:txBody>
+      </p:sp>
+      <p:sp>
+        <p:nvSpPr>
+          <p:cNvPr id="3" name="Text Placeholder 2">
+            <a:extLst>
+              <a:ext uri="{FF2B5EF4-FFF2-40B4-BE49-F238E27FC236}">
+                <a16:creationId xmlns:a16="http://schemas.microsoft.com/office/drawing/2014/main" id="{E5C8ED67-BC22-466C-81DE-E0AD1DE17F7A}"/>
+              </a:ext>
+            </a:extLst>
+          </p:cNvPr>
+          <p:cNvSpPr>
+            <a:spLocks noGrp="1"/>
+          </p:cNvSpPr>
+          <p:nvPr>
+            <p:ph type="body" idx="1"/>
+          </p:nvPr>
+        </p:nvSpPr>
+        <p:spPr>
+          <a:xfrm>
+            <a:off x="831850" y="4589463"/>
+            <a:ext cx="10515600" cy="1500187"/>
+          </a:xfrm>
+        </p:spPr>
+        <p:txBody>
+          <a:bodyPr/>
+          <a:lstStyle>
+            <a:lvl1pPr marL="0" indent="0">
+              <a:buNone/>
+              <a:defRPr sz="2400">
+                <a:solidFill>
+                  <a:schemeClr val="tx1">
+                    <a:tint val="75000"/>
+                  </a:schemeClr>
+                </a:solidFill>
+              </a:defRPr>
+            </a:lvl1pPr>
+            <a:lvl2pPr marL="457200" indent="0">
+              <a:buNone/>
+              <a:defRPr sz="2000">
+                <a:solidFill>
+                  <a:schemeClr val="tx1">
+                    <a:tint val="75000"/>
+                  </a:schemeClr>
+                </a:solidFill>
+              </a:defRPr>
+            </a:lvl2pPr>
+            <a:lvl3pPr marL="914400" indent="0">
+              <a:buNone/>
+              <a:defRPr sz="1800">
+                <a:solidFill>
+                  <a:schemeClr val="tx1">
+                    <a:tint val="75000"/>
+                  </a:schemeClr>
+                </a:solidFill>
+              </a:defRPr>
+            </a:lvl3pPr>
+            <a:lvl4pPr marL="1371600" indent="0">
+              <a:buNone/>
+              <a:defRPr sz="1600">
+                <a:solidFill>
+                  <a:schemeClr val="tx1">
+                    <a:tint val="75000"/>
+                  </a:schemeClr>
+                </a:solidFill>
+              </a:defRPr>
+            </a:lvl4pPr>
+            <a:lvl5pPr marL="1828800" indent="0">
+              <a:buNone/>
+              <a:defRPr sz="1600">
+                <a:solidFill>
+                  <a:schemeClr val="tx1">
+                    <a:tint val="75000"/>
+                  </a:schemeClr>
+                </a:solidFill>
+              </a:defRPr>
+            </a:lvl5pPr>
+            <a:lvl6pPr marL="2286000" indent="0">
+              <a:buNone/>
+              <a:defRPr sz="1600">
+                <a:solidFill>
+                  <a:schemeClr val="tx1">
+                    <a:tint val="75000"/>
+                  </a:schemeClr>
+                </a:solidFill>
+              </a:defRPr>
+            </a:lvl6pPr>
+            <a:lvl7pPr marL="2743200" indent="0">
+              <a:buNone/>
+              <a:defRPr sz="1600">
+                <a:solidFill>
+                  <a:schemeClr val="tx1">
+                    <a:tint val="75000"/>
+                  </a:schemeClr>
+                </a:solidFill>
+              </a:defRPr>
+            </a:lvl7pPr>
+            <a:lvl8pPr marL="3200400" indent="0">
+              <a:buNone/>
+              <a:defRPr sz="1600">
+                <a:solidFill>
+                  <a:schemeClr val="tx1">
+                    <a:tint val="75000"/>
+                  </a:schemeClr>
+                </a:solidFill>
+              </a:defRPr>
+            </a:lvl8pPr>
+            <a:lvl9pPr marL="3657600" indent="0">
+              <a:buNone/>
+              <a:defRPr sz="1600">
+                <a:solidFill>
+                  <a:schemeClr val="tx1">
+                    <a:tint val="75000"/>
+                  </a:schemeClr>
+                </a:solidFill>
+              </a:defRPr>
+            </a:lvl9pPr>
+          </a:lstStyle>
+          <a:p>
+            <a:pPr lvl="0"/>
+            <a:r>
+              <a:rPr lang="en-US"/>
+              <a:t>Click to edit Master text styles</a:t>
+            </a:r>
+          </a:p>
+        </p:txBody>
+      </p:sp>
+      <p:sp>
+        <p:nvSpPr>
+          <p:cNvPr id="4" name="Date Placeholder 3">
+            <a:extLst>
+              <a:ext uri="{FF2B5EF4-FFF2-40B4-BE49-F238E27FC236}">
+                <a16:creationId xmlns:a16="http://schemas.microsoft.com/office/drawing/2014/main" id="{5A8FE0CA-1418-43A7-B4C7-D9733FE3167E}"/>
+              </a:ext>
+            </a:extLst>
+          </p:cNvPr>
+          <p:cNvSpPr>
+            <a:spLocks noGrp="1"/>
+          </p:cNvSpPr>
+          <p:nvPr>
+            <p:ph type="dt" sz="half" idx="10"/>
+          </p:nvPr>
+        </p:nvSpPr>
+        <p:spPr/>
+        <p:txBody>
+          <a:bodyPr/>
+          <a:lstStyle/>
+          <a:p>
+            <a:pPr>
+              <a:defRPr/>
+            </a:pPr>
+            <a:fld id="{6014562E-E191-4140-8CA7-D81566904FD6}" type="datetimeFigureOut">
+              <a:rPr lang="en-US" smtClean="0"/>
+              <a:pPr>
+                <a:defRPr/>
+              </a:pPr>
+              <a:t>9/27/2021</a:t>
+            </a:fld>
+            <a:endParaRPr lang="en-US"/>
+          </a:p>
+        </p:txBody>
+      </p:sp>
+      <p:sp>
+        <p:nvSpPr>
+          <p:cNvPr id="5" name="Footer Placeholder 4">
+            <a:extLst>
+              <a:ext uri="{FF2B5EF4-FFF2-40B4-BE49-F238E27FC236}">
+                <a16:creationId xmlns:a16="http://schemas.microsoft.com/office/drawing/2014/main" id="{D90AF561-E0DE-43CF-93C2-B01A8ABE9F7D}"/>
+              </a:ext>
+            </a:extLst>
+          </p:cNvPr>
+          <p:cNvSpPr>
+            <a:spLocks noGrp="1"/>
+          </p:cNvSpPr>
+          <p:nvPr>
+            <p:ph type="ftr" sz="quarter" idx="11"/>
+          </p:nvPr>
+        </p:nvSpPr>
+        <p:spPr/>
+        <p:txBody>
+          <a:bodyPr/>
+          <a:lstStyle/>
+          <a:p>
+            <a:pPr>
+              <a:defRPr/>
+            </a:pPr>
+            <a:endParaRPr lang="en-US"/>
+          </a:p>
+        </p:txBody>
+      </p:sp>
+      <p:sp>
+        <p:nvSpPr>
+          <p:cNvPr id="6" name="Slide Number Placeholder 5">
+            <a:extLst>
+              <a:ext uri="{FF2B5EF4-FFF2-40B4-BE49-F238E27FC236}">
+                <a16:creationId xmlns:a16="http://schemas.microsoft.com/office/drawing/2014/main" id="{8B3CB38E-A400-4653-954C-C4ECAE06FB42}"/>
+              </a:ext>
+            </a:extLst>
+          </p:cNvPr>
+          <p:cNvSpPr>
+            <a:spLocks noGrp="1"/>
+          </p:cNvSpPr>
+          <p:nvPr>
+            <p:ph type="sldNum" sz="quarter" idx="12"/>
+          </p:nvPr>
+        </p:nvSpPr>
+        <p:spPr/>
+        <p:txBody>
+          <a:bodyPr/>
+          <a:lstStyle/>
+          <a:p>
+            <a:fld id="{B8941645-BEF5-4E76-B170-273229BA17A4}" type="slidenum">
+              <a:rPr lang="en-US" smtClean="0"/>
+              <a:t>‹#›</a:t>
+            </a:fld>
+            <a:endParaRPr lang="en-US"/>
+          </a:p>
+        </p:txBody>
+      </p:sp>
+    </p:spTree>
+    <p:extLst>
+      <p:ext uri="{BB962C8B-B14F-4D97-AF65-F5344CB8AC3E}">
+        <p14:creationId xmlns:p14="http://schemas.microsoft.com/office/powerpoint/2010/main" val="3598997843"/>
+      </p:ext>
+    </p:extLst>
+  </p:cSld>
+  <p:clrMapOvr>
+    <a:masterClrMapping/>
+  </p:clrMapOvr>
+</p:sldLayout>
+</file>
+
+<file path=ppt/slideLayouts/slideLayout26.xml><?xml version="1.0" encoding="utf-8"?>
+<p:sldLayout xmlns:a="http://schemas.openxmlformats.org/drawingml/2006/main" xmlns:r="http://schemas.openxmlformats.org/officeDocument/2006/relationships" xmlns:p="http://schemas.openxmlformats.org/presentationml/2006/main" type="twoObj" preserve="1">
+  <p:cSld name="Two Content">
+    <p:spTree>
+      <p:nvGrpSpPr>
+        <p:cNvPr id="1" name=""/>
+        <p:cNvGrpSpPr/>
+        <p:nvPr/>
+      </p:nvGrpSpPr>
+      <p:grpSpPr>
+        <a:xfrm>
+          <a:off x="0" y="0"/>
+          <a:ext cx="0" cy="0"/>
+          <a:chOff x="0" y="0"/>
+          <a:chExt cx="0" cy="0"/>
+        </a:xfrm>
+      </p:grpSpPr>
+      <p:sp>
+        <p:nvSpPr>
+          <p:cNvPr id="2" name="Title 1">
+            <a:extLst>
+              <a:ext uri="{FF2B5EF4-FFF2-40B4-BE49-F238E27FC236}">
+                <a16:creationId xmlns:a16="http://schemas.microsoft.com/office/drawing/2014/main" id="{FFD3099F-6A3D-4E00-B651-137BB9BA72D4}"/>
+              </a:ext>
+            </a:extLst>
+          </p:cNvPr>
+          <p:cNvSpPr>
+            <a:spLocks noGrp="1"/>
+          </p:cNvSpPr>
+          <p:nvPr>
+            <p:ph type="title"/>
+          </p:nvPr>
+        </p:nvSpPr>
+        <p:spPr/>
+        <p:txBody>
+          <a:bodyPr/>
+          <a:lstStyle/>
+          <a:p>
+            <a:r>
+              <a:rPr lang="en-US"/>
+              <a:t>Click to edit Master title style</a:t>
+            </a:r>
+          </a:p>
+        </p:txBody>
+      </p:sp>
+      <p:sp>
+        <p:nvSpPr>
+          <p:cNvPr id="3" name="Content Placeholder 2">
+            <a:extLst>
+              <a:ext uri="{FF2B5EF4-FFF2-40B4-BE49-F238E27FC236}">
+                <a16:creationId xmlns:a16="http://schemas.microsoft.com/office/drawing/2014/main" id="{58C51006-728E-4708-9155-5D8C0437915F}"/>
+              </a:ext>
+            </a:extLst>
+          </p:cNvPr>
+          <p:cNvSpPr>
+            <a:spLocks noGrp="1"/>
+          </p:cNvSpPr>
+          <p:nvPr>
+            <p:ph sz="half" idx="1"/>
+          </p:nvPr>
+        </p:nvSpPr>
+        <p:spPr>
+          <a:xfrm>
+            <a:off x="838200" y="1825625"/>
+            <a:ext cx="5181600" cy="4351338"/>
+          </a:xfrm>
+        </p:spPr>
+        <p:txBody>
+          <a:bodyPr/>
+          <a:lstStyle/>
+          <a:p>
+            <a:pPr lvl="0"/>
+            <a:r>
+              <a:rPr lang="en-US"/>
+              <a:t>Click to edit Master text styles</a:t>
+            </a:r>
+          </a:p>
+          <a:p>
+            <a:pPr lvl="1"/>
+            <a:r>
+              <a:rPr lang="en-US"/>
+              <a:t>Second level</a:t>
+            </a:r>
+          </a:p>
+          <a:p>
+            <a:pPr lvl="2"/>
+            <a:r>
+              <a:rPr lang="en-US"/>
+              <a:t>Third level</a:t>
+            </a:r>
+          </a:p>
+          <a:p>
+            <a:pPr lvl="3"/>
+            <a:r>
+              <a:rPr lang="en-US"/>
+              <a:t>Fourth level</a:t>
+            </a:r>
+          </a:p>
+          <a:p>
+            <a:pPr lvl="4"/>
+            <a:r>
+              <a:rPr lang="en-US"/>
+              <a:t>Fifth level</a:t>
+            </a:r>
+          </a:p>
+        </p:txBody>
+      </p:sp>
+      <p:sp>
+        <p:nvSpPr>
+          <p:cNvPr id="4" name="Content Placeholder 3">
+            <a:extLst>
+              <a:ext uri="{FF2B5EF4-FFF2-40B4-BE49-F238E27FC236}">
+                <a16:creationId xmlns:a16="http://schemas.microsoft.com/office/drawing/2014/main" id="{E68AC94D-E5D6-4576-8DF7-E8282BF0ADFE}"/>
+              </a:ext>
+            </a:extLst>
+          </p:cNvPr>
+          <p:cNvSpPr>
+            <a:spLocks noGrp="1"/>
+          </p:cNvSpPr>
+          <p:nvPr>
+            <p:ph sz="half" idx="2"/>
+          </p:nvPr>
+        </p:nvSpPr>
+        <p:spPr>
+          <a:xfrm>
+            <a:off x="6172200" y="1825625"/>
+            <a:ext cx="5181600" cy="4351338"/>
+          </a:xfrm>
+        </p:spPr>
+        <p:txBody>
+          <a:bodyPr/>
+          <a:lstStyle/>
+          <a:p>
+            <a:pPr lvl="0"/>
+            <a:r>
+              <a:rPr lang="en-US"/>
+              <a:t>Click to edit Master text styles</a:t>
+            </a:r>
+          </a:p>
+          <a:p>
+            <a:pPr lvl="1"/>
+            <a:r>
+              <a:rPr lang="en-US"/>
+              <a:t>Second level</a:t>
+            </a:r>
+          </a:p>
+          <a:p>
+            <a:pPr lvl="2"/>
+            <a:r>
+              <a:rPr lang="en-US"/>
+              <a:t>Third level</a:t>
+            </a:r>
+          </a:p>
+          <a:p>
+            <a:pPr lvl="3"/>
+            <a:r>
+              <a:rPr lang="en-US"/>
+              <a:t>Fourth level</a:t>
+            </a:r>
+          </a:p>
+          <a:p>
+            <a:pPr lvl="4"/>
+            <a:r>
+              <a:rPr lang="en-US"/>
+              <a:t>Fifth level</a:t>
+            </a:r>
+          </a:p>
+        </p:txBody>
+      </p:sp>
+      <p:sp>
+        <p:nvSpPr>
+          <p:cNvPr id="5" name="Date Placeholder 4">
+            <a:extLst>
+              <a:ext uri="{FF2B5EF4-FFF2-40B4-BE49-F238E27FC236}">
+                <a16:creationId xmlns:a16="http://schemas.microsoft.com/office/drawing/2014/main" id="{46A5CC94-79FB-4F12-9773-9D0CC03C1243}"/>
+              </a:ext>
+            </a:extLst>
+          </p:cNvPr>
+          <p:cNvSpPr>
+            <a:spLocks noGrp="1"/>
+          </p:cNvSpPr>
+          <p:nvPr>
+            <p:ph type="dt" sz="half" idx="10"/>
+          </p:nvPr>
+        </p:nvSpPr>
+        <p:spPr/>
+        <p:txBody>
+          <a:bodyPr/>
+          <a:lstStyle/>
+          <a:p>
+            <a:pPr>
+              <a:defRPr/>
+            </a:pPr>
+            <a:fld id="{12886AD8-D031-4E57-A880-97BEE7625BF5}" type="datetimeFigureOut">
+              <a:rPr lang="en-US" smtClean="0"/>
+              <a:pPr>
+                <a:defRPr/>
+              </a:pPr>
+              <a:t>9/27/2021</a:t>
+            </a:fld>
+            <a:endParaRPr lang="en-US"/>
+          </a:p>
+        </p:txBody>
+      </p:sp>
+      <p:sp>
+        <p:nvSpPr>
+          <p:cNvPr id="6" name="Footer Placeholder 5">
+            <a:extLst>
+              <a:ext uri="{FF2B5EF4-FFF2-40B4-BE49-F238E27FC236}">
+                <a16:creationId xmlns:a16="http://schemas.microsoft.com/office/drawing/2014/main" id="{9F006F9E-CB9F-4104-9017-5C626E3A6406}"/>
+              </a:ext>
+            </a:extLst>
+          </p:cNvPr>
+          <p:cNvSpPr>
+            <a:spLocks noGrp="1"/>
+          </p:cNvSpPr>
+          <p:nvPr>
+            <p:ph type="ftr" sz="quarter" idx="11"/>
+          </p:nvPr>
+        </p:nvSpPr>
+        <p:spPr/>
+        <p:txBody>
+          <a:bodyPr/>
+          <a:lstStyle/>
+          <a:p>
+            <a:pPr>
+              <a:defRPr/>
+            </a:pPr>
+            <a:endParaRPr lang="en-US"/>
+          </a:p>
+        </p:txBody>
+      </p:sp>
+      <p:sp>
+        <p:nvSpPr>
+          <p:cNvPr id="7" name="Slide Number Placeholder 6">
+            <a:extLst>
+              <a:ext uri="{FF2B5EF4-FFF2-40B4-BE49-F238E27FC236}">
+                <a16:creationId xmlns:a16="http://schemas.microsoft.com/office/drawing/2014/main" id="{8BFA8F03-7F1F-4B48-95A7-6892297E9579}"/>
+              </a:ext>
+            </a:extLst>
+          </p:cNvPr>
+          <p:cNvSpPr>
+            <a:spLocks noGrp="1"/>
+          </p:cNvSpPr>
+          <p:nvPr>
+            <p:ph type="sldNum" sz="quarter" idx="12"/>
+          </p:nvPr>
+        </p:nvSpPr>
+        <p:spPr/>
+        <p:txBody>
+          <a:bodyPr/>
+          <a:lstStyle/>
+          <a:p>
+            <a:fld id="{B8941645-BEF5-4E76-B170-273229BA17A4}" type="slidenum">
+              <a:rPr lang="en-US" smtClean="0"/>
+              <a:t>‹#›</a:t>
+            </a:fld>
+            <a:endParaRPr lang="en-US"/>
+          </a:p>
+        </p:txBody>
+      </p:sp>
+    </p:spTree>
+    <p:extLst>
+      <p:ext uri="{BB962C8B-B14F-4D97-AF65-F5344CB8AC3E}">
+        <p14:creationId xmlns:p14="http://schemas.microsoft.com/office/powerpoint/2010/main" val="2520310842"/>
+      </p:ext>
+    </p:extLst>
+  </p:cSld>
+  <p:clrMapOvr>
+    <a:masterClrMapping/>
+  </p:clrMapOvr>
+</p:sldLayout>
+</file>
+
+<file path=ppt/slideLayouts/slideLayout27.xml><?xml version="1.0" encoding="utf-8"?>
+<p:sldLayout xmlns:a="http://schemas.openxmlformats.org/drawingml/2006/main" xmlns:r="http://schemas.openxmlformats.org/officeDocument/2006/relationships" xmlns:p="http://schemas.openxmlformats.org/presentationml/2006/main" type="twoTxTwoObj" preserve="1">
+  <p:cSld name="Comparison">
+    <p:spTree>
+      <p:nvGrpSpPr>
+        <p:cNvPr id="1" name=""/>
+        <p:cNvGrpSpPr/>
+        <p:nvPr/>
+      </p:nvGrpSpPr>
+      <p:grpSpPr>
+        <a:xfrm>
+          <a:off x="0" y="0"/>
+          <a:ext cx="0" cy="0"/>
+          <a:chOff x="0" y="0"/>
+          <a:chExt cx="0" cy="0"/>
+        </a:xfrm>
+      </p:grpSpPr>
+      <p:sp>
+        <p:nvSpPr>
+          <p:cNvPr id="2" name="Title 1">
+            <a:extLst>
+              <a:ext uri="{FF2B5EF4-FFF2-40B4-BE49-F238E27FC236}">
+                <a16:creationId xmlns:a16="http://schemas.microsoft.com/office/drawing/2014/main" id="{DA96C259-326A-4166-8D67-56246E50F6FE}"/>
+              </a:ext>
+            </a:extLst>
+          </p:cNvPr>
+          <p:cNvSpPr>
+            <a:spLocks noGrp="1"/>
+          </p:cNvSpPr>
+          <p:nvPr>
+            <p:ph type="title"/>
+          </p:nvPr>
+        </p:nvSpPr>
+        <p:spPr>
+          <a:xfrm>
+            <a:off x="839788" y="365125"/>
+            <a:ext cx="10515600" cy="1325563"/>
+          </a:xfrm>
+        </p:spPr>
+        <p:txBody>
+          <a:bodyPr/>
+          <a:lstStyle/>
+          <a:p>
+            <a:r>
+              <a:rPr lang="en-US"/>
+              <a:t>Click to edit Master title style</a:t>
+            </a:r>
+          </a:p>
+        </p:txBody>
+      </p:sp>
+      <p:sp>
+        <p:nvSpPr>
+          <p:cNvPr id="3" name="Text Placeholder 2">
+            <a:extLst>
+              <a:ext uri="{FF2B5EF4-FFF2-40B4-BE49-F238E27FC236}">
+                <a16:creationId xmlns:a16="http://schemas.microsoft.com/office/drawing/2014/main" id="{D0824B2A-6F25-4B16-9177-561E3CBE08FB}"/>
+              </a:ext>
+            </a:extLst>
+          </p:cNvPr>
+          <p:cNvSpPr>
+            <a:spLocks noGrp="1"/>
+          </p:cNvSpPr>
+          <p:nvPr>
+            <p:ph type="body" idx="1"/>
+          </p:nvPr>
+        </p:nvSpPr>
+        <p:spPr>
+          <a:xfrm>
+            <a:off x="839788" y="1681163"/>
+            <a:ext cx="5157787" cy="823912"/>
+          </a:xfrm>
+        </p:spPr>
+        <p:txBody>
+          <a:bodyPr anchor="b"/>
+          <a:lstStyle>
+            <a:lvl1pPr marL="0" indent="0">
+              <a:buNone/>
+              <a:defRPr sz="2400" b="1"/>
+            </a:lvl1pPr>
+            <a:lvl2pPr marL="457200" indent="0">
+              <a:buNone/>
+              <a:defRPr sz="2000" b="1"/>
+            </a:lvl2pPr>
+            <a:lvl3pPr marL="914400" indent="0">
+              <a:buNone/>
+              <a:defRPr sz="1800" b="1"/>
+            </a:lvl3pPr>
+            <a:lvl4pPr marL="1371600" indent="0">
+              <a:buNone/>
+              <a:defRPr sz="1600" b="1"/>
+            </a:lvl4pPr>
+            <a:lvl5pPr marL="1828800" indent="0">
+              <a:buNone/>
+              <a:defRPr sz="1600" b="1"/>
+            </a:lvl5pPr>
+            <a:lvl6pPr marL="2286000" indent="0">
+              <a:buNone/>
+              <a:defRPr sz="1600" b="1"/>
+            </a:lvl6pPr>
+            <a:lvl7pPr marL="2743200" indent="0">
+              <a:buNone/>
+              <a:defRPr sz="1600" b="1"/>
+            </a:lvl7pPr>
+            <a:lvl8pPr marL="3200400" indent="0">
+              <a:buNone/>
+              <a:defRPr sz="1600" b="1"/>
+            </a:lvl8pPr>
+            <a:lvl9pPr marL="3657600" indent="0">
+              <a:buNone/>
+              <a:defRPr sz="1600" b="1"/>
+            </a:lvl9pPr>
+          </a:lstStyle>
+          <a:p>
+            <a:pPr lvl="0"/>
+            <a:r>
+              <a:rPr lang="en-US"/>
+              <a:t>Click to edit Master text styles</a:t>
+            </a:r>
+          </a:p>
+        </p:txBody>
+      </p:sp>
+      <p:sp>
+        <p:nvSpPr>
+          <p:cNvPr id="4" name="Content Placeholder 3">
+            <a:extLst>
+              <a:ext uri="{FF2B5EF4-FFF2-40B4-BE49-F238E27FC236}">
+                <a16:creationId xmlns:a16="http://schemas.microsoft.com/office/drawing/2014/main" id="{F1E55812-D158-4391-8E0B-67FCCA126EF9}"/>
+              </a:ext>
+            </a:extLst>
+          </p:cNvPr>
+          <p:cNvSpPr>
+            <a:spLocks noGrp="1"/>
+          </p:cNvSpPr>
+          <p:nvPr>
+            <p:ph sz="half" idx="2"/>
+          </p:nvPr>
+        </p:nvSpPr>
+        <p:spPr>
+          <a:xfrm>
+            <a:off x="839788" y="2505075"/>
+            <a:ext cx="5157787" cy="3684588"/>
+          </a:xfrm>
+        </p:spPr>
+        <p:txBody>
+          <a:bodyPr/>
+          <a:lstStyle/>
+          <a:p>
+            <a:pPr lvl="0"/>
+            <a:r>
+              <a:rPr lang="en-US"/>
+              <a:t>Click to edit Master text styles</a:t>
+            </a:r>
+          </a:p>
+          <a:p>
+            <a:pPr lvl="1"/>
+            <a:r>
+              <a:rPr lang="en-US"/>
+              <a:t>Second level</a:t>
+            </a:r>
+          </a:p>
+          <a:p>
+            <a:pPr lvl="2"/>
+            <a:r>
+              <a:rPr lang="en-US"/>
+              <a:t>Third level</a:t>
+            </a:r>
+          </a:p>
+          <a:p>
+            <a:pPr lvl="3"/>
+            <a:r>
+              <a:rPr lang="en-US"/>
+              <a:t>Fourth level</a:t>
+            </a:r>
+          </a:p>
+          <a:p>
+            <a:pPr lvl="4"/>
+            <a:r>
+              <a:rPr lang="en-US"/>
+              <a:t>Fifth level</a:t>
+            </a:r>
+          </a:p>
+        </p:txBody>
+      </p:sp>
+      <p:sp>
+        <p:nvSpPr>
+          <p:cNvPr id="5" name="Text Placeholder 4">
+            <a:extLst>
+              <a:ext uri="{FF2B5EF4-FFF2-40B4-BE49-F238E27FC236}">
+                <a16:creationId xmlns:a16="http://schemas.microsoft.com/office/drawing/2014/main" id="{412DA270-EF99-43FB-9875-A610D828A148}"/>
+              </a:ext>
+            </a:extLst>
+          </p:cNvPr>
+          <p:cNvSpPr>
+            <a:spLocks noGrp="1"/>
+          </p:cNvSpPr>
+          <p:nvPr>
+            <p:ph type="body" sz="quarter" idx="3"/>
+          </p:nvPr>
+        </p:nvSpPr>
+        <p:spPr>
+          <a:xfrm>
+            <a:off x="6172200" y="1681163"/>
+            <a:ext cx="5183188" cy="823912"/>
+          </a:xfrm>
+        </p:spPr>
+        <p:txBody>
+          <a:bodyPr anchor="b"/>
+          <a:lstStyle>
+            <a:lvl1pPr marL="0" indent="0">
+              <a:buNone/>
+              <a:defRPr sz="2400" b="1"/>
+            </a:lvl1pPr>
+            <a:lvl2pPr marL="457200" indent="0">
+              <a:buNone/>
+              <a:defRPr sz="2000" b="1"/>
+            </a:lvl2pPr>
+            <a:lvl3pPr marL="914400" indent="0">
+              <a:buNone/>
+              <a:defRPr sz="1800" b="1"/>
+            </a:lvl3pPr>
+            <a:lvl4pPr marL="1371600" indent="0">
+              <a:buNone/>
+              <a:defRPr sz="1600" b="1"/>
+            </a:lvl4pPr>
+            <a:lvl5pPr marL="1828800" indent="0">
+              <a:buNone/>
+              <a:defRPr sz="1600" b="1"/>
+            </a:lvl5pPr>
+            <a:lvl6pPr marL="2286000" indent="0">
+              <a:buNone/>
+              <a:defRPr sz="1600" b="1"/>
+            </a:lvl6pPr>
+            <a:lvl7pPr marL="2743200" indent="0">
+              <a:buNone/>
+              <a:defRPr sz="1600" b="1"/>
+            </a:lvl7pPr>
+            <a:lvl8pPr marL="3200400" indent="0">
+              <a:buNone/>
+              <a:defRPr sz="1600" b="1"/>
+            </a:lvl8pPr>
+            <a:lvl9pPr marL="3657600" indent="0">
+              <a:buNone/>
+              <a:defRPr sz="1600" b="1"/>
+            </a:lvl9pPr>
+          </a:lstStyle>
+          <a:p>
+            <a:pPr lvl="0"/>
+            <a:r>
+              <a:rPr lang="en-US"/>
+              <a:t>Click to edit Master text styles</a:t>
+            </a:r>
+          </a:p>
+        </p:txBody>
+      </p:sp>
+      <p:sp>
+        <p:nvSpPr>
+          <p:cNvPr id="6" name="Content Placeholder 5">
+            <a:extLst>
+              <a:ext uri="{FF2B5EF4-FFF2-40B4-BE49-F238E27FC236}">
+                <a16:creationId xmlns:a16="http://schemas.microsoft.com/office/drawing/2014/main" id="{4F636EDA-2EFC-4D89-B777-1303490AA9B0}"/>
+              </a:ext>
+            </a:extLst>
+          </p:cNvPr>
+          <p:cNvSpPr>
+            <a:spLocks noGrp="1"/>
+          </p:cNvSpPr>
+          <p:nvPr>
+            <p:ph sz="quarter" idx="4"/>
+          </p:nvPr>
+        </p:nvSpPr>
+        <p:spPr>
+          <a:xfrm>
+            <a:off x="6172200" y="2505075"/>
+            <a:ext cx="5183188" cy="3684588"/>
+          </a:xfrm>
+        </p:spPr>
+        <p:txBody>
+          <a:bodyPr/>
+          <a:lstStyle/>
+          <a:p>
+            <a:pPr lvl="0"/>
+            <a:r>
+              <a:rPr lang="en-US"/>
+              <a:t>Click to edit Master text styles</a:t>
+            </a:r>
+          </a:p>
+          <a:p>
+            <a:pPr lvl="1"/>
+            <a:r>
+              <a:rPr lang="en-US"/>
+              <a:t>Second level</a:t>
+            </a:r>
+          </a:p>
+          <a:p>
+            <a:pPr lvl="2"/>
+            <a:r>
+              <a:rPr lang="en-US"/>
+              <a:t>Third level</a:t>
+            </a:r>
+          </a:p>
+          <a:p>
+            <a:pPr lvl="3"/>
+            <a:r>
+              <a:rPr lang="en-US"/>
+              <a:t>Fourth level</a:t>
+            </a:r>
+          </a:p>
+          <a:p>
+            <a:pPr lvl="4"/>
+            <a:r>
+              <a:rPr lang="en-US"/>
+              <a:t>Fifth level</a:t>
+            </a:r>
+          </a:p>
+        </p:txBody>
+      </p:sp>
+      <p:sp>
+        <p:nvSpPr>
+          <p:cNvPr id="7" name="Date Placeholder 6">
+            <a:extLst>
+              <a:ext uri="{FF2B5EF4-FFF2-40B4-BE49-F238E27FC236}">
+                <a16:creationId xmlns:a16="http://schemas.microsoft.com/office/drawing/2014/main" id="{F3E064BC-0008-49A1-BBAB-84451A06F945}"/>
+              </a:ext>
+            </a:extLst>
+          </p:cNvPr>
+          <p:cNvSpPr>
+            <a:spLocks noGrp="1"/>
+          </p:cNvSpPr>
+          <p:nvPr>
+            <p:ph type="dt" sz="half" idx="10"/>
+          </p:nvPr>
+        </p:nvSpPr>
+        <p:spPr/>
+        <p:txBody>
+          <a:bodyPr/>
+          <a:lstStyle/>
+          <a:p>
+            <a:pPr>
+              <a:defRPr/>
+            </a:pPr>
+            <a:fld id="{1F146D33-8E80-4809-BCCA-EEFDCA7877C6}" type="datetimeFigureOut">
+              <a:rPr lang="en-US" smtClean="0"/>
+              <a:pPr>
+                <a:defRPr/>
+              </a:pPr>
+              <a:t>9/27/2021</a:t>
+            </a:fld>
+            <a:endParaRPr lang="en-US"/>
+          </a:p>
+        </p:txBody>
+      </p:sp>
+      <p:sp>
+        <p:nvSpPr>
+          <p:cNvPr id="8" name="Footer Placeholder 7">
+            <a:extLst>
+              <a:ext uri="{FF2B5EF4-FFF2-40B4-BE49-F238E27FC236}">
+                <a16:creationId xmlns:a16="http://schemas.microsoft.com/office/drawing/2014/main" id="{E001919D-D89E-4C1B-8AD6-F212EAACD94D}"/>
+              </a:ext>
+            </a:extLst>
+          </p:cNvPr>
+          <p:cNvSpPr>
+            <a:spLocks noGrp="1"/>
+          </p:cNvSpPr>
+          <p:nvPr>
+            <p:ph type="ftr" sz="quarter" idx="11"/>
+          </p:nvPr>
+        </p:nvSpPr>
+        <p:spPr/>
+        <p:txBody>
+          <a:bodyPr/>
+          <a:lstStyle/>
+          <a:p>
+            <a:pPr>
+              <a:defRPr/>
+            </a:pPr>
+            <a:endParaRPr lang="en-US"/>
+          </a:p>
+        </p:txBody>
+      </p:sp>
+      <p:sp>
+        <p:nvSpPr>
+          <p:cNvPr id="9" name="Slide Number Placeholder 8">
+            <a:extLst>
+              <a:ext uri="{FF2B5EF4-FFF2-40B4-BE49-F238E27FC236}">
+                <a16:creationId xmlns:a16="http://schemas.microsoft.com/office/drawing/2014/main" id="{034CCDFE-3B92-4ED2-A08C-E1663ECA00A7}"/>
+              </a:ext>
+            </a:extLst>
+          </p:cNvPr>
+          <p:cNvSpPr>
+            <a:spLocks noGrp="1"/>
+          </p:cNvSpPr>
+          <p:nvPr>
+            <p:ph type="sldNum" sz="quarter" idx="12"/>
+          </p:nvPr>
+        </p:nvSpPr>
+        <p:spPr/>
+        <p:txBody>
+          <a:bodyPr/>
+          <a:lstStyle/>
+          <a:p>
+            <a:fld id="{B8941645-BEF5-4E76-B170-273229BA17A4}" type="slidenum">
+              <a:rPr lang="en-US" smtClean="0"/>
+              <a:t>‹#›</a:t>
+            </a:fld>
+            <a:endParaRPr lang="en-US"/>
+          </a:p>
+        </p:txBody>
+      </p:sp>
+    </p:spTree>
+    <p:extLst>
+      <p:ext uri="{BB962C8B-B14F-4D97-AF65-F5344CB8AC3E}">
+        <p14:creationId xmlns:p14="http://schemas.microsoft.com/office/powerpoint/2010/main" val="1987452980"/>
+      </p:ext>
+    </p:extLst>
+  </p:cSld>
+  <p:clrMapOvr>
+    <a:masterClrMapping/>
+  </p:clrMapOvr>
+</p:sldLayout>
+</file>
+
+<file path=ppt/slideLayouts/slideLayout28.xml><?xml version="1.0" encoding="utf-8"?>
+<p:sldLayout xmlns:a="http://schemas.openxmlformats.org/drawingml/2006/main" xmlns:r="http://schemas.openxmlformats.org/officeDocument/2006/relationships" xmlns:p="http://schemas.openxmlformats.org/presentationml/2006/main" type="titleOnly" preserve="1">
+  <p:cSld name="Title Only">
+    <p:spTree>
+      <p:nvGrpSpPr>
+        <p:cNvPr id="1" name=""/>
+        <p:cNvGrpSpPr/>
+        <p:nvPr/>
+      </p:nvGrpSpPr>
+      <p:grpSpPr>
+        <a:xfrm>
+          <a:off x="0" y="0"/>
+          <a:ext cx="0" cy="0"/>
+          <a:chOff x="0" y="0"/>
+          <a:chExt cx="0" cy="0"/>
+        </a:xfrm>
+      </p:grpSpPr>
+      <p:sp>
+        <p:nvSpPr>
+          <p:cNvPr id="2" name="Title 1">
+            <a:extLst>
+              <a:ext uri="{FF2B5EF4-FFF2-40B4-BE49-F238E27FC236}">
+                <a16:creationId xmlns:a16="http://schemas.microsoft.com/office/drawing/2014/main" id="{45EC4E71-D664-494E-969E-EADCD4AE3BE7}"/>
+              </a:ext>
+            </a:extLst>
+          </p:cNvPr>
+          <p:cNvSpPr>
+            <a:spLocks noGrp="1"/>
+          </p:cNvSpPr>
+          <p:nvPr>
+            <p:ph type="title"/>
+          </p:nvPr>
+        </p:nvSpPr>
+        <p:spPr/>
+        <p:txBody>
+          <a:bodyPr/>
+          <a:lstStyle/>
+          <a:p>
+            <a:r>
+              <a:rPr lang="en-US"/>
+              <a:t>Click to edit Master title style</a:t>
+            </a:r>
+          </a:p>
+        </p:txBody>
+      </p:sp>
+      <p:sp>
+        <p:nvSpPr>
+          <p:cNvPr id="3" name="Date Placeholder 2">
+            <a:extLst>
+              <a:ext uri="{FF2B5EF4-FFF2-40B4-BE49-F238E27FC236}">
+                <a16:creationId xmlns:a16="http://schemas.microsoft.com/office/drawing/2014/main" id="{D025F077-E67B-4BEE-B96B-24531A781D03}"/>
+              </a:ext>
+            </a:extLst>
+          </p:cNvPr>
+          <p:cNvSpPr>
+            <a:spLocks noGrp="1"/>
+          </p:cNvSpPr>
+          <p:nvPr>
+            <p:ph type="dt" sz="half" idx="10"/>
+          </p:nvPr>
+        </p:nvSpPr>
+        <p:spPr/>
+        <p:txBody>
+          <a:bodyPr/>
+          <a:lstStyle/>
+          <a:p>
+            <a:pPr>
+              <a:defRPr/>
+            </a:pPr>
+            <a:fld id="{3475E31E-3DDB-4319-BC51-F5022B7F3C8D}" type="datetimeFigureOut">
+              <a:rPr lang="en-US" smtClean="0"/>
+              <a:pPr>
+                <a:defRPr/>
+              </a:pPr>
+              <a:t>9/27/2021</a:t>
+            </a:fld>
+            <a:endParaRPr lang="en-US"/>
+          </a:p>
+        </p:txBody>
+      </p:sp>
+      <p:sp>
+        <p:nvSpPr>
+          <p:cNvPr id="4" name="Footer Placeholder 3">
+            <a:extLst>
+              <a:ext uri="{FF2B5EF4-FFF2-40B4-BE49-F238E27FC236}">
+                <a16:creationId xmlns:a16="http://schemas.microsoft.com/office/drawing/2014/main" id="{EB5E3EF2-CA23-45DF-9D4F-E2BA28070084}"/>
+              </a:ext>
+            </a:extLst>
+          </p:cNvPr>
+          <p:cNvSpPr>
+            <a:spLocks noGrp="1"/>
+          </p:cNvSpPr>
+          <p:nvPr>
+            <p:ph type="ftr" sz="quarter" idx="11"/>
+          </p:nvPr>
+        </p:nvSpPr>
+        <p:spPr/>
+        <p:txBody>
+          <a:bodyPr/>
+          <a:lstStyle/>
+          <a:p>
+            <a:pPr>
+              <a:defRPr/>
+            </a:pPr>
+            <a:endParaRPr lang="en-US"/>
+          </a:p>
+        </p:txBody>
+      </p:sp>
+      <p:sp>
+        <p:nvSpPr>
+          <p:cNvPr id="5" name="Slide Number Placeholder 4">
+            <a:extLst>
+              <a:ext uri="{FF2B5EF4-FFF2-40B4-BE49-F238E27FC236}">
+                <a16:creationId xmlns:a16="http://schemas.microsoft.com/office/drawing/2014/main" id="{F671C156-D673-4528-965E-B24C1604ADC2}"/>
+              </a:ext>
+            </a:extLst>
+          </p:cNvPr>
+          <p:cNvSpPr>
+            <a:spLocks noGrp="1"/>
+          </p:cNvSpPr>
+          <p:nvPr>
+            <p:ph type="sldNum" sz="quarter" idx="12"/>
+          </p:nvPr>
+        </p:nvSpPr>
+        <p:spPr/>
+        <p:txBody>
+          <a:bodyPr/>
+          <a:lstStyle/>
+          <a:p>
+            <a:fld id="{B8941645-BEF5-4E76-B170-273229BA17A4}" type="slidenum">
+              <a:rPr lang="en-US" smtClean="0"/>
+              <a:t>‹#›</a:t>
+            </a:fld>
+            <a:endParaRPr lang="en-US"/>
+          </a:p>
+        </p:txBody>
+      </p:sp>
+    </p:spTree>
+    <p:extLst>
+      <p:ext uri="{BB962C8B-B14F-4D97-AF65-F5344CB8AC3E}">
+        <p14:creationId xmlns:p14="http://schemas.microsoft.com/office/powerpoint/2010/main" val="3988131857"/>
+      </p:ext>
+    </p:extLst>
+  </p:cSld>
+  <p:clrMapOvr>
+    <a:masterClrMapping/>
+  </p:clrMapOvr>
+</p:sldLayout>
+</file>
+
+<file path=ppt/slideLayouts/slideLayout29.xml><?xml version="1.0" encoding="utf-8"?>
+<p:sldLayout xmlns:a="http://schemas.openxmlformats.org/drawingml/2006/main" xmlns:r="http://schemas.openxmlformats.org/officeDocument/2006/relationships" xmlns:p="http://schemas.openxmlformats.org/presentationml/2006/main" type="blank" preserve="1">
+  <p:cSld name="Blank">
+    <p:spTree>
+      <p:nvGrpSpPr>
+        <p:cNvPr id="1" name=""/>
+        <p:cNvGrpSpPr/>
+        <p:nvPr/>
+      </p:nvGrpSpPr>
+      <p:grpSpPr>
+        <a:xfrm>
+          <a:off x="0" y="0"/>
+          <a:ext cx="0" cy="0"/>
+          <a:chOff x="0" y="0"/>
+          <a:chExt cx="0" cy="0"/>
+        </a:xfrm>
+      </p:grpSpPr>
+      <p:sp>
+        <p:nvSpPr>
+          <p:cNvPr id="2" name="Date Placeholder 1">
+            <a:extLst>
+              <a:ext uri="{FF2B5EF4-FFF2-40B4-BE49-F238E27FC236}">
+                <a16:creationId xmlns:a16="http://schemas.microsoft.com/office/drawing/2014/main" id="{47FE0EF0-6978-449F-9583-435AABE08DA2}"/>
+              </a:ext>
+            </a:extLst>
+          </p:cNvPr>
+          <p:cNvSpPr>
+            <a:spLocks noGrp="1"/>
+          </p:cNvSpPr>
+          <p:nvPr>
+            <p:ph type="dt" sz="half" idx="10"/>
+          </p:nvPr>
+        </p:nvSpPr>
+        <p:spPr/>
+        <p:txBody>
+          <a:bodyPr/>
+          <a:lstStyle/>
+          <a:p>
+            <a:pPr>
+              <a:defRPr/>
+            </a:pPr>
+            <a:fld id="{176638B8-B788-4682-A596-85CF4ED65A7B}" type="datetimeFigureOut">
+              <a:rPr lang="en-US" smtClean="0"/>
+              <a:pPr>
+                <a:defRPr/>
+              </a:pPr>
+              <a:t>9/27/2021</a:t>
+            </a:fld>
+            <a:endParaRPr lang="en-US"/>
+          </a:p>
+        </p:txBody>
+      </p:sp>
+      <p:sp>
+        <p:nvSpPr>
+          <p:cNvPr id="3" name="Footer Placeholder 2">
+            <a:extLst>
+              <a:ext uri="{FF2B5EF4-FFF2-40B4-BE49-F238E27FC236}">
+                <a16:creationId xmlns:a16="http://schemas.microsoft.com/office/drawing/2014/main" id="{D769C931-1881-4BA2-869B-A4B39AD07759}"/>
+              </a:ext>
+            </a:extLst>
+          </p:cNvPr>
+          <p:cNvSpPr>
+            <a:spLocks noGrp="1"/>
+          </p:cNvSpPr>
+          <p:nvPr>
+            <p:ph type="ftr" sz="quarter" idx="11"/>
+          </p:nvPr>
+        </p:nvSpPr>
+        <p:spPr/>
+        <p:txBody>
+          <a:bodyPr/>
+          <a:lstStyle/>
+          <a:p>
+            <a:pPr>
+              <a:defRPr/>
+            </a:pPr>
+            <a:endParaRPr lang="en-US"/>
+          </a:p>
+        </p:txBody>
+      </p:sp>
+      <p:sp>
+        <p:nvSpPr>
+          <p:cNvPr id="4" name="Slide Number Placeholder 3">
+            <a:extLst>
+              <a:ext uri="{FF2B5EF4-FFF2-40B4-BE49-F238E27FC236}">
+                <a16:creationId xmlns:a16="http://schemas.microsoft.com/office/drawing/2014/main" id="{E72B1456-0BE4-4C0D-8465-6BDB231DDE49}"/>
+              </a:ext>
+            </a:extLst>
+          </p:cNvPr>
+          <p:cNvSpPr>
+            <a:spLocks noGrp="1"/>
+          </p:cNvSpPr>
+          <p:nvPr>
+            <p:ph type="sldNum" sz="quarter" idx="12"/>
+          </p:nvPr>
+        </p:nvSpPr>
+        <p:spPr/>
+        <p:txBody>
+          <a:bodyPr/>
+          <a:lstStyle/>
+          <a:p>
+            <a:fld id="{B8941645-BEF5-4E76-B170-273229BA17A4}" type="slidenum">
+              <a:rPr lang="en-US" smtClean="0"/>
+              <a:t>‹#›</a:t>
+            </a:fld>
+            <a:endParaRPr lang="en-US"/>
+          </a:p>
+        </p:txBody>
+      </p:sp>
+    </p:spTree>
+    <p:extLst>
+      <p:ext uri="{BB962C8B-B14F-4D97-AF65-F5344CB8AC3E}">
+        <p14:creationId xmlns:p14="http://schemas.microsoft.com/office/powerpoint/2010/main" val="3190029985"/>
       </p:ext>
     </p:extLst>
   </p:cSld>
@@ -4262,7 +5954,7 @@
           <a:p>
             <a:fld id="{C70E03BD-25A7-4674-8CC2-6C56BFB98E22}" type="datetimeFigureOut">
               <a:rPr lang="en-US" smtClean="0"/>
-              <a:t>9/22/2021</a:t>
+              <a:t>9/27/2021</a:t>
             </a:fld>
             <a:endParaRPr lang="en-US"/>
           </a:p>
@@ -4361,6 +6053,1104 @@
 </p:sldLayout>
 </file>
 
+<file path=ppt/slideLayouts/slideLayout30.xml><?xml version="1.0" encoding="utf-8"?>
+<p:sldLayout xmlns:a="http://schemas.openxmlformats.org/drawingml/2006/main" xmlns:r="http://schemas.openxmlformats.org/officeDocument/2006/relationships" xmlns:p="http://schemas.openxmlformats.org/presentationml/2006/main" type="objTx" preserve="1">
+  <p:cSld name="Content with Caption">
+    <p:spTree>
+      <p:nvGrpSpPr>
+        <p:cNvPr id="1" name=""/>
+        <p:cNvGrpSpPr/>
+        <p:nvPr/>
+      </p:nvGrpSpPr>
+      <p:grpSpPr>
+        <a:xfrm>
+          <a:off x="0" y="0"/>
+          <a:ext cx="0" cy="0"/>
+          <a:chOff x="0" y="0"/>
+          <a:chExt cx="0" cy="0"/>
+        </a:xfrm>
+      </p:grpSpPr>
+      <p:sp>
+        <p:nvSpPr>
+          <p:cNvPr id="2" name="Title 1">
+            <a:extLst>
+              <a:ext uri="{FF2B5EF4-FFF2-40B4-BE49-F238E27FC236}">
+                <a16:creationId xmlns:a16="http://schemas.microsoft.com/office/drawing/2014/main" id="{58EE56A7-7AD4-44B8-9463-A9589DE7EF3C}"/>
+              </a:ext>
+            </a:extLst>
+          </p:cNvPr>
+          <p:cNvSpPr>
+            <a:spLocks noGrp="1"/>
+          </p:cNvSpPr>
+          <p:nvPr>
+            <p:ph type="title"/>
+          </p:nvPr>
+        </p:nvSpPr>
+        <p:spPr>
+          <a:xfrm>
+            <a:off x="839788" y="457200"/>
+            <a:ext cx="3932237" cy="1600200"/>
+          </a:xfrm>
+        </p:spPr>
+        <p:txBody>
+          <a:bodyPr anchor="b"/>
+          <a:lstStyle>
+            <a:lvl1pPr>
+              <a:defRPr sz="3200"/>
+            </a:lvl1pPr>
+          </a:lstStyle>
+          <a:p>
+            <a:r>
+              <a:rPr lang="en-US"/>
+              <a:t>Click to edit Master title style</a:t>
+            </a:r>
+          </a:p>
+        </p:txBody>
+      </p:sp>
+      <p:sp>
+        <p:nvSpPr>
+          <p:cNvPr id="3" name="Content Placeholder 2">
+            <a:extLst>
+              <a:ext uri="{FF2B5EF4-FFF2-40B4-BE49-F238E27FC236}">
+                <a16:creationId xmlns:a16="http://schemas.microsoft.com/office/drawing/2014/main" id="{E6C501B5-DB34-44CE-A9F2-F1F8146E102B}"/>
+              </a:ext>
+            </a:extLst>
+          </p:cNvPr>
+          <p:cNvSpPr>
+            <a:spLocks noGrp="1"/>
+          </p:cNvSpPr>
+          <p:nvPr>
+            <p:ph idx="1"/>
+          </p:nvPr>
+        </p:nvSpPr>
+        <p:spPr>
+          <a:xfrm>
+            <a:off x="5183188" y="987425"/>
+            <a:ext cx="6172200" cy="4873625"/>
+          </a:xfrm>
+        </p:spPr>
+        <p:txBody>
+          <a:bodyPr/>
+          <a:lstStyle>
+            <a:lvl1pPr>
+              <a:defRPr sz="3200"/>
+            </a:lvl1pPr>
+            <a:lvl2pPr>
+              <a:defRPr sz="2800"/>
+            </a:lvl2pPr>
+            <a:lvl3pPr>
+              <a:defRPr sz="2400"/>
+            </a:lvl3pPr>
+            <a:lvl4pPr>
+              <a:defRPr sz="2000"/>
+            </a:lvl4pPr>
+            <a:lvl5pPr>
+              <a:defRPr sz="2000"/>
+            </a:lvl5pPr>
+            <a:lvl6pPr>
+              <a:defRPr sz="2000"/>
+            </a:lvl6pPr>
+            <a:lvl7pPr>
+              <a:defRPr sz="2000"/>
+            </a:lvl7pPr>
+            <a:lvl8pPr>
+              <a:defRPr sz="2000"/>
+            </a:lvl8pPr>
+            <a:lvl9pPr>
+              <a:defRPr sz="2000"/>
+            </a:lvl9pPr>
+          </a:lstStyle>
+          <a:p>
+            <a:pPr lvl="0"/>
+            <a:r>
+              <a:rPr lang="en-US"/>
+              <a:t>Click to edit Master text styles</a:t>
+            </a:r>
+          </a:p>
+          <a:p>
+            <a:pPr lvl="1"/>
+            <a:r>
+              <a:rPr lang="en-US"/>
+              <a:t>Second level</a:t>
+            </a:r>
+          </a:p>
+          <a:p>
+            <a:pPr lvl="2"/>
+            <a:r>
+              <a:rPr lang="en-US"/>
+              <a:t>Third level</a:t>
+            </a:r>
+          </a:p>
+          <a:p>
+            <a:pPr lvl="3"/>
+            <a:r>
+              <a:rPr lang="en-US"/>
+              <a:t>Fourth level</a:t>
+            </a:r>
+          </a:p>
+          <a:p>
+            <a:pPr lvl="4"/>
+            <a:r>
+              <a:rPr lang="en-US"/>
+              <a:t>Fifth level</a:t>
+            </a:r>
+          </a:p>
+        </p:txBody>
+      </p:sp>
+      <p:sp>
+        <p:nvSpPr>
+          <p:cNvPr id="4" name="Text Placeholder 3">
+            <a:extLst>
+              <a:ext uri="{FF2B5EF4-FFF2-40B4-BE49-F238E27FC236}">
+                <a16:creationId xmlns:a16="http://schemas.microsoft.com/office/drawing/2014/main" id="{C7B2DB43-DF52-4566-95D3-D3C5AD85A6C5}"/>
+              </a:ext>
+            </a:extLst>
+          </p:cNvPr>
+          <p:cNvSpPr>
+            <a:spLocks noGrp="1"/>
+          </p:cNvSpPr>
+          <p:nvPr>
+            <p:ph type="body" sz="half" idx="2"/>
+          </p:nvPr>
+        </p:nvSpPr>
+        <p:spPr>
+          <a:xfrm>
+            <a:off x="839788" y="2057400"/>
+            <a:ext cx="3932237" cy="3811588"/>
+          </a:xfrm>
+        </p:spPr>
+        <p:txBody>
+          <a:bodyPr/>
+          <a:lstStyle>
+            <a:lvl1pPr marL="0" indent="0">
+              <a:buNone/>
+              <a:defRPr sz="1600"/>
+            </a:lvl1pPr>
+            <a:lvl2pPr marL="457200" indent="0">
+              <a:buNone/>
+              <a:defRPr sz="1400"/>
+            </a:lvl2pPr>
+            <a:lvl3pPr marL="914400" indent="0">
+              <a:buNone/>
+              <a:defRPr sz="1200"/>
+            </a:lvl3pPr>
+            <a:lvl4pPr marL="1371600" indent="0">
+              <a:buNone/>
+              <a:defRPr sz="1000"/>
+            </a:lvl4pPr>
+            <a:lvl5pPr marL="1828800" indent="0">
+              <a:buNone/>
+              <a:defRPr sz="1000"/>
+            </a:lvl5pPr>
+            <a:lvl6pPr marL="2286000" indent="0">
+              <a:buNone/>
+              <a:defRPr sz="1000"/>
+            </a:lvl6pPr>
+            <a:lvl7pPr marL="2743200" indent="0">
+              <a:buNone/>
+              <a:defRPr sz="1000"/>
+            </a:lvl7pPr>
+            <a:lvl8pPr marL="3200400" indent="0">
+              <a:buNone/>
+              <a:defRPr sz="1000"/>
+            </a:lvl8pPr>
+            <a:lvl9pPr marL="3657600" indent="0">
+              <a:buNone/>
+              <a:defRPr sz="1000"/>
+            </a:lvl9pPr>
+          </a:lstStyle>
+          <a:p>
+            <a:pPr lvl="0"/>
+            <a:r>
+              <a:rPr lang="en-US"/>
+              <a:t>Click to edit Master text styles</a:t>
+            </a:r>
+          </a:p>
+        </p:txBody>
+      </p:sp>
+      <p:sp>
+        <p:nvSpPr>
+          <p:cNvPr id="5" name="Date Placeholder 4">
+            <a:extLst>
+              <a:ext uri="{FF2B5EF4-FFF2-40B4-BE49-F238E27FC236}">
+                <a16:creationId xmlns:a16="http://schemas.microsoft.com/office/drawing/2014/main" id="{2DE59524-646C-4534-9641-DF65E3473B17}"/>
+              </a:ext>
+            </a:extLst>
+          </p:cNvPr>
+          <p:cNvSpPr>
+            <a:spLocks noGrp="1"/>
+          </p:cNvSpPr>
+          <p:nvPr>
+            <p:ph type="dt" sz="half" idx="10"/>
+          </p:nvPr>
+        </p:nvSpPr>
+        <p:spPr/>
+        <p:txBody>
+          <a:bodyPr/>
+          <a:lstStyle/>
+          <a:p>
+            <a:pPr>
+              <a:defRPr/>
+            </a:pPr>
+            <a:fld id="{5A9C0D6F-86BC-4F0A-A9FD-A71A70874F57}" type="datetimeFigureOut">
+              <a:rPr lang="en-US" smtClean="0"/>
+              <a:pPr>
+                <a:defRPr/>
+              </a:pPr>
+              <a:t>9/27/2021</a:t>
+            </a:fld>
+            <a:endParaRPr lang="en-US"/>
+          </a:p>
+        </p:txBody>
+      </p:sp>
+      <p:sp>
+        <p:nvSpPr>
+          <p:cNvPr id="6" name="Footer Placeholder 5">
+            <a:extLst>
+              <a:ext uri="{FF2B5EF4-FFF2-40B4-BE49-F238E27FC236}">
+                <a16:creationId xmlns:a16="http://schemas.microsoft.com/office/drawing/2014/main" id="{97C07367-64A9-40B3-8173-FF883C5D6204}"/>
+              </a:ext>
+            </a:extLst>
+          </p:cNvPr>
+          <p:cNvSpPr>
+            <a:spLocks noGrp="1"/>
+          </p:cNvSpPr>
+          <p:nvPr>
+            <p:ph type="ftr" sz="quarter" idx="11"/>
+          </p:nvPr>
+        </p:nvSpPr>
+        <p:spPr/>
+        <p:txBody>
+          <a:bodyPr/>
+          <a:lstStyle/>
+          <a:p>
+            <a:pPr>
+              <a:defRPr/>
+            </a:pPr>
+            <a:endParaRPr lang="en-US"/>
+          </a:p>
+        </p:txBody>
+      </p:sp>
+      <p:sp>
+        <p:nvSpPr>
+          <p:cNvPr id="7" name="Slide Number Placeholder 6">
+            <a:extLst>
+              <a:ext uri="{FF2B5EF4-FFF2-40B4-BE49-F238E27FC236}">
+                <a16:creationId xmlns:a16="http://schemas.microsoft.com/office/drawing/2014/main" id="{6B411FD3-A2DB-4B93-BDFC-EF40DE8929D4}"/>
+              </a:ext>
+            </a:extLst>
+          </p:cNvPr>
+          <p:cNvSpPr>
+            <a:spLocks noGrp="1"/>
+          </p:cNvSpPr>
+          <p:nvPr>
+            <p:ph type="sldNum" sz="quarter" idx="12"/>
+          </p:nvPr>
+        </p:nvSpPr>
+        <p:spPr/>
+        <p:txBody>
+          <a:bodyPr/>
+          <a:lstStyle/>
+          <a:p>
+            <a:fld id="{B8941645-BEF5-4E76-B170-273229BA17A4}" type="slidenum">
+              <a:rPr lang="en-US" smtClean="0"/>
+              <a:t>‹#›</a:t>
+            </a:fld>
+            <a:endParaRPr lang="en-US"/>
+          </a:p>
+        </p:txBody>
+      </p:sp>
+    </p:spTree>
+    <p:extLst>
+      <p:ext uri="{BB962C8B-B14F-4D97-AF65-F5344CB8AC3E}">
+        <p14:creationId xmlns:p14="http://schemas.microsoft.com/office/powerpoint/2010/main" val="2896149912"/>
+      </p:ext>
+    </p:extLst>
+  </p:cSld>
+  <p:clrMapOvr>
+    <a:masterClrMapping/>
+  </p:clrMapOvr>
+</p:sldLayout>
+</file>
+
+<file path=ppt/slideLayouts/slideLayout31.xml><?xml version="1.0" encoding="utf-8"?>
+<p:sldLayout xmlns:a="http://schemas.openxmlformats.org/drawingml/2006/main" xmlns:r="http://schemas.openxmlformats.org/officeDocument/2006/relationships" xmlns:p="http://schemas.openxmlformats.org/presentationml/2006/main" type="picTx" preserve="1">
+  <p:cSld name="Picture with Caption">
+    <p:spTree>
+      <p:nvGrpSpPr>
+        <p:cNvPr id="1" name=""/>
+        <p:cNvGrpSpPr/>
+        <p:nvPr/>
+      </p:nvGrpSpPr>
+      <p:grpSpPr>
+        <a:xfrm>
+          <a:off x="0" y="0"/>
+          <a:ext cx="0" cy="0"/>
+          <a:chOff x="0" y="0"/>
+          <a:chExt cx="0" cy="0"/>
+        </a:xfrm>
+      </p:grpSpPr>
+      <p:sp>
+        <p:nvSpPr>
+          <p:cNvPr id="2" name="Title 1">
+            <a:extLst>
+              <a:ext uri="{FF2B5EF4-FFF2-40B4-BE49-F238E27FC236}">
+                <a16:creationId xmlns:a16="http://schemas.microsoft.com/office/drawing/2014/main" id="{4CBDB429-8224-4913-A182-EA3F316AF314}"/>
+              </a:ext>
+            </a:extLst>
+          </p:cNvPr>
+          <p:cNvSpPr>
+            <a:spLocks noGrp="1"/>
+          </p:cNvSpPr>
+          <p:nvPr>
+            <p:ph type="title"/>
+          </p:nvPr>
+        </p:nvSpPr>
+        <p:spPr>
+          <a:xfrm>
+            <a:off x="839788" y="457200"/>
+            <a:ext cx="3932237" cy="1600200"/>
+          </a:xfrm>
+        </p:spPr>
+        <p:txBody>
+          <a:bodyPr anchor="b"/>
+          <a:lstStyle>
+            <a:lvl1pPr>
+              <a:defRPr sz="3200"/>
+            </a:lvl1pPr>
+          </a:lstStyle>
+          <a:p>
+            <a:r>
+              <a:rPr lang="en-US"/>
+              <a:t>Click to edit Master title style</a:t>
+            </a:r>
+          </a:p>
+        </p:txBody>
+      </p:sp>
+      <p:sp>
+        <p:nvSpPr>
+          <p:cNvPr id="3" name="Picture Placeholder 2">
+            <a:extLst>
+              <a:ext uri="{FF2B5EF4-FFF2-40B4-BE49-F238E27FC236}">
+                <a16:creationId xmlns:a16="http://schemas.microsoft.com/office/drawing/2014/main" id="{3F26187E-DACA-464D-BEE5-873D2704E9C2}"/>
+              </a:ext>
+            </a:extLst>
+          </p:cNvPr>
+          <p:cNvSpPr>
+            <a:spLocks noGrp="1"/>
+          </p:cNvSpPr>
+          <p:nvPr>
+            <p:ph type="pic" idx="1"/>
+          </p:nvPr>
+        </p:nvSpPr>
+        <p:spPr>
+          <a:xfrm>
+            <a:off x="5183188" y="987425"/>
+            <a:ext cx="6172200" cy="4873625"/>
+          </a:xfrm>
+        </p:spPr>
+        <p:txBody>
+          <a:bodyPr/>
+          <a:lstStyle>
+            <a:lvl1pPr marL="0" indent="0">
+              <a:buNone/>
+              <a:defRPr sz="3200"/>
+            </a:lvl1pPr>
+            <a:lvl2pPr marL="457200" indent="0">
+              <a:buNone/>
+              <a:defRPr sz="2800"/>
+            </a:lvl2pPr>
+            <a:lvl3pPr marL="914400" indent="0">
+              <a:buNone/>
+              <a:defRPr sz="2400"/>
+            </a:lvl3pPr>
+            <a:lvl4pPr marL="1371600" indent="0">
+              <a:buNone/>
+              <a:defRPr sz="2000"/>
+            </a:lvl4pPr>
+            <a:lvl5pPr marL="1828800" indent="0">
+              <a:buNone/>
+              <a:defRPr sz="2000"/>
+            </a:lvl5pPr>
+            <a:lvl6pPr marL="2286000" indent="0">
+              <a:buNone/>
+              <a:defRPr sz="2000"/>
+            </a:lvl6pPr>
+            <a:lvl7pPr marL="2743200" indent="0">
+              <a:buNone/>
+              <a:defRPr sz="2000"/>
+            </a:lvl7pPr>
+            <a:lvl8pPr marL="3200400" indent="0">
+              <a:buNone/>
+              <a:defRPr sz="2000"/>
+            </a:lvl8pPr>
+            <a:lvl9pPr marL="3657600" indent="0">
+              <a:buNone/>
+              <a:defRPr sz="2000"/>
+            </a:lvl9pPr>
+          </a:lstStyle>
+          <a:p>
+            <a:endParaRPr lang="en-US"/>
+          </a:p>
+        </p:txBody>
+      </p:sp>
+      <p:sp>
+        <p:nvSpPr>
+          <p:cNvPr id="4" name="Text Placeholder 3">
+            <a:extLst>
+              <a:ext uri="{FF2B5EF4-FFF2-40B4-BE49-F238E27FC236}">
+                <a16:creationId xmlns:a16="http://schemas.microsoft.com/office/drawing/2014/main" id="{81C21A5B-502E-4284-98A2-5C678298AC99}"/>
+              </a:ext>
+            </a:extLst>
+          </p:cNvPr>
+          <p:cNvSpPr>
+            <a:spLocks noGrp="1"/>
+          </p:cNvSpPr>
+          <p:nvPr>
+            <p:ph type="body" sz="half" idx="2"/>
+          </p:nvPr>
+        </p:nvSpPr>
+        <p:spPr>
+          <a:xfrm>
+            <a:off x="839788" y="2057400"/>
+            <a:ext cx="3932237" cy="3811588"/>
+          </a:xfrm>
+        </p:spPr>
+        <p:txBody>
+          <a:bodyPr/>
+          <a:lstStyle>
+            <a:lvl1pPr marL="0" indent="0">
+              <a:buNone/>
+              <a:defRPr sz="1600"/>
+            </a:lvl1pPr>
+            <a:lvl2pPr marL="457200" indent="0">
+              <a:buNone/>
+              <a:defRPr sz="1400"/>
+            </a:lvl2pPr>
+            <a:lvl3pPr marL="914400" indent="0">
+              <a:buNone/>
+              <a:defRPr sz="1200"/>
+            </a:lvl3pPr>
+            <a:lvl4pPr marL="1371600" indent="0">
+              <a:buNone/>
+              <a:defRPr sz="1000"/>
+            </a:lvl4pPr>
+            <a:lvl5pPr marL="1828800" indent="0">
+              <a:buNone/>
+              <a:defRPr sz="1000"/>
+            </a:lvl5pPr>
+            <a:lvl6pPr marL="2286000" indent="0">
+              <a:buNone/>
+              <a:defRPr sz="1000"/>
+            </a:lvl6pPr>
+            <a:lvl7pPr marL="2743200" indent="0">
+              <a:buNone/>
+              <a:defRPr sz="1000"/>
+            </a:lvl7pPr>
+            <a:lvl8pPr marL="3200400" indent="0">
+              <a:buNone/>
+              <a:defRPr sz="1000"/>
+            </a:lvl8pPr>
+            <a:lvl9pPr marL="3657600" indent="0">
+              <a:buNone/>
+              <a:defRPr sz="1000"/>
+            </a:lvl9pPr>
+          </a:lstStyle>
+          <a:p>
+            <a:pPr lvl="0"/>
+            <a:r>
+              <a:rPr lang="en-US"/>
+              <a:t>Click to edit Master text styles</a:t>
+            </a:r>
+          </a:p>
+        </p:txBody>
+      </p:sp>
+      <p:sp>
+        <p:nvSpPr>
+          <p:cNvPr id="5" name="Date Placeholder 4">
+            <a:extLst>
+              <a:ext uri="{FF2B5EF4-FFF2-40B4-BE49-F238E27FC236}">
+                <a16:creationId xmlns:a16="http://schemas.microsoft.com/office/drawing/2014/main" id="{E5DFF0AB-2CE5-44B6-9695-214FA95DD52C}"/>
+              </a:ext>
+            </a:extLst>
+          </p:cNvPr>
+          <p:cNvSpPr>
+            <a:spLocks noGrp="1"/>
+          </p:cNvSpPr>
+          <p:nvPr>
+            <p:ph type="dt" sz="half" idx="10"/>
+          </p:nvPr>
+        </p:nvSpPr>
+        <p:spPr/>
+        <p:txBody>
+          <a:bodyPr/>
+          <a:lstStyle/>
+          <a:p>
+            <a:pPr>
+              <a:defRPr/>
+            </a:pPr>
+            <a:fld id="{9A62623F-4765-4759-9A73-D8655DC8D973}" type="datetimeFigureOut">
+              <a:rPr lang="en-US" smtClean="0"/>
+              <a:pPr>
+                <a:defRPr/>
+              </a:pPr>
+              <a:t>9/27/2021</a:t>
+            </a:fld>
+            <a:endParaRPr lang="en-US"/>
+          </a:p>
+        </p:txBody>
+      </p:sp>
+      <p:sp>
+        <p:nvSpPr>
+          <p:cNvPr id="6" name="Footer Placeholder 5">
+            <a:extLst>
+              <a:ext uri="{FF2B5EF4-FFF2-40B4-BE49-F238E27FC236}">
+                <a16:creationId xmlns:a16="http://schemas.microsoft.com/office/drawing/2014/main" id="{3FDD8DB4-1EFE-4E3C-BD89-14B0C0711F28}"/>
+              </a:ext>
+            </a:extLst>
+          </p:cNvPr>
+          <p:cNvSpPr>
+            <a:spLocks noGrp="1"/>
+          </p:cNvSpPr>
+          <p:nvPr>
+            <p:ph type="ftr" sz="quarter" idx="11"/>
+          </p:nvPr>
+        </p:nvSpPr>
+        <p:spPr/>
+        <p:txBody>
+          <a:bodyPr/>
+          <a:lstStyle/>
+          <a:p>
+            <a:pPr>
+              <a:defRPr/>
+            </a:pPr>
+            <a:endParaRPr lang="en-US"/>
+          </a:p>
+        </p:txBody>
+      </p:sp>
+      <p:sp>
+        <p:nvSpPr>
+          <p:cNvPr id="7" name="Slide Number Placeholder 6">
+            <a:extLst>
+              <a:ext uri="{FF2B5EF4-FFF2-40B4-BE49-F238E27FC236}">
+                <a16:creationId xmlns:a16="http://schemas.microsoft.com/office/drawing/2014/main" id="{0F7AFFE3-682F-4151-84C6-DC26F8EEBA75}"/>
+              </a:ext>
+            </a:extLst>
+          </p:cNvPr>
+          <p:cNvSpPr>
+            <a:spLocks noGrp="1"/>
+          </p:cNvSpPr>
+          <p:nvPr>
+            <p:ph type="sldNum" sz="quarter" idx="12"/>
+          </p:nvPr>
+        </p:nvSpPr>
+        <p:spPr/>
+        <p:txBody>
+          <a:bodyPr/>
+          <a:lstStyle/>
+          <a:p>
+            <a:fld id="{B8941645-BEF5-4E76-B170-273229BA17A4}" type="slidenum">
+              <a:rPr lang="en-US" smtClean="0"/>
+              <a:t>‹#›</a:t>
+            </a:fld>
+            <a:endParaRPr lang="en-US"/>
+          </a:p>
+        </p:txBody>
+      </p:sp>
+    </p:spTree>
+    <p:extLst>
+      <p:ext uri="{BB962C8B-B14F-4D97-AF65-F5344CB8AC3E}">
+        <p14:creationId xmlns:p14="http://schemas.microsoft.com/office/powerpoint/2010/main" val="1442106657"/>
+      </p:ext>
+    </p:extLst>
+  </p:cSld>
+  <p:clrMapOvr>
+    <a:masterClrMapping/>
+  </p:clrMapOvr>
+</p:sldLayout>
+</file>
+
+<file path=ppt/slideLayouts/slideLayout32.xml><?xml version="1.0" encoding="utf-8"?>
+<p:sldLayout xmlns:a="http://schemas.openxmlformats.org/drawingml/2006/main" xmlns:r="http://schemas.openxmlformats.org/officeDocument/2006/relationships" xmlns:p="http://schemas.openxmlformats.org/presentationml/2006/main" type="vertTx" preserve="1">
+  <p:cSld name="Title and Vertical Text">
+    <p:spTree>
+      <p:nvGrpSpPr>
+        <p:cNvPr id="1" name=""/>
+        <p:cNvGrpSpPr/>
+        <p:nvPr/>
+      </p:nvGrpSpPr>
+      <p:grpSpPr>
+        <a:xfrm>
+          <a:off x="0" y="0"/>
+          <a:ext cx="0" cy="0"/>
+          <a:chOff x="0" y="0"/>
+          <a:chExt cx="0" cy="0"/>
+        </a:xfrm>
+      </p:grpSpPr>
+      <p:sp>
+        <p:nvSpPr>
+          <p:cNvPr id="2" name="Title 1">
+            <a:extLst>
+              <a:ext uri="{FF2B5EF4-FFF2-40B4-BE49-F238E27FC236}">
+                <a16:creationId xmlns:a16="http://schemas.microsoft.com/office/drawing/2014/main" id="{7414D04B-3AEE-468E-86C9-4E2BEFC5EB8F}"/>
+              </a:ext>
+            </a:extLst>
+          </p:cNvPr>
+          <p:cNvSpPr>
+            <a:spLocks noGrp="1"/>
+          </p:cNvSpPr>
+          <p:nvPr>
+            <p:ph type="title"/>
+          </p:nvPr>
+        </p:nvSpPr>
+        <p:spPr/>
+        <p:txBody>
+          <a:bodyPr/>
+          <a:lstStyle/>
+          <a:p>
+            <a:r>
+              <a:rPr lang="en-US"/>
+              <a:t>Click to edit Master title style</a:t>
+            </a:r>
+          </a:p>
+        </p:txBody>
+      </p:sp>
+      <p:sp>
+        <p:nvSpPr>
+          <p:cNvPr id="3" name="Vertical Text Placeholder 2">
+            <a:extLst>
+              <a:ext uri="{FF2B5EF4-FFF2-40B4-BE49-F238E27FC236}">
+                <a16:creationId xmlns:a16="http://schemas.microsoft.com/office/drawing/2014/main" id="{68B27E06-4638-4B71-9D68-9F7C864140EB}"/>
+              </a:ext>
+            </a:extLst>
+          </p:cNvPr>
+          <p:cNvSpPr>
+            <a:spLocks noGrp="1"/>
+          </p:cNvSpPr>
+          <p:nvPr>
+            <p:ph type="body" orient="vert" idx="1"/>
+          </p:nvPr>
+        </p:nvSpPr>
+        <p:spPr/>
+        <p:txBody>
+          <a:bodyPr vert="eaVert"/>
+          <a:lstStyle/>
+          <a:p>
+            <a:pPr lvl="0"/>
+            <a:r>
+              <a:rPr lang="en-US"/>
+              <a:t>Click to edit Master text styles</a:t>
+            </a:r>
+          </a:p>
+          <a:p>
+            <a:pPr lvl="1"/>
+            <a:r>
+              <a:rPr lang="en-US"/>
+              <a:t>Second level</a:t>
+            </a:r>
+          </a:p>
+          <a:p>
+            <a:pPr lvl="2"/>
+            <a:r>
+              <a:rPr lang="en-US"/>
+              <a:t>Third level</a:t>
+            </a:r>
+          </a:p>
+          <a:p>
+            <a:pPr lvl="3"/>
+            <a:r>
+              <a:rPr lang="en-US"/>
+              <a:t>Fourth level</a:t>
+            </a:r>
+          </a:p>
+          <a:p>
+            <a:pPr lvl="4"/>
+            <a:r>
+              <a:rPr lang="en-US"/>
+              <a:t>Fifth level</a:t>
+            </a:r>
+          </a:p>
+        </p:txBody>
+      </p:sp>
+      <p:sp>
+        <p:nvSpPr>
+          <p:cNvPr id="4" name="Date Placeholder 3">
+            <a:extLst>
+              <a:ext uri="{FF2B5EF4-FFF2-40B4-BE49-F238E27FC236}">
+                <a16:creationId xmlns:a16="http://schemas.microsoft.com/office/drawing/2014/main" id="{181DB4BB-C8CE-4EA5-8F23-3C61AC810A49}"/>
+              </a:ext>
+            </a:extLst>
+          </p:cNvPr>
+          <p:cNvSpPr>
+            <a:spLocks noGrp="1"/>
+          </p:cNvSpPr>
+          <p:nvPr>
+            <p:ph type="dt" sz="half" idx="10"/>
+          </p:nvPr>
+        </p:nvSpPr>
+        <p:spPr/>
+        <p:txBody>
+          <a:bodyPr/>
+          <a:lstStyle/>
+          <a:p>
+            <a:pPr>
+              <a:defRPr/>
+            </a:pPr>
+            <a:fld id="{B2ACF2FE-3FA7-4ABC-8D10-AB106564C9F6}" type="datetimeFigureOut">
+              <a:rPr lang="en-US" smtClean="0"/>
+              <a:pPr>
+                <a:defRPr/>
+              </a:pPr>
+              <a:t>9/27/2021</a:t>
+            </a:fld>
+            <a:endParaRPr lang="en-US"/>
+          </a:p>
+        </p:txBody>
+      </p:sp>
+      <p:sp>
+        <p:nvSpPr>
+          <p:cNvPr id="5" name="Footer Placeholder 4">
+            <a:extLst>
+              <a:ext uri="{FF2B5EF4-FFF2-40B4-BE49-F238E27FC236}">
+                <a16:creationId xmlns:a16="http://schemas.microsoft.com/office/drawing/2014/main" id="{6CA807C3-6B09-4045-A013-D401CD65DE79}"/>
+              </a:ext>
+            </a:extLst>
+          </p:cNvPr>
+          <p:cNvSpPr>
+            <a:spLocks noGrp="1"/>
+          </p:cNvSpPr>
+          <p:nvPr>
+            <p:ph type="ftr" sz="quarter" idx="11"/>
+          </p:nvPr>
+        </p:nvSpPr>
+        <p:spPr/>
+        <p:txBody>
+          <a:bodyPr/>
+          <a:lstStyle/>
+          <a:p>
+            <a:pPr>
+              <a:defRPr/>
+            </a:pPr>
+            <a:endParaRPr lang="en-US"/>
+          </a:p>
+        </p:txBody>
+      </p:sp>
+      <p:sp>
+        <p:nvSpPr>
+          <p:cNvPr id="6" name="Slide Number Placeholder 5">
+            <a:extLst>
+              <a:ext uri="{FF2B5EF4-FFF2-40B4-BE49-F238E27FC236}">
+                <a16:creationId xmlns:a16="http://schemas.microsoft.com/office/drawing/2014/main" id="{A1D982E9-1CF5-4410-808E-35CFBC4DAC2F}"/>
+              </a:ext>
+            </a:extLst>
+          </p:cNvPr>
+          <p:cNvSpPr>
+            <a:spLocks noGrp="1"/>
+          </p:cNvSpPr>
+          <p:nvPr>
+            <p:ph type="sldNum" sz="quarter" idx="12"/>
+          </p:nvPr>
+        </p:nvSpPr>
+        <p:spPr/>
+        <p:txBody>
+          <a:bodyPr/>
+          <a:lstStyle/>
+          <a:p>
+            <a:fld id="{B8941645-BEF5-4E76-B170-273229BA17A4}" type="slidenum">
+              <a:rPr lang="en-US" smtClean="0"/>
+              <a:t>‹#›</a:t>
+            </a:fld>
+            <a:endParaRPr lang="en-US"/>
+          </a:p>
+        </p:txBody>
+      </p:sp>
+    </p:spTree>
+    <p:extLst>
+      <p:ext uri="{BB962C8B-B14F-4D97-AF65-F5344CB8AC3E}">
+        <p14:creationId xmlns:p14="http://schemas.microsoft.com/office/powerpoint/2010/main" val="4044047167"/>
+      </p:ext>
+    </p:extLst>
+  </p:cSld>
+  <p:clrMapOvr>
+    <a:masterClrMapping/>
+  </p:clrMapOvr>
+</p:sldLayout>
+</file>
+
+<file path=ppt/slideLayouts/slideLayout33.xml><?xml version="1.0" encoding="utf-8"?>
+<p:sldLayout xmlns:a="http://schemas.openxmlformats.org/drawingml/2006/main" xmlns:r="http://schemas.openxmlformats.org/officeDocument/2006/relationships" xmlns:p="http://schemas.openxmlformats.org/presentationml/2006/main" type="vertTitleAndTx" preserve="1">
+  <p:cSld name="Vertical Title and Text">
+    <p:spTree>
+      <p:nvGrpSpPr>
+        <p:cNvPr id="1" name=""/>
+        <p:cNvGrpSpPr/>
+        <p:nvPr/>
+      </p:nvGrpSpPr>
+      <p:grpSpPr>
+        <a:xfrm>
+          <a:off x="0" y="0"/>
+          <a:ext cx="0" cy="0"/>
+          <a:chOff x="0" y="0"/>
+          <a:chExt cx="0" cy="0"/>
+        </a:xfrm>
+      </p:grpSpPr>
+      <p:sp>
+        <p:nvSpPr>
+          <p:cNvPr id="2" name="Vertical Title 1">
+            <a:extLst>
+              <a:ext uri="{FF2B5EF4-FFF2-40B4-BE49-F238E27FC236}">
+                <a16:creationId xmlns:a16="http://schemas.microsoft.com/office/drawing/2014/main" id="{78018487-1F8A-4344-A3C1-F021F9A26040}"/>
+              </a:ext>
+            </a:extLst>
+          </p:cNvPr>
+          <p:cNvSpPr>
+            <a:spLocks noGrp="1"/>
+          </p:cNvSpPr>
+          <p:nvPr>
+            <p:ph type="title" orient="vert"/>
+          </p:nvPr>
+        </p:nvSpPr>
+        <p:spPr>
+          <a:xfrm>
+            <a:off x="8724900" y="365125"/>
+            <a:ext cx="2628900" cy="5811838"/>
+          </a:xfrm>
+        </p:spPr>
+        <p:txBody>
+          <a:bodyPr vert="eaVert"/>
+          <a:lstStyle/>
+          <a:p>
+            <a:r>
+              <a:rPr lang="en-US"/>
+              <a:t>Click to edit Master title style</a:t>
+            </a:r>
+          </a:p>
+        </p:txBody>
+      </p:sp>
+      <p:sp>
+        <p:nvSpPr>
+          <p:cNvPr id="3" name="Vertical Text Placeholder 2">
+            <a:extLst>
+              <a:ext uri="{FF2B5EF4-FFF2-40B4-BE49-F238E27FC236}">
+                <a16:creationId xmlns:a16="http://schemas.microsoft.com/office/drawing/2014/main" id="{C0B0988E-75BA-449D-B3FA-6A8AFDBC9700}"/>
+              </a:ext>
+            </a:extLst>
+          </p:cNvPr>
+          <p:cNvSpPr>
+            <a:spLocks noGrp="1"/>
+          </p:cNvSpPr>
+          <p:nvPr>
+            <p:ph type="body" orient="vert" idx="1"/>
+          </p:nvPr>
+        </p:nvSpPr>
+        <p:spPr>
+          <a:xfrm>
+            <a:off x="838200" y="365125"/>
+            <a:ext cx="7734300" cy="5811838"/>
+          </a:xfrm>
+        </p:spPr>
+        <p:txBody>
+          <a:bodyPr vert="eaVert"/>
+          <a:lstStyle/>
+          <a:p>
+            <a:pPr lvl="0"/>
+            <a:r>
+              <a:rPr lang="en-US"/>
+              <a:t>Click to edit Master text styles</a:t>
+            </a:r>
+          </a:p>
+          <a:p>
+            <a:pPr lvl="1"/>
+            <a:r>
+              <a:rPr lang="en-US"/>
+              <a:t>Second level</a:t>
+            </a:r>
+          </a:p>
+          <a:p>
+            <a:pPr lvl="2"/>
+            <a:r>
+              <a:rPr lang="en-US"/>
+              <a:t>Third level</a:t>
+            </a:r>
+          </a:p>
+          <a:p>
+            <a:pPr lvl="3"/>
+            <a:r>
+              <a:rPr lang="en-US"/>
+              <a:t>Fourth level</a:t>
+            </a:r>
+          </a:p>
+          <a:p>
+            <a:pPr lvl="4"/>
+            <a:r>
+              <a:rPr lang="en-US"/>
+              <a:t>Fifth level</a:t>
+            </a:r>
+          </a:p>
+        </p:txBody>
+      </p:sp>
+      <p:sp>
+        <p:nvSpPr>
+          <p:cNvPr id="4" name="Date Placeholder 3">
+            <a:extLst>
+              <a:ext uri="{FF2B5EF4-FFF2-40B4-BE49-F238E27FC236}">
+                <a16:creationId xmlns:a16="http://schemas.microsoft.com/office/drawing/2014/main" id="{DBE1E5E3-E1D8-47D4-81B2-23EDB92CD609}"/>
+              </a:ext>
+            </a:extLst>
+          </p:cNvPr>
+          <p:cNvSpPr>
+            <a:spLocks noGrp="1"/>
+          </p:cNvSpPr>
+          <p:nvPr>
+            <p:ph type="dt" sz="half" idx="10"/>
+          </p:nvPr>
+        </p:nvSpPr>
+        <p:spPr/>
+        <p:txBody>
+          <a:bodyPr/>
+          <a:lstStyle/>
+          <a:p>
+            <a:pPr>
+              <a:defRPr/>
+            </a:pPr>
+            <a:fld id="{7AD803F9-FDAA-4AD8-AB1F-AC9EA3FA17D9}" type="datetimeFigureOut">
+              <a:rPr lang="en-US" smtClean="0"/>
+              <a:pPr>
+                <a:defRPr/>
+              </a:pPr>
+              <a:t>9/27/2021</a:t>
+            </a:fld>
+            <a:endParaRPr lang="en-US"/>
+          </a:p>
+        </p:txBody>
+      </p:sp>
+      <p:sp>
+        <p:nvSpPr>
+          <p:cNvPr id="5" name="Footer Placeholder 4">
+            <a:extLst>
+              <a:ext uri="{FF2B5EF4-FFF2-40B4-BE49-F238E27FC236}">
+                <a16:creationId xmlns:a16="http://schemas.microsoft.com/office/drawing/2014/main" id="{B688FE10-1B8D-46FE-9977-2FE6708C1272}"/>
+              </a:ext>
+            </a:extLst>
+          </p:cNvPr>
+          <p:cNvSpPr>
+            <a:spLocks noGrp="1"/>
+          </p:cNvSpPr>
+          <p:nvPr>
+            <p:ph type="ftr" sz="quarter" idx="11"/>
+          </p:nvPr>
+        </p:nvSpPr>
+        <p:spPr/>
+        <p:txBody>
+          <a:bodyPr/>
+          <a:lstStyle/>
+          <a:p>
+            <a:pPr>
+              <a:defRPr/>
+            </a:pPr>
+            <a:endParaRPr lang="en-US"/>
+          </a:p>
+        </p:txBody>
+      </p:sp>
+      <p:sp>
+        <p:nvSpPr>
+          <p:cNvPr id="6" name="Slide Number Placeholder 5">
+            <a:extLst>
+              <a:ext uri="{FF2B5EF4-FFF2-40B4-BE49-F238E27FC236}">
+                <a16:creationId xmlns:a16="http://schemas.microsoft.com/office/drawing/2014/main" id="{F04DF6A2-3DD1-4827-9099-EB3ACB9C3BF2}"/>
+              </a:ext>
+            </a:extLst>
+          </p:cNvPr>
+          <p:cNvSpPr>
+            <a:spLocks noGrp="1"/>
+          </p:cNvSpPr>
+          <p:nvPr>
+            <p:ph type="sldNum" sz="quarter" idx="12"/>
+          </p:nvPr>
+        </p:nvSpPr>
+        <p:spPr/>
+        <p:txBody>
+          <a:bodyPr/>
+          <a:lstStyle/>
+          <a:p>
+            <a:fld id="{B8941645-BEF5-4E76-B170-273229BA17A4}" type="slidenum">
+              <a:rPr lang="en-US" smtClean="0"/>
+              <a:t>‹#›</a:t>
+            </a:fld>
+            <a:endParaRPr lang="en-US"/>
+          </a:p>
+        </p:txBody>
+      </p:sp>
+    </p:spTree>
+    <p:extLst>
+      <p:ext uri="{BB962C8B-B14F-4D97-AF65-F5344CB8AC3E}">
+        <p14:creationId xmlns:p14="http://schemas.microsoft.com/office/powerpoint/2010/main" val="2937598606"/>
+      </p:ext>
+    </p:extLst>
+  </p:cSld>
+  <p:clrMapOvr>
+    <a:masterClrMapping/>
+  </p:clrMapOvr>
+</p:sldLayout>
+</file>
+
+<file path=ppt/slideLayouts/slideLayout34.xml><?xml version="1.0" encoding="utf-8"?>
+<p:sldLayout xmlns:a="http://schemas.openxmlformats.org/drawingml/2006/main" xmlns:r="http://schemas.openxmlformats.org/officeDocument/2006/relationships" xmlns:p="http://schemas.openxmlformats.org/presentationml/2006/main" userDrawn="1">
+  <p:cSld name="Picture">
+    <p:spTree>
+      <p:nvGrpSpPr>
+        <p:cNvPr id="1" name=""/>
+        <p:cNvGrpSpPr/>
+        <p:nvPr/>
+      </p:nvGrpSpPr>
+      <p:grpSpPr>
+        <a:xfrm>
+          <a:off x="0" y="0"/>
+          <a:ext cx="0" cy="0"/>
+          <a:chOff x="0" y="0"/>
+          <a:chExt cx="0" cy="0"/>
+        </a:xfrm>
+      </p:grpSpPr>
+      <p:sp>
+        <p:nvSpPr>
+          <p:cNvPr id="4" name="Picture Placeholder 3"/>
+          <p:cNvSpPr>
+            <a:spLocks noGrp="1"/>
+          </p:cNvSpPr>
+          <p:nvPr>
+            <p:ph type="pic" sz="quarter" idx="10"/>
+          </p:nvPr>
+        </p:nvSpPr>
+        <p:spPr>
+          <a:xfrm>
+            <a:off x="0" y="0"/>
+            <a:ext cx="12192000" cy="6858000"/>
+          </a:xfrm>
+          <a:prstGeom prst="rect">
+            <a:avLst/>
+          </a:prstGeom>
+        </p:spPr>
+        <p:txBody>
+          <a:bodyPr/>
+          <a:lstStyle/>
+          <a:p>
+            <a:endParaRPr lang="bg-BG"/>
+          </a:p>
+        </p:txBody>
+      </p:sp>
+    </p:spTree>
+    <p:extLst>
+      <p:ext uri="{BB962C8B-B14F-4D97-AF65-F5344CB8AC3E}">
+        <p14:creationId xmlns:p14="http://schemas.microsoft.com/office/powerpoint/2010/main" val="3796424846"/>
+      </p:ext>
+    </p:extLst>
+  </p:cSld>
+  <p:clrMapOvr>
+    <a:masterClrMapping/>
+  </p:clrMapOvr>
+</p:sldLayout>
+</file>
+
 <file path=ppt/slideLayouts/slideLayout4.xml><?xml version="1.0" encoding="utf-8"?>
 <p:sldLayout xmlns:a="http://schemas.openxmlformats.org/drawingml/2006/main" xmlns:r="http://schemas.openxmlformats.org/officeDocument/2006/relationships" xmlns:p="http://schemas.openxmlformats.org/presentationml/2006/main" type="twoObj" preserve="1">
   <p:cSld name="Two Content">
@@ -4537,7 +7327,7 @@
           <a:p>
             <a:fld id="{C70E03BD-25A7-4674-8CC2-6C56BFB98E22}" type="datetimeFigureOut">
               <a:rPr lang="en-US" smtClean="0"/>
-              <a:t>9/22/2021</a:t>
+              <a:t>9/27/2021</a:t>
             </a:fld>
             <a:endParaRPr lang="en-US"/>
           </a:p>
@@ -4920,7 +7710,7 @@
           <a:p>
             <a:fld id="{C70E03BD-25A7-4674-8CC2-6C56BFB98E22}" type="datetimeFigureOut">
               <a:rPr lang="en-US" smtClean="0"/>
-              <a:t>9/22/2021</a:t>
+              <a:t>9/27/2021</a:t>
             </a:fld>
             <a:endParaRPr lang="en-US"/>
           </a:p>
@@ -5038,7 +7828,7 @@
           <a:p>
             <a:fld id="{C70E03BD-25A7-4674-8CC2-6C56BFB98E22}" type="datetimeFigureOut">
               <a:rPr lang="en-US" smtClean="0"/>
-              <a:t>9/22/2021</a:t>
+              <a:t>9/27/2021</a:t>
             </a:fld>
             <a:endParaRPr lang="en-US"/>
           </a:p>
@@ -5211,7 +8001,7 @@
           <a:p>
             <a:fld id="{C70E03BD-25A7-4674-8CC2-6C56BFB98E22}" type="datetimeFigureOut">
               <a:rPr lang="en-US" smtClean="0"/>
-              <a:t>9/22/2021</a:t>
+              <a:t>9/27/2021</a:t>
             </a:fld>
             <a:endParaRPr lang="en-US"/>
           </a:p>
@@ -5567,7 +8357,7 @@
           <a:p>
             <a:fld id="{C70E03BD-25A7-4674-8CC2-6C56BFB98E22}" type="datetimeFigureOut">
               <a:rPr lang="en-US" smtClean="0"/>
-              <a:t>9/22/2021</a:t>
+              <a:t>9/27/2021</a:t>
             </a:fld>
             <a:endParaRPr lang="en-US"/>
           </a:p>
@@ -5915,7 +8705,7 @@
           <a:p>
             <a:fld id="{C70E03BD-25A7-4674-8CC2-6C56BFB98E22}" type="datetimeFigureOut">
               <a:rPr lang="en-US" smtClean="0"/>
-              <a:t>9/22/2021</a:t>
+              <a:t>9/27/2021</a:t>
             </a:fld>
             <a:endParaRPr lang="en-US"/>
           </a:p>
@@ -6226,7 +9016,7 @@
           <a:p>
             <a:fld id="{C70E03BD-25A7-4674-8CC2-6C56BFB98E22}" type="datetimeFigureOut">
               <a:rPr lang="en-US" smtClean="0"/>
-              <a:t>9/22/2021</a:t>
+              <a:t>9/27/2021</a:t>
             </a:fld>
             <a:endParaRPr lang="en-US"/>
           </a:p>
@@ -6892,7 +9682,7 @@
           <a:p>
             <a:fld id="{D088F999-7A4E-6B4F-9FED-EF75B73AD044}" type="datetimeFigureOut">
               <a:rPr lang="en-US" smtClean="0"/>
-              <a:t>9/22/2021</a:t>
+              <a:t>9/27/2021</a:t>
             </a:fld>
             <a:endParaRPr lang="en-US"/>
           </a:p>
@@ -7250,6 +10040,575 @@
 </p:sldMaster>
 </file>
 
+<file path=ppt/slideMasters/slideMaster3.xml><?xml version="1.0" encoding="utf-8"?>
+<p:sldMaster xmlns:a="http://schemas.openxmlformats.org/drawingml/2006/main" xmlns:r="http://schemas.openxmlformats.org/officeDocument/2006/relationships" xmlns:p="http://schemas.openxmlformats.org/presentationml/2006/main">
+  <p:cSld>
+    <p:bg>
+      <p:bgRef idx="1001">
+        <a:schemeClr val="bg1"/>
+      </p:bgRef>
+    </p:bg>
+    <p:spTree>
+      <p:nvGrpSpPr>
+        <p:cNvPr id="1" name=""/>
+        <p:cNvGrpSpPr/>
+        <p:nvPr/>
+      </p:nvGrpSpPr>
+      <p:grpSpPr>
+        <a:xfrm>
+          <a:off x="0" y="0"/>
+          <a:ext cx="0" cy="0"/>
+          <a:chOff x="0" y="0"/>
+          <a:chExt cx="0" cy="0"/>
+        </a:xfrm>
+      </p:grpSpPr>
+      <p:sp>
+        <p:nvSpPr>
+          <p:cNvPr id="2" name="Title Placeholder 1">
+            <a:extLst>
+              <a:ext uri="{FF2B5EF4-FFF2-40B4-BE49-F238E27FC236}">
+                <a16:creationId xmlns:a16="http://schemas.microsoft.com/office/drawing/2014/main" id="{59229C3C-16F5-4969-AAC6-F268B998BBA4}"/>
+              </a:ext>
+            </a:extLst>
+          </p:cNvPr>
+          <p:cNvSpPr>
+            <a:spLocks noGrp="1"/>
+          </p:cNvSpPr>
+          <p:nvPr>
+            <p:ph type="title"/>
+          </p:nvPr>
+        </p:nvSpPr>
+        <p:spPr>
+          <a:xfrm>
+            <a:off x="838200" y="365125"/>
+            <a:ext cx="10515600" cy="1325563"/>
+          </a:xfrm>
+          <a:prstGeom prst="rect">
+            <a:avLst/>
+          </a:prstGeom>
+        </p:spPr>
+        <p:txBody>
+          <a:bodyPr vert="horz" lIns="91440" tIns="45720" rIns="91440" bIns="45720" rtlCol="0" anchor="ctr">
+            <a:normAutofit/>
+          </a:bodyPr>
+          <a:lstStyle/>
+          <a:p>
+            <a:r>
+              <a:rPr lang="en-US"/>
+              <a:t>Click to edit Master title style</a:t>
+            </a:r>
+          </a:p>
+        </p:txBody>
+      </p:sp>
+      <p:sp>
+        <p:nvSpPr>
+          <p:cNvPr id="3" name="Text Placeholder 2">
+            <a:extLst>
+              <a:ext uri="{FF2B5EF4-FFF2-40B4-BE49-F238E27FC236}">
+                <a16:creationId xmlns:a16="http://schemas.microsoft.com/office/drawing/2014/main" id="{A4A1C094-F956-400F-9FF1-6C572265D095}"/>
+              </a:ext>
+            </a:extLst>
+          </p:cNvPr>
+          <p:cNvSpPr>
+            <a:spLocks noGrp="1"/>
+          </p:cNvSpPr>
+          <p:nvPr>
+            <p:ph type="body" idx="1"/>
+          </p:nvPr>
+        </p:nvSpPr>
+        <p:spPr>
+          <a:xfrm>
+            <a:off x="838200" y="1825625"/>
+            <a:ext cx="10515600" cy="4351338"/>
+          </a:xfrm>
+          <a:prstGeom prst="rect">
+            <a:avLst/>
+          </a:prstGeom>
+        </p:spPr>
+        <p:txBody>
+          <a:bodyPr vert="horz" lIns="91440" tIns="45720" rIns="91440" bIns="45720" rtlCol="0">
+            <a:normAutofit/>
+          </a:bodyPr>
+          <a:lstStyle/>
+          <a:p>
+            <a:pPr lvl="0"/>
+            <a:r>
+              <a:rPr lang="en-US"/>
+              <a:t>Click to edit Master text styles</a:t>
+            </a:r>
+          </a:p>
+          <a:p>
+            <a:pPr lvl="1"/>
+            <a:r>
+              <a:rPr lang="en-US"/>
+              <a:t>Second level</a:t>
+            </a:r>
+          </a:p>
+          <a:p>
+            <a:pPr lvl="2"/>
+            <a:r>
+              <a:rPr lang="en-US"/>
+              <a:t>Third level</a:t>
+            </a:r>
+          </a:p>
+          <a:p>
+            <a:pPr lvl="3"/>
+            <a:r>
+              <a:rPr lang="en-US"/>
+              <a:t>Fourth level</a:t>
+            </a:r>
+          </a:p>
+          <a:p>
+            <a:pPr lvl="4"/>
+            <a:r>
+              <a:rPr lang="en-US"/>
+              <a:t>Fifth level</a:t>
+            </a:r>
+          </a:p>
+        </p:txBody>
+      </p:sp>
+      <p:sp>
+        <p:nvSpPr>
+          <p:cNvPr id="4" name="Date Placeholder 3">
+            <a:extLst>
+              <a:ext uri="{FF2B5EF4-FFF2-40B4-BE49-F238E27FC236}">
+                <a16:creationId xmlns:a16="http://schemas.microsoft.com/office/drawing/2014/main" id="{32EB3986-A4E8-4DD7-BA4F-890376B091D0}"/>
+              </a:ext>
+            </a:extLst>
+          </p:cNvPr>
+          <p:cNvSpPr>
+            <a:spLocks noGrp="1"/>
+          </p:cNvSpPr>
+          <p:nvPr>
+            <p:ph type="dt" sz="half" idx="2"/>
+          </p:nvPr>
+        </p:nvSpPr>
+        <p:spPr>
+          <a:xfrm>
+            <a:off x="838200" y="6356350"/>
+            <a:ext cx="2743200" cy="365125"/>
+          </a:xfrm>
+          <a:prstGeom prst="rect">
+            <a:avLst/>
+          </a:prstGeom>
+        </p:spPr>
+        <p:txBody>
+          <a:bodyPr vert="horz" lIns="91440" tIns="45720" rIns="91440" bIns="45720" rtlCol="0" anchor="ctr"/>
+          <a:lstStyle>
+            <a:lvl1pPr algn="l">
+              <a:defRPr sz="1200">
+                <a:solidFill>
+                  <a:schemeClr val="tx1">
+                    <a:tint val="75000"/>
+                  </a:schemeClr>
+                </a:solidFill>
+              </a:defRPr>
+            </a:lvl1pPr>
+          </a:lstStyle>
+          <a:p>
+            <a:fld id="{06F159A1-E542-4BB7-9A6F-9E9F9FBC07F6}" type="datetimeFigureOut">
+              <a:rPr lang="en-US" smtClean="0"/>
+              <a:t>9/27/2021</a:t>
+            </a:fld>
+            <a:endParaRPr lang="en-US"/>
+          </a:p>
+        </p:txBody>
+      </p:sp>
+      <p:sp>
+        <p:nvSpPr>
+          <p:cNvPr id="5" name="Footer Placeholder 4">
+            <a:extLst>
+              <a:ext uri="{FF2B5EF4-FFF2-40B4-BE49-F238E27FC236}">
+                <a16:creationId xmlns:a16="http://schemas.microsoft.com/office/drawing/2014/main" id="{13245DC8-5EDA-4B4A-A701-AB1F9812E091}"/>
+              </a:ext>
+            </a:extLst>
+          </p:cNvPr>
+          <p:cNvSpPr>
+            <a:spLocks noGrp="1"/>
+          </p:cNvSpPr>
+          <p:nvPr>
+            <p:ph type="ftr" sz="quarter" idx="3"/>
+          </p:nvPr>
+        </p:nvSpPr>
+        <p:spPr>
+          <a:xfrm>
+            <a:off x="4038600" y="6356350"/>
+            <a:ext cx="4114800" cy="365125"/>
+          </a:xfrm>
+          <a:prstGeom prst="rect">
+            <a:avLst/>
+          </a:prstGeom>
+        </p:spPr>
+        <p:txBody>
+          <a:bodyPr vert="horz" lIns="91440" tIns="45720" rIns="91440" bIns="45720" rtlCol="0" anchor="ctr"/>
+          <a:lstStyle>
+            <a:lvl1pPr algn="ctr">
+              <a:defRPr sz="1200">
+                <a:solidFill>
+                  <a:schemeClr val="tx1">
+                    <a:tint val="75000"/>
+                  </a:schemeClr>
+                </a:solidFill>
+              </a:defRPr>
+            </a:lvl1pPr>
+          </a:lstStyle>
+          <a:p>
+            <a:endParaRPr lang="en-US"/>
+          </a:p>
+        </p:txBody>
+      </p:sp>
+      <p:sp>
+        <p:nvSpPr>
+          <p:cNvPr id="6" name="Slide Number Placeholder 5">
+            <a:extLst>
+              <a:ext uri="{FF2B5EF4-FFF2-40B4-BE49-F238E27FC236}">
+                <a16:creationId xmlns:a16="http://schemas.microsoft.com/office/drawing/2014/main" id="{BB9AFD6F-658D-4B5D-932D-77703C4821CA}"/>
+              </a:ext>
+            </a:extLst>
+          </p:cNvPr>
+          <p:cNvSpPr>
+            <a:spLocks noGrp="1"/>
+          </p:cNvSpPr>
+          <p:nvPr>
+            <p:ph type="sldNum" sz="quarter" idx="4"/>
+          </p:nvPr>
+        </p:nvSpPr>
+        <p:spPr>
+          <a:xfrm>
+            <a:off x="8610600" y="6356350"/>
+            <a:ext cx="2743200" cy="365125"/>
+          </a:xfrm>
+          <a:prstGeom prst="rect">
+            <a:avLst/>
+          </a:prstGeom>
+        </p:spPr>
+        <p:txBody>
+          <a:bodyPr vert="horz" lIns="91440" tIns="45720" rIns="91440" bIns="45720" rtlCol="0" anchor="ctr"/>
+          <a:lstStyle>
+            <a:lvl1pPr algn="r">
+              <a:defRPr sz="1200">
+                <a:solidFill>
+                  <a:schemeClr val="tx1">
+                    <a:tint val="75000"/>
+                  </a:schemeClr>
+                </a:solidFill>
+              </a:defRPr>
+            </a:lvl1pPr>
+          </a:lstStyle>
+          <a:p>
+            <a:fld id="{1BAB67F3-0201-4BC4-91F5-9C39054204FF}" type="slidenum">
+              <a:rPr lang="en-US" smtClean="0"/>
+              <a:t>‹#›</a:t>
+            </a:fld>
+            <a:endParaRPr lang="en-US"/>
+          </a:p>
+        </p:txBody>
+      </p:sp>
+    </p:spTree>
+    <p:extLst>
+      <p:ext uri="{BB962C8B-B14F-4D97-AF65-F5344CB8AC3E}">
+        <p14:creationId xmlns:p14="http://schemas.microsoft.com/office/powerpoint/2010/main" val="3723021834"/>
+      </p:ext>
+    </p:extLst>
+  </p:cSld>
+  <p:clrMap bg1="lt1" tx1="dk1" bg2="lt2" tx2="dk2" accent1="accent1" accent2="accent2" accent3="accent3" accent4="accent4" accent5="accent5" accent6="accent6" hlink="hlink" folHlink="folHlink"/>
+  <p:sldLayoutIdLst>
+    <p:sldLayoutId id="2147483721" r:id="rId1"/>
+    <p:sldLayoutId id="2147483722" r:id="rId2"/>
+    <p:sldLayoutId id="2147483723" r:id="rId3"/>
+    <p:sldLayoutId id="2147483724" r:id="rId4"/>
+    <p:sldLayoutId id="2147483725" r:id="rId5"/>
+    <p:sldLayoutId id="2147483726" r:id="rId6"/>
+    <p:sldLayoutId id="2147483727" r:id="rId7"/>
+    <p:sldLayoutId id="2147483728" r:id="rId8"/>
+    <p:sldLayoutId id="2147483729" r:id="rId9"/>
+    <p:sldLayoutId id="2147483730" r:id="rId10"/>
+    <p:sldLayoutId id="2147483731" r:id="rId11"/>
+    <p:sldLayoutId id="2147483732" r:id="rId12"/>
+  </p:sldLayoutIdLst>
+  <p:txStyles>
+    <p:titleStyle>
+      <a:lvl1pPr algn="l" defTabSz="914400" rtl="0" eaLnBrk="1" latinLnBrk="0" hangingPunct="1">
+        <a:lnSpc>
+          <a:spcPct val="90000"/>
+        </a:lnSpc>
+        <a:spcBef>
+          <a:spcPct val="0"/>
+        </a:spcBef>
+        <a:buNone/>
+        <a:defRPr sz="4400" kern="1200">
+          <a:solidFill>
+            <a:schemeClr val="tx1"/>
+          </a:solidFill>
+          <a:latin typeface="+mj-lt"/>
+          <a:ea typeface="+mj-ea"/>
+          <a:cs typeface="+mj-cs"/>
+        </a:defRPr>
+      </a:lvl1pPr>
+    </p:titleStyle>
+    <p:bodyStyle>
+      <a:lvl1pPr marL="228600" indent="-228600" algn="l" defTabSz="914400" rtl="0" eaLnBrk="1" latinLnBrk="0" hangingPunct="1">
+        <a:lnSpc>
+          <a:spcPct val="90000"/>
+        </a:lnSpc>
+        <a:spcBef>
+          <a:spcPts val="1000"/>
+        </a:spcBef>
+        <a:buFont typeface="Arial" panose="020B0604020202020204" pitchFamily="34" charset="0"/>
+        <a:buChar char="•"/>
+        <a:defRPr sz="2800" kern="1200">
+          <a:solidFill>
+            <a:schemeClr val="tx1"/>
+          </a:solidFill>
+          <a:latin typeface="+mn-lt"/>
+          <a:ea typeface="+mn-ea"/>
+          <a:cs typeface="+mn-cs"/>
+        </a:defRPr>
+      </a:lvl1pPr>
+      <a:lvl2pPr marL="685800" indent="-228600" algn="l" defTabSz="914400" rtl="0" eaLnBrk="1" latinLnBrk="0" hangingPunct="1">
+        <a:lnSpc>
+          <a:spcPct val="90000"/>
+        </a:lnSpc>
+        <a:spcBef>
+          <a:spcPts val="500"/>
+        </a:spcBef>
+        <a:buFont typeface="Arial" panose="020B0604020202020204" pitchFamily="34" charset="0"/>
+        <a:buChar char="•"/>
+        <a:defRPr sz="2400" kern="1200">
+          <a:solidFill>
+            <a:schemeClr val="tx1"/>
+          </a:solidFill>
+          <a:latin typeface="+mn-lt"/>
+          <a:ea typeface="+mn-ea"/>
+          <a:cs typeface="+mn-cs"/>
+        </a:defRPr>
+      </a:lvl2pPr>
+      <a:lvl3pPr marL="1143000" indent="-228600" algn="l" defTabSz="914400" rtl="0" eaLnBrk="1" latinLnBrk="0" hangingPunct="1">
+        <a:lnSpc>
+          <a:spcPct val="90000"/>
+        </a:lnSpc>
+        <a:spcBef>
+          <a:spcPts val="500"/>
+        </a:spcBef>
+        <a:buFont typeface="Arial" panose="020B0604020202020204" pitchFamily="34" charset="0"/>
+        <a:buChar char="•"/>
+        <a:defRPr sz="2000" kern="1200">
+          <a:solidFill>
+            <a:schemeClr val="tx1"/>
+          </a:solidFill>
+          <a:latin typeface="+mn-lt"/>
+          <a:ea typeface="+mn-ea"/>
+          <a:cs typeface="+mn-cs"/>
+        </a:defRPr>
+      </a:lvl3pPr>
+      <a:lvl4pPr marL="1600200" indent="-228600" algn="l" defTabSz="914400" rtl="0" eaLnBrk="1" latinLnBrk="0" hangingPunct="1">
+        <a:lnSpc>
+          <a:spcPct val="90000"/>
+        </a:lnSpc>
+        <a:spcBef>
+          <a:spcPts val="500"/>
+        </a:spcBef>
+        <a:buFont typeface="Arial" panose="020B0604020202020204" pitchFamily="34" charset="0"/>
+        <a:buChar char="•"/>
+        <a:defRPr sz="1800" kern="1200">
+          <a:solidFill>
+            <a:schemeClr val="tx1"/>
+          </a:solidFill>
+          <a:latin typeface="+mn-lt"/>
+          <a:ea typeface="+mn-ea"/>
+          <a:cs typeface="+mn-cs"/>
+        </a:defRPr>
+      </a:lvl4pPr>
+      <a:lvl5pPr marL="2057400" indent="-228600" algn="l" defTabSz="914400" rtl="0" eaLnBrk="1" latinLnBrk="0" hangingPunct="1">
+        <a:lnSpc>
+          <a:spcPct val="90000"/>
+        </a:lnSpc>
+        <a:spcBef>
+          <a:spcPts val="500"/>
+        </a:spcBef>
+        <a:buFont typeface="Arial" panose="020B0604020202020204" pitchFamily="34" charset="0"/>
+        <a:buChar char="•"/>
+        <a:defRPr sz="1800" kern="1200">
+          <a:solidFill>
+            <a:schemeClr val="tx1"/>
+          </a:solidFill>
+          <a:latin typeface="+mn-lt"/>
+          <a:ea typeface="+mn-ea"/>
+          <a:cs typeface="+mn-cs"/>
+        </a:defRPr>
+      </a:lvl5pPr>
+      <a:lvl6pPr marL="2514600" indent="-228600" algn="l" defTabSz="914400" rtl="0" eaLnBrk="1" latinLnBrk="0" hangingPunct="1">
+        <a:lnSpc>
+          <a:spcPct val="90000"/>
+        </a:lnSpc>
+        <a:spcBef>
+          <a:spcPts val="500"/>
+        </a:spcBef>
+        <a:buFont typeface="Arial" panose="020B0604020202020204" pitchFamily="34" charset="0"/>
+        <a:buChar char="•"/>
+        <a:defRPr sz="1800" kern="1200">
+          <a:solidFill>
+            <a:schemeClr val="tx1"/>
+          </a:solidFill>
+          <a:latin typeface="+mn-lt"/>
+          <a:ea typeface="+mn-ea"/>
+          <a:cs typeface="+mn-cs"/>
+        </a:defRPr>
+      </a:lvl6pPr>
+      <a:lvl7pPr marL="2971800" indent="-228600" algn="l" defTabSz="914400" rtl="0" eaLnBrk="1" latinLnBrk="0" hangingPunct="1">
+        <a:lnSpc>
+          <a:spcPct val="90000"/>
+        </a:lnSpc>
+        <a:spcBef>
+          <a:spcPts val="500"/>
+        </a:spcBef>
+        <a:buFont typeface="Arial" panose="020B0604020202020204" pitchFamily="34" charset="0"/>
+        <a:buChar char="•"/>
+        <a:defRPr sz="1800" kern="1200">
+          <a:solidFill>
+            <a:schemeClr val="tx1"/>
+          </a:solidFill>
+          <a:latin typeface="+mn-lt"/>
+          <a:ea typeface="+mn-ea"/>
+          <a:cs typeface="+mn-cs"/>
+        </a:defRPr>
+      </a:lvl7pPr>
+      <a:lvl8pPr marL="3429000" indent="-228600" algn="l" defTabSz="914400" rtl="0" eaLnBrk="1" latinLnBrk="0" hangingPunct="1">
+        <a:lnSpc>
+          <a:spcPct val="90000"/>
+        </a:lnSpc>
+        <a:spcBef>
+          <a:spcPts val="500"/>
+        </a:spcBef>
+        <a:buFont typeface="Arial" panose="020B0604020202020204" pitchFamily="34" charset="0"/>
+        <a:buChar char="•"/>
+        <a:defRPr sz="1800" kern="1200">
+          <a:solidFill>
+            <a:schemeClr val="tx1"/>
+          </a:solidFill>
+          <a:latin typeface="+mn-lt"/>
+          <a:ea typeface="+mn-ea"/>
+          <a:cs typeface="+mn-cs"/>
+        </a:defRPr>
+      </a:lvl8pPr>
+      <a:lvl9pPr marL="3886200" indent="-228600" algn="l" defTabSz="914400" rtl="0" eaLnBrk="1" latinLnBrk="0" hangingPunct="1">
+        <a:lnSpc>
+          <a:spcPct val="90000"/>
+        </a:lnSpc>
+        <a:spcBef>
+          <a:spcPts val="500"/>
+        </a:spcBef>
+        <a:buFont typeface="Arial" panose="020B0604020202020204" pitchFamily="34" charset="0"/>
+        <a:buChar char="•"/>
+        <a:defRPr sz="1800" kern="1200">
+          <a:solidFill>
+            <a:schemeClr val="tx1"/>
+          </a:solidFill>
+          <a:latin typeface="+mn-lt"/>
+          <a:ea typeface="+mn-ea"/>
+          <a:cs typeface="+mn-cs"/>
+        </a:defRPr>
+      </a:lvl9pPr>
+    </p:bodyStyle>
+    <p:otherStyle>
+      <a:defPPr>
+        <a:defRPr lang="en-US"/>
+      </a:defPPr>
+      <a:lvl1pPr marL="0" algn="l" defTabSz="914400" rtl="0" eaLnBrk="1" latinLnBrk="0" hangingPunct="1">
+        <a:defRPr sz="1800" kern="1200">
+          <a:solidFill>
+            <a:schemeClr val="tx1"/>
+          </a:solidFill>
+          <a:latin typeface="+mn-lt"/>
+          <a:ea typeface="+mn-ea"/>
+          <a:cs typeface="+mn-cs"/>
+        </a:defRPr>
+      </a:lvl1pPr>
+      <a:lvl2pPr marL="457200" algn="l" defTabSz="914400" rtl="0" eaLnBrk="1" latinLnBrk="0" hangingPunct="1">
+        <a:defRPr sz="1800" kern="1200">
+          <a:solidFill>
+            <a:schemeClr val="tx1"/>
+          </a:solidFill>
+          <a:latin typeface="+mn-lt"/>
+          <a:ea typeface="+mn-ea"/>
+          <a:cs typeface="+mn-cs"/>
+        </a:defRPr>
+      </a:lvl2pPr>
+      <a:lvl3pPr marL="914400" algn="l" defTabSz="914400" rtl="0" eaLnBrk="1" latinLnBrk="0" hangingPunct="1">
+        <a:defRPr sz="1800" kern="1200">
+          <a:solidFill>
+            <a:schemeClr val="tx1"/>
+          </a:solidFill>
+          <a:latin typeface="+mn-lt"/>
+          <a:ea typeface="+mn-ea"/>
+          <a:cs typeface="+mn-cs"/>
+        </a:defRPr>
+      </a:lvl3pPr>
+      <a:lvl4pPr marL="1371600" algn="l" defTabSz="914400" rtl="0" eaLnBrk="1" latinLnBrk="0" hangingPunct="1">
+        <a:defRPr sz="1800" kern="1200">
+          <a:solidFill>
+            <a:schemeClr val="tx1"/>
+          </a:solidFill>
+          <a:latin typeface="+mn-lt"/>
+          <a:ea typeface="+mn-ea"/>
+          <a:cs typeface="+mn-cs"/>
+        </a:defRPr>
+      </a:lvl4pPr>
+      <a:lvl5pPr marL="1828800" algn="l" defTabSz="914400" rtl="0" eaLnBrk="1" latinLnBrk="0" hangingPunct="1">
+        <a:defRPr sz="1800" kern="1200">
+          <a:solidFill>
+            <a:schemeClr val="tx1"/>
+          </a:solidFill>
+          <a:latin typeface="+mn-lt"/>
+          <a:ea typeface="+mn-ea"/>
+          <a:cs typeface="+mn-cs"/>
+        </a:defRPr>
+      </a:lvl5pPr>
+      <a:lvl6pPr marL="2286000" algn="l" defTabSz="914400" rtl="0" eaLnBrk="1" latinLnBrk="0" hangingPunct="1">
+        <a:defRPr sz="1800" kern="1200">
+          <a:solidFill>
+            <a:schemeClr val="tx1"/>
+          </a:solidFill>
+          <a:latin typeface="+mn-lt"/>
+          <a:ea typeface="+mn-ea"/>
+          <a:cs typeface="+mn-cs"/>
+        </a:defRPr>
+      </a:lvl6pPr>
+      <a:lvl7pPr marL="2743200" algn="l" defTabSz="914400" rtl="0" eaLnBrk="1" latinLnBrk="0" hangingPunct="1">
+        <a:defRPr sz="1800" kern="1200">
+          <a:solidFill>
+            <a:schemeClr val="tx1"/>
+          </a:solidFill>
+          <a:latin typeface="+mn-lt"/>
+          <a:ea typeface="+mn-ea"/>
+          <a:cs typeface="+mn-cs"/>
+        </a:defRPr>
+      </a:lvl7pPr>
+      <a:lvl8pPr marL="3200400" algn="l" defTabSz="914400" rtl="0" eaLnBrk="1" latinLnBrk="0" hangingPunct="1">
+        <a:defRPr sz="1800" kern="1200">
+          <a:solidFill>
+            <a:schemeClr val="tx1"/>
+          </a:solidFill>
+          <a:latin typeface="+mn-lt"/>
+          <a:ea typeface="+mn-ea"/>
+          <a:cs typeface="+mn-cs"/>
+        </a:defRPr>
+      </a:lvl8pPr>
+      <a:lvl9pPr marL="3657600" algn="l" defTabSz="914400" rtl="0" eaLnBrk="1" latinLnBrk="0" hangingPunct="1">
+        <a:defRPr sz="1800" kern="1200">
+          <a:solidFill>
+            <a:schemeClr val="tx1"/>
+          </a:solidFill>
+          <a:latin typeface="+mn-lt"/>
+          <a:ea typeface="+mn-ea"/>
+          <a:cs typeface="+mn-cs"/>
+        </a:defRPr>
+      </a:lvl9pPr>
+    </p:otherStyle>
+  </p:txStyles>
+</p:sldMaster>
+</file>
+
 <file path=ppt/slides/slide1.xml><?xml version="1.0" encoding="utf-8"?>
 <p:sld xmlns:a="http://schemas.openxmlformats.org/drawingml/2006/main" xmlns:r="http://schemas.openxmlformats.org/officeDocument/2006/relationships" xmlns:p="http://schemas.openxmlformats.org/presentationml/2006/main">
   <p:cSld>
@@ -7849,6 +11208,17 @@
 <file path=ppt/slides/slide3.xml><?xml version="1.0" encoding="utf-8"?>
 <p:sld xmlns:a="http://schemas.openxmlformats.org/drawingml/2006/main" xmlns:r="http://schemas.openxmlformats.org/officeDocument/2006/relationships" xmlns:p="http://schemas.openxmlformats.org/presentationml/2006/main">
   <p:cSld>
+    <p:bg>
+      <p:bgPr>
+        <a:solidFill>
+          <a:schemeClr val="bg1">
+            <a:lumMod val="75000"/>
+            <a:lumOff val="25000"/>
+          </a:schemeClr>
+        </a:solidFill>
+        <a:effectLst/>
+      </p:bgPr>
+    </p:bg>
     <p:spTree>
       <p:nvGrpSpPr>
         <p:cNvPr id="1" name=""/>
@@ -7863,53 +11233,391 @@
           <a:chExt cx="0" cy="0"/>
         </a:xfrm>
       </p:grpSpPr>
-      <p:sp>
-        <p:nvSpPr>
-          <p:cNvPr id="4" name="Title 3">
+      <p:pic>
+        <p:nvPicPr>
+          <p:cNvPr id="1026" name="Picture 2" descr="Black Sand Dunes">
             <a:extLst>
               <a:ext uri="{FF2B5EF4-FFF2-40B4-BE49-F238E27FC236}">
-                <a16:creationId xmlns:a16="http://schemas.microsoft.com/office/drawing/2014/main" id="{D9CF481F-41AF-45D8-A511-F75A0704A362}"/>
+                <a16:creationId xmlns:a16="http://schemas.microsoft.com/office/drawing/2014/main" id="{C8AB04FB-A388-4ACD-AC31-8895B8354D11}"/>
               </a:ext>
             </a:extLst>
           </p:cNvPr>
-          <p:cNvSpPr>
-            <a:spLocks noGrp="1"/>
-          </p:cNvSpPr>
-          <p:nvPr>
-            <p:ph type="title"/>
-          </p:nvPr>
-        </p:nvSpPr>
-        <p:spPr/>
-        <p:txBody>
-          <a:bodyPr/>
-          <a:lstStyle/>
-          <a:p>
-            <a:endParaRPr lang="en-US"/>
-          </a:p>
-        </p:txBody>
-      </p:sp>
-      <p:sp>
-        <p:nvSpPr>
-          <p:cNvPr id="5" name="Text Placeholder 4">
+          <p:cNvPicPr>
+            <a:picLocks noChangeAspect="1" noChangeArrowheads="1"/>
+          </p:cNvPicPr>
+          <p:nvPr/>
+        </p:nvPicPr>
+        <p:blipFill>
+          <a:blip r:embed="rId2">
+            <a:extLst>
+              <a:ext uri="{28A0092B-C50C-407E-A947-70E740481C1C}">
+                <a14:useLocalDpi xmlns:a14="http://schemas.microsoft.com/office/drawing/2010/main" val="0"/>
+              </a:ext>
+            </a:extLst>
+          </a:blip>
+          <a:srcRect/>
+          <a:stretch>
+            <a:fillRect/>
+          </a:stretch>
+        </p:blipFill>
+        <p:spPr bwMode="auto">
+          <a:xfrm>
+            <a:off x="-1" y="0"/>
+            <a:ext cx="12186315" cy="8124210"/>
+          </a:xfrm>
+          <a:prstGeom prst="rect">
+            <a:avLst/>
+          </a:prstGeom>
+          <a:noFill/>
+          <a:extLst>
+            <a:ext uri="{909E8E84-426E-40DD-AFC4-6F175D3DCCD1}">
+              <a14:hiddenFill xmlns:a14="http://schemas.microsoft.com/office/drawing/2010/main">
+                <a:solidFill>
+                  <a:srgbClr val="FFFFFF"/>
+                </a:solidFill>
+              </a14:hiddenFill>
+            </a:ext>
+          </a:extLst>
+        </p:spPr>
+      </p:pic>
+      <p:sp>
+        <p:nvSpPr>
+          <p:cNvPr id="28" name="Title 5">
             <a:extLst>
               <a:ext uri="{FF2B5EF4-FFF2-40B4-BE49-F238E27FC236}">
-                <a16:creationId xmlns:a16="http://schemas.microsoft.com/office/drawing/2014/main" id="{C5F0AB15-0D06-4F22-9D2C-39B2AA0E85F6}"/>
+                <a16:creationId xmlns:a16="http://schemas.microsoft.com/office/drawing/2014/main" id="{22C70AB9-4282-4EB1-87CA-FE19B792794C}"/>
               </a:ext>
             </a:extLst>
           </p:cNvPr>
-          <p:cNvSpPr>
-            <a:spLocks noGrp="1"/>
-          </p:cNvSpPr>
-          <p:nvPr>
-            <p:ph type="body" idx="1"/>
-          </p:nvPr>
-        </p:nvSpPr>
-        <p:spPr/>
-        <p:txBody>
-          <a:bodyPr/>
-          <a:lstStyle/>
-          <a:p>
-            <a:endParaRPr lang="en-US"/>
+          <p:cNvSpPr txBox="1">
+            <a:spLocks/>
+          </p:cNvSpPr>
+          <p:nvPr/>
+        </p:nvSpPr>
+        <p:spPr>
+          <a:xfrm>
+            <a:off x="477077" y="516835"/>
+            <a:ext cx="7877213" cy="2103875"/>
+          </a:xfrm>
+          <a:prstGeom prst="rect">
+            <a:avLst/>
+          </a:prstGeom>
+        </p:spPr>
+        <p:txBody>
+          <a:bodyPr>
+            <a:normAutofit/>
+          </a:bodyPr>
+          <a:lstStyle>
+            <a:lvl1pPr algn="l" defTabSz="914400" rtl="0" eaLnBrk="1" latinLnBrk="0" hangingPunct="1">
+              <a:lnSpc>
+                <a:spcPct val="85000"/>
+              </a:lnSpc>
+              <a:spcBef>
+                <a:spcPct val="0"/>
+              </a:spcBef>
+              <a:buNone/>
+              <a:defRPr sz="4800" kern="1200" spc="-50" baseline="0">
+                <a:solidFill>
+                  <a:schemeClr val="tx1">
+                    <a:lumMod val="75000"/>
+                    <a:lumOff val="25000"/>
+                  </a:schemeClr>
+                </a:solidFill>
+                <a:latin typeface="+mj-lt"/>
+                <a:ea typeface="+mj-ea"/>
+                <a:cs typeface="+mj-cs"/>
+              </a:defRPr>
+            </a:lvl1pPr>
+          </a:lstStyle>
+          <a:p>
+            <a:r>
+              <a:rPr lang="en-US" sz="5400" b="1" dirty="0"/>
+              <a:t>What is a Web API?</a:t>
+            </a:r>
+          </a:p>
+        </p:txBody>
+      </p:sp>
+      <p:sp>
+        <p:nvSpPr>
+          <p:cNvPr id="29" name="Content Placeholder 6">
+            <a:extLst>
+              <a:ext uri="{FF2B5EF4-FFF2-40B4-BE49-F238E27FC236}">
+                <a16:creationId xmlns:a16="http://schemas.microsoft.com/office/drawing/2014/main" id="{3B99C5DF-C0E4-424C-80BF-32E0A56EC87C}"/>
+              </a:ext>
+            </a:extLst>
+          </p:cNvPr>
+          <p:cNvSpPr txBox="1">
+            <a:spLocks/>
+          </p:cNvSpPr>
+          <p:nvPr/>
+        </p:nvSpPr>
+        <p:spPr>
+          <a:xfrm>
+            <a:off x="492370" y="2736574"/>
+            <a:ext cx="11214721" cy="3366047"/>
+          </a:xfrm>
+          <a:prstGeom prst="rect">
+            <a:avLst/>
+          </a:prstGeom>
+        </p:spPr>
+        <p:txBody>
+          <a:bodyPr>
+            <a:normAutofit/>
+          </a:bodyPr>
+          <a:lstStyle>
+            <a:lvl1pPr marL="91440" indent="-91440" algn="l" defTabSz="914400" rtl="0" eaLnBrk="1" latinLnBrk="0" hangingPunct="1">
+              <a:lnSpc>
+                <a:spcPct val="90000"/>
+              </a:lnSpc>
+              <a:spcBef>
+                <a:spcPts val="1200"/>
+              </a:spcBef>
+              <a:spcAft>
+                <a:spcPts val="200"/>
+              </a:spcAft>
+              <a:buClr>
+                <a:schemeClr val="accent3"/>
+              </a:buClr>
+              <a:buSzPct val="100000"/>
+              <a:buFont typeface="Calibri" panose="020F0502020204030204" pitchFamily="34" charset="0"/>
+              <a:buChar char=" "/>
+              <a:defRPr sz="2000" kern="1200">
+                <a:solidFill>
+                  <a:schemeClr val="tx1">
+                    <a:lumMod val="75000"/>
+                    <a:lumOff val="25000"/>
+                  </a:schemeClr>
+                </a:solidFill>
+                <a:latin typeface="+mn-lt"/>
+                <a:ea typeface="+mn-ea"/>
+                <a:cs typeface="+mn-cs"/>
+              </a:defRPr>
+            </a:lvl1pPr>
+            <a:lvl2pPr marL="384048" indent="-182880" algn="l" defTabSz="914400" rtl="0" eaLnBrk="1" latinLnBrk="0" hangingPunct="1">
+              <a:lnSpc>
+                <a:spcPct val="90000"/>
+              </a:lnSpc>
+              <a:spcBef>
+                <a:spcPts val="200"/>
+              </a:spcBef>
+              <a:spcAft>
+                <a:spcPts val="400"/>
+              </a:spcAft>
+              <a:buClr>
+                <a:schemeClr val="accent3"/>
+              </a:buClr>
+              <a:buFont typeface="Calibri" pitchFamily="34" charset="0"/>
+              <a:buChar char="◦"/>
+              <a:defRPr sz="1800" kern="1200">
+                <a:solidFill>
+                  <a:schemeClr val="tx1">
+                    <a:lumMod val="75000"/>
+                    <a:lumOff val="25000"/>
+                  </a:schemeClr>
+                </a:solidFill>
+                <a:latin typeface="+mn-lt"/>
+                <a:ea typeface="+mn-ea"/>
+                <a:cs typeface="+mn-cs"/>
+              </a:defRPr>
+            </a:lvl2pPr>
+            <a:lvl3pPr marL="566928" indent="-182880" algn="l" defTabSz="914400" rtl="0" eaLnBrk="1" latinLnBrk="0" hangingPunct="1">
+              <a:lnSpc>
+                <a:spcPct val="90000"/>
+              </a:lnSpc>
+              <a:spcBef>
+                <a:spcPts val="200"/>
+              </a:spcBef>
+              <a:spcAft>
+                <a:spcPts val="400"/>
+              </a:spcAft>
+              <a:buClr>
+                <a:schemeClr val="accent3"/>
+              </a:buClr>
+              <a:buFont typeface="Calibri" pitchFamily="34" charset="0"/>
+              <a:buChar char="◦"/>
+              <a:defRPr sz="1400" kern="1200">
+                <a:solidFill>
+                  <a:schemeClr val="tx1">
+                    <a:lumMod val="75000"/>
+                    <a:lumOff val="25000"/>
+                  </a:schemeClr>
+                </a:solidFill>
+                <a:latin typeface="+mn-lt"/>
+                <a:ea typeface="+mn-ea"/>
+                <a:cs typeface="+mn-cs"/>
+              </a:defRPr>
+            </a:lvl3pPr>
+            <a:lvl4pPr marL="749808" indent="-182880" algn="l" defTabSz="914400" rtl="0" eaLnBrk="1" latinLnBrk="0" hangingPunct="1">
+              <a:lnSpc>
+                <a:spcPct val="90000"/>
+              </a:lnSpc>
+              <a:spcBef>
+                <a:spcPts val="200"/>
+              </a:spcBef>
+              <a:spcAft>
+                <a:spcPts val="400"/>
+              </a:spcAft>
+              <a:buClr>
+                <a:schemeClr val="accent3"/>
+              </a:buClr>
+              <a:buFont typeface="Calibri" pitchFamily="34" charset="0"/>
+              <a:buChar char="◦"/>
+              <a:defRPr sz="1400" kern="1200">
+                <a:solidFill>
+                  <a:schemeClr val="tx1">
+                    <a:lumMod val="75000"/>
+                    <a:lumOff val="25000"/>
+                  </a:schemeClr>
+                </a:solidFill>
+                <a:latin typeface="+mn-lt"/>
+                <a:ea typeface="+mn-ea"/>
+                <a:cs typeface="+mn-cs"/>
+              </a:defRPr>
+            </a:lvl4pPr>
+            <a:lvl5pPr marL="932688" indent="-182880" algn="l" defTabSz="914400" rtl="0" eaLnBrk="1" latinLnBrk="0" hangingPunct="1">
+              <a:lnSpc>
+                <a:spcPct val="90000"/>
+              </a:lnSpc>
+              <a:spcBef>
+                <a:spcPts val="200"/>
+              </a:spcBef>
+              <a:spcAft>
+                <a:spcPts val="400"/>
+              </a:spcAft>
+              <a:buClr>
+                <a:schemeClr val="accent3"/>
+              </a:buClr>
+              <a:buFont typeface="Calibri" pitchFamily="34" charset="0"/>
+              <a:buChar char="◦"/>
+              <a:defRPr sz="1400" kern="1200">
+                <a:solidFill>
+                  <a:schemeClr val="tx1">
+                    <a:lumMod val="75000"/>
+                    <a:lumOff val="25000"/>
+                  </a:schemeClr>
+                </a:solidFill>
+                <a:latin typeface="+mn-lt"/>
+                <a:ea typeface="+mn-ea"/>
+                <a:cs typeface="+mn-cs"/>
+              </a:defRPr>
+            </a:lvl5pPr>
+            <a:lvl6pPr marL="1100000" indent="-228600" algn="l" defTabSz="914400" rtl="0" eaLnBrk="1" latinLnBrk="0" hangingPunct="1">
+              <a:lnSpc>
+                <a:spcPct val="90000"/>
+              </a:lnSpc>
+              <a:spcBef>
+                <a:spcPts val="200"/>
+              </a:spcBef>
+              <a:spcAft>
+                <a:spcPts val="400"/>
+              </a:spcAft>
+              <a:buClr>
+                <a:schemeClr val="accent3"/>
+              </a:buClr>
+              <a:buFont typeface="Calibri" pitchFamily="34" charset="0"/>
+              <a:buChar char="◦"/>
+              <a:defRPr sz="1400" kern="1200">
+                <a:solidFill>
+                  <a:schemeClr val="tx1">
+                    <a:lumMod val="75000"/>
+                    <a:lumOff val="25000"/>
+                  </a:schemeClr>
+                </a:solidFill>
+                <a:latin typeface="+mn-lt"/>
+                <a:ea typeface="+mn-ea"/>
+                <a:cs typeface="+mn-cs"/>
+              </a:defRPr>
+            </a:lvl6pPr>
+            <a:lvl7pPr marL="1300000" indent="-228600" algn="l" defTabSz="914400" rtl="0" eaLnBrk="1" latinLnBrk="0" hangingPunct="1">
+              <a:lnSpc>
+                <a:spcPct val="90000"/>
+              </a:lnSpc>
+              <a:spcBef>
+                <a:spcPts val="200"/>
+              </a:spcBef>
+              <a:spcAft>
+                <a:spcPts val="400"/>
+              </a:spcAft>
+              <a:buClr>
+                <a:schemeClr val="accent3"/>
+              </a:buClr>
+              <a:buFont typeface="Calibri" pitchFamily="34" charset="0"/>
+              <a:buChar char="◦"/>
+              <a:defRPr sz="1400" kern="1200">
+                <a:solidFill>
+                  <a:schemeClr val="tx1">
+                    <a:lumMod val="75000"/>
+                    <a:lumOff val="25000"/>
+                  </a:schemeClr>
+                </a:solidFill>
+                <a:latin typeface="+mn-lt"/>
+                <a:ea typeface="+mn-ea"/>
+                <a:cs typeface="+mn-cs"/>
+              </a:defRPr>
+            </a:lvl7pPr>
+            <a:lvl8pPr marL="1500000" indent="-228600" algn="l" defTabSz="914400" rtl="0" eaLnBrk="1" latinLnBrk="0" hangingPunct="1">
+              <a:lnSpc>
+                <a:spcPct val="90000"/>
+              </a:lnSpc>
+              <a:spcBef>
+                <a:spcPts val="200"/>
+              </a:spcBef>
+              <a:spcAft>
+                <a:spcPts val="400"/>
+              </a:spcAft>
+              <a:buClr>
+                <a:schemeClr val="accent3"/>
+              </a:buClr>
+              <a:buFont typeface="Calibri" pitchFamily="34" charset="0"/>
+              <a:buChar char="◦"/>
+              <a:defRPr sz="1400" kern="1200">
+                <a:solidFill>
+                  <a:schemeClr val="tx1">
+                    <a:lumMod val="75000"/>
+                    <a:lumOff val="25000"/>
+                  </a:schemeClr>
+                </a:solidFill>
+                <a:latin typeface="+mn-lt"/>
+                <a:ea typeface="+mn-ea"/>
+                <a:cs typeface="+mn-cs"/>
+              </a:defRPr>
+            </a:lvl8pPr>
+            <a:lvl9pPr marL="1700000" indent="-228600" algn="l" defTabSz="914400" rtl="0" eaLnBrk="1" latinLnBrk="0" hangingPunct="1">
+              <a:lnSpc>
+                <a:spcPct val="90000"/>
+              </a:lnSpc>
+              <a:spcBef>
+                <a:spcPts val="200"/>
+              </a:spcBef>
+              <a:spcAft>
+                <a:spcPts val="400"/>
+              </a:spcAft>
+              <a:buClr>
+                <a:schemeClr val="accent3"/>
+              </a:buClr>
+              <a:buFont typeface="Calibri" pitchFamily="34" charset="0"/>
+              <a:buChar char="◦"/>
+              <a:defRPr sz="1400" kern="1200">
+                <a:solidFill>
+                  <a:schemeClr val="tx1">
+                    <a:lumMod val="75000"/>
+                    <a:lumOff val="25000"/>
+                  </a:schemeClr>
+                </a:solidFill>
+                <a:latin typeface="+mn-lt"/>
+                <a:ea typeface="+mn-ea"/>
+                <a:cs typeface="+mn-cs"/>
+              </a:defRPr>
+            </a:lvl9pPr>
+          </a:lstStyle>
+          <a:p>
+            <a:r>
+              <a:rPr lang="en-US" sz="4000" dirty="0">
+                <a:latin typeface="Verdana" panose="020B0604030504040204" pitchFamily="34" charset="0"/>
+              </a:rPr>
+              <a:t>In computer programming, an application programming interface (API) is a set of subroutine definitions, protocols, and tools for building software and applications.</a:t>
+            </a:r>
+            <a:endParaRPr lang="en-US" sz="4000" dirty="0"/>
           </a:p>
         </p:txBody>
       </p:sp>
@@ -7923,6 +11631,4989 @@
   <p:clrMapOvr>
     <a:masterClrMapping/>
   </p:clrMapOvr>
+</p:sld>
+</file>
+
+<file path=ppt/slides/slide4.xml><?xml version="1.0" encoding="utf-8"?>
+<p:sld xmlns:a="http://schemas.openxmlformats.org/drawingml/2006/main" xmlns:r="http://schemas.openxmlformats.org/officeDocument/2006/relationships" xmlns:p="http://schemas.openxmlformats.org/presentationml/2006/main">
+  <p:cSld>
+    <p:spTree>
+      <p:nvGrpSpPr>
+        <p:cNvPr id="1" name=""/>
+        <p:cNvGrpSpPr/>
+        <p:nvPr/>
+      </p:nvGrpSpPr>
+      <p:grpSpPr>
+        <a:xfrm>
+          <a:off x="0" y="0"/>
+          <a:ext cx="0" cy="0"/>
+          <a:chOff x="0" y="0"/>
+          <a:chExt cx="0" cy="0"/>
+        </a:xfrm>
+      </p:grpSpPr>
+      <p:pic>
+        <p:nvPicPr>
+          <p:cNvPr id="1026" name="Picture 2" descr="Black Sand Dunes">
+            <a:extLst>
+              <a:ext uri="{FF2B5EF4-FFF2-40B4-BE49-F238E27FC236}">
+                <a16:creationId xmlns:a16="http://schemas.microsoft.com/office/drawing/2014/main" id="{C8AB04FB-A388-4ACD-AC31-8895B8354D11}"/>
+              </a:ext>
+            </a:extLst>
+          </p:cNvPr>
+          <p:cNvPicPr>
+            <a:picLocks noChangeAspect="1" noChangeArrowheads="1"/>
+          </p:cNvPicPr>
+          <p:nvPr/>
+        </p:nvPicPr>
+        <p:blipFill>
+          <a:blip r:embed="rId2">
+            <a:extLst>
+              <a:ext uri="{28A0092B-C50C-407E-A947-70E740481C1C}">
+                <a14:useLocalDpi xmlns:a14="http://schemas.microsoft.com/office/drawing/2010/main" val="0"/>
+              </a:ext>
+            </a:extLst>
+          </a:blip>
+          <a:srcRect/>
+          <a:stretch>
+            <a:fillRect/>
+          </a:stretch>
+        </p:blipFill>
+        <p:spPr bwMode="auto">
+          <a:xfrm>
+            <a:off x="-1" y="0"/>
+            <a:ext cx="12186315" cy="8124210"/>
+          </a:xfrm>
+          <a:prstGeom prst="rect">
+            <a:avLst/>
+          </a:prstGeom>
+          <a:noFill/>
+          <a:extLst>
+            <a:ext uri="{909E8E84-426E-40DD-AFC4-6F175D3DCCD1}">
+              <a14:hiddenFill xmlns:a14="http://schemas.microsoft.com/office/drawing/2010/main">
+                <a:solidFill>
+                  <a:srgbClr val="FFFFFF"/>
+                </a:solidFill>
+              </a14:hiddenFill>
+            </a:ext>
+          </a:extLst>
+        </p:spPr>
+      </p:pic>
+      <p:sp>
+        <p:nvSpPr>
+          <p:cNvPr id="28" name="Title 5">
+            <a:extLst>
+              <a:ext uri="{FF2B5EF4-FFF2-40B4-BE49-F238E27FC236}">
+                <a16:creationId xmlns:a16="http://schemas.microsoft.com/office/drawing/2014/main" id="{22C70AB9-4282-4EB1-87CA-FE19B792794C}"/>
+              </a:ext>
+            </a:extLst>
+          </p:cNvPr>
+          <p:cNvSpPr txBox="1">
+            <a:spLocks/>
+          </p:cNvSpPr>
+          <p:nvPr/>
+        </p:nvSpPr>
+        <p:spPr>
+          <a:xfrm>
+            <a:off x="477077" y="516835"/>
+            <a:ext cx="7877213" cy="2103875"/>
+          </a:xfrm>
+          <a:prstGeom prst="rect">
+            <a:avLst/>
+          </a:prstGeom>
+        </p:spPr>
+        <p:txBody>
+          <a:bodyPr>
+            <a:normAutofit/>
+          </a:bodyPr>
+          <a:lstStyle>
+            <a:lvl1pPr algn="l" defTabSz="914400" rtl="0" eaLnBrk="1" latinLnBrk="0" hangingPunct="1">
+              <a:lnSpc>
+                <a:spcPct val="85000"/>
+              </a:lnSpc>
+              <a:spcBef>
+                <a:spcPct val="0"/>
+              </a:spcBef>
+              <a:buNone/>
+              <a:defRPr sz="4800" kern="1200" spc="-50" baseline="0">
+                <a:solidFill>
+                  <a:schemeClr val="tx1">
+                    <a:lumMod val="75000"/>
+                    <a:lumOff val="25000"/>
+                  </a:schemeClr>
+                </a:solidFill>
+                <a:latin typeface="+mj-lt"/>
+                <a:ea typeface="+mj-ea"/>
+                <a:cs typeface="+mj-cs"/>
+              </a:defRPr>
+            </a:lvl1pPr>
+          </a:lstStyle>
+          <a:p>
+            <a:r>
+              <a:rPr lang="en-US" sz="5400" b="1" dirty="0"/>
+              <a:t>So what is a Web API?</a:t>
+            </a:r>
+          </a:p>
+        </p:txBody>
+      </p:sp>
+      <p:sp>
+        <p:nvSpPr>
+          <p:cNvPr id="29" name="Content Placeholder 6">
+            <a:extLst>
+              <a:ext uri="{FF2B5EF4-FFF2-40B4-BE49-F238E27FC236}">
+                <a16:creationId xmlns:a16="http://schemas.microsoft.com/office/drawing/2014/main" id="{3B99C5DF-C0E4-424C-80BF-32E0A56EC87C}"/>
+              </a:ext>
+            </a:extLst>
+          </p:cNvPr>
+          <p:cNvSpPr txBox="1">
+            <a:spLocks/>
+          </p:cNvSpPr>
+          <p:nvPr/>
+        </p:nvSpPr>
+        <p:spPr>
+          <a:xfrm>
+            <a:off x="492370" y="2736574"/>
+            <a:ext cx="11214721" cy="3765826"/>
+          </a:xfrm>
+          <a:prstGeom prst="rect">
+            <a:avLst/>
+          </a:prstGeom>
+        </p:spPr>
+        <p:txBody>
+          <a:bodyPr>
+            <a:normAutofit/>
+          </a:bodyPr>
+          <a:lstStyle>
+            <a:lvl1pPr marL="91440" indent="-91440" algn="l" defTabSz="914400" rtl="0" eaLnBrk="1" latinLnBrk="0" hangingPunct="1">
+              <a:lnSpc>
+                <a:spcPct val="90000"/>
+              </a:lnSpc>
+              <a:spcBef>
+                <a:spcPts val="1200"/>
+              </a:spcBef>
+              <a:spcAft>
+                <a:spcPts val="200"/>
+              </a:spcAft>
+              <a:buClr>
+                <a:schemeClr val="accent3"/>
+              </a:buClr>
+              <a:buSzPct val="100000"/>
+              <a:buFont typeface="Calibri" panose="020F0502020204030204" pitchFamily="34" charset="0"/>
+              <a:buChar char=" "/>
+              <a:defRPr sz="2000" kern="1200">
+                <a:solidFill>
+                  <a:schemeClr val="tx1">
+                    <a:lumMod val="75000"/>
+                    <a:lumOff val="25000"/>
+                  </a:schemeClr>
+                </a:solidFill>
+                <a:latin typeface="+mn-lt"/>
+                <a:ea typeface="+mn-ea"/>
+                <a:cs typeface="+mn-cs"/>
+              </a:defRPr>
+            </a:lvl1pPr>
+            <a:lvl2pPr marL="384048" indent="-182880" algn="l" defTabSz="914400" rtl="0" eaLnBrk="1" latinLnBrk="0" hangingPunct="1">
+              <a:lnSpc>
+                <a:spcPct val="90000"/>
+              </a:lnSpc>
+              <a:spcBef>
+                <a:spcPts val="200"/>
+              </a:spcBef>
+              <a:spcAft>
+                <a:spcPts val="400"/>
+              </a:spcAft>
+              <a:buClr>
+                <a:schemeClr val="accent3"/>
+              </a:buClr>
+              <a:buFont typeface="Calibri" pitchFamily="34" charset="0"/>
+              <a:buChar char="◦"/>
+              <a:defRPr sz="1800" kern="1200">
+                <a:solidFill>
+                  <a:schemeClr val="tx1">
+                    <a:lumMod val="75000"/>
+                    <a:lumOff val="25000"/>
+                  </a:schemeClr>
+                </a:solidFill>
+                <a:latin typeface="+mn-lt"/>
+                <a:ea typeface="+mn-ea"/>
+                <a:cs typeface="+mn-cs"/>
+              </a:defRPr>
+            </a:lvl2pPr>
+            <a:lvl3pPr marL="566928" indent="-182880" algn="l" defTabSz="914400" rtl="0" eaLnBrk="1" latinLnBrk="0" hangingPunct="1">
+              <a:lnSpc>
+                <a:spcPct val="90000"/>
+              </a:lnSpc>
+              <a:spcBef>
+                <a:spcPts val="200"/>
+              </a:spcBef>
+              <a:spcAft>
+                <a:spcPts val="400"/>
+              </a:spcAft>
+              <a:buClr>
+                <a:schemeClr val="accent3"/>
+              </a:buClr>
+              <a:buFont typeface="Calibri" pitchFamily="34" charset="0"/>
+              <a:buChar char="◦"/>
+              <a:defRPr sz="1400" kern="1200">
+                <a:solidFill>
+                  <a:schemeClr val="tx1">
+                    <a:lumMod val="75000"/>
+                    <a:lumOff val="25000"/>
+                  </a:schemeClr>
+                </a:solidFill>
+                <a:latin typeface="+mn-lt"/>
+                <a:ea typeface="+mn-ea"/>
+                <a:cs typeface="+mn-cs"/>
+              </a:defRPr>
+            </a:lvl3pPr>
+            <a:lvl4pPr marL="749808" indent="-182880" algn="l" defTabSz="914400" rtl="0" eaLnBrk="1" latinLnBrk="0" hangingPunct="1">
+              <a:lnSpc>
+                <a:spcPct val="90000"/>
+              </a:lnSpc>
+              <a:spcBef>
+                <a:spcPts val="200"/>
+              </a:spcBef>
+              <a:spcAft>
+                <a:spcPts val="400"/>
+              </a:spcAft>
+              <a:buClr>
+                <a:schemeClr val="accent3"/>
+              </a:buClr>
+              <a:buFont typeface="Calibri" pitchFamily="34" charset="0"/>
+              <a:buChar char="◦"/>
+              <a:defRPr sz="1400" kern="1200">
+                <a:solidFill>
+                  <a:schemeClr val="tx1">
+                    <a:lumMod val="75000"/>
+                    <a:lumOff val="25000"/>
+                  </a:schemeClr>
+                </a:solidFill>
+                <a:latin typeface="+mn-lt"/>
+                <a:ea typeface="+mn-ea"/>
+                <a:cs typeface="+mn-cs"/>
+              </a:defRPr>
+            </a:lvl4pPr>
+            <a:lvl5pPr marL="932688" indent="-182880" algn="l" defTabSz="914400" rtl="0" eaLnBrk="1" latinLnBrk="0" hangingPunct="1">
+              <a:lnSpc>
+                <a:spcPct val="90000"/>
+              </a:lnSpc>
+              <a:spcBef>
+                <a:spcPts val="200"/>
+              </a:spcBef>
+              <a:spcAft>
+                <a:spcPts val="400"/>
+              </a:spcAft>
+              <a:buClr>
+                <a:schemeClr val="accent3"/>
+              </a:buClr>
+              <a:buFont typeface="Calibri" pitchFamily="34" charset="0"/>
+              <a:buChar char="◦"/>
+              <a:defRPr sz="1400" kern="1200">
+                <a:solidFill>
+                  <a:schemeClr val="tx1">
+                    <a:lumMod val="75000"/>
+                    <a:lumOff val="25000"/>
+                  </a:schemeClr>
+                </a:solidFill>
+                <a:latin typeface="+mn-lt"/>
+                <a:ea typeface="+mn-ea"/>
+                <a:cs typeface="+mn-cs"/>
+              </a:defRPr>
+            </a:lvl5pPr>
+            <a:lvl6pPr marL="1100000" indent="-228600" algn="l" defTabSz="914400" rtl="0" eaLnBrk="1" latinLnBrk="0" hangingPunct="1">
+              <a:lnSpc>
+                <a:spcPct val="90000"/>
+              </a:lnSpc>
+              <a:spcBef>
+                <a:spcPts val="200"/>
+              </a:spcBef>
+              <a:spcAft>
+                <a:spcPts val="400"/>
+              </a:spcAft>
+              <a:buClr>
+                <a:schemeClr val="accent3"/>
+              </a:buClr>
+              <a:buFont typeface="Calibri" pitchFamily="34" charset="0"/>
+              <a:buChar char="◦"/>
+              <a:defRPr sz="1400" kern="1200">
+                <a:solidFill>
+                  <a:schemeClr val="tx1">
+                    <a:lumMod val="75000"/>
+                    <a:lumOff val="25000"/>
+                  </a:schemeClr>
+                </a:solidFill>
+                <a:latin typeface="+mn-lt"/>
+                <a:ea typeface="+mn-ea"/>
+                <a:cs typeface="+mn-cs"/>
+              </a:defRPr>
+            </a:lvl6pPr>
+            <a:lvl7pPr marL="1300000" indent="-228600" algn="l" defTabSz="914400" rtl="0" eaLnBrk="1" latinLnBrk="0" hangingPunct="1">
+              <a:lnSpc>
+                <a:spcPct val="90000"/>
+              </a:lnSpc>
+              <a:spcBef>
+                <a:spcPts val="200"/>
+              </a:spcBef>
+              <a:spcAft>
+                <a:spcPts val="400"/>
+              </a:spcAft>
+              <a:buClr>
+                <a:schemeClr val="accent3"/>
+              </a:buClr>
+              <a:buFont typeface="Calibri" pitchFamily="34" charset="0"/>
+              <a:buChar char="◦"/>
+              <a:defRPr sz="1400" kern="1200">
+                <a:solidFill>
+                  <a:schemeClr val="tx1">
+                    <a:lumMod val="75000"/>
+                    <a:lumOff val="25000"/>
+                  </a:schemeClr>
+                </a:solidFill>
+                <a:latin typeface="+mn-lt"/>
+                <a:ea typeface="+mn-ea"/>
+                <a:cs typeface="+mn-cs"/>
+              </a:defRPr>
+            </a:lvl7pPr>
+            <a:lvl8pPr marL="1500000" indent="-228600" algn="l" defTabSz="914400" rtl="0" eaLnBrk="1" latinLnBrk="0" hangingPunct="1">
+              <a:lnSpc>
+                <a:spcPct val="90000"/>
+              </a:lnSpc>
+              <a:spcBef>
+                <a:spcPts val="200"/>
+              </a:spcBef>
+              <a:spcAft>
+                <a:spcPts val="400"/>
+              </a:spcAft>
+              <a:buClr>
+                <a:schemeClr val="accent3"/>
+              </a:buClr>
+              <a:buFont typeface="Calibri" pitchFamily="34" charset="0"/>
+              <a:buChar char="◦"/>
+              <a:defRPr sz="1400" kern="1200">
+                <a:solidFill>
+                  <a:schemeClr val="tx1">
+                    <a:lumMod val="75000"/>
+                    <a:lumOff val="25000"/>
+                  </a:schemeClr>
+                </a:solidFill>
+                <a:latin typeface="+mn-lt"/>
+                <a:ea typeface="+mn-ea"/>
+                <a:cs typeface="+mn-cs"/>
+              </a:defRPr>
+            </a:lvl8pPr>
+            <a:lvl9pPr marL="1700000" indent="-228600" algn="l" defTabSz="914400" rtl="0" eaLnBrk="1" latinLnBrk="0" hangingPunct="1">
+              <a:lnSpc>
+                <a:spcPct val="90000"/>
+              </a:lnSpc>
+              <a:spcBef>
+                <a:spcPts val="200"/>
+              </a:spcBef>
+              <a:spcAft>
+                <a:spcPts val="400"/>
+              </a:spcAft>
+              <a:buClr>
+                <a:schemeClr val="accent3"/>
+              </a:buClr>
+              <a:buFont typeface="Calibri" pitchFamily="34" charset="0"/>
+              <a:buChar char="◦"/>
+              <a:defRPr sz="1400" kern="1200">
+                <a:solidFill>
+                  <a:schemeClr val="tx1">
+                    <a:lumMod val="75000"/>
+                    <a:lumOff val="25000"/>
+                  </a:schemeClr>
+                </a:solidFill>
+                <a:latin typeface="+mn-lt"/>
+                <a:ea typeface="+mn-ea"/>
+                <a:cs typeface="+mn-cs"/>
+              </a:defRPr>
+            </a:lvl9pPr>
+          </a:lstStyle>
+          <a:p>
+            <a:pPr marL="0" indent="0">
+              <a:buNone/>
+            </a:pPr>
+            <a:r>
+              <a:rPr lang="en-US" sz="3600" b="0" i="0" dirty="0">
+                <a:solidFill>
+                  <a:schemeClr val="tx1"/>
+                </a:solidFill>
+                <a:effectLst/>
+                <a:latin typeface="Verdana" panose="020B0604030504040204" pitchFamily="34" charset="0"/>
+              </a:rPr>
+              <a:t>Ideal for building RESTful services</a:t>
+            </a:r>
+          </a:p>
+          <a:p>
+            <a:pPr marL="0" indent="0">
+              <a:buNone/>
+            </a:pPr>
+            <a:r>
+              <a:rPr lang="en-US" sz="3600" dirty="0">
+                <a:solidFill>
+                  <a:schemeClr val="tx1"/>
+                </a:solidFill>
+                <a:latin typeface="Verdana" panose="020B0604030504040204" pitchFamily="34" charset="0"/>
+              </a:rPr>
+              <a:t>Supports HTTP</a:t>
+            </a:r>
+          </a:p>
+          <a:p>
+            <a:pPr marL="0" indent="0">
+              <a:buNone/>
+            </a:pPr>
+            <a:r>
+              <a:rPr lang="en-US" sz="3600" dirty="0">
+                <a:solidFill>
+                  <a:schemeClr val="tx1"/>
+                </a:solidFill>
+                <a:latin typeface="Verdana" panose="020B0604030504040204" pitchFamily="34" charset="0"/>
+              </a:rPr>
+              <a:t>Uses HTTP Requests and Responses</a:t>
+            </a:r>
+          </a:p>
+          <a:p>
+            <a:pPr marL="0" indent="0">
+              <a:buNone/>
+            </a:pPr>
+            <a:r>
+              <a:rPr lang="en-US" sz="3600" dirty="0">
+                <a:solidFill>
+                  <a:schemeClr val="tx1"/>
+                </a:solidFill>
+                <a:latin typeface="Verdana" panose="020B0604030504040204" pitchFamily="34" charset="0"/>
+              </a:rPr>
+              <a:t>Maps to HTTP verbs</a:t>
+            </a:r>
+          </a:p>
+          <a:p>
+            <a:pPr marL="0" indent="0">
+              <a:buNone/>
+            </a:pPr>
+            <a:endParaRPr lang="en-US" sz="4000" dirty="0">
+              <a:solidFill>
+                <a:schemeClr val="tx1"/>
+              </a:solidFill>
+            </a:endParaRPr>
+          </a:p>
+        </p:txBody>
+      </p:sp>
+    </p:spTree>
+    <p:extLst>
+      <p:ext uri="{BB962C8B-B14F-4D97-AF65-F5344CB8AC3E}">
+        <p14:creationId xmlns:p14="http://schemas.microsoft.com/office/powerpoint/2010/main" val="480433659"/>
+      </p:ext>
+    </p:extLst>
+  </p:cSld>
+  <p:clrMapOvr>
+    <a:masterClrMapping/>
+  </p:clrMapOvr>
+  <p:timing>
+    <p:tnLst>
+      <p:par>
+        <p:cTn id="1" dur="indefinite" restart="never" nodeType="tmRoot">
+          <p:childTnLst>
+            <p:seq concurrent="1" nextAc="seek">
+              <p:cTn id="2" dur="indefinite" nodeType="mainSeq">
+                <p:childTnLst>
+                  <p:par>
+                    <p:cTn id="3" fill="hold">
+                      <p:stCondLst>
+                        <p:cond delay="indefinite"/>
+                      </p:stCondLst>
+                      <p:childTnLst>
+                        <p:par>
+                          <p:cTn id="4" fill="hold">
+                            <p:stCondLst>
+                              <p:cond delay="0"/>
+                            </p:stCondLst>
+                            <p:childTnLst>
+                              <p:par>
+                                <p:cTn id="5" presetID="1" presetClass="entr" presetSubtype="0" fill="hold" nodeType="clickEffect">
+                                  <p:stCondLst>
+                                    <p:cond delay="0"/>
+                                  </p:stCondLst>
+                                  <p:childTnLst>
+                                    <p:set>
+                                      <p:cBhvr>
+                                        <p:cTn id="6" dur="1" fill="hold">
+                                          <p:stCondLst>
+                                            <p:cond delay="0"/>
+                                          </p:stCondLst>
+                                        </p:cTn>
+                                        <p:tgtEl>
+                                          <p:spTgt spid="29">
+                                            <p:txEl>
+                                              <p:pRg st="0" end="0"/>
+                                            </p:txEl>
+                                          </p:spTgt>
+                                        </p:tgtEl>
+                                        <p:attrNameLst>
+                                          <p:attrName>style.visibility</p:attrName>
+                                        </p:attrNameLst>
+                                      </p:cBhvr>
+                                      <p:to>
+                                        <p:strVal val="visible"/>
+                                      </p:to>
+                                    </p:set>
+                                  </p:childTnLst>
+                                </p:cTn>
+                              </p:par>
+                            </p:childTnLst>
+                          </p:cTn>
+                        </p:par>
+                      </p:childTnLst>
+                    </p:cTn>
+                  </p:par>
+                  <p:par>
+                    <p:cTn id="7" fill="hold">
+                      <p:stCondLst>
+                        <p:cond delay="indefinite"/>
+                      </p:stCondLst>
+                      <p:childTnLst>
+                        <p:par>
+                          <p:cTn id="8" fill="hold">
+                            <p:stCondLst>
+                              <p:cond delay="0"/>
+                            </p:stCondLst>
+                            <p:childTnLst>
+                              <p:par>
+                                <p:cTn id="9" presetID="1" presetClass="entr" presetSubtype="0" fill="hold" nodeType="clickEffect">
+                                  <p:stCondLst>
+                                    <p:cond delay="0"/>
+                                  </p:stCondLst>
+                                  <p:childTnLst>
+                                    <p:set>
+                                      <p:cBhvr>
+                                        <p:cTn id="10" dur="1" fill="hold">
+                                          <p:stCondLst>
+                                            <p:cond delay="0"/>
+                                          </p:stCondLst>
+                                        </p:cTn>
+                                        <p:tgtEl>
+                                          <p:spTgt spid="29">
+                                            <p:txEl>
+                                              <p:pRg st="1" end="1"/>
+                                            </p:txEl>
+                                          </p:spTgt>
+                                        </p:tgtEl>
+                                        <p:attrNameLst>
+                                          <p:attrName>style.visibility</p:attrName>
+                                        </p:attrNameLst>
+                                      </p:cBhvr>
+                                      <p:to>
+                                        <p:strVal val="visible"/>
+                                      </p:to>
+                                    </p:set>
+                                  </p:childTnLst>
+                                </p:cTn>
+                              </p:par>
+                            </p:childTnLst>
+                          </p:cTn>
+                        </p:par>
+                      </p:childTnLst>
+                    </p:cTn>
+                  </p:par>
+                  <p:par>
+                    <p:cTn id="11" fill="hold">
+                      <p:stCondLst>
+                        <p:cond delay="indefinite"/>
+                      </p:stCondLst>
+                      <p:childTnLst>
+                        <p:par>
+                          <p:cTn id="12" fill="hold">
+                            <p:stCondLst>
+                              <p:cond delay="0"/>
+                            </p:stCondLst>
+                            <p:childTnLst>
+                              <p:par>
+                                <p:cTn id="13" presetID="1" presetClass="entr" presetSubtype="0" fill="hold" nodeType="clickEffect">
+                                  <p:stCondLst>
+                                    <p:cond delay="0"/>
+                                  </p:stCondLst>
+                                  <p:childTnLst>
+                                    <p:set>
+                                      <p:cBhvr>
+                                        <p:cTn id="14" dur="1" fill="hold">
+                                          <p:stCondLst>
+                                            <p:cond delay="0"/>
+                                          </p:stCondLst>
+                                        </p:cTn>
+                                        <p:tgtEl>
+                                          <p:spTgt spid="29">
+                                            <p:txEl>
+                                              <p:pRg st="2" end="2"/>
+                                            </p:txEl>
+                                          </p:spTgt>
+                                        </p:tgtEl>
+                                        <p:attrNameLst>
+                                          <p:attrName>style.visibility</p:attrName>
+                                        </p:attrNameLst>
+                                      </p:cBhvr>
+                                      <p:to>
+                                        <p:strVal val="visible"/>
+                                      </p:to>
+                                    </p:set>
+                                  </p:childTnLst>
+                                </p:cTn>
+                              </p:par>
+                            </p:childTnLst>
+                          </p:cTn>
+                        </p:par>
+                      </p:childTnLst>
+                    </p:cTn>
+                  </p:par>
+                  <p:par>
+                    <p:cTn id="15" fill="hold">
+                      <p:stCondLst>
+                        <p:cond delay="indefinite"/>
+                      </p:stCondLst>
+                      <p:childTnLst>
+                        <p:par>
+                          <p:cTn id="16" fill="hold">
+                            <p:stCondLst>
+                              <p:cond delay="0"/>
+                            </p:stCondLst>
+                            <p:childTnLst>
+                              <p:par>
+                                <p:cTn id="17" presetID="1" presetClass="entr" presetSubtype="0" fill="hold" nodeType="clickEffect">
+                                  <p:stCondLst>
+                                    <p:cond delay="0"/>
+                                  </p:stCondLst>
+                                  <p:childTnLst>
+                                    <p:set>
+                                      <p:cBhvr>
+                                        <p:cTn id="18" dur="1" fill="hold">
+                                          <p:stCondLst>
+                                            <p:cond delay="0"/>
+                                          </p:stCondLst>
+                                        </p:cTn>
+                                        <p:tgtEl>
+                                          <p:spTgt spid="29">
+                                            <p:txEl>
+                                              <p:pRg st="3" end="3"/>
+                                            </p:txEl>
+                                          </p:spTgt>
+                                        </p:tgtEl>
+                                        <p:attrNameLst>
+                                          <p:attrName>style.visibility</p:attrName>
+                                        </p:attrNameLst>
+                                      </p:cBhvr>
+                                      <p:to>
+                                        <p:strVal val="visible"/>
+                                      </p:to>
+                                    </p:set>
+                                  </p:childTnLst>
+                                </p:cTn>
+                              </p:par>
+                            </p:childTnLst>
+                          </p:cTn>
+                        </p:par>
+                      </p:childTnLst>
+                    </p:cTn>
+                  </p:par>
+                </p:childTnLst>
+              </p:cTn>
+              <p:prevCondLst>
+                <p:cond evt="onPrev" delay="0">
+                  <p:tgtEl>
+                    <p:sldTgt/>
+                  </p:tgtEl>
+                </p:cond>
+              </p:prevCondLst>
+              <p:nextCondLst>
+                <p:cond evt="onNext" delay="0">
+                  <p:tgtEl>
+                    <p:sldTgt/>
+                  </p:tgtEl>
+                </p:cond>
+              </p:nextCondLst>
+            </p:seq>
+          </p:childTnLst>
+        </p:cTn>
+      </p:par>
+    </p:tnLst>
+  </p:timing>
+</p:sld>
+</file>
+
+<file path=ppt/slides/slide5.xml><?xml version="1.0" encoding="utf-8"?>
+<p:sld xmlns:a="http://schemas.openxmlformats.org/drawingml/2006/main" xmlns:r="http://schemas.openxmlformats.org/officeDocument/2006/relationships" xmlns:p="http://schemas.openxmlformats.org/presentationml/2006/main">
+  <p:cSld>
+    <p:bg>
+      <p:bgPr>
+        <a:solidFill>
+          <a:schemeClr val="bg1"/>
+        </a:solidFill>
+        <a:effectLst/>
+      </p:bgPr>
+    </p:bg>
+    <p:spTree>
+      <p:nvGrpSpPr>
+        <p:cNvPr id="1" name=""/>
+        <p:cNvGrpSpPr/>
+        <p:nvPr/>
+      </p:nvGrpSpPr>
+      <p:grpSpPr>
+        <a:xfrm>
+          <a:off x="0" y="0"/>
+          <a:ext cx="0" cy="0"/>
+          <a:chOff x="0" y="0"/>
+          <a:chExt cx="0" cy="0"/>
+        </a:xfrm>
+      </p:grpSpPr>
+      <p:sp useBgFill="1">
+        <p:nvSpPr>
+          <p:cNvPr id="20" name="Rectangle 19">
+            <a:extLst>
+              <a:ext uri="{FF2B5EF4-FFF2-40B4-BE49-F238E27FC236}">
+                <a16:creationId xmlns:a16="http://schemas.microsoft.com/office/drawing/2014/main" id="{739E93DA-BA0C-4FFD-8859-C0D19FF5C045}"/>
+              </a:ext>
+              <a:ext uri="{C183D7F6-B498-43B3-948B-1728B52AA6E4}">
+                <adec:decorative xmlns:adec="http://schemas.microsoft.com/office/drawing/2017/decorative" val="1"/>
+              </a:ext>
+            </a:extLst>
+          </p:cNvPr>
+          <p:cNvSpPr>
+            <a:spLocks noGrp="1" noRot="1" noChangeAspect="1" noMove="1" noResize="1" noEditPoints="1" noAdjustHandles="1" noChangeArrowheads="1" noChangeShapeType="1" noTextEdit="1"/>
+          </p:cNvSpPr>
+          <p:nvPr>
+            <p:extLst>
+              <p:ext uri="{386F3935-93C4-4BCD-93E2-E3B085C9AB24}">
+                <p16:designElem xmlns:p16="http://schemas.microsoft.com/office/powerpoint/2015/main" val="1"/>
+              </p:ext>
+            </p:extLst>
+          </p:nvPr>
+        </p:nvSpPr>
+        <p:spPr>
+          <a:xfrm>
+            <a:off x="0" y="0"/>
+            <a:ext cx="12191999" cy="6857365"/>
+          </a:xfrm>
+          <a:prstGeom prst="rect">
+            <a:avLst/>
+          </a:prstGeom>
+          <a:ln>
+            <a:noFill/>
+          </a:ln>
+        </p:spPr>
+        <p:style>
+          <a:lnRef idx="2">
+            <a:schemeClr val="accent1">
+              <a:shade val="50000"/>
+            </a:schemeClr>
+          </a:lnRef>
+          <a:fillRef idx="1">
+            <a:schemeClr val="accent1"/>
+          </a:fillRef>
+          <a:effectRef idx="0">
+            <a:schemeClr val="accent1"/>
+          </a:effectRef>
+          <a:fontRef idx="minor">
+            <a:schemeClr val="lt1"/>
+          </a:fontRef>
+        </p:style>
+        <p:txBody>
+          <a:bodyPr rtlCol="0" anchor="ctr"/>
+          <a:lstStyle/>
+          <a:p>
+            <a:pPr marL="0" marR="0" lvl="0" indent="0" algn="ctr" defTabSz="914400" rtl="0" eaLnBrk="1" fontAlgn="auto" latinLnBrk="0" hangingPunct="1">
+              <a:lnSpc>
+                <a:spcPct val="100000"/>
+              </a:lnSpc>
+              <a:spcBef>
+                <a:spcPts val="0"/>
+              </a:spcBef>
+              <a:spcAft>
+                <a:spcPts val="0"/>
+              </a:spcAft>
+              <a:buClrTx/>
+              <a:buSzTx/>
+              <a:buFontTx/>
+              <a:buNone/>
+              <a:tabLst/>
+              <a:defRPr/>
+            </a:pPr>
+            <a:endParaRPr kumimoji="0" lang="en-US" sz="1800" b="0" i="0" u="none" strike="noStrike" kern="1200" cap="none" spc="0" normalizeH="0" baseline="0" noProof="0">
+              <a:ln>
+                <a:noFill/>
+              </a:ln>
+              <a:solidFill>
+                <a:prstClr val="white"/>
+              </a:solidFill>
+              <a:effectLst/>
+              <a:uLnTx/>
+              <a:uFillTx/>
+              <a:latin typeface="Calibri" panose="020F0502020204030204"/>
+              <a:ea typeface="+mn-ea"/>
+              <a:cs typeface="+mn-cs"/>
+            </a:endParaRPr>
+          </a:p>
+        </p:txBody>
+      </p:sp>
+      <p:sp>
+        <p:nvSpPr>
+          <p:cNvPr id="2" name="Title 1">
+            <a:extLst>
+              <a:ext uri="{FF2B5EF4-FFF2-40B4-BE49-F238E27FC236}">
+                <a16:creationId xmlns:a16="http://schemas.microsoft.com/office/drawing/2014/main" id="{C317A7FC-7244-4835-9B1E-2200F484E2E2}"/>
+              </a:ext>
+            </a:extLst>
+          </p:cNvPr>
+          <p:cNvSpPr>
+            <a:spLocks noGrp="1"/>
+          </p:cNvSpPr>
+          <p:nvPr>
+            <p:ph type="title"/>
+          </p:nvPr>
+        </p:nvSpPr>
+        <p:spPr>
+          <a:xfrm>
+            <a:off x="7331384" y="679731"/>
+            <a:ext cx="4171994" cy="3736540"/>
+          </a:xfrm>
+        </p:spPr>
+        <p:txBody>
+          <a:bodyPr vert="horz" lIns="91440" tIns="45720" rIns="91440" bIns="45720" rtlCol="0" anchor="b">
+            <a:normAutofit/>
+          </a:bodyPr>
+          <a:lstStyle/>
+          <a:p>
+            <a:r>
+              <a:rPr lang="en-US" sz="6000" dirty="0"/>
+              <a:t>Where did Web APIs come from?</a:t>
+            </a:r>
+          </a:p>
+        </p:txBody>
+      </p:sp>
+      <p:grpSp>
+        <p:nvGrpSpPr>
+          <p:cNvPr id="22" name="Group 21">
+            <a:extLst>
+              <a:ext uri="{FF2B5EF4-FFF2-40B4-BE49-F238E27FC236}">
+                <a16:creationId xmlns:a16="http://schemas.microsoft.com/office/drawing/2014/main" id="{3AF6A671-C637-4547-85F4-51B6D1881399}"/>
+              </a:ext>
+              <a:ext uri="{C183D7F6-B498-43B3-948B-1728B52AA6E4}">
+                <adec:decorative xmlns:adec="http://schemas.microsoft.com/office/drawing/2017/decorative" val="1"/>
+              </a:ext>
+            </a:extLst>
+          </p:cNvPr>
+          <p:cNvGrpSpPr>
+            <a:grpSpLocks noGrp="1" noUngrp="1" noRot="1" noChangeAspect="1" noMove="1" noResize="1"/>
+          </p:cNvGrpSpPr>
+          <p:nvPr>
+            <p:extLst>
+              <p:ext uri="{386F3935-93C4-4BCD-93E2-E3B085C9AB24}">
+                <p16:designElem xmlns:p16="http://schemas.microsoft.com/office/powerpoint/2015/main" val="1"/>
+              </p:ext>
+            </p:extLst>
+          </p:nvPr>
+        </p:nvGrpSpPr>
+        <p:grpSpPr>
+          <a:xfrm>
+            <a:off x="329184" y="1"/>
+            <a:ext cx="2446384" cy="5777808"/>
+            <a:chOff x="329184" y="1"/>
+            <a:chExt cx="524256" cy="5777808"/>
+          </a:xfrm>
+        </p:grpSpPr>
+        <p:cxnSp>
+          <p:nvCxnSpPr>
+            <p:cNvPr id="23" name="Straight Connector 22">
+              <a:extLst>
+                <a:ext uri="{FF2B5EF4-FFF2-40B4-BE49-F238E27FC236}">
+                  <a16:creationId xmlns:a16="http://schemas.microsoft.com/office/drawing/2014/main" id="{C575CF26-3D3C-4C5A-A2B7-00432016EF62}"/>
+                </a:ext>
+                <a:ext uri="{C183D7F6-B498-43B3-948B-1728B52AA6E4}">
+                  <adec:decorative xmlns:adec="http://schemas.microsoft.com/office/drawing/2017/decorative" val="1"/>
+                </a:ext>
+              </a:extLst>
+            </p:cNvPr>
+            <p:cNvCxnSpPr>
+              <a:cxnSpLocks/>
+            </p:cNvCxnSpPr>
+            <p:nvPr>
+              <p:extLst>
+                <p:ext uri="{386F3935-93C4-4BCD-93E2-E3B085C9AB24}">
+                  <p16:designElem xmlns:p16="http://schemas.microsoft.com/office/powerpoint/2015/main" val="1"/>
+                </p:ext>
+              </p:extLst>
+            </p:nvPr>
+          </p:nvCxnSpPr>
+          <p:spPr>
+            <a:xfrm flipH="1">
+              <a:off x="329184" y="5777809"/>
+              <a:ext cx="521208" cy="0"/>
+            </a:xfrm>
+            <a:prstGeom prst="line">
+              <a:avLst/>
+            </a:prstGeom>
+            <a:ln w="152400">
+              <a:solidFill>
+                <a:schemeClr val="accent4"/>
+              </a:solidFill>
+            </a:ln>
+          </p:spPr>
+          <p:style>
+            <a:lnRef idx="1">
+              <a:schemeClr val="accent1"/>
+            </a:lnRef>
+            <a:fillRef idx="0">
+              <a:schemeClr val="accent1"/>
+            </a:fillRef>
+            <a:effectRef idx="0">
+              <a:schemeClr val="accent1"/>
+            </a:effectRef>
+            <a:fontRef idx="minor">
+              <a:schemeClr val="tx1"/>
+            </a:fontRef>
+          </p:style>
+        </p:cxnSp>
+        <p:sp>
+          <p:nvSpPr>
+            <p:cNvPr id="24" name="Rectangle 23">
+              <a:extLst>
+                <a:ext uri="{FF2B5EF4-FFF2-40B4-BE49-F238E27FC236}">
+                  <a16:creationId xmlns:a16="http://schemas.microsoft.com/office/drawing/2014/main" id="{99413ED5-9ED4-4772-BCE4-2BCAE6B12E35}"/>
+                </a:ext>
+                <a:ext uri="{C183D7F6-B498-43B3-948B-1728B52AA6E4}">
+                  <adec:decorative xmlns:adec="http://schemas.microsoft.com/office/drawing/2017/decorative" val="1"/>
+                </a:ext>
+              </a:extLst>
+            </p:cNvPr>
+            <p:cNvSpPr/>
+            <p:nvPr>
+              <p:extLst>
+                <p:ext uri="{386F3935-93C4-4BCD-93E2-E3B085C9AB24}">
+                  <p16:designElem xmlns:p16="http://schemas.microsoft.com/office/powerpoint/2015/main" val="1"/>
+                </p:ext>
+              </p:extLst>
+            </p:nvPr>
+          </p:nvSpPr>
+          <p:spPr>
+            <a:xfrm>
+              <a:off x="329184" y="1"/>
+              <a:ext cx="524256" cy="5532119"/>
+            </a:xfrm>
+            <a:prstGeom prst="rect">
+              <a:avLst/>
+            </a:prstGeom>
+            <a:solidFill>
+              <a:schemeClr val="accent4"/>
+            </a:solidFill>
+            <a:ln>
+              <a:noFill/>
+            </a:ln>
+          </p:spPr>
+          <p:style>
+            <a:lnRef idx="2">
+              <a:schemeClr val="accent1">
+                <a:shade val="50000"/>
+              </a:schemeClr>
+            </a:lnRef>
+            <a:fillRef idx="1">
+              <a:schemeClr val="accent1"/>
+            </a:fillRef>
+            <a:effectRef idx="0">
+              <a:schemeClr val="accent1"/>
+            </a:effectRef>
+            <a:fontRef idx="minor">
+              <a:schemeClr val="lt1"/>
+            </a:fontRef>
+          </p:style>
+          <p:txBody>
+            <a:bodyPr rtlCol="0" anchor="ctr"/>
+            <a:lstStyle/>
+            <a:p>
+              <a:pPr marL="0" marR="0" lvl="0" indent="0" algn="ctr" defTabSz="914400" rtl="0" eaLnBrk="1" fontAlgn="auto" latinLnBrk="0" hangingPunct="1">
+                <a:lnSpc>
+                  <a:spcPct val="100000"/>
+                </a:lnSpc>
+                <a:spcBef>
+                  <a:spcPts val="0"/>
+                </a:spcBef>
+                <a:spcAft>
+                  <a:spcPts val="0"/>
+                </a:spcAft>
+                <a:buClrTx/>
+                <a:buSzTx/>
+                <a:buFontTx/>
+                <a:buNone/>
+                <a:tabLst/>
+                <a:defRPr/>
+              </a:pPr>
+              <a:endParaRPr kumimoji="0" lang="en-US" sz="1800" b="0" i="0" u="none" strike="noStrike" kern="1200" cap="none" spc="0" normalizeH="0" baseline="0" noProof="0">
+                <a:ln>
+                  <a:noFill/>
+                </a:ln>
+                <a:solidFill>
+                  <a:prstClr val="white"/>
+                </a:solidFill>
+                <a:effectLst/>
+                <a:uLnTx/>
+                <a:uFillTx/>
+                <a:latin typeface="Calibri" panose="020F0502020204030204"/>
+                <a:ea typeface="+mn-ea"/>
+                <a:cs typeface="+mn-cs"/>
+              </a:endParaRPr>
+            </a:p>
+          </p:txBody>
+        </p:sp>
+      </p:grpSp>
+      <p:sp>
+        <p:nvSpPr>
+          <p:cNvPr id="26" name="Rectangle 25">
+            <a:extLst>
+              <a:ext uri="{FF2B5EF4-FFF2-40B4-BE49-F238E27FC236}">
+                <a16:creationId xmlns:a16="http://schemas.microsoft.com/office/drawing/2014/main" id="{04357C93-F0CB-4A1C-8F77-4E9063789819}"/>
+              </a:ext>
+              <a:ext uri="{C183D7F6-B498-43B3-948B-1728B52AA6E4}">
+                <adec:decorative xmlns:adec="http://schemas.microsoft.com/office/drawing/2017/decorative" val="1"/>
+              </a:ext>
+            </a:extLst>
+          </p:cNvPr>
+          <p:cNvSpPr>
+            <a:spLocks noGrp="1" noRot="1" noChangeAspect="1" noMove="1" noResize="1" noEditPoints="1" noAdjustHandles="1" noChangeArrowheads="1" noChangeShapeType="1" noTextEdit="1"/>
+          </p:cNvSpPr>
+          <p:nvPr>
+            <p:extLst>
+              <p:ext uri="{386F3935-93C4-4BCD-93E2-E3B085C9AB24}">
+                <p16:designElem xmlns:p16="http://schemas.microsoft.com/office/powerpoint/2015/main" val="1"/>
+              </p:ext>
+            </p:extLst>
+          </p:nvPr>
+        </p:nvSpPr>
+        <p:spPr>
+          <a:xfrm>
+            <a:off x="688623" y="269325"/>
+            <a:ext cx="6116779" cy="6206290"/>
+          </a:xfrm>
+          <a:prstGeom prst="rect">
+            <a:avLst/>
+          </a:prstGeom>
+          <a:solidFill>
+            <a:schemeClr val="bg1"/>
+          </a:solidFill>
+          <a:ln>
+            <a:noFill/>
+          </a:ln>
+          <a:effectLst>
+            <a:outerShdw blurRad="139700" dist="127000" dir="5400000" algn="t" rotWithShape="0">
+              <a:prstClr val="black">
+                <a:alpha val="15000"/>
+              </a:prstClr>
+            </a:outerShdw>
+          </a:effectLst>
+        </p:spPr>
+        <p:style>
+          <a:lnRef idx="2">
+            <a:schemeClr val="accent1">
+              <a:shade val="50000"/>
+            </a:schemeClr>
+          </a:lnRef>
+          <a:fillRef idx="1">
+            <a:schemeClr val="accent1"/>
+          </a:fillRef>
+          <a:effectRef idx="0">
+            <a:schemeClr val="accent1"/>
+          </a:effectRef>
+          <a:fontRef idx="minor">
+            <a:schemeClr val="lt1"/>
+          </a:fontRef>
+        </p:style>
+        <p:txBody>
+          <a:bodyPr rtlCol="0" anchor="ctr"/>
+          <a:lstStyle/>
+          <a:p>
+            <a:pPr marL="0" marR="0" lvl="0" indent="0" algn="ctr" defTabSz="914400" rtl="0" eaLnBrk="1" fontAlgn="auto" latinLnBrk="0" hangingPunct="1">
+              <a:lnSpc>
+                <a:spcPct val="100000"/>
+              </a:lnSpc>
+              <a:spcBef>
+                <a:spcPts val="0"/>
+              </a:spcBef>
+              <a:spcAft>
+                <a:spcPts val="0"/>
+              </a:spcAft>
+              <a:buClrTx/>
+              <a:buSzTx/>
+              <a:buFontTx/>
+              <a:buNone/>
+              <a:tabLst/>
+              <a:defRPr/>
+            </a:pPr>
+            <a:endParaRPr kumimoji="0" lang="en-US" sz="1800" b="0" i="0" u="none" strike="noStrike" kern="1200" cap="none" spc="0" normalizeH="0" baseline="0" noProof="0">
+              <a:ln>
+                <a:noFill/>
+              </a:ln>
+              <a:solidFill>
+                <a:prstClr val="white"/>
+              </a:solidFill>
+              <a:effectLst/>
+              <a:uLnTx/>
+              <a:uFillTx/>
+              <a:latin typeface="Calibri" panose="020F0502020204030204"/>
+              <a:ea typeface="+mn-ea"/>
+              <a:cs typeface="+mn-cs"/>
+            </a:endParaRPr>
+          </a:p>
+        </p:txBody>
+      </p:sp>
+      <p:pic>
+        <p:nvPicPr>
+          <p:cNvPr id="8" name="Picture Placeholder 6">
+            <a:extLst>
+              <a:ext uri="{FF2B5EF4-FFF2-40B4-BE49-F238E27FC236}">
+                <a16:creationId xmlns:a16="http://schemas.microsoft.com/office/drawing/2014/main" id="{618E365B-198B-49A6-B83F-1D55056198B4}"/>
+              </a:ext>
+            </a:extLst>
+          </p:cNvPr>
+          <p:cNvPicPr>
+            <a:picLocks noChangeAspect="1"/>
+          </p:cNvPicPr>
+          <p:nvPr/>
+        </p:nvPicPr>
+        <p:blipFill rotWithShape="1">
+          <a:blip r:embed="rId2">
+            <a:extLst>
+              <a:ext uri="{28A0092B-C50C-407E-A947-70E740481C1C}">
+                <a14:useLocalDpi xmlns:a14="http://schemas.microsoft.com/office/drawing/2010/main" val="0"/>
+              </a:ext>
+            </a:extLst>
+          </a:blip>
+          <a:srcRect r="425" b="1"/>
+          <a:stretch/>
+        </p:blipFill>
+        <p:spPr>
+          <a:xfrm>
+            <a:off x="942597" y="556118"/>
+            <a:ext cx="5608830" cy="5632704"/>
+          </a:xfrm>
+          <a:prstGeom prst="rect">
+            <a:avLst/>
+          </a:prstGeom>
+          <a:solidFill>
+            <a:schemeClr val="bg1">
+              <a:lumMod val="50000"/>
+            </a:schemeClr>
+          </a:solidFill>
+        </p:spPr>
+      </p:pic>
+    </p:spTree>
+    <p:extLst>
+      <p:ext uri="{BB962C8B-B14F-4D97-AF65-F5344CB8AC3E}">
+        <p14:creationId xmlns:p14="http://schemas.microsoft.com/office/powerpoint/2010/main" val="1195240765"/>
+      </p:ext>
+    </p:extLst>
+  </p:cSld>
+  <p:clrMapOvr>
+    <a:masterClrMapping/>
+  </p:clrMapOvr>
+</p:sld>
+</file>
+
+<file path=ppt/slides/slide6.xml><?xml version="1.0" encoding="utf-8"?>
+<p:sld xmlns:a="http://schemas.openxmlformats.org/drawingml/2006/main" xmlns:r="http://schemas.openxmlformats.org/officeDocument/2006/relationships" xmlns:p="http://schemas.openxmlformats.org/presentationml/2006/main">
+  <p:cSld>
+    <p:spTree>
+      <p:nvGrpSpPr>
+        <p:cNvPr id="1" name=""/>
+        <p:cNvGrpSpPr/>
+        <p:nvPr/>
+      </p:nvGrpSpPr>
+      <p:grpSpPr>
+        <a:xfrm>
+          <a:off x="0" y="0"/>
+          <a:ext cx="0" cy="0"/>
+          <a:chOff x="0" y="0"/>
+          <a:chExt cx="0" cy="0"/>
+        </a:xfrm>
+      </p:grpSpPr>
+      <p:sp>
+        <p:nvSpPr>
+          <p:cNvPr id="2" name="Title 1">
+            <a:extLst>
+              <a:ext uri="{FF2B5EF4-FFF2-40B4-BE49-F238E27FC236}">
+                <a16:creationId xmlns:a16="http://schemas.microsoft.com/office/drawing/2014/main" id="{759EC985-7393-418A-81BA-74750BBC1995}"/>
+              </a:ext>
+            </a:extLst>
+          </p:cNvPr>
+          <p:cNvSpPr>
+            <a:spLocks noGrp="1"/>
+          </p:cNvSpPr>
+          <p:nvPr>
+            <p:ph type="title"/>
+          </p:nvPr>
+        </p:nvSpPr>
+        <p:spPr/>
+        <p:txBody>
+          <a:bodyPr/>
+          <a:lstStyle/>
+          <a:p>
+            <a:r>
+              <a:rPr lang="en-US" dirty="0"/>
+              <a:t>Types of Web Services</a:t>
+            </a:r>
+          </a:p>
+        </p:txBody>
+      </p:sp>
+      <p:sp>
+        <p:nvSpPr>
+          <p:cNvPr id="4" name="Freeform 110">
+            <a:extLst>
+              <a:ext uri="{FF2B5EF4-FFF2-40B4-BE49-F238E27FC236}">
+                <a16:creationId xmlns:a16="http://schemas.microsoft.com/office/drawing/2014/main" id="{A476E029-2667-43AD-AF33-3700567583BA}"/>
+              </a:ext>
+            </a:extLst>
+          </p:cNvPr>
+          <p:cNvSpPr/>
+          <p:nvPr/>
+        </p:nvSpPr>
+        <p:spPr>
+          <a:xfrm rot="16200000">
+            <a:off x="4512183" y="3480495"/>
+            <a:ext cx="1877796" cy="1295400"/>
+          </a:xfrm>
+          <a:custGeom>
+            <a:avLst/>
+            <a:gdLst>
+              <a:gd name="connsiteX0" fmla="*/ 1877796 w 1877796"/>
+              <a:gd name="connsiteY0" fmla="*/ 647700 h 1295400"/>
+              <a:gd name="connsiteX1" fmla="*/ 1638563 w 1877796"/>
+              <a:gd name="connsiteY1" fmla="*/ 886933 h 1295400"/>
+              <a:gd name="connsiteX2" fmla="*/ 1469400 w 1877796"/>
+              <a:gd name="connsiteY2" fmla="*/ 816863 h 1295400"/>
+              <a:gd name="connsiteX3" fmla="*/ 1459292 w 1877796"/>
+              <a:gd name="connsiteY3" fmla="*/ 801871 h 1295400"/>
+              <a:gd name="connsiteX4" fmla="*/ 1295400 w 1877796"/>
+              <a:gd name="connsiteY4" fmla="*/ 801871 h 1295400"/>
+              <a:gd name="connsiteX5" fmla="*/ 1295400 w 1877796"/>
+              <a:gd name="connsiteY5" fmla="*/ 1295400 h 1295400"/>
+              <a:gd name="connsiteX6" fmla="*/ 804790 w 1877796"/>
+              <a:gd name="connsiteY6" fmla="*/ 1295400 h 1295400"/>
+              <a:gd name="connsiteX7" fmla="*/ 804790 w 1877796"/>
+              <a:gd name="connsiteY7" fmla="*/ 1131507 h 1295400"/>
+              <a:gd name="connsiteX8" fmla="*/ 819780 w 1877796"/>
+              <a:gd name="connsiteY8" fmla="*/ 1121400 h 1295400"/>
+              <a:gd name="connsiteX9" fmla="*/ 889850 w 1877796"/>
+              <a:gd name="connsiteY9" fmla="*/ 952237 h 1295400"/>
+              <a:gd name="connsiteX10" fmla="*/ 650617 w 1877796"/>
+              <a:gd name="connsiteY10" fmla="*/ 713004 h 1295400"/>
+              <a:gd name="connsiteX11" fmla="*/ 411384 w 1877796"/>
+              <a:gd name="connsiteY11" fmla="*/ 952237 h 1295400"/>
+              <a:gd name="connsiteX12" fmla="*/ 481454 w 1877796"/>
+              <a:gd name="connsiteY12" fmla="*/ 1121400 h 1295400"/>
+              <a:gd name="connsiteX13" fmla="*/ 496446 w 1877796"/>
+              <a:gd name="connsiteY13" fmla="*/ 1131508 h 1295400"/>
+              <a:gd name="connsiteX14" fmla="*/ 496446 w 1877796"/>
+              <a:gd name="connsiteY14" fmla="*/ 1295400 h 1295400"/>
+              <a:gd name="connsiteX15" fmla="*/ 0 w 1877796"/>
+              <a:gd name="connsiteY15" fmla="*/ 1295400 h 1295400"/>
+              <a:gd name="connsiteX16" fmla="*/ 0 w 1877796"/>
+              <a:gd name="connsiteY16" fmla="*/ 0 h 1295400"/>
+              <a:gd name="connsiteX17" fmla="*/ 1295400 w 1877796"/>
+              <a:gd name="connsiteY17" fmla="*/ 0 h 1295400"/>
+              <a:gd name="connsiteX18" fmla="*/ 1295400 w 1877796"/>
+              <a:gd name="connsiteY18" fmla="*/ 493527 h 1295400"/>
+              <a:gd name="connsiteX19" fmla="*/ 1459293 w 1877796"/>
+              <a:gd name="connsiteY19" fmla="*/ 493527 h 1295400"/>
+              <a:gd name="connsiteX20" fmla="*/ 1469400 w 1877796"/>
+              <a:gd name="connsiteY20" fmla="*/ 478537 h 1295400"/>
+              <a:gd name="connsiteX21" fmla="*/ 1638563 w 1877796"/>
+              <a:gd name="connsiteY21" fmla="*/ 408467 h 1295400"/>
+              <a:gd name="connsiteX22" fmla="*/ 1877796 w 1877796"/>
+              <a:gd name="connsiteY22" fmla="*/ 647700 h 1295400"/>
+            </a:gdLst>
+            <a:ahLst/>
+            <a:cxnLst>
+              <a:cxn ang="0">
+                <a:pos x="connsiteX0" y="connsiteY0"/>
+              </a:cxn>
+              <a:cxn ang="0">
+                <a:pos x="connsiteX1" y="connsiteY1"/>
+              </a:cxn>
+              <a:cxn ang="0">
+                <a:pos x="connsiteX2" y="connsiteY2"/>
+              </a:cxn>
+              <a:cxn ang="0">
+                <a:pos x="connsiteX3" y="connsiteY3"/>
+              </a:cxn>
+              <a:cxn ang="0">
+                <a:pos x="connsiteX4" y="connsiteY4"/>
+              </a:cxn>
+              <a:cxn ang="0">
+                <a:pos x="connsiteX5" y="connsiteY5"/>
+              </a:cxn>
+              <a:cxn ang="0">
+                <a:pos x="connsiteX6" y="connsiteY6"/>
+              </a:cxn>
+              <a:cxn ang="0">
+                <a:pos x="connsiteX7" y="connsiteY7"/>
+              </a:cxn>
+              <a:cxn ang="0">
+                <a:pos x="connsiteX8" y="connsiteY8"/>
+              </a:cxn>
+              <a:cxn ang="0">
+                <a:pos x="connsiteX9" y="connsiteY9"/>
+              </a:cxn>
+              <a:cxn ang="0">
+                <a:pos x="connsiteX10" y="connsiteY10"/>
+              </a:cxn>
+              <a:cxn ang="0">
+                <a:pos x="connsiteX11" y="connsiteY11"/>
+              </a:cxn>
+              <a:cxn ang="0">
+                <a:pos x="connsiteX12" y="connsiteY12"/>
+              </a:cxn>
+              <a:cxn ang="0">
+                <a:pos x="connsiteX13" y="connsiteY13"/>
+              </a:cxn>
+              <a:cxn ang="0">
+                <a:pos x="connsiteX14" y="connsiteY14"/>
+              </a:cxn>
+              <a:cxn ang="0">
+                <a:pos x="connsiteX15" y="connsiteY15"/>
+              </a:cxn>
+              <a:cxn ang="0">
+                <a:pos x="connsiteX16" y="connsiteY16"/>
+              </a:cxn>
+              <a:cxn ang="0">
+                <a:pos x="connsiteX17" y="connsiteY17"/>
+              </a:cxn>
+              <a:cxn ang="0">
+                <a:pos x="connsiteX18" y="connsiteY18"/>
+              </a:cxn>
+              <a:cxn ang="0">
+                <a:pos x="connsiteX19" y="connsiteY19"/>
+              </a:cxn>
+              <a:cxn ang="0">
+                <a:pos x="connsiteX20" y="connsiteY20"/>
+              </a:cxn>
+              <a:cxn ang="0">
+                <a:pos x="connsiteX21" y="connsiteY21"/>
+              </a:cxn>
+              <a:cxn ang="0">
+                <a:pos x="connsiteX22" y="connsiteY22"/>
+              </a:cxn>
+            </a:cxnLst>
+            <a:rect l="l" t="t" r="r" b="b"/>
+            <a:pathLst>
+              <a:path w="1877796" h="1295400">
+                <a:moveTo>
+                  <a:pt x="1877796" y="647700"/>
+                </a:moveTo>
+                <a:cubicBezTo>
+                  <a:pt x="1877796" y="779825"/>
+                  <a:pt x="1770688" y="886933"/>
+                  <a:pt x="1638563" y="886933"/>
+                </a:cubicBezTo>
+                <a:cubicBezTo>
+                  <a:pt x="1572501" y="886933"/>
+                  <a:pt x="1512693" y="860156"/>
+                  <a:pt x="1469400" y="816863"/>
+                </a:cubicBezTo>
+                <a:lnTo>
+                  <a:pt x="1459292" y="801871"/>
+                </a:lnTo>
+                <a:lnTo>
+                  <a:pt x="1295400" y="801871"/>
+                </a:lnTo>
+                <a:lnTo>
+                  <a:pt x="1295400" y="1295400"/>
+                </a:lnTo>
+                <a:lnTo>
+                  <a:pt x="804790" y="1295400"/>
+                </a:lnTo>
+                <a:lnTo>
+                  <a:pt x="804790" y="1131507"/>
+                </a:lnTo>
+                <a:lnTo>
+                  <a:pt x="819780" y="1121400"/>
+                </a:lnTo>
+                <a:cubicBezTo>
+                  <a:pt x="863073" y="1078107"/>
+                  <a:pt x="889850" y="1018299"/>
+                  <a:pt x="889850" y="952237"/>
+                </a:cubicBezTo>
+                <a:cubicBezTo>
+                  <a:pt x="889850" y="820112"/>
+                  <a:pt x="782742" y="713004"/>
+                  <a:pt x="650617" y="713004"/>
+                </a:cubicBezTo>
+                <a:cubicBezTo>
+                  <a:pt x="518492" y="713004"/>
+                  <a:pt x="411384" y="820112"/>
+                  <a:pt x="411384" y="952237"/>
+                </a:cubicBezTo>
+                <a:cubicBezTo>
+                  <a:pt x="411384" y="1018299"/>
+                  <a:pt x="438161" y="1078107"/>
+                  <a:pt x="481454" y="1121400"/>
+                </a:cubicBezTo>
+                <a:lnTo>
+                  <a:pt x="496446" y="1131508"/>
+                </a:lnTo>
+                <a:lnTo>
+                  <a:pt x="496446" y="1295400"/>
+                </a:lnTo>
+                <a:lnTo>
+                  <a:pt x="0" y="1295400"/>
+                </a:lnTo>
+                <a:lnTo>
+                  <a:pt x="0" y="0"/>
+                </a:lnTo>
+                <a:lnTo>
+                  <a:pt x="1295400" y="0"/>
+                </a:lnTo>
+                <a:lnTo>
+                  <a:pt x="1295400" y="493527"/>
+                </a:lnTo>
+                <a:lnTo>
+                  <a:pt x="1459293" y="493527"/>
+                </a:lnTo>
+                <a:lnTo>
+                  <a:pt x="1469400" y="478537"/>
+                </a:lnTo>
+                <a:cubicBezTo>
+                  <a:pt x="1512693" y="435244"/>
+                  <a:pt x="1572501" y="408467"/>
+                  <a:pt x="1638563" y="408467"/>
+                </a:cubicBezTo>
+                <a:cubicBezTo>
+                  <a:pt x="1770688" y="408467"/>
+                  <a:pt x="1877796" y="515575"/>
+                  <a:pt x="1877796" y="647700"/>
+                </a:cubicBezTo>
+                <a:close/>
+              </a:path>
+            </a:pathLst>
+          </a:custGeom>
+          <a:solidFill>
+            <a:schemeClr val="accent6"/>
+          </a:solidFill>
+          <a:ln>
+            <a:noFill/>
+          </a:ln>
+          <a:effectLst>
+            <a:outerShdw blurRad="50800" dist="38100" dir="18900000" algn="bl" rotWithShape="0">
+              <a:prstClr val="black">
+                <a:alpha val="40000"/>
+              </a:prstClr>
+            </a:outerShdw>
+          </a:effectLst>
+        </p:spPr>
+        <p:style>
+          <a:lnRef idx="2">
+            <a:schemeClr val="accent1">
+              <a:shade val="50000"/>
+            </a:schemeClr>
+          </a:lnRef>
+          <a:fillRef idx="1">
+            <a:schemeClr val="accent1"/>
+          </a:fillRef>
+          <a:effectRef idx="0">
+            <a:schemeClr val="accent1"/>
+          </a:effectRef>
+          <a:fontRef idx="minor">
+            <a:schemeClr val="lt1"/>
+          </a:fontRef>
+        </p:style>
+        <p:txBody>
+          <a:bodyPr rtlCol="0" anchor="ctr"/>
+          <a:lstStyle/>
+          <a:p>
+            <a:pPr marL="0" marR="0" lvl="0" indent="0" algn="ctr" defTabSz="914400" rtl="0" eaLnBrk="1" fontAlgn="auto" latinLnBrk="0" hangingPunct="1">
+              <a:lnSpc>
+                <a:spcPct val="100000"/>
+              </a:lnSpc>
+              <a:spcBef>
+                <a:spcPts val="0"/>
+              </a:spcBef>
+              <a:spcAft>
+                <a:spcPts val="0"/>
+              </a:spcAft>
+              <a:buClrTx/>
+              <a:buSzTx/>
+              <a:buFontTx/>
+              <a:buNone/>
+              <a:tabLst/>
+              <a:defRPr/>
+            </a:pPr>
+            <a:endParaRPr kumimoji="0" lang="en-US" sz="1800" b="0" i="0" u="none" strike="noStrike" kern="1200" cap="none" spc="0" normalizeH="0" baseline="0" noProof="0">
+              <a:ln>
+                <a:noFill/>
+              </a:ln>
+              <a:solidFill>
+                <a:prstClr val="white"/>
+              </a:solidFill>
+              <a:effectLst/>
+              <a:uLnTx/>
+              <a:uFillTx/>
+              <a:latin typeface="Calibri" panose="020F0502020204030204"/>
+              <a:ea typeface="+mn-ea"/>
+              <a:cs typeface="+mn-cs"/>
+            </a:endParaRPr>
+          </a:p>
+        </p:txBody>
+      </p:sp>
+      <p:sp>
+        <p:nvSpPr>
+          <p:cNvPr id="5" name="Freeform 111">
+            <a:extLst>
+              <a:ext uri="{FF2B5EF4-FFF2-40B4-BE49-F238E27FC236}">
+                <a16:creationId xmlns:a16="http://schemas.microsoft.com/office/drawing/2014/main" id="{C92A0854-5D44-452B-BFE4-47B38D861AA9}"/>
+              </a:ext>
+            </a:extLst>
+          </p:cNvPr>
+          <p:cNvSpPr/>
+          <p:nvPr/>
+        </p:nvSpPr>
+        <p:spPr>
+          <a:xfrm rot="10800000">
+            <a:off x="5515954" y="3767359"/>
+            <a:ext cx="1877796" cy="1295400"/>
+          </a:xfrm>
+          <a:custGeom>
+            <a:avLst/>
+            <a:gdLst>
+              <a:gd name="connsiteX0" fmla="*/ 1877796 w 1877796"/>
+              <a:gd name="connsiteY0" fmla="*/ 647700 h 1295400"/>
+              <a:gd name="connsiteX1" fmla="*/ 1638563 w 1877796"/>
+              <a:gd name="connsiteY1" fmla="*/ 886933 h 1295400"/>
+              <a:gd name="connsiteX2" fmla="*/ 1469400 w 1877796"/>
+              <a:gd name="connsiteY2" fmla="*/ 816863 h 1295400"/>
+              <a:gd name="connsiteX3" fmla="*/ 1459292 w 1877796"/>
+              <a:gd name="connsiteY3" fmla="*/ 801871 h 1295400"/>
+              <a:gd name="connsiteX4" fmla="*/ 1295400 w 1877796"/>
+              <a:gd name="connsiteY4" fmla="*/ 801871 h 1295400"/>
+              <a:gd name="connsiteX5" fmla="*/ 1295400 w 1877796"/>
+              <a:gd name="connsiteY5" fmla="*/ 1295400 h 1295400"/>
+              <a:gd name="connsiteX6" fmla="*/ 804790 w 1877796"/>
+              <a:gd name="connsiteY6" fmla="*/ 1295400 h 1295400"/>
+              <a:gd name="connsiteX7" fmla="*/ 804790 w 1877796"/>
+              <a:gd name="connsiteY7" fmla="*/ 1131507 h 1295400"/>
+              <a:gd name="connsiteX8" fmla="*/ 819780 w 1877796"/>
+              <a:gd name="connsiteY8" fmla="*/ 1121400 h 1295400"/>
+              <a:gd name="connsiteX9" fmla="*/ 889850 w 1877796"/>
+              <a:gd name="connsiteY9" fmla="*/ 952237 h 1295400"/>
+              <a:gd name="connsiteX10" fmla="*/ 650617 w 1877796"/>
+              <a:gd name="connsiteY10" fmla="*/ 713004 h 1295400"/>
+              <a:gd name="connsiteX11" fmla="*/ 411384 w 1877796"/>
+              <a:gd name="connsiteY11" fmla="*/ 952237 h 1295400"/>
+              <a:gd name="connsiteX12" fmla="*/ 481454 w 1877796"/>
+              <a:gd name="connsiteY12" fmla="*/ 1121400 h 1295400"/>
+              <a:gd name="connsiteX13" fmla="*/ 496446 w 1877796"/>
+              <a:gd name="connsiteY13" fmla="*/ 1131508 h 1295400"/>
+              <a:gd name="connsiteX14" fmla="*/ 496446 w 1877796"/>
+              <a:gd name="connsiteY14" fmla="*/ 1295400 h 1295400"/>
+              <a:gd name="connsiteX15" fmla="*/ 0 w 1877796"/>
+              <a:gd name="connsiteY15" fmla="*/ 1295400 h 1295400"/>
+              <a:gd name="connsiteX16" fmla="*/ 0 w 1877796"/>
+              <a:gd name="connsiteY16" fmla="*/ 0 h 1295400"/>
+              <a:gd name="connsiteX17" fmla="*/ 1295400 w 1877796"/>
+              <a:gd name="connsiteY17" fmla="*/ 0 h 1295400"/>
+              <a:gd name="connsiteX18" fmla="*/ 1295400 w 1877796"/>
+              <a:gd name="connsiteY18" fmla="*/ 493527 h 1295400"/>
+              <a:gd name="connsiteX19" fmla="*/ 1459293 w 1877796"/>
+              <a:gd name="connsiteY19" fmla="*/ 493527 h 1295400"/>
+              <a:gd name="connsiteX20" fmla="*/ 1469400 w 1877796"/>
+              <a:gd name="connsiteY20" fmla="*/ 478537 h 1295400"/>
+              <a:gd name="connsiteX21" fmla="*/ 1638563 w 1877796"/>
+              <a:gd name="connsiteY21" fmla="*/ 408467 h 1295400"/>
+              <a:gd name="connsiteX22" fmla="*/ 1877796 w 1877796"/>
+              <a:gd name="connsiteY22" fmla="*/ 647700 h 1295400"/>
+            </a:gdLst>
+            <a:ahLst/>
+            <a:cxnLst>
+              <a:cxn ang="0">
+                <a:pos x="connsiteX0" y="connsiteY0"/>
+              </a:cxn>
+              <a:cxn ang="0">
+                <a:pos x="connsiteX1" y="connsiteY1"/>
+              </a:cxn>
+              <a:cxn ang="0">
+                <a:pos x="connsiteX2" y="connsiteY2"/>
+              </a:cxn>
+              <a:cxn ang="0">
+                <a:pos x="connsiteX3" y="connsiteY3"/>
+              </a:cxn>
+              <a:cxn ang="0">
+                <a:pos x="connsiteX4" y="connsiteY4"/>
+              </a:cxn>
+              <a:cxn ang="0">
+                <a:pos x="connsiteX5" y="connsiteY5"/>
+              </a:cxn>
+              <a:cxn ang="0">
+                <a:pos x="connsiteX6" y="connsiteY6"/>
+              </a:cxn>
+              <a:cxn ang="0">
+                <a:pos x="connsiteX7" y="connsiteY7"/>
+              </a:cxn>
+              <a:cxn ang="0">
+                <a:pos x="connsiteX8" y="connsiteY8"/>
+              </a:cxn>
+              <a:cxn ang="0">
+                <a:pos x="connsiteX9" y="connsiteY9"/>
+              </a:cxn>
+              <a:cxn ang="0">
+                <a:pos x="connsiteX10" y="connsiteY10"/>
+              </a:cxn>
+              <a:cxn ang="0">
+                <a:pos x="connsiteX11" y="connsiteY11"/>
+              </a:cxn>
+              <a:cxn ang="0">
+                <a:pos x="connsiteX12" y="connsiteY12"/>
+              </a:cxn>
+              <a:cxn ang="0">
+                <a:pos x="connsiteX13" y="connsiteY13"/>
+              </a:cxn>
+              <a:cxn ang="0">
+                <a:pos x="connsiteX14" y="connsiteY14"/>
+              </a:cxn>
+              <a:cxn ang="0">
+                <a:pos x="connsiteX15" y="connsiteY15"/>
+              </a:cxn>
+              <a:cxn ang="0">
+                <a:pos x="connsiteX16" y="connsiteY16"/>
+              </a:cxn>
+              <a:cxn ang="0">
+                <a:pos x="connsiteX17" y="connsiteY17"/>
+              </a:cxn>
+              <a:cxn ang="0">
+                <a:pos x="connsiteX18" y="connsiteY18"/>
+              </a:cxn>
+              <a:cxn ang="0">
+                <a:pos x="connsiteX19" y="connsiteY19"/>
+              </a:cxn>
+              <a:cxn ang="0">
+                <a:pos x="connsiteX20" y="connsiteY20"/>
+              </a:cxn>
+              <a:cxn ang="0">
+                <a:pos x="connsiteX21" y="connsiteY21"/>
+              </a:cxn>
+              <a:cxn ang="0">
+                <a:pos x="connsiteX22" y="connsiteY22"/>
+              </a:cxn>
+            </a:cxnLst>
+            <a:rect l="l" t="t" r="r" b="b"/>
+            <a:pathLst>
+              <a:path w="1877796" h="1295400">
+                <a:moveTo>
+                  <a:pt x="1877796" y="647700"/>
+                </a:moveTo>
+                <a:cubicBezTo>
+                  <a:pt x="1877796" y="779825"/>
+                  <a:pt x="1770688" y="886933"/>
+                  <a:pt x="1638563" y="886933"/>
+                </a:cubicBezTo>
+                <a:cubicBezTo>
+                  <a:pt x="1572501" y="886933"/>
+                  <a:pt x="1512693" y="860156"/>
+                  <a:pt x="1469400" y="816863"/>
+                </a:cubicBezTo>
+                <a:lnTo>
+                  <a:pt x="1459292" y="801871"/>
+                </a:lnTo>
+                <a:lnTo>
+                  <a:pt x="1295400" y="801871"/>
+                </a:lnTo>
+                <a:lnTo>
+                  <a:pt x="1295400" y="1295400"/>
+                </a:lnTo>
+                <a:lnTo>
+                  <a:pt x="804790" y="1295400"/>
+                </a:lnTo>
+                <a:lnTo>
+                  <a:pt x="804790" y="1131507"/>
+                </a:lnTo>
+                <a:lnTo>
+                  <a:pt x="819780" y="1121400"/>
+                </a:lnTo>
+                <a:cubicBezTo>
+                  <a:pt x="863073" y="1078107"/>
+                  <a:pt x="889850" y="1018299"/>
+                  <a:pt x="889850" y="952237"/>
+                </a:cubicBezTo>
+                <a:cubicBezTo>
+                  <a:pt x="889850" y="820112"/>
+                  <a:pt x="782742" y="713004"/>
+                  <a:pt x="650617" y="713004"/>
+                </a:cubicBezTo>
+                <a:cubicBezTo>
+                  <a:pt x="518492" y="713004"/>
+                  <a:pt x="411384" y="820112"/>
+                  <a:pt x="411384" y="952237"/>
+                </a:cubicBezTo>
+                <a:cubicBezTo>
+                  <a:pt x="411384" y="1018299"/>
+                  <a:pt x="438161" y="1078107"/>
+                  <a:pt x="481454" y="1121400"/>
+                </a:cubicBezTo>
+                <a:lnTo>
+                  <a:pt x="496446" y="1131508"/>
+                </a:lnTo>
+                <a:lnTo>
+                  <a:pt x="496446" y="1295400"/>
+                </a:lnTo>
+                <a:lnTo>
+                  <a:pt x="0" y="1295400"/>
+                </a:lnTo>
+                <a:lnTo>
+                  <a:pt x="0" y="0"/>
+                </a:lnTo>
+                <a:lnTo>
+                  <a:pt x="1295400" y="0"/>
+                </a:lnTo>
+                <a:lnTo>
+                  <a:pt x="1295400" y="493527"/>
+                </a:lnTo>
+                <a:lnTo>
+                  <a:pt x="1459293" y="493527"/>
+                </a:lnTo>
+                <a:lnTo>
+                  <a:pt x="1469400" y="478537"/>
+                </a:lnTo>
+                <a:cubicBezTo>
+                  <a:pt x="1512693" y="435244"/>
+                  <a:pt x="1572501" y="408467"/>
+                  <a:pt x="1638563" y="408467"/>
+                </a:cubicBezTo>
+                <a:cubicBezTo>
+                  <a:pt x="1770688" y="408467"/>
+                  <a:pt x="1877796" y="515575"/>
+                  <a:pt x="1877796" y="647700"/>
+                </a:cubicBezTo>
+                <a:close/>
+              </a:path>
+            </a:pathLst>
+          </a:custGeom>
+          <a:solidFill>
+            <a:schemeClr val="tx1">
+              <a:lumMod val="75000"/>
+              <a:lumOff val="25000"/>
+            </a:schemeClr>
+          </a:solidFill>
+          <a:ln>
+            <a:noFill/>
+          </a:ln>
+          <a:effectLst>
+            <a:outerShdw blurRad="50800" dist="38100" dir="8100000" algn="tr" rotWithShape="0">
+              <a:prstClr val="black">
+                <a:alpha val="40000"/>
+              </a:prstClr>
+            </a:outerShdw>
+          </a:effectLst>
+        </p:spPr>
+        <p:style>
+          <a:lnRef idx="2">
+            <a:schemeClr val="accent1">
+              <a:shade val="50000"/>
+            </a:schemeClr>
+          </a:lnRef>
+          <a:fillRef idx="1">
+            <a:schemeClr val="accent1"/>
+          </a:fillRef>
+          <a:effectRef idx="0">
+            <a:schemeClr val="accent1"/>
+          </a:effectRef>
+          <a:fontRef idx="minor">
+            <a:schemeClr val="lt1"/>
+          </a:fontRef>
+        </p:style>
+        <p:txBody>
+          <a:bodyPr rtlCol="0" anchor="ctr"/>
+          <a:lstStyle/>
+          <a:p>
+            <a:pPr marL="0" marR="0" lvl="0" indent="0" algn="ctr" defTabSz="914400" rtl="0" eaLnBrk="1" fontAlgn="auto" latinLnBrk="0" hangingPunct="1">
+              <a:lnSpc>
+                <a:spcPct val="100000"/>
+              </a:lnSpc>
+              <a:spcBef>
+                <a:spcPts val="0"/>
+              </a:spcBef>
+              <a:spcAft>
+                <a:spcPts val="0"/>
+              </a:spcAft>
+              <a:buClrTx/>
+              <a:buSzTx/>
+              <a:buFontTx/>
+              <a:buNone/>
+              <a:tabLst/>
+              <a:defRPr/>
+            </a:pPr>
+            <a:endParaRPr kumimoji="0" lang="en-US" sz="1800" b="0" i="0" u="none" strike="noStrike" kern="1200" cap="none" spc="0" normalizeH="0" baseline="0" noProof="0">
+              <a:ln>
+                <a:noFill/>
+              </a:ln>
+              <a:solidFill>
+                <a:prstClr val="white"/>
+              </a:solidFill>
+              <a:effectLst/>
+              <a:uLnTx/>
+              <a:uFillTx/>
+              <a:latin typeface="Calibri" panose="020F0502020204030204"/>
+              <a:ea typeface="+mn-ea"/>
+              <a:cs typeface="+mn-cs"/>
+            </a:endParaRPr>
+          </a:p>
+        </p:txBody>
+      </p:sp>
+      <p:sp>
+        <p:nvSpPr>
+          <p:cNvPr id="6" name="Freeform 112">
+            <a:extLst>
+              <a:ext uri="{FF2B5EF4-FFF2-40B4-BE49-F238E27FC236}">
+                <a16:creationId xmlns:a16="http://schemas.microsoft.com/office/drawing/2014/main" id="{4E092710-2B1B-411B-AF67-BCE15A10D0F0}"/>
+              </a:ext>
+            </a:extLst>
+          </p:cNvPr>
+          <p:cNvSpPr/>
+          <p:nvPr/>
+        </p:nvSpPr>
+        <p:spPr>
+          <a:xfrm rot="16200000" flipH="1" flipV="1">
+            <a:off x="5802021" y="2767946"/>
+            <a:ext cx="1877796" cy="1295400"/>
+          </a:xfrm>
+          <a:custGeom>
+            <a:avLst/>
+            <a:gdLst>
+              <a:gd name="connsiteX0" fmla="*/ 1877796 w 1877796"/>
+              <a:gd name="connsiteY0" fmla="*/ 647700 h 1295400"/>
+              <a:gd name="connsiteX1" fmla="*/ 1638563 w 1877796"/>
+              <a:gd name="connsiteY1" fmla="*/ 886933 h 1295400"/>
+              <a:gd name="connsiteX2" fmla="*/ 1469400 w 1877796"/>
+              <a:gd name="connsiteY2" fmla="*/ 816863 h 1295400"/>
+              <a:gd name="connsiteX3" fmla="*/ 1459292 w 1877796"/>
+              <a:gd name="connsiteY3" fmla="*/ 801871 h 1295400"/>
+              <a:gd name="connsiteX4" fmla="*/ 1295400 w 1877796"/>
+              <a:gd name="connsiteY4" fmla="*/ 801871 h 1295400"/>
+              <a:gd name="connsiteX5" fmla="*/ 1295400 w 1877796"/>
+              <a:gd name="connsiteY5" fmla="*/ 1295400 h 1295400"/>
+              <a:gd name="connsiteX6" fmla="*/ 804790 w 1877796"/>
+              <a:gd name="connsiteY6" fmla="*/ 1295400 h 1295400"/>
+              <a:gd name="connsiteX7" fmla="*/ 804790 w 1877796"/>
+              <a:gd name="connsiteY7" fmla="*/ 1131507 h 1295400"/>
+              <a:gd name="connsiteX8" fmla="*/ 819780 w 1877796"/>
+              <a:gd name="connsiteY8" fmla="*/ 1121400 h 1295400"/>
+              <a:gd name="connsiteX9" fmla="*/ 889850 w 1877796"/>
+              <a:gd name="connsiteY9" fmla="*/ 952237 h 1295400"/>
+              <a:gd name="connsiteX10" fmla="*/ 650617 w 1877796"/>
+              <a:gd name="connsiteY10" fmla="*/ 713004 h 1295400"/>
+              <a:gd name="connsiteX11" fmla="*/ 411384 w 1877796"/>
+              <a:gd name="connsiteY11" fmla="*/ 952237 h 1295400"/>
+              <a:gd name="connsiteX12" fmla="*/ 481454 w 1877796"/>
+              <a:gd name="connsiteY12" fmla="*/ 1121400 h 1295400"/>
+              <a:gd name="connsiteX13" fmla="*/ 496446 w 1877796"/>
+              <a:gd name="connsiteY13" fmla="*/ 1131508 h 1295400"/>
+              <a:gd name="connsiteX14" fmla="*/ 496446 w 1877796"/>
+              <a:gd name="connsiteY14" fmla="*/ 1295400 h 1295400"/>
+              <a:gd name="connsiteX15" fmla="*/ 0 w 1877796"/>
+              <a:gd name="connsiteY15" fmla="*/ 1295400 h 1295400"/>
+              <a:gd name="connsiteX16" fmla="*/ 0 w 1877796"/>
+              <a:gd name="connsiteY16" fmla="*/ 0 h 1295400"/>
+              <a:gd name="connsiteX17" fmla="*/ 1295400 w 1877796"/>
+              <a:gd name="connsiteY17" fmla="*/ 0 h 1295400"/>
+              <a:gd name="connsiteX18" fmla="*/ 1295400 w 1877796"/>
+              <a:gd name="connsiteY18" fmla="*/ 493527 h 1295400"/>
+              <a:gd name="connsiteX19" fmla="*/ 1459293 w 1877796"/>
+              <a:gd name="connsiteY19" fmla="*/ 493527 h 1295400"/>
+              <a:gd name="connsiteX20" fmla="*/ 1469400 w 1877796"/>
+              <a:gd name="connsiteY20" fmla="*/ 478537 h 1295400"/>
+              <a:gd name="connsiteX21" fmla="*/ 1638563 w 1877796"/>
+              <a:gd name="connsiteY21" fmla="*/ 408467 h 1295400"/>
+              <a:gd name="connsiteX22" fmla="*/ 1877796 w 1877796"/>
+              <a:gd name="connsiteY22" fmla="*/ 647700 h 1295400"/>
+            </a:gdLst>
+            <a:ahLst/>
+            <a:cxnLst>
+              <a:cxn ang="0">
+                <a:pos x="connsiteX0" y="connsiteY0"/>
+              </a:cxn>
+              <a:cxn ang="0">
+                <a:pos x="connsiteX1" y="connsiteY1"/>
+              </a:cxn>
+              <a:cxn ang="0">
+                <a:pos x="connsiteX2" y="connsiteY2"/>
+              </a:cxn>
+              <a:cxn ang="0">
+                <a:pos x="connsiteX3" y="connsiteY3"/>
+              </a:cxn>
+              <a:cxn ang="0">
+                <a:pos x="connsiteX4" y="connsiteY4"/>
+              </a:cxn>
+              <a:cxn ang="0">
+                <a:pos x="connsiteX5" y="connsiteY5"/>
+              </a:cxn>
+              <a:cxn ang="0">
+                <a:pos x="connsiteX6" y="connsiteY6"/>
+              </a:cxn>
+              <a:cxn ang="0">
+                <a:pos x="connsiteX7" y="connsiteY7"/>
+              </a:cxn>
+              <a:cxn ang="0">
+                <a:pos x="connsiteX8" y="connsiteY8"/>
+              </a:cxn>
+              <a:cxn ang="0">
+                <a:pos x="connsiteX9" y="connsiteY9"/>
+              </a:cxn>
+              <a:cxn ang="0">
+                <a:pos x="connsiteX10" y="connsiteY10"/>
+              </a:cxn>
+              <a:cxn ang="0">
+                <a:pos x="connsiteX11" y="connsiteY11"/>
+              </a:cxn>
+              <a:cxn ang="0">
+                <a:pos x="connsiteX12" y="connsiteY12"/>
+              </a:cxn>
+              <a:cxn ang="0">
+                <a:pos x="connsiteX13" y="connsiteY13"/>
+              </a:cxn>
+              <a:cxn ang="0">
+                <a:pos x="connsiteX14" y="connsiteY14"/>
+              </a:cxn>
+              <a:cxn ang="0">
+                <a:pos x="connsiteX15" y="connsiteY15"/>
+              </a:cxn>
+              <a:cxn ang="0">
+                <a:pos x="connsiteX16" y="connsiteY16"/>
+              </a:cxn>
+              <a:cxn ang="0">
+                <a:pos x="connsiteX17" y="connsiteY17"/>
+              </a:cxn>
+              <a:cxn ang="0">
+                <a:pos x="connsiteX18" y="connsiteY18"/>
+              </a:cxn>
+              <a:cxn ang="0">
+                <a:pos x="connsiteX19" y="connsiteY19"/>
+              </a:cxn>
+              <a:cxn ang="0">
+                <a:pos x="connsiteX20" y="connsiteY20"/>
+              </a:cxn>
+              <a:cxn ang="0">
+                <a:pos x="connsiteX21" y="connsiteY21"/>
+              </a:cxn>
+              <a:cxn ang="0">
+                <a:pos x="connsiteX22" y="connsiteY22"/>
+              </a:cxn>
+            </a:cxnLst>
+            <a:rect l="l" t="t" r="r" b="b"/>
+            <a:pathLst>
+              <a:path w="1877796" h="1295400">
+                <a:moveTo>
+                  <a:pt x="1877796" y="647700"/>
+                </a:moveTo>
+                <a:cubicBezTo>
+                  <a:pt x="1877796" y="779825"/>
+                  <a:pt x="1770688" y="886933"/>
+                  <a:pt x="1638563" y="886933"/>
+                </a:cubicBezTo>
+                <a:cubicBezTo>
+                  <a:pt x="1572501" y="886933"/>
+                  <a:pt x="1512693" y="860156"/>
+                  <a:pt x="1469400" y="816863"/>
+                </a:cubicBezTo>
+                <a:lnTo>
+                  <a:pt x="1459292" y="801871"/>
+                </a:lnTo>
+                <a:lnTo>
+                  <a:pt x="1295400" y="801871"/>
+                </a:lnTo>
+                <a:lnTo>
+                  <a:pt x="1295400" y="1295400"/>
+                </a:lnTo>
+                <a:lnTo>
+                  <a:pt x="804790" y="1295400"/>
+                </a:lnTo>
+                <a:lnTo>
+                  <a:pt x="804790" y="1131507"/>
+                </a:lnTo>
+                <a:lnTo>
+                  <a:pt x="819780" y="1121400"/>
+                </a:lnTo>
+                <a:cubicBezTo>
+                  <a:pt x="863073" y="1078107"/>
+                  <a:pt x="889850" y="1018299"/>
+                  <a:pt x="889850" y="952237"/>
+                </a:cubicBezTo>
+                <a:cubicBezTo>
+                  <a:pt x="889850" y="820112"/>
+                  <a:pt x="782742" y="713004"/>
+                  <a:pt x="650617" y="713004"/>
+                </a:cubicBezTo>
+                <a:cubicBezTo>
+                  <a:pt x="518492" y="713004"/>
+                  <a:pt x="411384" y="820112"/>
+                  <a:pt x="411384" y="952237"/>
+                </a:cubicBezTo>
+                <a:cubicBezTo>
+                  <a:pt x="411384" y="1018299"/>
+                  <a:pt x="438161" y="1078107"/>
+                  <a:pt x="481454" y="1121400"/>
+                </a:cubicBezTo>
+                <a:lnTo>
+                  <a:pt x="496446" y="1131508"/>
+                </a:lnTo>
+                <a:lnTo>
+                  <a:pt x="496446" y="1295400"/>
+                </a:lnTo>
+                <a:lnTo>
+                  <a:pt x="0" y="1295400"/>
+                </a:lnTo>
+                <a:lnTo>
+                  <a:pt x="0" y="0"/>
+                </a:lnTo>
+                <a:lnTo>
+                  <a:pt x="1295400" y="0"/>
+                </a:lnTo>
+                <a:lnTo>
+                  <a:pt x="1295400" y="493527"/>
+                </a:lnTo>
+                <a:lnTo>
+                  <a:pt x="1459293" y="493527"/>
+                </a:lnTo>
+                <a:lnTo>
+                  <a:pt x="1469400" y="478537"/>
+                </a:lnTo>
+                <a:cubicBezTo>
+                  <a:pt x="1512693" y="435244"/>
+                  <a:pt x="1572501" y="408467"/>
+                  <a:pt x="1638563" y="408467"/>
+                </a:cubicBezTo>
+                <a:cubicBezTo>
+                  <a:pt x="1770688" y="408467"/>
+                  <a:pt x="1877796" y="515575"/>
+                  <a:pt x="1877796" y="647700"/>
+                </a:cubicBezTo>
+                <a:close/>
+              </a:path>
+            </a:pathLst>
+          </a:custGeom>
+          <a:solidFill>
+            <a:schemeClr val="accent6"/>
+          </a:solidFill>
+          <a:ln>
+            <a:noFill/>
+          </a:ln>
+          <a:effectLst>
+            <a:outerShdw blurRad="50800" dist="38100" dir="5400000" algn="t" rotWithShape="0">
+              <a:prstClr val="black">
+                <a:alpha val="40000"/>
+              </a:prstClr>
+            </a:outerShdw>
+          </a:effectLst>
+        </p:spPr>
+        <p:style>
+          <a:lnRef idx="2">
+            <a:schemeClr val="accent1">
+              <a:shade val="50000"/>
+            </a:schemeClr>
+          </a:lnRef>
+          <a:fillRef idx="1">
+            <a:schemeClr val="accent1"/>
+          </a:fillRef>
+          <a:effectRef idx="0">
+            <a:schemeClr val="accent1"/>
+          </a:effectRef>
+          <a:fontRef idx="minor">
+            <a:schemeClr val="lt1"/>
+          </a:fontRef>
+        </p:style>
+        <p:txBody>
+          <a:bodyPr rtlCol="0" anchor="ctr"/>
+          <a:lstStyle/>
+          <a:p>
+            <a:pPr marL="0" marR="0" lvl="0" indent="0" algn="ctr" defTabSz="914400" rtl="0" eaLnBrk="1" fontAlgn="auto" latinLnBrk="0" hangingPunct="1">
+              <a:lnSpc>
+                <a:spcPct val="100000"/>
+              </a:lnSpc>
+              <a:spcBef>
+                <a:spcPts val="0"/>
+              </a:spcBef>
+              <a:spcAft>
+                <a:spcPts val="0"/>
+              </a:spcAft>
+              <a:buClrTx/>
+              <a:buSzTx/>
+              <a:buFontTx/>
+              <a:buNone/>
+              <a:tabLst/>
+              <a:defRPr/>
+            </a:pPr>
+            <a:endParaRPr kumimoji="0" lang="en-US" sz="1800" b="0" i="0" u="none" strike="noStrike" kern="1200" cap="none" spc="0" normalizeH="0" baseline="0" noProof="0">
+              <a:ln>
+                <a:noFill/>
+              </a:ln>
+              <a:solidFill>
+                <a:prstClr val="white"/>
+              </a:solidFill>
+              <a:effectLst/>
+              <a:uLnTx/>
+              <a:uFillTx/>
+              <a:latin typeface="Calibri" panose="020F0502020204030204"/>
+              <a:ea typeface="+mn-ea"/>
+              <a:cs typeface="+mn-cs"/>
+            </a:endParaRPr>
+          </a:p>
+        </p:txBody>
+      </p:sp>
+      <p:sp>
+        <p:nvSpPr>
+          <p:cNvPr id="7" name="Freeform 113">
+            <a:extLst>
+              <a:ext uri="{FF2B5EF4-FFF2-40B4-BE49-F238E27FC236}">
+                <a16:creationId xmlns:a16="http://schemas.microsoft.com/office/drawing/2014/main" id="{B4071362-ED5B-410F-8F1E-FA8B15953819}"/>
+              </a:ext>
+            </a:extLst>
+          </p:cNvPr>
+          <p:cNvSpPr/>
+          <p:nvPr/>
+        </p:nvSpPr>
+        <p:spPr>
+          <a:xfrm>
+            <a:off x="4798251" y="2477752"/>
+            <a:ext cx="1877796" cy="1295400"/>
+          </a:xfrm>
+          <a:custGeom>
+            <a:avLst/>
+            <a:gdLst>
+              <a:gd name="connsiteX0" fmla="*/ 1877796 w 1877796"/>
+              <a:gd name="connsiteY0" fmla="*/ 647700 h 1295400"/>
+              <a:gd name="connsiteX1" fmla="*/ 1638563 w 1877796"/>
+              <a:gd name="connsiteY1" fmla="*/ 886933 h 1295400"/>
+              <a:gd name="connsiteX2" fmla="*/ 1469400 w 1877796"/>
+              <a:gd name="connsiteY2" fmla="*/ 816863 h 1295400"/>
+              <a:gd name="connsiteX3" fmla="*/ 1459292 w 1877796"/>
+              <a:gd name="connsiteY3" fmla="*/ 801871 h 1295400"/>
+              <a:gd name="connsiteX4" fmla="*/ 1295400 w 1877796"/>
+              <a:gd name="connsiteY4" fmla="*/ 801871 h 1295400"/>
+              <a:gd name="connsiteX5" fmla="*/ 1295400 w 1877796"/>
+              <a:gd name="connsiteY5" fmla="*/ 1295400 h 1295400"/>
+              <a:gd name="connsiteX6" fmla="*/ 804790 w 1877796"/>
+              <a:gd name="connsiteY6" fmla="*/ 1295400 h 1295400"/>
+              <a:gd name="connsiteX7" fmla="*/ 804790 w 1877796"/>
+              <a:gd name="connsiteY7" fmla="*/ 1131507 h 1295400"/>
+              <a:gd name="connsiteX8" fmla="*/ 819780 w 1877796"/>
+              <a:gd name="connsiteY8" fmla="*/ 1121400 h 1295400"/>
+              <a:gd name="connsiteX9" fmla="*/ 889850 w 1877796"/>
+              <a:gd name="connsiteY9" fmla="*/ 952237 h 1295400"/>
+              <a:gd name="connsiteX10" fmla="*/ 650617 w 1877796"/>
+              <a:gd name="connsiteY10" fmla="*/ 713004 h 1295400"/>
+              <a:gd name="connsiteX11" fmla="*/ 411384 w 1877796"/>
+              <a:gd name="connsiteY11" fmla="*/ 952237 h 1295400"/>
+              <a:gd name="connsiteX12" fmla="*/ 481454 w 1877796"/>
+              <a:gd name="connsiteY12" fmla="*/ 1121400 h 1295400"/>
+              <a:gd name="connsiteX13" fmla="*/ 496446 w 1877796"/>
+              <a:gd name="connsiteY13" fmla="*/ 1131508 h 1295400"/>
+              <a:gd name="connsiteX14" fmla="*/ 496446 w 1877796"/>
+              <a:gd name="connsiteY14" fmla="*/ 1295400 h 1295400"/>
+              <a:gd name="connsiteX15" fmla="*/ 0 w 1877796"/>
+              <a:gd name="connsiteY15" fmla="*/ 1295400 h 1295400"/>
+              <a:gd name="connsiteX16" fmla="*/ 0 w 1877796"/>
+              <a:gd name="connsiteY16" fmla="*/ 0 h 1295400"/>
+              <a:gd name="connsiteX17" fmla="*/ 1295400 w 1877796"/>
+              <a:gd name="connsiteY17" fmla="*/ 0 h 1295400"/>
+              <a:gd name="connsiteX18" fmla="*/ 1295400 w 1877796"/>
+              <a:gd name="connsiteY18" fmla="*/ 493527 h 1295400"/>
+              <a:gd name="connsiteX19" fmla="*/ 1459293 w 1877796"/>
+              <a:gd name="connsiteY19" fmla="*/ 493527 h 1295400"/>
+              <a:gd name="connsiteX20" fmla="*/ 1469400 w 1877796"/>
+              <a:gd name="connsiteY20" fmla="*/ 478537 h 1295400"/>
+              <a:gd name="connsiteX21" fmla="*/ 1638563 w 1877796"/>
+              <a:gd name="connsiteY21" fmla="*/ 408467 h 1295400"/>
+              <a:gd name="connsiteX22" fmla="*/ 1877796 w 1877796"/>
+              <a:gd name="connsiteY22" fmla="*/ 647700 h 1295400"/>
+            </a:gdLst>
+            <a:ahLst/>
+            <a:cxnLst>
+              <a:cxn ang="0">
+                <a:pos x="connsiteX0" y="connsiteY0"/>
+              </a:cxn>
+              <a:cxn ang="0">
+                <a:pos x="connsiteX1" y="connsiteY1"/>
+              </a:cxn>
+              <a:cxn ang="0">
+                <a:pos x="connsiteX2" y="connsiteY2"/>
+              </a:cxn>
+              <a:cxn ang="0">
+                <a:pos x="connsiteX3" y="connsiteY3"/>
+              </a:cxn>
+              <a:cxn ang="0">
+                <a:pos x="connsiteX4" y="connsiteY4"/>
+              </a:cxn>
+              <a:cxn ang="0">
+                <a:pos x="connsiteX5" y="connsiteY5"/>
+              </a:cxn>
+              <a:cxn ang="0">
+                <a:pos x="connsiteX6" y="connsiteY6"/>
+              </a:cxn>
+              <a:cxn ang="0">
+                <a:pos x="connsiteX7" y="connsiteY7"/>
+              </a:cxn>
+              <a:cxn ang="0">
+                <a:pos x="connsiteX8" y="connsiteY8"/>
+              </a:cxn>
+              <a:cxn ang="0">
+                <a:pos x="connsiteX9" y="connsiteY9"/>
+              </a:cxn>
+              <a:cxn ang="0">
+                <a:pos x="connsiteX10" y="connsiteY10"/>
+              </a:cxn>
+              <a:cxn ang="0">
+                <a:pos x="connsiteX11" y="connsiteY11"/>
+              </a:cxn>
+              <a:cxn ang="0">
+                <a:pos x="connsiteX12" y="connsiteY12"/>
+              </a:cxn>
+              <a:cxn ang="0">
+                <a:pos x="connsiteX13" y="connsiteY13"/>
+              </a:cxn>
+              <a:cxn ang="0">
+                <a:pos x="connsiteX14" y="connsiteY14"/>
+              </a:cxn>
+              <a:cxn ang="0">
+                <a:pos x="connsiteX15" y="connsiteY15"/>
+              </a:cxn>
+              <a:cxn ang="0">
+                <a:pos x="connsiteX16" y="connsiteY16"/>
+              </a:cxn>
+              <a:cxn ang="0">
+                <a:pos x="connsiteX17" y="connsiteY17"/>
+              </a:cxn>
+              <a:cxn ang="0">
+                <a:pos x="connsiteX18" y="connsiteY18"/>
+              </a:cxn>
+              <a:cxn ang="0">
+                <a:pos x="connsiteX19" y="connsiteY19"/>
+              </a:cxn>
+              <a:cxn ang="0">
+                <a:pos x="connsiteX20" y="connsiteY20"/>
+              </a:cxn>
+              <a:cxn ang="0">
+                <a:pos x="connsiteX21" y="connsiteY21"/>
+              </a:cxn>
+              <a:cxn ang="0">
+                <a:pos x="connsiteX22" y="connsiteY22"/>
+              </a:cxn>
+            </a:cxnLst>
+            <a:rect l="l" t="t" r="r" b="b"/>
+            <a:pathLst>
+              <a:path w="1877796" h="1295400">
+                <a:moveTo>
+                  <a:pt x="1877796" y="647700"/>
+                </a:moveTo>
+                <a:cubicBezTo>
+                  <a:pt x="1877796" y="779825"/>
+                  <a:pt x="1770688" y="886933"/>
+                  <a:pt x="1638563" y="886933"/>
+                </a:cubicBezTo>
+                <a:cubicBezTo>
+                  <a:pt x="1572501" y="886933"/>
+                  <a:pt x="1512693" y="860156"/>
+                  <a:pt x="1469400" y="816863"/>
+                </a:cubicBezTo>
+                <a:lnTo>
+                  <a:pt x="1459292" y="801871"/>
+                </a:lnTo>
+                <a:lnTo>
+                  <a:pt x="1295400" y="801871"/>
+                </a:lnTo>
+                <a:lnTo>
+                  <a:pt x="1295400" y="1295400"/>
+                </a:lnTo>
+                <a:lnTo>
+                  <a:pt x="804790" y="1295400"/>
+                </a:lnTo>
+                <a:lnTo>
+                  <a:pt x="804790" y="1131507"/>
+                </a:lnTo>
+                <a:lnTo>
+                  <a:pt x="819780" y="1121400"/>
+                </a:lnTo>
+                <a:cubicBezTo>
+                  <a:pt x="863073" y="1078107"/>
+                  <a:pt x="889850" y="1018299"/>
+                  <a:pt x="889850" y="952237"/>
+                </a:cubicBezTo>
+                <a:cubicBezTo>
+                  <a:pt x="889850" y="820112"/>
+                  <a:pt x="782742" y="713004"/>
+                  <a:pt x="650617" y="713004"/>
+                </a:cubicBezTo>
+                <a:cubicBezTo>
+                  <a:pt x="518492" y="713004"/>
+                  <a:pt x="411384" y="820112"/>
+                  <a:pt x="411384" y="952237"/>
+                </a:cubicBezTo>
+                <a:cubicBezTo>
+                  <a:pt x="411384" y="1018299"/>
+                  <a:pt x="438161" y="1078107"/>
+                  <a:pt x="481454" y="1121400"/>
+                </a:cubicBezTo>
+                <a:lnTo>
+                  <a:pt x="496446" y="1131508"/>
+                </a:lnTo>
+                <a:lnTo>
+                  <a:pt x="496446" y="1295400"/>
+                </a:lnTo>
+                <a:lnTo>
+                  <a:pt x="0" y="1295400"/>
+                </a:lnTo>
+                <a:lnTo>
+                  <a:pt x="0" y="0"/>
+                </a:lnTo>
+                <a:lnTo>
+                  <a:pt x="1295400" y="0"/>
+                </a:lnTo>
+                <a:lnTo>
+                  <a:pt x="1295400" y="493527"/>
+                </a:lnTo>
+                <a:lnTo>
+                  <a:pt x="1459293" y="493527"/>
+                </a:lnTo>
+                <a:lnTo>
+                  <a:pt x="1469400" y="478537"/>
+                </a:lnTo>
+                <a:cubicBezTo>
+                  <a:pt x="1512693" y="435244"/>
+                  <a:pt x="1572501" y="408467"/>
+                  <a:pt x="1638563" y="408467"/>
+                </a:cubicBezTo>
+                <a:cubicBezTo>
+                  <a:pt x="1770688" y="408467"/>
+                  <a:pt x="1877796" y="515575"/>
+                  <a:pt x="1877796" y="647700"/>
+                </a:cubicBezTo>
+                <a:close/>
+              </a:path>
+            </a:pathLst>
+          </a:custGeom>
+          <a:solidFill>
+            <a:schemeClr val="tx1">
+              <a:lumMod val="75000"/>
+              <a:lumOff val="25000"/>
+            </a:schemeClr>
+          </a:solidFill>
+          <a:ln>
+            <a:noFill/>
+          </a:ln>
+          <a:effectLst>
+            <a:outerShdw blurRad="50800" dist="38100" dir="2700000" algn="tl" rotWithShape="0">
+              <a:prstClr val="black">
+                <a:alpha val="40000"/>
+              </a:prstClr>
+            </a:outerShdw>
+          </a:effectLst>
+        </p:spPr>
+        <p:style>
+          <a:lnRef idx="2">
+            <a:schemeClr val="accent1">
+              <a:shade val="50000"/>
+            </a:schemeClr>
+          </a:lnRef>
+          <a:fillRef idx="1">
+            <a:schemeClr val="accent1"/>
+          </a:fillRef>
+          <a:effectRef idx="0">
+            <a:schemeClr val="accent1"/>
+          </a:effectRef>
+          <a:fontRef idx="minor">
+            <a:schemeClr val="lt1"/>
+          </a:fontRef>
+        </p:style>
+        <p:txBody>
+          <a:bodyPr rtlCol="0" anchor="ctr"/>
+          <a:lstStyle/>
+          <a:p>
+            <a:pPr marL="0" marR="0" lvl="0" indent="0" algn="ctr" defTabSz="914400" rtl="0" eaLnBrk="1" fontAlgn="auto" latinLnBrk="0" hangingPunct="1">
+              <a:lnSpc>
+                <a:spcPct val="100000"/>
+              </a:lnSpc>
+              <a:spcBef>
+                <a:spcPts val="0"/>
+              </a:spcBef>
+              <a:spcAft>
+                <a:spcPts val="0"/>
+              </a:spcAft>
+              <a:buClrTx/>
+              <a:buSzTx/>
+              <a:buFontTx/>
+              <a:buNone/>
+              <a:tabLst/>
+              <a:defRPr/>
+            </a:pPr>
+            <a:endParaRPr kumimoji="0" lang="en-US" sz="1800" b="0" i="0" u="none" strike="noStrike" kern="1200" cap="none" spc="0" normalizeH="0" baseline="0" noProof="0">
+              <a:ln>
+                <a:noFill/>
+              </a:ln>
+              <a:solidFill>
+                <a:prstClr val="white"/>
+              </a:solidFill>
+              <a:effectLst/>
+              <a:uLnTx/>
+              <a:uFillTx/>
+              <a:latin typeface="Calibri" panose="020F0502020204030204"/>
+              <a:ea typeface="+mn-ea"/>
+              <a:cs typeface="+mn-cs"/>
+            </a:endParaRPr>
+          </a:p>
+        </p:txBody>
+      </p:sp>
+      <p:sp>
+        <p:nvSpPr>
+          <p:cNvPr id="8" name="TextBox 7">
+            <a:extLst>
+              <a:ext uri="{FF2B5EF4-FFF2-40B4-BE49-F238E27FC236}">
+                <a16:creationId xmlns:a16="http://schemas.microsoft.com/office/drawing/2014/main" id="{654BE36A-BA03-4E8D-9930-BE34CE769A3E}"/>
+              </a:ext>
+            </a:extLst>
+          </p:cNvPr>
+          <p:cNvSpPr txBox="1"/>
+          <p:nvPr/>
+        </p:nvSpPr>
+        <p:spPr>
+          <a:xfrm>
+            <a:off x="5153563" y="2598833"/>
+            <a:ext cx="595035" cy="523220"/>
+          </a:xfrm>
+          <a:prstGeom prst="rect">
+            <a:avLst/>
+          </a:prstGeom>
+          <a:noFill/>
+        </p:spPr>
+        <p:txBody>
+          <a:bodyPr wrap="none" rtlCol="0">
+            <a:spAutoFit/>
+          </a:bodyPr>
+          <a:lstStyle/>
+          <a:p>
+            <a:pPr marL="0" marR="0" lvl="0" indent="0" algn="l" defTabSz="914400" rtl="0" eaLnBrk="1" fontAlgn="auto" latinLnBrk="0" hangingPunct="1">
+              <a:lnSpc>
+                <a:spcPct val="100000"/>
+              </a:lnSpc>
+              <a:spcBef>
+                <a:spcPts val="0"/>
+              </a:spcBef>
+              <a:spcAft>
+                <a:spcPts val="0"/>
+              </a:spcAft>
+              <a:buClrTx/>
+              <a:buSzTx/>
+              <a:buFontTx/>
+              <a:buNone/>
+              <a:tabLst/>
+              <a:defRPr/>
+            </a:pPr>
+            <a:r>
+              <a:rPr kumimoji="0" lang="en-US" sz="2800" b="1" i="0" u="none" strike="noStrike" kern="1200" cap="none" spc="0" normalizeH="0" baseline="0" noProof="0">
+                <a:ln>
+                  <a:noFill/>
+                </a:ln>
+                <a:solidFill>
+                  <a:prstClr val="white"/>
+                </a:solidFill>
+                <a:effectLst/>
+                <a:uLnTx/>
+                <a:uFillTx/>
+                <a:latin typeface="Open Sans" panose="020B0606030504020204" pitchFamily="34" charset="0"/>
+                <a:ea typeface="Open Sans" panose="020B0606030504020204" pitchFamily="34" charset="0"/>
+                <a:cs typeface="Open Sans" panose="020B0606030504020204" pitchFamily="34" charset="0"/>
+              </a:rPr>
+              <a:t>01</a:t>
+            </a:r>
+          </a:p>
+        </p:txBody>
+      </p:sp>
+      <p:sp>
+        <p:nvSpPr>
+          <p:cNvPr id="9" name="TextBox 8">
+            <a:extLst>
+              <a:ext uri="{FF2B5EF4-FFF2-40B4-BE49-F238E27FC236}">
+                <a16:creationId xmlns:a16="http://schemas.microsoft.com/office/drawing/2014/main" id="{971FC02D-641A-47EE-8F92-23101BBF7487}"/>
+              </a:ext>
+            </a:extLst>
+          </p:cNvPr>
+          <p:cNvSpPr txBox="1"/>
+          <p:nvPr/>
+        </p:nvSpPr>
+        <p:spPr>
+          <a:xfrm>
+            <a:off x="6740419" y="2860443"/>
+            <a:ext cx="595035" cy="523220"/>
+          </a:xfrm>
+          <a:prstGeom prst="rect">
+            <a:avLst/>
+          </a:prstGeom>
+          <a:noFill/>
+        </p:spPr>
+        <p:txBody>
+          <a:bodyPr wrap="none" rtlCol="0">
+            <a:spAutoFit/>
+          </a:bodyPr>
+          <a:lstStyle/>
+          <a:p>
+            <a:pPr marL="0" marR="0" lvl="0" indent="0" algn="l" defTabSz="914400" rtl="0" eaLnBrk="1" fontAlgn="auto" latinLnBrk="0" hangingPunct="1">
+              <a:lnSpc>
+                <a:spcPct val="100000"/>
+              </a:lnSpc>
+              <a:spcBef>
+                <a:spcPts val="0"/>
+              </a:spcBef>
+              <a:spcAft>
+                <a:spcPts val="0"/>
+              </a:spcAft>
+              <a:buClrTx/>
+              <a:buSzTx/>
+              <a:buFontTx/>
+              <a:buNone/>
+              <a:tabLst/>
+              <a:defRPr/>
+            </a:pPr>
+            <a:r>
+              <a:rPr kumimoji="0" lang="en-US" sz="2800" b="1" i="0" u="none" strike="noStrike" kern="1200" cap="none" spc="0" normalizeH="0" baseline="0" noProof="0">
+                <a:ln>
+                  <a:noFill/>
+                </a:ln>
+                <a:solidFill>
+                  <a:prstClr val="white"/>
+                </a:solidFill>
+                <a:effectLst/>
+                <a:uLnTx/>
+                <a:uFillTx/>
+                <a:latin typeface="Open Sans" panose="020B0606030504020204" pitchFamily="34" charset="0"/>
+                <a:ea typeface="Open Sans" panose="020B0606030504020204" pitchFamily="34" charset="0"/>
+                <a:cs typeface="Open Sans" panose="020B0606030504020204" pitchFamily="34" charset="0"/>
+              </a:rPr>
+              <a:t>02</a:t>
+            </a:r>
+          </a:p>
+        </p:txBody>
+      </p:sp>
+      <p:sp>
+        <p:nvSpPr>
+          <p:cNvPr id="10" name="TextBox 9">
+            <a:extLst>
+              <a:ext uri="{FF2B5EF4-FFF2-40B4-BE49-F238E27FC236}">
+                <a16:creationId xmlns:a16="http://schemas.microsoft.com/office/drawing/2014/main" id="{842DCBD6-A860-4FC9-B7E4-9FDE593CE288}"/>
+              </a:ext>
+            </a:extLst>
+          </p:cNvPr>
+          <p:cNvSpPr txBox="1"/>
+          <p:nvPr/>
+        </p:nvSpPr>
+        <p:spPr>
+          <a:xfrm>
+            <a:off x="6442901" y="4476127"/>
+            <a:ext cx="595035" cy="523220"/>
+          </a:xfrm>
+          <a:prstGeom prst="rect">
+            <a:avLst/>
+          </a:prstGeom>
+          <a:noFill/>
+        </p:spPr>
+        <p:txBody>
+          <a:bodyPr wrap="none" rtlCol="0">
+            <a:spAutoFit/>
+          </a:bodyPr>
+          <a:lstStyle/>
+          <a:p>
+            <a:pPr marL="0" marR="0" lvl="0" indent="0" algn="l" defTabSz="914400" rtl="0" eaLnBrk="1" fontAlgn="auto" latinLnBrk="0" hangingPunct="1">
+              <a:lnSpc>
+                <a:spcPct val="100000"/>
+              </a:lnSpc>
+              <a:spcBef>
+                <a:spcPts val="0"/>
+              </a:spcBef>
+              <a:spcAft>
+                <a:spcPts val="0"/>
+              </a:spcAft>
+              <a:buClrTx/>
+              <a:buSzTx/>
+              <a:buFontTx/>
+              <a:buNone/>
+              <a:tabLst/>
+              <a:defRPr/>
+            </a:pPr>
+            <a:r>
+              <a:rPr kumimoji="0" lang="en-US" sz="2800" b="1" i="0" u="none" strike="noStrike" kern="1200" cap="none" spc="0" normalizeH="0" baseline="0" noProof="0" dirty="0">
+                <a:ln>
+                  <a:noFill/>
+                </a:ln>
+                <a:solidFill>
+                  <a:prstClr val="white"/>
+                </a:solidFill>
+                <a:effectLst/>
+                <a:uLnTx/>
+                <a:uFillTx/>
+                <a:latin typeface="Open Sans" panose="020B0606030504020204" pitchFamily="34" charset="0"/>
+                <a:ea typeface="Open Sans" panose="020B0606030504020204" pitchFamily="34" charset="0"/>
+                <a:cs typeface="Open Sans" panose="020B0606030504020204" pitchFamily="34" charset="0"/>
+              </a:rPr>
+              <a:t>04</a:t>
+            </a:r>
+          </a:p>
+        </p:txBody>
+      </p:sp>
+      <p:sp>
+        <p:nvSpPr>
+          <p:cNvPr id="11" name="TextBox 10">
+            <a:extLst>
+              <a:ext uri="{FF2B5EF4-FFF2-40B4-BE49-F238E27FC236}">
+                <a16:creationId xmlns:a16="http://schemas.microsoft.com/office/drawing/2014/main" id="{1C669EE7-1E9E-4B1D-A5C0-77A49910843A}"/>
+              </a:ext>
+            </a:extLst>
+          </p:cNvPr>
+          <p:cNvSpPr txBox="1"/>
+          <p:nvPr/>
+        </p:nvSpPr>
+        <p:spPr>
+          <a:xfrm>
+            <a:off x="4878442" y="4153449"/>
+            <a:ext cx="595035" cy="523220"/>
+          </a:xfrm>
+          <a:prstGeom prst="rect">
+            <a:avLst/>
+          </a:prstGeom>
+          <a:noFill/>
+        </p:spPr>
+        <p:txBody>
+          <a:bodyPr wrap="none" rtlCol="0">
+            <a:spAutoFit/>
+          </a:bodyPr>
+          <a:lstStyle/>
+          <a:p>
+            <a:pPr marL="0" marR="0" lvl="0" indent="0" algn="l" defTabSz="914400" rtl="0" eaLnBrk="1" fontAlgn="auto" latinLnBrk="0" hangingPunct="1">
+              <a:lnSpc>
+                <a:spcPct val="100000"/>
+              </a:lnSpc>
+              <a:spcBef>
+                <a:spcPts val="0"/>
+              </a:spcBef>
+              <a:spcAft>
+                <a:spcPts val="0"/>
+              </a:spcAft>
+              <a:buClrTx/>
+              <a:buSzTx/>
+              <a:buFontTx/>
+              <a:buNone/>
+              <a:tabLst/>
+              <a:defRPr/>
+            </a:pPr>
+            <a:r>
+              <a:rPr kumimoji="0" lang="en-US" sz="2800" b="1" i="0" u="none" strike="noStrike" kern="1200" cap="none" spc="0" normalizeH="0" baseline="0" noProof="0" dirty="0">
+                <a:ln>
+                  <a:noFill/>
+                </a:ln>
+                <a:solidFill>
+                  <a:prstClr val="white"/>
+                </a:solidFill>
+                <a:effectLst/>
+                <a:uLnTx/>
+                <a:uFillTx/>
+                <a:latin typeface="Open Sans" panose="020B0606030504020204" pitchFamily="34" charset="0"/>
+                <a:ea typeface="Open Sans" panose="020B0606030504020204" pitchFamily="34" charset="0"/>
+                <a:cs typeface="Open Sans" panose="020B0606030504020204" pitchFamily="34" charset="0"/>
+              </a:rPr>
+              <a:t>03</a:t>
+            </a:r>
+          </a:p>
+        </p:txBody>
+      </p:sp>
+      <p:sp>
+        <p:nvSpPr>
+          <p:cNvPr id="12" name="TextBox 11">
+            <a:extLst>
+              <a:ext uri="{FF2B5EF4-FFF2-40B4-BE49-F238E27FC236}">
+                <a16:creationId xmlns:a16="http://schemas.microsoft.com/office/drawing/2014/main" id="{9913EA89-C3A3-405F-A486-F65E5093D3E2}"/>
+              </a:ext>
+            </a:extLst>
+          </p:cNvPr>
+          <p:cNvSpPr txBox="1"/>
+          <p:nvPr/>
+        </p:nvSpPr>
+        <p:spPr>
+          <a:xfrm>
+            <a:off x="7590150" y="2998702"/>
+            <a:ext cx="4430054" cy="707886"/>
+          </a:xfrm>
+          <a:prstGeom prst="rect">
+            <a:avLst/>
+          </a:prstGeom>
+          <a:noFill/>
+        </p:spPr>
+        <p:txBody>
+          <a:bodyPr wrap="square" rtlCol="0">
+            <a:spAutoFit/>
+          </a:bodyPr>
+          <a:lstStyle/>
+          <a:p>
+            <a:pPr marL="0" marR="0" lvl="0" indent="0" algn="l" defTabSz="914400" rtl="0" eaLnBrk="1" fontAlgn="auto" latinLnBrk="0" hangingPunct="1">
+              <a:lnSpc>
+                <a:spcPct val="100000"/>
+              </a:lnSpc>
+              <a:spcBef>
+                <a:spcPts val="0"/>
+              </a:spcBef>
+              <a:spcAft>
+                <a:spcPts val="0"/>
+              </a:spcAft>
+              <a:buClrTx/>
+              <a:buSzTx/>
+              <a:buFontTx/>
+              <a:buNone/>
+              <a:tabLst/>
+              <a:defRPr/>
+            </a:pPr>
+            <a:r>
+              <a:rPr kumimoji="0" lang="en-US" sz="2000" b="1" i="0" u="none" strike="noStrike" kern="1200" cap="none" spc="0" normalizeH="0" baseline="0" noProof="0" dirty="0">
+                <a:ln>
+                  <a:noFill/>
+                </a:ln>
+                <a:solidFill>
+                  <a:prstClr val="black">
+                    <a:lumMod val="50000"/>
+                    <a:lumOff val="50000"/>
+                  </a:prstClr>
+                </a:solidFill>
+                <a:effectLst/>
+                <a:uLnTx/>
+                <a:uFillTx/>
+                <a:latin typeface="Open Sans" panose="020B0606030504020204" pitchFamily="34" charset="0"/>
+                <a:ea typeface="Open Sans" panose="020B0606030504020204" pitchFamily="34" charset="0"/>
+                <a:cs typeface="Open Sans" panose="020B0606030504020204" pitchFamily="34" charset="0"/>
+              </a:rPr>
+              <a:t>Simple Object Access protocol (SOAP)</a:t>
+            </a:r>
+          </a:p>
+        </p:txBody>
+      </p:sp>
+      <p:sp>
+        <p:nvSpPr>
+          <p:cNvPr id="13" name="TextBox 12">
+            <a:extLst>
+              <a:ext uri="{FF2B5EF4-FFF2-40B4-BE49-F238E27FC236}">
+                <a16:creationId xmlns:a16="http://schemas.microsoft.com/office/drawing/2014/main" id="{17B8DC6E-2A81-43FE-B6DE-10A4B1C39EE0}"/>
+              </a:ext>
+            </a:extLst>
+          </p:cNvPr>
+          <p:cNvSpPr txBox="1"/>
+          <p:nvPr/>
+        </p:nvSpPr>
+        <p:spPr>
+          <a:xfrm>
+            <a:off x="7590150" y="4091406"/>
+            <a:ext cx="4430054" cy="707886"/>
+          </a:xfrm>
+          <a:prstGeom prst="rect">
+            <a:avLst/>
+          </a:prstGeom>
+          <a:noFill/>
+        </p:spPr>
+        <p:txBody>
+          <a:bodyPr wrap="square" rtlCol="0">
+            <a:spAutoFit/>
+          </a:bodyPr>
+          <a:lstStyle/>
+          <a:p>
+            <a:pPr marL="0" marR="0" lvl="0" indent="0" algn="l" defTabSz="914400" rtl="0" eaLnBrk="1" fontAlgn="auto" latinLnBrk="0" hangingPunct="1">
+              <a:lnSpc>
+                <a:spcPct val="100000"/>
+              </a:lnSpc>
+              <a:spcBef>
+                <a:spcPts val="0"/>
+              </a:spcBef>
+              <a:spcAft>
+                <a:spcPts val="0"/>
+              </a:spcAft>
+              <a:buClrTx/>
+              <a:buSzTx/>
+              <a:buFontTx/>
+              <a:buNone/>
+              <a:tabLst/>
+              <a:defRPr/>
+            </a:pPr>
+            <a:r>
+              <a:rPr kumimoji="0" lang="en-US" sz="2000" b="1" i="0" u="none" strike="noStrike" kern="1200" cap="none" spc="0" normalizeH="0" baseline="0" noProof="0" dirty="0">
+                <a:ln>
+                  <a:noFill/>
+                </a:ln>
+                <a:solidFill>
+                  <a:prstClr val="black">
+                    <a:lumMod val="50000"/>
+                    <a:lumOff val="50000"/>
+                  </a:prstClr>
+                </a:solidFill>
+                <a:effectLst/>
+                <a:uLnTx/>
+                <a:uFillTx/>
+                <a:latin typeface="Open Sans" panose="020B0606030504020204" pitchFamily="34" charset="0"/>
+                <a:ea typeface="Open Sans" panose="020B0606030504020204" pitchFamily="34" charset="0"/>
+                <a:cs typeface="Open Sans" panose="020B0606030504020204" pitchFamily="34" charset="0"/>
+              </a:rPr>
+              <a:t>Representational State Transfer (REST) </a:t>
+            </a:r>
+          </a:p>
+        </p:txBody>
+      </p:sp>
+      <p:sp>
+        <p:nvSpPr>
+          <p:cNvPr id="14" name="TextBox 13">
+            <a:extLst>
+              <a:ext uri="{FF2B5EF4-FFF2-40B4-BE49-F238E27FC236}">
+                <a16:creationId xmlns:a16="http://schemas.microsoft.com/office/drawing/2014/main" id="{76668A26-DC7F-4F21-8A86-3450EE275A58}"/>
+              </a:ext>
+            </a:extLst>
+          </p:cNvPr>
+          <p:cNvSpPr txBox="1"/>
+          <p:nvPr/>
+        </p:nvSpPr>
+        <p:spPr>
+          <a:xfrm>
+            <a:off x="171796" y="2967925"/>
+            <a:ext cx="4430054" cy="400110"/>
+          </a:xfrm>
+          <a:prstGeom prst="rect">
+            <a:avLst/>
+          </a:prstGeom>
+          <a:noFill/>
+        </p:spPr>
+        <p:txBody>
+          <a:bodyPr wrap="square" rtlCol="0">
+            <a:spAutoFit/>
+          </a:bodyPr>
+          <a:lstStyle/>
+          <a:p>
+            <a:pPr marL="0" marR="0" lvl="0" indent="0" algn="r" defTabSz="914400" rtl="0" eaLnBrk="1" fontAlgn="auto" latinLnBrk="0" hangingPunct="1">
+              <a:lnSpc>
+                <a:spcPct val="100000"/>
+              </a:lnSpc>
+              <a:spcBef>
+                <a:spcPts val="0"/>
+              </a:spcBef>
+              <a:spcAft>
+                <a:spcPts val="0"/>
+              </a:spcAft>
+              <a:buClrTx/>
+              <a:buSzTx/>
+              <a:buFontTx/>
+              <a:buNone/>
+              <a:tabLst/>
+              <a:defRPr/>
+            </a:pPr>
+            <a:r>
+              <a:rPr kumimoji="0" lang="en-US" sz="2000" b="1" i="0" u="none" strike="noStrike" kern="1200" cap="none" spc="0" normalizeH="0" baseline="0" noProof="0" dirty="0">
+                <a:ln>
+                  <a:noFill/>
+                </a:ln>
+                <a:solidFill>
+                  <a:prstClr val="black">
+                    <a:lumMod val="50000"/>
+                    <a:lumOff val="50000"/>
+                  </a:prstClr>
+                </a:solidFill>
+                <a:effectLst/>
+                <a:uLnTx/>
+                <a:uFillTx/>
+                <a:latin typeface="Open Sans" panose="020B0606030504020204" pitchFamily="34" charset="0"/>
+                <a:ea typeface="Open Sans" panose="020B0606030504020204" pitchFamily="34" charset="0"/>
+                <a:cs typeface="Open Sans" panose="020B0606030504020204" pitchFamily="34" charset="0"/>
+              </a:rPr>
+              <a:t> Remote Procedure Call (RPC)</a:t>
+            </a:r>
+          </a:p>
+        </p:txBody>
+      </p:sp>
+      <p:sp>
+        <p:nvSpPr>
+          <p:cNvPr id="15" name="TextBox 14">
+            <a:extLst>
+              <a:ext uri="{FF2B5EF4-FFF2-40B4-BE49-F238E27FC236}">
+                <a16:creationId xmlns:a16="http://schemas.microsoft.com/office/drawing/2014/main" id="{E4951E43-7047-406C-A70D-72E9124F2F45}"/>
+              </a:ext>
+            </a:extLst>
+          </p:cNvPr>
+          <p:cNvSpPr txBox="1"/>
+          <p:nvPr/>
+        </p:nvSpPr>
+        <p:spPr>
+          <a:xfrm>
+            <a:off x="914400" y="4229905"/>
+            <a:ext cx="3687450" cy="400110"/>
+          </a:xfrm>
+          <a:prstGeom prst="rect">
+            <a:avLst/>
+          </a:prstGeom>
+          <a:noFill/>
+        </p:spPr>
+        <p:txBody>
+          <a:bodyPr wrap="square" rtlCol="0">
+            <a:spAutoFit/>
+          </a:bodyPr>
+          <a:lstStyle/>
+          <a:p>
+            <a:pPr marL="0" marR="0" lvl="0" indent="0" algn="r" defTabSz="914400" rtl="0" eaLnBrk="1" fontAlgn="auto" latinLnBrk="0" hangingPunct="1">
+              <a:lnSpc>
+                <a:spcPct val="100000"/>
+              </a:lnSpc>
+              <a:spcBef>
+                <a:spcPts val="0"/>
+              </a:spcBef>
+              <a:spcAft>
+                <a:spcPts val="0"/>
+              </a:spcAft>
+              <a:buClrTx/>
+              <a:buSzTx/>
+              <a:buFontTx/>
+              <a:buNone/>
+              <a:tabLst/>
+              <a:defRPr/>
+            </a:pPr>
+            <a:r>
+              <a:rPr kumimoji="0" lang="en-US" sz="2000" b="1" i="0" u="none" strike="noStrike" kern="1200" cap="none" spc="0" normalizeH="0" baseline="0" noProof="0" dirty="0">
+                <a:ln>
+                  <a:noFill/>
+                </a:ln>
+                <a:solidFill>
+                  <a:prstClr val="black">
+                    <a:lumMod val="50000"/>
+                    <a:lumOff val="50000"/>
+                  </a:prstClr>
+                </a:solidFill>
+                <a:effectLst/>
+                <a:uLnTx/>
+                <a:uFillTx/>
+                <a:latin typeface="Open Sans" panose="020B0606030504020204" pitchFamily="34" charset="0"/>
+                <a:ea typeface="Open Sans" panose="020B0606030504020204" pitchFamily="34" charset="0"/>
+                <a:cs typeface="Open Sans" panose="020B0606030504020204" pitchFamily="34" charset="0"/>
+              </a:rPr>
+              <a:t>Calls over HTTP</a:t>
+            </a:r>
+          </a:p>
+        </p:txBody>
+      </p:sp>
+    </p:spTree>
+    <p:extLst>
+      <p:ext uri="{BB962C8B-B14F-4D97-AF65-F5344CB8AC3E}">
+        <p14:creationId xmlns:p14="http://schemas.microsoft.com/office/powerpoint/2010/main" val="2888264214"/>
+      </p:ext>
+    </p:extLst>
+  </p:cSld>
+  <p:clrMapOvr>
+    <a:masterClrMapping/>
+  </p:clrMapOvr>
+  <p:timing>
+    <p:tnLst>
+      <p:par>
+        <p:cTn id="1" dur="indefinite" restart="never" nodeType="tmRoot">
+          <p:childTnLst>
+            <p:seq concurrent="1" nextAc="seek">
+              <p:cTn id="2" dur="indefinite" nodeType="mainSeq">
+                <p:childTnLst>
+                  <p:par>
+                    <p:cTn id="3" fill="hold">
+                      <p:stCondLst>
+                        <p:cond delay="indefinite"/>
+                      </p:stCondLst>
+                      <p:childTnLst>
+                        <p:par>
+                          <p:cTn id="4" fill="hold">
+                            <p:stCondLst>
+                              <p:cond delay="0"/>
+                            </p:stCondLst>
+                            <p:childTnLst>
+                              <p:par>
+                                <p:cTn id="5" presetID="10" presetClass="entr" presetSubtype="0" fill="hold" grpId="0" nodeType="clickEffect">
+                                  <p:stCondLst>
+                                    <p:cond delay="0"/>
+                                  </p:stCondLst>
+                                  <p:childTnLst>
+                                    <p:set>
+                                      <p:cBhvr>
+                                        <p:cTn id="6" dur="1" fill="hold">
+                                          <p:stCondLst>
+                                            <p:cond delay="0"/>
+                                          </p:stCondLst>
+                                        </p:cTn>
+                                        <p:tgtEl>
+                                          <p:spTgt spid="14"/>
+                                        </p:tgtEl>
+                                        <p:attrNameLst>
+                                          <p:attrName>style.visibility</p:attrName>
+                                        </p:attrNameLst>
+                                      </p:cBhvr>
+                                      <p:to>
+                                        <p:strVal val="visible"/>
+                                      </p:to>
+                                    </p:set>
+                                    <p:animEffect transition="in" filter="fade">
+                                      <p:cBhvr>
+                                        <p:cTn id="7" dur="500"/>
+                                        <p:tgtEl>
+                                          <p:spTgt spid="14"/>
+                                        </p:tgtEl>
+                                      </p:cBhvr>
+                                    </p:animEffect>
+                                  </p:childTnLst>
+                                </p:cTn>
+                              </p:par>
+                              <p:par>
+                                <p:cTn id="8" presetID="10" presetClass="entr" presetSubtype="0" fill="hold" grpId="0" nodeType="withEffect">
+                                  <p:stCondLst>
+                                    <p:cond delay="0"/>
+                                  </p:stCondLst>
+                                  <p:childTnLst>
+                                    <p:set>
+                                      <p:cBhvr>
+                                        <p:cTn id="9" dur="1" fill="hold">
+                                          <p:stCondLst>
+                                            <p:cond delay="0"/>
+                                          </p:stCondLst>
+                                        </p:cTn>
+                                        <p:tgtEl>
+                                          <p:spTgt spid="8"/>
+                                        </p:tgtEl>
+                                        <p:attrNameLst>
+                                          <p:attrName>style.visibility</p:attrName>
+                                        </p:attrNameLst>
+                                      </p:cBhvr>
+                                      <p:to>
+                                        <p:strVal val="visible"/>
+                                      </p:to>
+                                    </p:set>
+                                    <p:animEffect transition="in" filter="fade">
+                                      <p:cBhvr>
+                                        <p:cTn id="10" dur="500"/>
+                                        <p:tgtEl>
+                                          <p:spTgt spid="8"/>
+                                        </p:tgtEl>
+                                      </p:cBhvr>
+                                    </p:animEffect>
+                                  </p:childTnLst>
+                                </p:cTn>
+                              </p:par>
+                              <p:par>
+                                <p:cTn id="11" presetID="10" presetClass="entr" presetSubtype="0" fill="hold" grpId="0" nodeType="withEffect">
+                                  <p:stCondLst>
+                                    <p:cond delay="0"/>
+                                  </p:stCondLst>
+                                  <p:childTnLst>
+                                    <p:set>
+                                      <p:cBhvr>
+                                        <p:cTn id="12" dur="1" fill="hold">
+                                          <p:stCondLst>
+                                            <p:cond delay="0"/>
+                                          </p:stCondLst>
+                                        </p:cTn>
+                                        <p:tgtEl>
+                                          <p:spTgt spid="7"/>
+                                        </p:tgtEl>
+                                        <p:attrNameLst>
+                                          <p:attrName>style.visibility</p:attrName>
+                                        </p:attrNameLst>
+                                      </p:cBhvr>
+                                      <p:to>
+                                        <p:strVal val="visible"/>
+                                      </p:to>
+                                    </p:set>
+                                    <p:animEffect transition="in" filter="fade">
+                                      <p:cBhvr>
+                                        <p:cTn id="13" dur="500"/>
+                                        <p:tgtEl>
+                                          <p:spTgt spid="7"/>
+                                        </p:tgtEl>
+                                      </p:cBhvr>
+                                    </p:animEffect>
+                                  </p:childTnLst>
+                                </p:cTn>
+                              </p:par>
+                            </p:childTnLst>
+                          </p:cTn>
+                        </p:par>
+                      </p:childTnLst>
+                    </p:cTn>
+                  </p:par>
+                  <p:par>
+                    <p:cTn id="14" fill="hold">
+                      <p:stCondLst>
+                        <p:cond delay="indefinite"/>
+                      </p:stCondLst>
+                      <p:childTnLst>
+                        <p:par>
+                          <p:cTn id="15" fill="hold">
+                            <p:stCondLst>
+                              <p:cond delay="0"/>
+                            </p:stCondLst>
+                            <p:childTnLst>
+                              <p:par>
+                                <p:cTn id="16" presetID="1" presetClass="entr" presetSubtype="0" fill="hold" grpId="0" nodeType="clickEffect">
+                                  <p:stCondLst>
+                                    <p:cond delay="0"/>
+                                  </p:stCondLst>
+                                  <p:childTnLst>
+                                    <p:set>
+                                      <p:cBhvr>
+                                        <p:cTn id="17" dur="1" fill="hold">
+                                          <p:stCondLst>
+                                            <p:cond delay="0"/>
+                                          </p:stCondLst>
+                                        </p:cTn>
+                                        <p:tgtEl>
+                                          <p:spTgt spid="12"/>
+                                        </p:tgtEl>
+                                        <p:attrNameLst>
+                                          <p:attrName>style.visibility</p:attrName>
+                                        </p:attrNameLst>
+                                      </p:cBhvr>
+                                      <p:to>
+                                        <p:strVal val="visible"/>
+                                      </p:to>
+                                    </p:set>
+                                  </p:childTnLst>
+                                </p:cTn>
+                              </p:par>
+                              <p:par>
+                                <p:cTn id="18" presetID="1" presetClass="entr" presetSubtype="0" fill="hold" grpId="0" nodeType="withEffect">
+                                  <p:stCondLst>
+                                    <p:cond delay="0"/>
+                                  </p:stCondLst>
+                                  <p:childTnLst>
+                                    <p:set>
+                                      <p:cBhvr>
+                                        <p:cTn id="19" dur="1" fill="hold">
+                                          <p:stCondLst>
+                                            <p:cond delay="0"/>
+                                          </p:stCondLst>
+                                        </p:cTn>
+                                        <p:tgtEl>
+                                          <p:spTgt spid="6"/>
+                                        </p:tgtEl>
+                                        <p:attrNameLst>
+                                          <p:attrName>style.visibility</p:attrName>
+                                        </p:attrNameLst>
+                                      </p:cBhvr>
+                                      <p:to>
+                                        <p:strVal val="visible"/>
+                                      </p:to>
+                                    </p:set>
+                                  </p:childTnLst>
+                                </p:cTn>
+                              </p:par>
+                              <p:par>
+                                <p:cTn id="20" presetID="1" presetClass="entr" presetSubtype="0" fill="hold" grpId="0" nodeType="withEffect">
+                                  <p:stCondLst>
+                                    <p:cond delay="0"/>
+                                  </p:stCondLst>
+                                  <p:childTnLst>
+                                    <p:set>
+                                      <p:cBhvr>
+                                        <p:cTn id="21" dur="1" fill="hold">
+                                          <p:stCondLst>
+                                            <p:cond delay="0"/>
+                                          </p:stCondLst>
+                                        </p:cTn>
+                                        <p:tgtEl>
+                                          <p:spTgt spid="9"/>
+                                        </p:tgtEl>
+                                        <p:attrNameLst>
+                                          <p:attrName>style.visibility</p:attrName>
+                                        </p:attrNameLst>
+                                      </p:cBhvr>
+                                      <p:to>
+                                        <p:strVal val="visible"/>
+                                      </p:to>
+                                    </p:set>
+                                  </p:childTnLst>
+                                </p:cTn>
+                              </p:par>
+                            </p:childTnLst>
+                          </p:cTn>
+                        </p:par>
+                      </p:childTnLst>
+                    </p:cTn>
+                  </p:par>
+                  <p:par>
+                    <p:cTn id="22" fill="hold">
+                      <p:stCondLst>
+                        <p:cond delay="indefinite"/>
+                      </p:stCondLst>
+                      <p:childTnLst>
+                        <p:par>
+                          <p:cTn id="23" fill="hold">
+                            <p:stCondLst>
+                              <p:cond delay="0"/>
+                            </p:stCondLst>
+                            <p:childTnLst>
+                              <p:par>
+                                <p:cTn id="24" presetID="1" presetClass="entr" presetSubtype="0" fill="hold" grpId="0" nodeType="clickEffect">
+                                  <p:stCondLst>
+                                    <p:cond delay="0"/>
+                                  </p:stCondLst>
+                                  <p:childTnLst>
+                                    <p:set>
+                                      <p:cBhvr>
+                                        <p:cTn id="25" dur="1" fill="hold">
+                                          <p:stCondLst>
+                                            <p:cond delay="0"/>
+                                          </p:stCondLst>
+                                        </p:cTn>
+                                        <p:tgtEl>
+                                          <p:spTgt spid="15"/>
+                                        </p:tgtEl>
+                                        <p:attrNameLst>
+                                          <p:attrName>style.visibility</p:attrName>
+                                        </p:attrNameLst>
+                                      </p:cBhvr>
+                                      <p:to>
+                                        <p:strVal val="visible"/>
+                                      </p:to>
+                                    </p:set>
+                                  </p:childTnLst>
+                                </p:cTn>
+                              </p:par>
+                              <p:par>
+                                <p:cTn id="26" presetID="1" presetClass="entr" presetSubtype="0" fill="hold" grpId="0" nodeType="withEffect">
+                                  <p:stCondLst>
+                                    <p:cond delay="0"/>
+                                  </p:stCondLst>
+                                  <p:childTnLst>
+                                    <p:set>
+                                      <p:cBhvr>
+                                        <p:cTn id="27" dur="1" fill="hold">
+                                          <p:stCondLst>
+                                            <p:cond delay="0"/>
+                                          </p:stCondLst>
+                                        </p:cTn>
+                                        <p:tgtEl>
+                                          <p:spTgt spid="4"/>
+                                        </p:tgtEl>
+                                        <p:attrNameLst>
+                                          <p:attrName>style.visibility</p:attrName>
+                                        </p:attrNameLst>
+                                      </p:cBhvr>
+                                      <p:to>
+                                        <p:strVal val="visible"/>
+                                      </p:to>
+                                    </p:set>
+                                  </p:childTnLst>
+                                </p:cTn>
+                              </p:par>
+                              <p:par>
+                                <p:cTn id="28" presetID="1" presetClass="entr" presetSubtype="0" fill="hold" grpId="0" nodeType="withEffect">
+                                  <p:stCondLst>
+                                    <p:cond delay="0"/>
+                                  </p:stCondLst>
+                                  <p:childTnLst>
+                                    <p:set>
+                                      <p:cBhvr>
+                                        <p:cTn id="29" dur="1" fill="hold">
+                                          <p:stCondLst>
+                                            <p:cond delay="0"/>
+                                          </p:stCondLst>
+                                        </p:cTn>
+                                        <p:tgtEl>
+                                          <p:spTgt spid="11"/>
+                                        </p:tgtEl>
+                                        <p:attrNameLst>
+                                          <p:attrName>style.visibility</p:attrName>
+                                        </p:attrNameLst>
+                                      </p:cBhvr>
+                                      <p:to>
+                                        <p:strVal val="visible"/>
+                                      </p:to>
+                                    </p:set>
+                                  </p:childTnLst>
+                                </p:cTn>
+                              </p:par>
+                            </p:childTnLst>
+                          </p:cTn>
+                        </p:par>
+                      </p:childTnLst>
+                    </p:cTn>
+                  </p:par>
+                  <p:par>
+                    <p:cTn id="30" fill="hold">
+                      <p:stCondLst>
+                        <p:cond delay="indefinite"/>
+                      </p:stCondLst>
+                      <p:childTnLst>
+                        <p:par>
+                          <p:cTn id="31" fill="hold">
+                            <p:stCondLst>
+                              <p:cond delay="0"/>
+                            </p:stCondLst>
+                            <p:childTnLst>
+                              <p:par>
+                                <p:cTn id="32" presetID="1" presetClass="entr" presetSubtype="0" fill="hold" grpId="0" nodeType="clickEffect">
+                                  <p:stCondLst>
+                                    <p:cond delay="0"/>
+                                  </p:stCondLst>
+                                  <p:childTnLst>
+                                    <p:set>
+                                      <p:cBhvr>
+                                        <p:cTn id="33" dur="1" fill="hold">
+                                          <p:stCondLst>
+                                            <p:cond delay="0"/>
+                                          </p:stCondLst>
+                                        </p:cTn>
+                                        <p:tgtEl>
+                                          <p:spTgt spid="5"/>
+                                        </p:tgtEl>
+                                        <p:attrNameLst>
+                                          <p:attrName>style.visibility</p:attrName>
+                                        </p:attrNameLst>
+                                      </p:cBhvr>
+                                      <p:to>
+                                        <p:strVal val="visible"/>
+                                      </p:to>
+                                    </p:set>
+                                  </p:childTnLst>
+                                </p:cTn>
+                              </p:par>
+                              <p:par>
+                                <p:cTn id="34" presetID="1" presetClass="entr" presetSubtype="0" fill="hold" grpId="0" nodeType="withEffect">
+                                  <p:stCondLst>
+                                    <p:cond delay="0"/>
+                                  </p:stCondLst>
+                                  <p:childTnLst>
+                                    <p:set>
+                                      <p:cBhvr>
+                                        <p:cTn id="35" dur="1" fill="hold">
+                                          <p:stCondLst>
+                                            <p:cond delay="0"/>
+                                          </p:stCondLst>
+                                        </p:cTn>
+                                        <p:tgtEl>
+                                          <p:spTgt spid="10"/>
+                                        </p:tgtEl>
+                                        <p:attrNameLst>
+                                          <p:attrName>style.visibility</p:attrName>
+                                        </p:attrNameLst>
+                                      </p:cBhvr>
+                                      <p:to>
+                                        <p:strVal val="visible"/>
+                                      </p:to>
+                                    </p:set>
+                                  </p:childTnLst>
+                                </p:cTn>
+                              </p:par>
+                              <p:par>
+                                <p:cTn id="36" presetID="1" presetClass="entr" presetSubtype="0" fill="hold" grpId="0" nodeType="withEffect">
+                                  <p:stCondLst>
+                                    <p:cond delay="0"/>
+                                  </p:stCondLst>
+                                  <p:childTnLst>
+                                    <p:set>
+                                      <p:cBhvr>
+                                        <p:cTn id="37" dur="1" fill="hold">
+                                          <p:stCondLst>
+                                            <p:cond delay="0"/>
+                                          </p:stCondLst>
+                                        </p:cTn>
+                                        <p:tgtEl>
+                                          <p:spTgt spid="13"/>
+                                        </p:tgtEl>
+                                        <p:attrNameLst>
+                                          <p:attrName>style.visibility</p:attrName>
+                                        </p:attrNameLst>
+                                      </p:cBhvr>
+                                      <p:to>
+                                        <p:strVal val="visible"/>
+                                      </p:to>
+                                    </p:set>
+                                  </p:childTnLst>
+                                </p:cTn>
+                              </p:par>
+                            </p:childTnLst>
+                          </p:cTn>
+                        </p:par>
+                      </p:childTnLst>
+                    </p:cTn>
+                  </p:par>
+                </p:childTnLst>
+              </p:cTn>
+              <p:prevCondLst>
+                <p:cond evt="onPrev" delay="0">
+                  <p:tgtEl>
+                    <p:sldTgt/>
+                  </p:tgtEl>
+                </p:cond>
+              </p:prevCondLst>
+              <p:nextCondLst>
+                <p:cond evt="onNext" delay="0">
+                  <p:tgtEl>
+                    <p:sldTgt/>
+                  </p:tgtEl>
+                </p:cond>
+              </p:nextCondLst>
+            </p:seq>
+          </p:childTnLst>
+        </p:cTn>
+      </p:par>
+    </p:tnLst>
+    <p:bldLst>
+      <p:bldP spid="4" grpId="0" animBg="1"/>
+      <p:bldP spid="5" grpId="0" animBg="1"/>
+      <p:bldP spid="6" grpId="0" animBg="1"/>
+      <p:bldP spid="7" grpId="0" animBg="1"/>
+      <p:bldP spid="8" grpId="0"/>
+      <p:bldP spid="9" grpId="0"/>
+      <p:bldP spid="10" grpId="0"/>
+      <p:bldP spid="11" grpId="0"/>
+      <p:bldP spid="12" grpId="0"/>
+      <p:bldP spid="13" grpId="0"/>
+      <p:bldP spid="14" grpId="0"/>
+      <p:bldP spid="15" grpId="0"/>
+    </p:bldLst>
+  </p:timing>
+</p:sld>
+</file>
+
+<file path=ppt/slides/slide7.xml><?xml version="1.0" encoding="utf-8"?>
+<p:sld xmlns:a="http://schemas.openxmlformats.org/drawingml/2006/main" xmlns:r="http://schemas.openxmlformats.org/officeDocument/2006/relationships" xmlns:p="http://schemas.openxmlformats.org/presentationml/2006/main">
+  <p:cSld>
+    <p:spTree>
+      <p:nvGrpSpPr>
+        <p:cNvPr id="1" name=""/>
+        <p:cNvGrpSpPr/>
+        <p:nvPr/>
+      </p:nvGrpSpPr>
+      <p:grpSpPr>
+        <a:xfrm>
+          <a:off x="0" y="0"/>
+          <a:ext cx="0" cy="0"/>
+          <a:chOff x="0" y="0"/>
+          <a:chExt cx="0" cy="0"/>
+        </a:xfrm>
+      </p:grpSpPr>
+      <p:sp>
+        <p:nvSpPr>
+          <p:cNvPr id="2" name="Title 1">
+            <a:extLst>
+              <a:ext uri="{FF2B5EF4-FFF2-40B4-BE49-F238E27FC236}">
+                <a16:creationId xmlns:a16="http://schemas.microsoft.com/office/drawing/2014/main" id="{3E8AB764-2B4B-43E9-BEAE-998148DD416E}"/>
+              </a:ext>
+            </a:extLst>
+          </p:cNvPr>
+          <p:cNvSpPr>
+            <a:spLocks noGrp="1"/>
+          </p:cNvSpPr>
+          <p:nvPr>
+            <p:ph type="title"/>
+          </p:nvPr>
+        </p:nvSpPr>
+        <p:spPr/>
+        <p:txBody>
+          <a:bodyPr/>
+          <a:lstStyle/>
+          <a:p>
+            <a:r>
+              <a:rPr lang="en-US" dirty="0"/>
+              <a:t>Evolution of Services</a:t>
+            </a:r>
+          </a:p>
+        </p:txBody>
+      </p:sp>
+      <p:pic>
+        <p:nvPicPr>
+          <p:cNvPr id="4" name="Picture 3">
+            <a:extLst>
+              <a:ext uri="{FF2B5EF4-FFF2-40B4-BE49-F238E27FC236}">
+                <a16:creationId xmlns:a16="http://schemas.microsoft.com/office/drawing/2014/main" id="{E0A6F180-3779-4EB5-85AD-126BFC50AD2A}"/>
+              </a:ext>
+            </a:extLst>
+          </p:cNvPr>
+          <p:cNvPicPr>
+            <a:picLocks noChangeAspect="1"/>
+          </p:cNvPicPr>
+          <p:nvPr/>
+        </p:nvPicPr>
+        <p:blipFill>
+          <a:blip r:embed="rId2"/>
+          <a:stretch>
+            <a:fillRect/>
+          </a:stretch>
+        </p:blipFill>
+        <p:spPr>
+          <a:xfrm>
+            <a:off x="1750157" y="2040419"/>
+            <a:ext cx="1214716" cy="1611898"/>
+          </a:xfrm>
+          <a:prstGeom prst="rect">
+            <a:avLst/>
+          </a:prstGeom>
+        </p:spPr>
+      </p:pic>
+      <p:pic>
+        <p:nvPicPr>
+          <p:cNvPr id="5" name="Picture 4">
+            <a:extLst>
+              <a:ext uri="{FF2B5EF4-FFF2-40B4-BE49-F238E27FC236}">
+                <a16:creationId xmlns:a16="http://schemas.microsoft.com/office/drawing/2014/main" id="{A0BF1C5E-9560-4DAD-AA1B-6E5501E15CF5}"/>
+              </a:ext>
+            </a:extLst>
+          </p:cNvPr>
+          <p:cNvPicPr>
+            <a:picLocks noChangeAspect="1"/>
+          </p:cNvPicPr>
+          <p:nvPr/>
+        </p:nvPicPr>
+        <p:blipFill>
+          <a:blip r:embed="rId3"/>
+          <a:stretch>
+            <a:fillRect/>
+          </a:stretch>
+        </p:blipFill>
+        <p:spPr>
+          <a:xfrm>
+            <a:off x="1750157" y="4398195"/>
+            <a:ext cx="1214716" cy="1407573"/>
+          </a:xfrm>
+          <a:prstGeom prst="rect">
+            <a:avLst/>
+          </a:prstGeom>
+        </p:spPr>
+      </p:pic>
+      <p:pic>
+        <p:nvPicPr>
+          <p:cNvPr id="6" name="Picture 5">
+            <a:extLst>
+              <a:ext uri="{FF2B5EF4-FFF2-40B4-BE49-F238E27FC236}">
+                <a16:creationId xmlns:a16="http://schemas.microsoft.com/office/drawing/2014/main" id="{108BEFF4-3F3E-4BB8-9508-67C86B4AD098}"/>
+              </a:ext>
+            </a:extLst>
+          </p:cNvPr>
+          <p:cNvPicPr>
+            <a:picLocks noChangeAspect="1"/>
+          </p:cNvPicPr>
+          <p:nvPr/>
+        </p:nvPicPr>
+        <p:blipFill>
+          <a:blip r:embed="rId4"/>
+          <a:stretch>
+            <a:fillRect/>
+          </a:stretch>
+        </p:blipFill>
+        <p:spPr>
+          <a:xfrm>
+            <a:off x="4360846" y="2241016"/>
+            <a:ext cx="2329833" cy="1210704"/>
+          </a:xfrm>
+          <a:prstGeom prst="rect">
+            <a:avLst/>
+          </a:prstGeom>
+        </p:spPr>
+      </p:pic>
+      <p:pic>
+        <p:nvPicPr>
+          <p:cNvPr id="7" name="Picture 6">
+            <a:extLst>
+              <a:ext uri="{FF2B5EF4-FFF2-40B4-BE49-F238E27FC236}">
+                <a16:creationId xmlns:a16="http://schemas.microsoft.com/office/drawing/2014/main" id="{B11AD144-33F1-4C29-85B3-874A0359C290}"/>
+              </a:ext>
+            </a:extLst>
+          </p:cNvPr>
+          <p:cNvPicPr>
+            <a:picLocks noChangeAspect="1"/>
+          </p:cNvPicPr>
+          <p:nvPr/>
+        </p:nvPicPr>
+        <p:blipFill>
+          <a:blip r:embed="rId5"/>
+          <a:stretch>
+            <a:fillRect/>
+          </a:stretch>
+        </p:blipFill>
+        <p:spPr>
+          <a:xfrm>
+            <a:off x="4360846" y="4528527"/>
+            <a:ext cx="2329833" cy="1155672"/>
+          </a:xfrm>
+          <a:prstGeom prst="rect">
+            <a:avLst/>
+          </a:prstGeom>
+        </p:spPr>
+      </p:pic>
+      <p:cxnSp>
+        <p:nvCxnSpPr>
+          <p:cNvPr id="8" name="Straight Arrow Connector 7">
+            <a:extLst>
+              <a:ext uri="{FF2B5EF4-FFF2-40B4-BE49-F238E27FC236}">
+                <a16:creationId xmlns:a16="http://schemas.microsoft.com/office/drawing/2014/main" id="{E2937E9C-4A40-4C51-9990-21342D337625}"/>
+              </a:ext>
+            </a:extLst>
+          </p:cNvPr>
+          <p:cNvCxnSpPr>
+            <a:stCxn id="6" idx="1"/>
+            <a:endCxn id="4" idx="3"/>
+          </p:cNvCxnSpPr>
+          <p:nvPr/>
+        </p:nvCxnSpPr>
+        <p:spPr>
+          <a:xfrm flipH="1">
+            <a:off x="2964873" y="2846368"/>
+            <a:ext cx="1395973" cy="0"/>
+          </a:xfrm>
+          <a:prstGeom prst="straightConnector1">
+            <a:avLst/>
+          </a:prstGeom>
+          <a:ln w="25400">
+            <a:solidFill>
+              <a:srgbClr val="7F8C8D"/>
+            </a:solidFill>
+            <a:prstDash val="dash"/>
+            <a:tailEnd type="triangle"/>
+          </a:ln>
+        </p:spPr>
+        <p:style>
+          <a:lnRef idx="1">
+            <a:schemeClr val="accent1"/>
+          </a:lnRef>
+          <a:fillRef idx="0">
+            <a:schemeClr val="accent1"/>
+          </a:fillRef>
+          <a:effectRef idx="0">
+            <a:schemeClr val="accent1"/>
+          </a:effectRef>
+          <a:fontRef idx="minor">
+            <a:schemeClr val="tx1"/>
+          </a:fontRef>
+        </p:style>
+      </p:cxnSp>
+      <p:cxnSp>
+        <p:nvCxnSpPr>
+          <p:cNvPr id="9" name="Straight Arrow Connector 8">
+            <a:extLst>
+              <a:ext uri="{FF2B5EF4-FFF2-40B4-BE49-F238E27FC236}">
+                <a16:creationId xmlns:a16="http://schemas.microsoft.com/office/drawing/2014/main" id="{E8E09755-5373-4095-A272-4B05E62D4AF6}"/>
+              </a:ext>
+            </a:extLst>
+          </p:cNvPr>
+          <p:cNvCxnSpPr/>
+          <p:nvPr/>
+        </p:nvCxnSpPr>
+        <p:spPr>
+          <a:xfrm flipH="1" flipV="1">
+            <a:off x="2482735" y="4893425"/>
+            <a:ext cx="1878112" cy="27710"/>
+          </a:xfrm>
+          <a:prstGeom prst="straightConnector1">
+            <a:avLst/>
+          </a:prstGeom>
+          <a:ln w="25400">
+            <a:solidFill>
+              <a:srgbClr val="7F8C8D"/>
+            </a:solidFill>
+            <a:prstDash val="dash"/>
+            <a:tailEnd type="triangle"/>
+          </a:ln>
+        </p:spPr>
+        <p:style>
+          <a:lnRef idx="1">
+            <a:schemeClr val="accent1"/>
+          </a:lnRef>
+          <a:fillRef idx="0">
+            <a:schemeClr val="accent1"/>
+          </a:fillRef>
+          <a:effectRef idx="0">
+            <a:schemeClr val="accent1"/>
+          </a:effectRef>
+          <a:fontRef idx="minor">
+            <a:schemeClr val="tx1"/>
+          </a:fontRef>
+        </p:style>
+      </p:cxnSp>
+      <p:cxnSp>
+        <p:nvCxnSpPr>
+          <p:cNvPr id="10" name="Straight Arrow Connector 9">
+            <a:extLst>
+              <a:ext uri="{FF2B5EF4-FFF2-40B4-BE49-F238E27FC236}">
+                <a16:creationId xmlns:a16="http://schemas.microsoft.com/office/drawing/2014/main" id="{126CB3E0-B4C1-4E2B-8E2A-0F0869C761E3}"/>
+              </a:ext>
+            </a:extLst>
+          </p:cNvPr>
+          <p:cNvCxnSpPr>
+            <a:stCxn id="5" idx="0"/>
+          </p:cNvCxnSpPr>
+          <p:nvPr/>
+        </p:nvCxnSpPr>
+        <p:spPr>
+          <a:xfrm flipV="1">
+            <a:off x="2357515" y="3641878"/>
+            <a:ext cx="1" cy="756317"/>
+          </a:xfrm>
+          <a:prstGeom prst="straightConnector1">
+            <a:avLst/>
+          </a:prstGeom>
+          <a:ln w="25400">
+            <a:solidFill>
+              <a:srgbClr val="7F8C8D"/>
+            </a:solidFill>
+            <a:prstDash val="dash"/>
+            <a:tailEnd type="triangle"/>
+          </a:ln>
+        </p:spPr>
+        <p:style>
+          <a:lnRef idx="1">
+            <a:schemeClr val="accent1"/>
+          </a:lnRef>
+          <a:fillRef idx="0">
+            <a:schemeClr val="accent1"/>
+          </a:fillRef>
+          <a:effectRef idx="0">
+            <a:schemeClr val="accent1"/>
+          </a:effectRef>
+          <a:fontRef idx="minor">
+            <a:schemeClr val="tx1"/>
+          </a:fontRef>
+        </p:style>
+      </p:cxnSp>
+      <p:pic>
+        <p:nvPicPr>
+          <p:cNvPr id="11" name="Picture 10">
+            <a:extLst>
+              <a:ext uri="{FF2B5EF4-FFF2-40B4-BE49-F238E27FC236}">
+                <a16:creationId xmlns:a16="http://schemas.microsoft.com/office/drawing/2014/main" id="{2B6BAA12-68D5-4B35-BB13-4C9CD3FD1E09}"/>
+              </a:ext>
+            </a:extLst>
+          </p:cNvPr>
+          <p:cNvPicPr>
+            <a:picLocks noChangeAspect="1"/>
+          </p:cNvPicPr>
+          <p:nvPr/>
+        </p:nvPicPr>
+        <p:blipFill>
+          <a:blip r:embed="rId6"/>
+          <a:stretch>
+            <a:fillRect/>
+          </a:stretch>
+        </p:blipFill>
+        <p:spPr>
+          <a:xfrm>
+            <a:off x="6984100" y="3516246"/>
+            <a:ext cx="1217353" cy="1157780"/>
+          </a:xfrm>
+          <a:prstGeom prst="rect">
+            <a:avLst/>
+          </a:prstGeom>
+        </p:spPr>
+      </p:pic>
+      <p:cxnSp>
+        <p:nvCxnSpPr>
+          <p:cNvPr id="12" name="Straight Arrow Connector 11">
+            <a:extLst>
+              <a:ext uri="{FF2B5EF4-FFF2-40B4-BE49-F238E27FC236}">
+                <a16:creationId xmlns:a16="http://schemas.microsoft.com/office/drawing/2014/main" id="{6829BF7B-96DA-4438-B13C-F8FFC9E20C40}"/>
+              </a:ext>
+            </a:extLst>
+          </p:cNvPr>
+          <p:cNvCxnSpPr>
+            <a:stCxn id="11" idx="1"/>
+          </p:cNvCxnSpPr>
+          <p:nvPr/>
+        </p:nvCxnSpPr>
+        <p:spPr>
+          <a:xfrm flipH="1" flipV="1">
+            <a:off x="2964873" y="3296159"/>
+            <a:ext cx="4019227" cy="798977"/>
+          </a:xfrm>
+          <a:prstGeom prst="straightConnector1">
+            <a:avLst/>
+          </a:prstGeom>
+          <a:ln w="25400">
+            <a:solidFill>
+              <a:srgbClr val="7F8C8D"/>
+            </a:solidFill>
+            <a:prstDash val="dash"/>
+            <a:tailEnd type="triangle"/>
+          </a:ln>
+        </p:spPr>
+        <p:style>
+          <a:lnRef idx="1">
+            <a:schemeClr val="accent1"/>
+          </a:lnRef>
+          <a:fillRef idx="0">
+            <a:schemeClr val="accent1"/>
+          </a:fillRef>
+          <a:effectRef idx="0">
+            <a:schemeClr val="accent1"/>
+          </a:effectRef>
+          <a:fontRef idx="minor">
+            <a:schemeClr val="tx1"/>
+          </a:fontRef>
+        </p:style>
+      </p:cxnSp>
+      <p:cxnSp>
+        <p:nvCxnSpPr>
+          <p:cNvPr id="13" name="Straight Arrow Connector 12">
+            <a:extLst>
+              <a:ext uri="{FF2B5EF4-FFF2-40B4-BE49-F238E27FC236}">
+                <a16:creationId xmlns:a16="http://schemas.microsoft.com/office/drawing/2014/main" id="{6E215412-414D-4586-BE20-431B0FA05EDF}"/>
+              </a:ext>
+            </a:extLst>
+          </p:cNvPr>
+          <p:cNvCxnSpPr/>
+          <p:nvPr/>
+        </p:nvCxnSpPr>
+        <p:spPr>
+          <a:xfrm>
+            <a:off x="6755500" y="2724477"/>
+            <a:ext cx="691880" cy="791769"/>
+          </a:xfrm>
+          <a:prstGeom prst="straightConnector1">
+            <a:avLst/>
+          </a:prstGeom>
+          <a:ln w="25400">
+            <a:solidFill>
+              <a:srgbClr val="7F8C8D"/>
+            </a:solidFill>
+            <a:prstDash val="dash"/>
+            <a:tailEnd type="triangle"/>
+          </a:ln>
+        </p:spPr>
+        <p:style>
+          <a:lnRef idx="1">
+            <a:schemeClr val="accent1"/>
+          </a:lnRef>
+          <a:fillRef idx="0">
+            <a:schemeClr val="accent1"/>
+          </a:fillRef>
+          <a:effectRef idx="0">
+            <a:schemeClr val="accent1"/>
+          </a:effectRef>
+          <a:fontRef idx="minor">
+            <a:schemeClr val="tx1"/>
+          </a:fontRef>
+        </p:style>
+      </p:cxnSp>
+      <p:cxnSp>
+        <p:nvCxnSpPr>
+          <p:cNvPr id="14" name="Straight Arrow Connector 13">
+            <a:extLst>
+              <a:ext uri="{FF2B5EF4-FFF2-40B4-BE49-F238E27FC236}">
+                <a16:creationId xmlns:a16="http://schemas.microsoft.com/office/drawing/2014/main" id="{264FB564-22C0-4FA7-B5EA-6FA0D8F705D2}"/>
+              </a:ext>
+            </a:extLst>
+          </p:cNvPr>
+          <p:cNvCxnSpPr/>
+          <p:nvPr/>
+        </p:nvCxnSpPr>
+        <p:spPr>
+          <a:xfrm flipV="1">
+            <a:off x="6690777" y="4528527"/>
+            <a:ext cx="670106" cy="573454"/>
+          </a:xfrm>
+          <a:prstGeom prst="straightConnector1">
+            <a:avLst/>
+          </a:prstGeom>
+          <a:ln w="25400">
+            <a:solidFill>
+              <a:srgbClr val="7F8C8D"/>
+            </a:solidFill>
+            <a:prstDash val="dash"/>
+            <a:tailEnd type="triangle"/>
+          </a:ln>
+        </p:spPr>
+        <p:style>
+          <a:lnRef idx="1">
+            <a:schemeClr val="accent1"/>
+          </a:lnRef>
+          <a:fillRef idx="0">
+            <a:schemeClr val="accent1"/>
+          </a:fillRef>
+          <a:effectRef idx="0">
+            <a:schemeClr val="accent1"/>
+          </a:effectRef>
+          <a:fontRef idx="minor">
+            <a:schemeClr val="tx1"/>
+          </a:fontRef>
+        </p:style>
+      </p:cxnSp>
+      <p:pic>
+        <p:nvPicPr>
+          <p:cNvPr id="15" name="Picture 14">
+            <a:extLst>
+              <a:ext uri="{FF2B5EF4-FFF2-40B4-BE49-F238E27FC236}">
+                <a16:creationId xmlns:a16="http://schemas.microsoft.com/office/drawing/2014/main" id="{51C6A646-984A-4035-9354-7B2FC6754974}"/>
+              </a:ext>
+            </a:extLst>
+          </p:cNvPr>
+          <p:cNvPicPr>
+            <a:picLocks noChangeAspect="1"/>
+          </p:cNvPicPr>
+          <p:nvPr/>
+        </p:nvPicPr>
+        <p:blipFill>
+          <a:blip r:embed="rId7"/>
+          <a:stretch>
+            <a:fillRect/>
+          </a:stretch>
+        </p:blipFill>
+        <p:spPr>
+          <a:xfrm>
+            <a:off x="9597112" y="2417908"/>
+            <a:ext cx="870796" cy="1133222"/>
+          </a:xfrm>
+          <a:prstGeom prst="rect">
+            <a:avLst/>
+          </a:prstGeom>
+        </p:spPr>
+      </p:pic>
+      <p:pic>
+        <p:nvPicPr>
+          <p:cNvPr id="16" name="Picture 15">
+            <a:extLst>
+              <a:ext uri="{FF2B5EF4-FFF2-40B4-BE49-F238E27FC236}">
+                <a16:creationId xmlns:a16="http://schemas.microsoft.com/office/drawing/2014/main" id="{5940D7E8-97CA-4F89-85F9-075EC8F6887E}"/>
+              </a:ext>
+            </a:extLst>
+          </p:cNvPr>
+          <p:cNvPicPr>
+            <a:picLocks noChangeAspect="1"/>
+          </p:cNvPicPr>
+          <p:nvPr/>
+        </p:nvPicPr>
+        <p:blipFill>
+          <a:blip r:embed="rId8"/>
+          <a:stretch>
+            <a:fillRect/>
+          </a:stretch>
+        </p:blipFill>
+        <p:spPr>
+          <a:xfrm>
+            <a:off x="9821976" y="3851871"/>
+            <a:ext cx="421068" cy="693697"/>
+          </a:xfrm>
+          <a:prstGeom prst="rect">
+            <a:avLst/>
+          </a:prstGeom>
+        </p:spPr>
+      </p:pic>
+      <p:pic>
+        <p:nvPicPr>
+          <p:cNvPr id="17" name="Picture 16">
+            <a:extLst>
+              <a:ext uri="{FF2B5EF4-FFF2-40B4-BE49-F238E27FC236}">
+                <a16:creationId xmlns:a16="http://schemas.microsoft.com/office/drawing/2014/main" id="{9EB0BBBD-7D22-4DAF-935F-3A88B5BF8C4D}"/>
+              </a:ext>
+            </a:extLst>
+          </p:cNvPr>
+          <p:cNvPicPr>
+            <a:picLocks noChangeAspect="1"/>
+          </p:cNvPicPr>
+          <p:nvPr/>
+        </p:nvPicPr>
+        <p:blipFill>
+          <a:blip r:embed="rId9"/>
+          <a:stretch>
+            <a:fillRect/>
+          </a:stretch>
+        </p:blipFill>
+        <p:spPr>
+          <a:xfrm>
+            <a:off x="9307984" y="4846309"/>
+            <a:ext cx="1466743" cy="959459"/>
+          </a:xfrm>
+          <a:prstGeom prst="rect">
+            <a:avLst/>
+          </a:prstGeom>
+        </p:spPr>
+      </p:pic>
+      <p:cxnSp>
+        <p:nvCxnSpPr>
+          <p:cNvPr id="18" name="Straight Arrow Connector 17">
+            <a:extLst>
+              <a:ext uri="{FF2B5EF4-FFF2-40B4-BE49-F238E27FC236}">
+                <a16:creationId xmlns:a16="http://schemas.microsoft.com/office/drawing/2014/main" id="{99D11AC4-3379-4FF5-86A5-C5390A01CBDB}"/>
+              </a:ext>
+            </a:extLst>
+          </p:cNvPr>
+          <p:cNvCxnSpPr>
+            <a:stCxn id="15" idx="1"/>
+          </p:cNvCxnSpPr>
+          <p:nvPr/>
+        </p:nvCxnSpPr>
+        <p:spPr>
+          <a:xfrm flipH="1">
+            <a:off x="7997256" y="2984519"/>
+            <a:ext cx="1599856" cy="867352"/>
+          </a:xfrm>
+          <a:prstGeom prst="straightConnector1">
+            <a:avLst/>
+          </a:prstGeom>
+          <a:ln w="25400">
+            <a:solidFill>
+              <a:srgbClr val="7F8C8D"/>
+            </a:solidFill>
+            <a:prstDash val="dash"/>
+            <a:tailEnd type="triangle"/>
+          </a:ln>
+        </p:spPr>
+        <p:style>
+          <a:lnRef idx="1">
+            <a:schemeClr val="accent1"/>
+          </a:lnRef>
+          <a:fillRef idx="0">
+            <a:schemeClr val="accent1"/>
+          </a:fillRef>
+          <a:effectRef idx="0">
+            <a:schemeClr val="accent1"/>
+          </a:effectRef>
+          <a:fontRef idx="minor">
+            <a:schemeClr val="tx1"/>
+          </a:fontRef>
+        </p:style>
+      </p:cxnSp>
+      <p:cxnSp>
+        <p:nvCxnSpPr>
+          <p:cNvPr id="19" name="Straight Arrow Connector 18">
+            <a:extLst>
+              <a:ext uri="{FF2B5EF4-FFF2-40B4-BE49-F238E27FC236}">
+                <a16:creationId xmlns:a16="http://schemas.microsoft.com/office/drawing/2014/main" id="{19D9DA28-3A24-49F0-883E-38DB1D0AEA10}"/>
+              </a:ext>
+            </a:extLst>
+          </p:cNvPr>
+          <p:cNvCxnSpPr>
+            <a:stCxn id="16" idx="1"/>
+          </p:cNvCxnSpPr>
+          <p:nvPr/>
+        </p:nvCxnSpPr>
+        <p:spPr>
+          <a:xfrm flipH="1" flipV="1">
+            <a:off x="8252507" y="4198719"/>
+            <a:ext cx="1569469" cy="1"/>
+          </a:xfrm>
+          <a:prstGeom prst="straightConnector1">
+            <a:avLst/>
+          </a:prstGeom>
+          <a:ln w="25400">
+            <a:solidFill>
+              <a:srgbClr val="7F8C8D"/>
+            </a:solidFill>
+            <a:prstDash val="dash"/>
+            <a:tailEnd type="triangle"/>
+          </a:ln>
+        </p:spPr>
+        <p:style>
+          <a:lnRef idx="1">
+            <a:schemeClr val="accent1"/>
+          </a:lnRef>
+          <a:fillRef idx="0">
+            <a:schemeClr val="accent1"/>
+          </a:fillRef>
+          <a:effectRef idx="0">
+            <a:schemeClr val="accent1"/>
+          </a:effectRef>
+          <a:fontRef idx="minor">
+            <a:schemeClr val="tx1"/>
+          </a:fontRef>
+        </p:style>
+      </p:cxnSp>
+      <p:cxnSp>
+        <p:nvCxnSpPr>
+          <p:cNvPr id="20" name="Straight Arrow Connector 19">
+            <a:extLst>
+              <a:ext uri="{FF2B5EF4-FFF2-40B4-BE49-F238E27FC236}">
+                <a16:creationId xmlns:a16="http://schemas.microsoft.com/office/drawing/2014/main" id="{5294347F-EBAE-410F-BD76-FD123B58C962}"/>
+              </a:ext>
+            </a:extLst>
+          </p:cNvPr>
+          <p:cNvCxnSpPr>
+            <a:stCxn id="17" idx="1"/>
+          </p:cNvCxnSpPr>
+          <p:nvPr/>
+        </p:nvCxnSpPr>
+        <p:spPr>
+          <a:xfrm flipH="1" flipV="1">
+            <a:off x="8145537" y="4608883"/>
+            <a:ext cx="1162447" cy="717156"/>
+          </a:xfrm>
+          <a:prstGeom prst="straightConnector1">
+            <a:avLst/>
+          </a:prstGeom>
+          <a:ln w="25400">
+            <a:solidFill>
+              <a:srgbClr val="7F8C8D"/>
+            </a:solidFill>
+            <a:prstDash val="dash"/>
+            <a:tailEnd type="triangle"/>
+          </a:ln>
+        </p:spPr>
+        <p:style>
+          <a:lnRef idx="1">
+            <a:schemeClr val="accent1"/>
+          </a:lnRef>
+          <a:fillRef idx="0">
+            <a:schemeClr val="accent1"/>
+          </a:fillRef>
+          <a:effectRef idx="0">
+            <a:schemeClr val="accent1"/>
+          </a:effectRef>
+          <a:fontRef idx="minor">
+            <a:schemeClr val="tx1"/>
+          </a:fontRef>
+        </p:style>
+      </p:cxnSp>
+    </p:spTree>
+    <p:extLst>
+      <p:ext uri="{BB962C8B-B14F-4D97-AF65-F5344CB8AC3E}">
+        <p14:creationId xmlns:p14="http://schemas.microsoft.com/office/powerpoint/2010/main" val="1706894742"/>
+      </p:ext>
+    </p:extLst>
+  </p:cSld>
+  <p:clrMapOvr>
+    <a:masterClrMapping/>
+  </p:clrMapOvr>
+  <p:timing>
+    <p:tnLst>
+      <p:par>
+        <p:cTn id="1" dur="indefinite" restart="never" nodeType="tmRoot">
+          <p:childTnLst>
+            <p:seq concurrent="1" nextAc="seek">
+              <p:cTn id="2" dur="indefinite" nodeType="mainSeq">
+                <p:childTnLst>
+                  <p:par>
+                    <p:cTn id="3" fill="hold">
+                      <p:stCondLst>
+                        <p:cond delay="indefinite"/>
+                      </p:stCondLst>
+                      <p:childTnLst>
+                        <p:par>
+                          <p:cTn id="4" fill="hold">
+                            <p:stCondLst>
+                              <p:cond delay="0"/>
+                            </p:stCondLst>
+                            <p:childTnLst>
+                              <p:par>
+                                <p:cTn id="5" presetID="10" presetClass="entr" presetSubtype="0" fill="hold" nodeType="clickEffect">
+                                  <p:stCondLst>
+                                    <p:cond delay="0"/>
+                                  </p:stCondLst>
+                                  <p:childTnLst>
+                                    <p:set>
+                                      <p:cBhvr>
+                                        <p:cTn id="6" dur="1" fill="hold">
+                                          <p:stCondLst>
+                                            <p:cond delay="0"/>
+                                          </p:stCondLst>
+                                        </p:cTn>
+                                        <p:tgtEl>
+                                          <p:spTgt spid="6"/>
+                                        </p:tgtEl>
+                                        <p:attrNameLst>
+                                          <p:attrName>style.visibility</p:attrName>
+                                        </p:attrNameLst>
+                                      </p:cBhvr>
+                                      <p:to>
+                                        <p:strVal val="visible"/>
+                                      </p:to>
+                                    </p:set>
+                                    <p:animEffect transition="in" filter="fade">
+                                      <p:cBhvr>
+                                        <p:cTn id="7" dur="500"/>
+                                        <p:tgtEl>
+                                          <p:spTgt spid="6"/>
+                                        </p:tgtEl>
+                                      </p:cBhvr>
+                                    </p:animEffect>
+                                  </p:childTnLst>
+                                </p:cTn>
+                              </p:par>
+                            </p:childTnLst>
+                          </p:cTn>
+                        </p:par>
+                      </p:childTnLst>
+                    </p:cTn>
+                  </p:par>
+                  <p:par>
+                    <p:cTn id="8" fill="hold">
+                      <p:stCondLst>
+                        <p:cond delay="indefinite"/>
+                      </p:stCondLst>
+                      <p:childTnLst>
+                        <p:par>
+                          <p:cTn id="9" fill="hold">
+                            <p:stCondLst>
+                              <p:cond delay="0"/>
+                            </p:stCondLst>
+                            <p:childTnLst>
+                              <p:par>
+                                <p:cTn id="10" presetID="10" presetClass="entr" presetSubtype="0" fill="hold" nodeType="clickEffect">
+                                  <p:stCondLst>
+                                    <p:cond delay="0"/>
+                                  </p:stCondLst>
+                                  <p:childTnLst>
+                                    <p:set>
+                                      <p:cBhvr>
+                                        <p:cTn id="11" dur="1" fill="hold">
+                                          <p:stCondLst>
+                                            <p:cond delay="0"/>
+                                          </p:stCondLst>
+                                        </p:cTn>
+                                        <p:tgtEl>
+                                          <p:spTgt spid="8"/>
+                                        </p:tgtEl>
+                                        <p:attrNameLst>
+                                          <p:attrName>style.visibility</p:attrName>
+                                        </p:attrNameLst>
+                                      </p:cBhvr>
+                                      <p:to>
+                                        <p:strVal val="visible"/>
+                                      </p:to>
+                                    </p:set>
+                                    <p:animEffect transition="in" filter="fade">
+                                      <p:cBhvr>
+                                        <p:cTn id="12" dur="500"/>
+                                        <p:tgtEl>
+                                          <p:spTgt spid="8"/>
+                                        </p:tgtEl>
+                                      </p:cBhvr>
+                                    </p:animEffect>
+                                  </p:childTnLst>
+                                </p:cTn>
+                              </p:par>
+                            </p:childTnLst>
+                          </p:cTn>
+                        </p:par>
+                      </p:childTnLst>
+                    </p:cTn>
+                  </p:par>
+                  <p:par>
+                    <p:cTn id="13" fill="hold">
+                      <p:stCondLst>
+                        <p:cond delay="indefinite"/>
+                      </p:stCondLst>
+                      <p:childTnLst>
+                        <p:par>
+                          <p:cTn id="14" fill="hold">
+                            <p:stCondLst>
+                              <p:cond delay="0"/>
+                            </p:stCondLst>
+                            <p:childTnLst>
+                              <p:par>
+                                <p:cTn id="15" presetID="10" presetClass="entr" presetSubtype="0" fill="hold" nodeType="clickEffect">
+                                  <p:stCondLst>
+                                    <p:cond delay="0"/>
+                                  </p:stCondLst>
+                                  <p:childTnLst>
+                                    <p:set>
+                                      <p:cBhvr>
+                                        <p:cTn id="16" dur="1" fill="hold">
+                                          <p:stCondLst>
+                                            <p:cond delay="0"/>
+                                          </p:stCondLst>
+                                        </p:cTn>
+                                        <p:tgtEl>
+                                          <p:spTgt spid="7"/>
+                                        </p:tgtEl>
+                                        <p:attrNameLst>
+                                          <p:attrName>style.visibility</p:attrName>
+                                        </p:attrNameLst>
+                                      </p:cBhvr>
+                                      <p:to>
+                                        <p:strVal val="visible"/>
+                                      </p:to>
+                                    </p:set>
+                                    <p:animEffect transition="in" filter="fade">
+                                      <p:cBhvr>
+                                        <p:cTn id="17" dur="500"/>
+                                        <p:tgtEl>
+                                          <p:spTgt spid="7"/>
+                                        </p:tgtEl>
+                                      </p:cBhvr>
+                                    </p:animEffect>
+                                  </p:childTnLst>
+                                </p:cTn>
+                              </p:par>
+                            </p:childTnLst>
+                          </p:cTn>
+                        </p:par>
+                      </p:childTnLst>
+                    </p:cTn>
+                  </p:par>
+                  <p:par>
+                    <p:cTn id="18" fill="hold">
+                      <p:stCondLst>
+                        <p:cond delay="indefinite"/>
+                      </p:stCondLst>
+                      <p:childTnLst>
+                        <p:par>
+                          <p:cTn id="19" fill="hold">
+                            <p:stCondLst>
+                              <p:cond delay="0"/>
+                            </p:stCondLst>
+                            <p:childTnLst>
+                              <p:par>
+                                <p:cTn id="20" presetID="10" presetClass="entr" presetSubtype="0" fill="hold" nodeType="clickEffect">
+                                  <p:stCondLst>
+                                    <p:cond delay="0"/>
+                                  </p:stCondLst>
+                                  <p:childTnLst>
+                                    <p:set>
+                                      <p:cBhvr>
+                                        <p:cTn id="21" dur="1" fill="hold">
+                                          <p:stCondLst>
+                                            <p:cond delay="0"/>
+                                          </p:stCondLst>
+                                        </p:cTn>
+                                        <p:tgtEl>
+                                          <p:spTgt spid="9"/>
+                                        </p:tgtEl>
+                                        <p:attrNameLst>
+                                          <p:attrName>style.visibility</p:attrName>
+                                        </p:attrNameLst>
+                                      </p:cBhvr>
+                                      <p:to>
+                                        <p:strVal val="visible"/>
+                                      </p:to>
+                                    </p:set>
+                                    <p:animEffect transition="in" filter="fade">
+                                      <p:cBhvr>
+                                        <p:cTn id="22" dur="500"/>
+                                        <p:tgtEl>
+                                          <p:spTgt spid="9"/>
+                                        </p:tgtEl>
+                                      </p:cBhvr>
+                                    </p:animEffect>
+                                  </p:childTnLst>
+                                </p:cTn>
+                              </p:par>
+                              <p:par>
+                                <p:cTn id="23" presetID="10" presetClass="entr" presetSubtype="0" fill="hold" nodeType="withEffect">
+                                  <p:stCondLst>
+                                    <p:cond delay="0"/>
+                                  </p:stCondLst>
+                                  <p:childTnLst>
+                                    <p:set>
+                                      <p:cBhvr>
+                                        <p:cTn id="24" dur="1" fill="hold">
+                                          <p:stCondLst>
+                                            <p:cond delay="0"/>
+                                          </p:stCondLst>
+                                        </p:cTn>
+                                        <p:tgtEl>
+                                          <p:spTgt spid="5"/>
+                                        </p:tgtEl>
+                                        <p:attrNameLst>
+                                          <p:attrName>style.visibility</p:attrName>
+                                        </p:attrNameLst>
+                                      </p:cBhvr>
+                                      <p:to>
+                                        <p:strVal val="visible"/>
+                                      </p:to>
+                                    </p:set>
+                                    <p:animEffect transition="in" filter="fade">
+                                      <p:cBhvr>
+                                        <p:cTn id="25" dur="500"/>
+                                        <p:tgtEl>
+                                          <p:spTgt spid="5"/>
+                                        </p:tgtEl>
+                                      </p:cBhvr>
+                                    </p:animEffect>
+                                  </p:childTnLst>
+                                </p:cTn>
+                              </p:par>
+                            </p:childTnLst>
+                          </p:cTn>
+                        </p:par>
+                      </p:childTnLst>
+                    </p:cTn>
+                  </p:par>
+                  <p:par>
+                    <p:cTn id="26" fill="hold">
+                      <p:stCondLst>
+                        <p:cond delay="indefinite"/>
+                      </p:stCondLst>
+                      <p:childTnLst>
+                        <p:par>
+                          <p:cTn id="27" fill="hold">
+                            <p:stCondLst>
+                              <p:cond delay="0"/>
+                            </p:stCondLst>
+                            <p:childTnLst>
+                              <p:par>
+                                <p:cTn id="28" presetID="10" presetClass="entr" presetSubtype="0" fill="hold" nodeType="clickEffect">
+                                  <p:stCondLst>
+                                    <p:cond delay="0"/>
+                                  </p:stCondLst>
+                                  <p:childTnLst>
+                                    <p:set>
+                                      <p:cBhvr>
+                                        <p:cTn id="29" dur="1" fill="hold">
+                                          <p:stCondLst>
+                                            <p:cond delay="0"/>
+                                          </p:stCondLst>
+                                        </p:cTn>
+                                        <p:tgtEl>
+                                          <p:spTgt spid="10"/>
+                                        </p:tgtEl>
+                                        <p:attrNameLst>
+                                          <p:attrName>style.visibility</p:attrName>
+                                        </p:attrNameLst>
+                                      </p:cBhvr>
+                                      <p:to>
+                                        <p:strVal val="visible"/>
+                                      </p:to>
+                                    </p:set>
+                                    <p:animEffect transition="in" filter="fade">
+                                      <p:cBhvr>
+                                        <p:cTn id="30" dur="500"/>
+                                        <p:tgtEl>
+                                          <p:spTgt spid="10"/>
+                                        </p:tgtEl>
+                                      </p:cBhvr>
+                                    </p:animEffect>
+                                  </p:childTnLst>
+                                </p:cTn>
+                              </p:par>
+                            </p:childTnLst>
+                          </p:cTn>
+                        </p:par>
+                      </p:childTnLst>
+                    </p:cTn>
+                  </p:par>
+                  <p:par>
+                    <p:cTn id="31" fill="hold">
+                      <p:stCondLst>
+                        <p:cond delay="indefinite"/>
+                      </p:stCondLst>
+                      <p:childTnLst>
+                        <p:par>
+                          <p:cTn id="32" fill="hold">
+                            <p:stCondLst>
+                              <p:cond delay="0"/>
+                            </p:stCondLst>
+                            <p:childTnLst>
+                              <p:par>
+                                <p:cTn id="33" presetID="1" presetClass="entr" presetSubtype="0" fill="hold" nodeType="clickEffect">
+                                  <p:stCondLst>
+                                    <p:cond delay="0"/>
+                                  </p:stCondLst>
+                                  <p:childTnLst>
+                                    <p:set>
+                                      <p:cBhvr>
+                                        <p:cTn id="34" dur="1" fill="hold">
+                                          <p:stCondLst>
+                                            <p:cond delay="0"/>
+                                          </p:stCondLst>
+                                        </p:cTn>
+                                        <p:tgtEl>
+                                          <p:spTgt spid="11"/>
+                                        </p:tgtEl>
+                                        <p:attrNameLst>
+                                          <p:attrName>style.visibility</p:attrName>
+                                        </p:attrNameLst>
+                                      </p:cBhvr>
+                                      <p:to>
+                                        <p:strVal val="visible"/>
+                                      </p:to>
+                                    </p:set>
+                                  </p:childTnLst>
+                                </p:cTn>
+                              </p:par>
+                            </p:childTnLst>
+                          </p:cTn>
+                        </p:par>
+                      </p:childTnLst>
+                    </p:cTn>
+                  </p:par>
+                  <p:par>
+                    <p:cTn id="35" fill="hold">
+                      <p:stCondLst>
+                        <p:cond delay="indefinite"/>
+                      </p:stCondLst>
+                      <p:childTnLst>
+                        <p:par>
+                          <p:cTn id="36" fill="hold">
+                            <p:stCondLst>
+                              <p:cond delay="0"/>
+                            </p:stCondLst>
+                            <p:childTnLst>
+                              <p:par>
+                                <p:cTn id="37" presetID="10" presetClass="entr" presetSubtype="0" fill="hold" nodeType="clickEffect">
+                                  <p:stCondLst>
+                                    <p:cond delay="0"/>
+                                  </p:stCondLst>
+                                  <p:childTnLst>
+                                    <p:set>
+                                      <p:cBhvr>
+                                        <p:cTn id="38" dur="1" fill="hold">
+                                          <p:stCondLst>
+                                            <p:cond delay="0"/>
+                                          </p:stCondLst>
+                                        </p:cTn>
+                                        <p:tgtEl>
+                                          <p:spTgt spid="12"/>
+                                        </p:tgtEl>
+                                        <p:attrNameLst>
+                                          <p:attrName>style.visibility</p:attrName>
+                                        </p:attrNameLst>
+                                      </p:cBhvr>
+                                      <p:to>
+                                        <p:strVal val="visible"/>
+                                      </p:to>
+                                    </p:set>
+                                    <p:animEffect transition="in" filter="fade">
+                                      <p:cBhvr>
+                                        <p:cTn id="39" dur="500"/>
+                                        <p:tgtEl>
+                                          <p:spTgt spid="12"/>
+                                        </p:tgtEl>
+                                      </p:cBhvr>
+                                    </p:animEffect>
+                                  </p:childTnLst>
+                                </p:cTn>
+                              </p:par>
+                            </p:childTnLst>
+                          </p:cTn>
+                        </p:par>
+                      </p:childTnLst>
+                    </p:cTn>
+                  </p:par>
+                  <p:par>
+                    <p:cTn id="40" fill="hold">
+                      <p:stCondLst>
+                        <p:cond delay="indefinite"/>
+                      </p:stCondLst>
+                      <p:childTnLst>
+                        <p:par>
+                          <p:cTn id="41" fill="hold">
+                            <p:stCondLst>
+                              <p:cond delay="0"/>
+                            </p:stCondLst>
+                            <p:childTnLst>
+                              <p:par>
+                                <p:cTn id="42" presetID="1" presetClass="exit" presetSubtype="0" fill="hold" nodeType="clickEffect">
+                                  <p:stCondLst>
+                                    <p:cond delay="0"/>
+                                  </p:stCondLst>
+                                  <p:childTnLst>
+                                    <p:set>
+                                      <p:cBhvr>
+                                        <p:cTn id="43" dur="1" fill="hold">
+                                          <p:stCondLst>
+                                            <p:cond delay="0"/>
+                                          </p:stCondLst>
+                                        </p:cTn>
+                                        <p:tgtEl>
+                                          <p:spTgt spid="8"/>
+                                        </p:tgtEl>
+                                        <p:attrNameLst>
+                                          <p:attrName>style.visibility</p:attrName>
+                                        </p:attrNameLst>
+                                      </p:cBhvr>
+                                      <p:to>
+                                        <p:strVal val="hidden"/>
+                                      </p:to>
+                                    </p:set>
+                                  </p:childTnLst>
+                                </p:cTn>
+                              </p:par>
+                            </p:childTnLst>
+                          </p:cTn>
+                        </p:par>
+                      </p:childTnLst>
+                    </p:cTn>
+                  </p:par>
+                  <p:par>
+                    <p:cTn id="44" fill="hold">
+                      <p:stCondLst>
+                        <p:cond delay="indefinite"/>
+                      </p:stCondLst>
+                      <p:childTnLst>
+                        <p:par>
+                          <p:cTn id="45" fill="hold">
+                            <p:stCondLst>
+                              <p:cond delay="0"/>
+                            </p:stCondLst>
+                            <p:childTnLst>
+                              <p:par>
+                                <p:cTn id="46" presetID="1" presetClass="exit" presetSubtype="0" fill="hold" nodeType="clickEffect">
+                                  <p:stCondLst>
+                                    <p:cond delay="0"/>
+                                  </p:stCondLst>
+                                  <p:childTnLst>
+                                    <p:set>
+                                      <p:cBhvr>
+                                        <p:cTn id="47" dur="1" fill="hold">
+                                          <p:stCondLst>
+                                            <p:cond delay="0"/>
+                                          </p:stCondLst>
+                                        </p:cTn>
+                                        <p:tgtEl>
+                                          <p:spTgt spid="9"/>
+                                        </p:tgtEl>
+                                        <p:attrNameLst>
+                                          <p:attrName>style.visibility</p:attrName>
+                                        </p:attrNameLst>
+                                      </p:cBhvr>
+                                      <p:to>
+                                        <p:strVal val="hidden"/>
+                                      </p:to>
+                                    </p:set>
+                                  </p:childTnLst>
+                                </p:cTn>
+                              </p:par>
+                            </p:childTnLst>
+                          </p:cTn>
+                        </p:par>
+                      </p:childTnLst>
+                    </p:cTn>
+                  </p:par>
+                  <p:par>
+                    <p:cTn id="48" fill="hold">
+                      <p:stCondLst>
+                        <p:cond delay="indefinite"/>
+                      </p:stCondLst>
+                      <p:childTnLst>
+                        <p:par>
+                          <p:cTn id="49" fill="hold">
+                            <p:stCondLst>
+                              <p:cond delay="0"/>
+                            </p:stCondLst>
+                            <p:childTnLst>
+                              <p:par>
+                                <p:cTn id="50" presetID="10" presetClass="entr" presetSubtype="0" fill="hold" nodeType="clickEffect">
+                                  <p:stCondLst>
+                                    <p:cond delay="0"/>
+                                  </p:stCondLst>
+                                  <p:childTnLst>
+                                    <p:set>
+                                      <p:cBhvr>
+                                        <p:cTn id="51" dur="1" fill="hold">
+                                          <p:stCondLst>
+                                            <p:cond delay="0"/>
+                                          </p:stCondLst>
+                                        </p:cTn>
+                                        <p:tgtEl>
+                                          <p:spTgt spid="13"/>
+                                        </p:tgtEl>
+                                        <p:attrNameLst>
+                                          <p:attrName>style.visibility</p:attrName>
+                                        </p:attrNameLst>
+                                      </p:cBhvr>
+                                      <p:to>
+                                        <p:strVal val="visible"/>
+                                      </p:to>
+                                    </p:set>
+                                    <p:animEffect transition="in" filter="fade">
+                                      <p:cBhvr>
+                                        <p:cTn id="52" dur="500"/>
+                                        <p:tgtEl>
+                                          <p:spTgt spid="13"/>
+                                        </p:tgtEl>
+                                      </p:cBhvr>
+                                    </p:animEffect>
+                                  </p:childTnLst>
+                                </p:cTn>
+                              </p:par>
+                              <p:par>
+                                <p:cTn id="53" presetID="10" presetClass="entr" presetSubtype="0" fill="hold" nodeType="withEffect">
+                                  <p:stCondLst>
+                                    <p:cond delay="0"/>
+                                  </p:stCondLst>
+                                  <p:childTnLst>
+                                    <p:set>
+                                      <p:cBhvr>
+                                        <p:cTn id="54" dur="1" fill="hold">
+                                          <p:stCondLst>
+                                            <p:cond delay="0"/>
+                                          </p:stCondLst>
+                                        </p:cTn>
+                                        <p:tgtEl>
+                                          <p:spTgt spid="14"/>
+                                        </p:tgtEl>
+                                        <p:attrNameLst>
+                                          <p:attrName>style.visibility</p:attrName>
+                                        </p:attrNameLst>
+                                      </p:cBhvr>
+                                      <p:to>
+                                        <p:strVal val="visible"/>
+                                      </p:to>
+                                    </p:set>
+                                    <p:animEffect transition="in" filter="fade">
+                                      <p:cBhvr>
+                                        <p:cTn id="55" dur="500"/>
+                                        <p:tgtEl>
+                                          <p:spTgt spid="14"/>
+                                        </p:tgtEl>
+                                      </p:cBhvr>
+                                    </p:animEffect>
+                                  </p:childTnLst>
+                                </p:cTn>
+                              </p:par>
+                            </p:childTnLst>
+                          </p:cTn>
+                        </p:par>
+                      </p:childTnLst>
+                    </p:cTn>
+                  </p:par>
+                  <p:par>
+                    <p:cTn id="56" fill="hold">
+                      <p:stCondLst>
+                        <p:cond delay="indefinite"/>
+                      </p:stCondLst>
+                      <p:childTnLst>
+                        <p:par>
+                          <p:cTn id="57" fill="hold">
+                            <p:stCondLst>
+                              <p:cond delay="0"/>
+                            </p:stCondLst>
+                            <p:childTnLst>
+                              <p:par>
+                                <p:cTn id="58" presetID="10" presetClass="entr" presetSubtype="0" fill="hold" nodeType="clickEffect">
+                                  <p:stCondLst>
+                                    <p:cond delay="0"/>
+                                  </p:stCondLst>
+                                  <p:childTnLst>
+                                    <p:set>
+                                      <p:cBhvr>
+                                        <p:cTn id="59" dur="1" fill="hold">
+                                          <p:stCondLst>
+                                            <p:cond delay="0"/>
+                                          </p:stCondLst>
+                                        </p:cTn>
+                                        <p:tgtEl>
+                                          <p:spTgt spid="15"/>
+                                        </p:tgtEl>
+                                        <p:attrNameLst>
+                                          <p:attrName>style.visibility</p:attrName>
+                                        </p:attrNameLst>
+                                      </p:cBhvr>
+                                      <p:to>
+                                        <p:strVal val="visible"/>
+                                      </p:to>
+                                    </p:set>
+                                    <p:animEffect transition="in" filter="fade">
+                                      <p:cBhvr>
+                                        <p:cTn id="60" dur="500"/>
+                                        <p:tgtEl>
+                                          <p:spTgt spid="15"/>
+                                        </p:tgtEl>
+                                      </p:cBhvr>
+                                    </p:animEffect>
+                                  </p:childTnLst>
+                                </p:cTn>
+                              </p:par>
+                              <p:par>
+                                <p:cTn id="61" presetID="10" presetClass="entr" presetSubtype="0" fill="hold" nodeType="withEffect">
+                                  <p:stCondLst>
+                                    <p:cond delay="0"/>
+                                  </p:stCondLst>
+                                  <p:childTnLst>
+                                    <p:set>
+                                      <p:cBhvr>
+                                        <p:cTn id="62" dur="1" fill="hold">
+                                          <p:stCondLst>
+                                            <p:cond delay="0"/>
+                                          </p:stCondLst>
+                                        </p:cTn>
+                                        <p:tgtEl>
+                                          <p:spTgt spid="16"/>
+                                        </p:tgtEl>
+                                        <p:attrNameLst>
+                                          <p:attrName>style.visibility</p:attrName>
+                                        </p:attrNameLst>
+                                      </p:cBhvr>
+                                      <p:to>
+                                        <p:strVal val="visible"/>
+                                      </p:to>
+                                    </p:set>
+                                    <p:animEffect transition="in" filter="fade">
+                                      <p:cBhvr>
+                                        <p:cTn id="63" dur="500"/>
+                                        <p:tgtEl>
+                                          <p:spTgt spid="16"/>
+                                        </p:tgtEl>
+                                      </p:cBhvr>
+                                    </p:animEffect>
+                                  </p:childTnLst>
+                                </p:cTn>
+                              </p:par>
+                              <p:par>
+                                <p:cTn id="64" presetID="10" presetClass="entr" presetSubtype="0" fill="hold" nodeType="withEffect">
+                                  <p:stCondLst>
+                                    <p:cond delay="0"/>
+                                  </p:stCondLst>
+                                  <p:childTnLst>
+                                    <p:set>
+                                      <p:cBhvr>
+                                        <p:cTn id="65" dur="1" fill="hold">
+                                          <p:stCondLst>
+                                            <p:cond delay="0"/>
+                                          </p:stCondLst>
+                                        </p:cTn>
+                                        <p:tgtEl>
+                                          <p:spTgt spid="17"/>
+                                        </p:tgtEl>
+                                        <p:attrNameLst>
+                                          <p:attrName>style.visibility</p:attrName>
+                                        </p:attrNameLst>
+                                      </p:cBhvr>
+                                      <p:to>
+                                        <p:strVal val="visible"/>
+                                      </p:to>
+                                    </p:set>
+                                    <p:animEffect transition="in" filter="fade">
+                                      <p:cBhvr>
+                                        <p:cTn id="66" dur="500"/>
+                                        <p:tgtEl>
+                                          <p:spTgt spid="17"/>
+                                        </p:tgtEl>
+                                      </p:cBhvr>
+                                    </p:animEffect>
+                                  </p:childTnLst>
+                                </p:cTn>
+                              </p:par>
+                            </p:childTnLst>
+                          </p:cTn>
+                        </p:par>
+                      </p:childTnLst>
+                    </p:cTn>
+                  </p:par>
+                  <p:par>
+                    <p:cTn id="67" fill="hold">
+                      <p:stCondLst>
+                        <p:cond delay="indefinite"/>
+                      </p:stCondLst>
+                      <p:childTnLst>
+                        <p:par>
+                          <p:cTn id="68" fill="hold">
+                            <p:stCondLst>
+                              <p:cond delay="0"/>
+                            </p:stCondLst>
+                            <p:childTnLst>
+                              <p:par>
+                                <p:cTn id="69" presetID="10" presetClass="entr" presetSubtype="0" fill="hold" nodeType="clickEffect">
+                                  <p:stCondLst>
+                                    <p:cond delay="0"/>
+                                  </p:stCondLst>
+                                  <p:childTnLst>
+                                    <p:set>
+                                      <p:cBhvr>
+                                        <p:cTn id="70" dur="1" fill="hold">
+                                          <p:stCondLst>
+                                            <p:cond delay="0"/>
+                                          </p:stCondLst>
+                                        </p:cTn>
+                                        <p:tgtEl>
+                                          <p:spTgt spid="18"/>
+                                        </p:tgtEl>
+                                        <p:attrNameLst>
+                                          <p:attrName>style.visibility</p:attrName>
+                                        </p:attrNameLst>
+                                      </p:cBhvr>
+                                      <p:to>
+                                        <p:strVal val="visible"/>
+                                      </p:to>
+                                    </p:set>
+                                    <p:animEffect transition="in" filter="fade">
+                                      <p:cBhvr>
+                                        <p:cTn id="71" dur="500"/>
+                                        <p:tgtEl>
+                                          <p:spTgt spid="18"/>
+                                        </p:tgtEl>
+                                      </p:cBhvr>
+                                    </p:animEffect>
+                                  </p:childTnLst>
+                                </p:cTn>
+                              </p:par>
+                              <p:par>
+                                <p:cTn id="72" presetID="10" presetClass="entr" presetSubtype="0" fill="hold" nodeType="withEffect">
+                                  <p:stCondLst>
+                                    <p:cond delay="0"/>
+                                  </p:stCondLst>
+                                  <p:childTnLst>
+                                    <p:set>
+                                      <p:cBhvr>
+                                        <p:cTn id="73" dur="1" fill="hold">
+                                          <p:stCondLst>
+                                            <p:cond delay="0"/>
+                                          </p:stCondLst>
+                                        </p:cTn>
+                                        <p:tgtEl>
+                                          <p:spTgt spid="19"/>
+                                        </p:tgtEl>
+                                        <p:attrNameLst>
+                                          <p:attrName>style.visibility</p:attrName>
+                                        </p:attrNameLst>
+                                      </p:cBhvr>
+                                      <p:to>
+                                        <p:strVal val="visible"/>
+                                      </p:to>
+                                    </p:set>
+                                    <p:animEffect transition="in" filter="fade">
+                                      <p:cBhvr>
+                                        <p:cTn id="74" dur="500"/>
+                                        <p:tgtEl>
+                                          <p:spTgt spid="19"/>
+                                        </p:tgtEl>
+                                      </p:cBhvr>
+                                    </p:animEffect>
+                                  </p:childTnLst>
+                                </p:cTn>
+                              </p:par>
+                              <p:par>
+                                <p:cTn id="75" presetID="10" presetClass="entr" presetSubtype="0" fill="hold" nodeType="withEffect">
+                                  <p:stCondLst>
+                                    <p:cond delay="0"/>
+                                  </p:stCondLst>
+                                  <p:childTnLst>
+                                    <p:set>
+                                      <p:cBhvr>
+                                        <p:cTn id="76" dur="1" fill="hold">
+                                          <p:stCondLst>
+                                            <p:cond delay="0"/>
+                                          </p:stCondLst>
+                                        </p:cTn>
+                                        <p:tgtEl>
+                                          <p:spTgt spid="20"/>
+                                        </p:tgtEl>
+                                        <p:attrNameLst>
+                                          <p:attrName>style.visibility</p:attrName>
+                                        </p:attrNameLst>
+                                      </p:cBhvr>
+                                      <p:to>
+                                        <p:strVal val="visible"/>
+                                      </p:to>
+                                    </p:set>
+                                    <p:animEffect transition="in" filter="fade">
+                                      <p:cBhvr>
+                                        <p:cTn id="77" dur="500"/>
+                                        <p:tgtEl>
+                                          <p:spTgt spid="20"/>
+                                        </p:tgtEl>
+                                      </p:cBhvr>
+                                    </p:animEffect>
+                                  </p:childTnLst>
+                                </p:cTn>
+                              </p:par>
+                            </p:childTnLst>
+                          </p:cTn>
+                        </p:par>
+                      </p:childTnLst>
+                    </p:cTn>
+                  </p:par>
+                </p:childTnLst>
+              </p:cTn>
+              <p:prevCondLst>
+                <p:cond evt="onPrev" delay="0">
+                  <p:tgtEl>
+                    <p:sldTgt/>
+                  </p:tgtEl>
+                </p:cond>
+              </p:prevCondLst>
+              <p:nextCondLst>
+                <p:cond evt="onNext" delay="0">
+                  <p:tgtEl>
+                    <p:sldTgt/>
+                  </p:tgtEl>
+                </p:cond>
+              </p:nextCondLst>
+            </p:seq>
+          </p:childTnLst>
+        </p:cTn>
+      </p:par>
+    </p:tnLst>
+  </p:timing>
 </p:sld>
 </file>
 
@@ -8822,4 +17513,299 @@
     </a:ext>
   </a:extLst>
 </a:theme>
+</file>
+
+<file path=ppt/theme/theme4.xml><?xml version="1.0" encoding="utf-8"?>
+<a:theme xmlns:a="http://schemas.openxmlformats.org/drawingml/2006/main" name="Office Theme">
+  <a:themeElements>
+    <a:clrScheme name="Office">
+      <a:dk1>
+        <a:sysClr val="windowText" lastClr="000000"/>
+      </a:dk1>
+      <a:lt1>
+        <a:sysClr val="window" lastClr="FFFFFF"/>
+      </a:lt1>
+      <a:dk2>
+        <a:srgbClr val="44546A"/>
+      </a:dk2>
+      <a:lt2>
+        <a:srgbClr val="E7E6E6"/>
+      </a:lt2>
+      <a:accent1>
+        <a:srgbClr val="4472C4"/>
+      </a:accent1>
+      <a:accent2>
+        <a:srgbClr val="ED7D31"/>
+      </a:accent2>
+      <a:accent3>
+        <a:srgbClr val="A5A5A5"/>
+      </a:accent3>
+      <a:accent4>
+        <a:srgbClr val="FFC000"/>
+      </a:accent4>
+      <a:accent5>
+        <a:srgbClr val="5B9BD5"/>
+      </a:accent5>
+      <a:accent6>
+        <a:srgbClr val="70AD47"/>
+      </a:accent6>
+      <a:hlink>
+        <a:srgbClr val="0563C1"/>
+      </a:hlink>
+      <a:folHlink>
+        <a:srgbClr val="954F72"/>
+      </a:folHlink>
+    </a:clrScheme>
+    <a:fontScheme name="Office">
+      <a:majorFont>
+        <a:latin typeface="Calibri Light" panose="020F0302020204030204"/>
+        <a:ea typeface=""/>
+        <a:cs typeface=""/>
+        <a:font script="Jpan" typeface="游ゴシック Light"/>
+        <a:font script="Hang" typeface="맑은 고딕"/>
+        <a:font script="Hans" typeface="等线 Light"/>
+        <a:font script="Hant" typeface="新細明體"/>
+        <a:font script="Arab" typeface="Times New Roman"/>
+        <a:font script="Hebr" typeface="Times New Roman"/>
+        <a:font script="Thai" typeface="Angsana New"/>
+        <a:font script="Ethi" typeface="Nyala"/>
+        <a:font script="Beng" typeface="Vrinda"/>
+        <a:font script="Gujr" typeface="Shruti"/>
+        <a:font script="Khmr" typeface="MoolBoran"/>
+        <a:font script="Knda" typeface="Tunga"/>
+        <a:font script="Guru" typeface="Raavi"/>
+        <a:font script="Cans" typeface="Euphemia"/>
+        <a:font script="Cher" typeface="Plantagenet Cherokee"/>
+        <a:font script="Yiii" typeface="Microsoft Yi Baiti"/>
+        <a:font script="Tibt" typeface="Microsoft Himalaya"/>
+        <a:font script="Thaa" typeface="MV Boli"/>
+        <a:font script="Deva" typeface="Mangal"/>
+        <a:font script="Telu" typeface="Gautami"/>
+        <a:font script="Taml" typeface="Latha"/>
+        <a:font script="Syrc" typeface="Estrangelo Edessa"/>
+        <a:font script="Orya" typeface="Kalinga"/>
+        <a:font script="Mlym" typeface="Kartika"/>
+        <a:font script="Laoo" typeface="DokChampa"/>
+        <a:font script="Sinh" typeface="Iskoola Pota"/>
+        <a:font script="Mong" typeface="Mongolian Baiti"/>
+        <a:font script="Viet" typeface="Times New Roman"/>
+        <a:font script="Uigh" typeface="Microsoft Uighur"/>
+        <a:font script="Geor" typeface="Sylfaen"/>
+        <a:font script="Armn" typeface="Arial"/>
+        <a:font script="Bugi" typeface="Leelawadee UI"/>
+        <a:font script="Bopo" typeface="Microsoft JhengHei"/>
+        <a:font script="Java" typeface="Javanese Text"/>
+        <a:font script="Lisu" typeface="Segoe UI"/>
+        <a:font script="Mymr" typeface="Myanmar Text"/>
+        <a:font script="Nkoo" typeface="Ebrima"/>
+        <a:font script="Olck" typeface="Nirmala UI"/>
+        <a:font script="Osma" typeface="Ebrima"/>
+        <a:font script="Phag" typeface="Phagspa"/>
+        <a:font script="Syrn" typeface="Estrangelo Edessa"/>
+        <a:font script="Syrj" typeface="Estrangelo Edessa"/>
+        <a:font script="Syre" typeface="Estrangelo Edessa"/>
+        <a:font script="Sora" typeface="Nirmala UI"/>
+        <a:font script="Tale" typeface="Microsoft Tai Le"/>
+        <a:font script="Talu" typeface="Microsoft New Tai Lue"/>
+        <a:font script="Tfng" typeface="Ebrima"/>
+      </a:majorFont>
+      <a:minorFont>
+        <a:latin typeface="Calibri" panose="020F0502020204030204"/>
+        <a:ea typeface=""/>
+        <a:cs typeface=""/>
+        <a:font script="Jpan" typeface="游ゴシック"/>
+        <a:font script="Hang" typeface="맑은 고딕"/>
+        <a:font script="Hans" typeface="等线"/>
+        <a:font script="Hant" typeface="新細明體"/>
+        <a:font script="Arab" typeface="Arial"/>
+        <a:font script="Hebr" typeface="Arial"/>
+        <a:font script="Thai" typeface="Cordia New"/>
+        <a:font script="Ethi" typeface="Nyala"/>
+        <a:font script="Beng" typeface="Vrinda"/>
+        <a:font script="Gujr" typeface="Shruti"/>
+        <a:font script="Khmr" typeface="DaunPenh"/>
+        <a:font script="Knda" typeface="Tunga"/>
+        <a:font script="Guru" typeface="Raavi"/>
+        <a:font script="Cans" typeface="Euphemia"/>
+        <a:font script="Cher" typeface="Plantagenet Cherokee"/>
+        <a:font script="Yiii" typeface="Microsoft Yi Baiti"/>
+        <a:font script="Tibt" typeface="Microsoft Himalaya"/>
+        <a:font script="Thaa" typeface="MV Boli"/>
+        <a:font script="Deva" typeface="Mangal"/>
+        <a:font script="Telu" typeface="Gautami"/>
+        <a:font script="Taml" typeface="Latha"/>
+        <a:font script="Syrc" typeface="Estrangelo Edessa"/>
+        <a:font script="Orya" typeface="Kalinga"/>
+        <a:font script="Mlym" typeface="Kartika"/>
+        <a:font script="Laoo" typeface="DokChampa"/>
+        <a:font script="Sinh" typeface="Iskoola Pota"/>
+        <a:font script="Mong" typeface="Mongolian Baiti"/>
+        <a:font script="Viet" typeface="Arial"/>
+        <a:font script="Uigh" typeface="Microsoft Uighur"/>
+        <a:font script="Geor" typeface="Sylfaen"/>
+        <a:font script="Armn" typeface="Arial"/>
+        <a:font script="Bugi" typeface="Leelawadee UI"/>
+        <a:font script="Bopo" typeface="Microsoft JhengHei"/>
+        <a:font script="Java" typeface="Javanese Text"/>
+        <a:font script="Lisu" typeface="Segoe UI"/>
+        <a:font script="Mymr" typeface="Myanmar Text"/>
+        <a:font script="Nkoo" typeface="Ebrima"/>
+        <a:font script="Olck" typeface="Nirmala UI"/>
+        <a:font script="Osma" typeface="Ebrima"/>
+        <a:font script="Phag" typeface="Phagspa"/>
+        <a:font script="Syrn" typeface="Estrangelo Edessa"/>
+        <a:font script="Syrj" typeface="Estrangelo Edessa"/>
+        <a:font script="Syre" typeface="Estrangelo Edessa"/>
+        <a:font script="Sora" typeface="Nirmala UI"/>
+        <a:font script="Tale" typeface="Microsoft Tai Le"/>
+        <a:font script="Talu" typeface="Microsoft New Tai Lue"/>
+        <a:font script="Tfng" typeface="Ebrima"/>
+      </a:minorFont>
+    </a:fontScheme>
+    <a:fmtScheme name="Office">
+      <a:fillStyleLst>
+        <a:solidFill>
+          <a:schemeClr val="phClr"/>
+        </a:solidFill>
+        <a:gradFill rotWithShape="1">
+          <a:gsLst>
+            <a:gs pos="0">
+              <a:schemeClr val="phClr">
+                <a:lumMod val="110000"/>
+                <a:satMod val="105000"/>
+                <a:tint val="67000"/>
+              </a:schemeClr>
+            </a:gs>
+            <a:gs pos="50000">
+              <a:schemeClr val="phClr">
+                <a:lumMod val="105000"/>
+                <a:satMod val="103000"/>
+                <a:tint val="73000"/>
+              </a:schemeClr>
+            </a:gs>
+            <a:gs pos="100000">
+              <a:schemeClr val="phClr">
+                <a:lumMod val="105000"/>
+                <a:satMod val="109000"/>
+                <a:tint val="81000"/>
+              </a:schemeClr>
+            </a:gs>
+          </a:gsLst>
+          <a:lin ang="5400000" scaled="0"/>
+        </a:gradFill>
+        <a:gradFill rotWithShape="1">
+          <a:gsLst>
+            <a:gs pos="0">
+              <a:schemeClr val="phClr">
+                <a:satMod val="103000"/>
+                <a:lumMod val="102000"/>
+                <a:tint val="94000"/>
+              </a:schemeClr>
+            </a:gs>
+            <a:gs pos="50000">
+              <a:schemeClr val="phClr">
+                <a:satMod val="110000"/>
+                <a:lumMod val="100000"/>
+                <a:shade val="100000"/>
+              </a:schemeClr>
+            </a:gs>
+            <a:gs pos="100000">
+              <a:schemeClr val="phClr">
+                <a:lumMod val="99000"/>
+                <a:satMod val="120000"/>
+                <a:shade val="78000"/>
+              </a:schemeClr>
+            </a:gs>
+          </a:gsLst>
+          <a:lin ang="5400000" scaled="0"/>
+        </a:gradFill>
+      </a:fillStyleLst>
+      <a:lnStyleLst>
+        <a:ln w="6350" cap="flat" cmpd="sng" algn="ctr">
+          <a:solidFill>
+            <a:schemeClr val="phClr"/>
+          </a:solidFill>
+          <a:prstDash val="solid"/>
+          <a:miter lim="800000"/>
+        </a:ln>
+        <a:ln w="12700" cap="flat" cmpd="sng" algn="ctr">
+          <a:solidFill>
+            <a:schemeClr val="phClr"/>
+          </a:solidFill>
+          <a:prstDash val="solid"/>
+          <a:miter lim="800000"/>
+        </a:ln>
+        <a:ln w="19050" cap="flat" cmpd="sng" algn="ctr">
+          <a:solidFill>
+            <a:schemeClr val="phClr"/>
+          </a:solidFill>
+          <a:prstDash val="solid"/>
+          <a:miter lim="800000"/>
+        </a:ln>
+      </a:lnStyleLst>
+      <a:effectStyleLst>
+        <a:effectStyle>
+          <a:effectLst/>
+        </a:effectStyle>
+        <a:effectStyle>
+          <a:effectLst/>
+        </a:effectStyle>
+        <a:effectStyle>
+          <a:effectLst>
+            <a:outerShdw blurRad="57150" dist="19050" dir="5400000" algn="ctr" rotWithShape="0">
+              <a:srgbClr val="000000">
+                <a:alpha val="63000"/>
+              </a:srgbClr>
+            </a:outerShdw>
+          </a:effectLst>
+        </a:effectStyle>
+      </a:effectStyleLst>
+      <a:bgFillStyleLst>
+        <a:solidFill>
+          <a:schemeClr val="phClr"/>
+        </a:solidFill>
+        <a:solidFill>
+          <a:schemeClr val="phClr">
+            <a:tint val="95000"/>
+            <a:satMod val="170000"/>
+          </a:schemeClr>
+        </a:solidFill>
+        <a:gradFill rotWithShape="1">
+          <a:gsLst>
+            <a:gs pos="0">
+              <a:schemeClr val="phClr">
+                <a:tint val="93000"/>
+                <a:satMod val="150000"/>
+                <a:shade val="98000"/>
+                <a:lumMod val="102000"/>
+              </a:schemeClr>
+            </a:gs>
+            <a:gs pos="50000">
+              <a:schemeClr val="phClr">
+                <a:tint val="98000"/>
+                <a:satMod val="130000"/>
+                <a:shade val="90000"/>
+                <a:lumMod val="103000"/>
+              </a:schemeClr>
+            </a:gs>
+            <a:gs pos="100000">
+              <a:schemeClr val="phClr">
+                <a:shade val="63000"/>
+                <a:satMod val="120000"/>
+              </a:schemeClr>
+            </a:gs>
+          </a:gsLst>
+          <a:lin ang="5400000" scaled="0"/>
+        </a:gradFill>
+      </a:bgFillStyleLst>
+    </a:fmtScheme>
+  </a:themeElements>
+  <a:objectDefaults/>
+  <a:extraClrSchemeLst/>
+  <a:extLst>
+    <a:ext uri="{05A4C25C-085E-4340-85A3-A5531E510DB2}">
+      <thm15:themeFamily xmlns:thm15="http://schemas.microsoft.com/office/thememl/2012/main" name="Office Theme" id="{62F939B6-93AF-4DB8-9C6B-D6C7DFDC589F}" vid="{4A3C46E8-61CC-4603-A589-7422A47A8E4A}"/>
+    </a:ext>
+  </a:extLst>
+</a:theme>
 </file>